--- a/Assets/Class/Animation Retargeting/PPT Data/Animation Retargeting Example.pptx
+++ b/Assets/Class/Animation Retargeting/PPT Data/Animation Retargeting Example.pptx
@@ -2,7 +2,7 @@
 <file path=ppt/presentation.xml><?xml version="1.0" encoding="utf-8"?>
 <p:presentation xmlns:a="http://schemas.openxmlformats.org/drawingml/2006/main" xmlns:r="http://schemas.openxmlformats.org/officeDocument/2006/relationships" xmlns:p="http://schemas.openxmlformats.org/presentationml/2006/main" xmlns:p14="http://schemas.microsoft.com/office/powerpoint/2010/main" saveSubsetFonts="1" firstSlideNum="0">
   <p:sldMasterIdLst>
-    <p:sldMasterId id="2147486847" r:id="rId12"/>
+    <p:sldMasterId id="2147486875" r:id="rId12"/>
   </p:sldMasterIdLst>
   <p:notesMasterIdLst>
     <p:notesMasterId r:id="rId14"/>
@@ -14,6 +14,14 @@
     <p:sldId id="334" r:id="rId19"/>
     <p:sldId id="321" r:id="rId20"/>
     <p:sldId id="333" r:id="rId21"/>
+    <p:sldId id="335" r:id="rId22"/>
+    <p:sldId id="336" r:id="rId23"/>
+    <p:sldId id="337" r:id="rId24"/>
+    <p:sldId id="338" r:id="rId25"/>
+    <p:sldId id="339" r:id="rId26"/>
+    <p:sldId id="340" r:id="rId27"/>
+    <p:sldId id="341" r:id="rId28"/>
+    <p:sldId id="342" r:id="rId29"/>
   </p:sldIdLst>
   <p:sldSz cx="12192000" cy="6858000"/>
   <p:notesSz cx="6858000" cy="9144000"/>
@@ -614,6 +622,716 @@
 </p:notes>
 </file>
 
+<file path=ppt/notesSlides/notesSlide10.xml><?xml version="1.0" encoding="utf-8"?>
+<p:notes xmlns:a="http://schemas.openxmlformats.org/drawingml/2006/main" xmlns:r="http://schemas.openxmlformats.org/officeDocument/2006/relationships" xmlns:p="http://schemas.openxmlformats.org/presentationml/2006/main">
+  <p:cSld>
+    <p:spTree>
+      <p:nvGrpSpPr>
+        <p:cNvPr id="1" name=""/>
+        <p:cNvGrpSpPr/>
+        <p:nvPr/>
+      </p:nvGrpSpPr>
+      <p:grpSpPr>
+        <a:xfrm>
+          <a:off x="0" y="0"/>
+          <a:ext cx="0" cy="0"/>
+          <a:chOff x="0" y="0"/>
+          <a:chExt cx="0" cy="0"/>
+        </a:xfrm>
+      </p:grpSpPr>
+      <p:sp>
+        <p:nvSpPr>
+          <p:cNvPr id="2" name="슬라이드 이미지 개체 틀 3"/>
+          <p:cNvSpPr>
+            <a:spLocks noChangeAspect="1"/>
+          </p:cNvSpPr>
+          <p:nvPr>
+            <p:ph type="sldImg" idx="2"/>
+          </p:nvPr>
+        </p:nvSpPr>
+        <p:spPr>
+          <a:xfrm rot="0">
+            <a:off x="685800" y="1143000"/>
+            <a:ext cx="5495290" cy="3094990"/>
+          </a:xfrm>
+          <a:prstGeom prst="rect"/>
+          <a:noFill/>
+          <a:ln w="12700" cap="flat" cmpd="sng">
+            <a:solidFill>
+              <a:srgbClr val="000000">
+                <a:alpha val="100000"/>
+              </a:srgbClr>
+            </a:solidFill>
+            <a:prstDash val="solid"/>
+          </a:ln>
+        </p:spPr>
+        <p:txBody>
+          <a:bodyPr wrap="square" lIns="91440" tIns="45720" rIns="91440" bIns="45720" numCol="1" vert="horz" anchor="ctr">
+            <a:noAutofit/>
+          </a:bodyPr>
+          <a:lstStyle/>
+          <a:p>
+            <a:pPr marL="0" indent="0" latinLnBrk="0">
+              <a:buFontTx/>
+              <a:buNone/>
+            </a:pPr>
+          </a:p>
+        </p:txBody>
+      </p:sp>
+      <p:sp>
+        <p:nvSpPr>
+          <p:cNvPr id="3" name="슬라이드 노트 개체 틀 4"/>
+          <p:cNvSpPr txBox="1">
+            <a:spLocks/>
+          </p:cNvSpPr>
+          <p:nvPr>
+            <p:ph type="body" idx="3"/>
+          </p:nvPr>
+        </p:nvSpPr>
+        <p:spPr>
+          <a:xfrm rot="0">
+            <a:off x="685800" y="4400550"/>
+            <a:ext cx="5495290" cy="3609340"/>
+          </a:xfrm>
+          <a:prstGeom prst="rect"/>
+        </p:spPr>
+        <p:txBody>
+          <a:bodyPr wrap="square" lIns="91440" tIns="45720" rIns="91440" bIns="45720" numCol="1" vert="horz" anchor="t">
+            <a:noAutofit/>
+          </a:bodyPr>
+          <a:lstStyle/>
+          <a:p>
+            <a:pPr marL="0" indent="0" latinLnBrk="0">
+              <a:buFontTx/>
+              <a:buNone/>
+            </a:pPr>
+          </a:p>
+        </p:txBody>
+      </p:sp>
+      <p:sp>
+        <p:nvSpPr>
+          <p:cNvPr id="4" name="슬라이드 번호 개체 틀 6"/>
+          <p:cNvSpPr txBox="1">
+            <a:spLocks/>
+          </p:cNvSpPr>
+          <p:nvPr>
+            <p:ph type="sldNum" idx="5"/>
+          </p:nvPr>
+        </p:nvSpPr>
+        <p:spPr>
+          <a:xfrm rot="0">
+            <a:off x="3884930" y="8685530"/>
+            <a:ext cx="2980690" cy="467360"/>
+          </a:xfrm>
+          <a:prstGeom prst="rect"/>
+        </p:spPr>
+        <p:txBody>
+          <a:bodyPr wrap="square" lIns="91440" tIns="45720" rIns="91440" bIns="45720" numCol="1" vert="horz" anchor="b">
+            <a:noAutofit/>
+          </a:bodyPr>
+          <a:lstStyle>
+            <a:lvl1pPr marL="0" indent="0" algn="r" latinLnBrk="0">
+              <a:buFontTx/>
+              <a:buNone/>
+              <a:defRPr lang="en-GB" altLang="en-US" sz="1200"/>
+            </a:lvl1pPr>
+          </a:lstStyle>
+          <a:p>
+            <a:pPr marL="0" indent="0" latinLnBrk="0">
+              <a:buFontTx/>
+              <a:buNone/>
+            </a:pPr>
+            <a:fld id="{B9320F77-B9A0-41C5-862A-B4B631284C64}" type="slidenum">
+              <a:rPr lang="ko-KR" altLang="en-US"/>
+              <a:t>‹#›</a:t>
+            </a:fld>
+          </a:p>
+        </p:txBody>
+      </p:sp>
+    </p:spTree>
+  </p:cSld>
+  <p:clrMapOvr>
+    <a:masterClrMapping/>
+  </p:clrMapOvr>
+  <mc:AlternateContent xmlns:mc="http://schemas.openxmlformats.org/markup-compatibility/2006">
+    <mc:Choice xmlns:p14="http://schemas.microsoft.com/office/powerpoint/2010/main" Requires="p14">
+      <p:transition spd="slow" p14:dur="0"/>
+    </mc:Choice>
+    <mc:Fallback>
+      <p:transition spd="slow"/>
+    </mc:Fallback>
+  </mc:AlternateContent>
+</p:notes>
+</file>
+
+<file path=ppt/notesSlides/notesSlide11.xml><?xml version="1.0" encoding="utf-8"?>
+<p:notes xmlns:a="http://schemas.openxmlformats.org/drawingml/2006/main" xmlns:r="http://schemas.openxmlformats.org/officeDocument/2006/relationships" xmlns:p="http://schemas.openxmlformats.org/presentationml/2006/main">
+  <p:cSld>
+    <p:spTree>
+      <p:nvGrpSpPr>
+        <p:cNvPr id="1" name=""/>
+        <p:cNvGrpSpPr/>
+        <p:nvPr/>
+      </p:nvGrpSpPr>
+      <p:grpSpPr>
+        <a:xfrm>
+          <a:off x="0" y="0"/>
+          <a:ext cx="0" cy="0"/>
+          <a:chOff x="0" y="0"/>
+          <a:chExt cx="0" cy="0"/>
+        </a:xfrm>
+      </p:grpSpPr>
+      <p:sp>
+        <p:nvSpPr>
+          <p:cNvPr id="2" name="슬라이드 이미지 개체 틀 3"/>
+          <p:cNvSpPr>
+            <a:spLocks noChangeAspect="1"/>
+          </p:cNvSpPr>
+          <p:nvPr>
+            <p:ph type="sldImg" idx="2"/>
+          </p:nvPr>
+        </p:nvSpPr>
+        <p:spPr>
+          <a:xfrm rot="0">
+            <a:off x="685800" y="1143000"/>
+            <a:ext cx="5495925" cy="3095625"/>
+          </a:xfrm>
+          <a:prstGeom prst="rect"/>
+          <a:noFill/>
+          <a:ln w="12700" cap="flat" cmpd="sng">
+            <a:solidFill>
+              <a:srgbClr val="000000">
+                <a:alpha val="100000"/>
+              </a:srgbClr>
+            </a:solidFill>
+            <a:prstDash val="solid"/>
+          </a:ln>
+        </p:spPr>
+        <p:txBody>
+          <a:bodyPr wrap="square" lIns="91440" tIns="45720" rIns="91440" bIns="45720" numCol="1" vert="horz" anchor="ctr">
+            <a:noAutofit/>
+          </a:bodyPr>
+          <a:lstStyle/>
+          <a:p>
+            <a:pPr marL="0" indent="0" latinLnBrk="0">
+              <a:buFontTx/>
+              <a:buNone/>
+            </a:pPr>
+          </a:p>
+        </p:txBody>
+      </p:sp>
+      <p:sp>
+        <p:nvSpPr>
+          <p:cNvPr id="3" name="슬라이드 노트 개체 틀 4"/>
+          <p:cNvSpPr txBox="1">
+            <a:spLocks/>
+          </p:cNvSpPr>
+          <p:nvPr>
+            <p:ph type="body" idx="3"/>
+          </p:nvPr>
+        </p:nvSpPr>
+        <p:spPr>
+          <a:xfrm rot="0">
+            <a:off x="685800" y="4400550"/>
+            <a:ext cx="5495925" cy="3609975"/>
+          </a:xfrm>
+          <a:prstGeom prst="rect"/>
+        </p:spPr>
+        <p:txBody>
+          <a:bodyPr wrap="square" lIns="91440" tIns="45720" rIns="91440" bIns="45720" numCol="1" vert="horz" anchor="t">
+            <a:noAutofit/>
+          </a:bodyPr>
+          <a:lstStyle/>
+          <a:p>
+            <a:pPr marL="0" indent="0" latinLnBrk="0">
+              <a:buFontTx/>
+              <a:buNone/>
+            </a:pPr>
+          </a:p>
+        </p:txBody>
+      </p:sp>
+      <p:sp>
+        <p:nvSpPr>
+          <p:cNvPr id="4" name="슬라이드 번호 개체 틀 6"/>
+          <p:cNvSpPr txBox="1">
+            <a:spLocks/>
+          </p:cNvSpPr>
+          <p:nvPr>
+            <p:ph type="sldNum" idx="5"/>
+          </p:nvPr>
+        </p:nvSpPr>
+        <p:spPr>
+          <a:xfrm rot="0">
+            <a:off x="3884930" y="8685530"/>
+            <a:ext cx="2981325" cy="467995"/>
+          </a:xfrm>
+          <a:prstGeom prst="rect"/>
+        </p:spPr>
+        <p:txBody>
+          <a:bodyPr wrap="square" lIns="91440" tIns="45720" rIns="91440" bIns="45720" numCol="1" vert="horz" anchor="b">
+            <a:noAutofit/>
+          </a:bodyPr>
+          <a:lstStyle>
+            <a:lvl1pPr marL="0" indent="0" algn="r" latinLnBrk="0">
+              <a:buFontTx/>
+              <a:buNone/>
+              <a:defRPr lang="en-GB" altLang="en-US" sz="1200"/>
+            </a:lvl1pPr>
+          </a:lstStyle>
+          <a:p>
+            <a:pPr marL="0" indent="0" latinLnBrk="0">
+              <a:buFontTx/>
+              <a:buNone/>
+            </a:pPr>
+            <a:fld id="{B9320F77-B9A0-41C5-862A-B4B631284C64}" type="slidenum">
+              <a:rPr lang="ko-KR" altLang="en-US"/>
+              <a:t>‹#›</a:t>
+            </a:fld>
+          </a:p>
+        </p:txBody>
+      </p:sp>
+    </p:spTree>
+  </p:cSld>
+  <p:clrMapOvr>
+    <a:masterClrMapping/>
+  </p:clrMapOvr>
+  <mc:AlternateContent xmlns:mc="http://schemas.openxmlformats.org/markup-compatibility/2006">
+    <mc:Choice xmlns:p14="http://schemas.microsoft.com/office/powerpoint/2010/main" Requires="p14">
+      <p:transition spd="slow" p14:dur="0"/>
+    </mc:Choice>
+    <mc:Fallback>
+      <p:transition spd="slow"/>
+    </mc:Fallback>
+  </mc:AlternateContent>
+</p:notes>
+</file>
+
+<file path=ppt/notesSlides/notesSlide12.xml><?xml version="1.0" encoding="utf-8"?>
+<p:notes xmlns:a="http://schemas.openxmlformats.org/drawingml/2006/main" xmlns:r="http://schemas.openxmlformats.org/officeDocument/2006/relationships" xmlns:p="http://schemas.openxmlformats.org/presentationml/2006/main">
+  <p:cSld>
+    <p:spTree>
+      <p:nvGrpSpPr>
+        <p:cNvPr id="1" name=""/>
+        <p:cNvGrpSpPr/>
+        <p:nvPr/>
+      </p:nvGrpSpPr>
+      <p:grpSpPr>
+        <a:xfrm>
+          <a:off x="0" y="0"/>
+          <a:ext cx="0" cy="0"/>
+          <a:chOff x="0" y="0"/>
+          <a:chExt cx="0" cy="0"/>
+        </a:xfrm>
+      </p:grpSpPr>
+      <p:sp>
+        <p:nvSpPr>
+          <p:cNvPr id="2" name="슬라이드 이미지 개체 틀 3"/>
+          <p:cNvSpPr>
+            <a:spLocks noChangeAspect="1"/>
+          </p:cNvSpPr>
+          <p:nvPr>
+            <p:ph type="sldImg" idx="2"/>
+          </p:nvPr>
+        </p:nvSpPr>
+        <p:spPr>
+          <a:xfrm rot="0">
+            <a:off x="685800" y="1143000"/>
+            <a:ext cx="5495925" cy="3095625"/>
+          </a:xfrm>
+          <a:prstGeom prst="rect"/>
+          <a:noFill/>
+          <a:ln w="12700" cap="flat" cmpd="sng">
+            <a:solidFill>
+              <a:srgbClr val="000000">
+                <a:alpha val="100000"/>
+              </a:srgbClr>
+            </a:solidFill>
+            <a:prstDash val="solid"/>
+          </a:ln>
+        </p:spPr>
+        <p:txBody>
+          <a:bodyPr wrap="square" lIns="91440" tIns="45720" rIns="91440" bIns="45720" numCol="1" vert="horz" anchor="ctr">
+            <a:noAutofit/>
+          </a:bodyPr>
+          <a:lstStyle/>
+          <a:p>
+            <a:pPr marL="0" indent="0" latinLnBrk="0">
+              <a:buFontTx/>
+              <a:buNone/>
+            </a:pPr>
+          </a:p>
+        </p:txBody>
+      </p:sp>
+      <p:sp>
+        <p:nvSpPr>
+          <p:cNvPr id="3" name="슬라이드 노트 개체 틀 4"/>
+          <p:cNvSpPr txBox="1">
+            <a:spLocks/>
+          </p:cNvSpPr>
+          <p:nvPr>
+            <p:ph type="body" idx="3"/>
+          </p:nvPr>
+        </p:nvSpPr>
+        <p:spPr>
+          <a:xfrm rot="0">
+            <a:off x="685800" y="4400550"/>
+            <a:ext cx="5495925" cy="3609975"/>
+          </a:xfrm>
+          <a:prstGeom prst="rect"/>
+        </p:spPr>
+        <p:txBody>
+          <a:bodyPr wrap="square" lIns="91440" tIns="45720" rIns="91440" bIns="45720" numCol="1" vert="horz" anchor="t">
+            <a:noAutofit/>
+          </a:bodyPr>
+          <a:lstStyle/>
+          <a:p>
+            <a:pPr marL="0" indent="0" latinLnBrk="0">
+              <a:buFontTx/>
+              <a:buNone/>
+            </a:pPr>
+          </a:p>
+        </p:txBody>
+      </p:sp>
+      <p:sp>
+        <p:nvSpPr>
+          <p:cNvPr id="4" name="슬라이드 번호 개체 틀 6"/>
+          <p:cNvSpPr txBox="1">
+            <a:spLocks/>
+          </p:cNvSpPr>
+          <p:nvPr>
+            <p:ph type="sldNum" idx="5"/>
+          </p:nvPr>
+        </p:nvSpPr>
+        <p:spPr>
+          <a:xfrm rot="0">
+            <a:off x="3884930" y="8685530"/>
+            <a:ext cx="2981325" cy="467995"/>
+          </a:xfrm>
+          <a:prstGeom prst="rect"/>
+        </p:spPr>
+        <p:txBody>
+          <a:bodyPr wrap="square" lIns="91440" tIns="45720" rIns="91440" bIns="45720" numCol="1" vert="horz" anchor="b">
+            <a:noAutofit/>
+          </a:bodyPr>
+          <a:lstStyle>
+            <a:lvl1pPr marL="0" indent="0" algn="r" latinLnBrk="0">
+              <a:buFontTx/>
+              <a:buNone/>
+              <a:defRPr lang="en-GB" altLang="en-US" sz="1200"/>
+            </a:lvl1pPr>
+          </a:lstStyle>
+          <a:p>
+            <a:pPr marL="0" indent="0" latinLnBrk="0">
+              <a:buFontTx/>
+              <a:buNone/>
+            </a:pPr>
+            <a:fld id="{B9320F77-B9A0-41C5-862A-B4B631284C64}" type="slidenum">
+              <a:rPr lang="ko-KR" altLang="en-US"/>
+              <a:t>‹#›</a:t>
+            </a:fld>
+          </a:p>
+        </p:txBody>
+      </p:sp>
+    </p:spTree>
+  </p:cSld>
+  <p:clrMapOvr>
+    <a:masterClrMapping/>
+  </p:clrMapOvr>
+  <mc:AlternateContent xmlns:mc="http://schemas.openxmlformats.org/markup-compatibility/2006">
+    <mc:Choice xmlns:p14="http://schemas.microsoft.com/office/powerpoint/2010/main" Requires="p14">
+      <p:transition spd="slow" p14:dur="0"/>
+    </mc:Choice>
+    <mc:Fallback>
+      <p:transition spd="slow"/>
+    </mc:Fallback>
+  </mc:AlternateContent>
+</p:notes>
+</file>
+
+<file path=ppt/notesSlides/notesSlide13.xml><?xml version="1.0" encoding="utf-8"?>
+<p:notes xmlns:a="http://schemas.openxmlformats.org/drawingml/2006/main" xmlns:r="http://schemas.openxmlformats.org/officeDocument/2006/relationships" xmlns:p="http://schemas.openxmlformats.org/presentationml/2006/main">
+  <p:cSld>
+    <p:spTree>
+      <p:nvGrpSpPr>
+        <p:cNvPr id="1" name=""/>
+        <p:cNvGrpSpPr/>
+        <p:nvPr/>
+      </p:nvGrpSpPr>
+      <p:grpSpPr>
+        <a:xfrm>
+          <a:off x="0" y="0"/>
+          <a:ext cx="0" cy="0"/>
+          <a:chOff x="0" y="0"/>
+          <a:chExt cx="0" cy="0"/>
+        </a:xfrm>
+      </p:grpSpPr>
+      <p:sp>
+        <p:nvSpPr>
+          <p:cNvPr id="2" name="슬라이드 이미지 개체 틀 3"/>
+          <p:cNvSpPr>
+            <a:spLocks noChangeAspect="1"/>
+          </p:cNvSpPr>
+          <p:nvPr>
+            <p:ph type="sldImg" idx="2"/>
+          </p:nvPr>
+        </p:nvSpPr>
+        <p:spPr>
+          <a:xfrm rot="0">
+            <a:off x="685800" y="1143000"/>
+            <a:ext cx="5495925" cy="3095625"/>
+          </a:xfrm>
+          <a:prstGeom prst="rect"/>
+          <a:noFill/>
+          <a:ln w="12700" cap="flat" cmpd="sng">
+            <a:solidFill>
+              <a:srgbClr val="000000">
+                <a:alpha val="100000"/>
+              </a:srgbClr>
+            </a:solidFill>
+            <a:prstDash val="solid"/>
+          </a:ln>
+        </p:spPr>
+        <p:txBody>
+          <a:bodyPr wrap="square" lIns="91440" tIns="45720" rIns="91440" bIns="45720" numCol="1" vert="horz" anchor="ctr">
+            <a:noAutofit/>
+          </a:bodyPr>
+          <a:lstStyle/>
+          <a:p>
+            <a:pPr marL="0" indent="0" latinLnBrk="0">
+              <a:buFontTx/>
+              <a:buNone/>
+            </a:pPr>
+          </a:p>
+        </p:txBody>
+      </p:sp>
+      <p:sp>
+        <p:nvSpPr>
+          <p:cNvPr id="3" name="슬라이드 노트 개체 틀 4"/>
+          <p:cNvSpPr txBox="1">
+            <a:spLocks/>
+          </p:cNvSpPr>
+          <p:nvPr>
+            <p:ph type="body" idx="3"/>
+          </p:nvPr>
+        </p:nvSpPr>
+        <p:spPr>
+          <a:xfrm rot="0">
+            <a:off x="685800" y="4400550"/>
+            <a:ext cx="5495925" cy="3609975"/>
+          </a:xfrm>
+          <a:prstGeom prst="rect"/>
+        </p:spPr>
+        <p:txBody>
+          <a:bodyPr wrap="square" lIns="91440" tIns="45720" rIns="91440" bIns="45720" numCol="1" vert="horz" anchor="t">
+            <a:noAutofit/>
+          </a:bodyPr>
+          <a:lstStyle/>
+          <a:p>
+            <a:pPr marL="0" indent="0" latinLnBrk="0">
+              <a:buFontTx/>
+              <a:buNone/>
+            </a:pPr>
+          </a:p>
+        </p:txBody>
+      </p:sp>
+      <p:sp>
+        <p:nvSpPr>
+          <p:cNvPr id="4" name="슬라이드 번호 개체 틀 6"/>
+          <p:cNvSpPr txBox="1">
+            <a:spLocks/>
+          </p:cNvSpPr>
+          <p:nvPr>
+            <p:ph type="sldNum" idx="5"/>
+          </p:nvPr>
+        </p:nvSpPr>
+        <p:spPr>
+          <a:xfrm rot="0">
+            <a:off x="3884930" y="8685530"/>
+            <a:ext cx="2981325" cy="467995"/>
+          </a:xfrm>
+          <a:prstGeom prst="rect"/>
+        </p:spPr>
+        <p:txBody>
+          <a:bodyPr wrap="square" lIns="91440" tIns="45720" rIns="91440" bIns="45720" numCol="1" vert="horz" anchor="b">
+            <a:noAutofit/>
+          </a:bodyPr>
+          <a:lstStyle>
+            <a:lvl1pPr marL="0" indent="0" algn="r" latinLnBrk="0">
+              <a:buFontTx/>
+              <a:buNone/>
+              <a:defRPr lang="en-GB" altLang="en-US" sz="1200"/>
+            </a:lvl1pPr>
+          </a:lstStyle>
+          <a:p>
+            <a:pPr marL="0" indent="0" latinLnBrk="0">
+              <a:buFontTx/>
+              <a:buNone/>
+            </a:pPr>
+            <a:fld id="{B9320F77-B9A0-41C5-862A-B4B631284C64}" type="slidenum">
+              <a:rPr lang="ko-KR" altLang="en-US"/>
+              <a:t>‹#›</a:t>
+            </a:fld>
+          </a:p>
+        </p:txBody>
+      </p:sp>
+    </p:spTree>
+  </p:cSld>
+  <p:clrMapOvr>
+    <a:masterClrMapping/>
+  </p:clrMapOvr>
+  <mc:AlternateContent xmlns:mc="http://schemas.openxmlformats.org/markup-compatibility/2006">
+    <mc:Choice xmlns:p14="http://schemas.microsoft.com/office/powerpoint/2010/main" Requires="p14">
+      <p:transition spd="slow" p14:dur="0"/>
+    </mc:Choice>
+    <mc:Fallback>
+      <p:transition spd="slow"/>
+    </mc:Fallback>
+  </mc:AlternateContent>
+</p:notes>
+</file>
+
+<file path=ppt/notesSlides/notesSlide14.xml><?xml version="1.0" encoding="utf-8"?>
+<p:notes xmlns:a="http://schemas.openxmlformats.org/drawingml/2006/main" xmlns:r="http://schemas.openxmlformats.org/officeDocument/2006/relationships" xmlns:p="http://schemas.openxmlformats.org/presentationml/2006/main">
+  <p:cSld>
+    <p:spTree>
+      <p:nvGrpSpPr>
+        <p:cNvPr id="1" name=""/>
+        <p:cNvGrpSpPr/>
+        <p:nvPr/>
+      </p:nvGrpSpPr>
+      <p:grpSpPr>
+        <a:xfrm>
+          <a:off x="0" y="0"/>
+          <a:ext cx="0" cy="0"/>
+          <a:chOff x="0" y="0"/>
+          <a:chExt cx="0" cy="0"/>
+        </a:xfrm>
+      </p:grpSpPr>
+      <p:sp>
+        <p:nvSpPr>
+          <p:cNvPr id="2" name="슬라이드 이미지 개체 틀 3"/>
+          <p:cNvSpPr>
+            <a:spLocks noChangeAspect="1"/>
+          </p:cNvSpPr>
+          <p:nvPr>
+            <p:ph type="sldImg" idx="2"/>
+          </p:nvPr>
+        </p:nvSpPr>
+        <p:spPr>
+          <a:xfrm rot="0">
+            <a:off x="685800" y="1143000"/>
+            <a:ext cx="5495925" cy="3095625"/>
+          </a:xfrm>
+          <a:prstGeom prst="rect"/>
+          <a:noFill/>
+          <a:ln w="12700" cap="flat" cmpd="sng">
+            <a:solidFill>
+              <a:srgbClr val="000000">
+                <a:alpha val="100000"/>
+              </a:srgbClr>
+            </a:solidFill>
+            <a:prstDash val="solid"/>
+          </a:ln>
+        </p:spPr>
+        <p:txBody>
+          <a:bodyPr wrap="square" lIns="91440" tIns="45720" rIns="91440" bIns="45720" numCol="1" vert="horz" anchor="ctr">
+            <a:noAutofit/>
+          </a:bodyPr>
+          <a:lstStyle/>
+          <a:p>
+            <a:pPr marL="0" indent="0" latinLnBrk="0">
+              <a:buFontTx/>
+              <a:buNone/>
+            </a:pPr>
+          </a:p>
+        </p:txBody>
+      </p:sp>
+      <p:sp>
+        <p:nvSpPr>
+          <p:cNvPr id="3" name="슬라이드 노트 개체 틀 4"/>
+          <p:cNvSpPr txBox="1">
+            <a:spLocks/>
+          </p:cNvSpPr>
+          <p:nvPr>
+            <p:ph type="body" idx="3"/>
+          </p:nvPr>
+        </p:nvSpPr>
+        <p:spPr>
+          <a:xfrm rot="0">
+            <a:off x="685800" y="4400550"/>
+            <a:ext cx="5495925" cy="3609975"/>
+          </a:xfrm>
+          <a:prstGeom prst="rect"/>
+        </p:spPr>
+        <p:txBody>
+          <a:bodyPr wrap="square" lIns="91440" tIns="45720" rIns="91440" bIns="45720" numCol="1" vert="horz" anchor="t">
+            <a:noAutofit/>
+          </a:bodyPr>
+          <a:lstStyle/>
+          <a:p>
+            <a:pPr marL="0" indent="0" latinLnBrk="0">
+              <a:buFontTx/>
+              <a:buNone/>
+            </a:pPr>
+          </a:p>
+        </p:txBody>
+      </p:sp>
+      <p:sp>
+        <p:nvSpPr>
+          <p:cNvPr id="4" name="슬라이드 번호 개체 틀 6"/>
+          <p:cNvSpPr txBox="1">
+            <a:spLocks/>
+          </p:cNvSpPr>
+          <p:nvPr>
+            <p:ph type="sldNum" idx="5"/>
+          </p:nvPr>
+        </p:nvSpPr>
+        <p:spPr>
+          <a:xfrm rot="0">
+            <a:off x="3884930" y="8685530"/>
+            <a:ext cx="2981325" cy="467995"/>
+          </a:xfrm>
+          <a:prstGeom prst="rect"/>
+        </p:spPr>
+        <p:txBody>
+          <a:bodyPr wrap="square" lIns="91440" tIns="45720" rIns="91440" bIns="45720" numCol="1" vert="horz" anchor="b">
+            <a:noAutofit/>
+          </a:bodyPr>
+          <a:lstStyle>
+            <a:lvl1pPr marL="0" indent="0" algn="r" latinLnBrk="0">
+              <a:buFontTx/>
+              <a:buNone/>
+              <a:defRPr lang="en-GB" altLang="en-US" sz="1200"/>
+            </a:lvl1pPr>
+          </a:lstStyle>
+          <a:p>
+            <a:pPr marL="0" indent="0" latinLnBrk="0">
+              <a:buFontTx/>
+              <a:buNone/>
+            </a:pPr>
+            <a:fld id="{B9320F77-B9A0-41C5-862A-B4B631284C64}" type="slidenum">
+              <a:rPr lang="ko-KR" altLang="en-US"/>
+              <a:t>‹#›</a:t>
+            </a:fld>
+          </a:p>
+        </p:txBody>
+      </p:sp>
+    </p:spTree>
+  </p:cSld>
+  <p:clrMapOvr>
+    <a:masterClrMapping/>
+  </p:clrMapOvr>
+  <mc:AlternateContent xmlns:mc="http://schemas.openxmlformats.org/markup-compatibility/2006">
+    <mc:Choice xmlns:p14="http://schemas.microsoft.com/office/powerpoint/2010/main" Requires="p14">
+      <p:transition spd="slow" p14:dur="0"/>
+    </mc:Choice>
+    <mc:Fallback>
+      <p:transition spd="slow"/>
+    </mc:Fallback>
+  </mc:AlternateContent>
+</p:notes>
+</file>
+
 <file path=ppt/notesSlides/notesSlide2.xml><?xml version="1.0" encoding="utf-8"?>
 <p:notes xmlns:a="http://schemas.openxmlformats.org/drawingml/2006/main" xmlns:r="http://schemas.openxmlformats.org/officeDocument/2006/relationships" xmlns:p="http://schemas.openxmlformats.org/presentationml/2006/main">
   <p:cSld>
@@ -1282,6 +2000,432 @@
           <a:xfrm rot="0">
             <a:off x="3884930" y="8685530"/>
             <a:ext cx="2980055" cy="466725"/>
+          </a:xfrm>
+          <a:prstGeom prst="rect"/>
+        </p:spPr>
+        <p:txBody>
+          <a:bodyPr wrap="square" lIns="91440" tIns="45720" rIns="91440" bIns="45720" numCol="1" vert="horz" anchor="b">
+            <a:noAutofit/>
+          </a:bodyPr>
+          <a:lstStyle>
+            <a:lvl1pPr marL="0" indent="0" algn="r" latinLnBrk="0">
+              <a:buFontTx/>
+              <a:buNone/>
+              <a:defRPr lang="en-GB" altLang="en-US" sz="1200"/>
+            </a:lvl1pPr>
+          </a:lstStyle>
+          <a:p>
+            <a:pPr marL="0" indent="0" latinLnBrk="0">
+              <a:buFontTx/>
+              <a:buNone/>
+            </a:pPr>
+            <a:fld id="{B9320F77-B9A0-41C5-862A-B4B631284C64}" type="slidenum">
+              <a:rPr lang="ko-KR" altLang="en-US"/>
+              <a:t>‹#›</a:t>
+            </a:fld>
+          </a:p>
+        </p:txBody>
+      </p:sp>
+    </p:spTree>
+  </p:cSld>
+  <p:clrMapOvr>
+    <a:masterClrMapping/>
+  </p:clrMapOvr>
+  <mc:AlternateContent xmlns:mc="http://schemas.openxmlformats.org/markup-compatibility/2006">
+    <mc:Choice xmlns:p14="http://schemas.microsoft.com/office/powerpoint/2010/main" Requires="p14">
+      <p:transition spd="slow" p14:dur="0"/>
+    </mc:Choice>
+    <mc:Fallback>
+      <p:transition spd="slow"/>
+    </mc:Fallback>
+  </mc:AlternateContent>
+</p:notes>
+</file>
+
+<file path=ppt/notesSlides/notesSlide7.xml><?xml version="1.0" encoding="utf-8"?>
+<p:notes xmlns:a="http://schemas.openxmlformats.org/drawingml/2006/main" xmlns:r="http://schemas.openxmlformats.org/officeDocument/2006/relationships" xmlns:p="http://schemas.openxmlformats.org/presentationml/2006/main">
+  <p:cSld>
+    <p:spTree>
+      <p:nvGrpSpPr>
+        <p:cNvPr id="1" name=""/>
+        <p:cNvGrpSpPr/>
+        <p:nvPr/>
+      </p:nvGrpSpPr>
+      <p:grpSpPr>
+        <a:xfrm>
+          <a:off x="0" y="0"/>
+          <a:ext cx="0" cy="0"/>
+          <a:chOff x="0" y="0"/>
+          <a:chExt cx="0" cy="0"/>
+        </a:xfrm>
+      </p:grpSpPr>
+      <p:sp>
+        <p:nvSpPr>
+          <p:cNvPr id="2" name="슬라이드 이미지 개체 틀 3"/>
+          <p:cNvSpPr>
+            <a:spLocks noChangeAspect="1"/>
+          </p:cNvSpPr>
+          <p:nvPr>
+            <p:ph type="sldImg" idx="2"/>
+          </p:nvPr>
+        </p:nvSpPr>
+        <p:spPr>
+          <a:xfrm rot="0">
+            <a:off x="685800" y="1143000"/>
+            <a:ext cx="5495290" cy="3094990"/>
+          </a:xfrm>
+          <a:prstGeom prst="rect"/>
+          <a:noFill/>
+          <a:ln w="12700" cap="flat" cmpd="sng">
+            <a:solidFill>
+              <a:srgbClr val="000000">
+                <a:alpha val="100000"/>
+              </a:srgbClr>
+            </a:solidFill>
+            <a:prstDash val="solid"/>
+          </a:ln>
+        </p:spPr>
+        <p:txBody>
+          <a:bodyPr wrap="square" lIns="91440" tIns="45720" rIns="91440" bIns="45720" numCol="1" vert="horz" anchor="ctr">
+            <a:noAutofit/>
+          </a:bodyPr>
+          <a:lstStyle/>
+          <a:p>
+            <a:pPr marL="0" indent="0" latinLnBrk="0">
+              <a:buFontTx/>
+              <a:buNone/>
+            </a:pPr>
+          </a:p>
+        </p:txBody>
+      </p:sp>
+      <p:sp>
+        <p:nvSpPr>
+          <p:cNvPr id="3" name="슬라이드 노트 개체 틀 4"/>
+          <p:cNvSpPr txBox="1">
+            <a:spLocks/>
+          </p:cNvSpPr>
+          <p:nvPr>
+            <p:ph type="body" idx="3"/>
+          </p:nvPr>
+        </p:nvSpPr>
+        <p:spPr>
+          <a:xfrm rot="0">
+            <a:off x="685800" y="4400550"/>
+            <a:ext cx="5495290" cy="3609340"/>
+          </a:xfrm>
+          <a:prstGeom prst="rect"/>
+        </p:spPr>
+        <p:txBody>
+          <a:bodyPr wrap="square" lIns="91440" tIns="45720" rIns="91440" bIns="45720" numCol="1" vert="horz" anchor="t">
+            <a:noAutofit/>
+          </a:bodyPr>
+          <a:lstStyle/>
+          <a:p>
+            <a:pPr marL="0" indent="0" latinLnBrk="0">
+              <a:buFontTx/>
+              <a:buNone/>
+            </a:pPr>
+          </a:p>
+        </p:txBody>
+      </p:sp>
+      <p:sp>
+        <p:nvSpPr>
+          <p:cNvPr id="4" name="슬라이드 번호 개체 틀 6"/>
+          <p:cNvSpPr txBox="1">
+            <a:spLocks/>
+          </p:cNvSpPr>
+          <p:nvPr>
+            <p:ph type="sldNum" idx="5"/>
+          </p:nvPr>
+        </p:nvSpPr>
+        <p:spPr>
+          <a:xfrm rot="0">
+            <a:off x="3884930" y="8685530"/>
+            <a:ext cx="2980690" cy="467360"/>
+          </a:xfrm>
+          <a:prstGeom prst="rect"/>
+        </p:spPr>
+        <p:txBody>
+          <a:bodyPr wrap="square" lIns="91440" tIns="45720" rIns="91440" bIns="45720" numCol="1" vert="horz" anchor="b">
+            <a:noAutofit/>
+          </a:bodyPr>
+          <a:lstStyle>
+            <a:lvl1pPr marL="0" indent="0" algn="r" latinLnBrk="0">
+              <a:buFontTx/>
+              <a:buNone/>
+              <a:defRPr lang="en-GB" altLang="en-US" sz="1200"/>
+            </a:lvl1pPr>
+          </a:lstStyle>
+          <a:p>
+            <a:pPr marL="0" indent="0" latinLnBrk="0">
+              <a:buFontTx/>
+              <a:buNone/>
+            </a:pPr>
+            <a:fld id="{B9320F77-B9A0-41C5-862A-B4B631284C64}" type="slidenum">
+              <a:rPr lang="ko-KR" altLang="en-US"/>
+              <a:t>‹#›</a:t>
+            </a:fld>
+          </a:p>
+        </p:txBody>
+      </p:sp>
+    </p:spTree>
+  </p:cSld>
+  <p:clrMapOvr>
+    <a:masterClrMapping/>
+  </p:clrMapOvr>
+  <mc:AlternateContent xmlns:mc="http://schemas.openxmlformats.org/markup-compatibility/2006">
+    <mc:Choice xmlns:p14="http://schemas.microsoft.com/office/powerpoint/2010/main" Requires="p14">
+      <p:transition spd="slow" p14:dur="0"/>
+    </mc:Choice>
+    <mc:Fallback>
+      <p:transition spd="slow"/>
+    </mc:Fallback>
+  </mc:AlternateContent>
+</p:notes>
+</file>
+
+<file path=ppt/notesSlides/notesSlide8.xml><?xml version="1.0" encoding="utf-8"?>
+<p:notes xmlns:a="http://schemas.openxmlformats.org/drawingml/2006/main" xmlns:r="http://schemas.openxmlformats.org/officeDocument/2006/relationships" xmlns:p="http://schemas.openxmlformats.org/presentationml/2006/main">
+  <p:cSld>
+    <p:spTree>
+      <p:nvGrpSpPr>
+        <p:cNvPr id="1" name=""/>
+        <p:cNvGrpSpPr/>
+        <p:nvPr/>
+      </p:nvGrpSpPr>
+      <p:grpSpPr>
+        <a:xfrm>
+          <a:off x="0" y="0"/>
+          <a:ext cx="0" cy="0"/>
+          <a:chOff x="0" y="0"/>
+          <a:chExt cx="0" cy="0"/>
+        </a:xfrm>
+      </p:grpSpPr>
+      <p:sp>
+        <p:nvSpPr>
+          <p:cNvPr id="2" name="슬라이드 이미지 개체 틀 3"/>
+          <p:cNvSpPr>
+            <a:spLocks noChangeAspect="1"/>
+          </p:cNvSpPr>
+          <p:nvPr>
+            <p:ph type="sldImg" idx="2"/>
+          </p:nvPr>
+        </p:nvSpPr>
+        <p:spPr>
+          <a:xfrm rot="0">
+            <a:off x="685800" y="1143000"/>
+            <a:ext cx="5495290" cy="3094990"/>
+          </a:xfrm>
+          <a:prstGeom prst="rect"/>
+          <a:noFill/>
+          <a:ln w="12700" cap="flat" cmpd="sng">
+            <a:solidFill>
+              <a:srgbClr val="000000">
+                <a:alpha val="100000"/>
+              </a:srgbClr>
+            </a:solidFill>
+            <a:prstDash val="solid"/>
+          </a:ln>
+        </p:spPr>
+        <p:txBody>
+          <a:bodyPr wrap="square" lIns="91440" tIns="45720" rIns="91440" bIns="45720" numCol="1" vert="horz" anchor="ctr">
+            <a:noAutofit/>
+          </a:bodyPr>
+          <a:lstStyle/>
+          <a:p>
+            <a:pPr marL="0" indent="0" latinLnBrk="0">
+              <a:buFontTx/>
+              <a:buNone/>
+            </a:pPr>
+          </a:p>
+        </p:txBody>
+      </p:sp>
+      <p:sp>
+        <p:nvSpPr>
+          <p:cNvPr id="3" name="슬라이드 노트 개체 틀 4"/>
+          <p:cNvSpPr txBox="1">
+            <a:spLocks/>
+          </p:cNvSpPr>
+          <p:nvPr>
+            <p:ph type="body" idx="3"/>
+          </p:nvPr>
+        </p:nvSpPr>
+        <p:spPr>
+          <a:xfrm rot="0">
+            <a:off x="685800" y="4400550"/>
+            <a:ext cx="5495290" cy="3609340"/>
+          </a:xfrm>
+          <a:prstGeom prst="rect"/>
+        </p:spPr>
+        <p:txBody>
+          <a:bodyPr wrap="square" lIns="91440" tIns="45720" rIns="91440" bIns="45720" numCol="1" vert="horz" anchor="t">
+            <a:noAutofit/>
+          </a:bodyPr>
+          <a:lstStyle/>
+          <a:p>
+            <a:pPr marL="0" indent="0" latinLnBrk="0">
+              <a:buFontTx/>
+              <a:buNone/>
+            </a:pPr>
+          </a:p>
+        </p:txBody>
+      </p:sp>
+      <p:sp>
+        <p:nvSpPr>
+          <p:cNvPr id="4" name="슬라이드 번호 개체 틀 6"/>
+          <p:cNvSpPr txBox="1">
+            <a:spLocks/>
+          </p:cNvSpPr>
+          <p:nvPr>
+            <p:ph type="sldNum" idx="5"/>
+          </p:nvPr>
+        </p:nvSpPr>
+        <p:spPr>
+          <a:xfrm rot="0">
+            <a:off x="3884930" y="8685530"/>
+            <a:ext cx="2980690" cy="467360"/>
+          </a:xfrm>
+          <a:prstGeom prst="rect"/>
+        </p:spPr>
+        <p:txBody>
+          <a:bodyPr wrap="square" lIns="91440" tIns="45720" rIns="91440" bIns="45720" numCol="1" vert="horz" anchor="b">
+            <a:noAutofit/>
+          </a:bodyPr>
+          <a:lstStyle>
+            <a:lvl1pPr marL="0" indent="0" algn="r" latinLnBrk="0">
+              <a:buFontTx/>
+              <a:buNone/>
+              <a:defRPr lang="en-GB" altLang="en-US" sz="1200"/>
+            </a:lvl1pPr>
+          </a:lstStyle>
+          <a:p>
+            <a:pPr marL="0" indent="0" latinLnBrk="0">
+              <a:buFontTx/>
+              <a:buNone/>
+            </a:pPr>
+            <a:fld id="{B9320F77-B9A0-41C5-862A-B4B631284C64}" type="slidenum">
+              <a:rPr lang="ko-KR" altLang="en-US"/>
+              <a:t>‹#›</a:t>
+            </a:fld>
+          </a:p>
+        </p:txBody>
+      </p:sp>
+    </p:spTree>
+  </p:cSld>
+  <p:clrMapOvr>
+    <a:masterClrMapping/>
+  </p:clrMapOvr>
+  <mc:AlternateContent xmlns:mc="http://schemas.openxmlformats.org/markup-compatibility/2006">
+    <mc:Choice xmlns:p14="http://schemas.microsoft.com/office/powerpoint/2010/main" Requires="p14">
+      <p:transition spd="slow" p14:dur="0"/>
+    </mc:Choice>
+    <mc:Fallback>
+      <p:transition spd="slow"/>
+    </mc:Fallback>
+  </mc:AlternateContent>
+</p:notes>
+</file>
+
+<file path=ppt/notesSlides/notesSlide9.xml><?xml version="1.0" encoding="utf-8"?>
+<p:notes xmlns:a="http://schemas.openxmlformats.org/drawingml/2006/main" xmlns:r="http://schemas.openxmlformats.org/officeDocument/2006/relationships" xmlns:p="http://schemas.openxmlformats.org/presentationml/2006/main">
+  <p:cSld>
+    <p:spTree>
+      <p:nvGrpSpPr>
+        <p:cNvPr id="1" name=""/>
+        <p:cNvGrpSpPr/>
+        <p:nvPr/>
+      </p:nvGrpSpPr>
+      <p:grpSpPr>
+        <a:xfrm>
+          <a:off x="0" y="0"/>
+          <a:ext cx="0" cy="0"/>
+          <a:chOff x="0" y="0"/>
+          <a:chExt cx="0" cy="0"/>
+        </a:xfrm>
+      </p:grpSpPr>
+      <p:sp>
+        <p:nvSpPr>
+          <p:cNvPr id="2" name="슬라이드 이미지 개체 틀 3"/>
+          <p:cNvSpPr>
+            <a:spLocks noChangeAspect="1"/>
+          </p:cNvSpPr>
+          <p:nvPr>
+            <p:ph type="sldImg" idx="2"/>
+          </p:nvPr>
+        </p:nvSpPr>
+        <p:spPr>
+          <a:xfrm rot="0">
+            <a:off x="685800" y="1143000"/>
+            <a:ext cx="5495290" cy="3094990"/>
+          </a:xfrm>
+          <a:prstGeom prst="rect"/>
+          <a:noFill/>
+          <a:ln w="12700" cap="flat" cmpd="sng">
+            <a:solidFill>
+              <a:srgbClr val="000000">
+                <a:alpha val="100000"/>
+              </a:srgbClr>
+            </a:solidFill>
+            <a:prstDash val="solid"/>
+          </a:ln>
+        </p:spPr>
+        <p:txBody>
+          <a:bodyPr wrap="square" lIns="91440" tIns="45720" rIns="91440" bIns="45720" numCol="1" vert="horz" anchor="ctr">
+            <a:noAutofit/>
+          </a:bodyPr>
+          <a:lstStyle/>
+          <a:p>
+            <a:pPr marL="0" indent="0" latinLnBrk="0">
+              <a:buFontTx/>
+              <a:buNone/>
+            </a:pPr>
+          </a:p>
+        </p:txBody>
+      </p:sp>
+      <p:sp>
+        <p:nvSpPr>
+          <p:cNvPr id="3" name="슬라이드 노트 개체 틀 4"/>
+          <p:cNvSpPr txBox="1">
+            <a:spLocks/>
+          </p:cNvSpPr>
+          <p:nvPr>
+            <p:ph type="body" idx="3"/>
+          </p:nvPr>
+        </p:nvSpPr>
+        <p:spPr>
+          <a:xfrm rot="0">
+            <a:off x="685800" y="4400550"/>
+            <a:ext cx="5495290" cy="3609340"/>
+          </a:xfrm>
+          <a:prstGeom prst="rect"/>
+        </p:spPr>
+        <p:txBody>
+          <a:bodyPr wrap="square" lIns="91440" tIns="45720" rIns="91440" bIns="45720" numCol="1" vert="horz" anchor="t">
+            <a:noAutofit/>
+          </a:bodyPr>
+          <a:lstStyle/>
+          <a:p>
+            <a:pPr marL="0" indent="0" latinLnBrk="0">
+              <a:buFontTx/>
+              <a:buNone/>
+            </a:pPr>
+          </a:p>
+        </p:txBody>
+      </p:sp>
+      <p:sp>
+        <p:nvSpPr>
+          <p:cNvPr id="4" name="슬라이드 번호 개체 틀 6"/>
+          <p:cNvSpPr txBox="1">
+            <a:spLocks/>
+          </p:cNvSpPr>
+          <p:nvPr>
+            <p:ph type="sldNum" idx="5"/>
+          </p:nvPr>
+        </p:nvSpPr>
+        <p:spPr>
+          <a:xfrm rot="0">
+            <a:off x="3884930" y="8685530"/>
+            <a:ext cx="2980690" cy="467360"/>
           </a:xfrm>
           <a:prstGeom prst="rect"/>
         </p:spPr>
@@ -6394,7 +7538,7 @@
       </p:sp>
       <p:pic>
         <p:nvPicPr>
-          <p:cNvPr id="25" name="그림 3" descr="C:/Users/Admin1/AppData/Roaming/PolarisOffice/ETemp/2752_22058296/fImage40558124541.png"/>
+          <p:cNvPr id="25" name="그림 3"/>
           <p:cNvPicPr>
             <a:picLocks noChangeAspect="1"/>
           </p:cNvPicPr>
@@ -6423,7 +7567,7 @@
       </p:pic>
       <p:pic>
         <p:nvPicPr>
-          <p:cNvPr id="26" name="그림 4" descr="C:/Users/Admin1/AppData/Roaming/PolarisOffice/ETemp/2752_22058296/fImage211862468467.png"/>
+          <p:cNvPr id="26" name="그림 4"/>
           <p:cNvPicPr>
             <a:picLocks noChangeAspect="1"/>
           </p:cNvPicPr>
@@ -6450,6 +7594,2745 @@
           <a:noFill/>
         </p:spPr>
       </p:pic>
+    </p:spTree>
+  </p:cSld>
+  <p:clrMapOvr>
+    <a:masterClrMapping/>
+  </p:clrMapOvr>
+  <mc:AlternateContent xmlns:mc="http://schemas.openxmlformats.org/markup-compatibility/2006">
+    <mc:Choice xmlns:p14="http://schemas.microsoft.com/office/powerpoint/2010/main" Requires="p14">
+      <p:transition spd="slow" p14:dur="2000"/>
+    </mc:Choice>
+    <mc:Fallback>
+      <p:transition spd="slow"/>
+    </mc:Fallback>
+  </mc:AlternateContent>
+  <p:timing>
+    <p:tnLst>
+      <p:par>
+        <p:cTn id="1" dur="indefinite" restart="never" nodeType="tmRoot"/>
+      </p:par>
+    </p:tnLst>
+  </p:timing>
+</p:sld>
+</file>
+
+<file path=ppt/slides/slide10.xml><?xml version="1.0" encoding="utf-8"?>
+<p:sld xmlns:a="http://schemas.openxmlformats.org/drawingml/2006/main" xmlns:r="http://schemas.openxmlformats.org/officeDocument/2006/relationships" xmlns:p="http://schemas.openxmlformats.org/presentationml/2006/main" xmlns:p14="http://schemas.microsoft.com/office/powerpoint/2010/main">
+  <p:cSld>
+    <p:spTree>
+      <p:nvGrpSpPr>
+        <p:cNvPr id="1" name=""/>
+        <p:cNvGrpSpPr/>
+        <p:nvPr/>
+      </p:nvGrpSpPr>
+      <p:grpSpPr>
+        <a:xfrm>
+          <a:off x="0" y="0"/>
+          <a:ext cx="0" cy="0"/>
+          <a:chOff x="0" y="0"/>
+          <a:chExt cx="0" cy="0"/>
+        </a:xfrm>
+      </p:grpSpPr>
+      <p:sp>
+        <p:nvSpPr>
+          <p:cNvPr id="22" name="Rect 0"/>
+          <p:cNvSpPr txBox="1">
+            <a:spLocks/>
+          </p:cNvSpPr>
+          <p:nvPr/>
+        </p:nvSpPr>
+        <p:spPr>
+          <a:xfrm rot="0">
+            <a:off x="4488180" y="470535"/>
+            <a:ext cx="3209925" cy="554990"/>
+          </a:xfrm>
+          <a:prstGeom prst="rect"/>
+          <a:noFill/>
+          <a:ln w="0">
+            <a:noFill/>
+            <a:prstDash/>
+          </a:ln>
+        </p:spPr>
+        <p:txBody>
+          <a:bodyPr wrap="square" lIns="89535" tIns="46355" rIns="89535" bIns="46355" numCol="1" vert="horz" anchor="t">
+            <a:spAutoFit/>
+          </a:bodyPr>
+          <a:lstStyle/>
+          <a:p>
+            <a:pPr marL="0" indent="0" algn="l" latinLnBrk="0" hangingPunct="1">
+              <a:buFontTx/>
+              <a:buNone/>
+            </a:pPr>
+            <a:r>
+              <a:rPr lang="ko-KR" sz="3000" b="1">
+                <a:latin typeface="맑은 고딕" charset="0"/>
+                <a:ea typeface="맑은 고딕" charset="0"/>
+              </a:rPr>
+              <a:t>열</a:t>
+            </a:r>
+            <a:r>
+              <a:rPr lang="ko-KR" sz="3000" b="1">
+                <a:latin typeface="맑은 고딕" charset="0"/>
+                <a:ea typeface="맑은 고딕" charset="0"/>
+              </a:rPr>
+              <a:t> 번째 튜토리얼 </a:t>
+            </a:r>
+            <a:endParaRPr lang="ko-KR" altLang="en-US" sz="3000" b="1">
+              <a:latin typeface="맑은 고딕" charset="0"/>
+              <a:ea typeface="맑은 고딕" charset="0"/>
+            </a:endParaRPr>
+          </a:p>
+        </p:txBody>
+      </p:sp>
+      <p:sp>
+        <p:nvSpPr>
+          <p:cNvPr id="54" name="Rect 0"/>
+          <p:cNvSpPr txBox="1">
+            <a:spLocks/>
+          </p:cNvSpPr>
+          <p:nvPr/>
+        </p:nvSpPr>
+        <p:spPr>
+          <a:xfrm rot="0">
+            <a:off x="1181100" y="4384040"/>
+            <a:ext cx="4199255" cy="1784985"/>
+          </a:xfrm>
+          <a:prstGeom prst="rect"/>
+          <a:noFill/>
+          <a:ln w="0">
+            <a:noFill/>
+            <a:prstDash/>
+          </a:ln>
+        </p:spPr>
+        <p:txBody>
+          <a:bodyPr wrap="square" lIns="89535" tIns="46355" rIns="89535" bIns="46355" numCol="1" vert="horz" anchor="t">
+            <a:spAutoFit/>
+          </a:bodyPr>
+          <a:lstStyle/>
+          <a:p>
+            <a:pPr marL="0" indent="0" rtl="0" algn="l" defTabSz="914400" eaLnBrk="1" latinLnBrk="0" hangingPunct="1">
+              <a:buFontTx/>
+              <a:buNone/>
+            </a:pPr>
+            <a:r>
+              <a:rPr sz="2000" b="1">
+                <a:solidFill>
+                  <a:srgbClr val="0611F2"/>
+                </a:solidFill>
+                <a:latin typeface="맑은 고딕" charset="0"/>
+                <a:ea typeface="맑은 고딕" charset="0"/>
+              </a:rPr>
+              <a:t>24</a:t>
+            </a:r>
+            <a:r>
+              <a:rPr sz="2000" b="1">
+                <a:solidFill>
+                  <a:srgbClr val="0611F2"/>
+                </a:solidFill>
+                <a:latin typeface="맑은 고딕" charset="0"/>
+                <a:ea typeface="맑은 고딕" charset="0"/>
+              </a:rPr>
+              <a:t>. </a:t>
+            </a:r>
+            <a:r>
+              <a:rPr sz="1800">
+                <a:latin typeface="맑은 고딕" charset="0"/>
+                <a:ea typeface="맑은 고딕" charset="0"/>
+              </a:rPr>
+              <a:t>그</a:t>
+            </a:r>
+            <a:r>
+              <a:rPr sz="1800">
+                <a:latin typeface="맑은 고딕" charset="0"/>
+                <a:ea typeface="맑은 고딕" charset="0"/>
+              </a:rPr>
+              <a:t>다</a:t>
+            </a:r>
+            <a:r>
+              <a:rPr lang="ko-KR" sz="1800">
+                <a:latin typeface="맑은 고딕" charset="0"/>
+                <a:ea typeface="맑은 고딕" charset="0"/>
+              </a:rPr>
+              <a:t>음</a:t>
+            </a:r>
+            <a:r>
+              <a:rPr sz="1800">
+                <a:latin typeface="맑은 고딕" charset="0"/>
+                <a:ea typeface="맑은 고딕" charset="0"/>
+              </a:rPr>
+              <a:t> </a:t>
+            </a:r>
+            <a:r>
+              <a:rPr lang="ko-KR" sz="1800">
+                <a:latin typeface="맑은 고딕" charset="0"/>
+                <a:ea typeface="맑은 고딕" charset="0"/>
+              </a:rPr>
+              <a:t>Ch19_nonPBR 오브젝트</a:t>
+            </a:r>
+            <a:r>
+              <a:rPr sz="1800">
+                <a:latin typeface="맑은 고딕" charset="0"/>
+                <a:ea typeface="맑은 고딕" charset="0"/>
+              </a:rPr>
+              <a:t>를 선택</a:t>
+            </a:r>
+            <a:r>
+              <a:rPr sz="1800">
+                <a:latin typeface="맑은 고딕" charset="0"/>
+                <a:ea typeface="맑은 고딕" charset="0"/>
+              </a:rPr>
+              <a:t>합니</a:t>
+            </a:r>
+            <a:r>
+              <a:rPr lang="ko-KR" sz="1800">
+                <a:latin typeface="맑은 고딕" charset="0"/>
+                <a:ea typeface="맑은 고딕" charset="0"/>
+              </a:rPr>
+              <a:t>다.</a:t>
+            </a:r>
+            <a:endParaRPr lang="ko-KR" altLang="en-US" sz="1800">
+              <a:latin typeface="맑은 고딕" charset="0"/>
+              <a:ea typeface="맑은 고딕" charset="0"/>
+            </a:endParaRPr>
+          </a:p>
+          <a:p>
+            <a:pPr marL="0" indent="0" rtl="0" algn="l" defTabSz="914400" eaLnBrk="1" latinLnBrk="0" hangingPunct="1">
+              <a:buFontTx/>
+              <a:buNone/>
+            </a:pPr>
+            <a:endParaRPr lang="ko-KR" altLang="en-US" sz="1800">
+              <a:latin typeface="맑은 고딕" charset="0"/>
+              <a:ea typeface="맑은 고딕" charset="0"/>
+            </a:endParaRPr>
+          </a:p>
+          <a:p>
+            <a:pPr marL="0" indent="0" rtl="0" algn="l" defTabSz="914400" eaLnBrk="1" latinLnBrk="0" hangingPunct="1">
+              <a:buFontTx/>
+              <a:buNone/>
+            </a:pPr>
+            <a:r>
+              <a:rPr lang="ko-KR" sz="1800">
+                <a:latin typeface="맑은 고딕" charset="0"/>
+                <a:ea typeface="맑은 고딕" charset="0"/>
+              </a:rPr>
+              <a:t>그리고</a:t>
+            </a:r>
+            <a:r>
+              <a:rPr sz="1800">
+                <a:latin typeface="맑은 고딕" charset="0"/>
+                <a:ea typeface="맑은 고딕" charset="0"/>
+              </a:rPr>
+              <a:t> Materials</a:t>
+            </a:r>
+            <a:r>
+              <a:rPr lang="ko-KR" sz="1800">
+                <a:latin typeface="맑은 고딕" charset="0"/>
+                <a:ea typeface="맑은 고딕" charset="0"/>
+              </a:rPr>
+              <a:t>을 선택하고</a:t>
+            </a:r>
+            <a:r>
+              <a:rPr sz="1800">
+                <a:latin typeface="맑은 고딕" charset="0"/>
+                <a:ea typeface="맑은 고딕" charset="0"/>
+              </a:rPr>
+              <a:t> Textures를 불러오기 위해 Extract Textures를 선택합니다.</a:t>
+            </a:r>
+            <a:endParaRPr lang="ko-KR" altLang="en-US" sz="1800">
+              <a:latin typeface="맑은 고딕" charset="0"/>
+              <a:ea typeface="맑은 고딕" charset="0"/>
+            </a:endParaRPr>
+          </a:p>
+        </p:txBody>
+      </p:sp>
+      <p:sp>
+        <p:nvSpPr>
+          <p:cNvPr id="82" name="Rect 0"/>
+          <p:cNvSpPr txBox="1">
+            <a:spLocks/>
+          </p:cNvSpPr>
+          <p:nvPr/>
+        </p:nvSpPr>
+        <p:spPr>
+          <a:xfrm rot="0">
+            <a:off x="6852920" y="5520055"/>
+            <a:ext cx="4246880" cy="647700"/>
+          </a:xfrm>
+          <a:prstGeom prst="rect"/>
+          <a:noFill/>
+        </p:spPr>
+        <p:txBody>
+          <a:bodyPr wrap="square" lIns="0" tIns="0" rIns="0" bIns="0" numCol="1" vert="horz" anchor="t">
+            <a:noAutofit/>
+          </a:bodyPr>
+          <a:lstStyle/>
+          <a:p>
+            <a:pPr marL="0" indent="0" rtl="0" algn="l" defTabSz="914400" eaLnBrk="1" latinLnBrk="0" hangingPunct="1">
+              <a:buFontTx/>
+              <a:buNone/>
+            </a:pPr>
+            <a:r>
+              <a:rPr sz="2000" b="1">
+                <a:solidFill>
+                  <a:srgbClr val="0611F2"/>
+                </a:solidFill>
+                <a:latin typeface="맑은 고딕" charset="0"/>
+                <a:ea typeface="맑은 고딕" charset="0"/>
+              </a:rPr>
+              <a:t>25</a:t>
+            </a:r>
+            <a:r>
+              <a:rPr sz="2000" b="1">
+                <a:solidFill>
+                  <a:srgbClr val="0611F2"/>
+                </a:solidFill>
+                <a:latin typeface="맑은 고딕" charset="0"/>
+                <a:ea typeface="맑은 고딕" charset="0"/>
+              </a:rPr>
+              <a:t>. </a:t>
+            </a:r>
+            <a:r>
+              <a:rPr sz="1800">
+                <a:latin typeface="맑은 고딕" charset="0"/>
+                <a:ea typeface="맑은 고딕" charset="0"/>
+              </a:rPr>
+              <a:t>이</a:t>
+            </a:r>
+            <a:r>
+              <a:rPr lang="ko-KR" sz="1800">
+                <a:latin typeface="맑은 고딕" charset="0"/>
+                <a:ea typeface="맑은 고딕" charset="0"/>
+              </a:rPr>
+              <a:t>제</a:t>
+            </a:r>
+            <a:r>
+              <a:rPr sz="1800">
+                <a:latin typeface="맑은 고딕" charset="0"/>
+                <a:ea typeface="맑은 고딕" charset="0"/>
+              </a:rPr>
+              <a:t> 캐릭터</a:t>
+            </a:r>
+            <a:r>
+              <a:rPr lang="ko-KR" sz="1800">
+                <a:latin typeface="맑은 고딕" charset="0"/>
+                <a:ea typeface="맑은 고딕" charset="0"/>
+              </a:rPr>
+              <a:t>의 텍스처를 저장하기 위한 폴더를 설정하고 선택합니다.</a:t>
+            </a:r>
+            <a:endParaRPr lang="ko-KR" altLang="en-US" sz="1800">
+              <a:latin typeface="맑은 고딕" charset="0"/>
+              <a:ea typeface="맑은 고딕" charset="0"/>
+            </a:endParaRPr>
+          </a:p>
+        </p:txBody>
+      </p:sp>
+      <p:pic>
+        <p:nvPicPr>
+          <p:cNvPr id="84" name="그림 1" descr="C:/Users/Admin1/AppData/Roaming/PolarisOffice/ETemp/4372_15633472/fImage2850415241.png"/>
+          <p:cNvPicPr>
+            <a:picLocks noChangeAspect="1"/>
+          </p:cNvPicPr>
+          <p:nvPr/>
+        </p:nvPicPr>
+        <p:blipFill rotWithShape="1">
+          <a:blip r:embed="rId8" cstate="print">
+            <a:extLst>
+              <a:ext uri="{28A0092B-C50C-407E-A947-70E740481C1C}">
+                <a14:useLocalDpi xmlns:a14="http://schemas.microsoft.com/office/drawing/2010/main" val="0"/>
+              </a:ext>
+            </a:extLst>
+          </a:blip>
+          <a:stretch>
+            <a:fillRect/>
+          </a:stretch>
+        </p:blipFill>
+        <p:spPr>
+          <a:xfrm rot="0">
+            <a:off x="1174115" y="1457960"/>
+            <a:ext cx="4206240" cy="2823845"/>
+          </a:xfrm>
+          <a:prstGeom prst="rect"/>
+          <a:noFill/>
+        </p:spPr>
+      </p:pic>
+      <p:pic>
+        <p:nvPicPr>
+          <p:cNvPr id="85" name="그림 2" descr="C:/Users/Admin1/AppData/Roaming/PolarisOffice/ETemp/4372_15633472/fImage272311538467.png"/>
+          <p:cNvPicPr>
+            <a:picLocks noChangeAspect="1"/>
+          </p:cNvPicPr>
+          <p:nvPr/>
+        </p:nvPicPr>
+        <p:blipFill rotWithShape="1">
+          <a:blip r:embed="rId9" cstate="print">
+            <a:extLst>
+              <a:ext uri="{28A0092B-C50C-407E-A947-70E740481C1C}">
+                <a14:useLocalDpi xmlns:a14="http://schemas.microsoft.com/office/drawing/2010/main" val="0"/>
+              </a:ext>
+            </a:extLst>
+          </a:blip>
+          <a:stretch>
+            <a:fillRect/>
+          </a:stretch>
+        </p:blipFill>
+        <p:spPr>
+          <a:xfrm rot="0">
+            <a:off x="6849745" y="1461770"/>
+            <a:ext cx="4239260" cy="2681605"/>
+          </a:xfrm>
+          <a:prstGeom prst="rect"/>
+          <a:noFill/>
+        </p:spPr>
+      </p:pic>
+      <p:pic>
+        <p:nvPicPr>
+          <p:cNvPr id="86" name="그림 3" descr="C:/Users/Admin1/AppData/Roaming/PolarisOffice/ETemp/4372_15633472/fImage555761546334.png"/>
+          <p:cNvPicPr>
+            <a:picLocks noChangeAspect="1"/>
+          </p:cNvPicPr>
+          <p:nvPr/>
+        </p:nvPicPr>
+        <p:blipFill rotWithShape="1">
+          <a:blip r:embed="rId10" cstate="print">
+            <a:extLst>
+              <a:ext uri="{28A0092B-C50C-407E-A947-70E740481C1C}">
+                <a14:useLocalDpi xmlns:a14="http://schemas.microsoft.com/office/drawing/2010/main" val="0"/>
+              </a:ext>
+            </a:extLst>
+          </a:blip>
+          <a:stretch>
+            <a:fillRect/>
+          </a:stretch>
+        </p:blipFill>
+        <p:spPr>
+          <a:xfrm rot="0">
+            <a:off x="6849745" y="4298315"/>
+            <a:ext cx="4248150" cy="1125220"/>
+          </a:xfrm>
+          <a:prstGeom prst="roundRect"/>
+          <a:solidFill>
+            <a:srgbClr val="EDEDED"/>
+          </a:solidFill>
+        </p:spPr>
+      </p:pic>
+    </p:spTree>
+  </p:cSld>
+  <p:clrMapOvr>
+    <a:masterClrMapping/>
+  </p:clrMapOvr>
+  <mc:AlternateContent xmlns:mc="http://schemas.openxmlformats.org/markup-compatibility/2006">
+    <mc:Choice xmlns:p14="http://schemas.microsoft.com/office/powerpoint/2010/main" Requires="p14">
+      <p:transition spd="slow" p14:dur="2000"/>
+    </mc:Choice>
+    <mc:Fallback>
+      <p:transition spd="slow"/>
+    </mc:Fallback>
+  </mc:AlternateContent>
+  <p:timing>
+    <p:tnLst>
+      <p:par>
+        <p:cTn id="1" dur="indefinite" restart="never" nodeType="tmRoot"/>
+      </p:par>
+    </p:tnLst>
+  </p:timing>
+</p:sld>
+</file>
+
+<file path=ppt/slides/slide11.xml><?xml version="1.0" encoding="utf-8"?>
+<p:sld xmlns:a="http://schemas.openxmlformats.org/drawingml/2006/main" xmlns:r="http://schemas.openxmlformats.org/officeDocument/2006/relationships" xmlns:p="http://schemas.openxmlformats.org/presentationml/2006/main">
+  <p:cSld>
+    <p:spTree>
+      <p:nvGrpSpPr>
+        <p:cNvPr id="1" name=""/>
+        <p:cNvGrpSpPr/>
+        <p:nvPr/>
+      </p:nvGrpSpPr>
+      <p:grpSpPr>
+        <a:xfrm>
+          <a:off x="0" y="0"/>
+          <a:ext cx="0" cy="0"/>
+          <a:chOff x="0" y="0"/>
+          <a:chExt cx="0" cy="0"/>
+        </a:xfrm>
+      </p:grpSpPr>
+      <p:sp>
+        <p:nvSpPr>
+          <p:cNvPr id="22" name="Rect 0"/>
+          <p:cNvSpPr txBox="1">
+            <a:spLocks/>
+          </p:cNvSpPr>
+          <p:nvPr/>
+        </p:nvSpPr>
+        <p:spPr>
+          <a:xfrm rot="0">
+            <a:off x="4332605" y="453390"/>
+            <a:ext cx="3538855" cy="554990"/>
+          </a:xfrm>
+          <a:prstGeom prst="rect"/>
+          <a:noFill/>
+          <a:ln w="0">
+            <a:noFill/>
+            <a:prstDash/>
+          </a:ln>
+        </p:spPr>
+        <p:txBody>
+          <a:bodyPr wrap="square" lIns="89535" tIns="46355" rIns="89535" bIns="46355" numCol="1" vert="horz" anchor="t">
+            <a:spAutoFit/>
+          </a:bodyPr>
+          <a:lstStyle/>
+          <a:p>
+            <a:pPr marL="0" indent="0" algn="l" latinLnBrk="0" hangingPunct="1">
+              <a:buFontTx/>
+              <a:buNone/>
+            </a:pPr>
+            <a:r>
+              <a:rPr lang="ko-KR" sz="3000" b="1">
+                <a:latin typeface="맑은 고딕" charset="0"/>
+                <a:ea typeface="맑은 고딕" charset="0"/>
+              </a:rPr>
+              <a:t>열</a:t>
+            </a:r>
+            <a:r>
+              <a:rPr lang="ko-KR" sz="3000" b="1">
+                <a:latin typeface="맑은 고딕" charset="0"/>
+                <a:ea typeface="맑은 고딕" charset="0"/>
+              </a:rPr>
+              <a:t>한</a:t>
+            </a:r>
+            <a:r>
+              <a:rPr lang="ko-KR" sz="3000" b="1">
+                <a:latin typeface="맑은 고딕" charset="0"/>
+                <a:ea typeface="맑은 고딕" charset="0"/>
+              </a:rPr>
+              <a:t> 번째 튜토리얼 </a:t>
+            </a:r>
+            <a:endParaRPr lang="ko-KR" altLang="en-US" sz="3000" b="1">
+              <a:latin typeface="맑은 고딕" charset="0"/>
+              <a:ea typeface="맑은 고딕" charset="0"/>
+            </a:endParaRPr>
+          </a:p>
+        </p:txBody>
+      </p:sp>
+      <p:sp>
+        <p:nvSpPr>
+          <p:cNvPr id="54" name="Rect 0"/>
+          <p:cNvSpPr txBox="1">
+            <a:spLocks/>
+          </p:cNvSpPr>
+          <p:nvPr/>
+        </p:nvSpPr>
+        <p:spPr>
+          <a:xfrm rot="0">
+            <a:off x="1181100" y="4107180"/>
+            <a:ext cx="4199255" cy="2061845"/>
+          </a:xfrm>
+          <a:prstGeom prst="rect"/>
+          <a:noFill/>
+          <a:ln w="0">
+            <a:noFill/>
+            <a:prstDash/>
+          </a:ln>
+        </p:spPr>
+        <p:txBody>
+          <a:bodyPr wrap="square" lIns="89535" tIns="46355" rIns="89535" bIns="46355" numCol="1" vert="horz" anchor="t">
+            <a:spAutoFit/>
+          </a:bodyPr>
+          <a:lstStyle/>
+          <a:p>
+            <a:pPr marL="0" indent="0" rtl="0" algn="l" defTabSz="914400" eaLnBrk="1" latinLnBrk="0" hangingPunct="1">
+              <a:buFontTx/>
+              <a:buNone/>
+            </a:pPr>
+            <a:r>
+              <a:rPr sz="2000" b="1">
+                <a:solidFill>
+                  <a:srgbClr val="0611F2"/>
+                </a:solidFill>
+                <a:latin typeface="맑은 고딕" charset="0"/>
+                <a:ea typeface="맑은 고딕" charset="0"/>
+              </a:rPr>
+              <a:t>2</a:t>
+            </a:r>
+            <a:r>
+              <a:rPr lang="ko-KR" sz="2000" b="1">
+                <a:solidFill>
+                  <a:srgbClr val="0611F2"/>
+                </a:solidFill>
+                <a:latin typeface="맑은 고딕" charset="0"/>
+                <a:ea typeface="맑은 고딕" charset="0"/>
+              </a:rPr>
+              <a:t>6</a:t>
+            </a:r>
+            <a:r>
+              <a:rPr sz="2000" b="1">
+                <a:solidFill>
+                  <a:srgbClr val="0611F2"/>
+                </a:solidFill>
+                <a:latin typeface="맑은 고딕" charset="0"/>
+                <a:ea typeface="맑은 고딕" charset="0"/>
+              </a:rPr>
+              <a:t>. </a:t>
+            </a:r>
+            <a:r>
+              <a:rPr sz="1800">
+                <a:latin typeface="맑은 고딕" charset="0"/>
+                <a:ea typeface="맑은 고딕" charset="0"/>
+              </a:rPr>
+              <a:t>그</a:t>
+            </a:r>
+            <a:r>
+              <a:rPr lang="ko-KR" sz="1800">
+                <a:latin typeface="맑은 고딕" charset="0"/>
+                <a:ea typeface="맑은 고딕" charset="0"/>
+              </a:rPr>
+              <a:t>런 다음</a:t>
+            </a:r>
+            <a:r>
+              <a:rPr sz="1800">
+                <a:latin typeface="맑은 고딕" charset="0"/>
+                <a:ea typeface="맑은 고딕" charset="0"/>
+              </a:rPr>
+              <a:t> 캐릭터를 선택하고 </a:t>
+            </a:r>
+            <a:r>
+              <a:rPr lang="ko-KR" sz="1800">
+                <a:latin typeface="맑은 고딕" charset="0"/>
+                <a:ea typeface="맑은 고딕" charset="0"/>
+              </a:rPr>
+              <a:t>Rig</a:t>
+            </a:r>
+            <a:r>
+              <a:rPr sz="1800">
+                <a:latin typeface="맑은 고딕" charset="0"/>
+                <a:ea typeface="맑은 고딕" charset="0"/>
+              </a:rPr>
+              <a:t>에 Animation </a:t>
+            </a:r>
+            <a:r>
+              <a:rPr lang="ko-KR" sz="1800">
+                <a:latin typeface="맑은 고딕" charset="0"/>
+                <a:ea typeface="맑은 고딕" charset="0"/>
+              </a:rPr>
+              <a:t>Type을 Humanoid로 설정합니다.</a:t>
+            </a:r>
+            <a:endParaRPr lang="ko-KR" altLang="en-US" sz="1800">
+              <a:latin typeface="맑은 고딕" charset="0"/>
+              <a:ea typeface="맑은 고딕" charset="0"/>
+            </a:endParaRPr>
+          </a:p>
+          <a:p>
+            <a:pPr marL="0" indent="0" rtl="0" algn="l" defTabSz="914400" eaLnBrk="1" latinLnBrk="0" hangingPunct="1">
+              <a:buFontTx/>
+              <a:buNone/>
+            </a:pPr>
+            <a:endParaRPr lang="ko-KR" altLang="en-US" sz="1800">
+              <a:latin typeface="맑은 고딕" charset="0"/>
+              <a:ea typeface="맑은 고딕" charset="0"/>
+            </a:endParaRPr>
+          </a:p>
+          <a:p>
+            <a:pPr marL="0" indent="0" rtl="0" algn="l" defTabSz="914400" eaLnBrk="1" latinLnBrk="0" hangingPunct="1">
+              <a:buFontTx/>
+              <a:buNone/>
+            </a:pPr>
+            <a:r>
+              <a:rPr lang="ko-KR" sz="1800">
+                <a:latin typeface="맑은 고딕" charset="0"/>
+                <a:ea typeface="맑은 고딕" charset="0"/>
+              </a:rPr>
+              <a:t>그리고 Avatar Definition을 Create From This Model로 설정하고 Apply를 선택합니다.</a:t>
+            </a:r>
+            <a:endParaRPr lang="ko-KR" altLang="en-US" sz="1800">
+              <a:latin typeface="맑은 고딕" charset="0"/>
+              <a:ea typeface="맑은 고딕" charset="0"/>
+            </a:endParaRPr>
+          </a:p>
+        </p:txBody>
+      </p:sp>
+      <p:sp>
+        <p:nvSpPr>
+          <p:cNvPr id="82" name="Rect 0"/>
+          <p:cNvSpPr txBox="1">
+            <a:spLocks/>
+          </p:cNvSpPr>
+          <p:nvPr/>
+        </p:nvSpPr>
+        <p:spPr>
+          <a:xfrm rot="0">
+            <a:off x="6852920" y="2847340"/>
+            <a:ext cx="4252595" cy="949960"/>
+          </a:xfrm>
+          <a:prstGeom prst="rect"/>
+          <a:noFill/>
+        </p:spPr>
+        <p:txBody>
+          <a:bodyPr wrap="square" lIns="0" tIns="0" rIns="0" bIns="0" numCol="1" vert="horz" anchor="t">
+            <a:noAutofit/>
+          </a:bodyPr>
+          <a:lstStyle/>
+          <a:p>
+            <a:pPr marL="0" indent="0" algn="l" latinLnBrk="0" hangingPunct="1">
+              <a:buFontTx/>
+              <a:buNone/>
+            </a:pPr>
+            <a:r>
+              <a:rPr lang="ko-KR" sz="2000" b="1">
+                <a:solidFill>
+                  <a:srgbClr val="0611F2"/>
+                </a:solidFill>
+                <a:latin typeface="맑은 고딕" charset="0"/>
+                <a:ea typeface="맑은 고딕" charset="0"/>
+              </a:rPr>
+              <a:t>27</a:t>
+            </a:r>
+            <a:r>
+              <a:rPr lang="ko-KR" sz="2000" b="1">
+                <a:solidFill>
+                  <a:srgbClr val="0611F2"/>
+                </a:solidFill>
+                <a:latin typeface="맑은 고딕" charset="0"/>
+                <a:ea typeface="맑은 고딕" charset="0"/>
+              </a:rPr>
+              <a:t>.</a:t>
+            </a:r>
+            <a:r>
+              <a:rPr lang="ko-KR" sz="2000">
+                <a:solidFill>
+                  <a:srgbClr val="0611F2"/>
+                </a:solidFill>
+                <a:latin typeface="맑은 고딕" charset="0"/>
+                <a:ea typeface="맑은 고딕" charset="0"/>
+              </a:rPr>
+              <a:t> </a:t>
+            </a:r>
+            <a:r>
+              <a:rPr lang="ko-KR" sz="1800">
+                <a:latin typeface="맑은 고딕" charset="0"/>
+                <a:ea typeface="맑은 고딕" charset="0"/>
+              </a:rPr>
+              <a:t>그다음</a:t>
+            </a:r>
+            <a:r>
+              <a:rPr lang="ko-KR" sz="1800">
+                <a:latin typeface="맑은 고딕" charset="0"/>
+                <a:ea typeface="맑은 고딕" charset="0"/>
+              </a:rPr>
+              <a:t>으로</a:t>
+            </a:r>
+            <a:r>
+              <a:rPr lang="ko-KR" sz="1800">
+                <a:latin typeface="맑은 고딕" charset="0"/>
+                <a:ea typeface="맑은 고딕" charset="0"/>
+              </a:rPr>
+              <a:t> Project 폴더에 있는 Model 폴더에 Ch1</a:t>
+            </a:r>
+            <a:r>
+              <a:rPr lang="ko-KR" sz="1800">
+                <a:latin typeface="맑은 고딕" charset="0"/>
+                <a:ea typeface="맑은 고딕" charset="0"/>
+              </a:rPr>
+              <a:t>9</a:t>
+            </a:r>
+            <a:r>
+              <a:rPr lang="ko-KR" sz="1800">
+                <a:latin typeface="맑은 고딕" charset="0"/>
+                <a:ea typeface="맑은 고딕" charset="0"/>
+              </a:rPr>
+              <a:t>_nonPBR 오브젝트를 월드 공간에 배치합니다.</a:t>
+            </a:r>
+            <a:endParaRPr lang="ko-KR" altLang="en-US" sz="1800">
+              <a:latin typeface="맑은 고딕" charset="0"/>
+              <a:ea typeface="맑은 고딕" charset="0"/>
+            </a:endParaRPr>
+          </a:p>
+        </p:txBody>
+      </p:sp>
+      <p:pic>
+        <p:nvPicPr>
+          <p:cNvPr id="84" name="Picture " descr="C:/Users/Admin1/AppData/Roaming/PolarisOffice/ETemp/4372_15633472/fImage285042306500.png"/>
+          <p:cNvPicPr>
+            <a:picLocks noChangeAspect="1"/>
+          </p:cNvPicPr>
+          <p:nvPr/>
+        </p:nvPicPr>
+        <p:blipFill rotWithShape="1">
+          <a:blip r:embed="rId2" cstate="print">
+            <a:extLst>
+              <a:ext uri="{28A0092B-C50C-407E-A947-70E740481C1C}">
+                <a14:useLocalDpi xmlns:a14="http://schemas.microsoft.com/office/drawing/2010/main" val="0"/>
+              </a:ext>
+            </a:extLst>
+          </a:blip>
+          <a:stretch>
+            <a:fillRect/>
+          </a:stretch>
+        </p:blipFill>
+        <p:spPr>
+          <a:xfrm rot="0">
+            <a:off x="1174115" y="1457960"/>
+            <a:ext cx="4206240" cy="2546985"/>
+          </a:xfrm>
+          <a:prstGeom prst="rect"/>
+          <a:noFill/>
+        </p:spPr>
+      </p:pic>
+      <p:pic>
+        <p:nvPicPr>
+          <p:cNvPr id="85" name="그림 8" descr="C:/Users/Admin1/AppData/Roaming/PolarisOffice/ETemp/4372_15633472/fImage86322379169.png"/>
+          <p:cNvPicPr>
+            <a:picLocks noChangeAspect="1"/>
+          </p:cNvPicPr>
+          <p:nvPr/>
+        </p:nvPicPr>
+        <p:blipFill rotWithShape="1">
+          <a:blip r:embed="rId3" cstate="print">
+            <a:extLst>
+              <a:ext uri="{28A0092B-C50C-407E-A947-70E740481C1C}">
+                <a14:useLocalDpi xmlns:a14="http://schemas.microsoft.com/office/drawing/2010/main" val="0"/>
+              </a:ext>
+            </a:extLst>
+          </a:blip>
+          <a:stretch>
+            <a:fillRect/>
+          </a:stretch>
+        </p:blipFill>
+        <p:spPr>
+          <a:xfrm rot="0">
+            <a:off x="8242300" y="1466850"/>
+            <a:ext cx="2858770" cy="1214755"/>
+          </a:xfrm>
+          <a:prstGeom prst="roundRect"/>
+          <a:solidFill>
+            <a:srgbClr val="EDEDED"/>
+          </a:solidFill>
+        </p:spPr>
+      </p:pic>
+      <p:pic>
+        <p:nvPicPr>
+          <p:cNvPr id="86" name="그림 11" descr="C:/Users/Admin1/AppData/Roaming/PolarisOffice/ETemp/4372_15633472/fImage61872385724.png"/>
+          <p:cNvPicPr>
+            <a:picLocks noChangeAspect="1"/>
+          </p:cNvPicPr>
+          <p:nvPr/>
+        </p:nvPicPr>
+        <p:blipFill rotWithShape="1">
+          <a:blip r:embed="rId4" cstate="print">
+            <a:extLst>
+              <a:ext uri="{28A0092B-C50C-407E-A947-70E740481C1C}">
+                <a14:useLocalDpi xmlns:a14="http://schemas.microsoft.com/office/drawing/2010/main" val="0"/>
+              </a:ext>
+            </a:extLst>
+          </a:blip>
+          <a:stretch>
+            <a:fillRect/>
+          </a:stretch>
+        </p:blipFill>
+        <p:spPr>
+          <a:xfrm rot="0">
+            <a:off x="6851015" y="1459230"/>
+            <a:ext cx="1305560" cy="1219200"/>
+          </a:xfrm>
+          <a:prstGeom prst="roundRect"/>
+          <a:solidFill>
+            <a:srgbClr val="EDEDED"/>
+          </a:solidFill>
+        </p:spPr>
+      </p:pic>
+      <p:pic>
+        <p:nvPicPr>
+          <p:cNvPr id="87" name="그림 14" descr="C:/Users/Admin1/AppData/Roaming/PolarisOffice/ETemp/4372_15633472/fImage44844086827.png"/>
+          <p:cNvPicPr>
+            <a:picLocks noChangeAspect="1"/>
+          </p:cNvPicPr>
+          <p:nvPr/>
+        </p:nvPicPr>
+        <p:blipFill rotWithShape="1">
+          <a:blip r:embed="rId5" cstate="hqprint">
+            <a:extLst>
+              <a:ext uri="{28A0092B-C50C-407E-A947-70E740481C1C}">
+                <a14:useLocalDpi xmlns:a14="http://schemas.microsoft.com/office/drawing/2010/main"/>
+              </a:ext>
+            </a:extLst>
+          </a:blip>
+          <a:stretch>
+            <a:fillRect/>
+          </a:stretch>
+        </p:blipFill>
+        <p:spPr>
+          <a:xfrm rot="0">
+            <a:off x="8242300" y="3926840"/>
+            <a:ext cx="2865755" cy="1151255"/>
+          </a:xfrm>
+          <a:prstGeom prst="roundRect"/>
+          <a:solidFill>
+            <a:srgbClr val="EDEDED"/>
+          </a:solidFill>
+        </p:spPr>
+      </p:pic>
+      <p:pic>
+        <p:nvPicPr>
+          <p:cNvPr id="88" name="그림 15" descr="C:/Users/Admin1/AppData/Roaming/PolarisOffice/ETemp/4372_15633472/fImage61872401478.png"/>
+          <p:cNvPicPr>
+            <a:picLocks noChangeAspect="1"/>
+          </p:cNvPicPr>
+          <p:nvPr/>
+        </p:nvPicPr>
+        <p:blipFill rotWithShape="1">
+          <a:blip r:embed="rId6" cstate="print">
+            <a:extLst>
+              <a:ext uri="{28A0092B-C50C-407E-A947-70E740481C1C}">
+                <a14:useLocalDpi xmlns:a14="http://schemas.microsoft.com/office/drawing/2010/main" val="0"/>
+              </a:ext>
+            </a:extLst>
+          </a:blip>
+          <a:stretch>
+            <a:fillRect/>
+          </a:stretch>
+        </p:blipFill>
+        <p:spPr>
+          <a:xfrm rot="0">
+            <a:off x="6853555" y="3935095"/>
+            <a:ext cx="1305560" cy="1150620"/>
+          </a:xfrm>
+          <a:prstGeom prst="roundRect"/>
+          <a:solidFill>
+            <a:srgbClr val="EDEDED"/>
+          </a:solidFill>
+        </p:spPr>
+      </p:pic>
+      <p:sp>
+        <p:nvSpPr>
+          <p:cNvPr id="89" name="텍스트 상자 16"/>
+          <p:cNvSpPr txBox="1">
+            <a:spLocks/>
+          </p:cNvSpPr>
+          <p:nvPr/>
+        </p:nvSpPr>
+        <p:spPr>
+          <a:xfrm rot="0">
+            <a:off x="6846570" y="5219700"/>
+            <a:ext cx="4252595" cy="949960"/>
+          </a:xfrm>
+          <a:prstGeom prst="rect"/>
+          <a:noFill/>
+        </p:spPr>
+        <p:txBody>
+          <a:bodyPr wrap="square" lIns="0" tIns="0" rIns="0" bIns="0" numCol="1" vert="horz" anchor="t">
+            <a:noAutofit/>
+          </a:bodyPr>
+          <a:lstStyle/>
+          <a:p>
+            <a:pPr marL="0" indent="0" algn="l" latinLnBrk="0" hangingPunct="1">
+              <a:buFontTx/>
+              <a:buNone/>
+            </a:pPr>
+            <a:r>
+              <a:rPr lang="ko-KR" sz="2000" b="1">
+                <a:solidFill>
+                  <a:srgbClr val="0611F2"/>
+                </a:solidFill>
+                <a:latin typeface="맑은 고딕" charset="0"/>
+                <a:ea typeface="맑은 고딕" charset="0"/>
+              </a:rPr>
+              <a:t>28</a:t>
+            </a:r>
+            <a:r>
+              <a:rPr lang="ko-KR" sz="2000" b="1">
+                <a:solidFill>
+                  <a:srgbClr val="0611F2"/>
+                </a:solidFill>
+                <a:latin typeface="맑은 고딕" charset="0"/>
+                <a:ea typeface="맑은 고딕" charset="0"/>
+              </a:rPr>
+              <a:t>.</a:t>
+            </a:r>
+            <a:r>
+              <a:rPr lang="ko-KR" sz="2000">
+                <a:solidFill>
+                  <a:srgbClr val="0611F2"/>
+                </a:solidFill>
+                <a:latin typeface="맑은 고딕" charset="0"/>
+                <a:ea typeface="맑은 고딕" charset="0"/>
+              </a:rPr>
+              <a:t> </a:t>
+            </a:r>
+            <a:r>
+              <a:rPr lang="ko-KR" sz="1800">
+                <a:latin typeface="맑은 고딕" charset="0"/>
+                <a:ea typeface="맑은 고딕" charset="0"/>
+              </a:rPr>
+              <a:t>이제</a:t>
+            </a:r>
+            <a:r>
+              <a:rPr lang="ko-KR" sz="1800">
+                <a:latin typeface="맑은 고딕" charset="0"/>
+                <a:ea typeface="맑은 고딕" charset="0"/>
+              </a:rPr>
+              <a:t> Project 폴더에 있는 </a:t>
+            </a:r>
+            <a:r>
+              <a:rPr lang="ko-KR" sz="1800">
+                <a:latin typeface="맑은 고딕" charset="0"/>
+                <a:ea typeface="맑은 고딕" charset="0"/>
+              </a:rPr>
+              <a:t>Animator </a:t>
+            </a:r>
+            <a:r>
+              <a:rPr lang="ko-KR" sz="1800">
+                <a:latin typeface="맑은 고딕" charset="0"/>
+                <a:ea typeface="맑은 고딕" charset="0"/>
+              </a:rPr>
+              <a:t>폴더에 </a:t>
+            </a:r>
+            <a:r>
+              <a:rPr lang="ko-KR" sz="1800">
+                <a:latin typeface="맑은 고딕" charset="0"/>
+                <a:ea typeface="맑은 고딕" charset="0"/>
+              </a:rPr>
+              <a:t>Public Animation Controller</a:t>
+            </a:r>
+            <a:r>
+              <a:rPr lang="ko-KR" sz="1800">
+                <a:latin typeface="맑은 고딕" charset="0"/>
+                <a:ea typeface="맑은 고딕" charset="0"/>
+              </a:rPr>
+              <a:t>를 Ch1</a:t>
+            </a:r>
+            <a:r>
+              <a:rPr lang="ko-KR" sz="1800">
+                <a:latin typeface="맑은 고딕" charset="0"/>
+                <a:ea typeface="맑은 고딕" charset="0"/>
+              </a:rPr>
+              <a:t>9</a:t>
+            </a:r>
+            <a:r>
+              <a:rPr lang="ko-KR" sz="1800">
+                <a:latin typeface="맑은 고딕" charset="0"/>
+                <a:ea typeface="맑은 고딕" charset="0"/>
+              </a:rPr>
+              <a:t>_nonPBR 오브젝트</a:t>
+            </a:r>
+            <a:r>
+              <a:rPr lang="ko-KR" sz="1800">
+                <a:latin typeface="맑은 고딕" charset="0"/>
+                <a:ea typeface="맑은 고딕" charset="0"/>
+              </a:rPr>
+              <a:t>에 넣어줍니다.</a:t>
+            </a:r>
+            <a:endParaRPr lang="ko-KR" altLang="en-US" sz="1800">
+              <a:latin typeface="맑은 고딕" charset="0"/>
+              <a:ea typeface="맑은 고딕" charset="0"/>
+            </a:endParaRPr>
+          </a:p>
+        </p:txBody>
+      </p:sp>
+      <p:cxnSp>
+        <p:nvCxnSpPr>
+          <p:cNvPr id="90" name="도형 17"/>
+          <p:cNvCxnSpPr/>
+          <p:nvPr/>
+        </p:nvCxnSpPr>
+        <p:spPr>
+          <a:xfrm rot="0" flipH="1">
+            <a:off x="7809865" y="4566920"/>
+            <a:ext cx="519430" cy="381000"/>
+          </a:xfrm>
+          <a:prstGeom prst="straightConnector1"/>
+          <a:ln w="6350" cap="flat" cmpd="sng">
+            <a:prstDash/>
+            <a:headEnd type="none" w="med" len="med"/>
+            <a:tailEnd type="triangle" w="med" len="med"/>
+          </a:ln>
+        </p:spPr>
+        <p:style>
+          <a:lnRef idx="1">
+            <a:schemeClr val="accent1"/>
+          </a:lnRef>
+          <a:fillRef idx="0">
+            <a:schemeClr val="accent1"/>
+          </a:fillRef>
+          <a:effectRef idx="0">
+            <a:schemeClr val="accent1"/>
+          </a:effectRef>
+          <a:fontRef idx="minor">
+            <a:schemeClr val="tx1"/>
+          </a:fontRef>
+        </p:style>
+      </p:cxnSp>
+    </p:spTree>
+  </p:cSld>
+  <p:clrMapOvr>
+    <a:masterClrMapping/>
+  </p:clrMapOvr>
+  <mc:AlternateContent xmlns:mc="http://schemas.openxmlformats.org/markup-compatibility/2006">
+    <mc:Choice xmlns:p14="http://schemas.microsoft.com/office/powerpoint/2010/main" Requires="p14">
+      <p:transition spd="slow" p14:dur="2000"/>
+    </mc:Choice>
+    <mc:Fallback>
+      <p:transition spd="slow"/>
+    </mc:Fallback>
+  </mc:AlternateContent>
+  <p:timing>
+    <p:tnLst>
+      <p:par>
+        <p:cTn id="1" dur="indefinite" restart="never" nodeType="tmRoot"/>
+      </p:par>
+    </p:tnLst>
+  </p:timing>
+</p:sld>
+</file>
+
+<file path=ppt/slides/slide12.xml><?xml version="1.0" encoding="utf-8"?>
+<p:sld xmlns:a="http://schemas.openxmlformats.org/drawingml/2006/main" xmlns:r="http://schemas.openxmlformats.org/officeDocument/2006/relationships" xmlns:p="http://schemas.openxmlformats.org/presentationml/2006/main">
+  <p:cSld>
+    <p:spTree>
+      <p:nvGrpSpPr>
+        <p:cNvPr id="1" name=""/>
+        <p:cNvGrpSpPr/>
+        <p:nvPr/>
+      </p:nvGrpSpPr>
+      <p:grpSpPr>
+        <a:xfrm>
+          <a:off x="0" y="0"/>
+          <a:ext cx="0" cy="0"/>
+          <a:chOff x="0" y="0"/>
+          <a:chExt cx="0" cy="0"/>
+        </a:xfrm>
+      </p:grpSpPr>
+      <p:sp>
+        <p:nvSpPr>
+          <p:cNvPr id="22" name="Rect 0"/>
+          <p:cNvSpPr txBox="1">
+            <a:spLocks/>
+          </p:cNvSpPr>
+          <p:nvPr/>
+        </p:nvSpPr>
+        <p:spPr>
+          <a:xfrm rot="0">
+            <a:off x="4332605" y="453390"/>
+            <a:ext cx="3538855" cy="554990"/>
+          </a:xfrm>
+          <a:prstGeom prst="rect"/>
+          <a:noFill/>
+          <a:ln w="0">
+            <a:noFill/>
+            <a:prstDash/>
+          </a:ln>
+        </p:spPr>
+        <p:txBody>
+          <a:bodyPr wrap="square" lIns="89535" tIns="46355" rIns="89535" bIns="46355" numCol="1" vert="horz" anchor="t">
+            <a:spAutoFit/>
+          </a:bodyPr>
+          <a:lstStyle/>
+          <a:p>
+            <a:pPr marL="0" indent="0" algn="l" latinLnBrk="0" hangingPunct="1">
+              <a:buFontTx/>
+              <a:buNone/>
+            </a:pPr>
+            <a:r>
+              <a:rPr lang="ko-KR" sz="3000" b="1">
+                <a:latin typeface="맑은 고딕" charset="0"/>
+                <a:ea typeface="맑은 고딕" charset="0"/>
+              </a:rPr>
+              <a:t>열</a:t>
+            </a:r>
+            <a:r>
+              <a:rPr lang="ko-KR" sz="3000" b="1">
+                <a:latin typeface="맑은 고딕" charset="0"/>
+                <a:ea typeface="맑은 고딕" charset="0"/>
+              </a:rPr>
+              <a:t>두</a:t>
+            </a:r>
+            <a:r>
+              <a:rPr lang="ko-KR" sz="3000" b="1">
+                <a:latin typeface="맑은 고딕" charset="0"/>
+                <a:ea typeface="맑은 고딕" charset="0"/>
+              </a:rPr>
+              <a:t> 번째 튜토리얼 </a:t>
+            </a:r>
+            <a:endParaRPr lang="ko-KR" altLang="en-US" sz="3000" b="1">
+              <a:latin typeface="맑은 고딕" charset="0"/>
+              <a:ea typeface="맑은 고딕" charset="0"/>
+            </a:endParaRPr>
+          </a:p>
+        </p:txBody>
+      </p:sp>
+      <p:sp>
+        <p:nvSpPr>
+          <p:cNvPr id="54" name="Rect 0"/>
+          <p:cNvSpPr txBox="1">
+            <a:spLocks/>
+          </p:cNvSpPr>
+          <p:nvPr/>
+        </p:nvSpPr>
+        <p:spPr>
+          <a:xfrm rot="0">
+            <a:off x="1181100" y="4133215"/>
+            <a:ext cx="4199255" cy="2031365"/>
+          </a:xfrm>
+          <a:prstGeom prst="rect"/>
+          <a:noFill/>
+          <a:ln w="0">
+            <a:noFill/>
+            <a:prstDash/>
+          </a:ln>
+        </p:spPr>
+        <p:txBody>
+          <a:bodyPr wrap="square" lIns="89535" tIns="46355" rIns="89535" bIns="46355" numCol="1" vert="horz" anchor="t">
+            <a:spAutoFit/>
+          </a:bodyPr>
+          <a:lstStyle/>
+          <a:p>
+            <a:pPr marL="0" indent="0" rtl="0" algn="l" defTabSz="914400" eaLnBrk="1" latinLnBrk="0" hangingPunct="1">
+              <a:buFontTx/>
+              <a:buNone/>
+            </a:pPr>
+            <a:r>
+              <a:rPr sz="1800" b="1">
+                <a:solidFill>
+                  <a:srgbClr val="0611F2"/>
+                </a:solidFill>
+                <a:latin typeface="맑은 고딕" charset="0"/>
+                <a:ea typeface="맑은 고딕" charset="0"/>
+              </a:rPr>
+              <a:t>29</a:t>
+            </a:r>
+            <a:r>
+              <a:rPr sz="1800" b="1">
+                <a:solidFill>
+                  <a:srgbClr val="0611F2"/>
+                </a:solidFill>
+                <a:latin typeface="맑은 고딕" charset="0"/>
+                <a:ea typeface="맑은 고딕" charset="0"/>
+              </a:rPr>
+              <a:t>.</a:t>
+            </a:r>
+            <a:r>
+              <a:rPr sz="1800">
+                <a:latin typeface="맑은 고딕" charset="0"/>
+                <a:ea typeface="맑은 고딕" charset="0"/>
+              </a:rPr>
+              <a:t> </a:t>
+            </a:r>
+            <a:r>
+              <a:rPr sz="1800">
+                <a:latin typeface="맑은 고딕" charset="0"/>
+                <a:ea typeface="맑은 고딕" charset="0"/>
+              </a:rPr>
+              <a:t>그</a:t>
+            </a:r>
+            <a:r>
+              <a:rPr lang="ko-KR" sz="1800">
+                <a:latin typeface="맑은 고딕" charset="0"/>
+                <a:ea typeface="맑은 고딕" charset="0"/>
+              </a:rPr>
+              <a:t>런 다음</a:t>
+            </a:r>
+            <a:r>
+              <a:rPr sz="1800">
+                <a:latin typeface="맑은 고딕" charset="0"/>
+                <a:ea typeface="맑은 고딕" charset="0"/>
+              </a:rPr>
+              <a:t> 빈 게임 오브젝트를 생성</a:t>
+            </a:r>
+            <a:r>
+              <a:rPr sz="1800">
+                <a:latin typeface="맑은 고딕" charset="0"/>
+                <a:ea typeface="맑은 고딕" charset="0"/>
+              </a:rPr>
+              <a:t>하</a:t>
+            </a:r>
+            <a:r>
+              <a:rPr lang="ko-KR" sz="1800">
+                <a:latin typeface="맑은 고딕" charset="0"/>
+                <a:ea typeface="맑은 고딕" charset="0"/>
+              </a:rPr>
+              <a:t>고</a:t>
+            </a:r>
+            <a:r>
+              <a:rPr sz="1800">
+                <a:latin typeface="맑은 고딕" charset="0"/>
+                <a:ea typeface="맑은 고딕" charset="0"/>
+              </a:rPr>
+              <a:t> </a:t>
+            </a:r>
+            <a:r>
+              <a:rPr lang="ko-KR" sz="1800">
+                <a:latin typeface="맑은 고딕" charset="0"/>
+                <a:ea typeface="맑은 고딕" charset="0"/>
+              </a:rPr>
+              <a:t>Data System이라는</a:t>
+            </a:r>
+            <a:r>
+              <a:rPr sz="1800">
+                <a:latin typeface="맑은 고딕" charset="0"/>
+                <a:ea typeface="맑은 고딕" charset="0"/>
+              </a:rPr>
+              <a:t> 이름을 정의합니다.</a:t>
+            </a:r>
+            <a:endParaRPr lang="ko-KR" altLang="en-US" sz="1800">
+              <a:latin typeface="맑은 고딕" charset="0"/>
+              <a:ea typeface="맑은 고딕" charset="0"/>
+            </a:endParaRPr>
+          </a:p>
+          <a:p>
+            <a:pPr marL="0" indent="0" rtl="0" algn="l" defTabSz="914400" eaLnBrk="1" latinLnBrk="0" hangingPunct="1">
+              <a:buFontTx/>
+              <a:buNone/>
+            </a:pPr>
+            <a:endParaRPr lang="ko-KR" altLang="en-US" sz="1800">
+              <a:latin typeface="맑은 고딕" charset="0"/>
+              <a:ea typeface="맑은 고딕" charset="0"/>
+            </a:endParaRPr>
+          </a:p>
+          <a:p>
+            <a:pPr marL="0" indent="0" rtl="0" algn="l" defTabSz="914400" eaLnBrk="1" latinLnBrk="0" hangingPunct="1">
+              <a:buFontTx/>
+              <a:buNone/>
+            </a:pPr>
+            <a:r>
+              <a:rPr sz="1800">
+                <a:latin typeface="맑은 고딕" charset="0"/>
+                <a:ea typeface="맑은 고딕" charset="0"/>
+              </a:rPr>
+              <a:t>그리고 </a:t>
+            </a:r>
+            <a:r>
+              <a:rPr lang="ko-KR" sz="1800">
+                <a:latin typeface="맑은 고딕" charset="0"/>
+                <a:ea typeface="맑은 고딕" charset="0"/>
+              </a:rPr>
+              <a:t>DataSystem</a:t>
+            </a:r>
+            <a:r>
+              <a:rPr sz="1800">
+                <a:latin typeface="맑은 고딕" charset="0"/>
+                <a:ea typeface="맑은 고딕" charset="0"/>
+              </a:rPr>
+              <a:t> 스크립트를 생성</a:t>
+            </a:r>
+            <a:r>
+              <a:rPr lang="ko-KR" sz="1800">
+                <a:latin typeface="맑은 고딕" charset="0"/>
+                <a:ea typeface="맑은 고딕" charset="0"/>
+              </a:rPr>
+              <a:t>한 다음</a:t>
+            </a:r>
+            <a:r>
+              <a:rPr sz="1800">
+                <a:latin typeface="맑은 고딕" charset="0"/>
+                <a:ea typeface="맑은 고딕" charset="0"/>
+              </a:rPr>
+              <a:t> </a:t>
+            </a:r>
+            <a:r>
+              <a:rPr lang="ko-KR" sz="1800">
+                <a:latin typeface="맑은 고딕" charset="0"/>
+                <a:ea typeface="맑은 고딕" charset="0"/>
+              </a:rPr>
+              <a:t>Data System</a:t>
+            </a:r>
+            <a:r>
+              <a:rPr sz="1800">
+                <a:latin typeface="맑은 고딕" charset="0"/>
+                <a:ea typeface="맑은 고딕" charset="0"/>
+              </a:rPr>
+              <a:t> 오브젝트에 넣어줍니다.</a:t>
+            </a:r>
+            <a:endParaRPr lang="ko-KR" altLang="en-US" sz="1800">
+              <a:latin typeface="맑은 고딕" charset="0"/>
+              <a:ea typeface="맑은 고딕" charset="0"/>
+            </a:endParaRPr>
+          </a:p>
+        </p:txBody>
+      </p:sp>
+      <p:sp>
+        <p:nvSpPr>
+          <p:cNvPr id="89" name="Rect 0"/>
+          <p:cNvSpPr txBox="1">
+            <a:spLocks/>
+          </p:cNvSpPr>
+          <p:nvPr/>
+        </p:nvSpPr>
+        <p:spPr>
+          <a:xfrm rot="0">
+            <a:off x="6804025" y="4679315"/>
+            <a:ext cx="4284345" cy="1487805"/>
+          </a:xfrm>
+          <a:prstGeom prst="rect"/>
+          <a:noFill/>
+        </p:spPr>
+        <p:txBody>
+          <a:bodyPr wrap="square" lIns="0" tIns="0" rIns="0" bIns="0" numCol="1" vert="horz" anchor="t">
+            <a:noAutofit/>
+          </a:bodyPr>
+          <a:lstStyle/>
+          <a:p>
+            <a:pPr marL="0" indent="0" algn="l" latinLnBrk="0" hangingPunct="1">
+              <a:buFontTx/>
+              <a:buNone/>
+            </a:pPr>
+            <a:r>
+              <a:rPr lang="ko-KR" sz="2000" b="1">
+                <a:solidFill>
+                  <a:srgbClr val="0611F2"/>
+                </a:solidFill>
+                <a:latin typeface="맑은 고딕" charset="0"/>
+                <a:ea typeface="맑은 고딕" charset="0"/>
+              </a:rPr>
+              <a:t>30</a:t>
+            </a:r>
+            <a:r>
+              <a:rPr lang="ko-KR" sz="2000" b="1">
+                <a:solidFill>
+                  <a:srgbClr val="0611F2"/>
+                </a:solidFill>
+                <a:latin typeface="맑은 고딕" charset="0"/>
+                <a:ea typeface="맑은 고딕" charset="0"/>
+              </a:rPr>
+              <a:t>.</a:t>
+            </a:r>
+            <a:r>
+              <a:rPr lang="ko-KR" sz="2000">
+                <a:solidFill>
+                  <a:srgbClr val="0611F2"/>
+                </a:solidFill>
+                <a:latin typeface="맑은 고딕" charset="0"/>
+                <a:ea typeface="맑은 고딕" charset="0"/>
+              </a:rPr>
+              <a:t> </a:t>
+            </a:r>
+            <a:r>
+              <a:rPr sz="1800">
+                <a:latin typeface="맑은 고딕" charset="0"/>
+                <a:ea typeface="맑은 고딕" charset="0"/>
+              </a:rPr>
+              <a:t>그다음 UI에 Button 오브젝트</a:t>
+            </a:r>
+            <a:r>
+              <a:rPr lang="ko-KR" sz="1800">
+                <a:latin typeface="맑은 고딕" charset="0"/>
+                <a:ea typeface="맑은 고딕" charset="0"/>
+              </a:rPr>
+              <a:t>를</a:t>
+            </a:r>
+            <a:r>
+              <a:rPr sz="1800">
+                <a:latin typeface="맑은 고딕" charset="0"/>
+                <a:ea typeface="맑은 고딕" charset="0"/>
+              </a:rPr>
+              <a:t> 생성합니다.</a:t>
+            </a:r>
+            <a:endParaRPr lang="ko-KR" altLang="en-US" sz="1800">
+              <a:latin typeface="맑은 고딕" charset="0"/>
+              <a:ea typeface="맑은 고딕" charset="0"/>
+            </a:endParaRPr>
+          </a:p>
+          <a:p>
+            <a:pPr marL="0" indent="0" rtl="0" algn="l" defTabSz="914400" eaLnBrk="1" latinLnBrk="0" hangingPunct="1">
+              <a:buFontTx/>
+              <a:buNone/>
+            </a:pPr>
+            <a:endParaRPr lang="ko-KR" altLang="en-US" sz="1800">
+              <a:latin typeface="맑은 고딕" charset="0"/>
+              <a:ea typeface="맑은 고딕" charset="0"/>
+            </a:endParaRPr>
+          </a:p>
+          <a:p>
+            <a:pPr marL="0" indent="0" rtl="0" algn="l" defTabSz="914400" eaLnBrk="1" latinLnBrk="0" hangingPunct="1">
+              <a:buFontTx/>
+              <a:buNone/>
+            </a:pPr>
+            <a:r>
+              <a:rPr lang="ko-KR" sz="1800">
+                <a:latin typeface="맑은 고딕" charset="0"/>
+                <a:ea typeface="맑은 고딕" charset="0"/>
+              </a:rPr>
+              <a:t>이제</a:t>
+            </a:r>
+            <a:r>
+              <a:rPr sz="1800">
+                <a:latin typeface="맑은 고딕" charset="0"/>
+                <a:ea typeface="맑은 고딕" charset="0"/>
+              </a:rPr>
+              <a:t> </a:t>
+            </a:r>
+            <a:r>
+              <a:rPr sz="1800">
+                <a:latin typeface="맑은 고딕" charset="0"/>
+                <a:ea typeface="맑은 고딕" charset="0"/>
+              </a:rPr>
+              <a:t>Animation Speed</a:t>
+            </a:r>
+            <a:r>
+              <a:rPr sz="1800">
+                <a:latin typeface="맑은 고딕" charset="0"/>
+                <a:ea typeface="맑은 고딕" charset="0"/>
+              </a:rPr>
+              <a:t> Button</a:t>
+            </a:r>
+            <a:r>
+              <a:rPr sz="1800">
+                <a:latin typeface="맑은 고딕" charset="0"/>
+                <a:ea typeface="맑은 고딕" charset="0"/>
+              </a:rPr>
+              <a:t> 이라</a:t>
+            </a:r>
+            <a:r>
+              <a:rPr lang="ko-KR" sz="1800">
+                <a:latin typeface="맑은 고딕" charset="0"/>
+                <a:ea typeface="맑은 고딕" charset="0"/>
+              </a:rPr>
+              <a:t>는</a:t>
+            </a:r>
+            <a:r>
+              <a:rPr sz="1800">
+                <a:latin typeface="맑은 고딕" charset="0"/>
+                <a:ea typeface="맑은 고딕" charset="0"/>
+              </a:rPr>
+              <a:t> 이름</a:t>
+            </a:r>
+            <a:r>
+              <a:rPr sz="1800">
+                <a:latin typeface="맑은 고딕" charset="0"/>
+                <a:ea typeface="맑은 고딕" charset="0"/>
+              </a:rPr>
+              <a:t>으</a:t>
+            </a:r>
+            <a:r>
+              <a:rPr lang="ko-KR" sz="1800">
+                <a:latin typeface="맑은 고딕" charset="0"/>
+                <a:ea typeface="맑은 고딕" charset="0"/>
+              </a:rPr>
+              <a:t>로</a:t>
+            </a:r>
+            <a:r>
+              <a:rPr sz="1800">
+                <a:latin typeface="맑은 고딕" charset="0"/>
+                <a:ea typeface="맑은 고딕" charset="0"/>
+              </a:rPr>
+              <a:t> 정의합니다. </a:t>
+            </a:r>
+            <a:endParaRPr lang="ko-KR" altLang="en-US" sz="1800">
+              <a:latin typeface="맑은 고딕" charset="0"/>
+              <a:ea typeface="맑은 고딕" charset="0"/>
+            </a:endParaRPr>
+          </a:p>
+        </p:txBody>
+      </p:sp>
+      <p:pic>
+        <p:nvPicPr>
+          <p:cNvPr id="91" name="그림 19" descr="C:/Users/Admin1/AppData/Roaming/PolarisOffice/ETemp/4372_15633472/fImage85062589358.png"/>
+          <p:cNvPicPr>
+            <a:picLocks noChangeAspect="1"/>
+          </p:cNvPicPr>
+          <p:nvPr/>
+        </p:nvPicPr>
+        <p:blipFill rotWithShape="1">
+          <a:blip r:embed="rId2" cstate="hqprint">
+            <a:extLst>
+              <a:ext uri="{28A0092B-C50C-407E-A947-70E740481C1C}">
+                <a14:useLocalDpi xmlns:a14="http://schemas.microsoft.com/office/drawing/2010/main"/>
+              </a:ext>
+            </a:extLst>
+          </a:blip>
+          <a:stretch>
+            <a:fillRect/>
+          </a:stretch>
+        </p:blipFill>
+        <p:spPr>
+          <a:xfrm rot="0">
+            <a:off x="1186180" y="1452880"/>
+            <a:ext cx="2567940" cy="2508885"/>
+          </a:xfrm>
+          <a:prstGeom prst="roundRect"/>
+          <a:solidFill>
+            <a:srgbClr val="EDEDED"/>
+          </a:solidFill>
+        </p:spPr>
+      </p:pic>
+      <p:pic>
+        <p:nvPicPr>
+          <p:cNvPr id="92" name="그림 20" descr="C:/Users/Admin1/AppData/Roaming/PolarisOffice/ETemp/4372_15633472/fImage76052596962.png"/>
+          <p:cNvPicPr>
+            <a:picLocks noChangeAspect="1"/>
+          </p:cNvPicPr>
+          <p:nvPr/>
+        </p:nvPicPr>
+        <p:blipFill rotWithShape="1">
+          <a:blip r:embed="rId3" cstate="print">
+            <a:extLst>
+              <a:ext uri="{28A0092B-C50C-407E-A947-70E740481C1C}">
+                <a14:useLocalDpi xmlns:a14="http://schemas.microsoft.com/office/drawing/2010/main" val="0"/>
+              </a:ext>
+            </a:extLst>
+          </a:blip>
+          <a:stretch>
+            <a:fillRect/>
+          </a:stretch>
+        </p:blipFill>
+        <p:spPr>
+          <a:xfrm rot="0">
+            <a:off x="3970020" y="1513840"/>
+            <a:ext cx="1418590" cy="1315085"/>
+          </a:xfrm>
+          <a:prstGeom prst="roundRect"/>
+          <a:solidFill>
+            <a:srgbClr val="EDEDED"/>
+          </a:solidFill>
+        </p:spPr>
+      </p:pic>
+      <p:pic>
+        <p:nvPicPr>
+          <p:cNvPr id="93" name="그림 23" descr="C:/Users/Admin1/AppData/Roaming/PolarisOffice/ETemp/4372_15633472/fImage23102604464.png"/>
+          <p:cNvPicPr>
+            <a:picLocks noChangeAspect="1"/>
+          </p:cNvPicPr>
+          <p:nvPr/>
+        </p:nvPicPr>
+        <p:blipFill rotWithShape="1">
+          <a:blip r:embed="rId4" cstate="print">
+            <a:extLst>
+              <a:ext uri="{28A0092B-C50C-407E-A947-70E740481C1C}">
+                <a14:useLocalDpi xmlns:a14="http://schemas.microsoft.com/office/drawing/2010/main" val="0"/>
+              </a:ext>
+            </a:extLst>
+          </a:blip>
+          <a:stretch>
+            <a:fillRect/>
+          </a:stretch>
+        </p:blipFill>
+        <p:spPr>
+          <a:xfrm rot="0">
+            <a:off x="4298315" y="3268980"/>
+            <a:ext cx="744855" cy="701675"/>
+          </a:xfrm>
+          <a:prstGeom prst="roundRect"/>
+          <a:solidFill>
+            <a:srgbClr val="EDEDED"/>
+          </a:solidFill>
+        </p:spPr>
+      </p:pic>
+      <p:cxnSp>
+        <p:nvCxnSpPr>
+          <p:cNvPr id="94" name="도형 26"/>
+          <p:cNvCxnSpPr>
+            <a:stCxn id="93" idx="0"/>
+            <a:endCxn id="92" idx="2"/>
+          </p:cNvCxnSpPr>
+          <p:nvPr/>
+        </p:nvCxnSpPr>
+        <p:spPr>
+          <a:xfrm rot="0" flipV="1">
+            <a:off x="4670425" y="2828290"/>
+            <a:ext cx="8890" cy="441325"/>
+          </a:xfrm>
+          <a:prstGeom prst="straightConnector1"/>
+          <a:ln w="6350" cap="flat" cmpd="sng">
+            <a:prstDash/>
+            <a:headEnd type="none" w="med" len="med"/>
+            <a:tailEnd type="triangle" w="med" len="med"/>
+          </a:ln>
+        </p:spPr>
+        <p:style>
+          <a:lnRef idx="1">
+            <a:schemeClr val="accent1"/>
+          </a:lnRef>
+          <a:fillRef idx="0">
+            <a:schemeClr val="accent1"/>
+          </a:fillRef>
+          <a:effectRef idx="0">
+            <a:schemeClr val="accent1"/>
+          </a:effectRef>
+          <a:fontRef idx="minor">
+            <a:schemeClr val="tx1"/>
+          </a:fontRef>
+        </p:style>
+      </p:cxnSp>
+      <p:pic>
+        <p:nvPicPr>
+          <p:cNvPr id="95" name="그림 28" descr="C:/Users/Admin1/AppData/Roaming/PolarisOffice/ETemp/4372_15633472/fImage191382645705.png"/>
+          <p:cNvPicPr>
+            <a:picLocks noChangeAspect="1"/>
+          </p:cNvPicPr>
+          <p:nvPr/>
+        </p:nvPicPr>
+        <p:blipFill rotWithShape="1">
+          <a:blip r:embed="rId5" cstate="hqprint">
+            <a:extLst>
+              <a:ext uri="{28A0092B-C50C-407E-A947-70E740481C1C}">
+                <a14:useLocalDpi xmlns:a14="http://schemas.microsoft.com/office/drawing/2010/main"/>
+              </a:ext>
+            </a:extLst>
+          </a:blip>
+          <a:stretch>
+            <a:fillRect/>
+          </a:stretch>
+        </p:blipFill>
+        <p:spPr>
+          <a:xfrm rot="0">
+            <a:off x="6815455" y="1453515"/>
+            <a:ext cx="2645410" cy="3070225"/>
+          </a:xfrm>
+          <a:prstGeom prst="roundRect"/>
+          <a:solidFill>
+            <a:srgbClr val="EDEDED"/>
+          </a:solidFill>
+        </p:spPr>
+      </p:pic>
+      <p:pic>
+        <p:nvPicPr>
+          <p:cNvPr id="96" name="그림 29" descr="C:/Users/Admin1/AppData/Roaming/PolarisOffice/ETemp/4372_15633472/fImage102432658145.png"/>
+          <p:cNvPicPr>
+            <a:picLocks noChangeAspect="1"/>
+          </p:cNvPicPr>
+          <p:nvPr/>
+        </p:nvPicPr>
+        <p:blipFill rotWithShape="1">
+          <a:blip r:embed="rId6" cstate="print">
+            <a:extLst>
+              <a:ext uri="{28A0092B-C50C-407E-A947-70E740481C1C}">
+                <a14:useLocalDpi xmlns:a14="http://schemas.microsoft.com/office/drawing/2010/main" val="0"/>
+              </a:ext>
+            </a:extLst>
+          </a:blip>
+          <a:stretch>
+            <a:fillRect/>
+          </a:stretch>
+        </p:blipFill>
+        <p:spPr>
+          <a:xfrm rot="0">
+            <a:off x="9597390" y="1859280"/>
+            <a:ext cx="1482725" cy="2275205"/>
+          </a:xfrm>
+          <a:prstGeom prst="roundRect"/>
+          <a:solidFill>
+            <a:srgbClr val="EDEDED"/>
+          </a:solidFill>
+        </p:spPr>
+      </p:pic>
+    </p:spTree>
+  </p:cSld>
+  <p:clrMapOvr>
+    <a:masterClrMapping/>
+  </p:clrMapOvr>
+  <mc:AlternateContent xmlns:mc="http://schemas.openxmlformats.org/markup-compatibility/2006">
+    <mc:Choice xmlns:p14="http://schemas.microsoft.com/office/powerpoint/2010/main" Requires="p14">
+      <p:transition spd="slow" p14:dur="2000"/>
+    </mc:Choice>
+    <mc:Fallback>
+      <p:transition spd="slow"/>
+    </mc:Fallback>
+  </mc:AlternateContent>
+  <p:timing>
+    <p:tnLst>
+      <p:par>
+        <p:cTn id="1" dur="indefinite" restart="never" nodeType="tmRoot"/>
+      </p:par>
+    </p:tnLst>
+  </p:timing>
+</p:sld>
+</file>
+
+<file path=ppt/slides/slide13.xml><?xml version="1.0" encoding="utf-8"?>
+<p:sld xmlns:a="http://schemas.openxmlformats.org/drawingml/2006/main" xmlns:r="http://schemas.openxmlformats.org/officeDocument/2006/relationships" xmlns:p="http://schemas.openxmlformats.org/presentationml/2006/main">
+  <p:cSld>
+    <p:spTree>
+      <p:nvGrpSpPr>
+        <p:cNvPr id="1" name=""/>
+        <p:cNvGrpSpPr/>
+        <p:nvPr/>
+      </p:nvGrpSpPr>
+      <p:grpSpPr>
+        <a:xfrm>
+          <a:off x="0" y="0"/>
+          <a:ext cx="0" cy="0"/>
+          <a:chOff x="0" y="0"/>
+          <a:chExt cx="0" cy="0"/>
+        </a:xfrm>
+      </p:grpSpPr>
+      <p:sp>
+        <p:nvSpPr>
+          <p:cNvPr id="22" name="Rect 0"/>
+          <p:cNvSpPr txBox="1">
+            <a:spLocks/>
+          </p:cNvSpPr>
+          <p:nvPr/>
+        </p:nvSpPr>
+        <p:spPr>
+          <a:xfrm rot="0">
+            <a:off x="4332605" y="453390"/>
+            <a:ext cx="3538855" cy="554990"/>
+          </a:xfrm>
+          <a:prstGeom prst="rect"/>
+          <a:noFill/>
+          <a:ln w="0">
+            <a:noFill/>
+            <a:prstDash/>
+          </a:ln>
+        </p:spPr>
+        <p:txBody>
+          <a:bodyPr wrap="square" lIns="89535" tIns="46355" rIns="89535" bIns="46355" numCol="1" vert="horz" anchor="t">
+            <a:spAutoFit/>
+          </a:bodyPr>
+          <a:lstStyle/>
+          <a:p>
+            <a:pPr marL="0" indent="0" algn="l" latinLnBrk="0" hangingPunct="1">
+              <a:buFontTx/>
+              <a:buNone/>
+            </a:pPr>
+            <a:r>
+              <a:rPr lang="ko-KR" sz="3000" b="1">
+                <a:latin typeface="맑은 고딕" charset="0"/>
+                <a:ea typeface="맑은 고딕" charset="0"/>
+              </a:rPr>
+              <a:t>열</a:t>
+            </a:r>
+            <a:r>
+              <a:rPr lang="ko-KR" sz="3000" b="1">
+                <a:latin typeface="맑은 고딕" charset="0"/>
+                <a:ea typeface="맑은 고딕" charset="0"/>
+              </a:rPr>
+              <a:t>세</a:t>
+            </a:r>
+            <a:r>
+              <a:rPr lang="ko-KR" sz="3000" b="1">
+                <a:latin typeface="맑은 고딕" charset="0"/>
+                <a:ea typeface="맑은 고딕" charset="0"/>
+              </a:rPr>
+              <a:t> 번째 튜토리얼 </a:t>
+            </a:r>
+            <a:endParaRPr lang="ko-KR" altLang="en-US" sz="3000" b="1">
+              <a:latin typeface="맑은 고딕" charset="0"/>
+              <a:ea typeface="맑은 고딕" charset="0"/>
+            </a:endParaRPr>
+          </a:p>
+        </p:txBody>
+      </p:sp>
+      <p:sp>
+        <p:nvSpPr>
+          <p:cNvPr id="54" name="Rect 0"/>
+          <p:cNvSpPr txBox="1">
+            <a:spLocks/>
+          </p:cNvSpPr>
+          <p:nvPr/>
+        </p:nvSpPr>
+        <p:spPr>
+          <a:xfrm rot="0">
+            <a:off x="1181100" y="4133215"/>
+            <a:ext cx="4199255" cy="2031365"/>
+          </a:xfrm>
+          <a:prstGeom prst="rect"/>
+          <a:noFill/>
+          <a:ln w="0">
+            <a:noFill/>
+            <a:prstDash/>
+          </a:ln>
+        </p:spPr>
+        <p:txBody>
+          <a:bodyPr wrap="square" lIns="89535" tIns="46355" rIns="89535" bIns="46355" numCol="1" vert="horz" anchor="t">
+            <a:spAutoFit/>
+          </a:bodyPr>
+          <a:lstStyle/>
+          <a:p>
+            <a:pPr marL="0" indent="0" rtl="0" algn="l" defTabSz="914400" eaLnBrk="1" latinLnBrk="0" hangingPunct="1">
+              <a:buFontTx/>
+              <a:buNone/>
+            </a:pPr>
+            <a:r>
+              <a:rPr lang="ko-KR" sz="1800" b="1">
+                <a:solidFill>
+                  <a:srgbClr val="0611F2"/>
+                </a:solidFill>
+                <a:latin typeface="맑은 고딕" charset="0"/>
+                <a:ea typeface="맑은 고딕" charset="0"/>
+              </a:rPr>
+              <a:t>31</a:t>
+            </a:r>
+            <a:r>
+              <a:rPr sz="1800" b="1">
+                <a:solidFill>
+                  <a:srgbClr val="0611F2"/>
+                </a:solidFill>
+                <a:latin typeface="맑은 고딕" charset="0"/>
+                <a:ea typeface="맑은 고딕" charset="0"/>
+              </a:rPr>
+              <a:t>.</a:t>
+            </a:r>
+            <a:r>
+              <a:rPr sz="1800">
+                <a:latin typeface="맑은 고딕" charset="0"/>
+                <a:ea typeface="맑은 고딕" charset="0"/>
+              </a:rPr>
+              <a:t> </a:t>
+            </a:r>
+            <a:r>
+              <a:rPr lang="ko-KR" sz="1800">
+                <a:latin typeface="맑은 고딕" charset="0"/>
+                <a:ea typeface="맑은 고딕" charset="0"/>
+              </a:rPr>
+              <a:t>마지막으로</a:t>
+            </a:r>
+            <a:r>
+              <a:rPr sz="1800">
+                <a:latin typeface="맑은 고딕" charset="0"/>
+                <a:ea typeface="맑은 고딕" charset="0"/>
+              </a:rPr>
+              <a:t> 빈 게임 오브젝트를 생성</a:t>
+            </a:r>
+            <a:r>
+              <a:rPr sz="1800">
+                <a:latin typeface="맑은 고딕" charset="0"/>
+                <a:ea typeface="맑은 고딕" charset="0"/>
+              </a:rPr>
+              <a:t>하</a:t>
+            </a:r>
+            <a:r>
+              <a:rPr lang="ko-KR" sz="1800">
+                <a:latin typeface="맑은 고딕" charset="0"/>
+                <a:ea typeface="맑은 고딕" charset="0"/>
+              </a:rPr>
+              <a:t>고</a:t>
+            </a:r>
+            <a:r>
+              <a:rPr sz="1800">
+                <a:latin typeface="맑은 고딕" charset="0"/>
+                <a:ea typeface="맑은 고딕" charset="0"/>
+              </a:rPr>
+              <a:t> </a:t>
+            </a:r>
+            <a:r>
+              <a:rPr lang="ko-KR" sz="1800">
+                <a:latin typeface="맑은 고딕" charset="0"/>
+                <a:ea typeface="맑은 고딕" charset="0"/>
+              </a:rPr>
+              <a:t>Animator Control이라는</a:t>
+            </a:r>
+            <a:r>
+              <a:rPr sz="1800">
+                <a:latin typeface="맑은 고딕" charset="0"/>
+                <a:ea typeface="맑은 고딕" charset="0"/>
+              </a:rPr>
+              <a:t> 이름을 정의합니다.</a:t>
+            </a:r>
+            <a:endParaRPr lang="ko-KR" altLang="en-US" sz="1800">
+              <a:latin typeface="맑은 고딕" charset="0"/>
+              <a:ea typeface="맑은 고딕" charset="0"/>
+            </a:endParaRPr>
+          </a:p>
+          <a:p>
+            <a:pPr marL="0" indent="0" rtl="0" algn="l" defTabSz="914400" eaLnBrk="1" latinLnBrk="0" hangingPunct="1">
+              <a:buFontTx/>
+              <a:buNone/>
+            </a:pPr>
+            <a:endParaRPr lang="ko-KR" altLang="en-US" sz="1800">
+              <a:latin typeface="맑은 고딕" charset="0"/>
+              <a:ea typeface="맑은 고딕" charset="0"/>
+            </a:endParaRPr>
+          </a:p>
+          <a:p>
+            <a:pPr marL="0" indent="0" rtl="0" algn="l" defTabSz="914400" eaLnBrk="1" latinLnBrk="0" hangingPunct="1">
+              <a:buFontTx/>
+              <a:buNone/>
+            </a:pPr>
+            <a:r>
+              <a:rPr sz="1800">
+                <a:latin typeface="맑은 고딕" charset="0"/>
+                <a:ea typeface="맑은 고딕" charset="0"/>
+              </a:rPr>
+              <a:t>그리고 </a:t>
+            </a:r>
+            <a:r>
+              <a:rPr lang="ko-KR" sz="1800">
+                <a:latin typeface="맑은 고딕" charset="0"/>
+                <a:ea typeface="맑은 고딕" charset="0"/>
+              </a:rPr>
+              <a:t>AnimationSpeed</a:t>
+            </a:r>
+            <a:r>
+              <a:rPr sz="1800">
+                <a:latin typeface="맑은 고딕" charset="0"/>
+                <a:ea typeface="맑은 고딕" charset="0"/>
+              </a:rPr>
+              <a:t> 스크립트를 생성</a:t>
+            </a:r>
+            <a:r>
+              <a:rPr lang="ko-KR" sz="1800">
+                <a:latin typeface="맑은 고딕" charset="0"/>
+                <a:ea typeface="맑은 고딕" charset="0"/>
+              </a:rPr>
+              <a:t>한 다음</a:t>
+            </a:r>
+            <a:r>
+              <a:rPr sz="1800">
+                <a:latin typeface="맑은 고딕" charset="0"/>
+                <a:ea typeface="맑은 고딕" charset="0"/>
+              </a:rPr>
+              <a:t> </a:t>
+            </a:r>
+            <a:r>
+              <a:rPr lang="ko-KR" sz="1800">
+                <a:latin typeface="맑은 고딕" charset="0"/>
+                <a:ea typeface="맑은 고딕" charset="0"/>
+              </a:rPr>
+              <a:t>Animator Control</a:t>
+            </a:r>
+            <a:r>
+              <a:rPr sz="1800">
+                <a:latin typeface="맑은 고딕" charset="0"/>
+                <a:ea typeface="맑은 고딕" charset="0"/>
+              </a:rPr>
+              <a:t> </a:t>
+            </a:r>
+            <a:r>
+              <a:rPr sz="1800">
+                <a:latin typeface="맑은 고딕" charset="0"/>
+                <a:ea typeface="맑은 고딕" charset="0"/>
+              </a:rPr>
+              <a:t>오브젝트에 넣어줍니다.</a:t>
+            </a:r>
+            <a:endParaRPr lang="ko-KR" altLang="en-US" sz="1800">
+              <a:latin typeface="맑은 고딕" charset="0"/>
+              <a:ea typeface="맑은 고딕" charset="0"/>
+            </a:endParaRPr>
+          </a:p>
+        </p:txBody>
+      </p:sp>
+      <p:sp>
+        <p:nvSpPr>
+          <p:cNvPr id="89" name="Rect 0"/>
+          <p:cNvSpPr txBox="1">
+            <a:spLocks/>
+          </p:cNvSpPr>
+          <p:nvPr/>
+        </p:nvSpPr>
+        <p:spPr>
+          <a:xfrm rot="0">
+            <a:off x="6806565" y="4402455"/>
+            <a:ext cx="4281170" cy="1764665"/>
+          </a:xfrm>
+          <a:prstGeom prst="rect"/>
+          <a:noFill/>
+        </p:spPr>
+        <p:txBody>
+          <a:bodyPr wrap="square" lIns="0" tIns="0" rIns="0" bIns="0" numCol="1" vert="horz" anchor="t">
+            <a:noAutofit/>
+          </a:bodyPr>
+          <a:lstStyle/>
+          <a:p>
+            <a:pPr marL="0" indent="0" algn="l" latinLnBrk="0" hangingPunct="1">
+              <a:buFontTx/>
+              <a:buNone/>
+            </a:pPr>
+            <a:r>
+              <a:rPr lang="ko-KR" sz="2000" b="1">
+                <a:solidFill>
+                  <a:srgbClr val="0611F2"/>
+                </a:solidFill>
+                <a:latin typeface="맑은 고딕" charset="0"/>
+                <a:ea typeface="맑은 고딕" charset="0"/>
+              </a:rPr>
+              <a:t>32</a:t>
+            </a:r>
+            <a:r>
+              <a:rPr lang="ko-KR" sz="2000" b="1">
+                <a:solidFill>
+                  <a:srgbClr val="0611F2"/>
+                </a:solidFill>
+                <a:latin typeface="맑은 고딕" charset="0"/>
+                <a:ea typeface="맑은 고딕" charset="0"/>
+              </a:rPr>
+              <a:t>.</a:t>
+            </a:r>
+            <a:r>
+              <a:rPr lang="ko-KR" sz="2000">
+                <a:solidFill>
+                  <a:srgbClr val="0611F2"/>
+                </a:solidFill>
+                <a:latin typeface="맑은 고딕" charset="0"/>
+                <a:ea typeface="맑은 고딕" charset="0"/>
+              </a:rPr>
+              <a:t> </a:t>
+            </a:r>
+            <a:r>
+              <a:rPr sz="1800">
+                <a:latin typeface="맑은 고딕" charset="0"/>
+                <a:ea typeface="맑은 고딕" charset="0"/>
+              </a:rPr>
+              <a:t>그다음 </a:t>
+            </a:r>
+            <a:r>
+              <a:rPr lang="ko-KR" sz="1800">
+                <a:latin typeface="맑은 고딕" charset="0"/>
+                <a:ea typeface="맑은 고딕" charset="0"/>
+              </a:rPr>
+              <a:t>AnimationSpeed</a:t>
+            </a:r>
+            <a:r>
+              <a:rPr sz="1800">
+                <a:latin typeface="맑은 고딕" charset="0"/>
+                <a:ea typeface="맑은 고딕" charset="0"/>
+              </a:rPr>
+              <a:t> 스크립트</a:t>
+            </a:r>
+            <a:r>
+              <a:rPr lang="ko-KR" sz="1800">
+                <a:latin typeface="맑은 고딕" charset="0"/>
+                <a:ea typeface="맑은 고딕" charset="0"/>
+              </a:rPr>
+              <a:t>에서 speed 변수를 선언하고 Save( ) 함수와 Load( ) 함수를 선언합니다.</a:t>
+            </a:r>
+            <a:endParaRPr lang="ko-KR" altLang="en-US" sz="1800">
+              <a:latin typeface="맑은 고딕" charset="0"/>
+              <a:ea typeface="맑은 고딕" charset="0"/>
+            </a:endParaRPr>
+          </a:p>
+          <a:p>
+            <a:pPr marL="0" indent="0" rtl="0" algn="l" defTabSz="914400" eaLnBrk="1" latinLnBrk="0" hangingPunct="1">
+              <a:buFontTx/>
+              <a:buNone/>
+            </a:pPr>
+            <a:endParaRPr lang="ko-KR" altLang="en-US" sz="1800">
+              <a:latin typeface="맑은 고딕" charset="0"/>
+              <a:ea typeface="맑은 고딕" charset="0"/>
+            </a:endParaRPr>
+          </a:p>
+          <a:p>
+            <a:pPr marL="0" indent="0" rtl="0" algn="l" defTabSz="914400" eaLnBrk="1" latinLnBrk="0" hangingPunct="1">
+              <a:buFontTx/>
+              <a:buNone/>
+            </a:pPr>
+            <a:r>
+              <a:rPr sz="1800">
+                <a:latin typeface="맑은 고딕" charset="0"/>
+                <a:ea typeface="맑은 고딕" charset="0"/>
+              </a:rPr>
+              <a:t>그</a:t>
+            </a:r>
+            <a:r>
+              <a:rPr lang="ko-KR" sz="1800">
+                <a:latin typeface="맑은 고딕" charset="0"/>
+                <a:ea typeface="맑은 고딕" charset="0"/>
+              </a:rPr>
+              <a:t>런 다음 PlayerPrefs로 speed 변수를 저장합니다. </a:t>
+            </a:r>
+            <a:r>
+              <a:rPr sz="1800">
+                <a:latin typeface="맑은 고딕" charset="0"/>
+                <a:ea typeface="맑은 고딕" charset="0"/>
+              </a:rPr>
+              <a:t> </a:t>
+            </a:r>
+            <a:endParaRPr lang="ko-KR" altLang="en-US" sz="1800">
+              <a:latin typeface="맑은 고딕" charset="0"/>
+              <a:ea typeface="맑은 고딕" charset="0"/>
+            </a:endParaRPr>
+          </a:p>
+        </p:txBody>
+      </p:sp>
+      <p:pic>
+        <p:nvPicPr>
+          <p:cNvPr id="91" name="Picture " descr="C:/Users/Admin1/AppData/Roaming/PolarisOffice/ETemp/4372_15633472/fImage85062693281.png"/>
+          <p:cNvPicPr>
+            <a:picLocks noChangeAspect="1"/>
+          </p:cNvPicPr>
+          <p:nvPr/>
+        </p:nvPicPr>
+        <p:blipFill rotWithShape="1">
+          <a:blip r:embed="rId2" cstate="hqprint">
+            <a:extLst>
+              <a:ext uri="{28A0092B-C50C-407E-A947-70E740481C1C}">
+                <a14:useLocalDpi xmlns:a14="http://schemas.microsoft.com/office/drawing/2010/main"/>
+              </a:ext>
+            </a:extLst>
+          </a:blip>
+          <a:stretch>
+            <a:fillRect/>
+          </a:stretch>
+        </p:blipFill>
+        <p:spPr>
+          <a:xfrm rot="0">
+            <a:off x="1186180" y="1452880"/>
+            <a:ext cx="2567940" cy="2550160"/>
+          </a:xfrm>
+          <a:prstGeom prst="roundRect"/>
+          <a:solidFill>
+            <a:srgbClr val="EDEDED"/>
+          </a:solidFill>
+        </p:spPr>
+      </p:pic>
+      <p:pic>
+        <p:nvPicPr>
+          <p:cNvPr id="97" name="그림 32" descr="C:/Users/Admin1/AppData/Roaming/PolarisOffice/ETemp/4372_15633472/fImage107932786827.png"/>
+          <p:cNvPicPr>
+            <a:picLocks noChangeAspect="1"/>
+          </p:cNvPicPr>
+          <p:nvPr/>
+        </p:nvPicPr>
+        <p:blipFill rotWithShape="1">
+          <a:blip r:embed="rId3" cstate="print">
+            <a:extLst>
+              <a:ext uri="{28A0092B-C50C-407E-A947-70E740481C1C}">
+                <a14:useLocalDpi xmlns:a14="http://schemas.microsoft.com/office/drawing/2010/main" val="0"/>
+              </a:ext>
+            </a:extLst>
+          </a:blip>
+          <a:stretch>
+            <a:fillRect/>
+          </a:stretch>
+        </p:blipFill>
+        <p:spPr>
+          <a:xfrm rot="0">
+            <a:off x="3909060" y="1454150"/>
+            <a:ext cx="1471295" cy="1452245"/>
+          </a:xfrm>
+          <a:prstGeom prst="roundRect"/>
+          <a:solidFill>
+            <a:srgbClr val="EDEDED"/>
+          </a:solidFill>
+        </p:spPr>
+      </p:pic>
+      <p:pic>
+        <p:nvPicPr>
+          <p:cNvPr id="98" name="그림 35" descr="C:/Users/Admin1/AppData/Roaming/PolarisOffice/ETemp/4372_15633472/fImage21192799961.png"/>
+          <p:cNvPicPr>
+            <a:picLocks noChangeAspect="1"/>
+          </p:cNvPicPr>
+          <p:nvPr/>
+        </p:nvPicPr>
+        <p:blipFill rotWithShape="1">
+          <a:blip r:embed="rId4" cstate="print">
+            <a:extLst>
+              <a:ext uri="{28A0092B-C50C-407E-A947-70E740481C1C}">
+                <a14:useLocalDpi xmlns:a14="http://schemas.microsoft.com/office/drawing/2010/main" val="0"/>
+              </a:ext>
+            </a:extLst>
+          </a:blip>
+          <a:stretch>
+            <a:fillRect/>
+          </a:stretch>
+        </p:blipFill>
+        <p:spPr>
+          <a:xfrm rot="0">
+            <a:off x="4281170" y="3295015"/>
+            <a:ext cx="727075" cy="718820"/>
+          </a:xfrm>
+          <a:prstGeom prst="roundRect"/>
+          <a:solidFill>
+            <a:srgbClr val="EDEDED"/>
+          </a:solidFill>
+        </p:spPr>
+      </p:pic>
+      <p:cxnSp>
+        <p:nvCxnSpPr>
+          <p:cNvPr id="99" name="도형 38"/>
+          <p:cNvCxnSpPr>
+            <a:stCxn id="98" idx="0"/>
+            <a:endCxn id="97" idx="2"/>
+          </p:cNvCxnSpPr>
+          <p:nvPr/>
+        </p:nvCxnSpPr>
+        <p:spPr>
+          <a:xfrm rot="0" flipV="1">
+            <a:off x="4644390" y="2905760"/>
+            <a:ext cx="635" cy="389890"/>
+          </a:xfrm>
+          <a:prstGeom prst="straightConnector1"/>
+          <a:ln w="6350" cap="flat" cmpd="sng">
+            <a:prstDash/>
+            <a:headEnd type="none" w="med" len="med"/>
+            <a:tailEnd type="triangle" w="med" len="med"/>
+          </a:ln>
+        </p:spPr>
+        <p:style>
+          <a:lnRef idx="1">
+            <a:schemeClr val="accent1"/>
+          </a:lnRef>
+          <a:fillRef idx="0">
+            <a:schemeClr val="accent1"/>
+          </a:fillRef>
+          <a:effectRef idx="0">
+            <a:schemeClr val="accent1"/>
+          </a:effectRef>
+          <a:fontRef idx="minor">
+            <a:schemeClr val="tx1"/>
+          </a:fontRef>
+        </p:style>
+      </p:cxnSp>
+      <p:pic>
+        <p:nvPicPr>
+          <p:cNvPr id="100" name="그림 39" descr="C:/Users/Admin1/AppData/Roaming/PolarisOffice/ETemp/4372_15633472/fImage9327281491.png"/>
+          <p:cNvPicPr>
+            <a:picLocks noChangeAspect="1"/>
+          </p:cNvPicPr>
+          <p:nvPr/>
+        </p:nvPicPr>
+        <p:blipFill rotWithShape="1">
+          <a:blip r:embed="rId5" cstate="print">
+            <a:extLst>
+              <a:ext uri="{28A0092B-C50C-407E-A947-70E740481C1C}">
+                <a14:useLocalDpi xmlns:a14="http://schemas.microsoft.com/office/drawing/2010/main" val="0"/>
+              </a:ext>
+            </a:extLst>
+          </a:blip>
+          <a:stretch>
+            <a:fillRect/>
+          </a:stretch>
+        </p:blipFill>
+        <p:spPr>
+          <a:xfrm rot="0">
+            <a:off x="6815455" y="1446530"/>
+            <a:ext cx="4272915" cy="2870200"/>
+          </a:xfrm>
+          <a:prstGeom prst="roundRect"/>
+          <a:solidFill>
+            <a:srgbClr val="EDEDED"/>
+          </a:solidFill>
+        </p:spPr>
+      </p:pic>
+    </p:spTree>
+  </p:cSld>
+  <p:clrMapOvr>
+    <a:masterClrMapping/>
+  </p:clrMapOvr>
+  <mc:AlternateContent xmlns:mc="http://schemas.openxmlformats.org/markup-compatibility/2006">
+    <mc:Choice xmlns:p14="http://schemas.microsoft.com/office/powerpoint/2010/main" Requires="p14">
+      <p:transition spd="slow" p14:dur="2000"/>
+    </mc:Choice>
+    <mc:Fallback>
+      <p:transition spd="slow"/>
+    </mc:Fallback>
+  </mc:AlternateContent>
+  <p:timing>
+    <p:tnLst>
+      <p:par>
+        <p:cTn id="1" dur="indefinite" restart="never" nodeType="tmRoot"/>
+      </p:par>
+    </p:tnLst>
+  </p:timing>
+</p:sld>
+</file>
+
+<file path=ppt/slides/slide14.xml><?xml version="1.0" encoding="utf-8"?>
+<p:sld xmlns:a="http://schemas.openxmlformats.org/drawingml/2006/main" xmlns:r="http://schemas.openxmlformats.org/officeDocument/2006/relationships" xmlns:p="http://schemas.openxmlformats.org/presentationml/2006/main">
+  <p:cSld>
+    <p:spTree>
+      <p:nvGrpSpPr>
+        <p:cNvPr id="1" name=""/>
+        <p:cNvGrpSpPr/>
+        <p:nvPr/>
+      </p:nvGrpSpPr>
+      <p:grpSpPr>
+        <a:xfrm>
+          <a:off x="0" y="0"/>
+          <a:ext cx="0" cy="0"/>
+          <a:chOff x="0" y="0"/>
+          <a:chExt cx="0" cy="0"/>
+        </a:xfrm>
+      </p:grpSpPr>
+      <p:sp>
+        <p:nvSpPr>
+          <p:cNvPr id="22" name="Rect 0"/>
+          <p:cNvSpPr txBox="1">
+            <a:spLocks/>
+          </p:cNvSpPr>
+          <p:nvPr/>
+        </p:nvSpPr>
+        <p:spPr>
+          <a:xfrm rot="0">
+            <a:off x="4332605" y="453390"/>
+            <a:ext cx="3538855" cy="554990"/>
+          </a:xfrm>
+          <a:prstGeom prst="rect"/>
+          <a:noFill/>
+          <a:ln w="0">
+            <a:noFill/>
+            <a:prstDash/>
+          </a:ln>
+        </p:spPr>
+        <p:txBody>
+          <a:bodyPr wrap="square" lIns="89535" tIns="46355" rIns="89535" bIns="46355" numCol="1" vert="horz" anchor="t">
+            <a:spAutoFit/>
+          </a:bodyPr>
+          <a:lstStyle/>
+          <a:p>
+            <a:pPr marL="0" indent="0" algn="l" latinLnBrk="0" hangingPunct="1">
+              <a:buFontTx/>
+              <a:buNone/>
+            </a:pPr>
+            <a:r>
+              <a:rPr lang="ko-KR" sz="3000" b="1">
+                <a:latin typeface="맑은 고딕" charset="0"/>
+                <a:ea typeface="맑은 고딕" charset="0"/>
+              </a:rPr>
+              <a:t>열</a:t>
+            </a:r>
+            <a:r>
+              <a:rPr lang="ko-KR" sz="3000" b="1">
+                <a:latin typeface="맑은 고딕" charset="0"/>
+                <a:ea typeface="맑은 고딕" charset="0"/>
+              </a:rPr>
+              <a:t>네</a:t>
+            </a:r>
+            <a:r>
+              <a:rPr lang="ko-KR" sz="3000" b="1">
+                <a:latin typeface="맑은 고딕" charset="0"/>
+                <a:ea typeface="맑은 고딕" charset="0"/>
+              </a:rPr>
+              <a:t> 번째 튜토리얼 </a:t>
+            </a:r>
+            <a:endParaRPr lang="ko-KR" altLang="en-US" sz="3000" b="1">
+              <a:latin typeface="맑은 고딕" charset="0"/>
+              <a:ea typeface="맑은 고딕" charset="0"/>
+            </a:endParaRPr>
+          </a:p>
+        </p:txBody>
+      </p:sp>
+      <p:sp>
+        <p:nvSpPr>
+          <p:cNvPr id="54" name="Rect 0"/>
+          <p:cNvSpPr txBox="1">
+            <a:spLocks/>
+          </p:cNvSpPr>
+          <p:nvPr/>
+        </p:nvSpPr>
+        <p:spPr>
+          <a:xfrm rot="0">
+            <a:off x="6826250" y="4980305"/>
+            <a:ext cx="4253865" cy="1200785"/>
+          </a:xfrm>
+          <a:prstGeom prst="rect"/>
+          <a:noFill/>
+          <a:ln w="0">
+            <a:noFill/>
+            <a:prstDash/>
+          </a:ln>
+        </p:spPr>
+        <p:txBody>
+          <a:bodyPr wrap="square" lIns="89535" tIns="46355" rIns="89535" bIns="46355" numCol="1" vert="horz" anchor="t">
+            <a:spAutoFit/>
+          </a:bodyPr>
+          <a:lstStyle/>
+          <a:p>
+            <a:pPr marL="0" indent="0" rtl="0" algn="l" defTabSz="914400" eaLnBrk="1" latinLnBrk="0" hangingPunct="1">
+              <a:buFontTx/>
+              <a:buNone/>
+            </a:pPr>
+            <a:r>
+              <a:rPr lang="ko-KR" sz="1800" b="1">
+                <a:solidFill>
+                  <a:srgbClr val="0611F2"/>
+                </a:solidFill>
+                <a:latin typeface="맑은 고딕" charset="0"/>
+                <a:ea typeface="맑은 고딕" charset="0"/>
+              </a:rPr>
+              <a:t>35</a:t>
+            </a:r>
+            <a:r>
+              <a:rPr sz="1800" b="1">
+                <a:solidFill>
+                  <a:srgbClr val="0611F2"/>
+                </a:solidFill>
+                <a:latin typeface="맑은 고딕" charset="0"/>
+                <a:ea typeface="맑은 고딕" charset="0"/>
+              </a:rPr>
+              <a:t>.</a:t>
+            </a:r>
+            <a:r>
+              <a:rPr sz="1800">
+                <a:latin typeface="맑은 고딕" charset="0"/>
+                <a:ea typeface="맑은 고딕" charset="0"/>
+              </a:rPr>
+              <a:t> </a:t>
+            </a:r>
+            <a:r>
+              <a:rPr lang="ko-KR" sz="1800">
+                <a:latin typeface="맑은 고딕" charset="0"/>
+                <a:ea typeface="맑은 고딕" charset="0"/>
+              </a:rPr>
+              <a:t>그런 다음 AnimationSpeed 스크립트에 Text 변수와 DataSystem 변수 그리고 Animator 변수를 배열로 선언합니다.</a:t>
+            </a:r>
+            <a:endParaRPr lang="ko-KR" altLang="en-US" sz="1800">
+              <a:latin typeface="맑은 고딕" charset="0"/>
+              <a:ea typeface="맑은 고딕" charset="0"/>
+            </a:endParaRPr>
+          </a:p>
+        </p:txBody>
+      </p:sp>
+      <p:pic>
+        <p:nvPicPr>
+          <p:cNvPr id="101" name="그림 42" descr="C:/Users/Admin1/AppData/Roaming/PolarisOffice/ETemp/4372_15633472/fImage59952932995.png"/>
+          <p:cNvPicPr>
+            <a:picLocks noChangeAspect="1"/>
+          </p:cNvPicPr>
+          <p:nvPr/>
+        </p:nvPicPr>
+        <p:blipFill rotWithShape="1">
+          <a:blip r:embed="rId2" cstate="print">
+            <a:extLst>
+              <a:ext uri="{28A0092B-C50C-407E-A947-70E740481C1C}">
+                <a14:useLocalDpi xmlns:a14="http://schemas.microsoft.com/office/drawing/2010/main" val="0"/>
+              </a:ext>
+            </a:extLst>
+          </a:blip>
+          <a:stretch>
+            <a:fillRect/>
+          </a:stretch>
+        </p:blipFill>
+        <p:spPr>
+          <a:xfrm rot="0">
+            <a:off x="6823710" y="3519805"/>
+            <a:ext cx="4247515" cy="1384935"/>
+          </a:xfrm>
+          <a:prstGeom prst="roundRect"/>
+          <a:solidFill>
+            <a:srgbClr val="EDEDED"/>
+          </a:solidFill>
+        </p:spPr>
+      </p:pic>
+      <p:pic>
+        <p:nvPicPr>
+          <p:cNvPr id="102" name="그림 45" descr="C:/Users/Admin1/AppData/Roaming/PolarisOffice/ETemp/4372_15633472/fImage159682941942.png"/>
+          <p:cNvPicPr>
+            <a:picLocks noChangeAspect="1"/>
+          </p:cNvPicPr>
+          <p:nvPr/>
+        </p:nvPicPr>
+        <p:blipFill rotWithShape="1">
+          <a:blip r:embed="rId3" cstate="print">
+            <a:extLst>
+              <a:ext uri="{28A0092B-C50C-407E-A947-70E740481C1C}">
+                <a14:useLocalDpi xmlns:a14="http://schemas.microsoft.com/office/drawing/2010/main" val="0"/>
+              </a:ext>
+            </a:extLst>
+          </a:blip>
+          <a:stretch>
+            <a:fillRect/>
+          </a:stretch>
+        </p:blipFill>
+        <p:spPr>
+          <a:xfrm rot="0">
+            <a:off x="1106805" y="1392555"/>
+            <a:ext cx="4264660" cy="1825625"/>
+          </a:xfrm>
+          <a:prstGeom prst="roundRect"/>
+          <a:solidFill>
+            <a:srgbClr val="EDEDED"/>
+          </a:solidFill>
+        </p:spPr>
+      </p:pic>
+      <p:sp>
+        <p:nvSpPr>
+          <p:cNvPr id="103" name="텍스트 상자 48"/>
+          <p:cNvSpPr txBox="1">
+            <a:spLocks/>
+          </p:cNvSpPr>
+          <p:nvPr/>
+        </p:nvSpPr>
+        <p:spPr>
+          <a:xfrm rot="0">
+            <a:off x="1105535" y="5259705"/>
+            <a:ext cx="4277360" cy="923925"/>
+          </a:xfrm>
+          <a:prstGeom prst="rect"/>
+          <a:noFill/>
+          <a:ln w="0">
+            <a:noFill/>
+            <a:prstDash/>
+          </a:ln>
+        </p:spPr>
+        <p:txBody>
+          <a:bodyPr wrap="square" lIns="89535" tIns="46355" rIns="89535" bIns="46355" numCol="1" vert="horz" anchor="t">
+            <a:spAutoFit/>
+          </a:bodyPr>
+          <a:lstStyle/>
+          <a:p>
+            <a:pPr marL="0" indent="0" rtl="0" algn="l" defTabSz="914400" eaLnBrk="1" latinLnBrk="0" hangingPunct="1">
+              <a:buFontTx/>
+              <a:buNone/>
+            </a:pPr>
+            <a:r>
+              <a:rPr lang="ko-KR" sz="1800" b="1">
+                <a:solidFill>
+                  <a:srgbClr val="0611F2"/>
+                </a:solidFill>
+                <a:latin typeface="맑은 고딕" charset="0"/>
+                <a:ea typeface="맑은 고딕" charset="0"/>
+              </a:rPr>
+              <a:t>33</a:t>
+            </a:r>
+            <a:r>
+              <a:rPr sz="1800" b="1">
+                <a:solidFill>
+                  <a:srgbClr val="0611F2"/>
+                </a:solidFill>
+                <a:latin typeface="맑은 고딕" charset="0"/>
+                <a:ea typeface="맑은 고딕" charset="0"/>
+              </a:rPr>
+              <a:t>.</a:t>
+            </a:r>
+            <a:r>
+              <a:rPr sz="1800">
+                <a:latin typeface="맑은 고딕" charset="0"/>
+                <a:ea typeface="맑은 고딕" charset="0"/>
+              </a:rPr>
+              <a:t> </a:t>
+            </a:r>
+            <a:r>
+              <a:rPr sz="1800">
+                <a:latin typeface="맑은 고딕" charset="0"/>
+                <a:ea typeface="맑은 고딕" charset="0"/>
+              </a:rPr>
+              <a:t>이</a:t>
+            </a:r>
+            <a:r>
+              <a:rPr lang="ko-KR" sz="1800">
+                <a:latin typeface="맑은 고딕" charset="0"/>
+                <a:ea typeface="맑은 고딕" charset="0"/>
+              </a:rPr>
+              <a:t>제 Ch14_nonPBR 오브젝트와 Ch19_nonPBR 오브젝트의 위치 값을 설정합니다.</a:t>
+            </a:r>
+            <a:endParaRPr lang="ko-KR" altLang="en-US" sz="1800">
+              <a:latin typeface="맑은 고딕" charset="0"/>
+              <a:ea typeface="맑은 고딕" charset="0"/>
+            </a:endParaRPr>
+          </a:p>
+        </p:txBody>
+      </p:sp>
+      <p:pic>
+        <p:nvPicPr>
+          <p:cNvPr id="104" name="그림 49" descr="C:/Users/Admin1/AppData/Roaming/PolarisOffice/ETemp/4372_15633472/fImage162492964827.png"/>
+          <p:cNvPicPr>
+            <a:picLocks noChangeAspect="1"/>
+          </p:cNvPicPr>
+          <p:nvPr/>
+        </p:nvPicPr>
+        <p:blipFill rotWithShape="1">
+          <a:blip r:embed="rId4" cstate="print">
+            <a:extLst>
+              <a:ext uri="{28A0092B-C50C-407E-A947-70E740481C1C}">
+                <a14:useLocalDpi xmlns:a14="http://schemas.microsoft.com/office/drawing/2010/main" val="0"/>
+              </a:ext>
+            </a:extLst>
+          </a:blip>
+          <a:stretch>
+            <a:fillRect/>
+          </a:stretch>
+        </p:blipFill>
+        <p:spPr>
+          <a:xfrm rot="0">
+            <a:off x="1104900" y="3373120"/>
+            <a:ext cx="4257675" cy="1756410"/>
+          </a:xfrm>
+          <a:prstGeom prst="roundRect"/>
+          <a:solidFill>
+            <a:srgbClr val="EDEDED"/>
+          </a:solidFill>
+        </p:spPr>
+      </p:pic>
+      <p:pic>
+        <p:nvPicPr>
+          <p:cNvPr id="105" name="그림 52" descr="C:/Users/Admin1/AppData/Roaming/PolarisOffice/ETemp/4372_15633472/fImage129692975436.png"/>
+          <p:cNvPicPr>
+            <a:picLocks noChangeAspect="1"/>
+          </p:cNvPicPr>
+          <p:nvPr/>
+        </p:nvPicPr>
+        <p:blipFill rotWithShape="1">
+          <a:blip r:embed="rId5" cstate="print">
+            <a:extLst>
+              <a:ext uri="{28A0092B-C50C-407E-A947-70E740481C1C}">
+                <a14:useLocalDpi xmlns:a14="http://schemas.microsoft.com/office/drawing/2010/main" val="0"/>
+              </a:ext>
+            </a:extLst>
+          </a:blip>
+          <a:stretch>
+            <a:fillRect/>
+          </a:stretch>
+        </p:blipFill>
+        <p:spPr>
+          <a:xfrm rot="0">
+            <a:off x="6819265" y="1400810"/>
+            <a:ext cx="4260850" cy="1280795"/>
+          </a:xfrm>
+          <a:prstGeom prst="roundRect"/>
+          <a:solidFill>
+            <a:srgbClr val="EDEDED"/>
+          </a:solidFill>
+        </p:spPr>
+      </p:pic>
+      <p:sp>
+        <p:nvSpPr>
+          <p:cNvPr id="106" name="텍스트 상자 55"/>
+          <p:cNvSpPr txBox="1">
+            <a:spLocks/>
+          </p:cNvSpPr>
+          <p:nvPr/>
+        </p:nvSpPr>
+        <p:spPr>
+          <a:xfrm rot="0">
+            <a:off x="6816090" y="2780030"/>
+            <a:ext cx="4277360" cy="647065"/>
+          </a:xfrm>
+          <a:prstGeom prst="rect"/>
+          <a:noFill/>
+          <a:ln w="0">
+            <a:noFill/>
+            <a:prstDash/>
+          </a:ln>
+        </p:spPr>
+        <p:txBody>
+          <a:bodyPr wrap="square" lIns="89535" tIns="46355" rIns="89535" bIns="46355" numCol="1" vert="horz" anchor="t">
+            <a:spAutoFit/>
+          </a:bodyPr>
+          <a:lstStyle/>
+          <a:p>
+            <a:pPr marL="0" indent="0" rtl="0" algn="l" defTabSz="914400" eaLnBrk="1" latinLnBrk="0" hangingPunct="1">
+              <a:buFontTx/>
+              <a:buNone/>
+            </a:pPr>
+            <a:r>
+              <a:rPr lang="ko-KR" sz="1800" b="1">
+                <a:solidFill>
+                  <a:srgbClr val="0611F2"/>
+                </a:solidFill>
+                <a:latin typeface="맑은 고딕" charset="0"/>
+                <a:ea typeface="맑은 고딕" charset="0"/>
+              </a:rPr>
+              <a:t>34</a:t>
+            </a:r>
+            <a:r>
+              <a:rPr sz="1800" b="1">
+                <a:solidFill>
+                  <a:srgbClr val="0611F2"/>
+                </a:solidFill>
+                <a:latin typeface="맑은 고딕" charset="0"/>
+                <a:ea typeface="맑은 고딕" charset="0"/>
+              </a:rPr>
+              <a:t>.</a:t>
+            </a:r>
+            <a:r>
+              <a:rPr sz="1800">
+                <a:latin typeface="맑은 고딕" charset="0"/>
+                <a:ea typeface="맑은 고딕" charset="0"/>
+              </a:rPr>
+              <a:t> </a:t>
+            </a:r>
+            <a:r>
+              <a:rPr lang="ko-KR" sz="1800">
+                <a:latin typeface="맑은 고딕" charset="0"/>
+                <a:ea typeface="맑은 고딕" charset="0"/>
+              </a:rPr>
+              <a:t>그다음 Animation Speed Button의 위치와 크기 그리고 앵커를 설정합니다.</a:t>
+            </a:r>
+            <a:endParaRPr lang="ko-KR" altLang="en-US" sz="1800">
+              <a:latin typeface="맑은 고딕" charset="0"/>
+              <a:ea typeface="맑은 고딕" charset="0"/>
+            </a:endParaRPr>
+          </a:p>
+        </p:txBody>
+      </p:sp>
     </p:spTree>
   </p:cSld>
   <p:clrMapOvr>
@@ -6611,7 +10494,7 @@
       </p:sp>
       <p:pic>
         <p:nvPicPr>
-          <p:cNvPr id="37" name="그림 5" descr="C:/Users/Admin1/AppData/Roaming/PolarisOffice/ETemp/2752_22058296/fImage4039922476334.png"/>
+          <p:cNvPr id="37" name="그림 5"/>
           <p:cNvPicPr>
             <a:picLocks noChangeAspect="1"/>
           </p:cNvPicPr>
@@ -6708,7 +10591,7 @@
       </p:sp>
       <p:pic>
         <p:nvPicPr>
-          <p:cNvPr id="39" name="그림 9" descr="C:/Users/Admin1/AppData/Roaming/PolarisOffice/ETemp/2752_22058296/fImage69912496500.png"/>
+          <p:cNvPr id="39" name="그림 9"/>
           <p:cNvPicPr>
             <a:picLocks noChangeAspect="1"/>
           </p:cNvPicPr>
@@ -6739,7 +10622,7 @@
       </p:pic>
       <p:pic>
         <p:nvPicPr>
-          <p:cNvPr id="40" name="그림 10" descr="C:/Users/Admin1/AppData/Roaming/PolarisOffice/ETemp/2752_22058296/fImage39102509169.png"/>
+          <p:cNvPr id="40" name="그림 10"/>
           <p:cNvPicPr>
             <a:picLocks noChangeAspect="1"/>
           </p:cNvPicPr>
@@ -6770,7 +10653,7 @@
       </p:pic>
       <p:pic>
         <p:nvPicPr>
-          <p:cNvPr id="41" name="그림 11" descr="C:/Users/Admin1/AppData/Roaming/PolarisOffice/ETemp/2752_22058296/fImage67822515724.png"/>
+          <p:cNvPr id="41" name="그림 11"/>
           <p:cNvPicPr>
             <a:picLocks noChangeAspect="1"/>
           </p:cNvPicPr>
@@ -6801,17 +10684,17 @@
       </p:pic>
       <p:pic>
         <p:nvPicPr>
-          <p:cNvPr id="42" name="그림 16" descr="C:/Users/Admin1/AppData/Roaming/PolarisOffice/ETemp/2752_22058296/fImage2242172521478.png"/>
+          <p:cNvPr id="42" name="그림 16"/>
           <p:cNvPicPr>
             <a:picLocks noChangeAspect="1"/>
           </p:cNvPicPr>
           <p:nvPr/>
         </p:nvPicPr>
         <p:blipFill rotWithShape="1">
-          <a:blip r:embed="rId12" cstate="print">
+          <a:blip r:embed="rId12" cstate="hqprint">
             <a:extLst>
               <a:ext uri="{28A0092B-C50C-407E-A947-70E740481C1C}">
-                <a14:useLocalDpi xmlns:a14="http://schemas.microsoft.com/office/drawing/2010/main" val="0"/>
+                <a14:useLocalDpi xmlns:a14="http://schemas.microsoft.com/office/drawing/2010/main"/>
               </a:ext>
             </a:extLst>
           </a:blip>
@@ -6822,7 +10705,7 @@
         <p:spPr>
           <a:xfrm rot="0">
             <a:off x="7758430" y="4462780"/>
-            <a:ext cx="597535" cy="450215"/>
+            <a:ext cx="598170" cy="450850"/>
           </a:xfrm>
           <a:prstGeom prst="rect"/>
           <a:noFill/>
@@ -7145,17 +11028,17 @@
       </p:sp>
       <p:pic>
         <p:nvPicPr>
-          <p:cNvPr id="41" name="그림 18" descr="C:/Users/Admin1/AppData/Roaming/PolarisOffice/ETemp/2752_22058296/fImage286112549358.png"/>
+          <p:cNvPr id="41" name="그림 18"/>
           <p:cNvPicPr>
             <a:picLocks noChangeAspect="1"/>
           </p:cNvPicPr>
           <p:nvPr/>
         </p:nvPicPr>
         <p:blipFill rotWithShape="1">
-          <a:blip r:embed="rId6" cstate="print">
+          <a:blip r:embed="rId6" cstate="hqprint">
             <a:extLst>
               <a:ext uri="{28A0092B-C50C-407E-A947-70E740481C1C}">
-                <a14:useLocalDpi xmlns:a14="http://schemas.microsoft.com/office/drawing/2010/main" val="0"/>
+                <a14:useLocalDpi xmlns:a14="http://schemas.microsoft.com/office/drawing/2010/main"/>
               </a:ext>
             </a:extLst>
           </a:blip>
@@ -7166,7 +11049,7 @@
         <p:spPr>
           <a:xfrm rot="0">
             <a:off x="1323340" y="1384300"/>
-            <a:ext cx="4057015" cy="3728085"/>
+            <a:ext cx="4057650" cy="3728720"/>
           </a:xfrm>
           <a:prstGeom prst="rect"/>
           <a:noFill/>
@@ -7174,7 +11057,7 @@
       </p:pic>
       <p:pic>
         <p:nvPicPr>
-          <p:cNvPr id="42" name="그림 22" descr="C:/Users/Admin1/AppData/Roaming/PolarisOffice/ETemp/2752_22058296/fImage267442556962.png"/>
+          <p:cNvPr id="42" name="그림 22"/>
           <p:cNvPicPr>
             <a:picLocks noChangeAspect="1"/>
           </p:cNvPicPr>
@@ -7203,7 +11086,7 @@
       </p:pic>
       <p:pic>
         <p:nvPicPr>
-          <p:cNvPr id="43" name="그림 24" descr="C:/Users/Admin1/AppData/Roaming/PolarisOffice/ETemp/2752_22058296/fImage237152564464.png"/>
+          <p:cNvPr id="43" name="그림 24"/>
           <p:cNvPicPr>
             <a:picLocks noChangeAspect="1"/>
           </p:cNvPicPr>
@@ -7256,7 +11139,7 @@
 </file>
 
 <file path=ppt/slides/slide4.xml><?xml version="1.0" encoding="utf-8"?>
-<p:sld xmlns:a="http://schemas.openxmlformats.org/drawingml/2006/main" xmlns:r="http://schemas.openxmlformats.org/officeDocument/2006/relationships" xmlns:p="http://schemas.openxmlformats.org/presentationml/2006/main">
+<p:sld xmlns:a="http://schemas.openxmlformats.org/drawingml/2006/main" xmlns:r="http://schemas.openxmlformats.org/officeDocument/2006/relationships" xmlns:p="http://schemas.openxmlformats.org/presentationml/2006/main" xmlns:p14="http://schemas.microsoft.com/office/powerpoint/2010/main">
   <p:cSld>
     <p:spTree>
       <p:nvGrpSpPr>
@@ -7458,17 +11341,17 @@
       </p:sp>
       <p:pic>
         <p:nvPicPr>
-          <p:cNvPr id="44" name="그림 46" descr="C:/Users/Admin1/AppData/Roaming/PolarisOffice/ETemp/2752_22058296/fImage201613635705.png"/>
+          <p:cNvPr id="44" name="그림 46"/>
           <p:cNvPicPr>
             <a:picLocks noChangeAspect="1"/>
           </p:cNvPicPr>
           <p:nvPr/>
         </p:nvPicPr>
         <p:blipFill rotWithShape="1">
-          <a:blip r:embed="rId2" cstate="print">
+          <a:blip r:embed="rId2" cstate="hqprint">
             <a:extLst>
               <a:ext uri="{28A0092B-C50C-407E-A947-70E740481C1C}">
-                <a14:useLocalDpi xmlns:a14="http://schemas.microsoft.com/office/drawing/2010/main" val="0"/>
+                <a14:useLocalDpi xmlns:a14="http://schemas.microsoft.com/office/drawing/2010/main"/>
               </a:ext>
             </a:extLst>
           </a:blip>
@@ -7479,7 +11362,7 @@
         <p:spPr>
           <a:xfrm rot="0">
             <a:off x="1321435" y="1391920"/>
-            <a:ext cx="4067175" cy="2586990"/>
+            <a:ext cx="4067810" cy="2587625"/>
           </a:xfrm>
           <a:prstGeom prst="rect"/>
           <a:noFill/>
@@ -7558,7 +11441,7 @@
       </p:sp>
       <p:pic>
         <p:nvPicPr>
-          <p:cNvPr id="46" name="그림 90" descr="C:/Users/Admin1/AppData/Roaming/PolarisOffice/ETemp/2752_22058296/fImage415714068145.png"/>
+          <p:cNvPr id="46" name="그림 90"/>
           <p:cNvPicPr>
             <a:picLocks noChangeAspect="1"/>
           </p:cNvPicPr>
@@ -7579,10 +11462,12 @@
         <p:spPr>
           <a:xfrm rot="0">
             <a:off x="6819900" y="1379855"/>
-            <a:ext cx="4255135" cy="3672840"/>
-          </a:xfrm>
-          <a:prstGeom prst="rect"/>
-          <a:noFill/>
+            <a:ext cx="4255770" cy="3673475"/>
+          </a:xfrm>
+          <a:prstGeom prst="roundRect"/>
+          <a:solidFill>
+            <a:srgbClr val="EDEDED"/>
+          </a:solidFill>
         </p:spPr>
       </p:pic>
     </p:spTree>
@@ -7678,7 +11563,7 @@
       </p:sp>
       <p:pic>
         <p:nvPicPr>
-          <p:cNvPr id="53" name="그림 68" descr="C:/Users/Admin1/AppData/Roaming/PolarisOffice/ETemp/2752_22058296/fImage4765113793281.png"/>
+          <p:cNvPr id="53" name="그림 68"/>
           <p:cNvPicPr>
             <a:picLocks noChangeAspect="1"/>
           </p:cNvPicPr>
@@ -7890,7 +11775,7 @@
       </p:sp>
       <p:pic>
         <p:nvPicPr>
-          <p:cNvPr id="56" name="그림 92" descr="C:/Users/Admin1/AppData/Roaming/PolarisOffice/ETemp/2752_22058296/fImage44844086827.png"/>
+          <p:cNvPr id="56" name="그림 92"/>
           <p:cNvPicPr>
             <a:picLocks noChangeAspect="1"/>
           </p:cNvPicPr>
@@ -7921,7 +11806,7 @@
       </p:pic>
       <p:pic>
         <p:nvPicPr>
-          <p:cNvPr id="57" name="그림 93" descr="C:/Users/Admin1/AppData/Roaming/PolarisOffice/ETemp/2752_22058296/fImage57874099961.png"/>
+          <p:cNvPr id="57" name="그림 93"/>
           <p:cNvPicPr>
             <a:picLocks noChangeAspect="1"/>
           </p:cNvPicPr>
@@ -7952,7 +11837,7 @@
       </p:pic>
       <p:pic>
         <p:nvPicPr>
-          <p:cNvPr id="58" name="그림 94" descr="C:/Users/Admin1/AppData/Roaming/PolarisOffice/ETemp/2752_22058296/fImage6833410491.png"/>
+          <p:cNvPr id="58" name="그림 94"/>
           <p:cNvPicPr>
             <a:picLocks noChangeAspect="1"/>
           </p:cNvPicPr>
@@ -8062,39 +11947,6 @@
           </a:p>
         </p:txBody>
       </p:sp>
-      <p:cxnSp>
-        <p:nvCxnSpPr>
-          <p:cNvPr id="60" name="도형 96"/>
-          <p:cNvCxnSpPr/>
-          <p:nvPr/>
-        </p:nvCxnSpPr>
-        <p:spPr>
-          <a:xfrm rot="0" flipH="1">
-            <a:off x="2266950" y="4505325"/>
-            <a:ext cx="600710" cy="343535"/>
-          </a:xfrm>
-          <a:prstGeom prst="straightConnector1"/>
-          <a:ln w="6350" cap="flat" cmpd="sng">
-            <a:prstDash/>
-            <a:headEnd type="none" w="med" len="med"/>
-            <a:tailEnd type="triangle" w="med" len="med"/>
-          </a:ln>
-        </p:spPr>
-        <p:style>
-          <a:lnRef idx="1">
-            <a:schemeClr val="accent1"/>
-          </a:lnRef>
-          <a:fillRef idx="0">
-            <a:schemeClr val="accent1"/>
-          </a:fillRef>
-          <a:effectRef idx="0">
-            <a:schemeClr val="accent1"/>
-          </a:effectRef>
-          <a:fontRef idx="minor">
-            <a:schemeClr val="tx1"/>
-          </a:fontRef>
-        </p:style>
-      </p:cxnSp>
     </p:spTree>
   </p:cSld>
   <p:clrMapOvr>
@@ -8119,7 +11971,7 @@
 </file>
 
 <file path=ppt/slides/slide6.xml><?xml version="1.0" encoding="utf-8"?>
-<p:sld xmlns:a="http://schemas.openxmlformats.org/drawingml/2006/main" xmlns:r="http://schemas.openxmlformats.org/officeDocument/2006/relationships" xmlns:p="http://schemas.openxmlformats.org/presentationml/2006/main">
+<p:sld xmlns:a="http://schemas.openxmlformats.org/drawingml/2006/main" xmlns:r="http://schemas.openxmlformats.org/officeDocument/2006/relationships" xmlns:p="http://schemas.openxmlformats.org/presentationml/2006/main" xmlns:p14="http://schemas.microsoft.com/office/powerpoint/2010/main">
   <p:cSld>
     <p:spTree>
       <p:nvGrpSpPr>
@@ -8296,7 +12148,7 @@
       </p:sp>
       <p:pic>
         <p:nvPicPr>
-          <p:cNvPr id="55" name="그림 72" descr="C:/Users/Admin1/AppData/Roaming/PolarisOffice/ETemp/2752_22058296/fImage113473822995.png"/>
+          <p:cNvPr id="55" name="그림 72"/>
           <p:cNvPicPr>
             <a:picLocks noChangeAspect="1"/>
           </p:cNvPicPr>
@@ -8325,7 +12177,7 @@
       </p:pic>
       <p:pic>
         <p:nvPicPr>
-          <p:cNvPr id="56" name="그림 77" descr="C:/Users/Admin1/AppData/Roaming/PolarisOffice/ETemp/2752_22058296/fImage63353871942.png"/>
+          <p:cNvPr id="56" name="그림 77"/>
           <p:cNvPicPr>
             <a:picLocks noChangeAspect="1"/>
           </p:cNvPicPr>
@@ -8356,7 +12208,7 @@
       </p:pic>
       <p:pic>
         <p:nvPicPr>
-          <p:cNvPr id="57" name="그림 81" descr="C:/Users/Admin1/AppData/Roaming/PolarisOffice/ETemp/2752_22058296/fImage42543894827.png"/>
+          <p:cNvPr id="57" name="그림 81"/>
           <p:cNvPicPr>
             <a:picLocks noChangeAspect="1"/>
           </p:cNvPicPr>
@@ -8387,7 +12239,986 @@
       </p:pic>
       <p:pic>
         <p:nvPicPr>
-          <p:cNvPr id="58" name="그림 85" descr="C:/Users/Admin1/AppData/Roaming/PolarisOffice/ETemp/2752_22058296/fImage2242173905436.png"/>
+          <p:cNvPr id="58" name="그림 85"/>
+          <p:cNvPicPr>
+            <a:picLocks noChangeAspect="1"/>
+          </p:cNvPicPr>
+          <p:nvPr/>
+        </p:nvPicPr>
+        <p:blipFill rotWithShape="1">
+          <a:blip r:embed="rId5" cstate="hqprint">
+            <a:extLst>
+              <a:ext uri="{28A0092B-C50C-407E-A947-70E740481C1C}">
+                <a14:useLocalDpi xmlns:a14="http://schemas.microsoft.com/office/drawing/2010/main"/>
+              </a:ext>
+            </a:extLst>
+          </a:blip>
+          <a:stretch>
+            <a:fillRect/>
+          </a:stretch>
+        </p:blipFill>
+        <p:spPr>
+          <a:xfrm rot="0">
+            <a:off x="7784465" y="1729740"/>
+            <a:ext cx="598170" cy="450850"/>
+          </a:xfrm>
+          <a:prstGeom prst="rect"/>
+          <a:noFill/>
+        </p:spPr>
+      </p:pic>
+      <p:sp>
+        <p:nvSpPr>
+          <p:cNvPr id="59" name="텍스트 상자 86"/>
+          <p:cNvSpPr txBox="1">
+            <a:spLocks/>
+          </p:cNvSpPr>
+          <p:nvPr/>
+        </p:nvSpPr>
+        <p:spPr>
+          <a:xfrm rot="0">
+            <a:off x="6807200" y="2601595"/>
+            <a:ext cx="4318635" cy="954405"/>
+          </a:xfrm>
+          <a:prstGeom prst="rect"/>
+          <a:noFill/>
+          <a:ln w="0">
+            <a:noFill/>
+            <a:prstDash/>
+          </a:ln>
+        </p:spPr>
+        <p:txBody>
+          <a:bodyPr wrap="square" lIns="89535" tIns="46355" rIns="89535" bIns="46355" numCol="1" vert="horz" anchor="t">
+            <a:spAutoFit/>
+          </a:bodyPr>
+          <a:lstStyle/>
+          <a:p>
+            <a:pPr marL="0" indent="0" algn="l" latinLnBrk="0" hangingPunct="1">
+              <a:buFontTx/>
+              <a:buNone/>
+            </a:pPr>
+            <a:r>
+              <a:rPr lang="ko-KR" sz="2000" b="1">
+                <a:solidFill>
+                  <a:srgbClr val="0611F2"/>
+                </a:solidFill>
+                <a:latin typeface="맑은 고딕" charset="0"/>
+                <a:ea typeface="맑은 고딕" charset="0"/>
+              </a:rPr>
+              <a:t>14</a:t>
+            </a:r>
+            <a:r>
+              <a:rPr lang="ko-KR" sz="2000" b="1">
+                <a:solidFill>
+                  <a:srgbClr val="0611F2"/>
+                </a:solidFill>
+                <a:latin typeface="맑은 고딕" charset="0"/>
+                <a:ea typeface="맑은 고딕" charset="0"/>
+              </a:rPr>
+              <a:t>.</a:t>
+            </a:r>
+            <a:r>
+              <a:rPr lang="ko-KR" sz="2000">
+                <a:solidFill>
+                  <a:srgbClr val="0611F2"/>
+                </a:solidFill>
+                <a:latin typeface="맑은 고딕" charset="0"/>
+                <a:ea typeface="맑은 고딕" charset="0"/>
+              </a:rPr>
+              <a:t> </a:t>
+            </a:r>
+            <a:r>
+              <a:rPr lang="ko-KR" sz="1800">
+                <a:latin typeface="맑은 고딕" charset="0"/>
+                <a:ea typeface="맑은 고딕" charset="0"/>
+              </a:rPr>
+              <a:t>이제 Hip Hop Dancing 애니메이션을 Project 폴더에 있는 Animation 폴더에 넣어줍니다.</a:t>
+            </a:r>
+            <a:endParaRPr lang="ko-KR" altLang="en-US" sz="1800">
+              <a:latin typeface="맑은 고딕" charset="0"/>
+              <a:ea typeface="맑은 고딕" charset="0"/>
+            </a:endParaRPr>
+          </a:p>
+        </p:txBody>
+      </p:sp>
+      <p:sp>
+        <p:nvSpPr>
+          <p:cNvPr id="60" name="텍스트 상자 97"/>
+          <p:cNvSpPr txBox="1">
+            <a:spLocks/>
+          </p:cNvSpPr>
+          <p:nvPr/>
+        </p:nvSpPr>
+        <p:spPr>
+          <a:xfrm rot="0">
+            <a:off x="6829425" y="5213350"/>
+            <a:ext cx="4286885" cy="954405"/>
+          </a:xfrm>
+          <a:prstGeom prst="rect"/>
+          <a:noFill/>
+          <a:ln w="0">
+            <a:noFill/>
+            <a:prstDash/>
+          </a:ln>
+        </p:spPr>
+        <p:txBody>
+          <a:bodyPr wrap="square" lIns="89535" tIns="46355" rIns="89535" bIns="46355" vert="horz" anchor="t">
+            <a:spAutoFit/>
+          </a:bodyPr>
+          <a:lstStyle/>
+          <a:p>
+            <a:pPr marL="0" indent="0" rtl="0" algn="l" defTabSz="914400" eaLnBrk="1" latinLnBrk="0" hangingPunct="1">
+              <a:buFontTx/>
+              <a:buNone/>
+            </a:pPr>
+            <a:r>
+              <a:rPr lang="ko-KR" sz="2000" b="1">
+                <a:solidFill>
+                  <a:srgbClr val="0611F2"/>
+                </a:solidFill>
+                <a:latin typeface="맑은 고딕" charset="0"/>
+                <a:ea typeface="맑은 고딕" charset="0"/>
+              </a:rPr>
+              <a:t>15</a:t>
+            </a:r>
+            <a:r>
+              <a:rPr sz="2000" b="1">
+                <a:solidFill>
+                  <a:srgbClr val="0611F2"/>
+                </a:solidFill>
+                <a:latin typeface="맑은 고딕" charset="0"/>
+                <a:ea typeface="맑은 고딕" charset="0"/>
+              </a:rPr>
+              <a:t>. </a:t>
+            </a:r>
+            <a:r>
+              <a:rPr lang="ko-KR" sz="1800">
+                <a:latin typeface="맑은 고딕" charset="0"/>
+                <a:ea typeface="맑은 고딕" charset="0"/>
+              </a:rPr>
+              <a:t>그런 다음</a:t>
+            </a:r>
+            <a:r>
+              <a:rPr sz="1800">
+                <a:latin typeface="맑은 고딕" charset="0"/>
+                <a:ea typeface="맑은 고딕" charset="0"/>
+              </a:rPr>
+              <a:t> </a:t>
+            </a:r>
+            <a:r>
+              <a:rPr lang="ko-KR" sz="1800">
+                <a:latin typeface="맑은 고딕" charset="0"/>
+                <a:ea typeface="맑은 고딕" charset="0"/>
+              </a:rPr>
+              <a:t>Ch14_nonPBR 오브젝트</a:t>
+            </a:r>
+            <a:r>
+              <a:rPr sz="1800">
+                <a:latin typeface="맑은 고딕" charset="0"/>
+                <a:ea typeface="맑은 고딕" charset="0"/>
+              </a:rPr>
+              <a:t>를 선택하고 Animator 컴포넌트를 넣어줍니다.</a:t>
+            </a:r>
+            <a:endParaRPr lang="ko-KR" altLang="en-US" sz="1800">
+              <a:latin typeface="맑은 고딕" charset="0"/>
+              <a:ea typeface="맑은 고딕" charset="0"/>
+            </a:endParaRPr>
+          </a:p>
+        </p:txBody>
+      </p:sp>
+      <p:pic>
+        <p:nvPicPr>
+          <p:cNvPr id="61" name="그림 98"/>
+          <p:cNvPicPr>
+            <a:picLocks noChangeAspect="1"/>
+          </p:cNvPicPr>
+          <p:nvPr/>
+        </p:nvPicPr>
+        <p:blipFill rotWithShape="1">
+          <a:blip r:embed="rId6" cstate="hqprint">
+            <a:extLst>
+              <a:ext uri="{28A0092B-C50C-407E-A947-70E740481C1C}">
+                <a14:useLocalDpi xmlns:a14="http://schemas.microsoft.com/office/drawing/2010/main"/>
+              </a:ext>
+            </a:extLst>
+          </a:blip>
+          <a:stretch>
+            <a:fillRect/>
+          </a:stretch>
+        </p:blipFill>
+        <p:spPr>
+          <a:xfrm rot="0">
+            <a:off x="6819900" y="3727450"/>
+            <a:ext cx="4277360" cy="1367155"/>
+          </a:xfrm>
+          <a:prstGeom prst="roundRect"/>
+          <a:solidFill>
+            <a:srgbClr val="EDEDED"/>
+          </a:solidFill>
+        </p:spPr>
+      </p:pic>
+    </p:spTree>
+  </p:cSld>
+  <p:clrMapOvr>
+    <a:masterClrMapping/>
+  </p:clrMapOvr>
+  <mc:AlternateContent xmlns:mc="http://schemas.openxmlformats.org/markup-compatibility/2006">
+    <mc:Choice xmlns:p14="http://schemas.microsoft.com/office/powerpoint/2010/main" Requires="p14">
+      <p:transition spd="slow" p14:dur="2000"/>
+    </mc:Choice>
+    <mc:Fallback>
+      <p:transition spd="slow"/>
+    </mc:Fallback>
+  </mc:AlternateContent>
+  <p:timing>
+    <p:tnLst>
+      <p:par>
+        <p:cTn id="1" dur="indefinite" restart="never" nodeType="tmRoot"/>
+      </p:par>
+    </p:tnLst>
+  </p:timing>
+</p:sld>
+</file>
+
+<file path=ppt/slides/slide7.xml><?xml version="1.0" encoding="utf-8"?>
+<p:sld xmlns:a="http://schemas.openxmlformats.org/drawingml/2006/main" xmlns:r="http://schemas.openxmlformats.org/officeDocument/2006/relationships" xmlns:p="http://schemas.openxmlformats.org/presentationml/2006/main" xmlns:p14="http://schemas.microsoft.com/office/powerpoint/2010/main">
+  <p:cSld>
+    <p:spTree>
+      <p:nvGrpSpPr>
+        <p:cNvPr id="1" name=""/>
+        <p:cNvGrpSpPr/>
+        <p:nvPr/>
+      </p:nvGrpSpPr>
+      <p:grpSpPr>
+        <a:xfrm>
+          <a:off x="0" y="0"/>
+          <a:ext cx="0" cy="0"/>
+          <a:chOff x="0" y="0"/>
+          <a:chExt cx="0" cy="0"/>
+        </a:xfrm>
+      </p:grpSpPr>
+      <p:sp>
+        <p:nvSpPr>
+          <p:cNvPr id="22" name="Rect 0"/>
+          <p:cNvSpPr txBox="1">
+            <a:spLocks/>
+          </p:cNvSpPr>
+          <p:nvPr/>
+        </p:nvSpPr>
+        <p:spPr>
+          <a:xfrm rot="0">
+            <a:off x="4280535" y="445770"/>
+            <a:ext cx="3642995" cy="554990"/>
+          </a:xfrm>
+          <a:prstGeom prst="rect"/>
+          <a:noFill/>
+          <a:ln w="0">
+            <a:noFill/>
+            <a:prstDash/>
+          </a:ln>
+        </p:spPr>
+        <p:txBody>
+          <a:bodyPr wrap="square" lIns="89535" tIns="46355" rIns="89535" bIns="46355" numCol="1" vert="horz" anchor="t">
+            <a:spAutoFit/>
+          </a:bodyPr>
+          <a:lstStyle/>
+          <a:p>
+            <a:pPr marL="0" indent="0" algn="l" latinLnBrk="0" hangingPunct="1">
+              <a:buFontTx/>
+              <a:buNone/>
+            </a:pPr>
+            <a:r>
+              <a:rPr lang="ko-KR" sz="3000" b="1">
+                <a:latin typeface="맑은 고딕" charset="0"/>
+                <a:ea typeface="맑은 고딕" charset="0"/>
+              </a:rPr>
+              <a:t>일곱</a:t>
+            </a:r>
+            <a:r>
+              <a:rPr lang="ko-KR" sz="3000" b="1">
+                <a:latin typeface="맑은 고딕" charset="0"/>
+                <a:ea typeface="맑은 고딕" charset="0"/>
+              </a:rPr>
+              <a:t> 번째 튜토리얼 </a:t>
+            </a:r>
+            <a:endParaRPr lang="ko-KR" altLang="en-US" sz="3000" b="1">
+              <a:latin typeface="맑은 고딕" charset="0"/>
+              <a:ea typeface="맑은 고딕" charset="0"/>
+            </a:endParaRPr>
+          </a:p>
+        </p:txBody>
+      </p:sp>
+      <p:sp>
+        <p:nvSpPr>
+          <p:cNvPr id="54" name="Rect 0"/>
+          <p:cNvSpPr txBox="1">
+            <a:spLocks/>
+          </p:cNvSpPr>
+          <p:nvPr/>
+        </p:nvSpPr>
+        <p:spPr>
+          <a:xfrm rot="0">
+            <a:off x="1263650" y="5488305"/>
+            <a:ext cx="4089400" cy="677545"/>
+          </a:xfrm>
+          <a:prstGeom prst="rect"/>
+          <a:noFill/>
+          <a:ln w="0">
+            <a:noFill/>
+            <a:prstDash/>
+          </a:ln>
+        </p:spPr>
+        <p:txBody>
+          <a:bodyPr wrap="square" lIns="89535" tIns="46355" rIns="89535" bIns="46355" numCol="1" vert="horz" anchor="t">
+            <a:spAutoFit/>
+          </a:bodyPr>
+          <a:lstStyle/>
+          <a:p>
+            <a:pPr marL="0" indent="0" rtl="0" algn="l" defTabSz="914400" eaLnBrk="1" latinLnBrk="0" hangingPunct="1">
+              <a:buFontTx/>
+              <a:buNone/>
+            </a:pPr>
+            <a:r>
+              <a:rPr sz="2000" b="1">
+                <a:solidFill>
+                  <a:srgbClr val="0611F2"/>
+                </a:solidFill>
+                <a:latin typeface="맑은 고딕" charset="0"/>
+                <a:ea typeface="맑은 고딕" charset="0"/>
+              </a:rPr>
+              <a:t>1</a:t>
+            </a:r>
+            <a:r>
+              <a:rPr lang="ko-KR" sz="2000" b="1">
+                <a:solidFill>
+                  <a:srgbClr val="0611F2"/>
+                </a:solidFill>
+                <a:latin typeface="맑은 고딕" charset="0"/>
+                <a:ea typeface="맑은 고딕" charset="0"/>
+              </a:rPr>
+              <a:t>6</a:t>
+            </a:r>
+            <a:r>
+              <a:rPr sz="2000" b="1">
+                <a:solidFill>
+                  <a:srgbClr val="0611F2"/>
+                </a:solidFill>
+                <a:latin typeface="맑은 고딕" charset="0"/>
+                <a:ea typeface="맑은 고딕" charset="0"/>
+              </a:rPr>
+              <a:t>. </a:t>
+            </a:r>
+            <a:r>
+              <a:rPr sz="1800">
+                <a:latin typeface="맑은 고딕" charset="0"/>
+                <a:ea typeface="맑은 고딕" charset="0"/>
+              </a:rPr>
+              <a:t>그다음 </a:t>
+            </a:r>
+            <a:r>
+              <a:rPr lang="ko-KR" sz="1800">
+                <a:latin typeface="맑은 고딕" charset="0"/>
+                <a:ea typeface="맑은 고딕" charset="0"/>
+              </a:rPr>
+              <a:t>Animation Clip의 이름을 Hip Hop Dancing이라고 정의합니다.</a:t>
+            </a:r>
+            <a:endParaRPr lang="ko-KR" altLang="en-US" sz="1800">
+              <a:latin typeface="맑은 고딕" charset="0"/>
+              <a:ea typeface="맑은 고딕" charset="0"/>
+            </a:endParaRPr>
+          </a:p>
+        </p:txBody>
+      </p:sp>
+      <p:sp>
+        <p:nvSpPr>
+          <p:cNvPr id="60" name="Rect 0"/>
+          <p:cNvSpPr txBox="1">
+            <a:spLocks/>
+          </p:cNvSpPr>
+          <p:nvPr/>
+        </p:nvSpPr>
+        <p:spPr>
+          <a:xfrm rot="0">
+            <a:off x="6845935" y="4107815"/>
+            <a:ext cx="4287520" cy="2061845"/>
+          </a:xfrm>
+          <a:prstGeom prst="rect"/>
+          <a:noFill/>
+          <a:ln w="0">
+            <a:noFill/>
+            <a:prstDash/>
+          </a:ln>
+        </p:spPr>
+        <p:txBody>
+          <a:bodyPr wrap="square" lIns="89535" tIns="46355" rIns="89535" bIns="46355" numCol="1" vert="horz" anchor="t">
+            <a:spAutoFit/>
+          </a:bodyPr>
+          <a:lstStyle/>
+          <a:p>
+            <a:pPr marL="0" indent="0" rtl="0" algn="l" defTabSz="914400" eaLnBrk="1" latinLnBrk="0" hangingPunct="1">
+              <a:buFontTx/>
+              <a:buNone/>
+            </a:pPr>
+            <a:r>
+              <a:rPr sz="2000" b="1">
+                <a:solidFill>
+                  <a:srgbClr val="0611F2"/>
+                </a:solidFill>
+                <a:latin typeface="맑은 고딕" charset="0"/>
+                <a:ea typeface="맑은 고딕" charset="0"/>
+              </a:rPr>
+              <a:t>17</a:t>
+            </a:r>
+            <a:r>
+              <a:rPr sz="2000" b="1">
+                <a:solidFill>
+                  <a:srgbClr val="0611F2"/>
+                </a:solidFill>
+                <a:latin typeface="맑은 고딕" charset="0"/>
+                <a:ea typeface="맑은 고딕" charset="0"/>
+              </a:rPr>
+              <a:t>. </a:t>
+            </a:r>
+            <a:r>
+              <a:rPr sz="1800">
+                <a:latin typeface="맑은 고딕" charset="0"/>
+                <a:ea typeface="맑은 고딕" charset="0"/>
+              </a:rPr>
+              <a:t>마지막으</a:t>
+            </a:r>
+            <a:r>
+              <a:rPr lang="ko-KR" sz="1800">
+                <a:latin typeface="맑은 고딕" charset="0"/>
+                <a:ea typeface="맑은 고딕" charset="0"/>
+              </a:rPr>
+              <a:t>로</a:t>
+            </a:r>
+            <a:r>
+              <a:rPr sz="1800">
+                <a:latin typeface="맑은 고딕" charset="0"/>
+                <a:ea typeface="맑은 고딕" charset="0"/>
+              </a:rPr>
+              <a:t> </a:t>
+            </a:r>
+            <a:r>
+              <a:rPr sz="1800">
+                <a:latin typeface="맑은 고딕" charset="0"/>
+                <a:ea typeface="맑은 고딕" charset="0"/>
+              </a:rPr>
+              <a:t>Hip Hop D</a:t>
+            </a:r>
+            <a:r>
+              <a:rPr lang="ko-KR" sz="1800">
+                <a:latin typeface="맑은 고딕" charset="0"/>
+                <a:ea typeface="맑은 고딕" charset="0"/>
+              </a:rPr>
+              <a:t>ancing 애니메이션의 </a:t>
+            </a:r>
+            <a:r>
+              <a:rPr lang="ko-KR" sz="1800">
+                <a:latin typeface="맑은 고딕" charset="0"/>
+                <a:ea typeface="맑은 고딕" charset="0"/>
+              </a:rPr>
+              <a:t>Rig</a:t>
+            </a:r>
+            <a:r>
+              <a:rPr sz="1800">
+                <a:latin typeface="맑은 고딕" charset="0"/>
+                <a:ea typeface="맑은 고딕" charset="0"/>
+              </a:rPr>
+              <a:t>에 Animation </a:t>
+            </a:r>
+            <a:r>
+              <a:rPr lang="ko-KR" sz="1800">
+                <a:latin typeface="맑은 고딕" charset="0"/>
+                <a:ea typeface="맑은 고딕" charset="0"/>
+              </a:rPr>
+              <a:t>Type을 Humanoid로 설정합니다.</a:t>
+            </a:r>
+            <a:endParaRPr lang="ko-KR" altLang="en-US" sz="1800">
+              <a:latin typeface="맑은 고딕" charset="0"/>
+              <a:ea typeface="맑은 고딕" charset="0"/>
+            </a:endParaRPr>
+          </a:p>
+          <a:p>
+            <a:pPr marL="0" indent="0" rtl="0" algn="l" defTabSz="914400" eaLnBrk="1" latinLnBrk="0" hangingPunct="1">
+              <a:buFontTx/>
+              <a:buNone/>
+            </a:pPr>
+            <a:endParaRPr lang="ko-KR" altLang="en-US" sz="1800">
+              <a:latin typeface="맑은 고딕" charset="0"/>
+              <a:ea typeface="맑은 고딕" charset="0"/>
+            </a:endParaRPr>
+          </a:p>
+          <a:p>
+            <a:pPr marL="0" indent="0" rtl="0" algn="l" defTabSz="914400" eaLnBrk="1" latinLnBrk="0" hangingPunct="1">
+              <a:buFontTx/>
+              <a:buNone/>
+            </a:pPr>
+            <a:r>
+              <a:rPr lang="ko-KR" sz="1800">
+                <a:latin typeface="맑은 고딕" charset="0"/>
+                <a:ea typeface="맑은 고딕" charset="0"/>
+              </a:rPr>
+              <a:t>그리고 Avatar Definition을 Create From This Model로 설정하고 Apply를 선택합니다.</a:t>
+            </a:r>
+            <a:endParaRPr lang="ko-KR" altLang="en-US" sz="1800">
+              <a:latin typeface="맑은 고딕" charset="0"/>
+              <a:ea typeface="맑은 고딕" charset="0"/>
+            </a:endParaRPr>
+          </a:p>
+        </p:txBody>
+      </p:sp>
+      <p:pic>
+        <p:nvPicPr>
+          <p:cNvPr id="62" name="그림 1"/>
+          <p:cNvPicPr>
+            <a:picLocks noChangeAspect="1"/>
+          </p:cNvPicPr>
+          <p:nvPr/>
+        </p:nvPicPr>
+        <p:blipFill rotWithShape="1">
+          <a:blip r:embed="rId2" cstate="print">
+            <a:extLst>
+              <a:ext uri="{28A0092B-C50C-407E-A947-70E740481C1C}">
+                <a14:useLocalDpi xmlns:a14="http://schemas.microsoft.com/office/drawing/2010/main" val="0"/>
+              </a:ext>
+            </a:extLst>
+          </a:blip>
+          <a:stretch>
+            <a:fillRect/>
+          </a:stretch>
+        </p:blipFill>
+        <p:spPr>
+          <a:xfrm rot="0">
+            <a:off x="1266190" y="1417320"/>
+            <a:ext cx="4096385" cy="3937000"/>
+          </a:xfrm>
+          <a:prstGeom prst="roundRect"/>
+          <a:solidFill>
+            <a:srgbClr val="EDEDED"/>
+          </a:solidFill>
+        </p:spPr>
+      </p:pic>
+      <p:pic>
+        <p:nvPicPr>
+          <p:cNvPr id="63" name="그림 6"/>
+          <p:cNvPicPr>
+            <a:picLocks noChangeAspect="1"/>
+          </p:cNvPicPr>
+          <p:nvPr/>
+        </p:nvPicPr>
+        <p:blipFill rotWithShape="1">
+          <a:blip r:embed="rId3" cstate="print">
+            <a:extLst>
+              <a:ext uri="{28A0092B-C50C-407E-A947-70E740481C1C}">
+                <a14:useLocalDpi xmlns:a14="http://schemas.microsoft.com/office/drawing/2010/main" val="0"/>
+              </a:ext>
+            </a:extLst>
+          </a:blip>
+          <a:stretch>
+            <a:fillRect/>
+          </a:stretch>
+        </p:blipFill>
+        <p:spPr>
+          <a:xfrm rot="0">
+            <a:off x="6841490" y="1412875"/>
+            <a:ext cx="4273550" cy="2569845"/>
+          </a:xfrm>
+          <a:prstGeom prst="roundRect"/>
+          <a:solidFill>
+            <a:srgbClr val="EDEDED"/>
+          </a:solidFill>
+        </p:spPr>
+      </p:pic>
+    </p:spTree>
+  </p:cSld>
+  <p:clrMapOvr>
+    <a:masterClrMapping/>
+  </p:clrMapOvr>
+  <mc:AlternateContent xmlns:mc="http://schemas.openxmlformats.org/markup-compatibility/2006">
+    <mc:Choice xmlns:p14="http://schemas.microsoft.com/office/powerpoint/2010/main" Requires="p14">
+      <p:transition spd="slow" p14:dur="2000"/>
+    </mc:Choice>
+    <mc:Fallback>
+      <p:transition spd="slow"/>
+    </mc:Fallback>
+  </mc:AlternateContent>
+  <p:timing>
+    <p:tnLst>
+      <p:par>
+        <p:cTn id="1" dur="indefinite" restart="never" nodeType="tmRoot"/>
+      </p:par>
+    </p:tnLst>
+  </p:timing>
+</p:sld>
+</file>
+
+<file path=ppt/slides/slide8.xml><?xml version="1.0" encoding="utf-8"?>
+<p:sld xmlns:a="http://schemas.openxmlformats.org/drawingml/2006/main" xmlns:r="http://schemas.openxmlformats.org/officeDocument/2006/relationships" xmlns:p="http://schemas.openxmlformats.org/presentationml/2006/main" xmlns:p14="http://schemas.microsoft.com/office/powerpoint/2010/main">
+  <p:cSld>
+    <p:spTree>
+      <p:nvGrpSpPr>
+        <p:cNvPr id="1" name=""/>
+        <p:cNvGrpSpPr/>
+        <p:nvPr/>
+      </p:nvGrpSpPr>
+      <p:grpSpPr>
+        <a:xfrm>
+          <a:off x="0" y="0"/>
+          <a:ext cx="0" cy="0"/>
+          <a:chOff x="0" y="0"/>
+          <a:chExt cx="0" cy="0"/>
+        </a:xfrm>
+      </p:grpSpPr>
+      <p:sp>
+        <p:nvSpPr>
+          <p:cNvPr id="22" name="Rect 0"/>
+          <p:cNvSpPr txBox="1">
+            <a:spLocks/>
+          </p:cNvSpPr>
+          <p:nvPr/>
+        </p:nvSpPr>
+        <p:spPr>
+          <a:xfrm rot="0">
+            <a:off x="4280535" y="445770"/>
+            <a:ext cx="3642995" cy="554990"/>
+          </a:xfrm>
+          <a:prstGeom prst="rect"/>
+          <a:noFill/>
+          <a:ln w="0">
+            <a:noFill/>
+            <a:prstDash/>
+          </a:ln>
+        </p:spPr>
+        <p:txBody>
+          <a:bodyPr wrap="square" lIns="89535" tIns="46355" rIns="89535" bIns="46355" numCol="1" vert="horz" anchor="t">
+            <a:spAutoFit/>
+          </a:bodyPr>
+          <a:lstStyle/>
+          <a:p>
+            <a:pPr marL="0" indent="0" algn="l" latinLnBrk="0" hangingPunct="1">
+              <a:buFontTx/>
+              <a:buNone/>
+            </a:pPr>
+            <a:r>
+              <a:rPr lang="ko-KR" sz="3000" b="1">
+                <a:latin typeface="맑은 고딕" charset="0"/>
+                <a:ea typeface="맑은 고딕" charset="0"/>
+              </a:rPr>
+              <a:t>여덟</a:t>
+            </a:r>
+            <a:r>
+              <a:rPr lang="ko-KR" sz="3000" b="1">
+                <a:latin typeface="맑은 고딕" charset="0"/>
+                <a:ea typeface="맑은 고딕" charset="0"/>
+              </a:rPr>
+              <a:t> 번째 튜토리얼 </a:t>
+            </a:r>
+            <a:endParaRPr lang="ko-KR" altLang="en-US" sz="3000" b="1">
+              <a:latin typeface="맑은 고딕" charset="0"/>
+              <a:ea typeface="맑은 고딕" charset="0"/>
+            </a:endParaRPr>
+          </a:p>
+        </p:txBody>
+      </p:sp>
+      <p:sp>
+        <p:nvSpPr>
+          <p:cNvPr id="54" name="Rect 0"/>
+          <p:cNvSpPr txBox="1">
+            <a:spLocks/>
+          </p:cNvSpPr>
+          <p:nvPr/>
+        </p:nvSpPr>
+        <p:spPr>
+          <a:xfrm rot="0">
+            <a:off x="1172210" y="5488305"/>
+            <a:ext cx="4198620" cy="677545"/>
+          </a:xfrm>
+          <a:prstGeom prst="rect"/>
+          <a:noFill/>
+          <a:ln w="0">
+            <a:noFill/>
+            <a:prstDash/>
+          </a:ln>
+        </p:spPr>
+        <p:txBody>
+          <a:bodyPr wrap="square" lIns="89535" tIns="46355" rIns="89535" bIns="46355" numCol="1" vert="horz" anchor="t">
+            <a:spAutoFit/>
+          </a:bodyPr>
+          <a:lstStyle/>
+          <a:p>
+            <a:pPr marL="0" indent="0" rtl="0" algn="l" defTabSz="914400" eaLnBrk="1" latinLnBrk="0" hangingPunct="1">
+              <a:buFontTx/>
+              <a:buNone/>
+            </a:pPr>
+            <a:r>
+              <a:rPr sz="2000" b="1">
+                <a:solidFill>
+                  <a:srgbClr val="0611F2"/>
+                </a:solidFill>
+                <a:latin typeface="맑은 고딕" charset="0"/>
+                <a:ea typeface="맑은 고딕" charset="0"/>
+              </a:rPr>
+              <a:t>1</a:t>
+            </a:r>
+            <a:r>
+              <a:rPr lang="ko-KR" sz="2000" b="1">
+                <a:solidFill>
+                  <a:srgbClr val="0611F2"/>
+                </a:solidFill>
+                <a:latin typeface="맑은 고딕" charset="0"/>
+                <a:ea typeface="맑은 고딕" charset="0"/>
+              </a:rPr>
+              <a:t>9</a:t>
+            </a:r>
+            <a:r>
+              <a:rPr sz="2000" b="1">
+                <a:solidFill>
+                  <a:srgbClr val="0611F2"/>
+                </a:solidFill>
+                <a:latin typeface="맑은 고딕" charset="0"/>
+                <a:ea typeface="맑은 고딕" charset="0"/>
+              </a:rPr>
+              <a:t>. </a:t>
+            </a:r>
+            <a:r>
+              <a:rPr sz="1800">
+                <a:latin typeface="맑은 고딕" charset="0"/>
+                <a:ea typeface="맑은 고딕" charset="0"/>
+              </a:rPr>
+              <a:t>그</a:t>
+            </a:r>
+            <a:r>
+              <a:rPr lang="ko-KR" sz="1800">
+                <a:latin typeface="맑은 고딕" charset="0"/>
+                <a:ea typeface="맑은 고딕" charset="0"/>
+              </a:rPr>
+              <a:t>런 다음</a:t>
+            </a:r>
+            <a:r>
+              <a:rPr sz="1800">
+                <a:latin typeface="맑은 고딕" charset="0"/>
+                <a:ea typeface="맑은 고딕" charset="0"/>
+              </a:rPr>
+              <a:t> </a:t>
+            </a:r>
+            <a:r>
+              <a:rPr sz="1800">
+                <a:latin typeface="맑은 고딕" charset="0"/>
+                <a:ea typeface="맑은 고딕" charset="0"/>
+              </a:rPr>
+              <a:t>Hip Hop D</a:t>
+            </a:r>
+            <a:r>
+              <a:rPr lang="ko-KR" sz="1800">
+                <a:latin typeface="맑은 고딕" charset="0"/>
+                <a:ea typeface="맑은 고딕" charset="0"/>
+              </a:rPr>
+              <a:t>ancing</a:t>
+            </a:r>
+            <a:r>
+              <a:rPr sz="1800">
+                <a:latin typeface="맑은 고딕" charset="0"/>
+                <a:ea typeface="맑은 고딕" charset="0"/>
+              </a:rPr>
+              <a:t> 애니메이션을 Base Layer에 추가합니다.</a:t>
+            </a:r>
+            <a:endParaRPr lang="ko-KR" altLang="en-US" sz="1800">
+              <a:latin typeface="맑은 고딕" charset="0"/>
+              <a:ea typeface="맑은 고딕" charset="0"/>
+            </a:endParaRPr>
+          </a:p>
+        </p:txBody>
+      </p:sp>
+      <p:sp>
+        <p:nvSpPr>
+          <p:cNvPr id="65" name="텍스트 상자 13"/>
+          <p:cNvSpPr txBox="1">
+            <a:spLocks/>
+          </p:cNvSpPr>
+          <p:nvPr/>
+        </p:nvSpPr>
+        <p:spPr>
+          <a:xfrm rot="0">
+            <a:off x="1172210" y="3372485"/>
+            <a:ext cx="4198620" cy="677545"/>
+          </a:xfrm>
+          <a:prstGeom prst="rect"/>
+          <a:noFill/>
+          <a:ln w="0">
+            <a:noFill/>
+            <a:prstDash/>
+          </a:ln>
+        </p:spPr>
+        <p:txBody>
+          <a:bodyPr wrap="square" lIns="89535" tIns="46355" rIns="89535" bIns="46355" vert="horz" anchor="t">
+            <a:spAutoFit/>
+          </a:bodyPr>
+          <a:lstStyle/>
+          <a:p>
+            <a:pPr marL="0" indent="0" rtl="0" algn="l" defTabSz="914400" eaLnBrk="1" latinLnBrk="0" hangingPunct="1">
+              <a:buFontTx/>
+              <a:buNone/>
+            </a:pPr>
+            <a:r>
+              <a:rPr sz="2000" b="1">
+                <a:solidFill>
+                  <a:srgbClr val="0611F2"/>
+                </a:solidFill>
+                <a:latin typeface="맑은 고딕" charset="0"/>
+                <a:ea typeface="맑은 고딕" charset="0"/>
+              </a:rPr>
+              <a:t>1</a:t>
+            </a:r>
+            <a:r>
+              <a:rPr sz="2000" b="1">
+                <a:solidFill>
+                  <a:srgbClr val="0611F2"/>
+                </a:solidFill>
+                <a:latin typeface="맑은 고딕" charset="0"/>
+                <a:ea typeface="맑은 고딕" charset="0"/>
+              </a:rPr>
+              <a:t>8.</a:t>
+            </a:r>
+            <a:r>
+              <a:rPr sz="2000" b="1">
+                <a:solidFill>
+                  <a:srgbClr val="0611F2"/>
+                </a:solidFill>
+                <a:latin typeface="맑은 고딕" charset="0"/>
+                <a:ea typeface="맑은 고딕" charset="0"/>
+              </a:rPr>
+              <a:t> </a:t>
+            </a:r>
+            <a:r>
+              <a:rPr sz="1800">
+                <a:latin typeface="맑은 고딕" charset="0"/>
+                <a:ea typeface="맑은 고딕" charset="0"/>
+              </a:rPr>
+              <a:t>이제 </a:t>
+            </a:r>
+            <a:r>
+              <a:rPr sz="1800">
+                <a:latin typeface="맑은 고딕" charset="0"/>
+                <a:ea typeface="맑은 고딕" charset="0"/>
+              </a:rPr>
+              <a:t>public Animatir Contr</a:t>
+            </a:r>
+            <a:r>
+              <a:rPr lang="ko-KR" sz="1800">
+                <a:latin typeface="맑은 고딕" charset="0"/>
+                <a:ea typeface="맑은 고딕" charset="0"/>
+              </a:rPr>
+              <a:t>oller</a:t>
+            </a:r>
+            <a:r>
+              <a:rPr sz="1800">
+                <a:latin typeface="맑은 고딕" charset="0"/>
+                <a:ea typeface="맑은 고딕" charset="0"/>
+              </a:rPr>
+              <a:t>를 선택하여 Base Layer에 들어옵니다. </a:t>
+            </a:r>
+            <a:endParaRPr lang="ko-KR" altLang="en-US" sz="1800">
+              <a:latin typeface="맑은 고딕" charset="0"/>
+              <a:ea typeface="맑은 고딕" charset="0"/>
+            </a:endParaRPr>
+          </a:p>
+        </p:txBody>
+      </p:sp>
+      <p:pic>
+        <p:nvPicPr>
+          <p:cNvPr id="68" name="그림 19"/>
+          <p:cNvPicPr>
+            <a:picLocks noChangeAspect="1"/>
+          </p:cNvPicPr>
+          <p:nvPr/>
+        </p:nvPicPr>
+        <p:blipFill rotWithShape="1">
+          <a:blip r:embed="rId2" cstate="print">
+            <a:extLst>
+              <a:ext uri="{28A0092B-C50C-407E-A947-70E740481C1C}">
+                <a14:useLocalDpi xmlns:a14="http://schemas.microsoft.com/office/drawing/2010/main" val="0"/>
+              </a:ext>
+            </a:extLst>
+          </a:blip>
+          <a:stretch>
+            <a:fillRect/>
+          </a:stretch>
+        </p:blipFill>
+        <p:spPr>
+          <a:xfrm rot="0">
+            <a:off x="1173480" y="4347845"/>
+            <a:ext cx="905510" cy="838835"/>
+          </a:xfrm>
+          <a:prstGeom prst="roundRect"/>
+          <a:solidFill>
+            <a:srgbClr val="EDEDED"/>
+          </a:solidFill>
+        </p:spPr>
+      </p:pic>
+      <p:pic>
+        <p:nvPicPr>
+          <p:cNvPr id="71" name="그림 27"/>
+          <p:cNvPicPr>
+            <a:picLocks noChangeAspect="1"/>
+          </p:cNvPicPr>
+          <p:nvPr/>
+        </p:nvPicPr>
+        <p:blipFill rotWithShape="1">
+          <a:blip r:embed="rId3" cstate="print">
+            <a:extLst>
+              <a:ext uri="{28A0092B-C50C-407E-A947-70E740481C1C}">
+                <a14:useLocalDpi xmlns:a14="http://schemas.microsoft.com/office/drawing/2010/main" val="0"/>
+              </a:ext>
+            </a:extLst>
+          </a:blip>
+          <a:stretch>
+            <a:fillRect/>
+          </a:stretch>
+        </p:blipFill>
+        <p:spPr>
+          <a:xfrm rot="0">
+            <a:off x="2568575" y="4206240"/>
+            <a:ext cx="2794000" cy="1139190"/>
+          </a:xfrm>
+          <a:prstGeom prst="roundRect"/>
+          <a:solidFill>
+            <a:srgbClr val="EDEDED"/>
+          </a:solidFill>
+        </p:spPr>
+      </p:pic>
+      <p:pic>
+        <p:nvPicPr>
+          <p:cNvPr id="70" name="그림 25"/>
+          <p:cNvPicPr>
+            <a:picLocks noChangeAspect="1"/>
+          </p:cNvPicPr>
+          <p:nvPr/>
+        </p:nvPicPr>
+        <p:blipFill rotWithShape="1">
+          <a:blip r:embed="rId4" cstate="hqprint">
+            <a:extLst>
+              <a:ext uri="{28A0092B-C50C-407E-A947-70E740481C1C}">
+                <a14:useLocalDpi xmlns:a14="http://schemas.microsoft.com/office/drawing/2010/main"/>
+              </a:ext>
+            </a:extLst>
+          </a:blip>
+          <a:stretch>
+            <a:fillRect/>
+          </a:stretch>
+        </p:blipFill>
+        <p:spPr>
+          <a:xfrm rot="0">
+            <a:off x="2070100" y="4580255"/>
+            <a:ext cx="541020" cy="368300"/>
+          </a:xfrm>
+          <a:prstGeom prst="rect"/>
+          <a:noFill/>
+        </p:spPr>
+      </p:pic>
+      <p:pic>
+        <p:nvPicPr>
+          <p:cNvPr id="72" name="그림 30"/>
           <p:cNvPicPr>
             <a:picLocks noChangeAspect="1"/>
           </p:cNvPicPr>
@@ -8407,16 +13238,111 @@
         </p:blipFill>
         <p:spPr>
           <a:xfrm rot="0">
-            <a:off x="7784465" y="1729740"/>
-            <a:ext cx="597535" cy="450215"/>
+            <a:off x="1173480" y="1479550"/>
+            <a:ext cx="4189095" cy="1788160"/>
           </a:xfrm>
           <a:prstGeom prst="rect"/>
           <a:noFill/>
         </p:spPr>
       </p:pic>
-      <p:sp>
-        <p:nvSpPr>
-          <p:cNvPr id="59" name="텍스트 상자 86"/>
+      <p:pic>
+        <p:nvPicPr>
+          <p:cNvPr id="73" name="그림 32"/>
+          <p:cNvPicPr>
+            <a:picLocks noChangeAspect="1"/>
+          </p:cNvPicPr>
+          <p:nvPr/>
+        </p:nvPicPr>
+        <p:blipFill rotWithShape="1">
+          <a:blip r:embed="rId6" cstate="print">
+            <a:extLst>
+              <a:ext uri="{28A0092B-C50C-407E-A947-70E740481C1C}">
+                <a14:useLocalDpi xmlns:a14="http://schemas.microsoft.com/office/drawing/2010/main" val="0"/>
+              </a:ext>
+            </a:extLst>
+          </a:blip>
+          <a:stretch>
+            <a:fillRect/>
+          </a:stretch>
+        </p:blipFill>
+        <p:spPr>
+          <a:xfrm rot="0">
+            <a:off x="6824980" y="1479550"/>
+            <a:ext cx="4269740" cy="2145665"/>
+          </a:xfrm>
+          <a:prstGeom prst="roundRect"/>
+          <a:solidFill>
+            <a:srgbClr val="EDEDED"/>
+          </a:solidFill>
+        </p:spPr>
+      </p:pic>
+      <p:pic>
+        <p:nvPicPr>
+          <p:cNvPr id="74" name="그림 35"/>
+          <p:cNvPicPr>
+            <a:picLocks noChangeAspect="1"/>
+          </p:cNvPicPr>
+          <p:nvPr/>
+        </p:nvPicPr>
+        <p:blipFill rotWithShape="1">
+          <a:blip r:embed="rId7" cstate="hqprint">
+            <a:extLst>
+              <a:ext uri="{28A0092B-C50C-407E-A947-70E740481C1C}">
+                <a14:useLocalDpi xmlns:a14="http://schemas.microsoft.com/office/drawing/2010/main"/>
+              </a:ext>
+            </a:extLst>
+          </a:blip>
+          <a:stretch>
+            <a:fillRect/>
+          </a:stretch>
+        </p:blipFill>
+        <p:spPr>
+          <a:xfrm rot="0">
+            <a:off x="6821170" y="3755390"/>
+            <a:ext cx="4277360" cy="1153795"/>
+          </a:xfrm>
+          <a:prstGeom prst="roundRect"/>
+          <a:solidFill>
+            <a:srgbClr val="EDEDED"/>
+          </a:solidFill>
+        </p:spPr>
+      </p:pic>
+      <p:cxnSp>
+        <p:nvCxnSpPr>
+          <p:cNvPr id="75" name="도형 36"/>
+          <p:cNvCxnSpPr/>
+          <p:nvPr/>
+        </p:nvCxnSpPr>
+        <p:spPr>
+          <a:xfrm rot="0" flipV="1">
+            <a:off x="7955915" y="1895475"/>
+            <a:ext cx="3042920" cy="2186940"/>
+          </a:xfrm>
+          <a:prstGeom prst="straightConnector1"/>
+          <a:ln w="6350" cap="flat" cmpd="sng">
+            <a:prstDash/>
+            <a:headEnd type="none" w="med" len="med"/>
+            <a:tailEnd type="triangle" w="med" len="med"/>
+          </a:ln>
+        </p:spPr>
+        <p:style>
+          <a:lnRef idx="1">
+            <a:schemeClr val="accent1"/>
+          </a:lnRef>
+          <a:fillRef idx="0">
+            <a:schemeClr val="accent1"/>
+          </a:fillRef>
+          <a:effectRef idx="0">
+            <a:schemeClr val="accent1"/>
+          </a:effectRef>
+          <a:fontRef idx="minor">
+            <a:schemeClr val="tx1"/>
+          </a:fontRef>
+        </p:style>
+      </p:cxnSp>
+      <p:sp>
+        <p:nvSpPr>
+          <p:cNvPr id="76" name="텍스트 상자 37"/>
           <p:cNvSpPr txBox="1">
             <a:spLocks/>
           </p:cNvSpPr>
@@ -8424,8 +13350,8 @@
         </p:nvSpPr>
         <p:spPr>
           <a:xfrm rot="0">
-            <a:off x="6807200" y="2601595"/>
-            <a:ext cx="4318635" cy="954405"/>
+            <a:off x="6830060" y="4936490"/>
+            <a:ext cx="4268470" cy="1231265"/>
           </a:xfrm>
           <a:prstGeom prst="rect"/>
           <a:noFill/>
@@ -8440,46 +13366,57 @@
           </a:bodyPr>
           <a:lstStyle/>
           <a:p>
-            <a:pPr marL="0" indent="0" algn="l" latinLnBrk="0" hangingPunct="1">
-              <a:buFontTx/>
-              <a:buNone/>
-            </a:pPr>
-            <a:r>
-              <a:rPr lang="ko-KR" sz="2000" b="1">
+            <a:pPr marL="0" indent="0" rtl="0" algn="l" defTabSz="914400" eaLnBrk="1" latinLnBrk="0" hangingPunct="1">
+              <a:buFontTx/>
+              <a:buNone/>
+            </a:pPr>
+            <a:r>
+              <a:rPr sz="2000" b="1">
                 <a:solidFill>
                   <a:srgbClr val="0611F2"/>
                 </a:solidFill>
                 <a:latin typeface="맑은 고딕" charset="0"/>
                 <a:ea typeface="맑은 고딕" charset="0"/>
               </a:rPr>
-              <a:t>14</a:t>
-            </a:r>
-            <a:r>
-              <a:rPr lang="ko-KR" sz="2000" b="1">
+              <a:t>20</a:t>
+            </a:r>
+            <a:r>
+              <a:rPr sz="2000" b="1">
                 <a:solidFill>
                   <a:srgbClr val="0611F2"/>
                 </a:solidFill>
                 <a:latin typeface="맑은 고딕" charset="0"/>
                 <a:ea typeface="맑은 고딕" charset="0"/>
               </a:rPr>
-              <a:t>.</a:t>
-            </a:r>
-            <a:r>
-              <a:rPr lang="ko-KR" sz="2000">
-                <a:solidFill>
-                  <a:srgbClr val="0611F2"/>
-                </a:solidFill>
-                <a:latin typeface="맑은 고딕" charset="0"/>
-                <a:ea typeface="맑은 고딕" charset="0"/>
-              </a:rPr>
-              <a:t> </a:t>
+              <a:t>. </a:t>
+            </a:r>
+            <a:r>
+              <a:rPr sz="1800">
+                <a:latin typeface="맑은 고딕" charset="0"/>
+                <a:ea typeface="맑은 고딕" charset="0"/>
+              </a:rPr>
+              <a:t>그</a:t>
             </a:r>
             <a:r>
               <a:rPr lang="ko-KR" sz="1800">
                 <a:latin typeface="맑은 고딕" charset="0"/>
                 <a:ea typeface="맑은 고딕" charset="0"/>
               </a:rPr>
-              <a:t>이제 Hip Hop Dancing 애니메이션을 Project 폴더에 있는 Animation 폴더에 넣어줍니다.</a:t>
+              <a:t>다음으로 </a:t>
+            </a:r>
+            <a:r>
+              <a:rPr lang="ko-KR" sz="1800">
+                <a:latin typeface="맑은 고딕" charset="0"/>
+                <a:ea typeface="맑은 고딕" charset="0"/>
+              </a:rPr>
+              <a:t>Ch14_nonPBR 오브젝트</a:t>
+            </a:r>
+            <a:r>
+              <a:rPr lang="ko-KR" sz="1800">
+                <a:latin typeface="맑은 고딕" charset="0"/>
+                <a:ea typeface="맑은 고딕" charset="0"/>
+              </a:rPr>
+              <a:t>에 있는 Animator에 Project 폴더에 있는 Public Animation Controller를 넣어줍니다.</a:t>
             </a:r>
             <a:endParaRPr lang="ko-KR" altLang="en-US" sz="1800">
               <a:latin typeface="맑은 고딕" charset="0"/>
@@ -8488,9 +13425,49 @@
           </a:p>
         </p:txBody>
       </p:sp>
-      <p:sp>
-        <p:nvSpPr>
-          <p:cNvPr id="60" name="텍스트 상자 97"/>
+    </p:spTree>
+  </p:cSld>
+  <p:clrMapOvr>
+    <a:masterClrMapping/>
+  </p:clrMapOvr>
+  <mc:AlternateContent xmlns:mc="http://schemas.openxmlformats.org/markup-compatibility/2006">
+    <mc:Choice xmlns:p14="http://schemas.microsoft.com/office/powerpoint/2010/main" Requires="p14">
+      <p:transition spd="slow" p14:dur="2000"/>
+    </mc:Choice>
+    <mc:Fallback>
+      <p:transition spd="slow"/>
+    </mc:Fallback>
+  </mc:AlternateContent>
+  <p:timing>
+    <p:tnLst>
+      <p:par>
+        <p:cTn id="1" dur="indefinite" restart="never" nodeType="tmRoot"/>
+      </p:par>
+    </p:tnLst>
+  </p:timing>
+</p:sld>
+</file>
+
+<file path=ppt/slides/slide9.xml><?xml version="1.0" encoding="utf-8"?>
+<p:sld xmlns:a="http://schemas.openxmlformats.org/drawingml/2006/main" xmlns:r="http://schemas.openxmlformats.org/officeDocument/2006/relationships" xmlns:p="http://schemas.openxmlformats.org/presentationml/2006/main" xmlns:p14="http://schemas.microsoft.com/office/powerpoint/2010/main">
+  <p:cSld>
+    <p:spTree>
+      <p:nvGrpSpPr>
+        <p:cNvPr id="1" name=""/>
+        <p:cNvGrpSpPr/>
+        <p:nvPr/>
+      </p:nvGrpSpPr>
+      <p:grpSpPr>
+        <a:xfrm>
+          <a:off x="0" y="0"/>
+          <a:ext cx="0" cy="0"/>
+          <a:chOff x="0" y="0"/>
+          <a:chExt cx="0" cy="0"/>
+        </a:xfrm>
+      </p:grpSpPr>
+      <p:sp>
+        <p:nvSpPr>
+          <p:cNvPr id="22" name="Rect 0"/>
           <p:cNvSpPr txBox="1">
             <a:spLocks/>
           </p:cNvSpPr>
@@ -8498,8 +13475,8 @@
         </p:nvSpPr>
         <p:spPr>
           <a:xfrm rot="0">
-            <a:off x="6829425" y="5213350"/>
-            <a:ext cx="4286885" cy="954405"/>
+            <a:off x="4280535" y="445770"/>
+            <a:ext cx="3642995" cy="554990"/>
           </a:xfrm>
           <a:prstGeom prst="rect"/>
           <a:noFill/>
@@ -8509,25 +13486,66 @@
           </a:ln>
         </p:spPr>
         <p:txBody>
-          <a:bodyPr wrap="square" lIns="89535" tIns="46355" rIns="89535" bIns="46355" vert="horz" anchor="t">
+          <a:bodyPr wrap="square" lIns="89535" tIns="46355" rIns="89535" bIns="46355" numCol="1" vert="horz" anchor="t">
             <a:spAutoFit/>
           </a:bodyPr>
           <a:lstStyle/>
           <a:p>
+            <a:pPr marL="0" indent="0" algn="l" latinLnBrk="0" hangingPunct="1">
+              <a:buFontTx/>
+              <a:buNone/>
+            </a:pPr>
+            <a:r>
+              <a:rPr lang="ko-KR" sz="3000" b="1">
+                <a:latin typeface="맑은 고딕" charset="0"/>
+                <a:ea typeface="맑은 고딕" charset="0"/>
+              </a:rPr>
+              <a:t>아홉</a:t>
+            </a:r>
+            <a:r>
+              <a:rPr lang="ko-KR" sz="3000" b="1">
+                <a:latin typeface="맑은 고딕" charset="0"/>
+                <a:ea typeface="맑은 고딕" charset="0"/>
+              </a:rPr>
+              <a:t> 번째 튜토리얼 </a:t>
+            </a:r>
+            <a:endParaRPr lang="ko-KR" altLang="en-US" sz="3000" b="1">
+              <a:latin typeface="맑은 고딕" charset="0"/>
+              <a:ea typeface="맑은 고딕" charset="0"/>
+            </a:endParaRPr>
+          </a:p>
+        </p:txBody>
+      </p:sp>
+      <p:sp>
+        <p:nvSpPr>
+          <p:cNvPr id="54" name="Rect 0"/>
+          <p:cNvSpPr txBox="1">
+            <a:spLocks/>
+          </p:cNvSpPr>
+          <p:nvPr/>
+        </p:nvSpPr>
+        <p:spPr>
+          <a:xfrm rot="0">
+            <a:off x="1172210" y="5213985"/>
+            <a:ext cx="4198620" cy="954405"/>
+          </a:xfrm>
+          <a:prstGeom prst="rect"/>
+          <a:noFill/>
+          <a:ln w="0">
+            <a:noFill/>
+            <a:prstDash/>
+          </a:ln>
+        </p:spPr>
+        <p:txBody>
+          <a:bodyPr wrap="square" lIns="89535" tIns="46355" rIns="89535" bIns="46355" numCol="1" vert="horz" anchor="t">
+            <a:spAutoFit/>
+          </a:bodyPr>
+          <a:lstStyle/>
+          <a:p>
             <a:pPr marL="0" indent="0" rtl="0" algn="l" defTabSz="914400" eaLnBrk="1" latinLnBrk="0" hangingPunct="1">
               <a:buFontTx/>
               <a:buNone/>
             </a:pPr>
-            <a:r>
-              <a:rPr lang="ko-KR" sz="2000" b="1">
-                <a:solidFill>
-                  <a:srgbClr val="0611F2"/>
-                </a:solidFill>
-                <a:latin typeface="맑은 고딕" charset="0"/>
-                <a:ea typeface="맑은 고딕" charset="0"/>
-              </a:rPr>
-              <a:t>15</a:t>
-            </a:r>
             <a:r>
               <a:rPr sz="2000" b="1">
                 <a:solidFill>
@@ -8536,14 +13554,31 @@
                 <a:latin typeface="맑은 고딕" charset="0"/>
                 <a:ea typeface="맑은 고딕" charset="0"/>
               </a:rPr>
-              <a:t>. </a:t>
+              <a:t>21</a:t>
+            </a:r>
+            <a:r>
+              <a:rPr sz="2000" b="1">
+                <a:solidFill>
+                  <a:srgbClr val="0611F2"/>
+                </a:solidFill>
+                <a:latin typeface="맑은 고딕" charset="0"/>
+                <a:ea typeface="맑은 고딕" charset="0"/>
+              </a:rPr>
+              <a:t>.</a:t>
+            </a:r>
+            <a:r>
+              <a:rPr sz="2000">
+                <a:latin typeface="맑은 고딕" charset="0"/>
+                <a:ea typeface="맑은 고딕" charset="0"/>
+              </a:rPr>
+              <a:t> </a:t>
             </a:r>
             <a:r>
               <a:rPr lang="ko-KR" sz="1800">
                 <a:latin typeface="맑은 고딕" charset="0"/>
                 <a:ea typeface="맑은 고딕" charset="0"/>
               </a:rPr>
-              <a:t>그런 다음</a:t>
+              <a:t>그리고</a:t>
             </a:r>
             <a:r>
               <a:rPr sz="1800">
@@ -8557,14 +13592,35 @@
                 <a:latin typeface="맑은 고딕" charset="0"/>
                 <a:ea typeface="맑은 고딕" charset="0"/>
               </a:rPr>
-              <a:t>Ch14_nonPBR 오브젝트</a:t>
+              <a:t>mixamo에서 </a:t>
             </a:r>
             <a:r>
               <a:rPr sz="1800">
                 <a:latin typeface="맑은 고딕" charset="0"/>
                 <a:ea typeface="맑은 고딕" charset="0"/>
               </a:rPr>
-              <a:t>를 선택하고 Animator 컴포넌트를 넣어줍니다.</a:t>
+              <a:t>Character 메뉴를 선택하고 원하는 캐릭터를</a:t>
+            </a:r>
+            <a:r>
+              <a:rPr sz="1800">
+                <a:latin typeface="맑은 고딕" charset="0"/>
+                <a:ea typeface="맑은 고딕" charset="0"/>
+              </a:rPr>
+              <a:t> 하</a:t>
+            </a:r>
+            <a:r>
+              <a:rPr lang="ko-KR" sz="1800">
+                <a:latin typeface="맑은 고딕" charset="0"/>
+                <a:ea typeface="맑은 고딕" charset="0"/>
+              </a:rPr>
+              <a:t>나 더</a:t>
+            </a:r>
+            <a:r>
+              <a:rPr sz="1800">
+                <a:latin typeface="맑은 고딕" charset="0"/>
+                <a:ea typeface="맑은 고딕" charset="0"/>
+              </a:rPr>
+              <a:t> Download합니다</a:t>
             </a:r>
             <a:endParaRPr lang="ko-KR" altLang="en-US" sz="1800">
               <a:latin typeface="맑은 고딕" charset="0"/>
@@ -8575,7 +13631,281 @@
       </p:sp>
       <p:pic>
         <p:nvPicPr>
-          <p:cNvPr id="61" name="그림 98" descr="C:/Users/Admin1/AppData/Roaming/PolarisOffice/ETemp/2752_22058296/fImage44284142391.png"/>
+          <p:cNvPr id="77" name="그림 38"/>
+          <p:cNvPicPr>
+            <a:picLocks noChangeAspect="1"/>
+          </p:cNvPicPr>
+          <p:nvPr/>
+        </p:nvPicPr>
+        <p:blipFill rotWithShape="1">
+          <a:blip r:embed="rId2" cstate="print">
+            <a:extLst>
+              <a:ext uri="{28A0092B-C50C-407E-A947-70E740481C1C}">
+                <a14:useLocalDpi xmlns:a14="http://schemas.microsoft.com/office/drawing/2010/main" val="0"/>
+              </a:ext>
+            </a:extLst>
+          </a:blip>
+          <a:stretch>
+            <a:fillRect/>
+          </a:stretch>
+        </p:blipFill>
+        <p:spPr>
+          <a:xfrm rot="0">
+            <a:off x="1176020" y="1471295"/>
+            <a:ext cx="4203065" cy="3583940"/>
+          </a:xfrm>
+          <a:prstGeom prst="rect"/>
+          <a:noFill/>
+        </p:spPr>
+      </p:pic>
+      <p:sp>
+        <p:nvSpPr>
+          <p:cNvPr id="78" name="텍스트 상자 39"/>
+          <p:cNvSpPr txBox="1">
+            <a:spLocks/>
+          </p:cNvSpPr>
+          <p:nvPr/>
+        </p:nvSpPr>
+        <p:spPr>
+          <a:xfrm rot="0">
+            <a:off x="6834505" y="3074670"/>
+            <a:ext cx="4258945" cy="954405"/>
+          </a:xfrm>
+          <a:prstGeom prst="rect"/>
+          <a:noFill/>
+          <a:ln w="0">
+            <a:noFill/>
+            <a:prstDash/>
+          </a:ln>
+        </p:spPr>
+        <p:txBody>
+          <a:bodyPr wrap="square" lIns="89535" tIns="46355" rIns="89535" bIns="46355" numCol="1" vert="horz" anchor="t">
+            <a:spAutoFit/>
+          </a:bodyPr>
+          <a:lstStyle/>
+          <a:p>
+            <a:pPr marL="0" indent="0" rtl="0" algn="l" defTabSz="914400" eaLnBrk="1" latinLnBrk="0" hangingPunct="1">
+              <a:buFontTx/>
+              <a:buNone/>
+            </a:pPr>
+            <a:r>
+              <a:rPr sz="2000" b="1">
+                <a:solidFill>
+                  <a:srgbClr val="0611F2"/>
+                </a:solidFill>
+                <a:latin typeface="맑은 고딕" charset="0"/>
+                <a:ea typeface="맑은 고딕" charset="0"/>
+              </a:rPr>
+              <a:t>22</a:t>
+            </a:r>
+            <a:r>
+              <a:rPr sz="2000" b="1">
+                <a:solidFill>
+                  <a:srgbClr val="0611F2"/>
+                </a:solidFill>
+                <a:latin typeface="맑은 고딕" charset="0"/>
+                <a:ea typeface="맑은 고딕" charset="0"/>
+              </a:rPr>
+              <a:t>. </a:t>
+            </a:r>
+            <a:r>
+              <a:rPr sz="1800">
+                <a:latin typeface="맑은 고딕" charset="0"/>
+                <a:ea typeface="맑은 고딕" charset="0"/>
+              </a:rPr>
+              <a:t>이</a:t>
+            </a:r>
+            <a:r>
+              <a:rPr lang="ko-KR" sz="1800">
+                <a:latin typeface="맑은 고딕" charset="0"/>
+                <a:ea typeface="맑은 고딕" charset="0"/>
+              </a:rPr>
+              <a:t>제 </a:t>
+            </a:r>
+            <a:r>
+              <a:rPr lang="ko-KR" sz="1800">
+                <a:latin typeface="맑은 고딕" charset="0"/>
+                <a:ea typeface="맑은 고딕" charset="0"/>
+              </a:rPr>
+              <a:t>F</a:t>
+            </a:r>
+            <a:r>
+              <a:rPr sz="1800">
+                <a:latin typeface="맑은 고딕" charset="0"/>
+                <a:ea typeface="맑은 고딕" charset="0"/>
+              </a:rPr>
+              <a:t>ormat에 FBX for Unity(.fbx)로 설정하고 Pose는 T-pose로 설정한 다음 Download를 선택합니다.</a:t>
+            </a:r>
+            <a:endParaRPr lang="ko-KR" altLang="en-US" sz="1800">
+              <a:latin typeface="맑은 고딕" charset="0"/>
+              <a:ea typeface="맑은 고딕" charset="0"/>
+            </a:endParaRPr>
+          </a:p>
+        </p:txBody>
+      </p:sp>
+      <p:pic>
+        <p:nvPicPr>
+          <p:cNvPr id="79" name="그림 40"/>
+          <p:cNvPicPr>
+            <a:picLocks noChangeAspect="1"/>
+          </p:cNvPicPr>
+          <p:nvPr/>
+        </p:nvPicPr>
+        <p:blipFill rotWithShape="1">
+          <a:blip r:embed="rId3" cstate="hqprint">
+            <a:extLst>
+              <a:ext uri="{28A0092B-C50C-407E-A947-70E740481C1C}">
+                <a14:useLocalDpi xmlns:a14="http://schemas.microsoft.com/office/drawing/2010/main"/>
+              </a:ext>
+            </a:extLst>
+          </a:blip>
+          <a:stretch>
+            <a:fillRect/>
+          </a:stretch>
+        </p:blipFill>
+        <p:spPr>
+          <a:xfrm rot="0">
+            <a:off x="6833235" y="1471295"/>
+            <a:ext cx="4253230" cy="1526540"/>
+          </a:xfrm>
+          <a:prstGeom prst="roundRect"/>
+          <a:solidFill>
+            <a:srgbClr val="EDEDED"/>
+          </a:solidFill>
+        </p:spPr>
+      </p:pic>
+      <p:pic>
+        <p:nvPicPr>
+          <p:cNvPr id="80" name="그림 41"/>
+          <p:cNvPicPr>
+            <a:picLocks noChangeAspect="1"/>
+          </p:cNvPicPr>
+          <p:nvPr/>
+        </p:nvPicPr>
+        <p:blipFill rotWithShape="1">
+          <a:blip r:embed="rId4" cstate="print">
+            <a:extLst>
+              <a:ext uri="{28A0092B-C50C-407E-A947-70E740481C1C}">
+                <a14:useLocalDpi xmlns:a14="http://schemas.microsoft.com/office/drawing/2010/main" val="0"/>
+              </a:ext>
+            </a:extLst>
+          </a:blip>
+          <a:stretch>
+            <a:fillRect/>
+          </a:stretch>
+        </p:blipFill>
+        <p:spPr>
+          <a:xfrm rot="0">
+            <a:off x="8446135" y="4164965"/>
+            <a:ext cx="2647950" cy="981710"/>
+          </a:xfrm>
+          <a:prstGeom prst="roundRect"/>
+          <a:solidFill>
+            <a:srgbClr val="EDEDED"/>
+          </a:solidFill>
+        </p:spPr>
+      </p:pic>
+      <p:pic>
+        <p:nvPicPr>
+          <p:cNvPr id="81" name="그림 42"/>
+          <p:cNvPicPr>
+            <a:picLocks noChangeAspect="1"/>
+          </p:cNvPicPr>
+          <p:nvPr/>
+        </p:nvPicPr>
+        <p:blipFill rotWithShape="1">
+          <a:blip r:embed="rId5" cstate="print">
+            <a:extLst>
+              <a:ext uri="{28A0092B-C50C-407E-A947-70E740481C1C}">
+                <a14:useLocalDpi xmlns:a14="http://schemas.microsoft.com/office/drawing/2010/main" val="0"/>
+              </a:ext>
+            </a:extLst>
+          </a:blip>
+          <a:stretch>
+            <a:fillRect/>
+          </a:stretch>
+        </p:blipFill>
+        <p:spPr>
+          <a:xfrm rot="0">
+            <a:off x="6840220" y="4264660"/>
+            <a:ext cx="816610" cy="789940"/>
+          </a:xfrm>
+          <a:prstGeom prst="roundRect"/>
+          <a:solidFill>
+            <a:srgbClr val="EDEDED"/>
+          </a:solidFill>
+        </p:spPr>
+      </p:pic>
+      <p:sp>
+        <p:nvSpPr>
+          <p:cNvPr id="82" name="텍스트 상자 47"/>
+          <p:cNvSpPr txBox="1">
+            <a:spLocks/>
+          </p:cNvSpPr>
+          <p:nvPr/>
+        </p:nvSpPr>
+        <p:spPr>
+          <a:xfrm rot="0">
+            <a:off x="6844030" y="5303520"/>
+            <a:ext cx="4246245" cy="861695"/>
+          </a:xfrm>
+          <a:prstGeom prst="rect"/>
+          <a:noFill/>
+        </p:spPr>
+        <p:txBody>
+          <a:bodyPr wrap="square" lIns="0" tIns="0" rIns="0" bIns="0" vert="horz" anchor="t">
+            <a:noAutofit/>
+          </a:bodyPr>
+          <a:lstStyle/>
+          <a:p>
+            <a:pPr marL="0" indent="0" rtl="0" algn="l" defTabSz="914400" eaLnBrk="1" latinLnBrk="0" hangingPunct="1">
+              <a:buFontTx/>
+              <a:buNone/>
+            </a:pPr>
+            <a:r>
+              <a:rPr sz="2000" b="1">
+                <a:solidFill>
+                  <a:srgbClr val="0611F2"/>
+                </a:solidFill>
+                <a:latin typeface="맑은 고딕" charset="0"/>
+                <a:ea typeface="맑은 고딕" charset="0"/>
+              </a:rPr>
+              <a:t>23</a:t>
+            </a:r>
+            <a:r>
+              <a:rPr sz="2000" b="1">
+                <a:solidFill>
+                  <a:srgbClr val="0611F2"/>
+                </a:solidFill>
+                <a:latin typeface="맑은 고딕" charset="0"/>
+                <a:ea typeface="맑은 고딕" charset="0"/>
+              </a:rPr>
+              <a:t>. </a:t>
+            </a:r>
+            <a:r>
+              <a:rPr sz="1800">
+                <a:latin typeface="맑은 고딕" charset="0"/>
+                <a:ea typeface="맑은 고딕" charset="0"/>
+              </a:rPr>
+              <a:t>그런 다음 다운로드 받은 캐릭터를 유니티 Pr</a:t>
+            </a:r>
+            <a:r>
+              <a:rPr lang="ko-KR" sz="1800">
+                <a:latin typeface="맑은 고딕" charset="0"/>
+                <a:ea typeface="맑은 고딕" charset="0"/>
+              </a:rPr>
+              <a:t>oject 폴더에 있는 Model 폴더에 넣어줍니다.</a:t>
+            </a:r>
+            <a:endParaRPr lang="ko-KR" altLang="en-US" sz="1800">
+              <a:latin typeface="맑은 고딕" charset="0"/>
+              <a:ea typeface="맑은 고딕" charset="0"/>
+            </a:endParaRPr>
+          </a:p>
+        </p:txBody>
+      </p:sp>
+      <p:pic>
+        <p:nvPicPr>
+          <p:cNvPr id="83" name="그림 48"/>
           <p:cNvPicPr>
             <a:picLocks noChangeAspect="1"/>
           </p:cNvPicPr>
@@ -8595,13 +13925,11 @@
         </p:blipFill>
         <p:spPr>
           <a:xfrm rot="0">
-            <a:off x="6819900" y="3727450"/>
-            <a:ext cx="4277360" cy="1367155"/>
-          </a:xfrm>
-          <a:prstGeom prst="roundRect"/>
-          <a:solidFill>
-            <a:srgbClr val="EDEDED"/>
-          </a:solidFill>
+            <a:off x="7774940" y="4479290"/>
+            <a:ext cx="572135" cy="351155"/>
+          </a:xfrm>
+          <a:prstGeom prst="rect"/>
+          <a:noFill/>
         </p:spPr>
       </p:pic>
     </p:spTree>

--- a/Assets/Class/Animation Retargeting/PPT Data/Animation Retargeting Example.pptx
+++ b/Assets/Class/Animation Retargeting/PPT Data/Animation Retargeting Example.pptx
@@ -2,26 +2,29 @@
 <file path=ppt/presentation.xml><?xml version="1.0" encoding="utf-8"?>
 <p:presentation xmlns:a="http://schemas.openxmlformats.org/drawingml/2006/main" xmlns:r="http://schemas.openxmlformats.org/officeDocument/2006/relationships" xmlns:p="http://schemas.openxmlformats.org/presentationml/2006/main" xmlns:p14="http://schemas.microsoft.com/office/powerpoint/2010/main" saveSubsetFonts="1" firstSlideNum="0">
   <p:sldMasterIdLst>
-    <p:sldMasterId id="2147486875" r:id="rId12"/>
+    <p:sldMasterId id="2147486899" r:id="rId12"/>
   </p:sldMasterIdLst>
   <p:notesMasterIdLst>
     <p:notesMasterId r:id="rId14"/>
   </p:notesMasterIdLst>
   <p:sldIdLst>
     <p:sldId id="315" r:id="rId16"/>
-    <p:sldId id="319" r:id="rId17"/>
-    <p:sldId id="320" r:id="rId18"/>
-    <p:sldId id="334" r:id="rId19"/>
-    <p:sldId id="321" r:id="rId20"/>
-    <p:sldId id="333" r:id="rId21"/>
-    <p:sldId id="335" r:id="rId22"/>
-    <p:sldId id="336" r:id="rId23"/>
-    <p:sldId id="337" r:id="rId24"/>
-    <p:sldId id="338" r:id="rId25"/>
-    <p:sldId id="339" r:id="rId26"/>
-    <p:sldId id="340" r:id="rId27"/>
-    <p:sldId id="341" r:id="rId28"/>
-    <p:sldId id="342" r:id="rId29"/>
+    <p:sldId id="319" r:id="rId18"/>
+    <p:sldId id="320" r:id="rId20"/>
+    <p:sldId id="334" r:id="rId22"/>
+    <p:sldId id="321" r:id="rId24"/>
+    <p:sldId id="333" r:id="rId26"/>
+    <p:sldId id="335" r:id="rId28"/>
+    <p:sldId id="336" r:id="rId30"/>
+    <p:sldId id="337" r:id="rId32"/>
+    <p:sldId id="338" r:id="rId34"/>
+    <p:sldId id="339" r:id="rId36"/>
+    <p:sldId id="340" r:id="rId38"/>
+    <p:sldId id="341" r:id="rId40"/>
+    <p:sldId id="342" r:id="rId42"/>
+    <p:sldId id="343" r:id="rId44"/>
+    <p:sldId id="344" r:id="rId46"/>
+    <p:sldId id="345" r:id="rId48"/>
   </p:sldIdLst>
   <p:sldSz cx="12192000" cy="6858000"/>
   <p:notesSz cx="6858000" cy="9144000"/>
@@ -1332,6 +1335,432 @@
 </p:notes>
 </file>
 
+<file path=ppt/notesSlides/notesSlide15.xml><?xml version="1.0" encoding="utf-8"?>
+<p:notes xmlns:a="http://schemas.openxmlformats.org/drawingml/2006/main" xmlns:r="http://schemas.openxmlformats.org/officeDocument/2006/relationships" xmlns:p="http://schemas.openxmlformats.org/presentationml/2006/main">
+  <p:cSld>
+    <p:spTree>
+      <p:nvGrpSpPr>
+        <p:cNvPr id="1" name=""/>
+        <p:cNvGrpSpPr/>
+        <p:nvPr/>
+      </p:nvGrpSpPr>
+      <p:grpSpPr>
+        <a:xfrm>
+          <a:off x="0" y="0"/>
+          <a:ext cx="0" cy="0"/>
+          <a:chOff x="0" y="0"/>
+          <a:chExt cx="0" cy="0"/>
+        </a:xfrm>
+      </p:grpSpPr>
+      <p:sp>
+        <p:nvSpPr>
+          <p:cNvPr id="2" name="슬라이드 이미지 개체 틀 3"/>
+          <p:cNvSpPr>
+            <a:spLocks noChangeAspect="1"/>
+          </p:cNvSpPr>
+          <p:nvPr>
+            <p:ph type="sldImg" idx="2"/>
+          </p:nvPr>
+        </p:nvSpPr>
+        <p:spPr>
+          <a:xfrm rot="0">
+            <a:off x="685800" y="1143000"/>
+            <a:ext cx="5496560" cy="3096260"/>
+          </a:xfrm>
+          <a:prstGeom prst="rect"/>
+          <a:noFill/>
+          <a:ln w="12700" cap="flat" cmpd="sng">
+            <a:solidFill>
+              <a:srgbClr val="000000">
+                <a:alpha val="100000"/>
+              </a:srgbClr>
+            </a:solidFill>
+            <a:prstDash val="solid"/>
+          </a:ln>
+        </p:spPr>
+        <p:txBody>
+          <a:bodyPr wrap="square" lIns="91440" tIns="45720" rIns="91440" bIns="45720" numCol="1" vert="horz" anchor="ctr">
+            <a:noAutofit/>
+          </a:bodyPr>
+          <a:lstStyle/>
+          <a:p>
+            <a:pPr marL="0" indent="0" latinLnBrk="0">
+              <a:buFontTx/>
+              <a:buNone/>
+            </a:pPr>
+          </a:p>
+        </p:txBody>
+      </p:sp>
+      <p:sp>
+        <p:nvSpPr>
+          <p:cNvPr id="3" name="슬라이드 노트 개체 틀 4"/>
+          <p:cNvSpPr txBox="1">
+            <a:spLocks/>
+          </p:cNvSpPr>
+          <p:nvPr>
+            <p:ph type="body" idx="3"/>
+          </p:nvPr>
+        </p:nvSpPr>
+        <p:spPr>
+          <a:xfrm rot="0">
+            <a:off x="685800" y="4400550"/>
+            <a:ext cx="5496560" cy="3610610"/>
+          </a:xfrm>
+          <a:prstGeom prst="rect"/>
+        </p:spPr>
+        <p:txBody>
+          <a:bodyPr wrap="square" lIns="91440" tIns="45720" rIns="91440" bIns="45720" numCol="1" vert="horz" anchor="t">
+            <a:noAutofit/>
+          </a:bodyPr>
+          <a:lstStyle/>
+          <a:p>
+            <a:pPr marL="0" indent="0" latinLnBrk="0">
+              <a:buFontTx/>
+              <a:buNone/>
+            </a:pPr>
+          </a:p>
+        </p:txBody>
+      </p:sp>
+      <p:sp>
+        <p:nvSpPr>
+          <p:cNvPr id="4" name="슬라이드 번호 개체 틀 6"/>
+          <p:cNvSpPr txBox="1">
+            <a:spLocks/>
+          </p:cNvSpPr>
+          <p:nvPr>
+            <p:ph type="sldNum" idx="5"/>
+          </p:nvPr>
+        </p:nvSpPr>
+        <p:spPr>
+          <a:xfrm rot="0">
+            <a:off x="3884930" y="8685530"/>
+            <a:ext cx="2981960" cy="468630"/>
+          </a:xfrm>
+          <a:prstGeom prst="rect"/>
+        </p:spPr>
+        <p:txBody>
+          <a:bodyPr wrap="square" lIns="91440" tIns="45720" rIns="91440" bIns="45720" numCol="1" vert="horz" anchor="b">
+            <a:noAutofit/>
+          </a:bodyPr>
+          <a:lstStyle>
+            <a:lvl1pPr marL="0" indent="0" algn="r" latinLnBrk="0">
+              <a:buFontTx/>
+              <a:buNone/>
+              <a:defRPr lang="en-GB" altLang="en-US" sz="1200"/>
+            </a:lvl1pPr>
+          </a:lstStyle>
+          <a:p>
+            <a:pPr marL="0" indent="0" latinLnBrk="0">
+              <a:buFontTx/>
+              <a:buNone/>
+            </a:pPr>
+            <a:fld id="{B9320F77-B9A0-41C5-862A-B4B631284C64}" type="slidenum">
+              <a:rPr lang="ko-KR" altLang="en-US"/>
+              <a:t>‹#›</a:t>
+            </a:fld>
+          </a:p>
+        </p:txBody>
+      </p:sp>
+    </p:spTree>
+  </p:cSld>
+  <p:clrMapOvr>
+    <a:masterClrMapping/>
+  </p:clrMapOvr>
+  <mc:AlternateContent xmlns:mc="http://schemas.openxmlformats.org/markup-compatibility/2006">
+    <mc:Choice xmlns:p14="http://schemas.microsoft.com/office/powerpoint/2010/main" Requires="p14">
+      <p:transition spd="slow" p14:dur="0"/>
+    </mc:Choice>
+    <mc:Fallback>
+      <p:transition spd="slow"/>
+    </mc:Fallback>
+  </mc:AlternateContent>
+</p:notes>
+</file>
+
+<file path=ppt/notesSlides/notesSlide16.xml><?xml version="1.0" encoding="utf-8"?>
+<p:notes xmlns:a="http://schemas.openxmlformats.org/drawingml/2006/main" xmlns:r="http://schemas.openxmlformats.org/officeDocument/2006/relationships" xmlns:p="http://schemas.openxmlformats.org/presentationml/2006/main">
+  <p:cSld>
+    <p:spTree>
+      <p:nvGrpSpPr>
+        <p:cNvPr id="1" name=""/>
+        <p:cNvGrpSpPr/>
+        <p:nvPr/>
+      </p:nvGrpSpPr>
+      <p:grpSpPr>
+        <a:xfrm>
+          <a:off x="0" y="0"/>
+          <a:ext cx="0" cy="0"/>
+          <a:chOff x="0" y="0"/>
+          <a:chExt cx="0" cy="0"/>
+        </a:xfrm>
+      </p:grpSpPr>
+      <p:sp>
+        <p:nvSpPr>
+          <p:cNvPr id="2" name="슬라이드 이미지 개체 틀 3"/>
+          <p:cNvSpPr>
+            <a:spLocks noChangeAspect="1"/>
+          </p:cNvSpPr>
+          <p:nvPr>
+            <p:ph type="sldImg" idx="2"/>
+          </p:nvPr>
+        </p:nvSpPr>
+        <p:spPr>
+          <a:xfrm rot="0">
+            <a:off x="685800" y="1143000"/>
+            <a:ext cx="5496560" cy="3096260"/>
+          </a:xfrm>
+          <a:prstGeom prst="rect"/>
+          <a:noFill/>
+          <a:ln w="12700" cap="flat" cmpd="sng">
+            <a:solidFill>
+              <a:srgbClr val="000000">
+                <a:alpha val="100000"/>
+              </a:srgbClr>
+            </a:solidFill>
+            <a:prstDash val="solid"/>
+          </a:ln>
+        </p:spPr>
+        <p:txBody>
+          <a:bodyPr wrap="square" lIns="91440" tIns="45720" rIns="91440" bIns="45720" numCol="1" vert="horz" anchor="ctr">
+            <a:noAutofit/>
+          </a:bodyPr>
+          <a:lstStyle/>
+          <a:p>
+            <a:pPr marL="0" indent="0" latinLnBrk="0">
+              <a:buFontTx/>
+              <a:buNone/>
+            </a:pPr>
+          </a:p>
+        </p:txBody>
+      </p:sp>
+      <p:sp>
+        <p:nvSpPr>
+          <p:cNvPr id="3" name="슬라이드 노트 개체 틀 4"/>
+          <p:cNvSpPr txBox="1">
+            <a:spLocks/>
+          </p:cNvSpPr>
+          <p:nvPr>
+            <p:ph type="body" idx="3"/>
+          </p:nvPr>
+        </p:nvSpPr>
+        <p:spPr>
+          <a:xfrm rot="0">
+            <a:off x="685800" y="4400550"/>
+            <a:ext cx="5496560" cy="3610610"/>
+          </a:xfrm>
+          <a:prstGeom prst="rect"/>
+        </p:spPr>
+        <p:txBody>
+          <a:bodyPr wrap="square" lIns="91440" tIns="45720" rIns="91440" bIns="45720" numCol="1" vert="horz" anchor="t">
+            <a:noAutofit/>
+          </a:bodyPr>
+          <a:lstStyle/>
+          <a:p>
+            <a:pPr marL="0" indent="0" latinLnBrk="0">
+              <a:buFontTx/>
+              <a:buNone/>
+            </a:pPr>
+          </a:p>
+        </p:txBody>
+      </p:sp>
+      <p:sp>
+        <p:nvSpPr>
+          <p:cNvPr id="4" name="슬라이드 번호 개체 틀 6"/>
+          <p:cNvSpPr txBox="1">
+            <a:spLocks/>
+          </p:cNvSpPr>
+          <p:nvPr>
+            <p:ph type="sldNum" idx="5"/>
+          </p:nvPr>
+        </p:nvSpPr>
+        <p:spPr>
+          <a:xfrm rot="0">
+            <a:off x="3884930" y="8685530"/>
+            <a:ext cx="2981960" cy="468630"/>
+          </a:xfrm>
+          <a:prstGeom prst="rect"/>
+        </p:spPr>
+        <p:txBody>
+          <a:bodyPr wrap="square" lIns="91440" tIns="45720" rIns="91440" bIns="45720" numCol="1" vert="horz" anchor="b">
+            <a:noAutofit/>
+          </a:bodyPr>
+          <a:lstStyle>
+            <a:lvl1pPr marL="0" indent="0" algn="r" latinLnBrk="0">
+              <a:buFontTx/>
+              <a:buNone/>
+              <a:defRPr lang="en-GB" altLang="en-US" sz="1200"/>
+            </a:lvl1pPr>
+          </a:lstStyle>
+          <a:p>
+            <a:pPr marL="0" indent="0" latinLnBrk="0">
+              <a:buFontTx/>
+              <a:buNone/>
+            </a:pPr>
+            <a:fld id="{B9320F77-B9A0-41C5-862A-B4B631284C64}" type="slidenum">
+              <a:rPr lang="ko-KR" altLang="en-US"/>
+              <a:t>‹#›</a:t>
+            </a:fld>
+          </a:p>
+        </p:txBody>
+      </p:sp>
+    </p:spTree>
+  </p:cSld>
+  <p:clrMapOvr>
+    <a:masterClrMapping/>
+  </p:clrMapOvr>
+  <mc:AlternateContent xmlns:mc="http://schemas.openxmlformats.org/markup-compatibility/2006">
+    <mc:Choice xmlns:p14="http://schemas.microsoft.com/office/powerpoint/2010/main" Requires="p14">
+      <p:transition spd="slow" p14:dur="0"/>
+    </mc:Choice>
+    <mc:Fallback>
+      <p:transition spd="slow"/>
+    </mc:Fallback>
+  </mc:AlternateContent>
+</p:notes>
+</file>
+
+<file path=ppt/notesSlides/notesSlide17.xml><?xml version="1.0" encoding="utf-8"?>
+<p:notes xmlns:a="http://schemas.openxmlformats.org/drawingml/2006/main" xmlns:r="http://schemas.openxmlformats.org/officeDocument/2006/relationships" xmlns:p="http://schemas.openxmlformats.org/presentationml/2006/main">
+  <p:cSld>
+    <p:spTree>
+      <p:nvGrpSpPr>
+        <p:cNvPr id="1" name=""/>
+        <p:cNvGrpSpPr/>
+        <p:nvPr/>
+      </p:nvGrpSpPr>
+      <p:grpSpPr>
+        <a:xfrm>
+          <a:off x="0" y="0"/>
+          <a:ext cx="0" cy="0"/>
+          <a:chOff x="0" y="0"/>
+          <a:chExt cx="0" cy="0"/>
+        </a:xfrm>
+      </p:grpSpPr>
+      <p:sp>
+        <p:nvSpPr>
+          <p:cNvPr id="2" name="슬라이드 이미지 개체 틀 3"/>
+          <p:cNvSpPr>
+            <a:spLocks noChangeAspect="1"/>
+          </p:cNvSpPr>
+          <p:nvPr>
+            <p:ph type="sldImg" idx="2"/>
+          </p:nvPr>
+        </p:nvSpPr>
+        <p:spPr>
+          <a:xfrm rot="0">
+            <a:off x="685800" y="1143000"/>
+            <a:ext cx="5497195" cy="3096895"/>
+          </a:xfrm>
+          <a:prstGeom prst="rect"/>
+          <a:noFill/>
+          <a:ln w="12700" cap="flat" cmpd="sng">
+            <a:solidFill>
+              <a:srgbClr val="000000">
+                <a:alpha val="100000"/>
+              </a:srgbClr>
+            </a:solidFill>
+            <a:prstDash val="solid"/>
+          </a:ln>
+        </p:spPr>
+        <p:txBody>
+          <a:bodyPr wrap="square" lIns="91440" tIns="45720" rIns="91440" bIns="45720" numCol="1" vert="horz" anchor="ctr">
+            <a:noAutofit/>
+          </a:bodyPr>
+          <a:lstStyle/>
+          <a:p>
+            <a:pPr marL="0" indent="0" latinLnBrk="0">
+              <a:buFontTx/>
+              <a:buNone/>
+            </a:pPr>
+          </a:p>
+        </p:txBody>
+      </p:sp>
+      <p:sp>
+        <p:nvSpPr>
+          <p:cNvPr id="3" name="슬라이드 노트 개체 틀 4"/>
+          <p:cNvSpPr txBox="1">
+            <a:spLocks/>
+          </p:cNvSpPr>
+          <p:nvPr>
+            <p:ph type="body" idx="3"/>
+          </p:nvPr>
+        </p:nvSpPr>
+        <p:spPr>
+          <a:xfrm rot="0">
+            <a:off x="685800" y="4400550"/>
+            <a:ext cx="5497195" cy="3611245"/>
+          </a:xfrm>
+          <a:prstGeom prst="rect"/>
+        </p:spPr>
+        <p:txBody>
+          <a:bodyPr wrap="square" lIns="91440" tIns="45720" rIns="91440" bIns="45720" numCol="1" vert="horz" anchor="t">
+            <a:noAutofit/>
+          </a:bodyPr>
+          <a:lstStyle/>
+          <a:p>
+            <a:pPr marL="0" indent="0" latinLnBrk="0">
+              <a:buFontTx/>
+              <a:buNone/>
+            </a:pPr>
+          </a:p>
+        </p:txBody>
+      </p:sp>
+      <p:sp>
+        <p:nvSpPr>
+          <p:cNvPr id="4" name="슬라이드 번호 개체 틀 6"/>
+          <p:cNvSpPr txBox="1">
+            <a:spLocks/>
+          </p:cNvSpPr>
+          <p:nvPr>
+            <p:ph type="sldNum" idx="5"/>
+          </p:nvPr>
+        </p:nvSpPr>
+        <p:spPr>
+          <a:xfrm rot="0">
+            <a:off x="3884930" y="8685530"/>
+            <a:ext cx="2982595" cy="469265"/>
+          </a:xfrm>
+          <a:prstGeom prst="rect"/>
+        </p:spPr>
+        <p:txBody>
+          <a:bodyPr wrap="square" lIns="91440" tIns="45720" rIns="91440" bIns="45720" numCol="1" vert="horz" anchor="b">
+            <a:noAutofit/>
+          </a:bodyPr>
+          <a:lstStyle>
+            <a:lvl1pPr marL="0" indent="0" algn="r" latinLnBrk="0">
+              <a:buFontTx/>
+              <a:buNone/>
+              <a:defRPr lang="en-GB" altLang="en-US" sz="1200"/>
+            </a:lvl1pPr>
+          </a:lstStyle>
+          <a:p>
+            <a:pPr marL="0" indent="0" latinLnBrk="0">
+              <a:buFontTx/>
+              <a:buNone/>
+            </a:pPr>
+            <a:fld id="{B9320F77-B9A0-41C5-862A-B4B631284C64}" type="slidenum">
+              <a:rPr lang="ko-KR" altLang="en-US"/>
+              <a:t>‹#›</a:t>
+            </a:fld>
+          </a:p>
+        </p:txBody>
+      </p:sp>
+    </p:spTree>
+  </p:cSld>
+  <p:clrMapOvr>
+    <a:masterClrMapping/>
+  </p:clrMapOvr>
+  <mc:AlternateContent xmlns:mc="http://schemas.openxmlformats.org/markup-compatibility/2006">
+    <mc:Choice xmlns:p14="http://schemas.microsoft.com/office/powerpoint/2010/main" Requires="p14">
+      <p:transition spd="slow" p14:dur="0"/>
+    </mc:Choice>
+    <mc:Fallback>
+      <p:transition spd="slow"/>
+    </mc:Fallback>
+  </mc:AlternateContent>
+</p:notes>
+</file>
+
 <file path=ppt/notesSlides/notesSlide2.xml><?xml version="1.0" encoding="utf-8"?>
 <p:notes xmlns:a="http://schemas.openxmlformats.org/drawingml/2006/main" xmlns:r="http://schemas.openxmlformats.org/officeDocument/2006/relationships" xmlns:p="http://schemas.openxmlformats.org/presentationml/2006/main">
   <p:cSld>
@@ -7929,7 +8358,7 @@
       </p:sp>
       <p:pic>
         <p:nvPicPr>
-          <p:cNvPr id="84" name="그림 1" descr="C:/Users/Admin1/AppData/Roaming/PolarisOffice/ETemp/4372_15633472/fImage2850415241.png"/>
+          <p:cNvPr id="84" name="그림 1"/>
           <p:cNvPicPr>
             <a:picLocks noChangeAspect="1"/>
           </p:cNvPicPr>
@@ -7958,7 +8387,7 @@
       </p:pic>
       <p:pic>
         <p:nvPicPr>
-          <p:cNvPr id="85" name="그림 2" descr="C:/Users/Admin1/AppData/Roaming/PolarisOffice/ETemp/4372_15633472/fImage272311538467.png"/>
+          <p:cNvPr id="85" name="그림 2"/>
           <p:cNvPicPr>
             <a:picLocks noChangeAspect="1"/>
           </p:cNvPicPr>
@@ -7987,7 +8416,7 @@
       </p:pic>
       <p:pic>
         <p:nvPicPr>
-          <p:cNvPr id="86" name="그림 3" descr="C:/Users/Admin1/AppData/Roaming/PolarisOffice/ETemp/4372_15633472/fImage555761546334.png"/>
+          <p:cNvPr id="86" name="그림 3"/>
           <p:cNvPicPr>
             <a:picLocks noChangeAspect="1"/>
           </p:cNvPicPr>
@@ -8040,7 +8469,7 @@
 </file>
 
 <file path=ppt/slides/slide11.xml><?xml version="1.0" encoding="utf-8"?>
-<p:sld xmlns:a="http://schemas.openxmlformats.org/drawingml/2006/main" xmlns:r="http://schemas.openxmlformats.org/officeDocument/2006/relationships" xmlns:p="http://schemas.openxmlformats.org/presentationml/2006/main">
+<p:sld xmlns:a="http://schemas.openxmlformats.org/drawingml/2006/main" xmlns:r="http://schemas.openxmlformats.org/officeDocument/2006/relationships" xmlns:p="http://schemas.openxmlformats.org/presentationml/2006/main" xmlns:p14="http://schemas.microsoft.com/office/powerpoint/2010/main">
   <p:cSld>
     <p:spTree>
       <p:nvGrpSpPr>
@@ -8350,7 +8779,7 @@
       </p:sp>
       <p:pic>
         <p:nvPicPr>
-          <p:cNvPr id="84" name="Picture " descr="C:/Users/Admin1/AppData/Roaming/PolarisOffice/ETemp/4372_15633472/fImage285042306500.png"/>
+          <p:cNvPr id="84" name="Picture "/>
           <p:cNvPicPr>
             <a:picLocks noChangeAspect="1"/>
           </p:cNvPicPr>
@@ -8379,7 +8808,7 @@
       </p:pic>
       <p:pic>
         <p:nvPicPr>
-          <p:cNvPr id="85" name="그림 8" descr="C:/Users/Admin1/AppData/Roaming/PolarisOffice/ETemp/4372_15633472/fImage86322379169.png"/>
+          <p:cNvPr id="85" name="그림 8"/>
           <p:cNvPicPr>
             <a:picLocks noChangeAspect="1"/>
           </p:cNvPicPr>
@@ -8410,7 +8839,7 @@
       </p:pic>
       <p:pic>
         <p:nvPicPr>
-          <p:cNvPr id="86" name="그림 11" descr="C:/Users/Admin1/AppData/Roaming/PolarisOffice/ETemp/4372_15633472/fImage61872385724.png"/>
+          <p:cNvPr id="86" name="그림 11"/>
           <p:cNvPicPr>
             <a:picLocks noChangeAspect="1"/>
           </p:cNvPicPr>
@@ -8441,7 +8870,7 @@
       </p:pic>
       <p:pic>
         <p:nvPicPr>
-          <p:cNvPr id="87" name="그림 14" descr="C:/Users/Admin1/AppData/Roaming/PolarisOffice/ETemp/4372_15633472/fImage44844086827.png"/>
+          <p:cNvPr id="87" name="그림 14"/>
           <p:cNvPicPr>
             <a:picLocks noChangeAspect="1"/>
           </p:cNvPicPr>
@@ -8472,7 +8901,7 @@
       </p:pic>
       <p:pic>
         <p:nvPicPr>
-          <p:cNvPr id="88" name="그림 15" descr="C:/Users/Admin1/AppData/Roaming/PolarisOffice/ETemp/4372_15633472/fImage61872401478.png"/>
+          <p:cNvPr id="88" name="그림 15"/>
           <p:cNvPicPr>
             <a:picLocks noChangeAspect="1"/>
           </p:cNvPicPr>
@@ -8684,7 +9113,7 @@
 </file>
 
 <file path=ppt/slides/slide12.xml><?xml version="1.0" encoding="utf-8"?>
-<p:sld xmlns:a="http://schemas.openxmlformats.org/drawingml/2006/main" xmlns:r="http://schemas.openxmlformats.org/officeDocument/2006/relationships" xmlns:p="http://schemas.openxmlformats.org/presentationml/2006/main">
+<p:sld xmlns:a="http://schemas.openxmlformats.org/drawingml/2006/main" xmlns:r="http://schemas.openxmlformats.org/officeDocument/2006/relationships" xmlns:p="http://schemas.openxmlformats.org/presentationml/2006/main" xmlns:p14="http://schemas.microsoft.com/office/powerpoint/2010/main">
   <p:cSld>
     <p:spTree>
       <p:nvGrpSpPr>
@@ -8768,8 +9197,8 @@
         </p:nvSpPr>
         <p:spPr>
           <a:xfrm rot="0">
-            <a:off x="1181100" y="4133215"/>
-            <a:ext cx="4199255" cy="2031365"/>
+            <a:off x="1181100" y="4184650"/>
+            <a:ext cx="4199890" cy="2032000"/>
           </a:xfrm>
           <a:prstGeom prst="rect"/>
           <a:noFill/>
@@ -8813,35 +9242,21 @@
                 <a:latin typeface="맑은 고딕" charset="0"/>
                 <a:ea typeface="맑은 고딕" charset="0"/>
               </a:rPr>
-              <a:t> </a:t>
+              <a:t> 그</a:t>
+            </a:r>
+            <a:r>
+              <a:rPr lang="ko-KR" sz="1800">
+                <a:latin typeface="맑은 고딕" charset="0"/>
+                <a:ea typeface="맑은 고딕" charset="0"/>
+              </a:rPr>
+              <a:t>런 다음</a:t>
             </a:r>
             <a:r>
               <a:rPr sz="1800">
                 <a:latin typeface="맑은 고딕" charset="0"/>
                 <a:ea typeface="맑은 고딕" charset="0"/>
               </a:rPr>
-              <a:t>그</a:t>
-            </a:r>
-            <a:r>
-              <a:rPr lang="ko-KR" sz="1800">
-                <a:latin typeface="맑은 고딕" charset="0"/>
-                <a:ea typeface="맑은 고딕" charset="0"/>
-              </a:rPr>
-              <a:t>런 다음</a:t>
-            </a:r>
-            <a:r>
-              <a:rPr sz="1800">
-                <a:latin typeface="맑은 고딕" charset="0"/>
-                <a:ea typeface="맑은 고딕" charset="0"/>
-              </a:rPr>
-              <a:t> 빈 게임 오브젝트를 생성</a:t>
-            </a:r>
-            <a:r>
-              <a:rPr sz="1800">
-                <a:latin typeface="맑은 고딕" charset="0"/>
-                <a:ea typeface="맑은 고딕" charset="0"/>
-              </a:rPr>
-              <a:t>하</a:t>
+              <a:t> 빈 게임 오브젝트를 생성하</a:t>
             </a:r>
             <a:r>
               <a:rPr lang="ko-KR" sz="1800">
@@ -8957,8 +9372,8 @@
         </p:nvSpPr>
         <p:spPr>
           <a:xfrm rot="0">
-            <a:off x="6804025" y="4679315"/>
-            <a:ext cx="4284345" cy="1487805"/>
+            <a:off x="6830060" y="4194810"/>
+            <a:ext cx="4284980" cy="2024380"/>
           </a:xfrm>
           <a:prstGeom prst="rect"/>
           <a:noFill/>
@@ -8981,17 +9396,7 @@
                 <a:latin typeface="맑은 고딕" charset="0"/>
                 <a:ea typeface="맑은 고딕" charset="0"/>
               </a:rPr>
-              <a:t>30</a:t>
-            </a:r>
-            <a:r>
-              <a:rPr lang="ko-KR" sz="2000" b="1">
-                <a:solidFill>
-                  <a:srgbClr val="0611F2"/>
-                </a:solidFill>
-                <a:latin typeface="맑은 고딕" charset="0"/>
-                <a:ea typeface="맑은 고딕" charset="0"/>
-              </a:rPr>
-              <a:t>.</a:t>
+              <a:t>30.</a:t>
             </a:r>
             <a:r>
               <a:rPr lang="ko-KR" sz="2000">
@@ -9008,7 +9413,28 @@
                 <a:latin typeface="맑은 고딕" charset="0"/>
                 <a:ea typeface="맑은 고딕" charset="0"/>
               </a:rPr>
-              <a:t>그다음 UI에 Button 오브젝트</a:t>
+              <a:t>그다음</a:t>
+            </a:r>
+            <a:r>
+              <a:rPr sz="1800">
+                <a:latin typeface="맑은 고딕" charset="0"/>
+                <a:ea typeface="맑은 고딕" charset="0"/>
+              </a:rPr>
+              <a:t>으</a:t>
+            </a:r>
+            <a:r>
+              <a:rPr lang="ko-KR" sz="1800">
+                <a:latin typeface="맑은 고딕" charset="0"/>
+                <a:ea typeface="맑은 고딕" charset="0"/>
+              </a:rPr>
+              <a:t>로</a:t>
+            </a:r>
+            <a:r>
+              <a:rPr sz="1800">
+                <a:latin typeface="맑은 고딕" charset="0"/>
+                <a:ea typeface="맑은 고딕" charset="0"/>
+              </a:rPr>
+              <a:t> UI에 Button 오브젝트</a:t>
             </a:r>
             <a:r>
               <a:rPr lang="ko-KR" sz="1800">
@@ -9049,70 +9475,56 @@
                 <a:latin typeface="맑은 고딕" charset="0"/>
                 <a:ea typeface="맑은 고딕" charset="0"/>
               </a:rPr>
-              <a:t>이제</a:t>
+              <a:t>마지막으로</a:t>
             </a:r>
             <a:r>
               <a:rPr sz="1800">
                 <a:latin typeface="맑은 고딕" charset="0"/>
                 <a:ea typeface="맑은 고딕" charset="0"/>
               </a:rPr>
-              <a:t> </a:t>
+              <a:t> Animation Speed Button 이라</a:t>
+            </a:r>
+            <a:r>
+              <a:rPr lang="ko-KR" sz="1800">
+                <a:latin typeface="맑은 고딕" charset="0"/>
+                <a:ea typeface="맑은 고딕" charset="0"/>
+              </a:rPr>
+              <a:t>는</a:t>
             </a:r>
             <a:r>
               <a:rPr sz="1800">
                 <a:latin typeface="맑은 고딕" charset="0"/>
                 <a:ea typeface="맑은 고딕" charset="0"/>
               </a:rPr>
-              <a:t>Animation Speed</a:t>
+              <a:t> 이름으</a:t>
+            </a:r>
+            <a:r>
+              <a:rPr lang="ko-KR" sz="1800">
+                <a:latin typeface="맑은 고딕" charset="0"/>
+                <a:ea typeface="맑은 고딕" charset="0"/>
+              </a:rPr>
+              <a:t>로</a:t>
             </a:r>
             <a:r>
               <a:rPr sz="1800">
                 <a:latin typeface="맑은 고딕" charset="0"/>
                 <a:ea typeface="맑은 고딕" charset="0"/>
               </a:rPr>
-              <a:t> Button</a:t>
+              <a:t> 정</a:t>
             </a:r>
             <a:r>
               <a:rPr sz="1800">
                 <a:latin typeface="맑은 고딕" charset="0"/>
                 <a:ea typeface="맑은 고딕" charset="0"/>
               </a:rPr>
-              <a:t> 이라</a:t>
+              <a:t>의하</a:t>
             </a:r>
             <a:r>
               <a:rPr lang="ko-KR" sz="1800">
                 <a:latin typeface="맑은 고딕" charset="0"/>
                 <a:ea typeface="맑은 고딕" charset="0"/>
               </a:rPr>
-              <a:t>는</a:t>
-            </a:r>
-            <a:r>
-              <a:rPr sz="1800">
-                <a:latin typeface="맑은 고딕" charset="0"/>
-                <a:ea typeface="맑은 고딕" charset="0"/>
-              </a:rPr>
-              <a:t> 이름</a:t>
-            </a:r>
-            <a:r>
-              <a:rPr sz="1800">
-                <a:latin typeface="맑은 고딕" charset="0"/>
-                <a:ea typeface="맑은 고딕" charset="0"/>
-              </a:rPr>
-              <a:t>으</a:t>
-            </a:r>
-            <a:r>
-              <a:rPr lang="ko-KR" sz="1800">
-                <a:latin typeface="맑은 고딕" charset="0"/>
-                <a:ea typeface="맑은 고딕" charset="0"/>
-              </a:rPr>
-              <a:t>로</a:t>
-            </a:r>
-            <a:r>
-              <a:rPr sz="1800">
-                <a:latin typeface="맑은 고딕" charset="0"/>
-                <a:ea typeface="맑은 고딕" charset="0"/>
-              </a:rPr>
-              <a:t> 정의합니다. </a:t>
+              <a:t>고 하위 오브젝트의 텍스트에 Animation Speed Text라는 이름으로 정의합니다.</a:t>
             </a:r>
             <a:endParaRPr lang="ko-KR" altLang="en-US" sz="1800">
               <a:latin typeface="맑은 고딕" charset="0"/>
@@ -9123,7 +9535,7 @@
       </p:sp>
       <p:pic>
         <p:nvPicPr>
-          <p:cNvPr id="91" name="그림 19" descr="C:/Users/Admin1/AppData/Roaming/PolarisOffice/ETemp/4372_15633472/fImage85062589358.png"/>
+          <p:cNvPr id="91" name="그림 19"/>
           <p:cNvPicPr>
             <a:picLocks noChangeAspect="1"/>
           </p:cNvPicPr>
@@ -9144,7 +9556,7 @@
         <p:spPr>
           <a:xfrm rot="0">
             <a:off x="1186180" y="1452880"/>
-            <a:ext cx="2567940" cy="2508885"/>
+            <a:ext cx="2568575" cy="2552065"/>
           </a:xfrm>
           <a:prstGeom prst="roundRect"/>
           <a:solidFill>
@@ -9154,7 +9566,7 @@
       </p:pic>
       <p:pic>
         <p:nvPicPr>
-          <p:cNvPr id="92" name="그림 20" descr="C:/Users/Admin1/AppData/Roaming/PolarisOffice/ETemp/4372_15633472/fImage76052596962.png"/>
+          <p:cNvPr id="92" name="그림 20"/>
           <p:cNvPicPr>
             <a:picLocks noChangeAspect="1"/>
           </p:cNvPicPr>
@@ -9185,17 +9597,17 @@
       </p:pic>
       <p:pic>
         <p:nvPicPr>
-          <p:cNvPr id="93" name="그림 23" descr="C:/Users/Admin1/AppData/Roaming/PolarisOffice/ETemp/4372_15633472/fImage23102604464.png"/>
+          <p:cNvPr id="93" name="그림 23"/>
           <p:cNvPicPr>
             <a:picLocks noChangeAspect="1"/>
           </p:cNvPicPr>
           <p:nvPr/>
         </p:nvPicPr>
         <p:blipFill rotWithShape="1">
-          <a:blip r:embed="rId4" cstate="print">
+          <a:blip r:embed="rId4" cstate="hqprint">
             <a:extLst>
               <a:ext uri="{28A0092B-C50C-407E-A947-70E740481C1C}">
-                <a14:useLocalDpi xmlns:a14="http://schemas.microsoft.com/office/drawing/2010/main" val="0"/>
+                <a14:useLocalDpi xmlns:a14="http://schemas.microsoft.com/office/drawing/2010/main"/>
               </a:ext>
             </a:extLst>
           </a:blip>
@@ -9206,7 +9618,7 @@
         <p:spPr>
           <a:xfrm rot="0">
             <a:off x="4298315" y="3268980"/>
-            <a:ext cx="744855" cy="701675"/>
+            <a:ext cx="745490" cy="735965"/>
           </a:xfrm>
           <a:prstGeom prst="roundRect"/>
           <a:solidFill>
@@ -9225,13 +9637,12 @@
         </p:nvCxnSpPr>
         <p:spPr>
           <a:xfrm rot="0" flipV="1">
-            <a:off x="4670425" y="2828290"/>
-            <a:ext cx="8890" cy="441325"/>
+            <a:off x="4670425" y="2828925"/>
+            <a:ext cx="9525" cy="440690"/>
           </a:xfrm>
           <a:prstGeom prst="straightConnector1"/>
           <a:ln w="6350" cap="flat" cmpd="sng">
             <a:prstDash/>
-            <a:headEnd type="none" w="med" len="med"/>
             <a:tailEnd type="triangle" w="med" len="med"/>
           </a:ln>
         </p:spPr>
@@ -9252,7 +9663,7 @@
       </p:cxnSp>
       <p:pic>
         <p:nvPicPr>
-          <p:cNvPr id="95" name="그림 28" descr="C:/Users/Admin1/AppData/Roaming/PolarisOffice/ETemp/4372_15633472/fImage191382645705.png"/>
+          <p:cNvPr id="95" name="그림 28"/>
           <p:cNvPicPr>
             <a:picLocks noChangeAspect="1"/>
           </p:cNvPicPr>
@@ -9273,7 +9684,7 @@
         <p:spPr>
           <a:xfrm rot="0">
             <a:off x="6815455" y="1453515"/>
-            <a:ext cx="2645410" cy="3070225"/>
+            <a:ext cx="2646045" cy="2543175"/>
           </a:xfrm>
           <a:prstGeom prst="roundRect"/>
           <a:solidFill>
@@ -9283,14 +9694,14 @@
       </p:pic>
       <p:pic>
         <p:nvPicPr>
-          <p:cNvPr id="96" name="그림 29" descr="C:/Users/Admin1/AppData/Roaming/PolarisOffice/ETemp/4372_15633472/fImage102432658145.png"/>
+          <p:cNvPr id="96" name="그림 19"/>
           <p:cNvPicPr>
             <a:picLocks noChangeAspect="1"/>
           </p:cNvPicPr>
           <p:nvPr/>
         </p:nvPicPr>
         <p:blipFill rotWithShape="1">
-          <a:blip r:embed="rId6" cstate="print">
+          <a:blip r:embed="rId8" cstate="print">
             <a:extLst>
               <a:ext uri="{28A0092B-C50C-407E-A947-70E740481C1C}">
                 <a14:useLocalDpi xmlns:a14="http://schemas.microsoft.com/office/drawing/2010/main" val="0"/>
@@ -9303,8 +9714,8 @@
         </p:blipFill>
         <p:spPr>
           <a:xfrm rot="0">
-            <a:off x="9597390" y="1859280"/>
-            <a:ext cx="1482725" cy="2275205"/>
+            <a:off x="9625965" y="1866900"/>
+            <a:ext cx="1491615" cy="1732280"/>
           </a:xfrm>
           <a:prstGeom prst="roundRect"/>
           <a:solidFill>
@@ -9336,7 +9747,7 @@
 </file>
 
 <file path=ppt/slides/slide13.xml><?xml version="1.0" encoding="utf-8"?>
-<p:sld xmlns:a="http://schemas.openxmlformats.org/drawingml/2006/main" xmlns:r="http://schemas.openxmlformats.org/officeDocument/2006/relationships" xmlns:p="http://schemas.openxmlformats.org/presentationml/2006/main">
+<p:sld xmlns:a="http://schemas.openxmlformats.org/drawingml/2006/main" xmlns:r="http://schemas.openxmlformats.org/officeDocument/2006/relationships" xmlns:p="http://schemas.openxmlformats.org/presentationml/2006/main" xmlns:p14="http://schemas.microsoft.com/office/powerpoint/2010/main">
   <p:cSld>
     <p:spTree>
       <p:nvGrpSpPr>
@@ -9610,7 +10021,7 @@
         <p:spPr>
           <a:xfrm rot="0">
             <a:off x="6806565" y="4402455"/>
-            <a:ext cx="4281170" cy="1764665"/>
+            <a:ext cx="4281805" cy="1765300"/>
           </a:xfrm>
           <a:prstGeom prst="rect"/>
           <a:noFill/>
@@ -9633,17 +10044,7 @@
                 <a:latin typeface="맑은 고딕" charset="0"/>
                 <a:ea typeface="맑은 고딕" charset="0"/>
               </a:rPr>
-              <a:t>32</a:t>
-            </a:r>
-            <a:r>
-              <a:rPr lang="ko-KR" sz="2000" b="1">
-                <a:solidFill>
-                  <a:srgbClr val="0611F2"/>
-                </a:solidFill>
-                <a:latin typeface="맑은 고딕" charset="0"/>
-                <a:ea typeface="맑은 고딕" charset="0"/>
-              </a:rPr>
-              <a:t>.</a:t>
+              <a:t>32.</a:t>
             </a:r>
             <a:r>
               <a:rPr lang="ko-KR" sz="2000">
@@ -9667,7 +10068,7 @@
                 <a:latin typeface="맑은 고딕" charset="0"/>
                 <a:ea typeface="맑은 고딕" charset="0"/>
               </a:rPr>
-              <a:t>AnimationSpeed</a:t>
+              <a:t>DataSystem</a:t>
             </a:r>
             <a:r>
               <a:rPr sz="1800">
@@ -9733,7 +10134,7 @@
       </p:sp>
       <p:pic>
         <p:nvPicPr>
-          <p:cNvPr id="91" name="Picture " descr="C:/Users/Admin1/AppData/Roaming/PolarisOffice/ETemp/4372_15633472/fImage85062693281.png"/>
+          <p:cNvPr id="91" name="Picture "/>
           <p:cNvPicPr>
             <a:picLocks noChangeAspect="1"/>
           </p:cNvPicPr>
@@ -9753,8 +10154,8 @@
         </p:blipFill>
         <p:spPr>
           <a:xfrm rot="0">
-            <a:off x="1186180" y="1452880"/>
-            <a:ext cx="2567940" cy="2550160"/>
+            <a:off x="1186180" y="1444625"/>
+            <a:ext cx="2568575" cy="2559050"/>
           </a:xfrm>
           <a:prstGeom prst="roundRect"/>
           <a:solidFill>
@@ -9764,7 +10165,7 @@
       </p:pic>
       <p:pic>
         <p:nvPicPr>
-          <p:cNvPr id="97" name="그림 32" descr="C:/Users/Admin1/AppData/Roaming/PolarisOffice/ETemp/4372_15633472/fImage107932786827.png"/>
+          <p:cNvPr id="97" name="그림 32"/>
           <p:cNvPicPr>
             <a:picLocks noChangeAspect="1"/>
           </p:cNvPicPr>
@@ -9795,17 +10196,17 @@
       </p:pic>
       <p:pic>
         <p:nvPicPr>
-          <p:cNvPr id="98" name="그림 35" descr="C:/Users/Admin1/AppData/Roaming/PolarisOffice/ETemp/4372_15633472/fImage21192799961.png"/>
+          <p:cNvPr id="98" name="그림 35"/>
           <p:cNvPicPr>
             <a:picLocks noChangeAspect="1"/>
           </p:cNvPicPr>
           <p:nvPr/>
         </p:nvPicPr>
         <p:blipFill rotWithShape="1">
-          <a:blip r:embed="rId4" cstate="print">
+          <a:blip r:embed="rId4" cstate="hqprint">
             <a:extLst>
               <a:ext uri="{28A0092B-C50C-407E-A947-70E740481C1C}">
-                <a14:useLocalDpi xmlns:a14="http://schemas.microsoft.com/office/drawing/2010/main" val="0"/>
+                <a14:useLocalDpi xmlns:a14="http://schemas.microsoft.com/office/drawing/2010/main"/>
               </a:ext>
             </a:extLst>
           </a:blip>
@@ -9816,7 +10217,7 @@
         <p:spPr>
           <a:xfrm rot="0">
             <a:off x="4281170" y="3295015"/>
-            <a:ext cx="727075" cy="718820"/>
+            <a:ext cx="727710" cy="718820"/>
           </a:xfrm>
           <a:prstGeom prst="roundRect"/>
           <a:solidFill>
@@ -9835,13 +10236,12 @@
         </p:nvCxnSpPr>
         <p:spPr>
           <a:xfrm rot="0" flipV="1">
-            <a:off x="4644390" y="2905760"/>
-            <a:ext cx="635" cy="389890"/>
+            <a:off x="4644390" y="2906395"/>
+            <a:ext cx="635" cy="389255"/>
           </a:xfrm>
           <a:prstGeom prst="straightConnector1"/>
           <a:ln w="6350" cap="flat" cmpd="sng">
             <a:prstDash/>
-            <a:headEnd type="none" w="med" len="med"/>
             <a:tailEnd type="triangle" w="med" len="med"/>
           </a:ln>
         </p:spPr>
@@ -9862,17 +10262,17 @@
       </p:cxnSp>
       <p:pic>
         <p:nvPicPr>
-          <p:cNvPr id="100" name="그림 39" descr="C:/Users/Admin1/AppData/Roaming/PolarisOffice/ETemp/4372_15633472/fImage9327281491.png"/>
+          <p:cNvPr id="100" name="그림 39"/>
           <p:cNvPicPr>
             <a:picLocks noChangeAspect="1"/>
           </p:cNvPicPr>
           <p:nvPr/>
         </p:nvPicPr>
         <p:blipFill rotWithShape="1">
-          <a:blip r:embed="rId5" cstate="print">
+          <a:blip r:embed="rId5" cstate="hqprint">
             <a:extLst>
               <a:ext uri="{28A0092B-C50C-407E-A947-70E740481C1C}">
-                <a14:useLocalDpi xmlns:a14="http://schemas.microsoft.com/office/drawing/2010/main" val="0"/>
+                <a14:useLocalDpi xmlns:a14="http://schemas.microsoft.com/office/drawing/2010/main"/>
               </a:ext>
             </a:extLst>
           </a:blip>
@@ -9883,7 +10283,7 @@
         <p:spPr>
           <a:xfrm rot="0">
             <a:off x="6815455" y="1446530"/>
-            <a:ext cx="4272915" cy="2870200"/>
+            <a:ext cx="4273550" cy="2774950"/>
           </a:xfrm>
           <a:prstGeom prst="roundRect"/>
           <a:solidFill>
@@ -9915,7 +10315,7 @@
 </file>
 
 <file path=ppt/slides/slide14.xml><?xml version="1.0" encoding="utf-8"?>
-<p:sld xmlns:a="http://schemas.openxmlformats.org/drawingml/2006/main" xmlns:r="http://schemas.openxmlformats.org/officeDocument/2006/relationships" xmlns:p="http://schemas.openxmlformats.org/presentationml/2006/main">
+<p:sld xmlns:a="http://schemas.openxmlformats.org/drawingml/2006/main" xmlns:r="http://schemas.openxmlformats.org/officeDocument/2006/relationships" xmlns:p="http://schemas.openxmlformats.org/presentationml/2006/main" xmlns:p14="http://schemas.microsoft.com/office/powerpoint/2010/main">
   <p:cSld>
     <p:spTree>
       <p:nvGrpSpPr>
@@ -9999,8 +10399,8 @@
         </p:nvSpPr>
         <p:spPr>
           <a:xfrm rot="0">
-            <a:off x="6826250" y="4980305"/>
-            <a:ext cx="4253865" cy="1200785"/>
+            <a:off x="6817360" y="5257165"/>
+            <a:ext cx="4349115" cy="923925"/>
           </a:xfrm>
           <a:prstGeom prst="rect"/>
           <a:noFill/>
@@ -10027,7 +10427,17 @@
                 <a:latin typeface="맑은 고딕" charset="0"/>
                 <a:ea typeface="맑은 고딕" charset="0"/>
               </a:rPr>
-              <a:t>35</a:t>
+              <a:t>3</a:t>
+            </a:r>
+            <a:r>
+              <a:rPr lang="ko-KR" sz="1800" b="1">
+                <a:solidFill>
+                  <a:srgbClr val="0611F2"/>
+                </a:solidFill>
+                <a:latin typeface="맑은 고딕" charset="0"/>
+                <a:ea typeface="맑은 고딕" charset="0"/>
+              </a:rPr>
+              <a:t>6</a:t>
             </a:r>
             <a:r>
               <a:rPr sz="1800" b="1">
@@ -10051,7 +10461,21 @@
                 <a:latin typeface="맑은 고딕" charset="0"/>
                 <a:ea typeface="맑은 고딕" charset="0"/>
               </a:rPr>
-              <a:t>그런 다음 AnimationSpeed 스크립트에 Text 변수와 DataSystem 변수 그리고 Animator 변수를 배열로 선언합니다.</a:t>
+              <a:t>그</a:t>
+            </a:r>
+            <a:r>
+              <a:rPr lang="ko-KR" sz="1800">
+                <a:latin typeface="맑은 고딕" charset="0"/>
+                <a:ea typeface="맑은 고딕" charset="0"/>
+              </a:rPr>
+              <a:t>리고</a:t>
+            </a:r>
+            <a:r>
+              <a:rPr lang="ko-KR" sz="1800">
+                <a:latin typeface="맑은 고딕" charset="0"/>
+                <a:ea typeface="맑은 고딕" charset="0"/>
+              </a:rPr>
+              <a:t> AnimationSpeed 스크립트에 Text 변수와 DataSystem 변수 그리고 Animator 변수를 배열로 선언합니다.</a:t>
             </a:r>
             <a:endParaRPr lang="ko-KR" altLang="en-US" sz="1800">
               <a:latin typeface="맑은 고딕" charset="0"/>
@@ -10062,7 +10486,704 @@
       </p:sp>
       <p:pic>
         <p:nvPicPr>
-          <p:cNvPr id="101" name="그림 42" descr="C:/Users/Admin1/AppData/Roaming/PolarisOffice/ETemp/4372_15633472/fImage59952932995.png"/>
+          <p:cNvPr id="101" name="그림 42"/>
+          <p:cNvPicPr>
+            <a:picLocks noChangeAspect="1"/>
+          </p:cNvPicPr>
+          <p:nvPr/>
+        </p:nvPicPr>
+        <p:blipFill rotWithShape="1">
+          <a:blip r:embed="rId2" cstate="hqprint">
+            <a:extLst>
+              <a:ext uri="{28A0092B-C50C-407E-A947-70E740481C1C}">
+                <a14:useLocalDpi xmlns:a14="http://schemas.microsoft.com/office/drawing/2010/main"/>
+              </a:ext>
+            </a:extLst>
+          </a:blip>
+          <a:stretch>
+            <a:fillRect/>
+          </a:stretch>
+        </p:blipFill>
+        <p:spPr>
+          <a:xfrm rot="0">
+            <a:off x="6815455" y="3779520"/>
+            <a:ext cx="4351020" cy="1376045"/>
+          </a:xfrm>
+          <a:prstGeom prst="roundRect"/>
+          <a:solidFill>
+            <a:srgbClr val="EDEDED"/>
+          </a:solidFill>
+        </p:spPr>
+      </p:pic>
+      <p:sp>
+        <p:nvSpPr>
+          <p:cNvPr id="103" name="텍스트 상자 48"/>
+          <p:cNvSpPr txBox="1">
+            <a:spLocks/>
+          </p:cNvSpPr>
+          <p:nvPr/>
+        </p:nvSpPr>
+        <p:spPr>
+          <a:xfrm rot="0">
+            <a:off x="1105535" y="3106420"/>
+            <a:ext cx="4283075" cy="647065"/>
+          </a:xfrm>
+          <a:prstGeom prst="rect"/>
+          <a:noFill/>
+          <a:ln w="0">
+            <a:noFill/>
+            <a:prstDash/>
+          </a:ln>
+        </p:spPr>
+        <p:txBody>
+          <a:bodyPr wrap="square" lIns="89535" tIns="46355" rIns="89535" bIns="46355" numCol="1" vert="horz" anchor="t">
+            <a:spAutoFit/>
+          </a:bodyPr>
+          <a:lstStyle/>
+          <a:p>
+            <a:pPr marL="0" indent="0" rtl="0" algn="l" defTabSz="914400" eaLnBrk="1" latinLnBrk="0" hangingPunct="1">
+              <a:buFontTx/>
+              <a:buNone/>
+            </a:pPr>
+            <a:r>
+              <a:rPr lang="ko-KR" sz="1800" b="1">
+                <a:solidFill>
+                  <a:srgbClr val="0611F2"/>
+                </a:solidFill>
+                <a:latin typeface="맑은 고딕" charset="0"/>
+                <a:ea typeface="맑은 고딕" charset="0"/>
+              </a:rPr>
+              <a:t>33</a:t>
+            </a:r>
+            <a:r>
+              <a:rPr sz="1800" b="1">
+                <a:solidFill>
+                  <a:srgbClr val="0611F2"/>
+                </a:solidFill>
+                <a:latin typeface="맑은 고딕" charset="0"/>
+                <a:ea typeface="맑은 고딕" charset="0"/>
+              </a:rPr>
+              <a:t>.</a:t>
+            </a:r>
+            <a:r>
+              <a:rPr sz="1800">
+                <a:latin typeface="맑은 고딕" charset="0"/>
+                <a:ea typeface="맑은 고딕" charset="0"/>
+              </a:rPr>
+              <a:t> 이</a:t>
+            </a:r>
+            <a:r>
+              <a:rPr lang="ko-KR" sz="1800">
+                <a:latin typeface="맑은 고딕" charset="0"/>
+                <a:ea typeface="맑은 고딕" charset="0"/>
+              </a:rPr>
+              <a:t>제 Ch19_nonPBR 오브젝트의 위치 값을 설정합니다.</a:t>
+            </a:r>
+            <a:endParaRPr lang="ko-KR" altLang="en-US" sz="1800">
+              <a:latin typeface="맑은 고딕" charset="0"/>
+              <a:ea typeface="맑은 고딕" charset="0"/>
+            </a:endParaRPr>
+          </a:p>
+        </p:txBody>
+      </p:sp>
+      <p:pic>
+        <p:nvPicPr>
+          <p:cNvPr id="104" name="그림 49"/>
+          <p:cNvPicPr>
+            <a:picLocks noChangeAspect="1"/>
+          </p:cNvPicPr>
+          <p:nvPr/>
+        </p:nvPicPr>
+        <p:blipFill rotWithShape="1">
+          <a:blip r:embed="rId4" cstate="hqprint">
+            <a:extLst>
+              <a:ext uri="{28A0092B-C50C-407E-A947-70E740481C1C}">
+                <a14:useLocalDpi xmlns:a14="http://schemas.microsoft.com/office/drawing/2010/main"/>
+              </a:ext>
+            </a:extLst>
+          </a:blip>
+          <a:stretch>
+            <a:fillRect/>
+          </a:stretch>
+        </p:blipFill>
+        <p:spPr>
+          <a:xfrm rot="0">
+            <a:off x="1106805" y="1400810"/>
+            <a:ext cx="4273550" cy="1617980"/>
+          </a:xfrm>
+          <a:prstGeom prst="roundRect"/>
+          <a:solidFill>
+            <a:srgbClr val="EDEDED"/>
+          </a:solidFill>
+        </p:spPr>
+      </p:pic>
+      <p:pic>
+        <p:nvPicPr>
+          <p:cNvPr id="105" name="그림 52"/>
+          <p:cNvPicPr>
+            <a:picLocks noChangeAspect="1"/>
+          </p:cNvPicPr>
+          <p:nvPr/>
+        </p:nvPicPr>
+        <p:blipFill rotWithShape="1">
+          <a:blip r:embed="rId5" cstate="hqprint">
+            <a:extLst>
+              <a:ext uri="{28A0092B-C50C-407E-A947-70E740481C1C}">
+                <a14:useLocalDpi xmlns:a14="http://schemas.microsoft.com/office/drawing/2010/main"/>
+              </a:ext>
+            </a:extLst>
+          </a:blip>
+          <a:stretch>
+            <a:fillRect/>
+          </a:stretch>
+        </p:blipFill>
+        <p:spPr>
+          <a:xfrm rot="0">
+            <a:off x="1111250" y="3917950"/>
+            <a:ext cx="4261485" cy="1489075"/>
+          </a:xfrm>
+          <a:prstGeom prst="roundRect"/>
+          <a:solidFill>
+            <a:srgbClr val="EDEDED"/>
+          </a:solidFill>
+        </p:spPr>
+      </p:pic>
+      <p:sp>
+        <p:nvSpPr>
+          <p:cNvPr id="106" name="텍스트 상자 55"/>
+          <p:cNvSpPr txBox="1">
+            <a:spLocks/>
+          </p:cNvSpPr>
+          <p:nvPr/>
+        </p:nvSpPr>
+        <p:spPr>
+          <a:xfrm rot="0">
+            <a:off x="1108075" y="5539105"/>
+            <a:ext cx="4277995" cy="647700"/>
+          </a:xfrm>
+          <a:prstGeom prst="rect"/>
+          <a:noFill/>
+          <a:ln w="0">
+            <a:noFill/>
+            <a:prstDash/>
+          </a:ln>
+        </p:spPr>
+        <p:txBody>
+          <a:bodyPr wrap="square" lIns="89535" tIns="46355" rIns="89535" bIns="46355" numCol="1" vert="horz" anchor="t">
+            <a:spAutoFit/>
+          </a:bodyPr>
+          <a:lstStyle/>
+          <a:p>
+            <a:pPr marL="0" indent="0" rtl="0" algn="l" defTabSz="914400" eaLnBrk="1" latinLnBrk="0" hangingPunct="1">
+              <a:buFontTx/>
+              <a:buNone/>
+            </a:pPr>
+            <a:r>
+              <a:rPr lang="ko-KR" sz="1800" b="1">
+                <a:solidFill>
+                  <a:srgbClr val="0611F2"/>
+                </a:solidFill>
+                <a:latin typeface="맑은 고딕" charset="0"/>
+                <a:ea typeface="맑은 고딕" charset="0"/>
+              </a:rPr>
+              <a:t>34</a:t>
+            </a:r>
+            <a:r>
+              <a:rPr sz="1800" b="1">
+                <a:solidFill>
+                  <a:srgbClr val="0611F2"/>
+                </a:solidFill>
+                <a:latin typeface="맑은 고딕" charset="0"/>
+                <a:ea typeface="맑은 고딕" charset="0"/>
+              </a:rPr>
+              <a:t>.</a:t>
+            </a:r>
+            <a:r>
+              <a:rPr sz="1800">
+                <a:latin typeface="맑은 고딕" charset="0"/>
+                <a:ea typeface="맑은 고딕" charset="0"/>
+              </a:rPr>
+              <a:t> </a:t>
+            </a:r>
+            <a:r>
+              <a:rPr lang="ko-KR" sz="1800">
+                <a:latin typeface="맑은 고딕" charset="0"/>
+                <a:ea typeface="맑은 고딕" charset="0"/>
+              </a:rPr>
+              <a:t>그다음 Animation Speed Button의 위치와 크기 그리고 앵커를 설정합니다.</a:t>
+            </a:r>
+            <a:endParaRPr lang="ko-KR" altLang="en-US" sz="1800">
+              <a:latin typeface="맑은 고딕" charset="0"/>
+              <a:ea typeface="맑은 고딕" charset="0"/>
+            </a:endParaRPr>
+          </a:p>
+        </p:txBody>
+      </p:sp>
+      <p:pic>
+        <p:nvPicPr>
+          <p:cNvPr id="107" name="그림 3"/>
+          <p:cNvPicPr>
+            <a:picLocks noChangeAspect="1"/>
+          </p:cNvPicPr>
+          <p:nvPr/>
+        </p:nvPicPr>
+        <p:blipFill rotWithShape="1">
+          <a:blip r:embed="rId7" cstate="print">
+            <a:extLst>
+              <a:ext uri="{28A0092B-C50C-407E-A947-70E740481C1C}">
+                <a14:useLocalDpi xmlns:a14="http://schemas.microsoft.com/office/drawing/2010/main" val="0"/>
+              </a:ext>
+            </a:extLst>
+          </a:blip>
+          <a:stretch>
+            <a:fillRect/>
+          </a:stretch>
+        </p:blipFill>
+        <p:spPr>
+          <a:xfrm rot="0">
+            <a:off x="6815455" y="1401445"/>
+            <a:ext cx="4351020" cy="1504950"/>
+          </a:xfrm>
+          <a:prstGeom prst="roundRect"/>
+          <a:solidFill>
+            <a:srgbClr val="EDEDED"/>
+          </a:solidFill>
+        </p:spPr>
+      </p:pic>
+      <p:sp>
+        <p:nvSpPr>
+          <p:cNvPr id="108" name="텍스트 상자 6"/>
+          <p:cNvSpPr txBox="1">
+            <a:spLocks/>
+          </p:cNvSpPr>
+          <p:nvPr/>
+        </p:nvSpPr>
+        <p:spPr>
+          <a:xfrm rot="0">
+            <a:off x="6824980" y="3004185"/>
+            <a:ext cx="4341495" cy="647065"/>
+          </a:xfrm>
+          <a:prstGeom prst="rect"/>
+          <a:noFill/>
+          <a:ln w="0">
+            <a:noFill/>
+            <a:prstDash/>
+          </a:ln>
+        </p:spPr>
+        <p:txBody>
+          <a:bodyPr wrap="square" lIns="89535" tIns="46355" rIns="89535" bIns="46355" numCol="1" vert="horz" anchor="t">
+            <a:spAutoFit/>
+          </a:bodyPr>
+          <a:lstStyle/>
+          <a:p>
+            <a:pPr marL="0" indent="0" rtl="0" algn="l" defTabSz="914400" eaLnBrk="1" latinLnBrk="0" hangingPunct="1">
+              <a:buFontTx/>
+              <a:buNone/>
+            </a:pPr>
+            <a:r>
+              <a:rPr lang="ko-KR" sz="1800" b="1">
+                <a:solidFill>
+                  <a:srgbClr val="0611F2"/>
+                </a:solidFill>
+                <a:latin typeface="맑은 고딕" charset="0"/>
+                <a:ea typeface="맑은 고딕" charset="0"/>
+              </a:rPr>
+              <a:t>3</a:t>
+            </a:r>
+            <a:r>
+              <a:rPr lang="ko-KR" sz="1800" b="1">
+                <a:solidFill>
+                  <a:srgbClr val="0611F2"/>
+                </a:solidFill>
+                <a:latin typeface="맑은 고딕" charset="0"/>
+                <a:ea typeface="맑은 고딕" charset="0"/>
+              </a:rPr>
+              <a:t>5</a:t>
+            </a:r>
+            <a:r>
+              <a:rPr sz="1800" b="1">
+                <a:solidFill>
+                  <a:srgbClr val="0611F2"/>
+                </a:solidFill>
+                <a:latin typeface="맑은 고딕" charset="0"/>
+                <a:ea typeface="맑은 고딕" charset="0"/>
+              </a:rPr>
+              <a:t>.</a:t>
+            </a:r>
+            <a:r>
+              <a:rPr sz="1800">
+                <a:latin typeface="맑은 고딕" charset="0"/>
+                <a:ea typeface="맑은 고딕" charset="0"/>
+              </a:rPr>
+              <a:t> </a:t>
+            </a:r>
+            <a:r>
+              <a:rPr lang="ko-KR" sz="1800">
+                <a:latin typeface="맑은 고딕" charset="0"/>
+                <a:ea typeface="맑은 고딕" charset="0"/>
+              </a:rPr>
+              <a:t>그런 다음</a:t>
+            </a:r>
+            <a:r>
+              <a:rPr lang="ko-KR" sz="1800">
+                <a:latin typeface="맑은 고딕" charset="0"/>
+                <a:ea typeface="맑은 고딕" charset="0"/>
+              </a:rPr>
+              <a:t> Data Manager </a:t>
+            </a:r>
+            <a:r>
+              <a:rPr lang="ko-KR" sz="1800">
+                <a:latin typeface="맑은 고딕" charset="0"/>
+                <a:ea typeface="맑은 고딕" charset="0"/>
+              </a:rPr>
+              <a:t>오브젝트의 </a:t>
+            </a:r>
+            <a:r>
+              <a:rPr lang="ko-KR" sz="1800">
+                <a:latin typeface="맑은 고딕" charset="0"/>
+                <a:ea typeface="맑은 고딕" charset="0"/>
+              </a:rPr>
+              <a:t>Transform을 초기화합니다.</a:t>
+            </a:r>
+            <a:r>
+              <a:rPr lang="ko-KR" sz="1800">
+                <a:latin typeface="맑은 고딕" charset="0"/>
+                <a:ea typeface="맑은 고딕" charset="0"/>
+              </a:rPr>
+              <a:t> </a:t>
+            </a:r>
+            <a:endParaRPr lang="ko-KR" altLang="en-US" sz="1800">
+              <a:latin typeface="맑은 고딕" charset="0"/>
+              <a:ea typeface="맑은 고딕" charset="0"/>
+            </a:endParaRPr>
+          </a:p>
+        </p:txBody>
+      </p:sp>
+    </p:spTree>
+  </p:cSld>
+  <p:clrMapOvr>
+    <a:masterClrMapping/>
+  </p:clrMapOvr>
+  <mc:AlternateContent xmlns:mc="http://schemas.openxmlformats.org/markup-compatibility/2006">
+    <mc:Choice xmlns:p14="http://schemas.microsoft.com/office/powerpoint/2010/main" Requires="p14">
+      <p:transition spd="slow" p14:dur="2000"/>
+    </mc:Choice>
+    <mc:Fallback>
+      <p:transition spd="slow"/>
+    </mc:Fallback>
+  </mc:AlternateContent>
+  <p:timing>
+    <p:tnLst>
+      <p:par>
+        <p:cTn id="1" dur="indefinite" restart="never" nodeType="tmRoot"/>
+      </p:par>
+    </p:tnLst>
+  </p:timing>
+</p:sld>
+</file>
+
+<file path=ppt/slides/slide15.xml><?xml version="1.0" encoding="utf-8"?>
+<p:sld xmlns:a="http://schemas.openxmlformats.org/drawingml/2006/main" xmlns:r="http://schemas.openxmlformats.org/officeDocument/2006/relationships" xmlns:p="http://schemas.openxmlformats.org/presentationml/2006/main" xmlns:p14="http://schemas.microsoft.com/office/powerpoint/2010/main">
+  <p:cSld>
+    <p:spTree>
+      <p:nvGrpSpPr>
+        <p:cNvPr id="1" name=""/>
+        <p:cNvGrpSpPr/>
+        <p:nvPr/>
+      </p:nvGrpSpPr>
+      <p:grpSpPr>
+        <a:xfrm>
+          <a:off x="0" y="0"/>
+          <a:ext cx="0" cy="0"/>
+          <a:chOff x="0" y="0"/>
+          <a:chExt cx="0" cy="0"/>
+        </a:xfrm>
+      </p:grpSpPr>
+      <p:sp>
+        <p:nvSpPr>
+          <p:cNvPr id="22" name="Rect 0"/>
+          <p:cNvSpPr txBox="1">
+            <a:spLocks/>
+          </p:cNvSpPr>
+          <p:nvPr/>
+        </p:nvSpPr>
+        <p:spPr>
+          <a:xfrm rot="0">
+            <a:off x="4107815" y="444500"/>
+            <a:ext cx="3988435" cy="554990"/>
+          </a:xfrm>
+          <a:prstGeom prst="rect"/>
+          <a:noFill/>
+          <a:ln w="0">
+            <a:noFill/>
+            <a:prstDash/>
+          </a:ln>
+        </p:spPr>
+        <p:txBody>
+          <a:bodyPr wrap="square" lIns="89535" tIns="46355" rIns="89535" bIns="46355" numCol="1" vert="horz" anchor="t">
+            <a:spAutoFit/>
+          </a:bodyPr>
+          <a:lstStyle/>
+          <a:p>
+            <a:pPr marL="0" indent="0" algn="l" latinLnBrk="0" hangingPunct="1">
+              <a:buFontTx/>
+              <a:buNone/>
+            </a:pPr>
+            <a:r>
+              <a:rPr lang="ko-KR" sz="3000" b="1">
+                <a:latin typeface="맑은 고딕" charset="0"/>
+                <a:ea typeface="맑은 고딕" charset="0"/>
+              </a:rPr>
+              <a:t>열</a:t>
+            </a:r>
+            <a:r>
+              <a:rPr lang="ko-KR" sz="3000" b="1">
+                <a:latin typeface="맑은 고딕" charset="0"/>
+                <a:ea typeface="맑은 고딕" charset="0"/>
+              </a:rPr>
+              <a:t>다섯</a:t>
+            </a:r>
+            <a:r>
+              <a:rPr lang="ko-KR" sz="3000" b="1">
+                <a:latin typeface="맑은 고딕" charset="0"/>
+                <a:ea typeface="맑은 고딕" charset="0"/>
+              </a:rPr>
+              <a:t> 번째 튜토리얼 </a:t>
+            </a:r>
+            <a:endParaRPr lang="ko-KR" altLang="en-US" sz="3000" b="1">
+              <a:latin typeface="맑은 고딕" charset="0"/>
+              <a:ea typeface="맑은 고딕" charset="0"/>
+            </a:endParaRPr>
+          </a:p>
+        </p:txBody>
+      </p:sp>
+      <p:sp>
+        <p:nvSpPr>
+          <p:cNvPr id="54" name="Rect 0"/>
+          <p:cNvSpPr txBox="1">
+            <a:spLocks/>
+          </p:cNvSpPr>
+          <p:nvPr/>
+        </p:nvSpPr>
+        <p:spPr>
+          <a:xfrm rot="0">
+            <a:off x="6817360" y="5335270"/>
+            <a:ext cx="4349115" cy="923925"/>
+          </a:xfrm>
+          <a:prstGeom prst="rect"/>
+          <a:noFill/>
+          <a:ln w="0">
+            <a:noFill/>
+            <a:prstDash/>
+          </a:ln>
+        </p:spPr>
+        <p:txBody>
+          <a:bodyPr wrap="square" lIns="89535" tIns="46355" rIns="89535" bIns="46355" numCol="1" vert="horz" anchor="t">
+            <a:spAutoFit/>
+          </a:bodyPr>
+          <a:lstStyle/>
+          <a:p>
+            <a:pPr marL="0" indent="0" rtl="0" algn="l" defTabSz="914400" eaLnBrk="1" latinLnBrk="0" hangingPunct="1">
+              <a:buFontTx/>
+              <a:buNone/>
+            </a:pPr>
+            <a:r>
+              <a:rPr lang="ko-KR" sz="1800" b="1">
+                <a:solidFill>
+                  <a:srgbClr val="0611F2"/>
+                </a:solidFill>
+                <a:latin typeface="맑은 고딕" charset="0"/>
+                <a:ea typeface="맑은 고딕" charset="0"/>
+              </a:rPr>
+              <a:t>3</a:t>
+            </a:r>
+            <a:r>
+              <a:rPr lang="ko-KR" sz="1800" b="1">
+                <a:solidFill>
+                  <a:srgbClr val="0611F2"/>
+                </a:solidFill>
+                <a:latin typeface="맑은 고딕" charset="0"/>
+                <a:ea typeface="맑은 고딕" charset="0"/>
+              </a:rPr>
+              <a:t>8</a:t>
+            </a:r>
+            <a:r>
+              <a:rPr sz="1800" b="1">
+                <a:solidFill>
+                  <a:srgbClr val="0611F2"/>
+                </a:solidFill>
+                <a:latin typeface="맑은 고딕" charset="0"/>
+                <a:ea typeface="맑은 고딕" charset="0"/>
+              </a:rPr>
+              <a:t>.</a:t>
+            </a:r>
+            <a:r>
+              <a:rPr sz="1800">
+                <a:latin typeface="맑은 고딕" charset="0"/>
+                <a:ea typeface="맑은 고딕" charset="0"/>
+              </a:rPr>
+              <a:t> </a:t>
+            </a:r>
+            <a:r>
+              <a:rPr lang="ko-KR" sz="1800">
+                <a:latin typeface="맑은 고딕" charset="0"/>
+                <a:ea typeface="맑은 고딕" charset="0"/>
+              </a:rPr>
+              <a:t>그</a:t>
+            </a:r>
+            <a:r>
+              <a:rPr lang="ko-KR" sz="1800">
+                <a:latin typeface="맑은 고딕" charset="0"/>
+                <a:ea typeface="맑은 고딕" charset="0"/>
+              </a:rPr>
+              <a:t>리고</a:t>
+            </a:r>
+            <a:r>
+              <a:rPr lang="ko-KR" sz="1800">
+                <a:latin typeface="맑은 고딕" charset="0"/>
+                <a:ea typeface="맑은 고딕" charset="0"/>
+              </a:rPr>
+              <a:t> Animation</a:t>
+            </a:r>
+            <a:r>
+              <a:rPr lang="ko-KR" sz="1800">
+                <a:latin typeface="맑은 고딕" charset="0"/>
+                <a:ea typeface="맑은 고딕" charset="0"/>
+              </a:rPr>
+              <a:t> </a:t>
+            </a:r>
+            <a:r>
+              <a:rPr lang="ko-KR" sz="1800">
+                <a:latin typeface="맑은 고딕" charset="0"/>
+                <a:ea typeface="맑은 고딕" charset="0"/>
+              </a:rPr>
+              <a:t>Speed</a:t>
+            </a:r>
+            <a:r>
+              <a:rPr lang="ko-KR" sz="1800">
+                <a:latin typeface="맑은 고딕" charset="0"/>
+                <a:ea typeface="맑은 고딕" charset="0"/>
+              </a:rPr>
+              <a:t> Button의 이미지에 Texture 폴더에 있는 Switch Button 텍스처를 넣어줍니다.</a:t>
+            </a:r>
+            <a:endParaRPr lang="ko-KR" altLang="en-US" sz="1800">
+              <a:latin typeface="맑은 고딕" charset="0"/>
+              <a:ea typeface="맑은 고딕" charset="0"/>
+            </a:endParaRPr>
+          </a:p>
+        </p:txBody>
+      </p:sp>
+      <p:sp>
+        <p:nvSpPr>
+          <p:cNvPr id="106" name="Rect 0"/>
+          <p:cNvSpPr txBox="1">
+            <a:spLocks/>
+          </p:cNvSpPr>
+          <p:nvPr/>
+        </p:nvSpPr>
+        <p:spPr>
+          <a:xfrm rot="0">
+            <a:off x="1116965" y="3956685"/>
+            <a:ext cx="4277995" cy="2308225"/>
+          </a:xfrm>
+          <a:prstGeom prst="rect"/>
+          <a:noFill/>
+          <a:ln w="0">
+            <a:noFill/>
+            <a:prstDash/>
+          </a:ln>
+        </p:spPr>
+        <p:txBody>
+          <a:bodyPr wrap="square" lIns="89535" tIns="46355" rIns="89535" bIns="46355" numCol="1" vert="horz" anchor="t">
+            <a:spAutoFit/>
+          </a:bodyPr>
+          <a:lstStyle/>
+          <a:p>
+            <a:pPr marL="0" indent="0" rtl="0" algn="l" defTabSz="914400" eaLnBrk="1" latinLnBrk="0" hangingPunct="1">
+              <a:buFontTx/>
+              <a:buNone/>
+            </a:pPr>
+            <a:r>
+              <a:rPr lang="ko-KR" sz="1800" b="1">
+                <a:solidFill>
+                  <a:srgbClr val="0611F2"/>
+                </a:solidFill>
+                <a:latin typeface="맑은 고딕" charset="0"/>
+                <a:ea typeface="맑은 고딕" charset="0"/>
+              </a:rPr>
+              <a:t>3</a:t>
+            </a:r>
+            <a:r>
+              <a:rPr lang="ko-KR" sz="1800" b="1">
+                <a:solidFill>
+                  <a:srgbClr val="0611F2"/>
+                </a:solidFill>
+                <a:latin typeface="맑은 고딕" charset="0"/>
+                <a:ea typeface="맑은 고딕" charset="0"/>
+              </a:rPr>
+              <a:t>7</a:t>
+            </a:r>
+            <a:r>
+              <a:rPr sz="1800" b="1">
+                <a:solidFill>
+                  <a:srgbClr val="0611F2"/>
+                </a:solidFill>
+                <a:latin typeface="맑은 고딕" charset="0"/>
+                <a:ea typeface="맑은 고딕" charset="0"/>
+              </a:rPr>
+              <a:t>.</a:t>
+            </a:r>
+            <a:r>
+              <a:rPr sz="1800">
+                <a:latin typeface="맑은 고딕" charset="0"/>
+                <a:ea typeface="맑은 고딕" charset="0"/>
+              </a:rPr>
+              <a:t> </a:t>
+            </a:r>
+            <a:r>
+              <a:rPr lang="ko-KR" sz="1800">
+                <a:latin typeface="맑은 고딕" charset="0"/>
+                <a:ea typeface="맑은 고딕" charset="0"/>
+              </a:rPr>
+              <a:t>마지막으로 함수를 호출할 때마다 data 클래스에 있는 speed 변수의 값을 증가시키고 10보다 크거나 같아졌을 때 다시 1로 초기화합니다.</a:t>
+            </a:r>
+            <a:endParaRPr lang="ko-KR" altLang="en-US" sz="1800">
+              <a:latin typeface="맑은 고딕" charset="0"/>
+              <a:ea typeface="맑은 고딕" charset="0"/>
+            </a:endParaRPr>
+          </a:p>
+          <a:p>
+            <a:pPr marL="0" indent="0" rtl="0" algn="l" defTabSz="914400" eaLnBrk="1" latinLnBrk="0" hangingPunct="1">
+              <a:buFontTx/>
+              <a:buNone/>
+            </a:pPr>
+            <a:endParaRPr lang="ko-KR" altLang="en-US" sz="1800">
+              <a:latin typeface="맑은 고딕" charset="0"/>
+              <a:ea typeface="맑은 고딕" charset="0"/>
+            </a:endParaRPr>
+          </a:p>
+          <a:p>
+            <a:pPr marL="0" indent="0" rtl="0" algn="l" defTabSz="914400" eaLnBrk="1" latinLnBrk="0" hangingPunct="1">
+              <a:buFontTx/>
+              <a:buNone/>
+            </a:pPr>
+            <a:r>
+              <a:rPr lang="ko-KR" sz="1800">
+                <a:latin typeface="맑은 고딕" charset="0"/>
+                <a:ea typeface="맑은 고딕" charset="0"/>
+              </a:rPr>
+              <a:t>그런 다음 data 클래스의 speed를 10으로 나누어 애니메이션의 속도로 설정합니다.</a:t>
+            </a:r>
+            <a:endParaRPr lang="ko-KR" altLang="en-US" sz="1800">
+              <a:latin typeface="맑은 고딕" charset="0"/>
+              <a:ea typeface="맑은 고딕" charset="0"/>
+            </a:endParaRPr>
+          </a:p>
+        </p:txBody>
+      </p:sp>
+      <p:pic>
+        <p:nvPicPr>
+          <p:cNvPr id="109" name="그림 7"/>
           <p:cNvPicPr>
             <a:picLocks noChangeAspect="1"/>
           </p:cNvPicPr>
@@ -10082,18 +11203,16 @@
         </p:blipFill>
         <p:spPr>
           <a:xfrm rot="0">
-            <a:off x="6823710" y="3519805"/>
-            <a:ext cx="4247515" cy="1384935"/>
-          </a:xfrm>
-          <a:prstGeom prst="roundRect"/>
-          <a:solidFill>
-            <a:srgbClr val="EDEDED"/>
-          </a:solidFill>
+            <a:off x="1115060" y="1400810"/>
+            <a:ext cx="4273550" cy="2414270"/>
+          </a:xfrm>
+          <a:prstGeom prst="rect"/>
+          <a:noFill/>
         </p:spPr>
       </p:pic>
       <p:pic>
         <p:nvPicPr>
-          <p:cNvPr id="102" name="그림 45" descr="C:/Users/Admin1/AppData/Roaming/PolarisOffice/ETemp/4372_15633472/fImage159682941942.png"/>
+          <p:cNvPr id="110" name="그림 9"/>
           <p:cNvPicPr>
             <a:picLocks noChangeAspect="1"/>
           </p:cNvPicPr>
@@ -10113,8 +11232,8 @@
         </p:blipFill>
         <p:spPr>
           <a:xfrm rot="0">
-            <a:off x="1106805" y="1392555"/>
-            <a:ext cx="4264660" cy="1825625"/>
+            <a:off x="6831965" y="4264025"/>
+            <a:ext cx="4338320" cy="1029970"/>
           </a:xfrm>
           <a:prstGeom prst="roundRect"/>
           <a:solidFill>
@@ -10122,87 +11241,9 @@
           </a:solidFill>
         </p:spPr>
       </p:pic>
-      <p:sp>
-        <p:nvSpPr>
-          <p:cNvPr id="103" name="텍스트 상자 48"/>
-          <p:cNvSpPr txBox="1">
-            <a:spLocks/>
-          </p:cNvSpPr>
-          <p:nvPr/>
-        </p:nvSpPr>
-        <p:spPr>
-          <a:xfrm rot="0">
-            <a:off x="1105535" y="5259705"/>
-            <a:ext cx="4277360" cy="923925"/>
-          </a:xfrm>
-          <a:prstGeom prst="rect"/>
-          <a:noFill/>
-          <a:ln w="0">
-            <a:noFill/>
-            <a:prstDash/>
-          </a:ln>
-        </p:spPr>
-        <p:txBody>
-          <a:bodyPr wrap="square" lIns="89535" tIns="46355" rIns="89535" bIns="46355" numCol="1" vert="horz" anchor="t">
-            <a:spAutoFit/>
-          </a:bodyPr>
-          <a:lstStyle/>
-          <a:p>
-            <a:pPr marL="0" indent="0" rtl="0" algn="l" defTabSz="914400" eaLnBrk="1" latinLnBrk="0" hangingPunct="1">
-              <a:buFontTx/>
-              <a:buNone/>
-            </a:pPr>
-            <a:r>
-              <a:rPr lang="ko-KR" sz="1800" b="1">
-                <a:solidFill>
-                  <a:srgbClr val="0611F2"/>
-                </a:solidFill>
-                <a:latin typeface="맑은 고딕" charset="0"/>
-                <a:ea typeface="맑은 고딕" charset="0"/>
-              </a:rPr>
-              <a:t>33</a:t>
-            </a:r>
-            <a:r>
-              <a:rPr sz="1800" b="1">
-                <a:solidFill>
-                  <a:srgbClr val="0611F2"/>
-                </a:solidFill>
-                <a:latin typeface="맑은 고딕" charset="0"/>
-                <a:ea typeface="맑은 고딕" charset="0"/>
-              </a:rPr>
-              <a:t>.</a:t>
-            </a:r>
-            <a:r>
-              <a:rPr sz="1800">
-                <a:latin typeface="맑은 고딕" charset="0"/>
-                <a:ea typeface="맑은 고딕" charset="0"/>
-              </a:rPr>
-              <a:t> </a:t>
-            </a:r>
-            <a:r>
-              <a:rPr sz="1800">
-                <a:latin typeface="맑은 고딕" charset="0"/>
-                <a:ea typeface="맑은 고딕" charset="0"/>
-              </a:rPr>
-              <a:t>이</a:t>
-            </a:r>
-            <a:r>
-              <a:rPr lang="ko-KR" sz="1800">
-                <a:latin typeface="맑은 고딕" charset="0"/>
-                <a:ea typeface="맑은 고딕" charset="0"/>
-              </a:rPr>
-              <a:t>제 Ch14_nonPBR 오브젝트와 Ch19_nonPBR 오브젝트의 위치 값을 설정합니다.</a:t>
-            </a:r>
-            <a:endParaRPr lang="ko-KR" altLang="en-US" sz="1800">
-              <a:latin typeface="맑은 고딕" charset="0"/>
-              <a:ea typeface="맑은 고딕" charset="0"/>
-            </a:endParaRPr>
-          </a:p>
-        </p:txBody>
-      </p:sp>
       <p:pic>
         <p:nvPicPr>
-          <p:cNvPr id="104" name="그림 49" descr="C:/Users/Admin1/AppData/Roaming/PolarisOffice/ETemp/4372_15633472/fImage162492964827.png"/>
+          <p:cNvPr id="111" name="그림 12"/>
           <p:cNvPicPr>
             <a:picLocks noChangeAspect="1"/>
           </p:cNvPicPr>
@@ -10222,8 +11263,8 @@
         </p:blipFill>
         <p:spPr>
           <a:xfrm rot="0">
-            <a:off x="1104900" y="3373120"/>
-            <a:ext cx="4257675" cy="1756410"/>
+            <a:off x="6823710" y="1374775"/>
+            <a:ext cx="4342765" cy="2699385"/>
           </a:xfrm>
           <a:prstGeom prst="roundRect"/>
           <a:solidFill>
@@ -10231,9 +11272,1155 @@
           </a:solidFill>
         </p:spPr>
       </p:pic>
+      <p:cxnSp>
+        <p:nvCxnSpPr>
+          <p:cNvPr id="112" name="도형 15"/>
+          <p:cNvCxnSpPr/>
+          <p:nvPr/>
+        </p:nvCxnSpPr>
+        <p:spPr>
+          <a:xfrm rot="0" flipV="1">
+            <a:off x="10854055" y="1807845"/>
+            <a:ext cx="208280" cy="2681605"/>
+          </a:xfrm>
+          <a:prstGeom prst="straightConnector1"/>
+          <a:ln w="6350" cap="flat" cmpd="sng">
+            <a:prstDash/>
+            <a:headEnd type="none" w="med" len="med"/>
+            <a:tailEnd type="triangle" w="med" len="med"/>
+          </a:ln>
+        </p:spPr>
+        <p:style>
+          <a:lnRef idx="1">
+            <a:schemeClr val="accent1"/>
+          </a:lnRef>
+          <a:fillRef idx="0">
+            <a:schemeClr val="accent1"/>
+          </a:fillRef>
+          <a:effectRef idx="0">
+            <a:schemeClr val="accent1"/>
+          </a:effectRef>
+          <a:fontRef idx="minor">
+            <a:schemeClr val="tx1"/>
+          </a:fontRef>
+        </p:style>
+      </p:cxnSp>
+    </p:spTree>
+  </p:cSld>
+  <p:clrMapOvr>
+    <a:masterClrMapping/>
+  </p:clrMapOvr>
+  <mc:AlternateContent xmlns:mc="http://schemas.openxmlformats.org/markup-compatibility/2006">
+    <mc:Choice xmlns:p14="http://schemas.microsoft.com/office/powerpoint/2010/main" Requires="p14">
+      <p:transition spd="slow" p14:dur="2000"/>
+    </mc:Choice>
+    <mc:Fallback>
+      <p:transition spd="slow"/>
+    </mc:Fallback>
+  </mc:AlternateContent>
+  <p:timing>
+    <p:tnLst>
+      <p:par>
+        <p:cTn id="1" dur="indefinite" restart="never" nodeType="tmRoot"/>
+      </p:par>
+    </p:tnLst>
+  </p:timing>
+</p:sld>
+</file>
+
+<file path=ppt/slides/slide16.xml><?xml version="1.0" encoding="utf-8"?>
+<p:sld xmlns:a="http://schemas.openxmlformats.org/drawingml/2006/main" xmlns:r="http://schemas.openxmlformats.org/officeDocument/2006/relationships" xmlns:p="http://schemas.openxmlformats.org/presentationml/2006/main" xmlns:p14="http://schemas.microsoft.com/office/powerpoint/2010/main">
+  <p:cSld>
+    <p:spTree>
+      <p:nvGrpSpPr>
+        <p:cNvPr id="1" name=""/>
+        <p:cNvGrpSpPr/>
+        <p:nvPr/>
+      </p:nvGrpSpPr>
+      <p:grpSpPr>
+        <a:xfrm>
+          <a:off x="0" y="0"/>
+          <a:ext cx="0" cy="0"/>
+          <a:chOff x="0" y="0"/>
+          <a:chExt cx="0" cy="0"/>
+        </a:xfrm>
+      </p:grpSpPr>
+      <p:sp>
+        <p:nvSpPr>
+          <p:cNvPr id="22" name="Rect 0"/>
+          <p:cNvSpPr txBox="1">
+            <a:spLocks/>
+          </p:cNvSpPr>
+          <p:nvPr/>
+        </p:nvSpPr>
+        <p:spPr>
+          <a:xfrm rot="0">
+            <a:off x="4107815" y="444500"/>
+            <a:ext cx="3988435" cy="554990"/>
+          </a:xfrm>
+          <a:prstGeom prst="rect"/>
+          <a:noFill/>
+          <a:ln w="0">
+            <a:noFill/>
+            <a:prstDash/>
+          </a:ln>
+        </p:spPr>
+        <p:txBody>
+          <a:bodyPr wrap="square" lIns="89535" tIns="46355" rIns="89535" bIns="46355" numCol="1" vert="horz" anchor="t">
+            <a:spAutoFit/>
+          </a:bodyPr>
+          <a:lstStyle/>
+          <a:p>
+            <a:pPr marL="0" indent="0" algn="l" latinLnBrk="0" hangingPunct="1">
+              <a:buFontTx/>
+              <a:buNone/>
+            </a:pPr>
+            <a:r>
+              <a:rPr lang="ko-KR" sz="3000" b="1">
+                <a:latin typeface="맑은 고딕" charset="0"/>
+                <a:ea typeface="맑은 고딕" charset="0"/>
+              </a:rPr>
+              <a:t>열</a:t>
+            </a:r>
+            <a:r>
+              <a:rPr lang="ko-KR" sz="3000" b="1">
+                <a:latin typeface="맑은 고딕" charset="0"/>
+                <a:ea typeface="맑은 고딕" charset="0"/>
+              </a:rPr>
+              <a:t>여섯</a:t>
+            </a:r>
+            <a:r>
+              <a:rPr lang="ko-KR" sz="3000" b="1">
+                <a:latin typeface="맑은 고딕" charset="0"/>
+                <a:ea typeface="맑은 고딕" charset="0"/>
+              </a:rPr>
+              <a:t> 번째 튜토리얼 </a:t>
+            </a:r>
+            <a:endParaRPr lang="ko-KR" altLang="en-US" sz="3000" b="1">
+              <a:latin typeface="맑은 고딕" charset="0"/>
+              <a:ea typeface="맑은 고딕" charset="0"/>
+            </a:endParaRPr>
+          </a:p>
+        </p:txBody>
+      </p:sp>
+      <p:sp>
+        <p:nvSpPr>
+          <p:cNvPr id="106" name="Rect 0"/>
+          <p:cNvSpPr txBox="1">
+            <a:spLocks/>
+          </p:cNvSpPr>
+          <p:nvPr/>
+        </p:nvSpPr>
+        <p:spPr>
+          <a:xfrm rot="0">
+            <a:off x="1116965" y="2875280"/>
+            <a:ext cx="4280535" cy="923925"/>
+          </a:xfrm>
+          <a:prstGeom prst="rect"/>
+          <a:noFill/>
+          <a:ln w="0">
+            <a:noFill/>
+            <a:prstDash/>
+          </a:ln>
+        </p:spPr>
+        <p:txBody>
+          <a:bodyPr wrap="square" lIns="89535" tIns="46355" rIns="89535" bIns="46355" numCol="1" vert="horz" anchor="t">
+            <a:spAutoFit/>
+          </a:bodyPr>
+          <a:lstStyle/>
+          <a:p>
+            <a:pPr marL="0" indent="0" rtl="0" algn="l" defTabSz="914400" eaLnBrk="1" latinLnBrk="0" hangingPunct="1">
+              <a:buFontTx/>
+              <a:buNone/>
+            </a:pPr>
+            <a:r>
+              <a:rPr lang="ko-KR" sz="1800" b="1">
+                <a:solidFill>
+                  <a:srgbClr val="0611F2"/>
+                </a:solidFill>
+                <a:latin typeface="맑은 고딕" charset="0"/>
+                <a:ea typeface="맑은 고딕" charset="0"/>
+              </a:rPr>
+              <a:t>3</a:t>
+            </a:r>
+            <a:r>
+              <a:rPr lang="ko-KR" sz="1800" b="1">
+                <a:solidFill>
+                  <a:srgbClr val="0611F2"/>
+                </a:solidFill>
+                <a:latin typeface="맑은 고딕" charset="0"/>
+                <a:ea typeface="맑은 고딕" charset="0"/>
+              </a:rPr>
+              <a:t>9</a:t>
+            </a:r>
+            <a:r>
+              <a:rPr sz="1800" b="1">
+                <a:solidFill>
+                  <a:srgbClr val="0611F2"/>
+                </a:solidFill>
+                <a:latin typeface="맑은 고딕" charset="0"/>
+                <a:ea typeface="맑은 고딕" charset="0"/>
+              </a:rPr>
+              <a:t>.</a:t>
+            </a:r>
+            <a:r>
+              <a:rPr sz="1800">
+                <a:latin typeface="맑은 고딕" charset="0"/>
+                <a:ea typeface="맑은 고딕" charset="0"/>
+              </a:rPr>
+              <a:t> </a:t>
+            </a:r>
+            <a:r>
+              <a:rPr lang="ko-KR" sz="1800">
+                <a:latin typeface="맑은 고딕" charset="0"/>
+                <a:ea typeface="맑은 고딕" charset="0"/>
+              </a:rPr>
+              <a:t>그다음으로 Animation Control 오브젝트에 있는 Animation Speed 스크립트에 각각의 속성을 넣어줍니다.</a:t>
+            </a:r>
+            <a:endParaRPr lang="ko-KR" altLang="en-US" sz="1800">
+              <a:latin typeface="맑은 고딕" charset="0"/>
+              <a:ea typeface="맑은 고딕" charset="0"/>
+            </a:endParaRPr>
+          </a:p>
+        </p:txBody>
+      </p:sp>
       <p:pic>
         <p:nvPicPr>
-          <p:cNvPr id="105" name="그림 52" descr="C:/Users/Admin1/AppData/Roaming/PolarisOffice/ETemp/4372_15633472/fImage129692975436.png"/>
+          <p:cNvPr id="113" name="그림 16"/>
+          <p:cNvPicPr>
+            <a:picLocks noChangeAspect="1"/>
+          </p:cNvPicPr>
+          <p:nvPr/>
+        </p:nvPicPr>
+        <p:blipFill rotWithShape="1">
+          <a:blip r:embed="rId2" cstate="print">
+            <a:extLst>
+              <a:ext uri="{28A0092B-C50C-407E-A947-70E740481C1C}">
+                <a14:useLocalDpi xmlns:a14="http://schemas.microsoft.com/office/drawing/2010/main" val="0"/>
+              </a:ext>
+            </a:extLst>
+          </a:blip>
+          <a:stretch>
+            <a:fillRect/>
+          </a:stretch>
+        </p:blipFill>
+        <p:spPr>
+          <a:xfrm rot="0">
+            <a:off x="2646680" y="1374775"/>
+            <a:ext cx="2753360" cy="1419225"/>
+          </a:xfrm>
+          <a:prstGeom prst="roundRect"/>
+          <a:solidFill>
+            <a:srgbClr val="EDEDED"/>
+          </a:solidFill>
+        </p:spPr>
+      </p:pic>
+      <p:pic>
+        <p:nvPicPr>
+          <p:cNvPr id="114" name="그림 22"/>
+          <p:cNvPicPr>
+            <a:picLocks noChangeAspect="1"/>
+          </p:cNvPicPr>
+          <p:nvPr/>
+        </p:nvPicPr>
+        <p:blipFill rotWithShape="1">
+          <a:blip r:embed="rId3" cstate="print">
+            <a:extLst>
+              <a:ext uri="{28A0092B-C50C-407E-A947-70E740481C1C}">
+                <a14:useLocalDpi xmlns:a14="http://schemas.microsoft.com/office/drawing/2010/main" val="0"/>
+              </a:ext>
+            </a:extLst>
+          </a:blip>
+          <a:stretch>
+            <a:fillRect/>
+          </a:stretch>
+        </p:blipFill>
+        <p:spPr>
+          <a:xfrm rot="0">
+            <a:off x="1115695" y="1386840"/>
+            <a:ext cx="1384300" cy="1394460"/>
+          </a:xfrm>
+          <a:prstGeom prst="roundRect"/>
+          <a:solidFill>
+            <a:srgbClr val="EDEDED"/>
+          </a:solidFill>
+        </p:spPr>
+      </p:pic>
+      <p:cxnSp>
+        <p:nvCxnSpPr>
+          <p:cNvPr id="115" name="도형 27"/>
+          <p:cNvCxnSpPr/>
+          <p:nvPr/>
+        </p:nvCxnSpPr>
+        <p:spPr>
+          <a:xfrm rot="0">
+            <a:off x="1971675" y="1816100"/>
+            <a:ext cx="3365500" cy="675005"/>
+          </a:xfrm>
+          <a:prstGeom prst="straightConnector1"/>
+          <a:ln w="6350" cap="flat" cmpd="sng">
+            <a:prstDash/>
+            <a:headEnd type="none" w="med" len="med"/>
+            <a:tailEnd type="triangle" w="med" len="med"/>
+          </a:ln>
+        </p:spPr>
+        <p:style>
+          <a:lnRef idx="1">
+            <a:schemeClr val="accent1"/>
+          </a:lnRef>
+          <a:fillRef idx="0">
+            <a:schemeClr val="accent1"/>
+          </a:fillRef>
+          <a:effectRef idx="0">
+            <a:schemeClr val="accent1"/>
+          </a:effectRef>
+          <a:fontRef idx="minor">
+            <a:schemeClr val="tx1"/>
+          </a:fontRef>
+        </p:style>
+      </p:cxnSp>
+      <p:cxnSp>
+        <p:nvCxnSpPr>
+          <p:cNvPr id="116" name="도형 28"/>
+          <p:cNvCxnSpPr/>
+          <p:nvPr/>
+        </p:nvCxnSpPr>
+        <p:spPr>
+          <a:xfrm rot="0">
+            <a:off x="1980565" y="1946275"/>
+            <a:ext cx="3356610" cy="718185"/>
+          </a:xfrm>
+          <a:prstGeom prst="straightConnector1"/>
+          <a:ln w="6350" cap="flat" cmpd="sng">
+            <a:prstDash/>
+            <a:headEnd type="none" w="med" len="med"/>
+            <a:tailEnd type="triangle" w="med" len="med"/>
+          </a:ln>
+        </p:spPr>
+        <p:style>
+          <a:lnRef idx="1">
+            <a:schemeClr val="accent1"/>
+          </a:lnRef>
+          <a:fillRef idx="0">
+            <a:schemeClr val="accent1"/>
+          </a:fillRef>
+          <a:effectRef idx="0">
+            <a:schemeClr val="accent1"/>
+          </a:effectRef>
+          <a:fontRef idx="minor">
+            <a:schemeClr val="tx1"/>
+          </a:fontRef>
+        </p:style>
+      </p:cxnSp>
+      <p:cxnSp>
+        <p:nvCxnSpPr>
+          <p:cNvPr id="117" name="도형 29"/>
+          <p:cNvCxnSpPr/>
+          <p:nvPr/>
+        </p:nvCxnSpPr>
+        <p:spPr>
+          <a:xfrm rot="0" flipV="1">
+            <a:off x="1937385" y="1997710"/>
+            <a:ext cx="3399790" cy="86995"/>
+          </a:xfrm>
+          <a:prstGeom prst="straightConnector1"/>
+          <a:ln w="6350" cap="flat" cmpd="sng">
+            <a:prstDash/>
+            <a:headEnd type="none" w="med" len="med"/>
+            <a:tailEnd type="triangle" w="med" len="med"/>
+          </a:ln>
+        </p:spPr>
+        <p:style>
+          <a:lnRef idx="1">
+            <a:schemeClr val="accent1"/>
+          </a:lnRef>
+          <a:fillRef idx="0">
+            <a:schemeClr val="accent1"/>
+          </a:fillRef>
+          <a:effectRef idx="0">
+            <a:schemeClr val="accent1"/>
+          </a:effectRef>
+          <a:fontRef idx="minor">
+            <a:schemeClr val="tx1"/>
+          </a:fontRef>
+        </p:style>
+      </p:cxnSp>
+      <p:cxnSp>
+        <p:nvCxnSpPr>
+          <p:cNvPr id="118" name="도형 30"/>
+          <p:cNvCxnSpPr/>
+          <p:nvPr/>
+        </p:nvCxnSpPr>
+        <p:spPr>
+          <a:xfrm rot="0" flipV="1">
+            <a:off x="2473325" y="1824990"/>
+            <a:ext cx="2863850" cy="623570"/>
+          </a:xfrm>
+          <a:prstGeom prst="straightConnector1"/>
+          <a:ln w="6350" cap="flat" cmpd="sng">
+            <a:prstDash/>
+            <a:headEnd type="none" w="med" len="med"/>
+            <a:tailEnd type="triangle" w="med" len="med"/>
+          </a:ln>
+        </p:spPr>
+        <p:style>
+          <a:lnRef idx="1">
+            <a:schemeClr val="accent1"/>
+          </a:lnRef>
+          <a:fillRef idx="0">
+            <a:schemeClr val="accent1"/>
+          </a:fillRef>
+          <a:effectRef idx="0">
+            <a:schemeClr val="accent1"/>
+          </a:effectRef>
+          <a:fontRef idx="minor">
+            <a:schemeClr val="tx1"/>
+          </a:fontRef>
+        </p:style>
+      </p:cxnSp>
+      <p:pic>
+        <p:nvPicPr>
+          <p:cNvPr id="119" name="그림 32"/>
+          <p:cNvPicPr>
+            <a:picLocks noChangeAspect="1"/>
+          </p:cNvPicPr>
+          <p:nvPr/>
+        </p:nvPicPr>
+        <p:blipFill rotWithShape="1">
+          <a:blip r:embed="rId4" cstate="hqprint">
+            <a:extLst>
+              <a:ext uri="{28A0092B-C50C-407E-A947-70E740481C1C}">
+                <a14:useLocalDpi xmlns:a14="http://schemas.microsoft.com/office/drawing/2010/main"/>
+              </a:ext>
+            </a:extLst>
+          </a:blip>
+          <a:stretch>
+            <a:fillRect/>
+          </a:stretch>
+        </p:blipFill>
+        <p:spPr>
+          <a:xfrm rot="0">
+            <a:off x="8260715" y="1375410"/>
+            <a:ext cx="2820670" cy="1297940"/>
+          </a:xfrm>
+          <a:prstGeom prst="roundRect"/>
+          <a:solidFill>
+            <a:srgbClr val="EDEDED"/>
+          </a:solidFill>
+        </p:spPr>
+      </p:pic>
+      <p:pic>
+        <p:nvPicPr>
+          <p:cNvPr id="120" name="그림 33"/>
+          <p:cNvPicPr>
+            <a:picLocks noChangeAspect="1"/>
+          </p:cNvPicPr>
+          <p:nvPr/>
+        </p:nvPicPr>
+        <p:blipFill rotWithShape="1">
+          <a:blip r:embed="rId5" cstate="hqprint">
+            <a:extLst>
+              <a:ext uri="{28A0092B-C50C-407E-A947-70E740481C1C}">
+                <a14:useLocalDpi xmlns:a14="http://schemas.microsoft.com/office/drawing/2010/main"/>
+              </a:ext>
+            </a:extLst>
+          </a:blip>
+          <a:stretch>
+            <a:fillRect/>
+          </a:stretch>
+        </p:blipFill>
+        <p:spPr>
+          <a:xfrm rot="0">
+            <a:off x="8269605" y="2871470"/>
+            <a:ext cx="2811145" cy="1306830"/>
+          </a:xfrm>
+          <a:prstGeom prst="roundRect"/>
+          <a:solidFill>
+            <a:srgbClr val="EDEDED"/>
+          </a:solidFill>
+        </p:spPr>
+      </p:pic>
+      <p:pic>
+        <p:nvPicPr>
+          <p:cNvPr id="121" name="그림 34"/>
+          <p:cNvPicPr>
+            <a:picLocks noChangeAspect="1"/>
+          </p:cNvPicPr>
+          <p:nvPr/>
+        </p:nvPicPr>
+        <p:blipFill rotWithShape="1">
+          <a:blip r:embed="rId6" cstate="print">
+            <a:extLst>
+              <a:ext uri="{28A0092B-C50C-407E-A947-70E740481C1C}">
+                <a14:useLocalDpi xmlns:a14="http://schemas.microsoft.com/office/drawing/2010/main" val="0"/>
+              </a:ext>
+            </a:extLst>
+          </a:blip>
+          <a:stretch>
+            <a:fillRect/>
+          </a:stretch>
+        </p:blipFill>
+        <p:spPr>
+          <a:xfrm rot="0">
+            <a:off x="6806565" y="1366520"/>
+            <a:ext cx="1332865" cy="2820035"/>
+          </a:xfrm>
+          <a:prstGeom prst="roundRect"/>
+          <a:solidFill>
+            <a:srgbClr val="EDEDED"/>
+          </a:solidFill>
+        </p:spPr>
+      </p:pic>
+      <p:cxnSp>
+        <p:nvCxnSpPr>
+          <p:cNvPr id="122" name="도형 37"/>
+          <p:cNvCxnSpPr/>
+          <p:nvPr/>
+        </p:nvCxnSpPr>
+        <p:spPr>
+          <a:xfrm rot="0" flipV="1">
+            <a:off x="7740650" y="3658235"/>
+            <a:ext cx="1341120" cy="294640"/>
+          </a:xfrm>
+          <a:prstGeom prst="straightConnector1"/>
+          <a:ln w="6350" cap="flat" cmpd="sng">
+            <a:prstDash/>
+            <a:headEnd type="none" w="med" len="med"/>
+            <a:tailEnd type="triangle" w="med" len="med"/>
+          </a:ln>
+        </p:spPr>
+        <p:style>
+          <a:lnRef idx="1">
+            <a:schemeClr val="accent1"/>
+          </a:lnRef>
+          <a:fillRef idx="0">
+            <a:schemeClr val="accent1"/>
+          </a:fillRef>
+          <a:effectRef idx="0">
+            <a:schemeClr val="accent1"/>
+          </a:effectRef>
+          <a:fontRef idx="minor">
+            <a:schemeClr val="tx1"/>
+          </a:fontRef>
+        </p:style>
+      </p:cxnSp>
+      <p:sp>
+        <p:nvSpPr>
+          <p:cNvPr id="123" name="텍스트 상자 38"/>
+          <p:cNvSpPr txBox="1">
+            <a:spLocks/>
+          </p:cNvSpPr>
+          <p:nvPr/>
+        </p:nvSpPr>
+        <p:spPr>
+          <a:xfrm rot="0">
+            <a:off x="6806565" y="4330065"/>
+            <a:ext cx="4282440" cy="1754505"/>
+          </a:xfrm>
+          <a:prstGeom prst="rect"/>
+          <a:noFill/>
+          <a:ln w="0">
+            <a:noFill/>
+            <a:prstDash/>
+          </a:ln>
+        </p:spPr>
+        <p:txBody>
+          <a:bodyPr wrap="square" lIns="89535" tIns="46355" rIns="89535" bIns="46355" vert="horz" anchor="t">
+            <a:spAutoFit/>
+          </a:bodyPr>
+          <a:lstStyle/>
+          <a:p>
+            <a:pPr marL="0" indent="0" rtl="0" algn="l" defTabSz="914400" eaLnBrk="1" latinLnBrk="0" hangingPunct="1">
+              <a:buFontTx/>
+              <a:buNone/>
+            </a:pPr>
+            <a:r>
+              <a:rPr sz="1800" b="1">
+                <a:solidFill>
+                  <a:srgbClr val="0611F2"/>
+                </a:solidFill>
+                <a:latin typeface="맑은 고딕" charset="0"/>
+                <a:ea typeface="맑은 고딕" charset="0"/>
+              </a:rPr>
+              <a:t>41</a:t>
+            </a:r>
+            <a:r>
+              <a:rPr sz="1800" b="1">
+                <a:solidFill>
+                  <a:srgbClr val="0611F2"/>
+                </a:solidFill>
+                <a:latin typeface="맑은 고딕" charset="0"/>
+                <a:ea typeface="맑은 고딕" charset="0"/>
+              </a:rPr>
+              <a:t>.</a:t>
+            </a:r>
+            <a:r>
+              <a:rPr sz="1800">
+                <a:latin typeface="맑은 고딕" charset="0"/>
+                <a:ea typeface="맑은 고딕" charset="0"/>
+              </a:rPr>
+              <a:t> </a:t>
+            </a:r>
+            <a:r>
+              <a:rPr sz="1800">
+                <a:latin typeface="맑은 고딕" charset="0"/>
+                <a:ea typeface="맑은 고딕" charset="0"/>
+              </a:rPr>
+              <a:t>마지막으</a:t>
+            </a:r>
+            <a:r>
+              <a:rPr lang="ko-KR" sz="1800">
+                <a:latin typeface="맑은 고딕" charset="0"/>
+                <a:ea typeface="맑은 고딕" charset="0"/>
+              </a:rPr>
+              <a:t>로</a:t>
+            </a:r>
+            <a:r>
+              <a:rPr sz="1800">
+                <a:latin typeface="맑은 고딕" charset="0"/>
+                <a:ea typeface="맑은 고딕" charset="0"/>
+              </a:rPr>
+              <a:t> </a:t>
+            </a:r>
+            <a:r>
+              <a:rPr lang="ko-KR" sz="1800">
+                <a:latin typeface="맑은 고딕" charset="0"/>
+                <a:ea typeface="맑은 고딕" charset="0"/>
+              </a:rPr>
+              <a:t>Animation Speed Button</a:t>
+            </a:r>
+            <a:r>
+              <a:rPr sz="1800">
+                <a:latin typeface="맑은 고딕" charset="0"/>
+                <a:ea typeface="맑은 고딕" charset="0"/>
+              </a:rPr>
+              <a:t>의 On Click( ) 함수를 생성합니다.</a:t>
+            </a:r>
+            <a:endParaRPr lang="ko-KR" altLang="en-US" sz="1800">
+              <a:latin typeface="맑은 고딕" charset="0"/>
+              <a:ea typeface="맑은 고딕" charset="0"/>
+            </a:endParaRPr>
+          </a:p>
+          <a:p>
+            <a:pPr marL="0" indent="0" rtl="0" algn="l" defTabSz="914400" eaLnBrk="1" latinLnBrk="0" hangingPunct="1">
+              <a:buFontTx/>
+              <a:buNone/>
+            </a:pPr>
+            <a:endParaRPr lang="ko-KR" altLang="en-US" sz="1800">
+              <a:latin typeface="맑은 고딕" charset="0"/>
+              <a:ea typeface="맑은 고딕" charset="0"/>
+            </a:endParaRPr>
+          </a:p>
+          <a:p>
+            <a:pPr marL="0" indent="0" rtl="0" algn="l" defTabSz="914400" eaLnBrk="1" latinLnBrk="0" hangingPunct="1">
+              <a:buFontTx/>
+              <a:buNone/>
+            </a:pPr>
+            <a:r>
+              <a:rPr sz="1800">
+                <a:latin typeface="맑은 고딕" charset="0"/>
+                <a:ea typeface="맑은 고딕" charset="0"/>
+              </a:rPr>
+              <a:t>그런 다음 </a:t>
+            </a:r>
+            <a:r>
+              <a:rPr lang="ko-KR" sz="1800">
+                <a:latin typeface="맑은 고딕" charset="0"/>
+                <a:ea typeface="맑은 고딕" charset="0"/>
+              </a:rPr>
+              <a:t>Animation Speed Button</a:t>
+            </a:r>
+            <a:r>
+              <a:rPr sz="1800">
+                <a:latin typeface="맑은 고딕" charset="0"/>
+                <a:ea typeface="맑은 고딕" charset="0"/>
+              </a:rPr>
+              <a:t>에 있는 On Click( ) 함수에 </a:t>
+            </a:r>
+            <a:r>
+              <a:rPr sz="1800">
+                <a:latin typeface="맑은 고딕" charset="0"/>
+                <a:ea typeface="맑은 고딕" charset="0"/>
+              </a:rPr>
+              <a:t>A</a:t>
+            </a:r>
+            <a:r>
+              <a:rPr lang="ko-KR" sz="1800">
+                <a:latin typeface="맑은 고딕" charset="0"/>
+                <a:ea typeface="맑은 고딕" charset="0"/>
+              </a:rPr>
+              <a:t>nimator Control</a:t>
+            </a:r>
+            <a:r>
+              <a:rPr sz="1800">
+                <a:latin typeface="맑은 고딕" charset="0"/>
+                <a:ea typeface="맑은 고딕" charset="0"/>
+              </a:rPr>
+              <a:t> 오브젝트를 넣어줍니다.</a:t>
+            </a:r>
+            <a:endParaRPr lang="ko-KR" altLang="en-US" sz="1800">
+              <a:latin typeface="맑은 고딕" charset="0"/>
+              <a:ea typeface="맑은 고딕" charset="0"/>
+            </a:endParaRPr>
+          </a:p>
+        </p:txBody>
+      </p:sp>
+      <p:pic>
+        <p:nvPicPr>
+          <p:cNvPr id="124" name="그림 39"/>
+          <p:cNvPicPr>
+            <a:picLocks noChangeAspect="1"/>
+          </p:cNvPicPr>
+          <p:nvPr/>
+        </p:nvPicPr>
+        <p:blipFill rotWithShape="1">
+          <a:blip r:embed="rId7" cstate="print">
+            <a:extLst>
+              <a:ext uri="{28A0092B-C50C-407E-A947-70E740481C1C}">
+                <a14:useLocalDpi xmlns:a14="http://schemas.microsoft.com/office/drawing/2010/main" val="0"/>
+              </a:ext>
+            </a:extLst>
+          </a:blip>
+          <a:stretch>
+            <a:fillRect/>
+          </a:stretch>
+        </p:blipFill>
+        <p:spPr>
+          <a:xfrm rot="0">
+            <a:off x="1118870" y="3922395"/>
+            <a:ext cx="4269740" cy="1423670"/>
+          </a:xfrm>
+          <a:prstGeom prst="roundRect"/>
+          <a:solidFill>
+            <a:srgbClr val="EDEDED"/>
+          </a:solidFill>
+        </p:spPr>
+      </p:pic>
+      <p:sp>
+        <p:nvSpPr>
+          <p:cNvPr id="125" name="텍스트 상자 42"/>
+          <p:cNvSpPr txBox="1">
+            <a:spLocks/>
+          </p:cNvSpPr>
+          <p:nvPr/>
+        </p:nvSpPr>
+        <p:spPr>
+          <a:xfrm rot="0">
+            <a:off x="1116965" y="5443220"/>
+            <a:ext cx="4271645" cy="647065"/>
+          </a:xfrm>
+          <a:prstGeom prst="rect"/>
+          <a:noFill/>
+          <a:ln w="0">
+            <a:noFill/>
+            <a:prstDash/>
+          </a:ln>
+        </p:spPr>
+        <p:txBody>
+          <a:bodyPr wrap="square" lIns="89535" tIns="46355" rIns="89535" bIns="46355" numCol="1" vert="horz" anchor="t">
+            <a:spAutoFit/>
+          </a:bodyPr>
+          <a:lstStyle/>
+          <a:p>
+            <a:pPr marL="0" indent="0" rtl="0" algn="l" defTabSz="914400" eaLnBrk="1" latinLnBrk="0" hangingPunct="1">
+              <a:buFontTx/>
+              <a:buNone/>
+            </a:pPr>
+            <a:r>
+              <a:rPr lang="ko-KR" sz="1800" b="1">
+                <a:solidFill>
+                  <a:srgbClr val="0611F2"/>
+                </a:solidFill>
+                <a:latin typeface="맑은 고딕" charset="0"/>
+                <a:ea typeface="맑은 고딕" charset="0"/>
+              </a:rPr>
+              <a:t>40</a:t>
+            </a:r>
+            <a:r>
+              <a:rPr sz="1800" b="1">
+                <a:solidFill>
+                  <a:srgbClr val="0611F2"/>
+                </a:solidFill>
+                <a:latin typeface="맑은 고딕" charset="0"/>
+                <a:ea typeface="맑은 고딕" charset="0"/>
+              </a:rPr>
+              <a:t>.</a:t>
+            </a:r>
+            <a:r>
+              <a:rPr sz="1800">
+                <a:latin typeface="맑은 고딕" charset="0"/>
+                <a:ea typeface="맑은 고딕" charset="0"/>
+              </a:rPr>
+              <a:t> </a:t>
+            </a:r>
+            <a:r>
+              <a:rPr lang="ko-KR" sz="1800">
+                <a:latin typeface="맑은 고딕" charset="0"/>
+                <a:ea typeface="맑은 고딕" charset="0"/>
+              </a:rPr>
+              <a:t>이제 Animator Control </a:t>
+            </a:r>
+            <a:r>
+              <a:rPr lang="ko-KR" sz="1800">
+                <a:latin typeface="맑은 고딕" charset="0"/>
+                <a:ea typeface="맑은 고딕" charset="0"/>
+              </a:rPr>
+              <a:t>오브젝트의 </a:t>
+            </a:r>
+            <a:r>
+              <a:rPr lang="ko-KR" sz="1800">
+                <a:latin typeface="맑은 고딕" charset="0"/>
+                <a:ea typeface="맑은 고딕" charset="0"/>
+              </a:rPr>
+              <a:t>Transform을 초기화합니다.</a:t>
+            </a:r>
+            <a:r>
+              <a:rPr lang="ko-KR" sz="1800">
+                <a:latin typeface="맑은 고딕" charset="0"/>
+                <a:ea typeface="맑은 고딕" charset="0"/>
+              </a:rPr>
+              <a:t> </a:t>
+            </a:r>
+            <a:endParaRPr lang="ko-KR" altLang="en-US" sz="1800">
+              <a:latin typeface="맑은 고딕" charset="0"/>
+              <a:ea typeface="맑은 고딕" charset="0"/>
+            </a:endParaRPr>
+          </a:p>
+        </p:txBody>
+      </p:sp>
+    </p:spTree>
+  </p:cSld>
+  <p:clrMapOvr>
+    <a:masterClrMapping/>
+  </p:clrMapOvr>
+  <mc:AlternateContent xmlns:mc="http://schemas.openxmlformats.org/markup-compatibility/2006">
+    <mc:Choice xmlns:p14="http://schemas.microsoft.com/office/powerpoint/2010/main" Requires="p14">
+      <p:transition spd="slow" p14:dur="2000"/>
+    </mc:Choice>
+    <mc:Fallback>
+      <p:transition spd="slow"/>
+    </mc:Fallback>
+  </mc:AlternateContent>
+  <p:timing>
+    <p:tnLst>
+      <p:par>
+        <p:cTn id="1" dur="indefinite" restart="never" nodeType="tmRoot"/>
+      </p:par>
+    </p:tnLst>
+  </p:timing>
+</p:sld>
+</file>
+
+<file path=ppt/slides/slide17.xml><?xml version="1.0" encoding="utf-8"?>
+<p:sld xmlns:a="http://schemas.openxmlformats.org/drawingml/2006/main" xmlns:r="http://schemas.openxmlformats.org/officeDocument/2006/relationships" xmlns:p="http://schemas.openxmlformats.org/presentationml/2006/main" xmlns:p14="http://schemas.microsoft.com/office/powerpoint/2010/main">
+  <p:cSld>
+    <p:spTree>
+      <p:nvGrpSpPr>
+        <p:cNvPr id="1" name=""/>
+        <p:cNvGrpSpPr/>
+        <p:nvPr/>
+      </p:nvGrpSpPr>
+      <p:grpSpPr>
+        <a:xfrm>
+          <a:off x="0" y="0"/>
+          <a:ext cx="0" cy="0"/>
+          <a:chOff x="0" y="0"/>
+          <a:chExt cx="0" cy="0"/>
+        </a:xfrm>
+      </p:grpSpPr>
+      <p:sp>
+        <p:nvSpPr>
+          <p:cNvPr id="22" name="Rect 0"/>
+          <p:cNvSpPr txBox="1">
+            <a:spLocks/>
+          </p:cNvSpPr>
+          <p:nvPr/>
+        </p:nvSpPr>
+        <p:spPr>
+          <a:xfrm rot="0">
+            <a:off x="4107815" y="444500"/>
+            <a:ext cx="3989070" cy="554990"/>
+          </a:xfrm>
+          <a:prstGeom prst="rect"/>
+          <a:noFill/>
+          <a:ln w="0">
+            <a:noFill/>
+            <a:prstDash/>
+          </a:ln>
+        </p:spPr>
+        <p:txBody>
+          <a:bodyPr wrap="square" lIns="89535" tIns="46355" rIns="89535" bIns="46355" numCol="1" vert="horz" anchor="t">
+            <a:spAutoFit/>
+          </a:bodyPr>
+          <a:lstStyle/>
+          <a:p>
+            <a:pPr marL="0" indent="0" algn="l" latinLnBrk="0" hangingPunct="1">
+              <a:buFontTx/>
+              <a:buNone/>
+            </a:pPr>
+            <a:r>
+              <a:rPr lang="ko-KR" sz="3000" b="1">
+                <a:latin typeface="맑은 고딕" charset="0"/>
+                <a:ea typeface="맑은 고딕" charset="0"/>
+              </a:rPr>
+              <a:t>열</a:t>
+            </a:r>
+            <a:r>
+              <a:rPr lang="ko-KR" sz="3000" b="1">
+                <a:latin typeface="맑은 고딕" charset="0"/>
+                <a:ea typeface="맑은 고딕" charset="0"/>
+              </a:rPr>
+              <a:t>일곱</a:t>
+            </a:r>
+            <a:r>
+              <a:rPr lang="ko-KR" sz="3000" b="1">
+                <a:latin typeface="맑은 고딕" charset="0"/>
+                <a:ea typeface="맑은 고딕" charset="0"/>
+              </a:rPr>
+              <a:t> 번째 튜토리얼 </a:t>
+            </a:r>
+            <a:endParaRPr lang="ko-KR" altLang="en-US" sz="3000" b="1">
+              <a:latin typeface="맑은 고딕" charset="0"/>
+              <a:ea typeface="맑은 고딕" charset="0"/>
+            </a:endParaRPr>
+          </a:p>
+        </p:txBody>
+      </p:sp>
+      <p:sp>
+        <p:nvSpPr>
+          <p:cNvPr id="106" name="Rect 0"/>
+          <p:cNvSpPr txBox="1">
+            <a:spLocks/>
+          </p:cNvSpPr>
+          <p:nvPr/>
+        </p:nvSpPr>
+        <p:spPr>
+          <a:xfrm rot="0">
+            <a:off x="1126490" y="2656205"/>
+            <a:ext cx="4281170" cy="923925"/>
+          </a:xfrm>
+          <a:prstGeom prst="rect"/>
+          <a:noFill/>
+          <a:ln w="0">
+            <a:noFill/>
+            <a:prstDash/>
+          </a:ln>
+        </p:spPr>
+        <p:txBody>
+          <a:bodyPr wrap="square" lIns="89535" tIns="46355" rIns="89535" bIns="46355" numCol="1" vert="horz" anchor="t">
+            <a:spAutoFit/>
+          </a:bodyPr>
+          <a:lstStyle/>
+          <a:p>
+            <a:pPr marL="0" indent="0" rtl="0" algn="l" defTabSz="914400" eaLnBrk="1" latinLnBrk="0" hangingPunct="1">
+              <a:buFontTx/>
+              <a:buNone/>
+            </a:pPr>
+            <a:r>
+              <a:rPr lang="ko-KR" sz="1800" b="1">
+                <a:solidFill>
+                  <a:srgbClr val="0611F2"/>
+                </a:solidFill>
+                <a:latin typeface="맑은 고딕" charset="0"/>
+                <a:ea typeface="맑은 고딕" charset="0"/>
+              </a:rPr>
+              <a:t>42</a:t>
+            </a:r>
+            <a:r>
+              <a:rPr sz="1800" b="1">
+                <a:solidFill>
+                  <a:srgbClr val="0611F2"/>
+                </a:solidFill>
+                <a:latin typeface="맑은 고딕" charset="0"/>
+                <a:ea typeface="맑은 고딕" charset="0"/>
+              </a:rPr>
+              <a:t>.</a:t>
+            </a:r>
+            <a:r>
+              <a:rPr sz="1800">
+                <a:latin typeface="맑은 고딕" charset="0"/>
+                <a:ea typeface="맑은 고딕" charset="0"/>
+              </a:rPr>
+              <a:t> </a:t>
+            </a:r>
+            <a:r>
+              <a:rPr lang="ko-KR" sz="1800">
+                <a:latin typeface="맑은 고딕" charset="0"/>
+                <a:ea typeface="맑은 고딕" charset="0"/>
+              </a:rPr>
+              <a:t>그다음 </a:t>
+            </a:r>
+            <a:r>
+              <a:rPr lang="ko-KR" sz="1800">
+                <a:latin typeface="맑은 고딕" charset="0"/>
+                <a:ea typeface="맑은 고딕" charset="0"/>
+              </a:rPr>
+              <a:t>Animation Control</a:t>
+            </a:r>
+            <a:r>
+              <a:rPr sz="1800">
+                <a:latin typeface="맑은 고딕" charset="0"/>
+                <a:ea typeface="맑은 고딕" charset="0"/>
+              </a:rPr>
+              <a:t> 스크립트에 있는 </a:t>
+            </a:r>
+            <a:r>
+              <a:rPr sz="1800">
+                <a:latin typeface="맑은 고딕" charset="0"/>
+                <a:ea typeface="맑은 고딕" charset="0"/>
+              </a:rPr>
+              <a:t>SpeedSetting</a:t>
+            </a:r>
+            <a:r>
+              <a:rPr sz="1800">
+                <a:latin typeface="맑은 고딕" charset="0"/>
+                <a:ea typeface="맑은 고딕" charset="0"/>
+              </a:rPr>
+              <a:t>( ) 함수를 선택합니다.</a:t>
+            </a:r>
+            <a:endParaRPr lang="ko-KR" altLang="en-US" sz="1800">
+              <a:latin typeface="맑은 고딕" charset="0"/>
+              <a:ea typeface="맑은 고딕" charset="0"/>
+            </a:endParaRPr>
+          </a:p>
+        </p:txBody>
+      </p:sp>
+      <p:pic>
+        <p:nvPicPr>
+          <p:cNvPr id="126" name="그림 1"/>
+          <p:cNvPicPr>
+            <a:picLocks noChangeAspect="1"/>
+          </p:cNvPicPr>
+          <p:nvPr/>
+        </p:nvPicPr>
+        <p:blipFill rotWithShape="1">
+          <a:blip r:embed="rId2" cstate="print">
+            <a:extLst>
+              <a:ext uri="{28A0092B-C50C-407E-A947-70E740481C1C}">
+                <a14:useLocalDpi xmlns:a14="http://schemas.microsoft.com/office/drawing/2010/main" val="0"/>
+              </a:ext>
+            </a:extLst>
+          </a:blip>
+          <a:stretch>
+            <a:fillRect/>
+          </a:stretch>
+        </p:blipFill>
+        <p:spPr>
+          <a:xfrm rot="0">
+            <a:off x="1125220" y="1363345"/>
+            <a:ext cx="4276090" cy="1189990"/>
+          </a:xfrm>
+          <a:prstGeom prst="roundRect"/>
+          <a:solidFill>
+            <a:srgbClr val="EDEDED"/>
+          </a:solidFill>
+        </p:spPr>
+      </p:pic>
+      <p:pic>
+        <p:nvPicPr>
+          <p:cNvPr id="127" name="그림 4" descr="C:/Users/Admin1/AppData/Roaming/PolarisOffice/ETemp/21728_21724728/fImage128363288467.png"/>
+          <p:cNvPicPr>
+            <a:picLocks noChangeAspect="1"/>
+          </p:cNvPicPr>
+          <p:nvPr/>
+        </p:nvPicPr>
+        <p:blipFill rotWithShape="1">
+          <a:blip r:embed="rId3" cstate="hqprint">
+            <a:extLst>
+              <a:ext uri="{28A0092B-C50C-407E-A947-70E740481C1C}">
+                <a14:useLocalDpi xmlns:a14="http://schemas.microsoft.com/office/drawing/2010/main"/>
+              </a:ext>
+            </a:extLst>
+          </a:blip>
+          <a:stretch>
+            <a:fillRect/>
+          </a:stretch>
+        </p:blipFill>
+        <p:spPr>
+          <a:xfrm rot="0">
+            <a:off x="1123950" y="3749040"/>
+            <a:ext cx="4268470" cy="1621790"/>
+          </a:xfrm>
+          <a:prstGeom prst="roundRect"/>
+          <a:solidFill>
+            <a:srgbClr val="EDEDED"/>
+          </a:solidFill>
+        </p:spPr>
+      </p:pic>
+      <p:sp>
+        <p:nvSpPr>
+          <p:cNvPr id="128" name="텍스트 상자 7"/>
+          <p:cNvSpPr txBox="1">
+            <a:spLocks/>
+          </p:cNvSpPr>
+          <p:nvPr/>
+        </p:nvSpPr>
+        <p:spPr>
+          <a:xfrm rot="0">
+            <a:off x="1131570" y="5482590"/>
+            <a:ext cx="4270375" cy="647700"/>
+          </a:xfrm>
+          <a:prstGeom prst="rect"/>
+          <a:noFill/>
+          <a:ln w="0">
+            <a:noFill/>
+            <a:prstDash/>
+          </a:ln>
+        </p:spPr>
+        <p:txBody>
+          <a:bodyPr wrap="square" lIns="89535" tIns="46355" rIns="89535" bIns="46355" numCol="1" vert="horz" anchor="t">
+            <a:spAutoFit/>
+          </a:bodyPr>
+          <a:lstStyle/>
+          <a:p>
+            <a:pPr marL="0" indent="0" rtl="0" algn="l" defTabSz="914400" eaLnBrk="1" latinLnBrk="0" hangingPunct="1">
+              <a:buFontTx/>
+              <a:buNone/>
+            </a:pPr>
+            <a:r>
+              <a:rPr lang="ko-KR" sz="1800" b="1">
+                <a:solidFill>
+                  <a:srgbClr val="0611F2"/>
+                </a:solidFill>
+                <a:latin typeface="맑은 고딕" charset="0"/>
+                <a:ea typeface="맑은 고딕" charset="0"/>
+              </a:rPr>
+              <a:t>43</a:t>
+            </a:r>
+            <a:r>
+              <a:rPr sz="1800" b="1">
+                <a:solidFill>
+                  <a:srgbClr val="0611F2"/>
+                </a:solidFill>
+                <a:latin typeface="맑은 고딕" charset="0"/>
+                <a:ea typeface="맑은 고딕" charset="0"/>
+              </a:rPr>
+              <a:t>.</a:t>
+            </a:r>
+            <a:r>
+              <a:rPr sz="1800">
+                <a:latin typeface="맑은 고딕" charset="0"/>
+                <a:ea typeface="맑은 고딕" charset="0"/>
+              </a:rPr>
+              <a:t> </a:t>
+            </a:r>
+            <a:r>
+              <a:rPr lang="ko-KR" sz="1800">
+                <a:latin typeface="맑은 고딕" charset="0"/>
+                <a:ea typeface="맑은 고딕" charset="0"/>
+              </a:rPr>
+              <a:t>그리고 Animation Speed Text의 앵커와 크기를 설정합니다.</a:t>
+            </a:r>
+            <a:endParaRPr lang="ko-KR" altLang="en-US" sz="1800">
+              <a:latin typeface="맑은 고딕" charset="0"/>
+              <a:ea typeface="맑은 고딕" charset="0"/>
+            </a:endParaRPr>
+          </a:p>
+        </p:txBody>
+      </p:sp>
+      <p:pic>
+        <p:nvPicPr>
+          <p:cNvPr id="129" name="그림 1" descr="C:/Users/Admin1/AppData/Roaming/PolarisOffice/ETemp/21728_21724728/fImage18096424741.png"/>
           <p:cNvPicPr>
             <a:picLocks noChangeAspect="1"/>
           </p:cNvPicPr>
@@ -10253,8 +12440,8 @@
         </p:blipFill>
         <p:spPr>
           <a:xfrm rot="0">
-            <a:off x="6819265" y="1400810"/>
-            <a:ext cx="4260850" cy="1280795"/>
+            <a:off x="6808470" y="1363345"/>
+            <a:ext cx="4265295" cy="3657600"/>
           </a:xfrm>
           <a:prstGeom prst="roundRect"/>
           <a:solidFill>
@@ -10264,7 +12451,7 @@
       </p:pic>
       <p:sp>
         <p:nvSpPr>
-          <p:cNvPr id="106" name="텍스트 상자 55"/>
+          <p:cNvPr id="130" name="텍스트 상자 4"/>
           <p:cNvSpPr txBox="1">
             <a:spLocks/>
           </p:cNvSpPr>
@@ -10272,8 +12459,8 @@
         </p:nvSpPr>
         <p:spPr>
           <a:xfrm rot="0">
-            <a:off x="6816090" y="2780030"/>
-            <a:ext cx="4277360" cy="647065"/>
+            <a:off x="6814820" y="5205730"/>
+            <a:ext cx="4250690" cy="923925"/>
           </a:xfrm>
           <a:prstGeom prst="rect"/>
           <a:noFill/>
@@ -10293,38 +12480,28 @@
               <a:buNone/>
             </a:pPr>
             <a:r>
-              <a:rPr lang="ko-KR" sz="1800" b="1">
-                <a:solidFill>
-                  <a:srgbClr val="0611F2"/>
-                </a:solidFill>
-                <a:latin typeface="맑은 고딕" charset="0"/>
-                <a:ea typeface="맑은 고딕" charset="0"/>
-              </a:rPr>
-              <a:t>34</a:t>
-            </a:r>
-            <a:r>
-              <a:rPr sz="1800" b="1">
-                <a:solidFill>
-                  <a:srgbClr val="0611F2"/>
-                </a:solidFill>
-                <a:latin typeface="맑은 고딕" charset="0"/>
-                <a:ea typeface="맑은 고딕" charset="0"/>
-              </a:rPr>
-              <a:t>.</a:t>
-            </a:r>
-            <a:r>
-              <a:rPr sz="1800">
-                <a:latin typeface="맑은 고딕" charset="0"/>
-                <a:ea typeface="맑은 고딕" charset="0"/>
-              </a:rPr>
-              <a:t> </a:t>
-            </a:r>
-            <a:r>
               <a:rPr lang="ko-KR" sz="1800">
                 <a:latin typeface="맑은 고딕" charset="0"/>
                 <a:ea typeface="맑은 고딕" charset="0"/>
               </a:rPr>
-              <a:t>그다음 Animation Speed Button의 위치와 크기 그리고 앵커를 설정합니다.</a:t>
+              <a:t>애니메이션 리타켓팅이란?</a:t>
+            </a:r>
+            <a:endParaRPr lang="ko-KR" altLang="en-US" sz="1800">
+              <a:latin typeface="맑은 고딕" charset="0"/>
+              <a:ea typeface="맑은 고딕" charset="0"/>
+            </a:endParaRPr>
+          </a:p>
+          <a:p>
+            <a:pPr marL="0" indent="0" rtl="0" algn="l" defTabSz="914400" eaLnBrk="1" latinLnBrk="0" hangingPunct="1">
+              <a:buFontTx/>
+              <a:buNone/>
+            </a:pPr>
+            <a:r>
+              <a:rPr lang="ko-KR" sz="1800">
+                <a:latin typeface="맑은 고딕" charset="0"/>
+                <a:ea typeface="맑은 고딕" charset="0"/>
+              </a:rPr>
+              <a:t>같은 애니메이션을 다양한 캐릭터 모델에 동시에 적용하는 기법입니다.</a:t>
             </a:r>
             <a:endParaRPr lang="ko-KR" altLang="en-US" sz="1800">
               <a:latin typeface="맑은 고딕" charset="0"/>
@@ -12276,8 +14453,8 @@
         </p:nvSpPr>
         <p:spPr>
           <a:xfrm rot="0">
-            <a:off x="6807200" y="2601595"/>
-            <a:ext cx="4318635" cy="954405"/>
+            <a:off x="6807200" y="2618740"/>
+            <a:ext cx="4319270" cy="955040"/>
           </a:xfrm>
           <a:prstGeom prst="rect"/>
           <a:noFill/>
@@ -12304,17 +14481,7 @@
                 <a:latin typeface="맑은 고딕" charset="0"/>
                 <a:ea typeface="맑은 고딕" charset="0"/>
               </a:rPr>
-              <a:t>14</a:t>
-            </a:r>
-            <a:r>
-              <a:rPr lang="ko-KR" sz="2000" b="1">
-                <a:solidFill>
-                  <a:srgbClr val="0611F2"/>
-                </a:solidFill>
-                <a:latin typeface="맑은 고딕" charset="0"/>
-                <a:ea typeface="맑은 고딕" charset="0"/>
-              </a:rPr>
-              <a:t>.</a:t>
+              <a:t>14.</a:t>
             </a:r>
             <a:r>
               <a:rPr lang="ko-KR" sz="2000">
@@ -12350,8 +14517,8 @@
         </p:nvSpPr>
         <p:spPr>
           <a:xfrm rot="0">
-            <a:off x="6829425" y="5213350"/>
-            <a:ext cx="4286885" cy="954405"/>
+            <a:off x="6820535" y="5542280"/>
+            <a:ext cx="4287520" cy="677545"/>
           </a:xfrm>
           <a:prstGeom prst="rect"/>
           <a:noFill/>
@@ -12361,7 +14528,7 @@
           </a:ln>
         </p:spPr>
         <p:txBody>
-          <a:bodyPr wrap="square" lIns="89535" tIns="46355" rIns="89535" bIns="46355" vert="horz" anchor="t">
+          <a:bodyPr wrap="square" lIns="89535" tIns="46355" rIns="89535" bIns="46355" numCol="1" vert="horz" anchor="t">
             <a:spAutoFit/>
           </a:bodyPr>
           <a:lstStyle/>
@@ -12409,14 +14576,21 @@
                 <a:latin typeface="맑은 고딕" charset="0"/>
                 <a:ea typeface="맑은 고딕" charset="0"/>
               </a:rPr>
-              <a:t>Ch14_nonPBR 오브젝트</a:t>
-            </a:r>
-            <a:r>
-              <a:rPr sz="1800">
-                <a:latin typeface="맑은 고딕" charset="0"/>
-                <a:ea typeface="맑은 고딕" charset="0"/>
-              </a:rPr>
-              <a:t>를 선택하고 Animator 컴포넌트를 넣어줍니다.</a:t>
+              <a:t>h14_nonPBR 오브젝트</a:t>
+            </a:r>
+            <a:r>
+              <a:rPr lang="ko-KR" sz="1800">
+                <a:latin typeface="맑은 고딕" charset="0"/>
+                <a:ea typeface="맑은 고딕" charset="0"/>
+              </a:rPr>
+              <a:t>의</a:t>
+            </a:r>
+            <a:r>
+              <a:rPr lang="ko-KR" sz="1800">
+                <a:latin typeface="맑은 고딕" charset="0"/>
+                <a:ea typeface="맑은 고딕" charset="0"/>
+              </a:rPr>
+              <a:t> 위치 값을 설정합니다.</a:t>
             </a:r>
             <a:endParaRPr lang="ko-KR" altLang="en-US" sz="1800">
               <a:latin typeface="맑은 고딕" charset="0"/>
@@ -12427,14 +14601,14 @@
       </p:sp>
       <p:pic>
         <p:nvPicPr>
-          <p:cNvPr id="61" name="그림 98"/>
+          <p:cNvPr id="61" name="그림 1"/>
           <p:cNvPicPr>
             <a:picLocks noChangeAspect="1"/>
           </p:cNvPicPr>
           <p:nvPr/>
         </p:nvPicPr>
         <p:blipFill rotWithShape="1">
-          <a:blip r:embed="rId6" cstate="hqprint">
+          <a:blip r:embed="rId8" cstate="hqprint">
             <a:extLst>
               <a:ext uri="{28A0092B-C50C-407E-A947-70E740481C1C}">
                 <a14:useLocalDpi xmlns:a14="http://schemas.microsoft.com/office/drawing/2010/main"/>
@@ -12447,8 +14621,8 @@
         </p:blipFill>
         <p:spPr>
           <a:xfrm rot="0">
-            <a:off x="6819900" y="3727450"/>
-            <a:ext cx="4277360" cy="1367155"/>
+            <a:off x="6832600" y="3770630"/>
+            <a:ext cx="4281805" cy="1626235"/>
           </a:xfrm>
           <a:prstGeom prst="roundRect"/>
           <a:solidFill>

--- a/Assets/Class/Animation Retargeting/PPT Data/Animation Retargeting Example.pptx
+++ b/Assets/Class/Animation Retargeting/PPT Data/Animation Retargeting Example.pptx
@@ -2,29 +2,29 @@
 <file path=ppt/presentation.xml><?xml version="1.0" encoding="utf-8"?>
 <p:presentation xmlns:a="http://schemas.openxmlformats.org/drawingml/2006/main" xmlns:r="http://schemas.openxmlformats.org/officeDocument/2006/relationships" xmlns:p="http://schemas.openxmlformats.org/presentationml/2006/main" xmlns:p14="http://schemas.microsoft.com/office/powerpoint/2010/main" saveSubsetFonts="1" firstSlideNum="0">
   <p:sldMasterIdLst>
-    <p:sldMasterId id="2147486899" r:id="rId12"/>
+    <p:sldMasterId id="2147486921" r:id="rId12"/>
   </p:sldMasterIdLst>
   <p:notesMasterIdLst>
     <p:notesMasterId r:id="rId14"/>
   </p:notesMasterIdLst>
   <p:sldIdLst>
     <p:sldId id="315" r:id="rId16"/>
-    <p:sldId id="319" r:id="rId18"/>
-    <p:sldId id="320" r:id="rId20"/>
-    <p:sldId id="334" r:id="rId22"/>
-    <p:sldId id="321" r:id="rId24"/>
-    <p:sldId id="333" r:id="rId26"/>
-    <p:sldId id="335" r:id="rId28"/>
-    <p:sldId id="336" r:id="rId30"/>
-    <p:sldId id="337" r:id="rId32"/>
-    <p:sldId id="338" r:id="rId34"/>
-    <p:sldId id="339" r:id="rId36"/>
-    <p:sldId id="340" r:id="rId38"/>
-    <p:sldId id="341" r:id="rId40"/>
-    <p:sldId id="342" r:id="rId42"/>
-    <p:sldId id="343" r:id="rId44"/>
-    <p:sldId id="344" r:id="rId46"/>
-    <p:sldId id="345" r:id="rId48"/>
+    <p:sldId id="319" r:id="rId17"/>
+    <p:sldId id="320" r:id="rId18"/>
+    <p:sldId id="334" r:id="rId19"/>
+    <p:sldId id="321" r:id="rId20"/>
+    <p:sldId id="333" r:id="rId21"/>
+    <p:sldId id="335" r:id="rId22"/>
+    <p:sldId id="336" r:id="rId23"/>
+    <p:sldId id="337" r:id="rId24"/>
+    <p:sldId id="338" r:id="rId25"/>
+    <p:sldId id="339" r:id="rId26"/>
+    <p:sldId id="340" r:id="rId27"/>
+    <p:sldId id="341" r:id="rId28"/>
+    <p:sldId id="342" r:id="rId29"/>
+    <p:sldId id="343" r:id="rId31"/>
+    <p:sldId id="344" r:id="rId32"/>
+    <p:sldId id="345" r:id="rId34"/>
   </p:sldIdLst>
   <p:sldSz cx="12192000" cy="6858000"/>
   <p:notesSz cx="6858000" cy="9144000"/>
@@ -7809,8 +7809,8 @@
         </p:nvSpPr>
         <p:spPr>
           <a:xfrm rot="0">
-            <a:off x="4527550" y="433070"/>
-            <a:ext cx="3153410" cy="554990"/>
+            <a:off x="4519295" y="391795"/>
+            <a:ext cx="3154045" cy="554990"/>
           </a:xfrm>
           <a:prstGeom prst="rect"/>
           <a:noFill/>
@@ -7825,14 +7825,14 @@
           </a:bodyPr>
           <a:lstStyle/>
           <a:p>
-            <a:pPr marL="0" indent="0" algn="l" latinLnBrk="0" hangingPunct="1">
-              <a:buFontTx/>
-              <a:buNone/>
-            </a:pPr>
-            <a:r>
-              <a:rPr lang="ko-KR" sz="3000" b="1">
-                <a:latin typeface="맑은 고딕" charset="0"/>
-                <a:ea typeface="맑은 고딕" charset="0"/>
+            <a:pPr marL="0" indent="0" algn="ctr" latinLnBrk="0" hangingPunct="1">
+              <a:buFontTx/>
+              <a:buNone/>
+            </a:pPr>
+            <a:r>
+              <a:rPr lang="ko-KR" sz="2500" b="1">
+                <a:latin typeface="나눔바른고딕" charset="0"/>
+                <a:ea typeface="나눔바른고딕" charset="0"/>
               </a:rPr>
               <a:t>첫 번째 튜토리얼</a:t>
             </a:r>
@@ -7860,8 +7860,8 @@
         </p:nvSpPr>
         <p:spPr>
           <a:xfrm rot="0">
-            <a:off x="1263650" y="5208905"/>
-            <a:ext cx="4141470" cy="954405"/>
+            <a:off x="1230630" y="5208905"/>
+            <a:ext cx="4131945" cy="954405"/>
           </a:xfrm>
           <a:prstGeom prst="rect"/>
           <a:noFill/>
@@ -7871,7 +7871,7 @@
           </a:ln>
         </p:spPr>
         <p:txBody>
-          <a:bodyPr wrap="square" lIns="89535" tIns="46355" rIns="89535" bIns="46355" vert="horz" anchor="t">
+          <a:bodyPr wrap="square" lIns="89535" tIns="46355" rIns="89535" bIns="46355" numCol="1" vert="horz" anchor="t">
             <a:spAutoFit/>
           </a:bodyPr>
           <a:lstStyle/>
@@ -7922,7 +7922,7 @@
         <p:spPr>
           <a:xfrm rot="0">
             <a:off x="6825615" y="5482590"/>
-            <a:ext cx="4258945" cy="679450"/>
+            <a:ext cx="4140200" cy="677545"/>
           </a:xfrm>
           <a:prstGeom prst="rect"/>
           <a:noFill/>
@@ -7932,7 +7932,7 @@
           </a:ln>
         </p:spPr>
         <p:txBody>
-          <a:bodyPr wrap="square" lIns="89535" tIns="46355" rIns="89535" bIns="46355" vert="horz" anchor="t">
+          <a:bodyPr wrap="square" lIns="89535" tIns="46355" rIns="89535" bIns="46355" numCol="1" vert="horz" anchor="t">
             <a:spAutoFit/>
           </a:bodyPr>
           <a:lstStyle/>
@@ -7967,7 +7967,7 @@
       </p:sp>
       <p:pic>
         <p:nvPicPr>
-          <p:cNvPr id="25" name="그림 3"/>
+          <p:cNvPr id="25" name="그림 3" descr="C:/Users/Admin1/AppData/Roaming/PolarisOffice/ETemp/20852_9486176/fImage40558124541.png"/>
           <p:cNvPicPr>
             <a:picLocks noChangeAspect="1"/>
           </p:cNvPicPr>
@@ -7987,8 +7987,8 @@
         </p:blipFill>
         <p:spPr>
           <a:xfrm rot="0">
-            <a:off x="1267460" y="1371600"/>
-            <a:ext cx="4137660" cy="3709035"/>
+            <a:off x="1230630" y="1438275"/>
+            <a:ext cx="4131945" cy="3642995"/>
           </a:xfrm>
           <a:prstGeom prst="rect"/>
           <a:noFill/>
@@ -7996,7 +7996,7 @@
       </p:pic>
       <p:pic>
         <p:nvPicPr>
-          <p:cNvPr id="26" name="그림 4"/>
+          <p:cNvPr id="26" name="그림 4" descr="C:/Users/Admin1/AppData/Roaming/PolarisOffice/ETemp/20852_9486176/fImage211862468467.png"/>
           <p:cNvPicPr>
             <a:picLocks noChangeAspect="1"/>
           </p:cNvPicPr>
@@ -8016,8 +8016,8 @@
         </p:blipFill>
         <p:spPr>
           <a:xfrm rot="0">
-            <a:off x="6824980" y="1359535"/>
-            <a:ext cx="4250690" cy="4002405"/>
+            <a:off x="6824980" y="1438275"/>
+            <a:ext cx="4140835" cy="3849370"/>
           </a:xfrm>
           <a:prstGeom prst="rect"/>
           <a:noFill/>
@@ -8073,8 +8073,8 @@
         </p:nvSpPr>
         <p:spPr>
           <a:xfrm rot="0">
-            <a:off x="4488180" y="470535"/>
-            <a:ext cx="3209925" cy="554990"/>
+            <a:off x="4497070" y="418465"/>
+            <a:ext cx="3210560" cy="554990"/>
           </a:xfrm>
           <a:prstGeom prst="rect"/>
           <a:noFill/>
@@ -8089,23 +8089,23 @@
           </a:bodyPr>
           <a:lstStyle/>
           <a:p>
-            <a:pPr marL="0" indent="0" algn="l" latinLnBrk="0" hangingPunct="1">
-              <a:buFontTx/>
-              <a:buNone/>
-            </a:pPr>
+            <a:pPr marL="0" indent="0" algn="ctr" latinLnBrk="0" hangingPunct="1">
+              <a:buFontTx/>
+              <a:buNone/>
+            </a:pPr>
+            <a:r>
+              <a:rPr lang="ko-KR" sz="2500" b="1">
+                <a:latin typeface="나눔바른고딕" charset="0"/>
+                <a:ea typeface="나눔바른고딕" charset="0"/>
+              </a:rPr>
+              <a:t>열 번째 튜토리얼</a:t>
+            </a:r>
             <a:r>
               <a:rPr lang="ko-KR" sz="3000" b="1">
                 <a:latin typeface="맑은 고딕" charset="0"/>
                 <a:ea typeface="맑은 고딕" charset="0"/>
               </a:rPr>
-              <a:t>열</a:t>
-            </a:r>
-            <a:r>
-              <a:rPr lang="ko-KR" sz="3000" b="1">
-                <a:latin typeface="맑은 고딕" charset="0"/>
-                <a:ea typeface="맑은 고딕" charset="0"/>
-              </a:rPr>
-              <a:t> 번째 튜토리얼 </a:t>
+              <a:t> </a:t>
             </a:r>
             <a:endParaRPr lang="ko-KR" altLang="en-US" sz="3000" b="1">
               <a:latin typeface="맑은 고딕" charset="0"/>
@@ -8124,8 +8124,8 @@
         </p:nvSpPr>
         <p:spPr>
           <a:xfrm rot="0">
-            <a:off x="1181100" y="4384040"/>
-            <a:ext cx="4199255" cy="1784985"/>
+            <a:off x="1238885" y="4938395"/>
+            <a:ext cx="4150995" cy="1231265"/>
           </a:xfrm>
           <a:prstGeom prst="rect"/>
           <a:noFill/>
@@ -8152,8 +8152,104 @@
                 <a:latin typeface="맑은 고딕" charset="0"/>
                 <a:ea typeface="맑은 고딕" charset="0"/>
               </a:rPr>
-              <a:t>24</a:t>
-            </a:r>
+              <a:t>24. </a:t>
+            </a:r>
+            <a:r>
+              <a:rPr sz="1800">
+                <a:latin typeface="맑은 고딕" charset="0"/>
+                <a:ea typeface="맑은 고딕" charset="0"/>
+              </a:rPr>
+              <a:t>그다</a:t>
+            </a:r>
+            <a:r>
+              <a:rPr lang="ko-KR" sz="1800">
+                <a:latin typeface="맑은 고딕" charset="0"/>
+                <a:ea typeface="맑은 고딕" charset="0"/>
+              </a:rPr>
+              <a:t>음</a:t>
+            </a:r>
+            <a:r>
+              <a:rPr lang="ko-KR" sz="1800">
+                <a:latin typeface="맑은 고딕" charset="0"/>
+                <a:ea typeface="맑은 고딕" charset="0"/>
+              </a:rPr>
+              <a:t>으로</a:t>
+            </a:r>
+            <a:r>
+              <a:rPr sz="1800">
+                <a:latin typeface="맑은 고딕" charset="0"/>
+                <a:ea typeface="맑은 고딕" charset="0"/>
+              </a:rPr>
+              <a:t> </a:t>
+            </a:r>
+            <a:r>
+              <a:rPr lang="ko-KR" sz="1800">
+                <a:latin typeface="맑은 고딕" charset="0"/>
+                <a:ea typeface="맑은 고딕" charset="0"/>
+              </a:rPr>
+              <a:t>Ch19_nonPBR 오브젝트</a:t>
+            </a:r>
+            <a:r>
+              <a:rPr lang="ko-KR" sz="1800">
+                <a:latin typeface="맑은 고딕" charset="0"/>
+                <a:ea typeface="맑은 고딕" charset="0"/>
+              </a:rPr>
+              <a:t>의</a:t>
+            </a:r>
+            <a:r>
+              <a:rPr sz="1800">
+                <a:latin typeface="맑은 고딕" charset="0"/>
+                <a:ea typeface="맑은 고딕" charset="0"/>
+              </a:rPr>
+              <a:t> Materials</a:t>
+            </a:r>
+            <a:r>
+              <a:rPr lang="ko-KR" sz="1800">
+                <a:latin typeface="맑은 고딕" charset="0"/>
+                <a:ea typeface="맑은 고딕" charset="0"/>
+              </a:rPr>
+              <a:t>을 선택하고</a:t>
+            </a:r>
+            <a:r>
+              <a:rPr sz="1800">
+                <a:latin typeface="맑은 고딕" charset="0"/>
+                <a:ea typeface="맑은 고딕" charset="0"/>
+              </a:rPr>
+              <a:t> Textures를 불러오기 위해 Extract Textures를 선택합니다.</a:t>
+            </a:r>
+            <a:endParaRPr lang="ko-KR" altLang="en-US" sz="1800">
+              <a:latin typeface="맑은 고딕" charset="0"/>
+              <a:ea typeface="맑은 고딕" charset="0"/>
+            </a:endParaRPr>
+          </a:p>
+        </p:txBody>
+      </p:sp>
+      <p:sp>
+        <p:nvSpPr>
+          <p:cNvPr id="82" name="Rect 0"/>
+          <p:cNvSpPr txBox="1">
+            <a:spLocks/>
+          </p:cNvSpPr>
+          <p:nvPr/>
+        </p:nvSpPr>
+        <p:spPr>
+          <a:xfrm rot="0">
+            <a:off x="6861175" y="5225415"/>
+            <a:ext cx="4084955" cy="940435"/>
+          </a:xfrm>
+          <a:prstGeom prst="rect"/>
+          <a:noFill/>
+        </p:spPr>
+        <p:txBody>
+          <a:bodyPr wrap="square" lIns="0" tIns="0" rIns="0" bIns="0" numCol="1" vert="horz" anchor="t">
+            <a:noAutofit/>
+          </a:bodyPr>
+          <a:lstStyle/>
+          <a:p>
+            <a:pPr marL="0" indent="0" rtl="0" algn="l" defTabSz="914400" eaLnBrk="1" latinLnBrk="0" hangingPunct="1">
+              <a:buFontTx/>
+              <a:buNone/>
+            </a:pPr>
             <a:r>
               <a:rPr sz="2000" b="1">
                 <a:solidFill>
@@ -8162,7 +8258,7 @@
                 <a:latin typeface="맑은 고딕" charset="0"/>
                 <a:ea typeface="맑은 고딕" charset="0"/>
               </a:rPr>
-              <a:t>. </a:t>
+              <a:t>25. </a:t>
             </a:r>
             <a:r>
               <a:rPr sz="1800">
@@ -8172,203 +8268,46 @@
               <a:t>그</a:t>
             </a:r>
             <a:r>
+              <a:rPr lang="ko-KR" sz="1800">
+                <a:latin typeface="맑은 고딕" charset="0"/>
+                <a:ea typeface="맑은 고딕" charset="0"/>
+              </a:rPr>
+              <a:t>런 다음</a:t>
+            </a:r>
+            <a:r>
               <a:rPr sz="1800">
                 <a:latin typeface="맑은 고딕" charset="0"/>
                 <a:ea typeface="맑은 고딕" charset="0"/>
               </a:rPr>
-              <a:t>다</a:t>
+              <a:t> 캐릭터</a:t>
             </a:r>
             <a:r>
               <a:rPr lang="ko-KR" sz="1800">
                 <a:latin typeface="맑은 고딕" charset="0"/>
                 <a:ea typeface="맑은 고딕" charset="0"/>
               </a:rPr>
-              <a:t>음</a:t>
-            </a:r>
-            <a:r>
-              <a:rPr sz="1800">
-                <a:latin typeface="맑은 고딕" charset="0"/>
-                <a:ea typeface="맑은 고딕" charset="0"/>
-              </a:rPr>
-              <a:t> </a:t>
-            </a:r>
-            <a:r>
-              <a:rPr lang="ko-KR" sz="1800">
-                <a:latin typeface="맑은 고딕" charset="0"/>
-                <a:ea typeface="맑은 고딕" charset="0"/>
-              </a:rPr>
-              <a:t>Ch19_nonPBR 오브젝트</a:t>
-            </a:r>
-            <a:r>
-              <a:rPr sz="1800">
-                <a:latin typeface="맑은 고딕" charset="0"/>
-                <a:ea typeface="맑은 고딕" charset="0"/>
-              </a:rPr>
-              <a:t>를 선택</a:t>
-            </a:r>
-            <a:r>
-              <a:rPr sz="1800">
-                <a:latin typeface="맑은 고딕" charset="0"/>
-                <a:ea typeface="맑은 고딕" charset="0"/>
-              </a:rPr>
-              <a:t>합니</a:t>
-            </a:r>
-            <a:r>
-              <a:rPr lang="ko-KR" sz="1800">
-                <a:latin typeface="맑은 고딕" charset="0"/>
-                <a:ea typeface="맑은 고딕" charset="0"/>
-              </a:rPr>
-              <a:t>다.</a:t>
+              <a:t>의 텍스처를 저장하기 위한 폴더를 설정하고 선택합니다.</a:t>
             </a:r>
             <a:endParaRPr lang="ko-KR" altLang="en-US" sz="1800">
               <a:latin typeface="맑은 고딕" charset="0"/>
               <a:ea typeface="맑은 고딕" charset="0"/>
             </a:endParaRPr>
           </a:p>
-          <a:p>
-            <a:pPr marL="0" indent="0" rtl="0" algn="l" defTabSz="914400" eaLnBrk="1" latinLnBrk="0" hangingPunct="1">
-              <a:buFontTx/>
-              <a:buNone/>
-            </a:pPr>
-            <a:endParaRPr lang="ko-KR" altLang="en-US" sz="1800">
-              <a:latin typeface="맑은 고딕" charset="0"/>
-              <a:ea typeface="맑은 고딕" charset="0"/>
-            </a:endParaRPr>
-          </a:p>
-          <a:p>
-            <a:pPr marL="0" indent="0" rtl="0" algn="l" defTabSz="914400" eaLnBrk="1" latinLnBrk="0" hangingPunct="1">
-              <a:buFontTx/>
-              <a:buNone/>
-            </a:pPr>
-            <a:r>
-              <a:rPr lang="ko-KR" sz="1800">
-                <a:latin typeface="맑은 고딕" charset="0"/>
-                <a:ea typeface="맑은 고딕" charset="0"/>
-              </a:rPr>
-              <a:t>그리고</a:t>
-            </a:r>
-            <a:r>
-              <a:rPr sz="1800">
-                <a:latin typeface="맑은 고딕" charset="0"/>
-                <a:ea typeface="맑은 고딕" charset="0"/>
-              </a:rPr>
-              <a:t> Materials</a:t>
-            </a:r>
-            <a:r>
-              <a:rPr lang="ko-KR" sz="1800">
-                <a:latin typeface="맑은 고딕" charset="0"/>
-                <a:ea typeface="맑은 고딕" charset="0"/>
-              </a:rPr>
-              <a:t>을 선택하고</a:t>
-            </a:r>
-            <a:r>
-              <a:rPr sz="1800">
-                <a:latin typeface="맑은 고딕" charset="0"/>
-                <a:ea typeface="맑은 고딕" charset="0"/>
-              </a:rPr>
-              <a:t> Textures를 불러오기 위해 Extract Textures를 선택합니다.</a:t>
-            </a:r>
-            <a:endParaRPr lang="ko-KR" altLang="en-US" sz="1800">
-              <a:latin typeface="맑은 고딕" charset="0"/>
-              <a:ea typeface="맑은 고딕" charset="0"/>
-            </a:endParaRPr>
-          </a:p>
-        </p:txBody>
-      </p:sp>
-      <p:sp>
-        <p:nvSpPr>
-          <p:cNvPr id="82" name="Rect 0"/>
-          <p:cNvSpPr txBox="1">
-            <a:spLocks/>
-          </p:cNvSpPr>
-          <p:nvPr/>
-        </p:nvSpPr>
-        <p:spPr>
-          <a:xfrm rot="0">
-            <a:off x="6852920" y="5520055"/>
-            <a:ext cx="4246880" cy="647700"/>
-          </a:xfrm>
-          <a:prstGeom prst="rect"/>
-          <a:noFill/>
-        </p:spPr>
-        <p:txBody>
-          <a:bodyPr wrap="square" lIns="0" tIns="0" rIns="0" bIns="0" numCol="1" vert="horz" anchor="t">
-            <a:noAutofit/>
-          </a:bodyPr>
-          <a:lstStyle/>
-          <a:p>
-            <a:pPr marL="0" indent="0" rtl="0" algn="l" defTabSz="914400" eaLnBrk="1" latinLnBrk="0" hangingPunct="1">
-              <a:buFontTx/>
-              <a:buNone/>
-            </a:pPr>
-            <a:r>
-              <a:rPr sz="2000" b="1">
-                <a:solidFill>
-                  <a:srgbClr val="0611F2"/>
-                </a:solidFill>
-                <a:latin typeface="맑은 고딕" charset="0"/>
-                <a:ea typeface="맑은 고딕" charset="0"/>
-              </a:rPr>
-              <a:t>25</a:t>
-            </a:r>
-            <a:r>
-              <a:rPr sz="2000" b="1">
-                <a:solidFill>
-                  <a:srgbClr val="0611F2"/>
-                </a:solidFill>
-                <a:latin typeface="맑은 고딕" charset="0"/>
-                <a:ea typeface="맑은 고딕" charset="0"/>
-              </a:rPr>
-              <a:t>. </a:t>
-            </a:r>
-            <a:r>
-              <a:rPr sz="1800">
-                <a:latin typeface="맑은 고딕" charset="0"/>
-                <a:ea typeface="맑은 고딕" charset="0"/>
-              </a:rPr>
-              <a:t>이</a:t>
-            </a:r>
-            <a:r>
-              <a:rPr lang="ko-KR" sz="1800">
-                <a:latin typeface="맑은 고딕" charset="0"/>
-                <a:ea typeface="맑은 고딕" charset="0"/>
-              </a:rPr>
-              <a:t>제</a:t>
-            </a:r>
-            <a:r>
-              <a:rPr sz="1800">
-                <a:latin typeface="맑은 고딕" charset="0"/>
-                <a:ea typeface="맑은 고딕" charset="0"/>
-              </a:rPr>
-              <a:t> 캐릭터</a:t>
-            </a:r>
-            <a:r>
-              <a:rPr lang="ko-KR" sz="1800">
-                <a:latin typeface="맑은 고딕" charset="0"/>
-                <a:ea typeface="맑은 고딕" charset="0"/>
-              </a:rPr>
-              <a:t>의 텍스처를 저장하기 위한 폴더를 설정하고 선택합니다.</a:t>
-            </a:r>
-            <a:endParaRPr lang="ko-KR" altLang="en-US" sz="1800">
-              <a:latin typeface="맑은 고딕" charset="0"/>
-              <a:ea typeface="맑은 고딕" charset="0"/>
-            </a:endParaRPr>
-          </a:p>
         </p:txBody>
       </p:sp>
       <p:pic>
         <p:nvPicPr>
-          <p:cNvPr id="84" name="그림 1"/>
+          <p:cNvPr id="84" name="그림 1" descr="C:/Users/Admin1/AppData/Roaming/PolarisOffice/ETemp/20852_9486176/fImage2850415241.png"/>
           <p:cNvPicPr>
             <a:picLocks noChangeAspect="1"/>
           </p:cNvPicPr>
           <p:nvPr/>
         </p:nvPicPr>
         <p:blipFill rotWithShape="1">
-          <a:blip r:embed="rId8" cstate="print">
+          <a:blip r:embed="rId8" cstate="hqprint">
             <a:extLst>
               <a:ext uri="{28A0092B-C50C-407E-A947-70E740481C1C}">
-                <a14:useLocalDpi xmlns:a14="http://schemas.microsoft.com/office/drawing/2010/main" val="0"/>
+                <a14:useLocalDpi xmlns:a14="http://schemas.microsoft.com/office/drawing/2010/main"/>
               </a:ext>
             </a:extLst>
           </a:blip>
@@ -8378,8 +8317,8 @@
         </p:blipFill>
         <p:spPr>
           <a:xfrm rot="0">
-            <a:off x="1174115" y="1457960"/>
-            <a:ext cx="4206240" cy="2823845"/>
+            <a:off x="1229995" y="1454785"/>
+            <a:ext cx="4150995" cy="3325495"/>
           </a:xfrm>
           <a:prstGeom prst="rect"/>
           <a:noFill/>
@@ -8387,17 +8326,17 @@
       </p:pic>
       <p:pic>
         <p:nvPicPr>
-          <p:cNvPr id="85" name="그림 2"/>
+          <p:cNvPr id="85" name="그림 2" descr="C:/Users/Admin1/AppData/Roaming/PolarisOffice/ETemp/20852_9486176/fImage272311538467.png"/>
           <p:cNvPicPr>
             <a:picLocks noChangeAspect="1"/>
           </p:cNvPicPr>
           <p:nvPr/>
         </p:nvPicPr>
         <p:blipFill rotWithShape="1">
-          <a:blip r:embed="rId9" cstate="print">
+          <a:blip r:embed="rId9" cstate="hqprint">
             <a:extLst>
               <a:ext uri="{28A0092B-C50C-407E-A947-70E740481C1C}">
-                <a14:useLocalDpi xmlns:a14="http://schemas.microsoft.com/office/drawing/2010/main" val="0"/>
+                <a14:useLocalDpi xmlns:a14="http://schemas.microsoft.com/office/drawing/2010/main"/>
               </a:ext>
             </a:extLst>
           </a:blip>
@@ -8407,8 +8346,8 @@
         </p:blipFill>
         <p:spPr>
           <a:xfrm rot="0">
-            <a:off x="6849745" y="1461770"/>
-            <a:ext cx="4239260" cy="2681605"/>
+            <a:off x="6849745" y="1463675"/>
+            <a:ext cx="4087495" cy="2355850"/>
           </a:xfrm>
           <a:prstGeom prst="rect"/>
           <a:noFill/>
@@ -8416,17 +8355,17 @@
       </p:pic>
       <p:pic>
         <p:nvPicPr>
-          <p:cNvPr id="86" name="그림 3"/>
+          <p:cNvPr id="86" name="그림 3" descr="C:/Users/Admin1/AppData/Roaming/PolarisOffice/ETemp/20852_9486176/fImage555761546334.png"/>
           <p:cNvPicPr>
             <a:picLocks noChangeAspect="1"/>
           </p:cNvPicPr>
           <p:nvPr/>
         </p:nvPicPr>
         <p:blipFill rotWithShape="1">
-          <a:blip r:embed="rId10" cstate="print">
+          <a:blip r:embed="rId10" cstate="hqprint">
             <a:extLst>
               <a:ext uri="{28A0092B-C50C-407E-A947-70E740481C1C}">
-                <a14:useLocalDpi xmlns:a14="http://schemas.microsoft.com/office/drawing/2010/main" val="0"/>
+                <a14:useLocalDpi xmlns:a14="http://schemas.microsoft.com/office/drawing/2010/main"/>
               </a:ext>
             </a:extLst>
           </a:blip>
@@ -8436,8 +8375,8 @@
         </p:blipFill>
         <p:spPr>
           <a:xfrm rot="0">
-            <a:off x="6849745" y="4298315"/>
-            <a:ext cx="4248150" cy="1125220"/>
+            <a:off x="6849745" y="4020185"/>
+            <a:ext cx="4087495" cy="1045210"/>
           </a:xfrm>
           <a:prstGeom prst="roundRect"/>
           <a:solidFill>
@@ -8495,8 +8434,8 @@
         </p:nvSpPr>
         <p:spPr>
           <a:xfrm rot="0">
-            <a:off x="4332605" y="453390"/>
-            <a:ext cx="3538855" cy="554990"/>
+            <a:off x="4332605" y="418465"/>
+            <a:ext cx="3539490" cy="478155"/>
           </a:xfrm>
           <a:prstGeom prst="rect"/>
           <a:noFill/>
@@ -8511,34 +8450,20 @@
           </a:bodyPr>
           <a:lstStyle/>
           <a:p>
-            <a:pPr marL="0" indent="0" algn="l" latinLnBrk="0" hangingPunct="1">
-              <a:buFontTx/>
-              <a:buNone/>
-            </a:pPr>
-            <a:r>
-              <a:rPr lang="ko-KR" sz="3000" b="1">
-                <a:latin typeface="맑은 고딕" charset="0"/>
-                <a:ea typeface="맑은 고딕" charset="0"/>
-              </a:rPr>
-              <a:t>열</a:t>
-            </a:r>
-            <a:r>
-              <a:rPr lang="ko-KR" sz="3000" b="1">
-                <a:latin typeface="맑은 고딕" charset="0"/>
-                <a:ea typeface="맑은 고딕" charset="0"/>
-              </a:rPr>
-              <a:t>한</a:t>
-            </a:r>
-            <a:r>
-              <a:rPr lang="ko-KR" sz="3000" b="1">
-                <a:latin typeface="맑은 고딕" charset="0"/>
-                <a:ea typeface="맑은 고딕" charset="0"/>
-              </a:rPr>
-              <a:t> 번째 튜토리얼 </a:t>
-            </a:r>
-            <a:endParaRPr lang="ko-KR" altLang="en-US" sz="3000" b="1">
-              <a:latin typeface="맑은 고딕" charset="0"/>
-              <a:ea typeface="맑은 고딕" charset="0"/>
+            <a:pPr marL="0" indent="0" algn="ctr" latinLnBrk="0" hangingPunct="1">
+              <a:buFontTx/>
+              <a:buNone/>
+            </a:pPr>
+            <a:r>
+              <a:rPr lang="ko-KR" sz="2500" b="1">
+                <a:latin typeface="나눔바른고딕" charset="0"/>
+                <a:ea typeface="나눔바른고딕" charset="0"/>
+              </a:rPr>
+              <a:t>열한 번째 튜토리얼 </a:t>
+            </a:r>
+            <a:endParaRPr lang="ko-KR" altLang="en-US" sz="2500" b="1">
+              <a:latin typeface="나눔바른고딕" charset="0"/>
+              <a:ea typeface="나눔바른고딕" charset="0"/>
             </a:endParaRPr>
           </a:p>
         </p:txBody>
@@ -8553,8 +8478,8 @@
         </p:nvSpPr>
         <p:spPr>
           <a:xfrm rot="0">
-            <a:off x="1181100" y="4107180"/>
-            <a:ext cx="4199255" cy="2061845"/>
+            <a:off x="1229995" y="4107180"/>
+            <a:ext cx="4156710" cy="2061845"/>
           </a:xfrm>
           <a:prstGeom prst="rect"/>
           <a:noFill/>
@@ -8615,7 +8540,7 @@
                 <a:latin typeface="맑은 고딕" charset="0"/>
                 <a:ea typeface="맑은 고딕" charset="0"/>
               </a:rPr>
-              <a:t>런 다음</a:t>
+              <a:t>러고 나서</a:t>
             </a:r>
             <a:r>
               <a:rPr sz="1800">
@@ -8689,8 +8614,8 @@
         </p:nvSpPr>
         <p:spPr>
           <a:xfrm rot="0">
-            <a:off x="6852920" y="2847340"/>
-            <a:ext cx="4252595" cy="949960"/>
+            <a:off x="6814820" y="2569845"/>
+            <a:ext cx="4139565" cy="950595"/>
           </a:xfrm>
           <a:prstGeom prst="rect"/>
           <a:noFill/>
@@ -8713,17 +8638,7 @@
                 <a:latin typeface="맑은 고딕" charset="0"/>
                 <a:ea typeface="맑은 고딕" charset="0"/>
               </a:rPr>
-              <a:t>27</a:t>
-            </a:r>
-            <a:r>
-              <a:rPr lang="ko-KR" sz="2000" b="1">
-                <a:solidFill>
-                  <a:srgbClr val="0611F2"/>
-                </a:solidFill>
-                <a:latin typeface="맑은 고딕" charset="0"/>
-                <a:ea typeface="맑은 고딕" charset="0"/>
-              </a:rPr>
-              <a:t>.</a:t>
+              <a:t>27.</a:t>
             </a:r>
             <a:r>
               <a:rPr lang="ko-KR" sz="2000">
@@ -8740,35 +8655,28 @@
                 <a:latin typeface="맑은 고딕" charset="0"/>
                 <a:ea typeface="맑은 고딕" charset="0"/>
               </a:rPr>
-              <a:t>그다음</a:t>
+              <a:t>이제</a:t>
             </a:r>
             <a:r>
               <a:rPr lang="ko-KR" sz="1800">
                 <a:latin typeface="맑은 고딕" charset="0"/>
                 <a:ea typeface="맑은 고딕" charset="0"/>
               </a:rPr>
-              <a:t>으로</a:t>
+              <a:t> Project 폴더</a:t>
             </a:r>
             <a:r>
               <a:rPr lang="ko-KR" sz="1800">
                 <a:latin typeface="맑은 고딕" charset="0"/>
                 <a:ea typeface="맑은 고딕" charset="0"/>
               </a:rPr>
-              <a:t> Project 폴더에 있는 Model 폴더에 Ch1</a:t>
+              <a:t> 아래에 있는</a:t>
             </a:r>
             <a:r>
               <a:rPr lang="ko-KR" sz="1800">
                 <a:latin typeface="맑은 고딕" charset="0"/>
                 <a:ea typeface="맑은 고딕" charset="0"/>
               </a:rPr>
-              <a:t>9</a:t>
-            </a:r>
-            <a:r>
-              <a:rPr lang="ko-KR" sz="1800">
-                <a:latin typeface="맑은 고딕" charset="0"/>
-                <a:ea typeface="맑은 고딕" charset="0"/>
-              </a:rPr>
-              <a:t>_nonPBR 오브젝트를 월드 공간에 배치합니다.</a:t>
+              <a:t> Model 폴더에 Ch19_nonPBR 오브젝트를 월드 공간에 배치합니다.</a:t>
             </a:r>
             <a:endParaRPr lang="ko-KR" altLang="en-US" sz="1800">
               <a:latin typeface="맑은 고딕" charset="0"/>
@@ -8779,17 +8687,17 @@
       </p:sp>
       <p:pic>
         <p:nvPicPr>
-          <p:cNvPr id="84" name="Picture "/>
+          <p:cNvPr id="85" name="그림 8" descr="C:/Users/Admin1/AppData/Roaming/PolarisOffice/ETemp/20852_9486176/fImage86322379169.png"/>
           <p:cNvPicPr>
             <a:picLocks noChangeAspect="1"/>
           </p:cNvPicPr>
           <p:nvPr/>
         </p:nvPicPr>
         <p:blipFill rotWithShape="1">
-          <a:blip r:embed="rId2" cstate="print">
+          <a:blip r:embed="rId3" cstate="hqprint">
             <a:extLst>
               <a:ext uri="{28A0092B-C50C-407E-A947-70E740481C1C}">
-                <a14:useLocalDpi xmlns:a14="http://schemas.microsoft.com/office/drawing/2010/main" val="0"/>
+                <a14:useLocalDpi xmlns:a14="http://schemas.microsoft.com/office/drawing/2010/main"/>
               </a:ext>
             </a:extLst>
           </a:blip>
@@ -8799,26 +8707,28 @@
         </p:blipFill>
         <p:spPr>
           <a:xfrm rot="0">
-            <a:off x="1174115" y="1457960"/>
-            <a:ext cx="4206240" cy="2546985"/>
-          </a:xfrm>
-          <a:prstGeom prst="rect"/>
-          <a:noFill/>
+            <a:off x="8242300" y="1463675"/>
+            <a:ext cx="2712085" cy="970280"/>
+          </a:xfrm>
+          <a:prstGeom prst="roundRect"/>
+          <a:solidFill>
+            <a:srgbClr val="EDEDED"/>
+          </a:solidFill>
         </p:spPr>
       </p:pic>
       <p:pic>
         <p:nvPicPr>
-          <p:cNvPr id="85" name="그림 8"/>
+          <p:cNvPr id="86" name="그림 11" descr="C:/Users/Admin1/AppData/Roaming/PolarisOffice/ETemp/20852_9486176/fImage61872385724.png"/>
           <p:cNvPicPr>
             <a:picLocks noChangeAspect="1"/>
           </p:cNvPicPr>
           <p:nvPr/>
         </p:nvPicPr>
         <p:blipFill rotWithShape="1">
-          <a:blip r:embed="rId3" cstate="print">
+          <a:blip r:embed="rId4" cstate="hqprint">
             <a:extLst>
               <a:ext uri="{28A0092B-C50C-407E-A947-70E740481C1C}">
-                <a14:useLocalDpi xmlns:a14="http://schemas.microsoft.com/office/drawing/2010/main" val="0"/>
+                <a14:useLocalDpi xmlns:a14="http://schemas.microsoft.com/office/drawing/2010/main"/>
               </a:ext>
             </a:extLst>
           </a:blip>
@@ -8828,8 +8738,8 @@
         </p:blipFill>
         <p:spPr>
           <a:xfrm rot="0">
-            <a:off x="8242300" y="1466850"/>
-            <a:ext cx="2858770" cy="1214755"/>
+            <a:off x="6823710" y="1463675"/>
+            <a:ext cx="1333500" cy="967740"/>
           </a:xfrm>
           <a:prstGeom prst="roundRect"/>
           <a:solidFill>
@@ -8839,38 +8749,7 @@
       </p:pic>
       <p:pic>
         <p:nvPicPr>
-          <p:cNvPr id="86" name="그림 11"/>
-          <p:cNvPicPr>
-            <a:picLocks noChangeAspect="1"/>
-          </p:cNvPicPr>
-          <p:nvPr/>
-        </p:nvPicPr>
-        <p:blipFill rotWithShape="1">
-          <a:blip r:embed="rId4" cstate="print">
-            <a:extLst>
-              <a:ext uri="{28A0092B-C50C-407E-A947-70E740481C1C}">
-                <a14:useLocalDpi xmlns:a14="http://schemas.microsoft.com/office/drawing/2010/main" val="0"/>
-              </a:ext>
-            </a:extLst>
-          </a:blip>
-          <a:stretch>
-            <a:fillRect/>
-          </a:stretch>
-        </p:blipFill>
-        <p:spPr>
-          <a:xfrm rot="0">
-            <a:off x="6851015" y="1459230"/>
-            <a:ext cx="1305560" cy="1219200"/>
-          </a:xfrm>
-          <a:prstGeom prst="roundRect"/>
-          <a:solidFill>
-            <a:srgbClr val="EDEDED"/>
-          </a:solidFill>
-        </p:spPr>
-      </p:pic>
-      <p:pic>
-        <p:nvPicPr>
-          <p:cNvPr id="87" name="그림 14"/>
+          <p:cNvPr id="87" name="그림 14" descr="C:/Users/Admin1/AppData/Roaming/PolarisOffice/ETemp/20852_9486176/fImage44844086827.png"/>
           <p:cNvPicPr>
             <a:picLocks noChangeAspect="1"/>
           </p:cNvPicPr>
@@ -8890,8 +8769,8 @@
         </p:blipFill>
         <p:spPr>
           <a:xfrm rot="0">
-            <a:off x="8242300" y="3926840"/>
-            <a:ext cx="2865755" cy="1151255"/>
+            <a:off x="8233410" y="3667125"/>
+            <a:ext cx="2720975" cy="1122045"/>
           </a:xfrm>
           <a:prstGeom prst="roundRect"/>
           <a:solidFill>
@@ -8901,17 +8780,17 @@
       </p:pic>
       <p:pic>
         <p:nvPicPr>
-          <p:cNvPr id="88" name="그림 15"/>
+          <p:cNvPr id="88" name="그림 15" descr="C:/Users/Admin1/AppData/Roaming/PolarisOffice/ETemp/20852_9486176/fImage61872401478.png"/>
           <p:cNvPicPr>
             <a:picLocks noChangeAspect="1"/>
           </p:cNvPicPr>
           <p:nvPr/>
         </p:nvPicPr>
         <p:blipFill rotWithShape="1">
-          <a:blip r:embed="rId6" cstate="print">
+          <a:blip r:embed="rId6" cstate="hqprint">
             <a:extLst>
               <a:ext uri="{28A0092B-C50C-407E-A947-70E740481C1C}">
-                <a14:useLocalDpi xmlns:a14="http://schemas.microsoft.com/office/drawing/2010/main" val="0"/>
+                <a14:useLocalDpi xmlns:a14="http://schemas.microsoft.com/office/drawing/2010/main"/>
               </a:ext>
             </a:extLst>
           </a:blip>
@@ -8921,8 +8800,8 @@
         </p:blipFill>
         <p:spPr>
           <a:xfrm rot="0">
-            <a:off x="6853555" y="3935095"/>
-            <a:ext cx="1305560" cy="1150620"/>
+            <a:off x="6814820" y="3675380"/>
+            <a:ext cx="1336040" cy="1120775"/>
           </a:xfrm>
           <a:prstGeom prst="roundRect"/>
           <a:solidFill>
@@ -8940,8 +8819,8 @@
         </p:nvSpPr>
         <p:spPr>
           <a:xfrm rot="0">
-            <a:off x="6846570" y="5219700"/>
-            <a:ext cx="4252595" cy="949960"/>
+            <a:off x="6831965" y="4942840"/>
+            <a:ext cx="4122420" cy="1231900"/>
           </a:xfrm>
           <a:prstGeom prst="rect"/>
           <a:noFill/>
@@ -8964,17 +8843,7 @@
                 <a:latin typeface="맑은 고딕" charset="0"/>
                 <a:ea typeface="맑은 고딕" charset="0"/>
               </a:rPr>
-              <a:t>28</a:t>
-            </a:r>
-            <a:r>
-              <a:rPr lang="ko-KR" sz="2000" b="1">
-                <a:solidFill>
-                  <a:srgbClr val="0611F2"/>
-                </a:solidFill>
-                <a:latin typeface="맑은 고딕" charset="0"/>
-                <a:ea typeface="맑은 고딕" charset="0"/>
-              </a:rPr>
-              <a:t>.</a:t>
+              <a:t>28.</a:t>
             </a:r>
             <a:r>
               <a:rPr lang="ko-KR" sz="2000">
@@ -8991,63 +8860,28 @@
                 <a:latin typeface="맑은 고딕" charset="0"/>
                 <a:ea typeface="맑은 고딕" charset="0"/>
               </a:rPr>
-              <a:t>이제</a:t>
+              <a:t>그리고</a:t>
             </a:r>
             <a:r>
               <a:rPr lang="ko-KR" sz="1800">
                 <a:latin typeface="맑은 고딕" charset="0"/>
                 <a:ea typeface="맑은 고딕" charset="0"/>
               </a:rPr>
-              <a:t> Project 폴더에 있는 </a:t>
+              <a:t> Project 폴더</a:t>
             </a:r>
             <a:r>
               <a:rPr lang="ko-KR" sz="1800">
                 <a:latin typeface="맑은 고딕" charset="0"/>
                 <a:ea typeface="맑은 고딕" charset="0"/>
               </a:rPr>
-              <a:t>Animator </a:t>
+              <a:t> 아래에 있는</a:t>
             </a:r>
             <a:r>
               <a:rPr lang="ko-KR" sz="1800">
                 <a:latin typeface="맑은 고딕" charset="0"/>
                 <a:ea typeface="맑은 고딕" charset="0"/>
               </a:rPr>
-              <a:t>폴더에 </a:t>
-            </a:r>
-            <a:r>
-              <a:rPr lang="ko-KR" sz="1800">
-                <a:latin typeface="맑은 고딕" charset="0"/>
-                <a:ea typeface="맑은 고딕" charset="0"/>
-              </a:rPr>
-              <a:t>Public Animation Controller</a:t>
-            </a:r>
-            <a:r>
-              <a:rPr lang="ko-KR" sz="1800">
-                <a:latin typeface="맑은 고딕" charset="0"/>
-                <a:ea typeface="맑은 고딕" charset="0"/>
-              </a:rPr>
-              <a:t>를 Ch1</a:t>
-            </a:r>
-            <a:r>
-              <a:rPr lang="ko-KR" sz="1800">
-                <a:latin typeface="맑은 고딕" charset="0"/>
-                <a:ea typeface="맑은 고딕" charset="0"/>
-              </a:rPr>
-              <a:t>9</a:t>
-            </a:r>
-            <a:r>
-              <a:rPr lang="ko-KR" sz="1800">
-                <a:latin typeface="맑은 고딕" charset="0"/>
-                <a:ea typeface="맑은 고딕" charset="0"/>
-              </a:rPr>
-              <a:t>_nonPBR 오브젝트</a:t>
-            </a:r>
-            <a:r>
-              <a:rPr lang="ko-KR" sz="1800">
-                <a:latin typeface="맑은 고딕" charset="0"/>
-                <a:ea typeface="맑은 고딕" charset="0"/>
-              </a:rPr>
-              <a:t>에 넣어줍니다.</a:t>
+              <a:t> Animator 폴더에 Public Animation Controller를 Ch19_nonPBR 오브젝트에 넣어줍니다.</a:t>
             </a:r>
             <a:endParaRPr lang="ko-KR" altLang="en-US" sz="1800">
               <a:latin typeface="맑은 고딕" charset="0"/>
@@ -9064,13 +8898,12 @@
         </p:nvCxnSpPr>
         <p:spPr>
           <a:xfrm rot="0" flipH="1">
-            <a:off x="7809865" y="4566920"/>
-            <a:ext cx="519430" cy="381000"/>
+            <a:off x="7802245" y="4260215"/>
+            <a:ext cx="511175" cy="381635"/>
           </a:xfrm>
           <a:prstGeom prst="straightConnector1"/>
           <a:ln w="6350" cap="flat" cmpd="sng">
             <a:prstDash/>
-            <a:headEnd type="none" w="med" len="med"/>
             <a:tailEnd type="triangle" w="med" len="med"/>
           </a:ln>
         </p:spPr>
@@ -9089,6 +8922,37 @@
           </a:fontRef>
         </p:style>
       </p:cxnSp>
+      <p:pic>
+        <p:nvPicPr>
+          <p:cNvPr id="91" name="그림 17" descr="C:/Users/Admin1/AppData/Roaming/PolarisOffice/ETemp/20852_9486176/fImage1971024941.png"/>
+          <p:cNvPicPr>
+            <a:picLocks noChangeAspect="1"/>
+          </p:cNvPicPr>
+          <p:nvPr/>
+        </p:nvPicPr>
+        <p:blipFill rotWithShape="1">
+          <a:blip r:embed="rId8" cstate="print">
+            <a:extLst>
+              <a:ext uri="{28A0092B-C50C-407E-A947-70E740481C1C}">
+                <a14:useLocalDpi xmlns:a14="http://schemas.microsoft.com/office/drawing/2010/main" val="0"/>
+              </a:ext>
+            </a:extLst>
+          </a:blip>
+          <a:stretch>
+            <a:fillRect/>
+          </a:stretch>
+        </p:blipFill>
+        <p:spPr>
+          <a:xfrm rot="0">
+            <a:off x="1238250" y="1454150"/>
+            <a:ext cx="4157345" cy="2503805"/>
+          </a:xfrm>
+          <a:prstGeom prst="roundRect"/>
+          <a:solidFill>
+            <a:srgbClr val="EDEDED"/>
+          </a:solidFill>
+        </p:spPr>
+      </p:pic>
     </p:spTree>
   </p:cSld>
   <p:clrMapOvr>
@@ -9139,8 +9003,8 @@
         </p:nvSpPr>
         <p:spPr>
           <a:xfrm rot="0">
-            <a:off x="4332605" y="453390"/>
-            <a:ext cx="3538855" cy="554990"/>
+            <a:off x="4332605" y="332105"/>
+            <a:ext cx="3539490" cy="554990"/>
           </a:xfrm>
           <a:prstGeom prst="rect"/>
           <a:noFill/>
@@ -9155,30 +9019,23 @@
           </a:bodyPr>
           <a:lstStyle/>
           <a:p>
-            <a:pPr marL="0" indent="0" algn="l" latinLnBrk="0" hangingPunct="1">
-              <a:buFontTx/>
-              <a:buNone/>
-            </a:pPr>
+            <a:pPr marL="0" indent="0" algn="ctr" latinLnBrk="0" hangingPunct="1">
+              <a:buFontTx/>
+              <a:buNone/>
+            </a:pPr>
+            <a:r>
+              <a:rPr lang="ko-KR" sz="2500" b="1">
+                <a:latin typeface="나눔바른고딕" charset="0"/>
+                <a:ea typeface="나눔바른고딕" charset="0"/>
+              </a:rPr>
+              <a:t>열두 번째 튜토리얼</a:t>
+            </a:r>
             <a:r>
               <a:rPr lang="ko-KR" sz="3000" b="1">
                 <a:latin typeface="맑은 고딕" charset="0"/>
                 <a:ea typeface="맑은 고딕" charset="0"/>
               </a:rPr>
-              <a:t>열</a:t>
-            </a:r>
-            <a:r>
-              <a:rPr lang="ko-KR" sz="3000" b="1">
-                <a:latin typeface="맑은 고딕" charset="0"/>
-                <a:ea typeface="맑은 고딕" charset="0"/>
-              </a:rPr>
-              <a:t>두</a:t>
-            </a:r>
-            <a:r>
-              <a:rPr lang="ko-KR" sz="3000" b="1">
-                <a:latin typeface="맑은 고딕" charset="0"/>
-                <a:ea typeface="맑은 고딕" charset="0"/>
-              </a:rPr>
-              <a:t> 번째 튜토리얼 </a:t>
+              <a:t> </a:t>
             </a:r>
             <a:endParaRPr lang="ko-KR" altLang="en-US" sz="3000" b="1">
               <a:latin typeface="맑은 고딕" charset="0"/>
@@ -9197,8 +9054,8 @@
         </p:nvSpPr>
         <p:spPr>
           <a:xfrm rot="0">
-            <a:off x="1181100" y="4184650"/>
-            <a:ext cx="4199890" cy="2032000"/>
+            <a:off x="1238250" y="4184650"/>
+            <a:ext cx="4143375" cy="2031365"/>
           </a:xfrm>
           <a:prstGeom prst="rect"/>
           <a:noFill/>
@@ -9311,7 +9168,28 @@
                 <a:latin typeface="맑은 고딕" charset="0"/>
                 <a:ea typeface="맑은 고딕" charset="0"/>
               </a:rPr>
-              <a:t>그리고 </a:t>
+              <a:t>그</a:t>
+            </a:r>
+            <a:r>
+              <a:rPr sz="1800">
+                <a:latin typeface="맑은 고딕" charset="0"/>
+                <a:ea typeface="맑은 고딕" charset="0"/>
+              </a:rPr>
+              <a:t>러</a:t>
+            </a:r>
+            <a:r>
+              <a:rPr lang="ko-KR" sz="1800">
+                <a:latin typeface="맑은 고딕" charset="0"/>
+                <a:ea typeface="맑은 고딕" charset="0"/>
+              </a:rPr>
+              <a:t>고 나서</a:t>
+            </a:r>
+            <a:r>
+              <a:rPr sz="1800">
+                <a:latin typeface="맑은 고딕" charset="0"/>
+                <a:ea typeface="맑은 고딕" charset="0"/>
+              </a:rPr>
+              <a:t> </a:t>
             </a:r>
             <a:r>
               <a:rPr lang="ko-KR" sz="1800">
@@ -9373,7 +9251,7 @@
         <p:spPr>
           <a:xfrm rot="0">
             <a:off x="6830060" y="4194810"/>
-            <a:ext cx="4284980" cy="2024380"/>
+            <a:ext cx="4124325" cy="2032000"/>
           </a:xfrm>
           <a:prstGeom prst="rect"/>
           <a:noFill/>
@@ -9413,14 +9291,7 @@
                 <a:latin typeface="맑은 고딕" charset="0"/>
                 <a:ea typeface="맑은 고딕" charset="0"/>
               </a:rPr>
-              <a:t>그다음</a:t>
-            </a:r>
-            <a:r>
-              <a:rPr sz="1800">
-                <a:latin typeface="맑은 고딕" charset="0"/>
-                <a:ea typeface="맑은 고딕" charset="0"/>
-              </a:rPr>
-              <a:t>으</a:t>
+              <a:t>그다음으</a:t>
             </a:r>
             <a:r>
               <a:rPr lang="ko-KR" sz="1800">
@@ -9510,14 +9381,7 @@
                 <a:latin typeface="맑은 고딕" charset="0"/>
                 <a:ea typeface="맑은 고딕" charset="0"/>
               </a:rPr>
-              <a:t> 정</a:t>
-            </a:r>
-            <a:r>
-              <a:rPr sz="1800">
-                <a:latin typeface="맑은 고딕" charset="0"/>
-                <a:ea typeface="맑은 고딕" charset="0"/>
-              </a:rPr>
-              <a:t>의하</a:t>
+              <a:t> 정의하</a:t>
             </a:r>
             <a:r>
               <a:rPr lang="ko-KR" sz="1800">
@@ -9535,7 +9399,7 @@
       </p:sp>
       <p:pic>
         <p:nvPicPr>
-          <p:cNvPr id="91" name="그림 19"/>
+          <p:cNvPr id="91" name="그림 19" descr="C:/Users/Admin1/AppData/Roaming/PolarisOffice/ETemp/20852_9486176/fImage85062589358.png"/>
           <p:cNvPicPr>
             <a:picLocks noChangeAspect="1"/>
           </p:cNvPicPr>
@@ -9555,8 +9419,8 @@
         </p:blipFill>
         <p:spPr>
           <a:xfrm rot="0">
-            <a:off x="1186180" y="1452880"/>
-            <a:ext cx="2568575" cy="2552065"/>
+            <a:off x="1229995" y="1454785"/>
+            <a:ext cx="2525395" cy="2550795"/>
           </a:xfrm>
           <a:prstGeom prst="roundRect"/>
           <a:solidFill>
@@ -9566,17 +9430,17 @@
       </p:pic>
       <p:pic>
         <p:nvPicPr>
-          <p:cNvPr id="92" name="그림 20"/>
+          <p:cNvPr id="92" name="그림 20" descr="C:/Users/Admin1/AppData/Roaming/PolarisOffice/ETemp/20852_9486176/fImage76052596962.png"/>
           <p:cNvPicPr>
             <a:picLocks noChangeAspect="1"/>
           </p:cNvPicPr>
           <p:nvPr/>
         </p:nvPicPr>
         <p:blipFill rotWithShape="1">
-          <a:blip r:embed="rId3" cstate="print">
+          <a:blip r:embed="rId3" cstate="hqprint">
             <a:extLst>
               <a:ext uri="{28A0092B-C50C-407E-A947-70E740481C1C}">
-                <a14:useLocalDpi xmlns:a14="http://schemas.microsoft.com/office/drawing/2010/main" val="0"/>
+                <a14:useLocalDpi xmlns:a14="http://schemas.microsoft.com/office/drawing/2010/main"/>
               </a:ext>
             </a:extLst>
           </a:blip>
@@ -9586,8 +9450,8 @@
         </p:blipFill>
         <p:spPr>
           <a:xfrm rot="0">
-            <a:off x="3970020" y="1513840"/>
-            <a:ext cx="1418590" cy="1315085"/>
+            <a:off x="3970020" y="1454785"/>
+            <a:ext cx="1419225" cy="1374775"/>
           </a:xfrm>
           <a:prstGeom prst="roundRect"/>
           <a:solidFill>
@@ -9597,7 +9461,7 @@
       </p:pic>
       <p:pic>
         <p:nvPicPr>
-          <p:cNvPr id="93" name="그림 23"/>
+          <p:cNvPr id="93" name="그림 23" descr="C:/Users/Admin1/AppData/Roaming/PolarisOffice/ETemp/20852_9486176/fImage23102604464.png"/>
           <p:cNvPicPr>
             <a:picLocks noChangeAspect="1"/>
           </p:cNvPicPr>
@@ -9617,8 +9481,8 @@
         </p:blipFill>
         <p:spPr>
           <a:xfrm rot="0">
-            <a:off x="4298315" y="3268980"/>
-            <a:ext cx="745490" cy="735965"/>
+            <a:off x="4312285" y="3268980"/>
+            <a:ext cx="732155" cy="736600"/>
           </a:xfrm>
           <a:prstGeom prst="roundRect"/>
           <a:solidFill>
@@ -9637,8 +9501,8 @@
         </p:nvCxnSpPr>
         <p:spPr>
           <a:xfrm rot="0" flipV="1">
-            <a:off x="4670425" y="2828925"/>
-            <a:ext cx="9525" cy="440690"/>
+            <a:off x="4678045" y="2828925"/>
+            <a:ext cx="1905" cy="440690"/>
           </a:xfrm>
           <a:prstGeom prst="straightConnector1"/>
           <a:ln w="6350" cap="flat" cmpd="sng">
@@ -9663,7 +9527,7 @@
       </p:cxnSp>
       <p:pic>
         <p:nvPicPr>
-          <p:cNvPr id="95" name="그림 28"/>
+          <p:cNvPr id="95" name="그림 28" descr="C:/Users/Admin1/AppData/Roaming/PolarisOffice/ETemp/20852_9486176/fImage191382645705.png"/>
           <p:cNvPicPr>
             <a:picLocks noChangeAspect="1"/>
           </p:cNvPicPr>
@@ -9683,8 +9547,8 @@
         </p:blipFill>
         <p:spPr>
           <a:xfrm rot="0">
-            <a:off x="6815455" y="1453515"/>
-            <a:ext cx="2646045" cy="2543175"/>
+            <a:off x="6806565" y="1445895"/>
+            <a:ext cx="2655570" cy="2551430"/>
           </a:xfrm>
           <a:prstGeom prst="roundRect"/>
           <a:solidFill>
@@ -9694,17 +9558,17 @@
       </p:pic>
       <p:pic>
         <p:nvPicPr>
-          <p:cNvPr id="96" name="그림 19"/>
+          <p:cNvPr id="96" name="그림 19" descr="C:/Users/Admin1/AppData/Roaming/PolarisOffice/ETemp/20852_9486176/fImage1082530741.png"/>
           <p:cNvPicPr>
             <a:picLocks noChangeAspect="1"/>
           </p:cNvPicPr>
           <p:nvPr/>
         </p:nvPicPr>
         <p:blipFill rotWithShape="1">
-          <a:blip r:embed="rId8" cstate="print">
+          <a:blip r:embed="rId8" cstate="hqprint">
             <a:extLst>
               <a:ext uri="{28A0092B-C50C-407E-A947-70E740481C1C}">
-                <a14:useLocalDpi xmlns:a14="http://schemas.microsoft.com/office/drawing/2010/main" val="0"/>
+                <a14:useLocalDpi xmlns:a14="http://schemas.microsoft.com/office/drawing/2010/main"/>
               </a:ext>
             </a:extLst>
           </a:blip>
@@ -9715,7 +9579,7 @@
         <p:spPr>
           <a:xfrm rot="0">
             <a:off x="9625965" y="1866900"/>
-            <a:ext cx="1491615" cy="1732280"/>
+            <a:ext cx="1337310" cy="1732915"/>
           </a:xfrm>
           <a:prstGeom prst="roundRect"/>
           <a:solidFill>
@@ -9773,8 +9637,8 @@
         </p:nvSpPr>
         <p:spPr>
           <a:xfrm rot="0">
-            <a:off x="4332605" y="453390"/>
-            <a:ext cx="3538855" cy="554990"/>
+            <a:off x="4332605" y="367030"/>
+            <a:ext cx="3539490" cy="554990"/>
           </a:xfrm>
           <a:prstGeom prst="rect"/>
           <a:noFill/>
@@ -9789,30 +9653,23 @@
           </a:bodyPr>
           <a:lstStyle/>
           <a:p>
-            <a:pPr marL="0" indent="0" algn="l" latinLnBrk="0" hangingPunct="1">
-              <a:buFontTx/>
-              <a:buNone/>
-            </a:pPr>
+            <a:pPr marL="0" indent="0" algn="ctr" latinLnBrk="0" hangingPunct="1">
+              <a:buFontTx/>
+              <a:buNone/>
+            </a:pPr>
+            <a:r>
+              <a:rPr lang="ko-KR" sz="2500" b="1">
+                <a:latin typeface="나눔바른고딕" charset="0"/>
+                <a:ea typeface="나눔바른고딕" charset="0"/>
+              </a:rPr>
+              <a:t>열세 번째 튜토리얼</a:t>
+            </a:r>
             <a:r>
               <a:rPr lang="ko-KR" sz="3000" b="1">
                 <a:latin typeface="맑은 고딕" charset="0"/>
                 <a:ea typeface="맑은 고딕" charset="0"/>
               </a:rPr>
-              <a:t>열</a:t>
-            </a:r>
-            <a:r>
-              <a:rPr lang="ko-KR" sz="3000" b="1">
-                <a:latin typeface="맑은 고딕" charset="0"/>
-                <a:ea typeface="맑은 고딕" charset="0"/>
-              </a:rPr>
-              <a:t>세</a:t>
-            </a:r>
-            <a:r>
-              <a:rPr lang="ko-KR" sz="3000" b="1">
-                <a:latin typeface="맑은 고딕" charset="0"/>
-                <a:ea typeface="맑은 고딕" charset="0"/>
-              </a:rPr>
-              <a:t> 번째 튜토리얼 </a:t>
+              <a:t> </a:t>
             </a:r>
             <a:endParaRPr lang="ko-KR" altLang="en-US" sz="3000" b="1">
               <a:latin typeface="맑은 고딕" charset="0"/>
@@ -9831,8 +9688,8 @@
         </p:nvSpPr>
         <p:spPr>
           <a:xfrm rot="0">
-            <a:off x="1181100" y="4133215"/>
-            <a:ext cx="4199255" cy="2031365"/>
+            <a:off x="1229995" y="4271645"/>
+            <a:ext cx="4150995" cy="2031365"/>
           </a:xfrm>
           <a:prstGeom prst="rect"/>
           <a:noFill/>
@@ -9883,21 +9740,14 @@
                 <a:latin typeface="맑은 고딕" charset="0"/>
                 <a:ea typeface="맑은 고딕" charset="0"/>
               </a:rPr>
-              <a:t>마지막으로</a:t>
+              <a:t>이제</a:t>
             </a:r>
             <a:r>
               <a:rPr sz="1800">
                 <a:latin typeface="맑은 고딕" charset="0"/>
                 <a:ea typeface="맑은 고딕" charset="0"/>
               </a:rPr>
-              <a:t> 빈 게임 오브젝트를 생성</a:t>
-            </a:r>
-            <a:r>
-              <a:rPr sz="1800">
-                <a:latin typeface="맑은 고딕" charset="0"/>
-                <a:ea typeface="맑은 고딕" charset="0"/>
-              </a:rPr>
-              <a:t>하</a:t>
+              <a:t> 빈 게임 오브젝트를 생성하</a:t>
             </a:r>
             <a:r>
               <a:rPr lang="ko-KR" sz="1800">
@@ -9994,14 +9844,7 @@
                 <a:latin typeface="맑은 고딕" charset="0"/>
                 <a:ea typeface="맑은 고딕" charset="0"/>
               </a:rPr>
-              <a:t> </a:t>
-            </a:r>
-            <a:r>
-              <a:rPr sz="1800">
-                <a:latin typeface="맑은 고딕" charset="0"/>
-                <a:ea typeface="맑은 고딕" charset="0"/>
-              </a:rPr>
-              <a:t>오브젝트에 넣어줍니다.</a:t>
+              <a:t> 오브젝트에 넣어줍니다.</a:t>
             </a:r>
             <a:endParaRPr lang="ko-KR" altLang="en-US" sz="1800">
               <a:latin typeface="맑은 고딕" charset="0"/>
@@ -10020,8 +9863,8 @@
         </p:nvSpPr>
         <p:spPr>
           <a:xfrm rot="0">
-            <a:off x="6806565" y="4402455"/>
-            <a:ext cx="4281805" cy="1765300"/>
+            <a:off x="6806565" y="4540885"/>
+            <a:ext cx="4139565" cy="1772285"/>
           </a:xfrm>
           <a:prstGeom prst="rect"/>
           <a:noFill/>
@@ -10134,7 +9977,7 @@
       </p:sp>
       <p:pic>
         <p:nvPicPr>
-          <p:cNvPr id="91" name="Picture "/>
+          <p:cNvPr id="91" name="Picture " descr="C:/Users/Admin1/AppData/Roaming/PolarisOffice/ETemp/20852_9486176/fImage85062693281.png"/>
           <p:cNvPicPr>
             <a:picLocks noChangeAspect="1"/>
           </p:cNvPicPr>
@@ -10154,8 +9997,8 @@
         </p:blipFill>
         <p:spPr>
           <a:xfrm rot="0">
-            <a:off x="1186180" y="1444625"/>
-            <a:ext cx="2568575" cy="2559050"/>
+            <a:off x="1238250" y="1444625"/>
+            <a:ext cx="2364740" cy="2565400"/>
           </a:xfrm>
           <a:prstGeom prst="roundRect"/>
           <a:solidFill>
@@ -10165,17 +10008,17 @@
       </p:pic>
       <p:pic>
         <p:nvPicPr>
-          <p:cNvPr id="97" name="그림 32"/>
+          <p:cNvPr id="97" name="그림 32" descr="C:/Users/Admin1/AppData/Roaming/PolarisOffice/ETemp/20852_9486176/fImage107932786827.png"/>
           <p:cNvPicPr>
             <a:picLocks noChangeAspect="1"/>
           </p:cNvPicPr>
           <p:nvPr/>
         </p:nvPicPr>
         <p:blipFill rotWithShape="1">
-          <a:blip r:embed="rId3" cstate="print">
+          <a:blip r:embed="rId3" cstate="hqprint">
             <a:extLst>
               <a:ext uri="{28A0092B-C50C-407E-A947-70E740481C1C}">
-                <a14:useLocalDpi xmlns:a14="http://schemas.microsoft.com/office/drawing/2010/main" val="0"/>
+                <a14:useLocalDpi xmlns:a14="http://schemas.microsoft.com/office/drawing/2010/main"/>
               </a:ext>
             </a:extLst>
           </a:blip>
@@ -10185,8 +10028,8 @@
         </p:blipFill>
         <p:spPr>
           <a:xfrm rot="0">
-            <a:off x="3909060" y="1454150"/>
-            <a:ext cx="1471295" cy="1452245"/>
+            <a:off x="3909060" y="1445895"/>
+            <a:ext cx="1471930" cy="1576705"/>
           </a:xfrm>
           <a:prstGeom prst="roundRect"/>
           <a:solidFill>
@@ -10196,7 +10039,7 @@
       </p:pic>
       <p:pic>
         <p:nvPicPr>
-          <p:cNvPr id="98" name="그림 35"/>
+          <p:cNvPr id="98" name="그림 35" descr="C:/Users/Admin1/AppData/Roaming/PolarisOffice/ETemp/20852_9486176/fImage21192799961.png"/>
           <p:cNvPicPr>
             <a:picLocks noChangeAspect="1"/>
           </p:cNvPicPr>
@@ -10216,8 +10059,8 @@
         </p:blipFill>
         <p:spPr>
           <a:xfrm rot="0">
-            <a:off x="4281170" y="3295015"/>
-            <a:ext cx="727710" cy="718820"/>
+            <a:off x="4290060" y="3333750"/>
+            <a:ext cx="698500" cy="663575"/>
           </a:xfrm>
           <a:prstGeom prst="roundRect"/>
           <a:solidFill>
@@ -10236,8 +10079,8 @@
         </p:nvCxnSpPr>
         <p:spPr>
           <a:xfrm rot="0" flipV="1">
-            <a:off x="4644390" y="2906395"/>
-            <a:ext cx="635" cy="389255"/>
+            <a:off x="4638675" y="3021965"/>
+            <a:ext cx="6350" cy="312420"/>
           </a:xfrm>
           <a:prstGeom prst="straightConnector1"/>
           <a:ln w="6350" cap="flat" cmpd="sng">
@@ -10262,7 +10105,7 @@
       </p:cxnSp>
       <p:pic>
         <p:nvPicPr>
-          <p:cNvPr id="100" name="그림 39"/>
+          <p:cNvPr id="100" name="그림 39" descr="C:/Users/Admin1/AppData/Roaming/PolarisOffice/ETemp/20852_9486176/fImage9327281491.png"/>
           <p:cNvPicPr>
             <a:picLocks noChangeAspect="1"/>
           </p:cNvPicPr>
@@ -10283,7 +10126,7 @@
         <p:spPr>
           <a:xfrm rot="0">
             <a:off x="6815455" y="1446530"/>
-            <a:ext cx="4273550" cy="2774950"/>
+            <a:ext cx="4138930" cy="2892425"/>
           </a:xfrm>
           <a:prstGeom prst="roundRect"/>
           <a:solidFill>
@@ -11183,17 +11026,17 @@
       </p:sp>
       <p:pic>
         <p:nvPicPr>
-          <p:cNvPr id="109" name="그림 7"/>
+          <p:cNvPr id="109" name="그림 7" descr="C:/Users/Admin1/AppData/Roaming/PolarisOffice/ETemp/20852_9486176/fImage80712926334.png"/>
           <p:cNvPicPr>
             <a:picLocks noChangeAspect="1"/>
           </p:cNvPicPr>
           <p:nvPr/>
         </p:nvPicPr>
         <p:blipFill rotWithShape="1">
-          <a:blip r:embed="rId2" cstate="print">
+          <a:blip r:embed="rId2" cstate="hqprint">
             <a:extLst>
               <a:ext uri="{28A0092B-C50C-407E-A947-70E740481C1C}">
-                <a14:useLocalDpi xmlns:a14="http://schemas.microsoft.com/office/drawing/2010/main" val="0"/>
+                <a14:useLocalDpi xmlns:a14="http://schemas.microsoft.com/office/drawing/2010/main"/>
               </a:ext>
             </a:extLst>
           </a:blip>
@@ -11204,7 +11047,7 @@
         <p:spPr>
           <a:xfrm rot="0">
             <a:off x="1115060" y="1400810"/>
-            <a:ext cx="4273550" cy="2414270"/>
+            <a:ext cx="4274185" cy="2414905"/>
           </a:xfrm>
           <a:prstGeom prst="rect"/>
           <a:noFill/>
@@ -12138,8 +11981,8 @@
         </p:nvSpPr>
         <p:spPr>
           <a:xfrm rot="0">
-            <a:off x="4107815" y="444500"/>
-            <a:ext cx="3989070" cy="554990"/>
+            <a:off x="4107815" y="418465"/>
+            <a:ext cx="3989705" cy="554990"/>
           </a:xfrm>
           <a:prstGeom prst="rect"/>
           <a:noFill/>
@@ -12154,30 +11997,23 @@
           </a:bodyPr>
           <a:lstStyle/>
           <a:p>
-            <a:pPr marL="0" indent="0" algn="l" latinLnBrk="0" hangingPunct="1">
-              <a:buFontTx/>
-              <a:buNone/>
-            </a:pPr>
+            <a:pPr marL="0" indent="0" algn="ctr" latinLnBrk="0" hangingPunct="1">
+              <a:buFontTx/>
+              <a:buNone/>
+            </a:pPr>
+            <a:r>
+              <a:rPr lang="ko-KR" sz="2500" b="1">
+                <a:latin typeface="나눔바른고딕" charset="0"/>
+                <a:ea typeface="나눔바른고딕" charset="0"/>
+              </a:rPr>
+              <a:t>열일곱 번째 튜토리얼</a:t>
+            </a:r>
             <a:r>
               <a:rPr lang="ko-KR" sz="3000" b="1">
                 <a:latin typeface="맑은 고딕" charset="0"/>
                 <a:ea typeface="맑은 고딕" charset="0"/>
               </a:rPr>
-              <a:t>열</a:t>
-            </a:r>
-            <a:r>
-              <a:rPr lang="ko-KR" sz="3000" b="1">
-                <a:latin typeface="맑은 고딕" charset="0"/>
-                <a:ea typeface="맑은 고딕" charset="0"/>
-              </a:rPr>
-              <a:t>일곱</a:t>
-            </a:r>
-            <a:r>
-              <a:rPr lang="ko-KR" sz="3000" b="1">
-                <a:latin typeface="맑은 고딕" charset="0"/>
-                <a:ea typeface="맑은 고딕" charset="0"/>
-              </a:rPr>
-              <a:t> 번째 튜토리얼 </a:t>
+              <a:t> </a:t>
             </a:r>
             <a:endParaRPr lang="ko-KR" altLang="en-US" sz="3000" b="1">
               <a:latin typeface="맑은 고딕" charset="0"/>
@@ -12196,8 +12032,8 @@
         </p:nvSpPr>
         <p:spPr>
           <a:xfrm rot="0">
-            <a:off x="1126490" y="2656205"/>
-            <a:ext cx="4281170" cy="923925"/>
+            <a:off x="1238250" y="2751455"/>
+            <a:ext cx="4140200" cy="923925"/>
           </a:xfrm>
           <a:prstGeom prst="rect"/>
           <a:noFill/>
@@ -12248,35 +12084,14 @@
                 <a:latin typeface="맑은 고딕" charset="0"/>
                 <a:ea typeface="맑은 고딕" charset="0"/>
               </a:rPr>
-              <a:t>그다음 </a:t>
-            </a:r>
-            <a:r>
-              <a:rPr lang="ko-KR" sz="1800">
-                <a:latin typeface="맑은 고딕" charset="0"/>
-                <a:ea typeface="맑은 고딕" charset="0"/>
-              </a:rPr>
-              <a:t>Animation Control</a:t>
+              <a:t>그다음 Animation Control</a:t>
             </a:r>
             <a:r>
               <a:rPr sz="1800">
                 <a:latin typeface="맑은 고딕" charset="0"/>
                 <a:ea typeface="맑은 고딕" charset="0"/>
               </a:rPr>
-              <a:t> 스크립트에 있는 </a:t>
-            </a:r>
-            <a:r>
-              <a:rPr sz="1800">
-                <a:latin typeface="맑은 고딕" charset="0"/>
-                <a:ea typeface="맑은 고딕" charset="0"/>
-              </a:rPr>
-              <a:t>SpeedSetting</a:t>
-            </a:r>
-            <a:r>
-              <a:rPr sz="1800">
-                <a:latin typeface="맑은 고딕" charset="0"/>
-                <a:ea typeface="맑은 고딕" charset="0"/>
-              </a:rPr>
-              <a:t>( ) 함수를 선택합니다.</a:t>
+              <a:t> 스크립트에 있는 SpeedSetting( ) 함수를 선택합니다.</a:t>
             </a:r>
             <a:endParaRPr lang="ko-KR" altLang="en-US" sz="1800">
               <a:latin typeface="맑은 고딕" charset="0"/>
@@ -12287,17 +12102,17 @@
       </p:sp>
       <p:pic>
         <p:nvPicPr>
-          <p:cNvPr id="126" name="그림 1"/>
+          <p:cNvPr id="126" name="그림 1" descr="C:/Users/Admin1/AppData/Roaming/PolarisOffice/ETemp/20852_9486176/fImage665532741.png"/>
           <p:cNvPicPr>
             <a:picLocks noChangeAspect="1"/>
           </p:cNvPicPr>
           <p:nvPr/>
         </p:nvPicPr>
         <p:blipFill rotWithShape="1">
-          <a:blip r:embed="rId2" cstate="print">
+          <a:blip r:embed="rId2" cstate="hqprint">
             <a:extLst>
               <a:ext uri="{28A0092B-C50C-407E-A947-70E740481C1C}">
-                <a14:useLocalDpi xmlns:a14="http://schemas.microsoft.com/office/drawing/2010/main" val="0"/>
+                <a14:useLocalDpi xmlns:a14="http://schemas.microsoft.com/office/drawing/2010/main"/>
               </a:ext>
             </a:extLst>
           </a:blip>
@@ -12307,8 +12122,8 @@
         </p:blipFill>
         <p:spPr>
           <a:xfrm rot="0">
-            <a:off x="1125220" y="1363345"/>
-            <a:ext cx="4276090" cy="1189990"/>
+            <a:off x="1238250" y="1445895"/>
+            <a:ext cx="4148455" cy="1187450"/>
           </a:xfrm>
           <a:prstGeom prst="roundRect"/>
           <a:solidFill>
@@ -12318,7 +12133,7 @@
       </p:pic>
       <p:pic>
         <p:nvPicPr>
-          <p:cNvPr id="127" name="그림 4" descr="C:/Users/Admin1/AppData/Roaming/PolarisOffice/ETemp/21728_21724728/fImage128363288467.png"/>
+          <p:cNvPr id="127" name="그림 4" descr="C:/Users/Admin1/AppData/Roaming/PolarisOffice/ETemp/20852_9486176/fImage128363288467.png"/>
           <p:cNvPicPr>
             <a:picLocks noChangeAspect="1"/>
           </p:cNvPicPr>
@@ -12338,8 +12153,8 @@
         </p:blipFill>
         <p:spPr>
           <a:xfrm rot="0">
-            <a:off x="1123950" y="3749040"/>
-            <a:ext cx="4268470" cy="1621790"/>
+            <a:off x="1238250" y="3827145"/>
+            <a:ext cx="4148455" cy="1524635"/>
           </a:xfrm>
           <a:prstGeom prst="roundRect"/>
           <a:solidFill>
@@ -12357,8 +12172,8 @@
         </p:nvSpPr>
         <p:spPr>
           <a:xfrm rot="0">
-            <a:off x="1131570" y="5482590"/>
-            <a:ext cx="4270375" cy="647700"/>
+            <a:off x="1238250" y="5482590"/>
+            <a:ext cx="4148455" cy="647065"/>
           </a:xfrm>
           <a:prstGeom prst="rect"/>
           <a:noFill/>
@@ -12420,17 +12235,17 @@
       </p:sp>
       <p:pic>
         <p:nvPicPr>
-          <p:cNvPr id="129" name="그림 1" descr="C:/Users/Admin1/AppData/Roaming/PolarisOffice/ETemp/21728_21724728/fImage18096424741.png"/>
+          <p:cNvPr id="129" name="그림 1" descr="C:/Users/Admin1/AppData/Roaming/PolarisOffice/ETemp/20852_9486176/fImage18096424741.png"/>
           <p:cNvPicPr>
             <a:picLocks noChangeAspect="1"/>
           </p:cNvPicPr>
           <p:nvPr/>
         </p:nvPicPr>
         <p:blipFill rotWithShape="1">
-          <a:blip r:embed="rId5" cstate="print">
+          <a:blip r:embed="rId5" cstate="hqprint">
             <a:extLst>
               <a:ext uri="{28A0092B-C50C-407E-A947-70E740481C1C}">
-                <a14:useLocalDpi xmlns:a14="http://schemas.microsoft.com/office/drawing/2010/main" val="0"/>
+                <a14:useLocalDpi xmlns:a14="http://schemas.microsoft.com/office/drawing/2010/main"/>
               </a:ext>
             </a:extLst>
           </a:blip>
@@ -12440,8 +12255,8 @@
         </p:blipFill>
         <p:spPr>
           <a:xfrm rot="0">
-            <a:off x="6808470" y="1363345"/>
-            <a:ext cx="4265295" cy="3657600"/>
+            <a:off x="6808470" y="1445895"/>
+            <a:ext cx="4145915" cy="3575685"/>
           </a:xfrm>
           <a:prstGeom prst="roundRect"/>
           <a:solidFill>
@@ -12460,7 +12275,7 @@
         <p:spPr>
           <a:xfrm rot="0">
             <a:off x="6814820" y="5205730"/>
-            <a:ext cx="4250690" cy="923925"/>
+            <a:ext cx="4131310" cy="923925"/>
           </a:xfrm>
           <a:prstGeom prst="rect"/>
           <a:noFill/>
@@ -12560,8 +12375,8 @@
         </p:nvSpPr>
         <p:spPr>
           <a:xfrm rot="0">
-            <a:off x="4524375" y="419735"/>
-            <a:ext cx="3129915" cy="554990"/>
+            <a:off x="4532630" y="419735"/>
+            <a:ext cx="3130550" cy="554990"/>
           </a:xfrm>
           <a:prstGeom prst="rect"/>
           <a:noFill/>
@@ -12576,23 +12391,23 @@
           </a:bodyPr>
           <a:lstStyle/>
           <a:p>
-            <a:pPr marL="0" indent="0" algn="l" latinLnBrk="0" hangingPunct="1">
-              <a:buFontTx/>
-              <a:buNone/>
-            </a:pPr>
+            <a:pPr marL="0" indent="0" algn="ctr" latinLnBrk="0" hangingPunct="1">
+              <a:buFontTx/>
+              <a:buNone/>
+            </a:pPr>
+            <a:r>
+              <a:rPr lang="ko-KR" sz="2500" b="1">
+                <a:latin typeface="나눔바른고딕" charset="0"/>
+                <a:ea typeface="나눔바른고딕" charset="0"/>
+              </a:rPr>
+              <a:t>두 번째 튜토리얼</a:t>
+            </a:r>
             <a:r>
               <a:rPr lang="ko-KR" sz="3000" b="1">
                 <a:latin typeface="맑은 고딕" charset="0"/>
                 <a:ea typeface="맑은 고딕" charset="0"/>
               </a:rPr>
-              <a:t>두</a:t>
-            </a:r>
-            <a:r>
-              <a:rPr lang="ko-KR" sz="3000" b="1">
-                <a:latin typeface="맑은 고딕" charset="0"/>
-                <a:ea typeface="맑은 고딕" charset="0"/>
-              </a:rPr>
-              <a:t> 번째 튜토리얼 </a:t>
+              <a:t> </a:t>
             </a:r>
             <a:endParaRPr lang="ko-KR" altLang="en-US" sz="3000" b="1">
               <a:latin typeface="맑은 고딕" charset="0"/>
@@ -12611,8 +12426,8 @@
         </p:nvSpPr>
         <p:spPr>
           <a:xfrm rot="0">
-            <a:off x="1279525" y="5566410"/>
-            <a:ext cx="4091940" cy="677545"/>
+            <a:off x="1238885" y="5176520"/>
+            <a:ext cx="4133215" cy="954405"/>
           </a:xfrm>
           <a:prstGeom prst="rect"/>
           <a:noFill/>
@@ -12653,14 +12468,70 @@
                 <a:latin typeface="맑은 고딕" charset="0"/>
                 <a:ea typeface="맑은 고딕" charset="0"/>
               </a:rPr>
-              <a:t>이제</a:t>
+              <a:t>그러고 나서</a:t>
             </a:r>
             <a:r>
               <a:rPr sz="1800">
                 <a:latin typeface="맑은 고딕" charset="0"/>
                 <a:ea typeface="맑은 고딕" charset="0"/>
               </a:rPr>
-              <a:t> Character 메뉴를 선택하고 원하는 캐릭터를 Download합니다.</a:t>
+              <a:t> Character 메뉴를 선택</a:t>
+            </a:r>
+            <a:r>
+              <a:rPr lang="ko-KR" sz="1800">
+                <a:latin typeface="맑은 고딕" charset="0"/>
+                <a:ea typeface="맑은 고딕" charset="0"/>
+              </a:rPr>
+              <a:t>한 다음</a:t>
+            </a:r>
+            <a:r>
+              <a:rPr sz="1800">
+                <a:latin typeface="맑은 고딕" charset="0"/>
+                <a:ea typeface="맑은 고딕" charset="0"/>
+              </a:rPr>
+              <a:t> </a:t>
+            </a:r>
+            <a:r>
+              <a:rPr sz="1800">
+                <a:latin typeface="맑은 고딕" charset="0"/>
+                <a:ea typeface="맑은 고딕" charset="0"/>
+              </a:rPr>
+              <a:t>Mouse</a:t>
+            </a:r>
+            <a:r>
+              <a:rPr lang="ko-KR" sz="1800">
+                <a:latin typeface="맑은 고딕" charset="0"/>
+                <a:ea typeface="맑은 고딕" charset="0"/>
+              </a:rPr>
+              <a:t>y</a:t>
+            </a:r>
+            <a:r>
+              <a:rPr sz="1800">
+                <a:latin typeface="맑은 고딕" charset="0"/>
+                <a:ea typeface="맑은 고딕" charset="0"/>
+              </a:rPr>
+              <a:t> 캐릭터를</a:t>
+            </a:r>
+            <a:r>
+              <a:rPr sz="1800">
+                <a:latin typeface="맑은 고딕" charset="0"/>
+                <a:ea typeface="맑은 고딕" charset="0"/>
+              </a:rPr>
+              <a:t> </a:t>
+            </a:r>
+            <a:r>
+              <a:rPr lang="ko-KR" sz="1800">
+                <a:latin typeface="맑은 고딕" charset="0"/>
+                <a:ea typeface="맑은 고딕" charset="0"/>
+              </a:rPr>
+              <a:t>선택하고</a:t>
+            </a:r>
+            <a:r>
+              <a:rPr sz="1800">
+                <a:latin typeface="맑은 고딕" charset="0"/>
+                <a:ea typeface="맑은 고딕" charset="0"/>
+              </a:rPr>
+              <a:t> Download합니다.</a:t>
             </a:r>
             <a:endParaRPr lang="ko-KR" altLang="en-US" sz="1800">
               <a:latin typeface="맑은 고딕" charset="0"/>
@@ -12671,17 +12542,17 @@
       </p:sp>
       <p:pic>
         <p:nvPicPr>
-          <p:cNvPr id="37" name="그림 5"/>
+          <p:cNvPr id="37" name="그림 5" descr="C:/Users/Admin1/AppData/Roaming/PolarisOffice/ETemp/20852_9486176/fImage4039922476334.png"/>
           <p:cNvPicPr>
             <a:picLocks noChangeAspect="1"/>
           </p:cNvPicPr>
           <p:nvPr/>
         </p:nvPicPr>
         <p:blipFill rotWithShape="1">
-          <a:blip r:embed="rId8" cstate="print">
+          <a:blip r:embed="rId8" cstate="hqprint">
             <a:extLst>
               <a:ext uri="{28A0092B-C50C-407E-A947-70E740481C1C}">
-                <a14:useLocalDpi xmlns:a14="http://schemas.microsoft.com/office/drawing/2010/main" val="0"/>
+                <a14:useLocalDpi xmlns:a14="http://schemas.microsoft.com/office/drawing/2010/main"/>
               </a:ext>
             </a:extLst>
           </a:blip>
@@ -12691,11 +12562,13 @@
         </p:blipFill>
         <p:spPr>
           <a:xfrm rot="0">
-            <a:off x="1288415" y="1392555"/>
-            <a:ext cx="4083050" cy="4030980"/>
-          </a:xfrm>
-          <a:prstGeom prst="rect"/>
-          <a:noFill/>
+            <a:off x="1238885" y="1454785"/>
+            <a:ext cx="4133215" cy="3559810"/>
+          </a:xfrm>
+          <a:prstGeom prst="roundRect"/>
+          <a:solidFill>
+            <a:srgbClr val="EDEDED"/>
+          </a:solidFill>
         </p:spPr>
       </p:pic>
       <p:sp>
@@ -12708,8 +12581,8 @@
         </p:nvSpPr>
         <p:spPr>
           <a:xfrm rot="0">
-            <a:off x="6834505" y="3074670"/>
-            <a:ext cx="4258310" cy="954405"/>
+            <a:off x="6825615" y="3004820"/>
+            <a:ext cx="4137660" cy="954405"/>
           </a:xfrm>
           <a:prstGeom prst="rect"/>
           <a:noFill/>
@@ -12719,7 +12592,7 @@
           </a:ln>
         </p:spPr>
         <p:txBody>
-          <a:bodyPr wrap="square" lIns="89535" tIns="46355" rIns="89535" bIns="46355" vert="horz" anchor="t">
+          <a:bodyPr wrap="square" lIns="89535" tIns="46355" rIns="89535" bIns="46355" numCol="1" vert="horz" anchor="t">
             <a:spAutoFit/>
           </a:bodyPr>
           <a:lstStyle/>
@@ -12739,25 +12612,25 @@
               <a:t>4. </a:t>
             </a:r>
             <a:r>
+              <a:rPr lang="ko-KR" sz="1800">
+                <a:latin typeface="맑은 고딕" charset="0"/>
+                <a:ea typeface="맑은 고딕" charset="0"/>
+              </a:rPr>
+              <a:t>그런 다음</a:t>
+            </a:r>
+            <a:r>
+              <a:rPr lang="ko-KR" sz="1800">
+                <a:latin typeface="맑은 고딕" charset="0"/>
+                <a:ea typeface="맑은 고딕" charset="0"/>
+              </a:rPr>
+              <a:t> F</a:t>
+            </a:r>
+            <a:r>
               <a:rPr sz="1800">
                 <a:latin typeface="맑은 고딕" charset="0"/>
                 <a:ea typeface="맑은 고딕" charset="0"/>
               </a:rPr>
-              <a:t>그다</a:t>
-            </a:r>
-            <a:r>
-              <a:rPr lang="ko-KR" sz="1800">
-                <a:latin typeface="맑은 고딕" charset="0"/>
-                <a:ea typeface="맑은 고딕" charset="0"/>
-              </a:rPr>
-              <a:t>음 F</a:t>
-            </a:r>
-            <a:r>
-              <a:rPr sz="1800">
-                <a:latin typeface="맑은 고딕" charset="0"/>
-                <a:ea typeface="맑은 고딕" charset="0"/>
-              </a:rPr>
-              <a:t>ormat에 FBX for Unity(.fbx)로 설정하고 Pose는 T-pose로 설정한 다음 Download를 선택합니다.</a:t>
+              <a:t>ormat에 FBX for Unity(.fbx)로 설정하고 Download를 선택합니다.</a:t>
             </a:r>
             <a:endParaRPr lang="ko-KR" altLang="en-US" sz="1800">
               <a:latin typeface="맑은 고딕" charset="0"/>
@@ -12768,7 +12641,7 @@
       </p:sp>
       <p:pic>
         <p:nvPicPr>
-          <p:cNvPr id="39" name="그림 9"/>
+          <p:cNvPr id="39" name="그림 9" descr="C:/Users/Admin1/AppData/Roaming/PolarisOffice/ETemp/20852_9486176/fImage69912496500.png"/>
           <p:cNvPicPr>
             <a:picLocks noChangeAspect="1"/>
           </p:cNvPicPr>
@@ -12788,8 +12661,8 @@
         </p:blipFill>
         <p:spPr>
           <a:xfrm rot="0">
-            <a:off x="6833235" y="1383665"/>
-            <a:ext cx="4252595" cy="1605280"/>
+            <a:off x="6823710" y="1454785"/>
+            <a:ext cx="4139565" cy="1412240"/>
           </a:xfrm>
           <a:prstGeom prst="roundRect"/>
           <a:solidFill>
@@ -12799,17 +12672,17 @@
       </p:pic>
       <p:pic>
         <p:nvPicPr>
-          <p:cNvPr id="40" name="그림 10"/>
+          <p:cNvPr id="40" name="그림 10" descr="C:/Users/Admin1/AppData/Roaming/PolarisOffice/ETemp/20852_9486176/fImage39102509169.png"/>
           <p:cNvPicPr>
             <a:picLocks noChangeAspect="1"/>
           </p:cNvPicPr>
           <p:nvPr/>
         </p:nvPicPr>
         <p:blipFill rotWithShape="1">
-          <a:blip r:embed="rId10" cstate="print">
+          <a:blip r:embed="rId10" cstate="hqprint">
             <a:extLst>
               <a:ext uri="{28A0092B-C50C-407E-A947-70E740481C1C}">
-                <a14:useLocalDpi xmlns:a14="http://schemas.microsoft.com/office/drawing/2010/main" val="0"/>
+                <a14:useLocalDpi xmlns:a14="http://schemas.microsoft.com/office/drawing/2010/main"/>
               </a:ext>
             </a:extLst>
           </a:blip>
@@ -12819,8 +12692,8 @@
         </p:blipFill>
         <p:spPr>
           <a:xfrm rot="0">
-            <a:off x="6831330" y="4310380"/>
-            <a:ext cx="743585" cy="762635"/>
+            <a:off x="6831330" y="4258945"/>
+            <a:ext cx="744220" cy="763270"/>
           </a:xfrm>
           <a:prstGeom prst="roundRect"/>
           <a:solidFill>
@@ -12830,17 +12703,17 @@
       </p:pic>
       <p:pic>
         <p:nvPicPr>
-          <p:cNvPr id="41" name="그림 11"/>
+          <p:cNvPr id="41" name="그림 11" descr="C:/Users/Admin1/AppData/Roaming/PolarisOffice/ETemp/20852_9486176/fImage67822515724.png"/>
           <p:cNvPicPr>
             <a:picLocks noChangeAspect="1"/>
           </p:cNvPicPr>
           <p:nvPr/>
         </p:nvPicPr>
         <p:blipFill rotWithShape="1">
-          <a:blip r:embed="rId11" cstate="print">
+          <a:blip r:embed="rId11" cstate="hqprint">
             <a:extLst>
               <a:ext uri="{28A0092B-C50C-407E-A947-70E740481C1C}">
-                <a14:useLocalDpi xmlns:a14="http://schemas.microsoft.com/office/drawing/2010/main" val="0"/>
+                <a14:useLocalDpi xmlns:a14="http://schemas.microsoft.com/office/drawing/2010/main"/>
               </a:ext>
             </a:extLst>
           </a:blip>
@@ -12850,8 +12723,8 @@
         </p:blipFill>
         <p:spPr>
           <a:xfrm rot="0">
-            <a:off x="8484235" y="4177665"/>
-            <a:ext cx="2613025" cy="1012190"/>
+            <a:off x="8338820" y="4173855"/>
+            <a:ext cx="2624455" cy="948055"/>
           </a:xfrm>
           <a:prstGeom prst="roundRect"/>
           <a:solidFill>
@@ -12861,7 +12734,7 @@
       </p:pic>
       <p:pic>
         <p:nvPicPr>
-          <p:cNvPr id="42" name="그림 16"/>
+          <p:cNvPr id="42" name="그림 16" descr="C:/Users/Admin1/AppData/Roaming/PolarisOffice/ETemp/20852_9486176/fImage2242172521478.png"/>
           <p:cNvPicPr>
             <a:picLocks noChangeAspect="1"/>
           </p:cNvPicPr>
@@ -12881,8 +12754,8 @@
         </p:blipFill>
         <p:spPr>
           <a:xfrm rot="0">
-            <a:off x="7758430" y="4462780"/>
-            <a:ext cx="598170" cy="450850"/>
+            <a:off x="7706995" y="4454525"/>
+            <a:ext cx="554990" cy="378460"/>
           </a:xfrm>
           <a:prstGeom prst="rect"/>
           <a:noFill/>
@@ -12898,14 +12771,14 @@
         </p:nvSpPr>
         <p:spPr>
           <a:xfrm rot="0">
-            <a:off x="6767830" y="5373370"/>
-            <a:ext cx="4329430" cy="861695"/>
+            <a:off x="6811010" y="5269230"/>
+            <a:ext cx="4152265" cy="862330"/>
           </a:xfrm>
           <a:prstGeom prst="rect"/>
           <a:noFill/>
         </p:spPr>
         <p:txBody>
-          <a:bodyPr wrap="square" lIns="0" tIns="0" rIns="0" bIns="0" vert="horz" anchor="t">
+          <a:bodyPr wrap="square" lIns="0" tIns="0" rIns="0" bIns="0" numCol="1" vert="horz" anchor="t">
             <a:noAutofit/>
           </a:bodyPr>
           <a:lstStyle/>
@@ -12929,14 +12802,7 @@
                 <a:latin typeface="맑은 고딕" charset="0"/>
                 <a:ea typeface="맑은 고딕" charset="0"/>
               </a:rPr>
-              <a:t>그런 다음 다운로드 받은 캐릭터를 유니티 </a:t>
-            </a:r>
-            <a:r>
-              <a:rPr sz="1800">
-                <a:latin typeface="맑은 고딕" charset="0"/>
-                <a:ea typeface="맑은 고딕" charset="0"/>
-              </a:rPr>
-              <a:t>Pr</a:t>
+              <a:t>그다음 다운로드 받은 캐릭터를 유니티 Pr</a:t>
             </a:r>
             <a:r>
               <a:rPr lang="ko-KR" sz="1800">
@@ -13002,8 +12868,8 @@
         </p:nvSpPr>
         <p:spPr>
           <a:xfrm rot="0">
-            <a:off x="4524375" y="419735"/>
-            <a:ext cx="3129915" cy="554990"/>
+            <a:off x="4515485" y="367665"/>
+            <a:ext cx="3174365" cy="554990"/>
           </a:xfrm>
           <a:prstGeom prst="rect"/>
           <a:noFill/>
@@ -13018,23 +12884,23 @@
           </a:bodyPr>
           <a:lstStyle/>
           <a:p>
-            <a:pPr marL="0" indent="0" algn="l" latinLnBrk="0" hangingPunct="1">
-              <a:buFontTx/>
-              <a:buNone/>
-            </a:pPr>
+            <a:pPr marL="0" indent="0" algn="ctr" latinLnBrk="0" hangingPunct="1">
+              <a:buFontTx/>
+              <a:buNone/>
+            </a:pPr>
+            <a:r>
+              <a:rPr lang="ko-KR" sz="2500" b="1">
+                <a:latin typeface="나눔바른고딕" charset="0"/>
+                <a:ea typeface="나눔바른고딕" charset="0"/>
+              </a:rPr>
+              <a:t>세 번째 튜토리얼</a:t>
+            </a:r>
             <a:r>
               <a:rPr lang="ko-KR" sz="3000" b="1">
                 <a:latin typeface="맑은 고딕" charset="0"/>
                 <a:ea typeface="맑은 고딕" charset="0"/>
               </a:rPr>
-              <a:t>세</a:t>
-            </a:r>
-            <a:r>
-              <a:rPr lang="ko-KR" sz="3000" b="1">
-                <a:latin typeface="맑은 고딕" charset="0"/>
-                <a:ea typeface="맑은 고딕" charset="0"/>
-              </a:rPr>
-              <a:t> 번째 튜토리얼 </a:t>
+              <a:t> </a:t>
             </a:r>
             <a:endParaRPr lang="ko-KR" altLang="en-US" sz="3000" b="1">
               <a:latin typeface="맑은 고딕" charset="0"/>
@@ -13053,8 +12919,8 @@
         </p:nvSpPr>
         <p:spPr>
           <a:xfrm rot="0">
-            <a:off x="1323340" y="5210175"/>
-            <a:ext cx="4048125" cy="954405"/>
+            <a:off x="1247140" y="5210175"/>
+            <a:ext cx="4124960" cy="954405"/>
           </a:xfrm>
           <a:prstGeom prst="rect"/>
           <a:noFill/>
@@ -13088,21 +12954,14 @@
                 <a:latin typeface="맑은 고딕" charset="0"/>
                 <a:ea typeface="맑은 고딕" charset="0"/>
               </a:rPr>
-              <a:t>그</a:t>
-            </a:r>
-            <a:r>
-              <a:rPr sz="1800">
-                <a:latin typeface="맑은 고딕" charset="0"/>
-                <a:ea typeface="맑은 고딕" charset="0"/>
-              </a:rPr>
-              <a:t>리</a:t>
+              <a:t>이</a:t>
             </a:r>
             <a:r>
               <a:rPr lang="ko-KR" sz="1800">
                 <a:latin typeface="맑은 고딕" charset="0"/>
                 <a:ea typeface="맑은 고딕" charset="0"/>
               </a:rPr>
-              <a:t>고</a:t>
+              <a:t>제</a:t>
             </a:r>
             <a:r>
               <a:rPr sz="1800">
@@ -13128,8 +12987,8 @@
         </p:nvSpPr>
         <p:spPr>
           <a:xfrm rot="0">
-            <a:off x="6814820" y="5487035"/>
-            <a:ext cx="4308475" cy="677545"/>
+            <a:off x="6823075" y="5487035"/>
+            <a:ext cx="4148455" cy="677545"/>
           </a:xfrm>
           <a:prstGeom prst="rect"/>
           <a:noFill/>
@@ -13156,31 +13015,21 @@
                 <a:latin typeface="맑은 고딕" charset="0"/>
                 <a:ea typeface="맑은 고딕" charset="0"/>
               </a:rPr>
-              <a:t>7</a:t>
-            </a:r>
-            <a:r>
-              <a:rPr sz="2000" b="1">
-                <a:solidFill>
-                  <a:srgbClr val="0611F2"/>
-                </a:solidFill>
-                <a:latin typeface="맑은 고딕" charset="0"/>
-                <a:ea typeface="맑은 고딕" charset="0"/>
-              </a:rPr>
-              <a:t>. </a:t>
+              <a:t>7. </a:t>
             </a:r>
             <a:r>
               <a:rPr sz="1800">
                 <a:latin typeface="맑은 고딕" charset="0"/>
                 <a:ea typeface="맑은 고딕" charset="0"/>
               </a:rPr>
-              <a:t>이</a:t>
+              <a:t>그리</a:t>
             </a:r>
             <a:r>
               <a:rPr lang="ko-KR" sz="1800">
                 <a:latin typeface="맑은 고딕" charset="0"/>
                 <a:ea typeface="맑은 고딕" charset="0"/>
               </a:rPr>
-              <a:t>제</a:t>
+              <a:t>고</a:t>
             </a:r>
             <a:r>
               <a:rPr sz="1800">
@@ -13194,7 +13043,14 @@
                 <a:latin typeface="맑은 고딕" charset="0"/>
                 <a:ea typeface="맑은 고딕" charset="0"/>
               </a:rPr>
-              <a:t>의 텍스처를 저장하기 위한 폴더를 설정하고 선택합니다.</a:t>
+              <a:t>의 텍스처를 저장하기 위한 폴더를 설정</a:t>
+            </a:r>
+            <a:r>
+              <a:rPr lang="ko-KR" sz="1800">
+                <a:latin typeface="맑은 고딕" charset="0"/>
+                <a:ea typeface="맑은 고딕" charset="0"/>
+              </a:rPr>
+              <a:t>합니다.</a:t>
             </a:r>
             <a:endParaRPr lang="ko-KR" altLang="en-US" sz="1800">
               <a:latin typeface="맑은 고딕" charset="0"/>
@@ -13205,7 +13061,7 @@
       </p:sp>
       <p:pic>
         <p:nvPicPr>
-          <p:cNvPr id="41" name="그림 18"/>
+          <p:cNvPr id="41" name="그림 18" descr="C:/Users/Admin1/AppData/Roaming/PolarisOffice/ETemp/20852_9486176/fImage286112549358.png"/>
           <p:cNvPicPr>
             <a:picLocks noChangeAspect="1"/>
           </p:cNvPicPr>
@@ -13225,8 +13081,8 @@
         </p:blipFill>
         <p:spPr>
           <a:xfrm rot="0">
-            <a:off x="1323340" y="1384300"/>
-            <a:ext cx="4057650" cy="3728720"/>
+            <a:off x="1238250" y="1445895"/>
+            <a:ext cx="4140200" cy="3629025"/>
           </a:xfrm>
           <a:prstGeom prst="rect"/>
           <a:noFill/>
@@ -13234,17 +13090,17 @@
       </p:pic>
       <p:pic>
         <p:nvPicPr>
-          <p:cNvPr id="42" name="그림 22"/>
+          <p:cNvPr id="42" name="그림 22" descr="C:/Users/Admin1/AppData/Roaming/PolarisOffice/ETemp/20852_9486176/fImage267442556962.png"/>
           <p:cNvPicPr>
             <a:picLocks noChangeAspect="1"/>
           </p:cNvPicPr>
           <p:nvPr/>
         </p:nvPicPr>
         <p:blipFill rotWithShape="1">
-          <a:blip r:embed="rId7" cstate="print">
+          <a:blip r:embed="rId7" cstate="hqprint">
             <a:extLst>
               <a:ext uri="{28A0092B-C50C-407E-A947-70E740481C1C}">
-                <a14:useLocalDpi xmlns:a14="http://schemas.microsoft.com/office/drawing/2010/main" val="0"/>
+                <a14:useLocalDpi xmlns:a14="http://schemas.microsoft.com/office/drawing/2010/main"/>
               </a:ext>
             </a:extLst>
           </a:blip>
@@ -13254,8 +13110,8 @@
         </p:blipFill>
         <p:spPr>
           <a:xfrm rot="0">
-            <a:off x="6823710" y="1383665"/>
-            <a:ext cx="4299585" cy="2543810"/>
+            <a:off x="6823710" y="1454785"/>
+            <a:ext cx="4139565" cy="2512060"/>
           </a:xfrm>
           <a:prstGeom prst="rect"/>
           <a:noFill/>
@@ -13263,17 +13119,17 @@
       </p:pic>
       <p:pic>
         <p:nvPicPr>
-          <p:cNvPr id="43" name="그림 24"/>
+          <p:cNvPr id="43" name="그림 24" descr="C:/Users/Admin1/AppData/Roaming/PolarisOffice/ETemp/20852_9486176/fImage237152564464.png"/>
           <p:cNvPicPr>
             <a:picLocks noChangeAspect="1"/>
           </p:cNvPicPr>
           <p:nvPr/>
         </p:nvPicPr>
         <p:blipFill rotWithShape="1">
-          <a:blip r:embed="rId8" cstate="print">
+          <a:blip r:embed="rId8" cstate="hqprint">
             <a:extLst>
               <a:ext uri="{28A0092B-C50C-407E-A947-70E740481C1C}">
-                <a14:useLocalDpi xmlns:a14="http://schemas.microsoft.com/office/drawing/2010/main" val="0"/>
+                <a14:useLocalDpi xmlns:a14="http://schemas.microsoft.com/office/drawing/2010/main"/>
               </a:ext>
             </a:extLst>
           </a:blip>
@@ -13283,8 +13139,8 @@
         </p:blipFill>
         <p:spPr>
           <a:xfrm rot="0">
-            <a:off x="6812915" y="4187825"/>
-            <a:ext cx="4310380" cy="1181735"/>
+            <a:off x="6821805" y="4196080"/>
+            <a:ext cx="4150360" cy="1182370"/>
           </a:xfrm>
           <a:prstGeom prst="roundRect"/>
           <a:solidFill>
@@ -13342,8 +13198,8 @@
         </p:nvSpPr>
         <p:spPr>
           <a:xfrm rot="0">
-            <a:off x="4524375" y="419735"/>
-            <a:ext cx="3130550" cy="554990"/>
+            <a:off x="4524375" y="341630"/>
+            <a:ext cx="3148330" cy="554990"/>
           </a:xfrm>
           <a:prstGeom prst="rect"/>
           <a:noFill/>
@@ -13358,23 +13214,23 @@
           </a:bodyPr>
           <a:lstStyle/>
           <a:p>
-            <a:pPr marL="0" indent="0" algn="l" latinLnBrk="0" hangingPunct="1">
-              <a:buFontTx/>
-              <a:buNone/>
-            </a:pPr>
+            <a:pPr marL="0" indent="0" algn="ctr" latinLnBrk="0" hangingPunct="1">
+              <a:buFontTx/>
+              <a:buNone/>
+            </a:pPr>
+            <a:r>
+              <a:rPr lang="ko-KR" sz="2500" b="1">
+                <a:latin typeface="나눔바른고딕" charset="0"/>
+                <a:ea typeface="나눔바른고딕" charset="0"/>
+              </a:rPr>
+              <a:t>네 번째 튜토리얼</a:t>
+            </a:r>
             <a:r>
               <a:rPr lang="ko-KR" sz="3000" b="1">
                 <a:latin typeface="맑은 고딕" charset="0"/>
                 <a:ea typeface="맑은 고딕" charset="0"/>
               </a:rPr>
-              <a:t>네</a:t>
-            </a:r>
-            <a:r>
-              <a:rPr lang="ko-KR" sz="3000" b="1">
-                <a:latin typeface="맑은 고딕" charset="0"/>
-                <a:ea typeface="맑은 고딕" charset="0"/>
-              </a:rPr>
-              <a:t> 번째 튜토리얼 </a:t>
+              <a:t> </a:t>
             </a:r>
             <a:endParaRPr lang="ko-KR" altLang="en-US" sz="3000" b="1">
               <a:latin typeface="맑은 고딕" charset="0"/>
@@ -13393,8 +13249,8 @@
         </p:nvSpPr>
         <p:spPr>
           <a:xfrm rot="0">
-            <a:off x="1323340" y="4102735"/>
-            <a:ext cx="4057015" cy="2061845"/>
+            <a:off x="1238250" y="4102735"/>
+            <a:ext cx="4140200" cy="2061845"/>
           </a:xfrm>
           <a:prstGeom prst="rect"/>
           <a:noFill/>
@@ -13421,17 +13277,7 @@
                 <a:latin typeface="맑은 고딕" charset="0"/>
                 <a:ea typeface="맑은 고딕" charset="0"/>
               </a:rPr>
-              <a:t>8</a:t>
-            </a:r>
-            <a:r>
-              <a:rPr sz="2000" b="1">
-                <a:solidFill>
-                  <a:srgbClr val="0611F2"/>
-                </a:solidFill>
-                <a:latin typeface="맑은 고딕" charset="0"/>
-                <a:ea typeface="맑은 고딕" charset="0"/>
-              </a:rPr>
-              <a:t>. </a:t>
+              <a:t>8. </a:t>
             </a:r>
             <a:r>
               <a:rPr sz="1800">
@@ -13466,14 +13312,7 @@
                 <a:latin typeface="맑은 고딕" charset="0"/>
                 <a:ea typeface="맑은 고딕" charset="0"/>
               </a:rPr>
-              <a:t>에 </a:t>
-            </a:r>
-            <a:r>
-              <a:rPr sz="1800">
-                <a:latin typeface="맑은 고딕" charset="0"/>
-                <a:ea typeface="맑은 고딕" charset="0"/>
-              </a:rPr>
-              <a:t>Animation </a:t>
+              <a:t>에 Animation </a:t>
             </a:r>
             <a:r>
               <a:rPr lang="ko-KR" sz="1800">
@@ -13507,7 +13346,21 @@
                 <a:latin typeface="맑은 고딕" charset="0"/>
                 <a:ea typeface="맑은 고딕" charset="0"/>
               </a:rPr>
-              <a:t>그리고 Avatar Definition을 Create From This Model로 설정하고 Apply를 선택합니다.</a:t>
+              <a:t>그</a:t>
+            </a:r>
+            <a:r>
+              <a:rPr lang="ko-KR" sz="1800">
+                <a:latin typeface="맑은 고딕" charset="0"/>
+                <a:ea typeface="맑은 고딕" charset="0"/>
+              </a:rPr>
+              <a:t>다음으로</a:t>
+            </a:r>
+            <a:r>
+              <a:rPr lang="ko-KR" sz="1800">
+                <a:latin typeface="맑은 고딕" charset="0"/>
+                <a:ea typeface="맑은 고딕" charset="0"/>
+              </a:rPr>
+              <a:t> Avatar Definition을 Create From This Model로 설정하고 Apply를 선택합니다.</a:t>
             </a:r>
             <a:endParaRPr lang="ko-KR" altLang="en-US" sz="1800">
               <a:latin typeface="맑은 고딕" charset="0"/>
@@ -13518,7 +13371,7 @@
       </p:sp>
       <p:pic>
         <p:nvPicPr>
-          <p:cNvPr id="44" name="그림 46"/>
+          <p:cNvPr id="44" name="그림 46" descr="C:/Users/Admin1/AppData/Roaming/PolarisOffice/ETemp/20852_9486176/fImage201613635705.png"/>
           <p:cNvPicPr>
             <a:picLocks noChangeAspect="1"/>
           </p:cNvPicPr>
@@ -13538,8 +13391,8 @@
         </p:blipFill>
         <p:spPr>
           <a:xfrm rot="0">
-            <a:off x="1321435" y="1391920"/>
-            <a:ext cx="4067810" cy="2587625"/>
+            <a:off x="1238250" y="1454785"/>
+            <a:ext cx="4151630" cy="2525395"/>
           </a:xfrm>
           <a:prstGeom prst="rect"/>
           <a:noFill/>
@@ -13556,7 +13409,7 @@
         <p:spPr>
           <a:xfrm rot="0">
             <a:off x="6819900" y="5205095"/>
-            <a:ext cx="4260850" cy="954405"/>
+            <a:ext cx="4143375" cy="954405"/>
           </a:xfrm>
           <a:prstGeom prst="rect"/>
           <a:noFill/>
@@ -13566,7 +13419,7 @@
           </a:ln>
         </p:spPr>
         <p:txBody>
-          <a:bodyPr wrap="square" lIns="89535" tIns="46355" rIns="89535" bIns="46355" vert="horz" anchor="t">
+          <a:bodyPr wrap="square" lIns="89535" tIns="46355" rIns="89535" bIns="46355" numCol="1" vert="horz" anchor="t">
             <a:spAutoFit/>
           </a:bodyPr>
           <a:lstStyle/>
@@ -13600,7 +13453,28 @@
                 <a:latin typeface="맑은 고딕" charset="0"/>
                 <a:ea typeface="맑은 고딕" charset="0"/>
               </a:rPr>
-              <a:t>그다음 Project 폴더에 있는 Animator 폴더에</a:t>
+              <a:t>그러고 나서</a:t>
+            </a:r>
+            <a:r>
+              <a:rPr lang="ko-KR" sz="1800">
+                <a:latin typeface="맑은 고딕" charset="0"/>
+                <a:ea typeface="맑은 고딕" charset="0"/>
+              </a:rPr>
+              <a:t> Project 폴더</a:t>
+            </a:r>
+            <a:r>
+              <a:rPr lang="ko-KR" sz="1800">
+                <a:latin typeface="맑은 고딕" charset="0"/>
+                <a:ea typeface="맑은 고딕" charset="0"/>
+              </a:rPr>
+              <a:t> 아래에 </a:t>
+            </a:r>
+            <a:r>
+              <a:rPr lang="ko-KR" sz="1800">
+                <a:latin typeface="맑은 고딕" charset="0"/>
+                <a:ea typeface="맑은 고딕" charset="0"/>
+              </a:rPr>
+              <a:t>있는 Animator 폴더에</a:t>
             </a:r>
             <a:r>
               <a:rPr sz="1800">
@@ -13618,7 +13492,7 @@
       </p:sp>
       <p:pic>
         <p:nvPicPr>
-          <p:cNvPr id="46" name="그림 90"/>
+          <p:cNvPr id="46" name="그림 90" descr="C:/Users/Admin1/AppData/Roaming/PolarisOffice/ETemp/20852_9486176/fImage415714068145.png"/>
           <p:cNvPicPr>
             <a:picLocks noChangeAspect="1"/>
           </p:cNvPicPr>
@@ -13638,8 +13512,8 @@
         </p:blipFill>
         <p:spPr>
           <a:xfrm rot="0">
-            <a:off x="6819900" y="1379855"/>
-            <a:ext cx="4255770" cy="3673475"/>
+            <a:off x="6819900" y="1454785"/>
+            <a:ext cx="4134485" cy="3646170"/>
           </a:xfrm>
           <a:prstGeom prst="roundRect"/>
           <a:solidFill>
@@ -13697,8 +13571,8 @@
         </p:nvSpPr>
         <p:spPr>
           <a:xfrm rot="0">
-            <a:off x="4325620" y="419735"/>
-            <a:ext cx="3528060" cy="554990"/>
+            <a:off x="4334510" y="384810"/>
+            <a:ext cx="3528695" cy="554990"/>
           </a:xfrm>
           <a:prstGeom prst="rect"/>
           <a:noFill/>
@@ -13713,23 +13587,23 @@
           </a:bodyPr>
           <a:lstStyle/>
           <a:p>
-            <a:pPr marL="0" indent="0" algn="l" latinLnBrk="0" hangingPunct="1">
-              <a:buFontTx/>
-              <a:buNone/>
-            </a:pPr>
+            <a:pPr marL="0" indent="0" algn="ctr" latinLnBrk="0" hangingPunct="1">
+              <a:buFontTx/>
+              <a:buNone/>
+            </a:pPr>
+            <a:r>
+              <a:rPr lang="ko-KR" sz="2500" b="1">
+                <a:latin typeface="나눔바른고딕" charset="0"/>
+                <a:ea typeface="나눔바른고딕" charset="0"/>
+              </a:rPr>
+              <a:t>다섯 번째 튜토리얼</a:t>
+            </a:r>
             <a:r>
               <a:rPr lang="ko-KR" sz="3000" b="1">
                 <a:latin typeface="맑은 고딕" charset="0"/>
                 <a:ea typeface="맑은 고딕" charset="0"/>
               </a:rPr>
-              <a:t>다섯</a:t>
-            </a:r>
-            <a:r>
-              <a:rPr lang="ko-KR" sz="3000" b="1">
-                <a:latin typeface="맑은 고딕" charset="0"/>
-                <a:ea typeface="맑은 고딕" charset="0"/>
-              </a:rPr>
-              <a:t> 번째 튜토리얼 </a:t>
+              <a:t> </a:t>
             </a:r>
             <a:endParaRPr lang="ko-KR" altLang="en-US" sz="3000" b="1">
               <a:latin typeface="맑은 고딕" charset="0"/>
@@ -13740,17 +13614,17 @@
       </p:sp>
       <p:pic>
         <p:nvPicPr>
-          <p:cNvPr id="53" name="그림 68"/>
+          <p:cNvPr id="53" name="그림 68" descr="C:/Users/Admin1/AppData/Roaming/PolarisOffice/ETemp/20852_9486176/fImage4765113793281.png"/>
           <p:cNvPicPr>
             <a:picLocks noChangeAspect="1"/>
           </p:cNvPicPr>
           <p:nvPr/>
         </p:nvPicPr>
         <p:blipFill rotWithShape="1">
-          <a:blip r:embed="rId6" cstate="print">
+          <a:blip r:embed="rId6" cstate="hqprint">
             <a:extLst>
               <a:ext uri="{28A0092B-C50C-407E-A947-70E740481C1C}">
-                <a14:useLocalDpi xmlns:a14="http://schemas.microsoft.com/office/drawing/2010/main" val="0"/>
+                <a14:useLocalDpi xmlns:a14="http://schemas.microsoft.com/office/drawing/2010/main"/>
               </a:ext>
             </a:extLst>
           </a:blip>
@@ -13761,7 +13635,7 @@
         <p:spPr>
           <a:xfrm rot="0">
             <a:off x="6806565" y="1366520"/>
-            <a:ext cx="4204335" cy="3667760"/>
+            <a:ext cx="4139565" cy="3668395"/>
           </a:xfrm>
           <a:prstGeom prst="rect"/>
           <a:noFill/>
@@ -13778,7 +13652,7 @@
         <p:spPr>
           <a:xfrm rot="0">
             <a:off x="6809740" y="5198110"/>
-            <a:ext cx="4201160" cy="954405"/>
+            <a:ext cx="4136390" cy="954405"/>
           </a:xfrm>
           <a:prstGeom prst="rect"/>
           <a:noFill/>
@@ -13788,7 +13662,7 @@
           </a:ln>
         </p:spPr>
         <p:txBody>
-          <a:bodyPr wrap="square" lIns="89535" tIns="46355" rIns="89535" bIns="46355" vert="horz" anchor="t">
+          <a:bodyPr wrap="square" lIns="89535" tIns="46355" rIns="89535" bIns="46355" numCol="1" vert="horz" anchor="t">
             <a:spAutoFit/>
           </a:bodyPr>
           <a:lstStyle/>
@@ -13805,69 +13679,28 @@
                 <a:latin typeface="맑은 고딕" charset="0"/>
                 <a:ea typeface="맑은 고딕" charset="0"/>
               </a:rPr>
-              <a:t>1</a:t>
-            </a:r>
-            <a:r>
-              <a:rPr sz="2000" b="1">
-                <a:solidFill>
-                  <a:srgbClr val="0611F2"/>
-                </a:solidFill>
-                <a:latin typeface="맑은 고딕" charset="0"/>
-                <a:ea typeface="맑은 고딕" charset="0"/>
-              </a:rPr>
-              <a:t>2</a:t>
-            </a:r>
-            <a:r>
-              <a:rPr sz="2000" b="1">
-                <a:solidFill>
-                  <a:srgbClr val="0611F2"/>
-                </a:solidFill>
-                <a:latin typeface="맑은 고딕" charset="0"/>
-                <a:ea typeface="맑은 고딕" charset="0"/>
-              </a:rPr>
-              <a:t>. </a:t>
+              <a:t>12. </a:t>
             </a:r>
             <a:r>
               <a:rPr sz="1800">
                 <a:latin typeface="맑은 고딕" charset="0"/>
                 <a:ea typeface="맑은 고딕" charset="0"/>
               </a:rPr>
-              <a:t>그리고 mixamo에서 Animation을 선</a:t>
+              <a:t>그리고 mixamo에서 Animation을 선택</a:t>
+            </a:r>
+            <a:r>
+              <a:rPr lang="ko-KR" sz="1800">
+                <a:latin typeface="맑은 고딕" charset="0"/>
+                <a:ea typeface="맑은 고딕" charset="0"/>
+              </a:rPr>
+              <a:t>한 다음</a:t>
             </a:r>
             <a:r>
               <a:rPr sz="1800">
                 <a:latin typeface="맑은 고딕" charset="0"/>
                 <a:ea typeface="맑은 고딕" charset="0"/>
               </a:rPr>
-              <a:t>택</a:t>
-            </a:r>
-            <a:r>
-              <a:rPr lang="ko-KR" sz="1800">
-                <a:latin typeface="맑은 고딕" charset="0"/>
-                <a:ea typeface="맑은 고딕" charset="0"/>
-              </a:rPr>
-              <a:t>한 다음</a:t>
-            </a:r>
-            <a:r>
-              <a:rPr sz="1800">
-                <a:latin typeface="맑은 고딕" charset="0"/>
-                <a:ea typeface="맑은 고딕" charset="0"/>
-              </a:rPr>
-              <a:t> </a:t>
-            </a:r>
-            <a:r>
-              <a:rPr sz="1800">
-                <a:latin typeface="맑은 고딕" charset="0"/>
-                <a:ea typeface="맑은 고딕" charset="0"/>
-              </a:rPr>
-              <a:t>Hip Hop Dancing </a:t>
-            </a:r>
-            <a:r>
-              <a:rPr sz="1800">
-                <a:latin typeface="맑은 고딕" charset="0"/>
-                <a:ea typeface="맑은 고딕" charset="0"/>
-              </a:rPr>
-              <a:t>애니메이션을 Download합니다.</a:t>
+              <a:t> Hip Hop Dancing 애니메이션을 Download합니다.</a:t>
             </a:r>
             <a:endParaRPr lang="ko-KR" altLang="en-US" sz="1800">
               <a:latin typeface="맑은 고딕" charset="0"/>
@@ -13886,8 +13719,8 @@
         </p:nvSpPr>
         <p:spPr>
           <a:xfrm rot="0">
-            <a:off x="1223010" y="2633345"/>
-            <a:ext cx="4155440" cy="954405"/>
+            <a:off x="1229995" y="2633345"/>
+            <a:ext cx="4148455" cy="954405"/>
           </a:xfrm>
           <a:prstGeom prst="rect"/>
           <a:noFill/>
@@ -13914,17 +13747,7 @@
                 <a:latin typeface="맑은 고딕" charset="0"/>
                 <a:ea typeface="맑은 고딕" charset="0"/>
               </a:rPr>
-              <a:t>10</a:t>
-            </a:r>
-            <a:r>
-              <a:rPr lang="ko-KR" sz="2000" b="1">
-                <a:solidFill>
-                  <a:srgbClr val="0611F2"/>
-                </a:solidFill>
-                <a:latin typeface="맑은 고딕" charset="0"/>
-                <a:ea typeface="맑은 고딕" charset="0"/>
-              </a:rPr>
-              <a:t>.</a:t>
+              <a:t>10.</a:t>
             </a:r>
             <a:r>
               <a:rPr lang="ko-KR" sz="2000">
@@ -13952,17 +13775,17 @@
       </p:sp>
       <p:pic>
         <p:nvPicPr>
-          <p:cNvPr id="56" name="그림 92"/>
+          <p:cNvPr id="56" name="그림 92" descr="C:/Users/Admin1/AppData/Roaming/PolarisOffice/ETemp/20852_9486176/fImage44844086827.png"/>
           <p:cNvPicPr>
             <a:picLocks noChangeAspect="1"/>
           </p:cNvPicPr>
           <p:nvPr/>
         </p:nvPicPr>
         <p:blipFill rotWithShape="1">
-          <a:blip r:embed="rId7" cstate="print">
+          <a:blip r:embed="rId7" cstate="hqprint">
             <a:extLst>
               <a:ext uri="{28A0092B-C50C-407E-A947-70E740481C1C}">
-                <a14:useLocalDpi xmlns:a14="http://schemas.microsoft.com/office/drawing/2010/main" val="0"/>
+                <a14:useLocalDpi xmlns:a14="http://schemas.microsoft.com/office/drawing/2010/main"/>
               </a:ext>
             </a:extLst>
           </a:blip>
@@ -13972,8 +13795,8 @@
         </p:blipFill>
         <p:spPr>
           <a:xfrm rot="0">
-            <a:off x="1209675" y="1352550"/>
-            <a:ext cx="4172585" cy="1153160"/>
+            <a:off x="1229995" y="1463675"/>
+            <a:ext cx="4152900" cy="1059815"/>
           </a:xfrm>
           <a:prstGeom prst="roundRect"/>
           <a:solidFill>
@@ -13983,17 +13806,17 @@
       </p:pic>
       <p:pic>
         <p:nvPicPr>
-          <p:cNvPr id="57" name="그림 93"/>
+          <p:cNvPr id="57" name="그림 93" descr="C:/Users/Admin1/AppData/Roaming/PolarisOffice/ETemp/20852_9486176/fImage57874099961.png"/>
           <p:cNvPicPr>
             <a:picLocks noChangeAspect="1"/>
           </p:cNvPicPr>
           <p:nvPr/>
         </p:nvPicPr>
         <p:blipFill rotWithShape="1">
-          <a:blip r:embed="rId8" cstate="print">
+          <a:blip r:embed="rId8" cstate="hqprint">
             <a:extLst>
               <a:ext uri="{28A0092B-C50C-407E-A947-70E740481C1C}">
-                <a14:useLocalDpi xmlns:a14="http://schemas.microsoft.com/office/drawing/2010/main" val="0"/>
+                <a14:useLocalDpi xmlns:a14="http://schemas.microsoft.com/office/drawing/2010/main"/>
               </a:ext>
             </a:extLst>
           </a:blip>
@@ -14003,8 +13826,8 @@
         </p:blipFill>
         <p:spPr>
           <a:xfrm rot="0">
-            <a:off x="1310005" y="3733800"/>
-            <a:ext cx="1315085" cy="1350645"/>
+            <a:off x="1231900" y="3783965"/>
+            <a:ext cx="1332230" cy="1275715"/>
           </a:xfrm>
           <a:prstGeom prst="roundRect"/>
           <a:solidFill>
@@ -14014,17 +13837,17 @@
       </p:pic>
       <p:pic>
         <p:nvPicPr>
-          <p:cNvPr id="58" name="그림 94"/>
+          <p:cNvPr id="58" name="그림 94" descr="C:/Users/Admin1/AppData/Roaming/PolarisOffice/ETemp/20852_9486176/fImage6833410491.png"/>
           <p:cNvPicPr>
             <a:picLocks noChangeAspect="1"/>
           </p:cNvPicPr>
           <p:nvPr/>
         </p:nvPicPr>
         <p:blipFill rotWithShape="1">
-          <a:blip r:embed="rId9" cstate="print">
+          <a:blip r:embed="rId9" cstate="hqprint">
             <a:extLst>
               <a:ext uri="{28A0092B-C50C-407E-A947-70E740481C1C}">
-                <a14:useLocalDpi xmlns:a14="http://schemas.microsoft.com/office/drawing/2010/main" val="0"/>
+                <a14:useLocalDpi xmlns:a14="http://schemas.microsoft.com/office/drawing/2010/main"/>
               </a:ext>
             </a:extLst>
           </a:blip>
@@ -14034,8 +13857,8 @@
         </p:blipFill>
         <p:spPr>
           <a:xfrm rot="0">
-            <a:off x="2788920" y="3743325"/>
-            <a:ext cx="2595245" cy="1341120"/>
+            <a:off x="2719070" y="3784600"/>
+            <a:ext cx="2665730" cy="1266190"/>
           </a:xfrm>
           <a:prstGeom prst="roundRect"/>
           <a:solidFill>
@@ -14053,8 +13876,8 @@
         </p:nvSpPr>
         <p:spPr>
           <a:xfrm rot="0">
-            <a:off x="1318260" y="5201920"/>
-            <a:ext cx="4060825" cy="954405"/>
+            <a:off x="1229360" y="5201920"/>
+            <a:ext cx="4150360" cy="954405"/>
           </a:xfrm>
           <a:prstGeom prst="rect"/>
           <a:noFill/>
@@ -14081,17 +13904,7 @@
                 <a:latin typeface="맑은 고딕" charset="0"/>
                 <a:ea typeface="맑은 고딕" charset="0"/>
               </a:rPr>
-              <a:t>11</a:t>
-            </a:r>
-            <a:r>
-              <a:rPr lang="ko-KR" sz="2000" b="1">
-                <a:solidFill>
-                  <a:srgbClr val="0611F2"/>
-                </a:solidFill>
-                <a:latin typeface="맑은 고딕" charset="0"/>
-                <a:ea typeface="맑은 고딕" charset="0"/>
-              </a:rPr>
-              <a:t>.</a:t>
+              <a:t>11.</a:t>
             </a:r>
             <a:r>
               <a:rPr lang="ko-KR" sz="2000">
@@ -14108,14 +13921,21 @@
                 <a:latin typeface="맑은 고딕" charset="0"/>
                 <a:ea typeface="맑은 고딕" charset="0"/>
               </a:rPr>
-              <a:t>그</a:t>
+              <a:t>그런 다음 Project 폴더</a:t>
             </a:r>
             <a:r>
               <a:rPr lang="ko-KR" sz="1800">
                 <a:latin typeface="맑은 고딕" charset="0"/>
                 <a:ea typeface="맑은 고딕" charset="0"/>
               </a:rPr>
-              <a:t>런 다음 Project 폴더에 있는 Model 폴더에 Ch14_nonPBR 오브젝트를 월드 공간에 배치합니다.</a:t>
+              <a:t> 아래에</a:t>
+            </a:r>
+            <a:r>
+              <a:rPr lang="ko-KR" sz="1800">
+                <a:latin typeface="맑은 고딕" charset="0"/>
+                <a:ea typeface="맑은 고딕" charset="0"/>
+              </a:rPr>
+              <a:t> 있는 Model 폴더에 Ch14_nonPBR 오브젝트를 월드 공간에 배치합니다.</a:t>
             </a:r>
             <a:endParaRPr lang="ko-KR" altLang="en-US" sz="1800">
               <a:latin typeface="맑은 고딕" charset="0"/>
@@ -14174,8 +13994,8 @@
         </p:nvSpPr>
         <p:spPr>
           <a:xfrm rot="0">
-            <a:off x="4280535" y="445770"/>
-            <a:ext cx="3642360" cy="554990"/>
+            <a:off x="4358005" y="382905"/>
+            <a:ext cx="3479165" cy="554990"/>
           </a:xfrm>
           <a:prstGeom prst="rect"/>
           <a:noFill/>
@@ -14190,23 +14010,23 @@
           </a:bodyPr>
           <a:lstStyle/>
           <a:p>
-            <a:pPr marL="0" indent="0" algn="l" latinLnBrk="0" hangingPunct="1">
-              <a:buFontTx/>
-              <a:buNone/>
-            </a:pPr>
+            <a:pPr marL="0" indent="0" algn="ctr" latinLnBrk="0" hangingPunct="1">
+              <a:buFontTx/>
+              <a:buNone/>
+            </a:pPr>
+            <a:r>
+              <a:rPr lang="ko-KR" sz="2500" b="1">
+                <a:latin typeface="나눔바른고딕" charset="0"/>
+                <a:ea typeface="나눔바른고딕" charset="0"/>
+              </a:rPr>
+              <a:t>여섯 번째 튜토리얼</a:t>
+            </a:r>
             <a:r>
               <a:rPr lang="ko-KR" sz="3000" b="1">
                 <a:latin typeface="맑은 고딕" charset="0"/>
                 <a:ea typeface="맑은 고딕" charset="0"/>
               </a:rPr>
-              <a:t>여</a:t>
-            </a:r>
-            <a:r>
-              <a:rPr lang="ko-KR" sz="3000" b="1">
-                <a:latin typeface="맑은 고딕" charset="0"/>
-                <a:ea typeface="맑은 고딕" charset="0"/>
-              </a:rPr>
-              <a:t>섯 번째 튜토리얼 </a:t>
+              <a:t> </a:t>
             </a:r>
             <a:endParaRPr lang="ko-KR" altLang="en-US" sz="3000" b="1">
               <a:latin typeface="맑은 고딕" charset="0"/>
@@ -14225,8 +14045,8 @@
         </p:nvSpPr>
         <p:spPr>
           <a:xfrm rot="0">
-            <a:off x="1263015" y="4706620"/>
-            <a:ext cx="4072890" cy="1508125"/>
+            <a:off x="1247140" y="4639945"/>
+            <a:ext cx="4089400" cy="1508125"/>
           </a:xfrm>
           <a:prstGeom prst="rect"/>
           <a:noFill/>
@@ -14236,7 +14056,7 @@
           </a:ln>
         </p:spPr>
         <p:txBody>
-          <a:bodyPr wrap="square" lIns="89535" tIns="46355" rIns="89535" bIns="46355" vert="horz" anchor="t">
+          <a:bodyPr wrap="square" lIns="89535" tIns="46355" rIns="89535" bIns="46355" numCol="1" vert="horz" anchor="t">
             <a:spAutoFit/>
           </a:bodyPr>
           <a:lstStyle/>
@@ -14280,7 +14100,28 @@
                 <a:latin typeface="맑은 고딕" charset="0"/>
                 <a:ea typeface="맑은 고딕" charset="0"/>
               </a:rPr>
-              <a:t>그다음 Format은 FBX for Unity(.fbx)로 설정합니다.</a:t>
+              <a:t>그다음</a:t>
+            </a:r>
+            <a:r>
+              <a:rPr sz="1800">
+                <a:latin typeface="맑은 고딕" charset="0"/>
+                <a:ea typeface="맑은 고딕" charset="0"/>
+              </a:rPr>
+              <a:t>으</a:t>
+            </a:r>
+            <a:r>
+              <a:rPr lang="ko-KR" sz="1800">
+                <a:latin typeface="맑은 고딕" charset="0"/>
+                <a:ea typeface="맑은 고딕" charset="0"/>
+              </a:rPr>
+              <a:t>로</a:t>
+            </a:r>
+            <a:r>
+              <a:rPr sz="1800">
+                <a:latin typeface="맑은 고딕" charset="0"/>
+                <a:ea typeface="맑은 고딕" charset="0"/>
+              </a:rPr>
+              <a:t> Format은 FBX for Unity(.fbx)로 설정합니다.</a:t>
             </a:r>
             <a:endParaRPr lang="ko-KR" altLang="en-US" sz="1800">
               <a:latin typeface="맑은 고딕" charset="0"/>
@@ -14307,7 +14148,7 @@
                 <a:latin typeface="맑은 고딕" charset="0"/>
                 <a:ea typeface="맑은 고딕" charset="0"/>
               </a:rPr>
-              <a:t>마지막으로</a:t>
+              <a:t>그러고 나서</a:t>
             </a:r>
             <a:r>
               <a:rPr sz="1800">
@@ -14325,7 +14166,7 @@
       </p:sp>
       <p:pic>
         <p:nvPicPr>
-          <p:cNvPr id="55" name="그림 72"/>
+          <p:cNvPr id="55" name="그림 72" descr="C:/Users/Admin1/AppData/Roaming/PolarisOffice/ETemp/20852_9486176/fImage113473822995.png"/>
           <p:cNvPicPr>
             <a:picLocks noChangeAspect="1"/>
           </p:cNvPicPr>
@@ -14345,8 +14186,8 @@
         </p:blipFill>
         <p:spPr>
           <a:xfrm rot="0">
-            <a:off x="1263015" y="1409065"/>
-            <a:ext cx="4073525" cy="3201670"/>
+            <a:off x="1237615" y="1457325"/>
+            <a:ext cx="4099560" cy="3020060"/>
           </a:xfrm>
           <a:prstGeom prst="rect"/>
           <a:noFill/>
@@ -14354,17 +14195,17 @@
       </p:pic>
       <p:pic>
         <p:nvPicPr>
-          <p:cNvPr id="56" name="그림 77"/>
+          <p:cNvPr id="56" name="그림 77" descr="C:/Users/Admin1/AppData/Roaming/PolarisOffice/ETemp/20852_9486176/fImage63353871942.png"/>
           <p:cNvPicPr>
             <a:picLocks noChangeAspect="1"/>
           </p:cNvPicPr>
           <p:nvPr/>
         </p:nvPicPr>
         <p:blipFill rotWithShape="1">
-          <a:blip r:embed="rId3" cstate="print">
+          <a:blip r:embed="rId3" cstate="hqprint">
             <a:extLst>
               <a:ext uri="{28A0092B-C50C-407E-A947-70E740481C1C}">
-                <a14:useLocalDpi xmlns:a14="http://schemas.microsoft.com/office/drawing/2010/main" val="0"/>
+                <a14:useLocalDpi xmlns:a14="http://schemas.microsoft.com/office/drawing/2010/main"/>
               </a:ext>
             </a:extLst>
           </a:blip>
@@ -14374,8 +14215,8 @@
         </p:blipFill>
         <p:spPr>
           <a:xfrm rot="0">
-            <a:off x="8423910" y="1402080"/>
-            <a:ext cx="2703830" cy="1096010"/>
+            <a:off x="8423910" y="1454785"/>
+            <a:ext cx="2530475" cy="1043940"/>
           </a:xfrm>
           <a:prstGeom prst="roundRect"/>
           <a:solidFill>
@@ -14385,17 +14226,17 @@
       </p:pic>
       <p:pic>
         <p:nvPicPr>
-          <p:cNvPr id="57" name="그림 81"/>
+          <p:cNvPr id="57" name="그림 81" descr="C:/Users/Admin1/AppData/Roaming/PolarisOffice/ETemp/20852_9486176/fImage42543894827.png"/>
           <p:cNvPicPr>
             <a:picLocks noChangeAspect="1"/>
           </p:cNvPicPr>
           <p:nvPr/>
         </p:nvPicPr>
         <p:blipFill rotWithShape="1">
-          <a:blip r:embed="rId4" cstate="print">
+          <a:blip r:embed="rId4" cstate="hqprint">
             <a:extLst>
               <a:ext uri="{28A0092B-C50C-407E-A947-70E740481C1C}">
-                <a14:useLocalDpi xmlns:a14="http://schemas.microsoft.com/office/drawing/2010/main" val="0"/>
+                <a14:useLocalDpi xmlns:a14="http://schemas.microsoft.com/office/drawing/2010/main"/>
               </a:ext>
             </a:extLst>
           </a:blip>
@@ -14405,8 +14246,8 @@
         </p:blipFill>
         <p:spPr>
           <a:xfrm rot="0">
-            <a:off x="6820535" y="1597025"/>
-            <a:ext cx="843280" cy="724535"/>
+            <a:off x="6823710" y="1614170"/>
+            <a:ext cx="840740" cy="725170"/>
           </a:xfrm>
           <a:prstGeom prst="roundRect"/>
           <a:solidFill>
@@ -14416,7 +14257,7 @@
       </p:pic>
       <p:pic>
         <p:nvPicPr>
-          <p:cNvPr id="58" name="그림 85"/>
+          <p:cNvPr id="58" name="그림 85" descr="C:/Users/Admin1/AppData/Roaming/PolarisOffice/ETemp/20852_9486176/fImage2242173905436.png"/>
           <p:cNvPicPr>
             <a:picLocks noChangeAspect="1"/>
           </p:cNvPicPr>
@@ -14436,8 +14277,8 @@
         </p:blipFill>
         <p:spPr>
           <a:xfrm rot="0">
-            <a:off x="7784465" y="1729740"/>
-            <a:ext cx="598170" cy="450850"/>
+            <a:off x="7767320" y="1775460"/>
+            <a:ext cx="563880" cy="396875"/>
           </a:xfrm>
           <a:prstGeom prst="rect"/>
           <a:noFill/>
@@ -14453,8 +14294,8 @@
         </p:nvSpPr>
         <p:spPr>
           <a:xfrm rot="0">
-            <a:off x="6807200" y="2618740"/>
-            <a:ext cx="4319270" cy="955040"/>
+            <a:off x="6807200" y="2635885"/>
+            <a:ext cx="4147185" cy="954405"/>
           </a:xfrm>
           <a:prstGeom prst="rect"/>
           <a:noFill/>
@@ -14517,8 +14358,8 @@
         </p:nvSpPr>
         <p:spPr>
           <a:xfrm rot="0">
-            <a:off x="6820535" y="5542280"/>
-            <a:ext cx="4287520" cy="677545"/>
+            <a:off x="6838950" y="5466080"/>
+            <a:ext cx="4133850" cy="677545"/>
           </a:xfrm>
           <a:prstGeom prst="rect"/>
           <a:noFill/>
@@ -14576,21 +14417,7 @@
                 <a:latin typeface="맑은 고딕" charset="0"/>
                 <a:ea typeface="맑은 고딕" charset="0"/>
               </a:rPr>
-              <a:t>h14_nonPBR 오브젝트</a:t>
-            </a:r>
-            <a:r>
-              <a:rPr lang="ko-KR" sz="1800">
-                <a:latin typeface="맑은 고딕" charset="0"/>
-                <a:ea typeface="맑은 고딕" charset="0"/>
-              </a:rPr>
-              <a:t>의</a:t>
-            </a:r>
-            <a:r>
-              <a:rPr lang="ko-KR" sz="1800">
-                <a:latin typeface="맑은 고딕" charset="0"/>
-                <a:ea typeface="맑은 고딕" charset="0"/>
-              </a:rPr>
-              <a:t> 위치 값을 설정합니다.</a:t>
+              <a:t>h14_nonPBR 오브젝트의 위치 값을 설정합니다.</a:t>
             </a:r>
             <a:endParaRPr lang="ko-KR" altLang="en-US" sz="1800">
               <a:latin typeface="맑은 고딕" charset="0"/>
@@ -14601,7 +14428,7 @@
       </p:sp>
       <p:pic>
         <p:nvPicPr>
-          <p:cNvPr id="61" name="그림 1"/>
+          <p:cNvPr id="61" name="그림 1" descr="C:/Users/Admin1/AppData/Roaming/PolarisOffice/ETemp/20852_9486176/fImage159682941942.png"/>
           <p:cNvPicPr>
             <a:picLocks noChangeAspect="1"/>
           </p:cNvPicPr>
@@ -14622,7 +14449,7 @@
         <p:spPr>
           <a:xfrm rot="0">
             <a:off x="6832600" y="3770630"/>
-            <a:ext cx="4281805" cy="1626235"/>
+            <a:ext cx="4130675" cy="1573530"/>
           </a:xfrm>
           <a:prstGeom prst="roundRect"/>
           <a:solidFill>
@@ -14680,8 +14507,8 @@
         </p:nvSpPr>
         <p:spPr>
           <a:xfrm rot="0">
-            <a:off x="4280535" y="445770"/>
-            <a:ext cx="3642995" cy="554990"/>
+            <a:off x="4280535" y="398145"/>
+            <a:ext cx="3643630" cy="554990"/>
           </a:xfrm>
           <a:prstGeom prst="rect"/>
           <a:noFill/>
@@ -14696,23 +14523,23 @@
           </a:bodyPr>
           <a:lstStyle/>
           <a:p>
-            <a:pPr marL="0" indent="0" algn="l" latinLnBrk="0" hangingPunct="1">
-              <a:buFontTx/>
-              <a:buNone/>
-            </a:pPr>
+            <a:pPr marL="0" indent="0" algn="ctr" latinLnBrk="0" hangingPunct="1">
+              <a:buFontTx/>
+              <a:buNone/>
+            </a:pPr>
+            <a:r>
+              <a:rPr lang="ko-KR" sz="2500" b="1">
+                <a:latin typeface="나눔바른고딕" charset="0"/>
+                <a:ea typeface="나눔바른고딕" charset="0"/>
+              </a:rPr>
+              <a:t>일곱 번째 튜토리얼</a:t>
+            </a:r>
             <a:r>
               <a:rPr lang="ko-KR" sz="3000" b="1">
                 <a:latin typeface="맑은 고딕" charset="0"/>
                 <a:ea typeface="맑은 고딕" charset="0"/>
               </a:rPr>
-              <a:t>일곱</a:t>
-            </a:r>
-            <a:r>
-              <a:rPr lang="ko-KR" sz="3000" b="1">
-                <a:latin typeface="맑은 고딕" charset="0"/>
-                <a:ea typeface="맑은 고딕" charset="0"/>
-              </a:rPr>
-              <a:t> 번째 튜토리얼 </a:t>
+              <a:t> </a:t>
             </a:r>
             <a:endParaRPr lang="ko-KR" altLang="en-US" sz="3000" b="1">
               <a:latin typeface="맑은 고딕" charset="0"/>
@@ -14731,8 +14558,8 @@
         </p:nvSpPr>
         <p:spPr>
           <a:xfrm rot="0">
-            <a:off x="1263650" y="5488305"/>
-            <a:ext cx="4089400" cy="677545"/>
+            <a:off x="1247775" y="5326380"/>
+            <a:ext cx="4115435" cy="677545"/>
           </a:xfrm>
           <a:prstGeom prst="rect"/>
           <a:noFill/>
@@ -14812,8 +14639,8 @@
         </p:nvSpPr>
         <p:spPr>
           <a:xfrm rot="0">
-            <a:off x="6845935" y="4107815"/>
-            <a:ext cx="4287520" cy="2061845"/>
+            <a:off x="6829425" y="4107815"/>
+            <a:ext cx="4115435" cy="2061845"/>
           </a:xfrm>
           <a:prstGeom prst="rect"/>
           <a:noFill/>
@@ -14840,59 +14667,35 @@
                 <a:latin typeface="맑은 고딕" charset="0"/>
                 <a:ea typeface="맑은 고딕" charset="0"/>
               </a:rPr>
-              <a:t>17</a:t>
-            </a:r>
-            <a:r>
-              <a:rPr sz="2000" b="1">
-                <a:solidFill>
-                  <a:srgbClr val="0611F2"/>
-                </a:solidFill>
-                <a:latin typeface="맑은 고딕" charset="0"/>
-                <a:ea typeface="맑은 고딕" charset="0"/>
-              </a:rPr>
-              <a:t>. </a:t>
+              <a:t>17. </a:t>
             </a:r>
             <a:r>
               <a:rPr sz="1800">
                 <a:latin typeface="맑은 고딕" charset="0"/>
                 <a:ea typeface="맑은 고딕" charset="0"/>
               </a:rPr>
-              <a:t>마지막으</a:t>
+              <a:t>그리</a:t>
             </a:r>
             <a:r>
               <a:rPr lang="ko-KR" sz="1800">
                 <a:latin typeface="맑은 고딕" charset="0"/>
                 <a:ea typeface="맑은 고딕" charset="0"/>
               </a:rPr>
-              <a:t>로</a:t>
+              <a:t>고</a:t>
             </a:r>
             <a:r>
               <a:rPr sz="1800">
                 <a:latin typeface="맑은 고딕" charset="0"/>
                 <a:ea typeface="맑은 고딕" charset="0"/>
               </a:rPr>
-              <a:t> </a:t>
-            </a:r>
-            <a:r>
-              <a:rPr sz="1800">
-                <a:latin typeface="맑은 고딕" charset="0"/>
-                <a:ea typeface="맑은 고딕" charset="0"/>
-              </a:rPr>
-              <a:t>Hip Hop D</a:t>
+              <a:t> Hip Hop D</a:t>
             </a:r>
             <a:r>
               <a:rPr lang="ko-KR" sz="1800">
                 <a:latin typeface="맑은 고딕" charset="0"/>
                 <a:ea typeface="맑은 고딕" charset="0"/>
               </a:rPr>
-              <a:t>ancing 애니메이션의 </a:t>
-            </a:r>
-            <a:r>
-              <a:rPr lang="ko-KR" sz="1800">
-                <a:latin typeface="맑은 고딕" charset="0"/>
-                <a:ea typeface="맑은 고딕" charset="0"/>
-              </a:rPr>
-              <a:t>Rig</a:t>
+              <a:t>ancing 애니메이션의 Rig</a:t>
             </a:r>
             <a:r>
               <a:rPr sz="1800">
@@ -14933,7 +14736,21 @@
                 <a:latin typeface="맑은 고딕" charset="0"/>
                 <a:ea typeface="맑은 고딕" charset="0"/>
               </a:rPr>
-              <a:t>그리고 Avatar Definition을 Create From This Model로 설정하고 Apply를 선택합니다.</a:t>
+              <a:t>그</a:t>
+            </a:r>
+            <a:r>
+              <a:rPr lang="ko-KR" sz="1800">
+                <a:latin typeface="맑은 고딕" charset="0"/>
+                <a:ea typeface="맑은 고딕" charset="0"/>
+              </a:rPr>
+              <a:t>러고 나서</a:t>
+            </a:r>
+            <a:r>
+              <a:rPr lang="ko-KR" sz="1800">
+                <a:latin typeface="맑은 고딕" charset="0"/>
+                <a:ea typeface="맑은 고딕" charset="0"/>
+              </a:rPr>
+              <a:t> Avatar Definition을 Create From This Model로 설정하고 Apply를 선택합니다.</a:t>
             </a:r>
             <a:endParaRPr lang="ko-KR" altLang="en-US" sz="1800">
               <a:latin typeface="맑은 고딕" charset="0"/>
@@ -14944,17 +14761,17 @@
       </p:sp>
       <p:pic>
         <p:nvPicPr>
-          <p:cNvPr id="62" name="그림 1"/>
+          <p:cNvPr id="62" name="그림 1" descr="C:/Users/Admin1/AppData/Roaming/PolarisOffice/ETemp/20852_9486176/fImage2540618341.png"/>
           <p:cNvPicPr>
             <a:picLocks noChangeAspect="1"/>
           </p:cNvPicPr>
           <p:nvPr/>
         </p:nvPicPr>
         <p:blipFill rotWithShape="1">
-          <a:blip r:embed="rId2" cstate="print">
+          <a:blip r:embed="rId2" cstate="hqprint">
             <a:extLst>
               <a:ext uri="{28A0092B-C50C-407E-A947-70E740481C1C}">
-                <a14:useLocalDpi xmlns:a14="http://schemas.microsoft.com/office/drawing/2010/main" val="0"/>
+                <a14:useLocalDpi xmlns:a14="http://schemas.microsoft.com/office/drawing/2010/main"/>
               </a:ext>
             </a:extLst>
           </a:blip>
@@ -14964,28 +14781,26 @@
         </p:blipFill>
         <p:spPr>
           <a:xfrm rot="0">
-            <a:off x="1266190" y="1417320"/>
-            <a:ext cx="4096385" cy="3937000"/>
-          </a:xfrm>
-          <a:prstGeom prst="roundRect"/>
-          <a:solidFill>
-            <a:srgbClr val="EDEDED"/>
-          </a:solidFill>
+            <a:off x="1247775" y="1466850"/>
+            <a:ext cx="4115435" cy="3677285"/>
+          </a:xfrm>
+          <a:prstGeom prst="rect"/>
+          <a:noFill/>
         </p:spPr>
       </p:pic>
       <p:pic>
         <p:nvPicPr>
-          <p:cNvPr id="63" name="그림 6"/>
+          <p:cNvPr id="63" name="그림 6" descr="C:/Users/Admin1/AppData/Roaming/PolarisOffice/ETemp/20852_9486176/fImage198061848467.png"/>
           <p:cNvPicPr>
             <a:picLocks noChangeAspect="1"/>
           </p:cNvPicPr>
           <p:nvPr/>
         </p:nvPicPr>
         <p:blipFill rotWithShape="1">
-          <a:blip r:embed="rId3" cstate="print">
+          <a:blip r:embed="rId3" cstate="hqprint">
             <a:extLst>
               <a:ext uri="{28A0092B-C50C-407E-A947-70E740481C1C}">
-                <a14:useLocalDpi xmlns:a14="http://schemas.microsoft.com/office/drawing/2010/main" val="0"/>
+                <a14:useLocalDpi xmlns:a14="http://schemas.microsoft.com/office/drawing/2010/main"/>
               </a:ext>
             </a:extLst>
           </a:blip>
@@ -14995,8 +14810,8 @@
         </p:blipFill>
         <p:spPr>
           <a:xfrm rot="0">
-            <a:off x="6841490" y="1412875"/>
-            <a:ext cx="4273550" cy="2569845"/>
+            <a:off x="6829425" y="1457325"/>
+            <a:ext cx="4124960" cy="2496185"/>
           </a:xfrm>
           <a:prstGeom prst="roundRect"/>
           <a:solidFill>
@@ -15054,8 +14869,8 @@
         </p:nvSpPr>
         <p:spPr>
           <a:xfrm rot="0">
-            <a:off x="4280535" y="445770"/>
-            <a:ext cx="3642995" cy="554990"/>
+            <a:off x="4280535" y="436245"/>
+            <a:ext cx="3643630" cy="554990"/>
           </a:xfrm>
           <a:prstGeom prst="rect"/>
           <a:noFill/>
@@ -15070,23 +14885,23 @@
           </a:bodyPr>
           <a:lstStyle/>
           <a:p>
-            <a:pPr marL="0" indent="0" algn="l" latinLnBrk="0" hangingPunct="1">
-              <a:buFontTx/>
-              <a:buNone/>
-            </a:pPr>
+            <a:pPr marL="0" indent="0" algn="ctr" latinLnBrk="0" hangingPunct="1">
+              <a:buFontTx/>
+              <a:buNone/>
+            </a:pPr>
+            <a:r>
+              <a:rPr lang="ko-KR" sz="2500" b="1">
+                <a:latin typeface="나눔바른고딕" charset="0"/>
+                <a:ea typeface="나눔바른고딕" charset="0"/>
+              </a:rPr>
+              <a:t>여덟 번째 튜토리얼</a:t>
+            </a:r>
             <a:r>
               <a:rPr lang="ko-KR" sz="3000" b="1">
                 <a:latin typeface="맑은 고딕" charset="0"/>
                 <a:ea typeface="맑은 고딕" charset="0"/>
               </a:rPr>
-              <a:t>여덟</a:t>
-            </a:r>
-            <a:r>
-              <a:rPr lang="ko-KR" sz="3000" b="1">
-                <a:latin typeface="맑은 고딕" charset="0"/>
-                <a:ea typeface="맑은 고딕" charset="0"/>
-              </a:rPr>
-              <a:t> 번째 튜토리얼 </a:t>
+              <a:t> </a:t>
             </a:r>
             <a:endParaRPr lang="ko-KR" altLang="en-US" sz="3000" b="1">
               <a:latin typeface="맑은 고딕" charset="0"/>
@@ -15105,8 +14920,8 @@
         </p:nvSpPr>
         <p:spPr>
           <a:xfrm rot="0">
-            <a:off x="1172210" y="5488305"/>
-            <a:ext cx="4198620" cy="677545"/>
+            <a:off x="1238885" y="5271135"/>
+            <a:ext cx="4115435" cy="954405"/>
           </a:xfrm>
           <a:prstGeom prst="rect"/>
           <a:noFill/>
@@ -15174,14 +14989,7 @@
                 <a:latin typeface="맑은 고딕" charset="0"/>
                 <a:ea typeface="맑은 고딕" charset="0"/>
               </a:rPr>
-              <a:t> </a:t>
-            </a:r>
-            <a:r>
-              <a:rPr sz="1800">
-                <a:latin typeface="맑은 고딕" charset="0"/>
-                <a:ea typeface="맑은 고딕" charset="0"/>
-              </a:rPr>
-              <a:t>Hip Hop D</a:t>
+              <a:t> Hip Hop D</a:t>
             </a:r>
             <a:r>
               <a:rPr lang="ko-KR" sz="1800">
@@ -15214,8 +15022,8 @@
         </p:nvSpPr>
         <p:spPr>
           <a:xfrm rot="0">
-            <a:off x="1172210" y="3372485"/>
-            <a:ext cx="4198620" cy="677545"/>
+            <a:off x="1238250" y="2919095"/>
+            <a:ext cx="4142740" cy="954405"/>
           </a:xfrm>
           <a:prstGeom prst="rect"/>
           <a:noFill/>
@@ -15225,7 +15033,7 @@
           </a:ln>
         </p:spPr>
         <p:txBody>
-          <a:bodyPr wrap="square" lIns="89535" tIns="46355" rIns="89535" bIns="46355" vert="horz" anchor="t">
+          <a:bodyPr wrap="square" lIns="89535" tIns="46355" rIns="89535" bIns="46355" numCol="1" vert="horz" anchor="t">
             <a:spAutoFit/>
           </a:bodyPr>
           <a:lstStyle/>
@@ -15242,41 +15050,28 @@
                 <a:latin typeface="맑은 고딕" charset="0"/>
                 <a:ea typeface="맑은 고딕" charset="0"/>
               </a:rPr>
-              <a:t>1</a:t>
-            </a:r>
-            <a:r>
-              <a:rPr sz="2000" b="1">
-                <a:solidFill>
-                  <a:srgbClr val="0611F2"/>
-                </a:solidFill>
-                <a:latin typeface="맑은 고딕" charset="0"/>
-                <a:ea typeface="맑은 고딕" charset="0"/>
-              </a:rPr>
-              <a:t>8.</a:t>
-            </a:r>
-            <a:r>
-              <a:rPr sz="2000" b="1">
-                <a:solidFill>
-                  <a:srgbClr val="0611F2"/>
-                </a:solidFill>
-                <a:latin typeface="맑은 고딕" charset="0"/>
-                <a:ea typeface="맑은 고딕" charset="0"/>
-              </a:rPr>
-              <a:t> </a:t>
+              <a:t>18. </a:t>
             </a:r>
             <a:r>
               <a:rPr sz="1800">
                 <a:latin typeface="맑은 고딕" charset="0"/>
                 <a:ea typeface="맑은 고딕" charset="0"/>
               </a:rPr>
-              <a:t>이제 </a:t>
+              <a:t>이제 public Animat</a:t>
+            </a:r>
+            <a:r>
+              <a:rPr lang="ko-KR" sz="1800">
+                <a:latin typeface="맑은 고딕" charset="0"/>
+                <a:ea typeface="맑은 고딕" charset="0"/>
+              </a:rPr>
+              <a:t>o</a:t>
             </a:r>
             <a:r>
               <a:rPr sz="1800">
                 <a:latin typeface="맑은 고딕" charset="0"/>
                 <a:ea typeface="맑은 고딕" charset="0"/>
               </a:rPr>
-              <a:t>public Animatir Contr</a:t>
+              <a:t>r Contr</a:t>
             </a:r>
             <a:r>
               <a:rPr lang="ko-KR" sz="1800">
@@ -15301,17 +15096,17 @@
       </p:sp>
       <p:pic>
         <p:nvPicPr>
-          <p:cNvPr id="68" name="그림 19"/>
+          <p:cNvPr id="68" name="그림 19" descr="C:/Users/Admin1/AppData/Roaming/PolarisOffice/ETemp/20852_9486176/fImage32072006334.png"/>
           <p:cNvPicPr>
             <a:picLocks noChangeAspect="1"/>
           </p:cNvPicPr>
           <p:nvPr/>
         </p:nvPicPr>
         <p:blipFill rotWithShape="1">
-          <a:blip r:embed="rId2" cstate="print">
+          <a:blip r:embed="rId2" cstate="hqprint">
             <a:extLst>
               <a:ext uri="{28A0092B-C50C-407E-A947-70E740481C1C}">
-                <a14:useLocalDpi xmlns:a14="http://schemas.microsoft.com/office/drawing/2010/main" val="0"/>
+                <a14:useLocalDpi xmlns:a14="http://schemas.microsoft.com/office/drawing/2010/main"/>
               </a:ext>
             </a:extLst>
           </a:blip>
@@ -15321,8 +15116,8 @@
         </p:blipFill>
         <p:spPr>
           <a:xfrm rot="0">
-            <a:off x="1173480" y="4347845"/>
-            <a:ext cx="905510" cy="838835"/>
+            <a:off x="1238250" y="4170680"/>
+            <a:ext cx="841375" cy="839470"/>
           </a:xfrm>
           <a:prstGeom prst="roundRect"/>
           <a:solidFill>
@@ -15332,17 +15127,17 @@
       </p:pic>
       <p:pic>
         <p:nvPicPr>
-          <p:cNvPr id="71" name="그림 27"/>
+          <p:cNvPr id="71" name="그림 27" descr="C:/Users/Admin1/AppData/Roaming/PolarisOffice/ETemp/20852_9486176/fImage107122076500.png"/>
           <p:cNvPicPr>
             <a:picLocks noChangeAspect="1"/>
           </p:cNvPicPr>
           <p:nvPr/>
         </p:nvPicPr>
         <p:blipFill rotWithShape="1">
-          <a:blip r:embed="rId3" cstate="print">
+          <a:blip r:embed="rId3" cstate="hqprint">
             <a:extLst>
               <a:ext uri="{28A0092B-C50C-407E-A947-70E740481C1C}">
-                <a14:useLocalDpi xmlns:a14="http://schemas.microsoft.com/office/drawing/2010/main" val="0"/>
+                <a14:useLocalDpi xmlns:a14="http://schemas.microsoft.com/office/drawing/2010/main"/>
               </a:ext>
             </a:extLst>
           </a:blip>
@@ -15352,8 +15147,8 @@
         </p:blipFill>
         <p:spPr>
           <a:xfrm rot="0">
-            <a:off x="2568575" y="4206240"/>
-            <a:ext cx="2794000" cy="1139190"/>
+            <a:off x="2438400" y="4010025"/>
+            <a:ext cx="2934335" cy="1139825"/>
           </a:xfrm>
           <a:prstGeom prst="roundRect"/>
           <a:solidFill>
@@ -15363,7 +15158,7 @@
       </p:pic>
       <p:pic>
         <p:nvPicPr>
-          <p:cNvPr id="70" name="그림 25"/>
+          <p:cNvPr id="70" name="그림 25" descr="C:/Users/Admin1/AppData/Roaming/PolarisOffice/ETemp/20852_9486176/fImage2242173905436.png"/>
           <p:cNvPicPr>
             <a:picLocks noChangeAspect="1"/>
           </p:cNvPicPr>
@@ -15383,8 +15178,8 @@
         </p:blipFill>
         <p:spPr>
           <a:xfrm rot="0">
-            <a:off x="2070100" y="4580255"/>
-            <a:ext cx="541020" cy="368300"/>
+            <a:off x="1952625" y="4326890"/>
+            <a:ext cx="772160" cy="516255"/>
           </a:xfrm>
           <a:prstGeom prst="rect"/>
           <a:noFill/>
@@ -15392,17 +15187,17 @@
       </p:pic>
       <p:pic>
         <p:nvPicPr>
-          <p:cNvPr id="72" name="그림 30"/>
+          <p:cNvPr id="72" name="그림 30" descr="C:/Users/Admin1/AppData/Roaming/PolarisOffice/ETemp/20852_9486176/fImage210232089169.png"/>
           <p:cNvPicPr>
             <a:picLocks noChangeAspect="1"/>
           </p:cNvPicPr>
           <p:nvPr/>
         </p:nvPicPr>
         <p:blipFill rotWithShape="1">
-          <a:blip r:embed="rId5" cstate="print">
+          <a:blip r:embed="rId5" cstate="hqprint">
             <a:extLst>
               <a:ext uri="{28A0092B-C50C-407E-A947-70E740481C1C}">
-                <a14:useLocalDpi xmlns:a14="http://schemas.microsoft.com/office/drawing/2010/main" val="0"/>
+                <a14:useLocalDpi xmlns:a14="http://schemas.microsoft.com/office/drawing/2010/main"/>
               </a:ext>
             </a:extLst>
           </a:blip>
@@ -15412,8 +15207,8 @@
         </p:blipFill>
         <p:spPr>
           <a:xfrm rot="0">
-            <a:off x="1173480" y="1479550"/>
-            <a:ext cx="4189095" cy="1788160"/>
+            <a:off x="1228725" y="1447800"/>
+            <a:ext cx="4134485" cy="1376045"/>
           </a:xfrm>
           <a:prstGeom prst="rect"/>
           <a:noFill/>
@@ -15421,17 +15216,17 @@
       </p:pic>
       <p:pic>
         <p:nvPicPr>
-          <p:cNvPr id="73" name="그림 32"/>
+          <p:cNvPr id="73" name="그림 32" descr="C:/Users/Admin1/AppData/Roaming/PolarisOffice/ETemp/20852_9486176/fImage193502095724.png"/>
           <p:cNvPicPr>
             <a:picLocks noChangeAspect="1"/>
           </p:cNvPicPr>
           <p:nvPr/>
         </p:nvPicPr>
         <p:blipFill rotWithShape="1">
-          <a:blip r:embed="rId6" cstate="print">
+          <a:blip r:embed="rId6" cstate="hqprint">
             <a:extLst>
               <a:ext uri="{28A0092B-C50C-407E-A947-70E740481C1C}">
-                <a14:useLocalDpi xmlns:a14="http://schemas.microsoft.com/office/drawing/2010/main" val="0"/>
+                <a14:useLocalDpi xmlns:a14="http://schemas.microsoft.com/office/drawing/2010/main"/>
               </a:ext>
             </a:extLst>
           </a:blip>
@@ -15441,8 +15236,8 @@
         </p:blipFill>
         <p:spPr>
           <a:xfrm rot="0">
-            <a:off x="6824980" y="1479550"/>
-            <a:ext cx="4269740" cy="2145665"/>
+            <a:off x="6824980" y="1447165"/>
+            <a:ext cx="4119880" cy="2138680"/>
           </a:xfrm>
           <a:prstGeom prst="roundRect"/>
           <a:solidFill>
@@ -15452,7 +15247,7 @@
       </p:pic>
       <p:pic>
         <p:nvPicPr>
-          <p:cNvPr id="74" name="그림 35"/>
+          <p:cNvPr id="74" name="그림 35" descr="C:/Users/Admin1/AppData/Roaming/PolarisOffice/ETemp/20852_9486176/fImage44844086827.png"/>
           <p:cNvPicPr>
             <a:picLocks noChangeAspect="1"/>
           </p:cNvPicPr>
@@ -15472,8 +15267,8 @@
         </p:blipFill>
         <p:spPr>
           <a:xfrm rot="0">
-            <a:off x="6821170" y="3755390"/>
-            <a:ext cx="4277360" cy="1153795"/>
+            <a:off x="6828790" y="3759835"/>
+            <a:ext cx="4115435" cy="1154430"/>
           </a:xfrm>
           <a:prstGeom prst="roundRect"/>
           <a:solidFill>
@@ -15489,13 +15284,12 @@
         </p:nvCxnSpPr>
         <p:spPr>
           <a:xfrm rot="0" flipV="1">
-            <a:off x="7955915" y="1895475"/>
-            <a:ext cx="3042920" cy="2186940"/>
+            <a:off x="7931785" y="1819275"/>
+            <a:ext cx="2927350" cy="2251075"/>
           </a:xfrm>
           <a:prstGeom prst="straightConnector1"/>
           <a:ln w="6350" cap="flat" cmpd="sng">
             <a:prstDash/>
-            <a:headEnd type="none" w="med" len="med"/>
             <a:tailEnd type="triangle" w="med" len="med"/>
           </a:ln>
         </p:spPr>
@@ -15524,8 +15318,8 @@
         </p:nvSpPr>
         <p:spPr>
           <a:xfrm rot="0">
-            <a:off x="6830060" y="4936490"/>
-            <a:ext cx="4268470" cy="1231265"/>
+            <a:off x="6830060" y="4996180"/>
+            <a:ext cx="4124325" cy="1231265"/>
           </a:xfrm>
           <a:prstGeom prst="rect"/>
           <a:noFill/>
@@ -15552,17 +15346,7 @@
                 <a:latin typeface="맑은 고딕" charset="0"/>
                 <a:ea typeface="맑은 고딕" charset="0"/>
               </a:rPr>
-              <a:t>20</a:t>
-            </a:r>
-            <a:r>
-              <a:rPr sz="2000" b="1">
-                <a:solidFill>
-                  <a:srgbClr val="0611F2"/>
-                </a:solidFill>
-                <a:latin typeface="맑은 고딕" charset="0"/>
-                <a:ea typeface="맑은 고딕" charset="0"/>
-              </a:rPr>
-              <a:t>. </a:t>
+              <a:t>20. </a:t>
             </a:r>
             <a:r>
               <a:rPr sz="1800">
@@ -15576,21 +15360,42 @@
                 <a:latin typeface="맑은 고딕" charset="0"/>
                 <a:ea typeface="맑은 고딕" charset="0"/>
               </a:rPr>
-              <a:t>다음으로 </a:t>
+              <a:t>리고</a:t>
             </a:r>
             <a:r>
               <a:rPr lang="ko-KR" sz="1800">
                 <a:latin typeface="맑은 고딕" charset="0"/>
                 <a:ea typeface="맑은 고딕" charset="0"/>
               </a:rPr>
-              <a:t>Ch14_nonPBR 오브젝트</a:t>
+              <a:t> Ch14_nonPBR 오브젝트에  Project 폴더</a:t>
             </a:r>
             <a:r>
               <a:rPr lang="ko-KR" sz="1800">
                 <a:latin typeface="맑은 고딕" charset="0"/>
                 <a:ea typeface="맑은 고딕" charset="0"/>
               </a:rPr>
-              <a:t>에 있는 Animator에 Project 폴더에 있는 Public Animation Controller를 넣어줍니다.</a:t>
+              <a:t> 아래에</a:t>
+            </a:r>
+            <a:r>
+              <a:rPr lang="ko-KR" sz="1800">
+                <a:latin typeface="맑은 고딕" charset="0"/>
+                <a:ea typeface="맑은 고딕" charset="0"/>
+              </a:rPr>
+              <a:t> 있는 </a:t>
+            </a:r>
+            <a:r>
+              <a:rPr lang="ko-KR" sz="1800">
+                <a:latin typeface="맑은 고딕" charset="0"/>
+                <a:ea typeface="맑은 고딕" charset="0"/>
+              </a:rPr>
+              <a:t>Animator 폴더에 </a:t>
+            </a:r>
+            <a:r>
+              <a:rPr lang="ko-KR" sz="1800">
+                <a:latin typeface="맑은 고딕" charset="0"/>
+                <a:ea typeface="맑은 고딕" charset="0"/>
+              </a:rPr>
+              <a:t>Public Animation Controller를 넣어줍니다.</a:t>
             </a:r>
             <a:endParaRPr lang="ko-KR" altLang="en-US" sz="1800">
               <a:latin typeface="맑은 고딕" charset="0"/>
@@ -15649,8 +15454,8 @@
         </p:nvSpPr>
         <p:spPr>
           <a:xfrm rot="0">
-            <a:off x="4280535" y="445770"/>
-            <a:ext cx="3642995" cy="554990"/>
+            <a:off x="4280535" y="419735"/>
+            <a:ext cx="3643630" cy="554990"/>
           </a:xfrm>
           <a:prstGeom prst="rect"/>
           <a:noFill/>
@@ -15665,23 +15470,23 @@
           </a:bodyPr>
           <a:lstStyle/>
           <a:p>
-            <a:pPr marL="0" indent="0" algn="l" latinLnBrk="0" hangingPunct="1">
-              <a:buFontTx/>
-              <a:buNone/>
-            </a:pPr>
+            <a:pPr marL="0" indent="0" algn="ctr" latinLnBrk="0" hangingPunct="1">
+              <a:buFontTx/>
+              <a:buNone/>
+            </a:pPr>
+            <a:r>
+              <a:rPr lang="ko-KR" sz="2500" b="1">
+                <a:latin typeface="나눔바른고딕" charset="0"/>
+                <a:ea typeface="나눔바른고딕" charset="0"/>
+              </a:rPr>
+              <a:t>아홉 번째 튜토리얼</a:t>
+            </a:r>
             <a:r>
               <a:rPr lang="ko-KR" sz="3000" b="1">
                 <a:latin typeface="맑은 고딕" charset="0"/>
                 <a:ea typeface="맑은 고딕" charset="0"/>
               </a:rPr>
-              <a:t>아홉</a:t>
-            </a:r>
-            <a:r>
-              <a:rPr lang="ko-KR" sz="3000" b="1">
-                <a:latin typeface="맑은 고딕" charset="0"/>
-                <a:ea typeface="맑은 고딕" charset="0"/>
-              </a:rPr>
-              <a:t> 번째 튜토리얼 </a:t>
+              <a:t> </a:t>
             </a:r>
             <a:endParaRPr lang="ko-KR" altLang="en-US" sz="3000" b="1">
               <a:latin typeface="맑은 고딕" charset="0"/>
@@ -15700,8 +15505,8 @@
         </p:nvSpPr>
         <p:spPr>
           <a:xfrm rot="0">
-            <a:off x="1172210" y="5213985"/>
-            <a:ext cx="4198620" cy="954405"/>
+            <a:off x="1247140" y="5219065"/>
+            <a:ext cx="4133215" cy="954405"/>
           </a:xfrm>
           <a:prstGeom prst="rect"/>
           <a:noFill/>
@@ -15728,17 +15533,7 @@
                 <a:latin typeface="맑은 고딕" charset="0"/>
                 <a:ea typeface="맑은 고딕" charset="0"/>
               </a:rPr>
-              <a:t>21</a:t>
-            </a:r>
-            <a:r>
-              <a:rPr sz="2000" b="1">
-                <a:solidFill>
-                  <a:srgbClr val="0611F2"/>
-                </a:solidFill>
-                <a:latin typeface="맑은 고딕" charset="0"/>
-                <a:ea typeface="맑은 고딕" charset="0"/>
-              </a:rPr>
-              <a:t>.</a:t>
+              <a:t>21.</a:t>
             </a:r>
             <a:r>
               <a:rPr sz="2000">
@@ -15752,7 +15547,14 @@
                 <a:latin typeface="맑은 고딕" charset="0"/>
                 <a:ea typeface="맑은 고딕" charset="0"/>
               </a:rPr>
-              <a:t>그리고</a:t>
+              <a:t>그</a:t>
+            </a:r>
+            <a:r>
+              <a:rPr lang="ko-KR" sz="1800">
+                <a:latin typeface="맑은 고딕" charset="0"/>
+                <a:ea typeface="맑은 고딕" charset="0"/>
+              </a:rPr>
+              <a:t>다음으로</a:t>
             </a:r>
             <a:r>
               <a:rPr sz="1800">
@@ -15773,14 +15575,7 @@
                 <a:latin typeface="맑은 고딕" charset="0"/>
                 <a:ea typeface="맑은 고딕" charset="0"/>
               </a:rPr>
-              <a:t>Character 메뉴를 선택하고 원하는 캐릭터를</a:t>
-            </a:r>
-            <a:r>
-              <a:rPr sz="1800">
-                <a:latin typeface="맑은 고딕" charset="0"/>
-                <a:ea typeface="맑은 고딕" charset="0"/>
-              </a:rPr>
-              <a:t> 하</a:t>
+              <a:t>Character 메뉴를 선택하고 원하는 캐릭터를 하</a:t>
             </a:r>
             <a:r>
               <a:rPr lang="ko-KR" sz="1800">
@@ -15805,17 +15600,17 @@
       </p:sp>
       <p:pic>
         <p:nvPicPr>
-          <p:cNvPr id="77" name="그림 38"/>
+          <p:cNvPr id="77" name="그림 38" descr="C:/Users/Admin1/AppData/Roaming/PolarisOffice/ETemp/20852_9486176/fImage4304632271478.png"/>
           <p:cNvPicPr>
             <a:picLocks noChangeAspect="1"/>
           </p:cNvPicPr>
           <p:nvPr/>
         </p:nvPicPr>
         <p:blipFill rotWithShape="1">
-          <a:blip r:embed="rId2" cstate="print">
+          <a:blip r:embed="rId2" cstate="hqprint">
             <a:extLst>
               <a:ext uri="{28A0092B-C50C-407E-A947-70E740481C1C}">
-                <a14:useLocalDpi xmlns:a14="http://schemas.microsoft.com/office/drawing/2010/main" val="0"/>
+                <a14:useLocalDpi xmlns:a14="http://schemas.microsoft.com/office/drawing/2010/main"/>
               </a:ext>
             </a:extLst>
           </a:blip>
@@ -15825,8 +15620,8 @@
         </p:blipFill>
         <p:spPr>
           <a:xfrm rot="0">
-            <a:off x="1176020" y="1471295"/>
-            <a:ext cx="4203065" cy="3583940"/>
+            <a:off x="1247140" y="1454785"/>
+            <a:ext cx="4132580" cy="3584575"/>
           </a:xfrm>
           <a:prstGeom prst="rect"/>
           <a:noFill/>
@@ -15842,8 +15637,8 @@
         </p:nvSpPr>
         <p:spPr>
           <a:xfrm rot="0">
-            <a:off x="6834505" y="3074670"/>
-            <a:ext cx="4258945" cy="954405"/>
+            <a:off x="6824980" y="3026410"/>
+            <a:ext cx="4138295" cy="954405"/>
           </a:xfrm>
           <a:prstGeom prst="rect"/>
           <a:noFill/>
@@ -15870,45 +15665,35 @@
                 <a:latin typeface="맑은 고딕" charset="0"/>
                 <a:ea typeface="맑은 고딕" charset="0"/>
               </a:rPr>
-              <a:t>22</a:t>
-            </a:r>
-            <a:r>
-              <a:rPr sz="2000" b="1">
-                <a:solidFill>
-                  <a:srgbClr val="0611F2"/>
-                </a:solidFill>
-                <a:latin typeface="맑은 고딕" charset="0"/>
-                <a:ea typeface="맑은 고딕" charset="0"/>
-              </a:rPr>
-              <a:t>. </a:t>
+              <a:t>22. </a:t>
             </a:r>
             <a:r>
               <a:rPr sz="1800">
                 <a:latin typeface="맑은 고딕" charset="0"/>
                 <a:ea typeface="맑은 고딕" charset="0"/>
               </a:rPr>
-              <a:t>이</a:t>
+              <a:t>그러</a:t>
             </a:r>
             <a:r>
               <a:rPr lang="ko-KR" sz="1800">
                 <a:latin typeface="맑은 고딕" charset="0"/>
                 <a:ea typeface="맑은 고딕" charset="0"/>
               </a:rPr>
-              <a:t>제 </a:t>
+              <a:t>고 나서</a:t>
             </a:r>
             <a:r>
               <a:rPr lang="ko-KR" sz="1800">
                 <a:latin typeface="맑은 고딕" charset="0"/>
                 <a:ea typeface="맑은 고딕" charset="0"/>
               </a:rPr>
-              <a:t>F</a:t>
+              <a:t> F</a:t>
             </a:r>
             <a:r>
               <a:rPr sz="1800">
                 <a:latin typeface="맑은 고딕" charset="0"/>
                 <a:ea typeface="맑은 고딕" charset="0"/>
               </a:rPr>
-              <a:t>ormat에 FBX for Unity(.fbx)로 설정하고 Pose는 T-pose로 설정한 다음 Download를 선택합니다.</a:t>
+              <a:t>ormat에 FBX for Unity(.fbx)로 설정하고 Download를 선택합니다.</a:t>
             </a:r>
             <a:endParaRPr lang="ko-KR" altLang="en-US" sz="1800">
               <a:latin typeface="맑은 고딕" charset="0"/>
@@ -15919,7 +15704,7 @@
       </p:sp>
       <p:pic>
         <p:nvPicPr>
-          <p:cNvPr id="79" name="그림 40"/>
+          <p:cNvPr id="79" name="그림 40" descr="C:/Users/Admin1/AppData/Roaming/PolarisOffice/ETemp/20852_9486176/fImage69912496500.png"/>
           <p:cNvPicPr>
             <a:picLocks noChangeAspect="1"/>
           </p:cNvPicPr>
@@ -15939,8 +15724,8 @@
         </p:blipFill>
         <p:spPr>
           <a:xfrm rot="0">
-            <a:off x="6833235" y="1471295"/>
-            <a:ext cx="4253230" cy="1526540"/>
+            <a:off x="6823710" y="1447800"/>
+            <a:ext cx="4140200" cy="1462405"/>
           </a:xfrm>
           <a:prstGeom prst="roundRect"/>
           <a:solidFill>
@@ -15950,17 +15735,17 @@
       </p:pic>
       <p:pic>
         <p:nvPicPr>
-          <p:cNvPr id="80" name="그림 41"/>
+          <p:cNvPr id="80" name="그림 41" descr="C:/Users/Admin1/AppData/Roaming/PolarisOffice/ETemp/20852_9486176/fImage87602309358.png"/>
           <p:cNvPicPr>
             <a:picLocks noChangeAspect="1"/>
           </p:cNvPicPr>
           <p:nvPr/>
         </p:nvPicPr>
         <p:blipFill rotWithShape="1">
-          <a:blip r:embed="rId4" cstate="print">
+          <a:blip r:embed="rId4" cstate="hqprint">
             <a:extLst>
               <a:ext uri="{28A0092B-C50C-407E-A947-70E740481C1C}">
-                <a14:useLocalDpi xmlns:a14="http://schemas.microsoft.com/office/drawing/2010/main" val="0"/>
+                <a14:useLocalDpi xmlns:a14="http://schemas.microsoft.com/office/drawing/2010/main"/>
               </a:ext>
             </a:extLst>
           </a:blip>
@@ -15970,8 +15755,8 @@
         </p:blipFill>
         <p:spPr>
           <a:xfrm rot="0">
-            <a:off x="8446135" y="4164965"/>
-            <a:ext cx="2647950" cy="981710"/>
+            <a:off x="8446135" y="4130675"/>
+            <a:ext cx="2517140" cy="982345"/>
           </a:xfrm>
           <a:prstGeom prst="roundRect"/>
           <a:solidFill>
@@ -15981,17 +15766,17 @@
       </p:pic>
       <p:pic>
         <p:nvPicPr>
-          <p:cNvPr id="81" name="그림 42"/>
+          <p:cNvPr id="81" name="그림 42" descr="C:/Users/Admin1/AppData/Roaming/PolarisOffice/ETemp/20852_9486176/fImage41902316962.png"/>
           <p:cNvPicPr>
             <a:picLocks noChangeAspect="1"/>
           </p:cNvPicPr>
           <p:nvPr/>
         </p:nvPicPr>
         <p:blipFill rotWithShape="1">
-          <a:blip r:embed="rId5" cstate="print">
+          <a:blip r:embed="rId5" cstate="hqprint">
             <a:extLst>
               <a:ext uri="{28A0092B-C50C-407E-A947-70E740481C1C}">
-                <a14:useLocalDpi xmlns:a14="http://schemas.microsoft.com/office/drawing/2010/main" val="0"/>
+                <a14:useLocalDpi xmlns:a14="http://schemas.microsoft.com/office/drawing/2010/main"/>
               </a:ext>
             </a:extLst>
           </a:blip>
@@ -16001,8 +15786,8 @@
         </p:blipFill>
         <p:spPr>
           <a:xfrm rot="0">
-            <a:off x="6840220" y="4264660"/>
-            <a:ext cx="816610" cy="789940"/>
+            <a:off x="6823710" y="4230370"/>
+            <a:ext cx="833755" cy="790575"/>
           </a:xfrm>
           <a:prstGeom prst="roundRect"/>
           <a:solidFill>
@@ -16020,14 +15805,14 @@
         </p:nvSpPr>
         <p:spPr>
           <a:xfrm rot="0">
-            <a:off x="6844030" y="5303520"/>
-            <a:ext cx="4246245" cy="861695"/>
+            <a:off x="6832600" y="5312410"/>
+            <a:ext cx="4139565" cy="862330"/>
           </a:xfrm>
           <a:prstGeom prst="rect"/>
           <a:noFill/>
         </p:spPr>
         <p:txBody>
-          <a:bodyPr wrap="square" lIns="0" tIns="0" rIns="0" bIns="0" vert="horz" anchor="t">
+          <a:bodyPr wrap="square" lIns="0" tIns="0" rIns="0" bIns="0" numCol="1" vert="horz" anchor="t">
             <a:noAutofit/>
           </a:bodyPr>
           <a:lstStyle/>
@@ -16044,31 +15829,49 @@
                 <a:latin typeface="맑은 고딕" charset="0"/>
                 <a:ea typeface="맑은 고딕" charset="0"/>
               </a:rPr>
-              <a:t>23</a:t>
-            </a:r>
-            <a:r>
-              <a:rPr sz="2000" b="1">
-                <a:solidFill>
-                  <a:srgbClr val="0611F2"/>
-                </a:solidFill>
-                <a:latin typeface="맑은 고딕" charset="0"/>
-                <a:ea typeface="맑은 고딕" charset="0"/>
-              </a:rPr>
-              <a:t>. </a:t>
+              <a:t>23. </a:t>
             </a:r>
             <a:r>
               <a:rPr sz="1800">
                 <a:latin typeface="맑은 고딕" charset="0"/>
                 <a:ea typeface="맑은 고딕" charset="0"/>
               </a:rPr>
-              <a:t>그런 다음 다운로드 받은 캐릭터를 유니티 Pr</a:t>
+              <a:t>이</a:t>
             </a:r>
             <a:r>
               <a:rPr lang="ko-KR" sz="1800">
                 <a:latin typeface="맑은 고딕" charset="0"/>
                 <a:ea typeface="맑은 고딕" charset="0"/>
               </a:rPr>
-              <a:t>oject 폴더에 있는 Model 폴더에 넣어줍니다.</a:t>
+              <a:t>제</a:t>
+            </a:r>
+            <a:r>
+              <a:rPr sz="1800">
+                <a:latin typeface="맑은 고딕" charset="0"/>
+                <a:ea typeface="맑은 고딕" charset="0"/>
+              </a:rPr>
+              <a:t> 다운로드 받은 캐릭터를 유니티 Pr</a:t>
+            </a:r>
+            <a:r>
+              <a:rPr lang="ko-KR" sz="1800">
+                <a:latin typeface="맑은 고딕" charset="0"/>
+                <a:ea typeface="맑은 고딕" charset="0"/>
+              </a:rPr>
+              <a:t>oject 폴더</a:t>
+            </a:r>
+            <a:r>
+              <a:rPr lang="ko-KR" sz="1800">
+                <a:latin typeface="맑은 고딕" charset="0"/>
+                <a:ea typeface="맑은 고딕" charset="0"/>
+              </a:rPr>
+              <a:t> 아래에</a:t>
+            </a:r>
+            <a:r>
+              <a:rPr lang="ko-KR" sz="1800">
+                <a:latin typeface="맑은 고딕" charset="0"/>
+                <a:ea typeface="맑은 고딕" charset="0"/>
+              </a:rPr>
+              <a:t> 있는 Model 폴더에 넣어줍니다.</a:t>
             </a:r>
             <a:endParaRPr lang="ko-KR" altLang="en-US" sz="1800">
               <a:latin typeface="맑은 고딕" charset="0"/>
@@ -16079,7 +15882,7 @@
       </p:sp>
       <p:pic>
         <p:nvPicPr>
-          <p:cNvPr id="83" name="그림 48"/>
+          <p:cNvPr id="83" name="그림 48" descr="C:/Users/Admin1/AppData/Roaming/PolarisOffice/ETemp/20852_9486176/fImage2242172521478.png"/>
           <p:cNvPicPr>
             <a:picLocks noChangeAspect="1"/>
           </p:cNvPicPr>
@@ -16099,8 +15902,8 @@
         </p:blipFill>
         <p:spPr>
           <a:xfrm rot="0">
-            <a:off x="7774940" y="4479290"/>
-            <a:ext cx="572135" cy="351155"/>
+            <a:off x="7774940" y="4445000"/>
+            <a:ext cx="572770" cy="351790"/>
           </a:xfrm>
           <a:prstGeom prst="rect"/>
           <a:noFill/>

--- a/Assets/Class/Animation Retargeting/PPT Data/Animation Retargeting Example.pptx
+++ b/Assets/Class/Animation Retargeting/PPT Data/Animation Retargeting Example.pptx
@@ -2,29 +2,28 @@
 <file path=ppt/presentation.xml><?xml version="1.0" encoding="utf-8"?>
 <p:presentation xmlns:a="http://schemas.openxmlformats.org/drawingml/2006/main" xmlns:r="http://schemas.openxmlformats.org/officeDocument/2006/relationships" xmlns:p="http://schemas.openxmlformats.org/presentationml/2006/main" xmlns:p14="http://schemas.microsoft.com/office/powerpoint/2010/main" saveSubsetFonts="1" firstSlideNum="0">
   <p:sldMasterIdLst>
-    <p:sldMasterId id="2147486921" r:id="rId12"/>
+    <p:sldMasterId id="2147486940" r:id="rId12"/>
   </p:sldMasterIdLst>
   <p:notesMasterIdLst>
     <p:notesMasterId r:id="rId14"/>
   </p:notesMasterIdLst>
   <p:sldIdLst>
     <p:sldId id="315" r:id="rId16"/>
-    <p:sldId id="319" r:id="rId17"/>
-    <p:sldId id="320" r:id="rId18"/>
-    <p:sldId id="334" r:id="rId19"/>
-    <p:sldId id="321" r:id="rId20"/>
-    <p:sldId id="333" r:id="rId21"/>
-    <p:sldId id="335" r:id="rId22"/>
-    <p:sldId id="336" r:id="rId23"/>
-    <p:sldId id="337" r:id="rId24"/>
-    <p:sldId id="338" r:id="rId25"/>
-    <p:sldId id="339" r:id="rId26"/>
-    <p:sldId id="340" r:id="rId27"/>
-    <p:sldId id="341" r:id="rId28"/>
-    <p:sldId id="342" r:id="rId29"/>
-    <p:sldId id="343" r:id="rId31"/>
-    <p:sldId id="344" r:id="rId32"/>
-    <p:sldId id="345" r:id="rId34"/>
+    <p:sldId id="319" r:id="rId18"/>
+    <p:sldId id="320" r:id="rId20"/>
+    <p:sldId id="334" r:id="rId22"/>
+    <p:sldId id="321" r:id="rId23"/>
+    <p:sldId id="333" r:id="rId25"/>
+    <p:sldId id="335" r:id="rId26"/>
+    <p:sldId id="336" r:id="rId28"/>
+    <p:sldId id="337" r:id="rId30"/>
+    <p:sldId id="338" r:id="rId32"/>
+    <p:sldId id="339" r:id="rId34"/>
+    <p:sldId id="340" r:id="rId36"/>
+    <p:sldId id="341" r:id="rId37"/>
+    <p:sldId id="342" r:id="rId38"/>
+    <p:sldId id="346" r:id="rId39"/>
+    <p:sldId id="345" r:id="rId40"/>
   </p:sldIdLst>
   <p:sldSz cx="12192000" cy="6858000"/>
   <p:notesSz cx="6858000" cy="9144000"/>
@@ -1507,148 +1506,6 @@
         <p:spPr>
           <a:xfrm rot="0">
             <a:off x="685800" y="1143000"/>
-            <a:ext cx="5496560" cy="3096260"/>
-          </a:xfrm>
-          <a:prstGeom prst="rect"/>
-          <a:noFill/>
-          <a:ln w="12700" cap="flat" cmpd="sng">
-            <a:solidFill>
-              <a:srgbClr val="000000">
-                <a:alpha val="100000"/>
-              </a:srgbClr>
-            </a:solidFill>
-            <a:prstDash val="solid"/>
-          </a:ln>
-        </p:spPr>
-        <p:txBody>
-          <a:bodyPr wrap="square" lIns="91440" tIns="45720" rIns="91440" bIns="45720" numCol="1" vert="horz" anchor="ctr">
-            <a:noAutofit/>
-          </a:bodyPr>
-          <a:lstStyle/>
-          <a:p>
-            <a:pPr marL="0" indent="0" latinLnBrk="0">
-              <a:buFontTx/>
-              <a:buNone/>
-            </a:pPr>
-          </a:p>
-        </p:txBody>
-      </p:sp>
-      <p:sp>
-        <p:nvSpPr>
-          <p:cNvPr id="3" name="슬라이드 노트 개체 틀 4"/>
-          <p:cNvSpPr txBox="1">
-            <a:spLocks/>
-          </p:cNvSpPr>
-          <p:nvPr>
-            <p:ph type="body" idx="3"/>
-          </p:nvPr>
-        </p:nvSpPr>
-        <p:spPr>
-          <a:xfrm rot="0">
-            <a:off x="685800" y="4400550"/>
-            <a:ext cx="5496560" cy="3610610"/>
-          </a:xfrm>
-          <a:prstGeom prst="rect"/>
-        </p:spPr>
-        <p:txBody>
-          <a:bodyPr wrap="square" lIns="91440" tIns="45720" rIns="91440" bIns="45720" numCol="1" vert="horz" anchor="t">
-            <a:noAutofit/>
-          </a:bodyPr>
-          <a:lstStyle/>
-          <a:p>
-            <a:pPr marL="0" indent="0" latinLnBrk="0">
-              <a:buFontTx/>
-              <a:buNone/>
-            </a:pPr>
-          </a:p>
-        </p:txBody>
-      </p:sp>
-      <p:sp>
-        <p:nvSpPr>
-          <p:cNvPr id="4" name="슬라이드 번호 개체 틀 6"/>
-          <p:cNvSpPr txBox="1">
-            <a:spLocks/>
-          </p:cNvSpPr>
-          <p:nvPr>
-            <p:ph type="sldNum" idx="5"/>
-          </p:nvPr>
-        </p:nvSpPr>
-        <p:spPr>
-          <a:xfrm rot="0">
-            <a:off x="3884930" y="8685530"/>
-            <a:ext cx="2981960" cy="468630"/>
-          </a:xfrm>
-          <a:prstGeom prst="rect"/>
-        </p:spPr>
-        <p:txBody>
-          <a:bodyPr wrap="square" lIns="91440" tIns="45720" rIns="91440" bIns="45720" numCol="1" vert="horz" anchor="b">
-            <a:noAutofit/>
-          </a:bodyPr>
-          <a:lstStyle>
-            <a:lvl1pPr marL="0" indent="0" algn="r" latinLnBrk="0">
-              <a:buFontTx/>
-              <a:buNone/>
-              <a:defRPr lang="en-GB" altLang="en-US" sz="1200"/>
-            </a:lvl1pPr>
-          </a:lstStyle>
-          <a:p>
-            <a:pPr marL="0" indent="0" latinLnBrk="0">
-              <a:buFontTx/>
-              <a:buNone/>
-            </a:pPr>
-            <a:fld id="{B9320F77-B9A0-41C5-862A-B4B631284C64}" type="slidenum">
-              <a:rPr lang="ko-KR" altLang="en-US"/>
-              <a:t>‹#›</a:t>
-            </a:fld>
-          </a:p>
-        </p:txBody>
-      </p:sp>
-    </p:spTree>
-  </p:cSld>
-  <p:clrMapOvr>
-    <a:masterClrMapping/>
-  </p:clrMapOvr>
-  <mc:AlternateContent xmlns:mc="http://schemas.openxmlformats.org/markup-compatibility/2006">
-    <mc:Choice xmlns:p14="http://schemas.microsoft.com/office/powerpoint/2010/main" Requires="p14">
-      <p:transition spd="slow" p14:dur="0"/>
-    </mc:Choice>
-    <mc:Fallback>
-      <p:transition spd="slow"/>
-    </mc:Fallback>
-  </mc:AlternateContent>
-</p:notes>
-</file>
-
-<file path=ppt/notesSlides/notesSlide17.xml><?xml version="1.0" encoding="utf-8"?>
-<p:notes xmlns:a="http://schemas.openxmlformats.org/drawingml/2006/main" xmlns:r="http://schemas.openxmlformats.org/officeDocument/2006/relationships" xmlns:p="http://schemas.openxmlformats.org/presentationml/2006/main">
-  <p:cSld>
-    <p:spTree>
-      <p:nvGrpSpPr>
-        <p:cNvPr id="1" name=""/>
-        <p:cNvGrpSpPr/>
-        <p:nvPr/>
-      </p:nvGrpSpPr>
-      <p:grpSpPr>
-        <a:xfrm>
-          <a:off x="0" y="0"/>
-          <a:ext cx="0" cy="0"/>
-          <a:chOff x="0" y="0"/>
-          <a:chExt cx="0" cy="0"/>
-        </a:xfrm>
-      </p:grpSpPr>
-      <p:sp>
-        <p:nvSpPr>
-          <p:cNvPr id="2" name="슬라이드 이미지 개체 틀 3"/>
-          <p:cNvSpPr>
-            <a:spLocks noChangeAspect="1"/>
-          </p:cNvSpPr>
-          <p:nvPr>
-            <p:ph type="sldImg" idx="2"/>
-          </p:nvPr>
-        </p:nvSpPr>
-        <p:spPr>
-          <a:xfrm rot="0">
-            <a:off x="685800" y="1143000"/>
             <a:ext cx="5497195" cy="3096895"/>
           </a:xfrm>
           <a:prstGeom prst="rect"/>
@@ -9054,8 +8911,8 @@
         </p:nvSpPr>
         <p:spPr>
           <a:xfrm rot="0">
-            <a:off x="1238250" y="4184650"/>
-            <a:ext cx="4143375" cy="2031365"/>
+            <a:off x="1238250" y="5304155"/>
+            <a:ext cx="4144010" cy="923925"/>
           </a:xfrm>
           <a:prstGeom prst="rect"/>
           <a:noFill/>
@@ -9082,17 +8939,7 @@
                 <a:latin typeface="맑은 고딕" charset="0"/>
                 <a:ea typeface="맑은 고딕" charset="0"/>
               </a:rPr>
-              <a:t>29</a:t>
-            </a:r>
-            <a:r>
-              <a:rPr sz="1800" b="1">
-                <a:solidFill>
-                  <a:srgbClr val="0611F2"/>
-                </a:solidFill>
-                <a:latin typeface="맑은 고딕" charset="0"/>
-                <a:ea typeface="맑은 고딕" charset="0"/>
-              </a:rPr>
-              <a:t>.</a:t>
+              <a:t>29.</a:t>
             </a:r>
             <a:r>
               <a:rPr sz="1800">
@@ -9106,53 +8953,201 @@
                 <a:latin typeface="맑은 고딕" charset="0"/>
                 <a:ea typeface="맑은 고딕" charset="0"/>
               </a:rPr>
-              <a:t>런 다음</a:t>
+              <a:t>다음</a:t>
             </a:r>
             <a:r>
               <a:rPr sz="1800">
                 <a:latin typeface="맑은 고딕" charset="0"/>
                 <a:ea typeface="맑은 고딕" charset="0"/>
               </a:rPr>
-              <a:t> 빈 게임 오브젝트를 생성하</a:t>
-            </a:r>
-            <a:r>
-              <a:rPr lang="ko-KR" sz="1800">
-                <a:latin typeface="맑은 고딕" charset="0"/>
-                <a:ea typeface="맑은 고딕" charset="0"/>
-              </a:rPr>
-              <a:t>고</a:t>
+              <a:t> UI에서 Button </a:t>
             </a:r>
             <a:r>
               <a:rPr sz="1800">
                 <a:latin typeface="맑은 고딕" charset="0"/>
                 <a:ea typeface="맑은 고딕" charset="0"/>
               </a:rPr>
+              <a:t>오브젝트</a:t>
+            </a:r>
+            <a:r>
+              <a:rPr lang="ko-KR" sz="1800">
+                <a:latin typeface="맑은 고딕" charset="0"/>
+                <a:ea typeface="맑은 고딕" charset="0"/>
+              </a:rPr>
+              <a:t>를</a:t>
+            </a:r>
+            <a:r>
+              <a:rPr sz="1800">
+                <a:latin typeface="맑은 고딕" charset="0"/>
+                <a:ea typeface="맑은 고딕" charset="0"/>
+              </a:rPr>
               <a:t> </a:t>
             </a:r>
             <a:r>
-              <a:rPr lang="ko-KR" sz="1800">
-                <a:latin typeface="맑은 고딕" charset="0"/>
-                <a:ea typeface="맑은 고딕" charset="0"/>
-              </a:rPr>
-              <a:t>Data System이라는</a:t>
-            </a:r>
-            <a:r>
               <a:rPr sz="1800">
                 <a:latin typeface="맑은 고딕" charset="0"/>
                 <a:ea typeface="맑은 고딕" charset="0"/>
               </a:rPr>
-              <a:t> 이름을 정의합니다.</a:t>
+              <a:t>생성하고</a:t>
+            </a:r>
+            <a:r>
+              <a:rPr sz="1800">
+                <a:latin typeface="맑은 고딕" charset="0"/>
+                <a:ea typeface="맑은 고딕" charset="0"/>
+              </a:rPr>
+              <a:t> Animation </a:t>
+            </a:r>
+            <a:r>
+              <a:rPr sz="1800">
+                <a:latin typeface="맑은 고딕" charset="0"/>
+                <a:ea typeface="맑은 고딕" charset="0"/>
+              </a:rPr>
+              <a:t>Speed</a:t>
+            </a:r>
+            <a:r>
+              <a:rPr sz="1800">
+                <a:latin typeface="맑은 고딕" charset="0"/>
+                <a:ea typeface="맑은 고딕" charset="0"/>
+              </a:rPr>
+              <a:t> </a:t>
+            </a:r>
+            <a:r>
+              <a:rPr sz="1800">
+                <a:latin typeface="맑은 고딕" charset="0"/>
+                <a:ea typeface="맑은 고딕" charset="0"/>
+              </a:rPr>
+              <a:t>Button이라는</a:t>
+            </a:r>
+            <a:r>
+              <a:rPr sz="1800">
+                <a:latin typeface="맑은 고딕" charset="0"/>
+                <a:ea typeface="맑은 고딕" charset="0"/>
+              </a:rPr>
+              <a:t> 이름으로 정의합니</a:t>
+            </a:r>
+            <a:r>
+              <a:rPr sz="1800">
+                <a:latin typeface="맑은 고딕" charset="0"/>
+                <a:ea typeface="맑은 고딕" charset="0"/>
+              </a:rPr>
+              <a:t>다.</a:t>
             </a:r>
             <a:endParaRPr lang="ko-KR" altLang="en-US" sz="1800">
               <a:latin typeface="맑은 고딕" charset="0"/>
               <a:ea typeface="맑은 고딕" charset="0"/>
             </a:endParaRPr>
           </a:p>
-          <a:p>
-            <a:pPr marL="0" indent="0" rtl="0" algn="l" defTabSz="914400" eaLnBrk="1" latinLnBrk="0" hangingPunct="1">
-              <a:buFontTx/>
-              <a:buNone/>
-            </a:pPr>
+        </p:txBody>
+      </p:sp>
+      <p:sp>
+        <p:nvSpPr>
+          <p:cNvPr id="89" name="Rect 0"/>
+          <p:cNvSpPr txBox="1">
+            <a:spLocks/>
+          </p:cNvSpPr>
+          <p:nvPr/>
+        </p:nvSpPr>
+        <p:spPr>
+          <a:xfrm rot="0">
+            <a:off x="6804660" y="5306060"/>
+            <a:ext cx="4152265" cy="922020"/>
+          </a:xfrm>
+          <a:prstGeom prst="rect"/>
+          <a:noFill/>
+        </p:spPr>
+        <p:txBody>
+          <a:bodyPr wrap="square" lIns="0" tIns="0" rIns="0" bIns="0" numCol="1" vert="horz" anchor="t">
+            <a:noAutofit/>
+          </a:bodyPr>
+          <a:lstStyle/>
+          <a:p>
+            <a:pPr marL="0" indent="0" algn="l" latinLnBrk="0" hangingPunct="1">
+              <a:buFontTx/>
+              <a:buNone/>
+            </a:pPr>
+            <a:r>
+              <a:rPr lang="ko-KR" sz="2000" b="1">
+                <a:solidFill>
+                  <a:srgbClr val="0611F2"/>
+                </a:solidFill>
+                <a:latin typeface="맑은 고딕" charset="0"/>
+                <a:ea typeface="맑은 고딕" charset="0"/>
+              </a:rPr>
+              <a:t>30.</a:t>
+            </a:r>
+            <a:r>
+              <a:rPr lang="ko-KR" sz="2000">
+                <a:solidFill>
+                  <a:srgbClr val="0611F2"/>
+                </a:solidFill>
+                <a:latin typeface="맑은 고딕" charset="0"/>
+                <a:ea typeface="맑은 고딕" charset="0"/>
+              </a:rPr>
+              <a:t> </a:t>
+            </a:r>
+            <a:r>
+              <a:rPr sz="1800">
+                <a:latin typeface="맑은 고딕" charset="0"/>
+                <a:ea typeface="맑은 고딕" charset="0"/>
+              </a:rPr>
+              <a:t>그런 다음 UI에서 Button </a:t>
+            </a:r>
+            <a:r>
+              <a:rPr sz="1800">
+                <a:latin typeface="맑은 고딕" charset="0"/>
+                <a:ea typeface="맑은 고딕" charset="0"/>
+              </a:rPr>
+              <a:t>오브젝트</a:t>
+            </a:r>
+            <a:r>
+              <a:rPr lang="ko-KR" sz="1800">
+                <a:latin typeface="맑은 고딕" charset="0"/>
+                <a:ea typeface="맑은 고딕" charset="0"/>
+              </a:rPr>
+              <a:t>를</a:t>
+            </a:r>
+            <a:r>
+              <a:rPr sz="1800">
+                <a:latin typeface="맑은 고딕" charset="0"/>
+                <a:ea typeface="맑은 고딕" charset="0"/>
+              </a:rPr>
+              <a:t> </a:t>
+            </a:r>
+            <a:r>
+              <a:rPr sz="1800">
+                <a:latin typeface="맑은 고딕" charset="0"/>
+                <a:ea typeface="맑은 고딕" charset="0"/>
+              </a:rPr>
+              <a:t>생성하고</a:t>
+            </a:r>
+            <a:r>
+              <a:rPr sz="1800">
+                <a:latin typeface="맑은 고딕" charset="0"/>
+                <a:ea typeface="맑은 고딕" charset="0"/>
+              </a:rPr>
+              <a:t> Character Culling </a:t>
+            </a:r>
+            <a:r>
+              <a:rPr sz="1800">
+                <a:latin typeface="맑은 고딕" charset="0"/>
+                <a:ea typeface="맑은 고딕" charset="0"/>
+              </a:rPr>
+              <a:t>Button이라는</a:t>
+            </a:r>
+            <a:r>
+              <a:rPr sz="1800">
+                <a:latin typeface="맑은 고딕" charset="0"/>
+                <a:ea typeface="맑은 고딕" charset="0"/>
+              </a:rPr>
+              <a:t> 이름으로 정의합니</a:t>
+            </a:r>
+            <a:r>
+              <a:rPr sz="1800">
+                <a:latin typeface="맑은 고딕" charset="0"/>
+                <a:ea typeface="맑은 고딕" charset="0"/>
+              </a:rPr>
+              <a:t>다.</a:t>
+            </a:r>
             <a:endParaRPr lang="ko-KR" altLang="en-US" sz="1800">
               <a:latin typeface="맑은 고딕" charset="0"/>
               <a:ea typeface="맑은 고딕" charset="0"/>
@@ -9163,76 +9158,6 @@
               <a:buFontTx/>
               <a:buNone/>
             </a:pPr>
-            <a:r>
-              <a:rPr sz="1800">
-                <a:latin typeface="맑은 고딕" charset="0"/>
-                <a:ea typeface="맑은 고딕" charset="0"/>
-              </a:rPr>
-              <a:t>그</a:t>
-            </a:r>
-            <a:r>
-              <a:rPr sz="1800">
-                <a:latin typeface="맑은 고딕" charset="0"/>
-                <a:ea typeface="맑은 고딕" charset="0"/>
-              </a:rPr>
-              <a:t>러</a:t>
-            </a:r>
-            <a:r>
-              <a:rPr lang="ko-KR" sz="1800">
-                <a:latin typeface="맑은 고딕" charset="0"/>
-                <a:ea typeface="맑은 고딕" charset="0"/>
-              </a:rPr>
-              <a:t>고 나서</a:t>
-            </a:r>
-            <a:r>
-              <a:rPr sz="1800">
-                <a:latin typeface="맑은 고딕" charset="0"/>
-                <a:ea typeface="맑은 고딕" charset="0"/>
-              </a:rPr>
-              <a:t> </a:t>
-            </a:r>
-            <a:r>
-              <a:rPr lang="ko-KR" sz="1800">
-                <a:latin typeface="맑은 고딕" charset="0"/>
-                <a:ea typeface="맑은 고딕" charset="0"/>
-              </a:rPr>
-              <a:t>DataSystem</a:t>
-            </a:r>
-            <a:r>
-              <a:rPr sz="1800">
-                <a:latin typeface="맑은 고딕" charset="0"/>
-                <a:ea typeface="맑은 고딕" charset="0"/>
-              </a:rPr>
-              <a:t> 스크립트를 생성</a:t>
-            </a:r>
-            <a:r>
-              <a:rPr lang="ko-KR" sz="1800">
-                <a:latin typeface="맑은 고딕" charset="0"/>
-                <a:ea typeface="맑은 고딕" charset="0"/>
-              </a:rPr>
-              <a:t>한 다음</a:t>
-            </a:r>
-            <a:r>
-              <a:rPr sz="1800">
-                <a:latin typeface="맑은 고딕" charset="0"/>
-                <a:ea typeface="맑은 고딕" charset="0"/>
-              </a:rPr>
-              <a:t> </a:t>
-            </a:r>
-            <a:r>
-              <a:rPr lang="ko-KR" sz="1800">
-                <a:latin typeface="맑은 고딕" charset="0"/>
-                <a:ea typeface="맑은 고딕" charset="0"/>
-              </a:rPr>
-              <a:t>Data System</a:t>
-            </a:r>
-            <a:r>
-              <a:rPr sz="1800">
-                <a:latin typeface="맑은 고딕" charset="0"/>
-                <a:ea typeface="맑은 고딕" charset="0"/>
-              </a:rPr>
-              <a:t> 오브젝트에 넣어줍니다.</a:t>
-            </a:r>
             <a:endParaRPr lang="ko-KR" altLang="en-US" sz="1800">
               <a:latin typeface="맑은 고딕" charset="0"/>
               <a:ea typeface="맑은 고딕" charset="0"/>
@@ -9240,294 +9165,9 @@
           </a:p>
         </p:txBody>
       </p:sp>
-      <p:sp>
-        <p:nvSpPr>
-          <p:cNvPr id="89" name="Rect 0"/>
-          <p:cNvSpPr txBox="1">
-            <a:spLocks/>
-          </p:cNvSpPr>
-          <p:nvPr/>
-        </p:nvSpPr>
-        <p:spPr>
-          <a:xfrm rot="0">
-            <a:off x="6830060" y="4194810"/>
-            <a:ext cx="4124325" cy="2032000"/>
-          </a:xfrm>
-          <a:prstGeom prst="rect"/>
-          <a:noFill/>
-        </p:spPr>
-        <p:txBody>
-          <a:bodyPr wrap="square" lIns="0" tIns="0" rIns="0" bIns="0" numCol="1" vert="horz" anchor="t">
-            <a:noAutofit/>
-          </a:bodyPr>
-          <a:lstStyle/>
-          <a:p>
-            <a:pPr marL="0" indent="0" algn="l" latinLnBrk="0" hangingPunct="1">
-              <a:buFontTx/>
-              <a:buNone/>
-            </a:pPr>
-            <a:r>
-              <a:rPr lang="ko-KR" sz="2000" b="1">
-                <a:solidFill>
-                  <a:srgbClr val="0611F2"/>
-                </a:solidFill>
-                <a:latin typeface="맑은 고딕" charset="0"/>
-                <a:ea typeface="맑은 고딕" charset="0"/>
-              </a:rPr>
-              <a:t>30.</a:t>
-            </a:r>
-            <a:r>
-              <a:rPr lang="ko-KR" sz="2000">
-                <a:solidFill>
-                  <a:srgbClr val="0611F2"/>
-                </a:solidFill>
-                <a:latin typeface="맑은 고딕" charset="0"/>
-                <a:ea typeface="맑은 고딕" charset="0"/>
-              </a:rPr>
-              <a:t> </a:t>
-            </a:r>
-            <a:r>
-              <a:rPr sz="1800">
-                <a:latin typeface="맑은 고딕" charset="0"/>
-                <a:ea typeface="맑은 고딕" charset="0"/>
-              </a:rPr>
-              <a:t>그다음으</a:t>
-            </a:r>
-            <a:r>
-              <a:rPr lang="ko-KR" sz="1800">
-                <a:latin typeface="맑은 고딕" charset="0"/>
-                <a:ea typeface="맑은 고딕" charset="0"/>
-              </a:rPr>
-              <a:t>로</a:t>
-            </a:r>
-            <a:r>
-              <a:rPr sz="1800">
-                <a:latin typeface="맑은 고딕" charset="0"/>
-                <a:ea typeface="맑은 고딕" charset="0"/>
-              </a:rPr>
-              <a:t> UI에 Button 오브젝트</a:t>
-            </a:r>
-            <a:r>
-              <a:rPr lang="ko-KR" sz="1800">
-                <a:latin typeface="맑은 고딕" charset="0"/>
-                <a:ea typeface="맑은 고딕" charset="0"/>
-              </a:rPr>
-              <a:t>를</a:t>
-            </a:r>
-            <a:r>
-              <a:rPr sz="1800">
-                <a:latin typeface="맑은 고딕" charset="0"/>
-                <a:ea typeface="맑은 고딕" charset="0"/>
-              </a:rPr>
-              <a:t> 생성합니다.</a:t>
-            </a:r>
-            <a:endParaRPr lang="ko-KR" altLang="en-US" sz="1800">
-              <a:latin typeface="맑은 고딕" charset="0"/>
-              <a:ea typeface="맑은 고딕" charset="0"/>
-            </a:endParaRPr>
-          </a:p>
-          <a:p>
-            <a:pPr marL="0" indent="0" rtl="0" algn="l" defTabSz="914400" eaLnBrk="1" latinLnBrk="0" hangingPunct="1">
-              <a:buFontTx/>
-              <a:buNone/>
-            </a:pPr>
-            <a:endParaRPr lang="ko-KR" altLang="en-US" sz="1800">
-              <a:latin typeface="맑은 고딕" charset="0"/>
-              <a:ea typeface="맑은 고딕" charset="0"/>
-            </a:endParaRPr>
-          </a:p>
-          <a:p>
-            <a:pPr marL="0" indent="0" rtl="0" algn="l" defTabSz="914400" eaLnBrk="1" latinLnBrk="0" hangingPunct="1">
-              <a:buFontTx/>
-              <a:buNone/>
-            </a:pPr>
-            <a:r>
-              <a:rPr lang="ko-KR" sz="1800">
-                <a:latin typeface="맑은 고딕" charset="0"/>
-                <a:ea typeface="맑은 고딕" charset="0"/>
-              </a:rPr>
-              <a:t>마지막으로</a:t>
-            </a:r>
-            <a:r>
-              <a:rPr sz="1800">
-                <a:latin typeface="맑은 고딕" charset="0"/>
-                <a:ea typeface="맑은 고딕" charset="0"/>
-              </a:rPr>
-              <a:t> Animation Speed Button 이라</a:t>
-            </a:r>
-            <a:r>
-              <a:rPr lang="ko-KR" sz="1800">
-                <a:latin typeface="맑은 고딕" charset="0"/>
-                <a:ea typeface="맑은 고딕" charset="0"/>
-              </a:rPr>
-              <a:t>는</a:t>
-            </a:r>
-            <a:r>
-              <a:rPr sz="1800">
-                <a:latin typeface="맑은 고딕" charset="0"/>
-                <a:ea typeface="맑은 고딕" charset="0"/>
-              </a:rPr>
-              <a:t> 이름으</a:t>
-            </a:r>
-            <a:r>
-              <a:rPr lang="ko-KR" sz="1800">
-                <a:latin typeface="맑은 고딕" charset="0"/>
-                <a:ea typeface="맑은 고딕" charset="0"/>
-              </a:rPr>
-              <a:t>로</a:t>
-            </a:r>
-            <a:r>
-              <a:rPr sz="1800">
-                <a:latin typeface="맑은 고딕" charset="0"/>
-                <a:ea typeface="맑은 고딕" charset="0"/>
-              </a:rPr>
-              <a:t> 정의하</a:t>
-            </a:r>
-            <a:r>
-              <a:rPr lang="ko-KR" sz="1800">
-                <a:latin typeface="맑은 고딕" charset="0"/>
-                <a:ea typeface="맑은 고딕" charset="0"/>
-              </a:rPr>
-              <a:t>고 하위 오브젝트의 텍스트에 Animation Speed Text라는 이름으로 정의합니다.</a:t>
-            </a:r>
-            <a:endParaRPr lang="ko-KR" altLang="en-US" sz="1800">
-              <a:latin typeface="맑은 고딕" charset="0"/>
-              <a:ea typeface="맑은 고딕" charset="0"/>
-            </a:endParaRPr>
-          </a:p>
-        </p:txBody>
-      </p:sp>
       <p:pic>
         <p:nvPicPr>
-          <p:cNvPr id="91" name="그림 19" descr="C:/Users/Admin1/AppData/Roaming/PolarisOffice/ETemp/20852_9486176/fImage85062589358.png"/>
-          <p:cNvPicPr>
-            <a:picLocks noChangeAspect="1"/>
-          </p:cNvPicPr>
-          <p:nvPr/>
-        </p:nvPicPr>
-        <p:blipFill rotWithShape="1">
-          <a:blip r:embed="rId2" cstate="hqprint">
-            <a:extLst>
-              <a:ext uri="{28A0092B-C50C-407E-A947-70E740481C1C}">
-                <a14:useLocalDpi xmlns:a14="http://schemas.microsoft.com/office/drawing/2010/main"/>
-              </a:ext>
-            </a:extLst>
-          </a:blip>
-          <a:stretch>
-            <a:fillRect/>
-          </a:stretch>
-        </p:blipFill>
-        <p:spPr>
-          <a:xfrm rot="0">
-            <a:off x="1229995" y="1454785"/>
-            <a:ext cx="2525395" cy="2550795"/>
-          </a:xfrm>
-          <a:prstGeom prst="roundRect"/>
-          <a:solidFill>
-            <a:srgbClr val="EDEDED"/>
-          </a:solidFill>
-        </p:spPr>
-      </p:pic>
-      <p:pic>
-        <p:nvPicPr>
-          <p:cNvPr id="92" name="그림 20" descr="C:/Users/Admin1/AppData/Roaming/PolarisOffice/ETemp/20852_9486176/fImage76052596962.png"/>
-          <p:cNvPicPr>
-            <a:picLocks noChangeAspect="1"/>
-          </p:cNvPicPr>
-          <p:nvPr/>
-        </p:nvPicPr>
-        <p:blipFill rotWithShape="1">
-          <a:blip r:embed="rId3" cstate="hqprint">
-            <a:extLst>
-              <a:ext uri="{28A0092B-C50C-407E-A947-70E740481C1C}">
-                <a14:useLocalDpi xmlns:a14="http://schemas.microsoft.com/office/drawing/2010/main"/>
-              </a:ext>
-            </a:extLst>
-          </a:blip>
-          <a:stretch>
-            <a:fillRect/>
-          </a:stretch>
-        </p:blipFill>
-        <p:spPr>
-          <a:xfrm rot="0">
-            <a:off x="3970020" y="1454785"/>
-            <a:ext cx="1419225" cy="1374775"/>
-          </a:xfrm>
-          <a:prstGeom prst="roundRect"/>
-          <a:solidFill>
-            <a:srgbClr val="EDEDED"/>
-          </a:solidFill>
-        </p:spPr>
-      </p:pic>
-      <p:pic>
-        <p:nvPicPr>
-          <p:cNvPr id="93" name="그림 23" descr="C:/Users/Admin1/AppData/Roaming/PolarisOffice/ETemp/20852_9486176/fImage23102604464.png"/>
-          <p:cNvPicPr>
-            <a:picLocks noChangeAspect="1"/>
-          </p:cNvPicPr>
-          <p:nvPr/>
-        </p:nvPicPr>
-        <p:blipFill rotWithShape="1">
-          <a:blip r:embed="rId4" cstate="hqprint">
-            <a:extLst>
-              <a:ext uri="{28A0092B-C50C-407E-A947-70E740481C1C}">
-                <a14:useLocalDpi xmlns:a14="http://schemas.microsoft.com/office/drawing/2010/main"/>
-              </a:ext>
-            </a:extLst>
-          </a:blip>
-          <a:stretch>
-            <a:fillRect/>
-          </a:stretch>
-        </p:blipFill>
-        <p:spPr>
-          <a:xfrm rot="0">
-            <a:off x="4312285" y="3268980"/>
-            <a:ext cx="732155" cy="736600"/>
-          </a:xfrm>
-          <a:prstGeom prst="roundRect"/>
-          <a:solidFill>
-            <a:srgbClr val="EDEDED"/>
-          </a:solidFill>
-        </p:spPr>
-      </p:pic>
-      <p:cxnSp>
-        <p:nvCxnSpPr>
-          <p:cNvPr id="94" name="도형 26"/>
-          <p:cNvCxnSpPr>
-            <a:stCxn id="93" idx="0"/>
-            <a:endCxn id="92" idx="2"/>
-          </p:cNvCxnSpPr>
-          <p:nvPr/>
-        </p:nvCxnSpPr>
-        <p:spPr>
-          <a:xfrm rot="0" flipV="1">
-            <a:off x="4678045" y="2828925"/>
-            <a:ext cx="1905" cy="440690"/>
-          </a:xfrm>
-          <a:prstGeom prst="straightConnector1"/>
-          <a:ln w="6350" cap="flat" cmpd="sng">
-            <a:prstDash/>
-            <a:tailEnd type="triangle" w="med" len="med"/>
-          </a:ln>
-        </p:spPr>
-        <p:style>
-          <a:lnRef idx="1">
-            <a:schemeClr val="accent1"/>
-          </a:lnRef>
-          <a:fillRef idx="0">
-            <a:schemeClr val="accent1"/>
-          </a:fillRef>
-          <a:effectRef idx="0">
-            <a:schemeClr val="accent1"/>
-          </a:effectRef>
-          <a:fontRef idx="minor">
-            <a:schemeClr val="tx1"/>
-          </a:fontRef>
-        </p:style>
-      </p:cxnSp>
-      <p:pic>
-        <p:nvPicPr>
-          <p:cNvPr id="95" name="그림 28" descr="C:/Users/Admin1/AppData/Roaming/PolarisOffice/ETemp/20852_9486176/fImage191382645705.png"/>
+          <p:cNvPr id="95" name="그림 28" descr="C:/Users/Admin1/AppData/Roaming/PolarisOffice/ETemp/25668_19456376/fImage191382645705.png"/>
           <p:cNvPicPr>
             <a:picLocks noChangeAspect="1"/>
           </p:cNvPicPr>
@@ -9547,8 +9187,8 @@
         </p:blipFill>
         <p:spPr>
           <a:xfrm rot="0">
-            <a:off x="6806565" y="1445895"/>
-            <a:ext cx="2655570" cy="2551430"/>
+            <a:off x="1240790" y="1438275"/>
+            <a:ext cx="2679065" cy="3636010"/>
           </a:xfrm>
           <a:prstGeom prst="roundRect"/>
           <a:solidFill>
@@ -9558,14 +9198,45 @@
       </p:pic>
       <p:pic>
         <p:nvPicPr>
-          <p:cNvPr id="96" name="그림 19" descr="C:/Users/Admin1/AppData/Roaming/PolarisOffice/ETemp/20852_9486176/fImage1082530741.png"/>
+          <p:cNvPr id="97" name="그림 5" descr="C:/Users/Admin1/AppData/Roaming/PolarisOffice/ETemp/25668_19456376/fImage937124941.png"/>
           <p:cNvPicPr>
             <a:picLocks noChangeAspect="1"/>
           </p:cNvPicPr>
           <p:nvPr/>
         </p:nvPicPr>
         <p:blipFill rotWithShape="1">
-          <a:blip r:embed="rId8" cstate="hqprint">
+          <a:blip r:embed="rId9" cstate="print">
+            <a:extLst>
+              <a:ext uri="{28A0092B-C50C-407E-A947-70E740481C1C}">
+                <a14:useLocalDpi xmlns:a14="http://schemas.microsoft.com/office/drawing/2010/main" val="0"/>
+              </a:ext>
+            </a:extLst>
+          </a:blip>
+          <a:stretch>
+            <a:fillRect/>
+          </a:stretch>
+        </p:blipFill>
+        <p:spPr>
+          <a:xfrm rot="0">
+            <a:off x="4065905" y="2273935"/>
+            <a:ext cx="1318895" cy="1981835"/>
+          </a:xfrm>
+          <a:prstGeom prst="roundRect"/>
+          <a:solidFill>
+            <a:srgbClr val="EDEDED"/>
+          </a:solidFill>
+        </p:spPr>
+      </p:pic>
+      <p:pic>
+        <p:nvPicPr>
+          <p:cNvPr id="98" name="그림 8" descr="C:/Users/Admin1/AppData/Roaming/PolarisOffice/ETemp/25668_19456376/fImage191382645705.png"/>
+          <p:cNvPicPr>
+            <a:picLocks noChangeAspect="1"/>
+          </p:cNvPicPr>
+          <p:nvPr/>
+        </p:nvPicPr>
+        <p:blipFill rotWithShape="1">
+          <a:blip r:embed="rId5" cstate="hqprint">
             <a:extLst>
               <a:ext uri="{28A0092B-C50C-407E-A947-70E740481C1C}">
                 <a14:useLocalDpi xmlns:a14="http://schemas.microsoft.com/office/drawing/2010/main"/>
@@ -9578,8 +9249,39 @@
         </p:blipFill>
         <p:spPr>
           <a:xfrm rot="0">
-            <a:off x="9625965" y="1866900"/>
-            <a:ext cx="1337310" cy="1732915"/>
+            <a:off x="6813550" y="1441450"/>
+            <a:ext cx="2627630" cy="3636010"/>
+          </a:xfrm>
+          <a:prstGeom prst="roundRect"/>
+          <a:solidFill>
+            <a:srgbClr val="EDEDED"/>
+          </a:solidFill>
+        </p:spPr>
+      </p:pic>
+      <p:pic>
+        <p:nvPicPr>
+          <p:cNvPr id="99" name="그림 9" descr="C:/Users/Admin1/AppData/Roaming/PolarisOffice/ETemp/25668_19456376/fImage104452518467.png"/>
+          <p:cNvPicPr>
+            <a:picLocks noChangeAspect="1"/>
+          </p:cNvPicPr>
+          <p:nvPr/>
+        </p:nvPicPr>
+        <p:blipFill rotWithShape="1">
+          <a:blip r:embed="rId10" cstate="print">
+            <a:extLst>
+              <a:ext uri="{28A0092B-C50C-407E-A947-70E740481C1C}">
+                <a14:useLocalDpi xmlns:a14="http://schemas.microsoft.com/office/drawing/2010/main" val="0"/>
+              </a:ext>
+            </a:extLst>
+          </a:blip>
+          <a:stretch>
+            <a:fillRect/>
+          </a:stretch>
+        </p:blipFill>
+        <p:spPr>
+          <a:xfrm rot="0">
+            <a:off x="9587230" y="2273935"/>
+            <a:ext cx="1378585" cy="1981835"/>
           </a:xfrm>
           <a:prstGeom prst="roundRect"/>
           <a:solidFill>
@@ -9638,7 +9340,7 @@
         <p:spPr>
           <a:xfrm rot="0">
             <a:off x="4332605" y="367030"/>
-            <a:ext cx="3539490" cy="554990"/>
+            <a:ext cx="3526155" cy="554990"/>
           </a:xfrm>
           <a:prstGeom prst="rect"/>
           <a:noFill/>
@@ -9662,7 +9364,14 @@
                 <a:latin typeface="나눔바른고딕" charset="0"/>
                 <a:ea typeface="나눔바른고딕" charset="0"/>
               </a:rPr>
-              <a:t>열세 번째 튜토리얼</a:t>
+              <a:t>열세</a:t>
+            </a:r>
+            <a:r>
+              <a:rPr lang="ko-KR" sz="2500" b="1">
+                <a:latin typeface="나눔바른고딕" charset="0"/>
+                <a:ea typeface="나눔바른고딕" charset="0"/>
+              </a:rPr>
+              <a:t> 번째 튜토리얼</a:t>
             </a:r>
             <a:r>
               <a:rPr lang="ko-KR" sz="3000" b="1">
@@ -9688,8 +9397,8 @@
         </p:nvSpPr>
         <p:spPr>
           <a:xfrm rot="0">
-            <a:off x="1229995" y="4271645"/>
-            <a:ext cx="4150995" cy="2031365"/>
+            <a:off x="1229995" y="4233545"/>
+            <a:ext cx="4137025" cy="2031365"/>
           </a:xfrm>
           <a:prstGeom prst="rect"/>
           <a:noFill/>
@@ -9740,42 +9449,91 @@
                 <a:latin typeface="맑은 고딕" charset="0"/>
                 <a:ea typeface="맑은 고딕" charset="0"/>
               </a:rPr>
-              <a:t>이제</a:t>
+              <a:t>그러고 나서</a:t>
             </a:r>
             <a:r>
               <a:rPr sz="1800">
                 <a:latin typeface="맑은 고딕" charset="0"/>
                 <a:ea typeface="맑은 고딕" charset="0"/>
               </a:rPr>
-              <a:t> 빈 게임 오브젝트를 생성하</a:t>
-            </a:r>
-            <a:r>
-              <a:rPr lang="ko-KR" sz="1800">
-                <a:latin typeface="맑은 고딕" charset="0"/>
-                <a:ea typeface="맑은 고딕" charset="0"/>
-              </a:rPr>
-              <a:t>고</a:t>
+              <a:t> 빈 게임 오브젝트를 </a:t>
             </a:r>
             <a:r>
               <a:rPr sz="1800">
                 <a:latin typeface="맑은 고딕" charset="0"/>
                 <a:ea typeface="맑은 고딕" charset="0"/>
               </a:rPr>
+              <a:t>생성한</a:t>
+            </a:r>
+            <a:r>
+              <a:rPr sz="1800">
+                <a:latin typeface="맑은 고딕" charset="0"/>
+                <a:ea typeface="맑은 고딕" charset="0"/>
+              </a:rPr>
               <a:t> </a:t>
             </a:r>
             <a:r>
-              <a:rPr lang="ko-KR" sz="1800">
-                <a:latin typeface="맑은 고딕" charset="0"/>
-                <a:ea typeface="맑은 고딕" charset="0"/>
-              </a:rPr>
-              <a:t>Animator Control이라는</a:t>
-            </a:r>
-            <a:r>
               <a:rPr sz="1800">
                 <a:latin typeface="맑은 고딕" charset="0"/>
                 <a:ea typeface="맑은 고딕" charset="0"/>
               </a:rPr>
-              <a:t> 이름을 정의합니다.</a:t>
+              <a:t>다</a:t>
+            </a:r>
+            <a:r>
+              <a:rPr sz="1800">
+                <a:latin typeface="맑은 고딕" charset="0"/>
+                <a:ea typeface="맑은 고딕" charset="0"/>
+              </a:rPr>
+              <a:t>음</a:t>
+            </a:r>
+            <a:r>
+              <a:rPr sz="1800">
+                <a:latin typeface="맑은 고딕" charset="0"/>
+                <a:ea typeface="맑은 고딕" charset="0"/>
+              </a:rPr>
+              <a:t> </a:t>
+            </a:r>
+            <a:r>
+              <a:rPr lang="ko-KR" sz="1800">
+                <a:latin typeface="맑은 고딕" charset="0"/>
+                <a:ea typeface="맑은 고딕" charset="0"/>
+              </a:rPr>
+              <a:t>Animator</a:t>
+            </a:r>
+            <a:r>
+              <a:rPr lang="ko-KR" sz="1800">
+                <a:latin typeface="맑은 고딕" charset="0"/>
+                <a:ea typeface="맑은 고딕" charset="0"/>
+              </a:rPr>
+              <a:t> Manager라는</a:t>
+            </a:r>
+            <a:r>
+              <a:rPr sz="1800">
+                <a:latin typeface="맑은 고딕" charset="0"/>
+                <a:ea typeface="맑은 고딕" charset="0"/>
+              </a:rPr>
+              <a:t> </a:t>
+            </a:r>
+            <a:r>
+              <a:rPr sz="1800">
+                <a:latin typeface="맑은 고딕" charset="0"/>
+                <a:ea typeface="맑은 고딕" charset="0"/>
+              </a:rPr>
+              <a:t>이름을</a:t>
+            </a:r>
+            <a:r>
+              <a:rPr sz="1800">
+                <a:latin typeface="맑은 고딕" charset="0"/>
+                <a:ea typeface="맑은 고딕" charset="0"/>
+              </a:rPr>
+              <a:t> </a:t>
+            </a:r>
+            <a:r>
+              <a:rPr sz="1800">
+                <a:latin typeface="맑은 고딕" charset="0"/>
+                <a:ea typeface="맑은 고딕" charset="0"/>
+              </a:rPr>
+              <a:t>정의합니다.</a:t>
             </a:r>
             <a:endParaRPr lang="ko-KR" altLang="en-US" sz="1800">
               <a:latin typeface="맑은 고딕" charset="0"/>
@@ -9802,34 +9560,55 @@
                 <a:latin typeface="맑은 고딕" charset="0"/>
                 <a:ea typeface="맑은 고딕" charset="0"/>
               </a:rPr>
-              <a:t>그리고 </a:t>
-            </a:r>
-            <a:r>
-              <a:rPr lang="ko-KR" sz="1800">
-                <a:latin typeface="맑은 고딕" charset="0"/>
-                <a:ea typeface="맑은 고딕" charset="0"/>
-              </a:rPr>
-              <a:t>AnimationSpeed</a:t>
+              <a:t>이</a:t>
+            </a:r>
+            <a:r>
+              <a:rPr lang="ko-KR" sz="1800">
+                <a:latin typeface="맑은 고딕" charset="0"/>
+                <a:ea typeface="맑은 고딕" charset="0"/>
+              </a:rPr>
+              <a:t>제</a:t>
             </a:r>
             <a:r>
               <a:rPr sz="1800">
                 <a:latin typeface="맑은 고딕" charset="0"/>
                 <a:ea typeface="맑은 고딕" charset="0"/>
               </a:rPr>
-              <a:t> 스크립트를 생성</a:t>
-            </a:r>
-            <a:r>
-              <a:rPr lang="ko-KR" sz="1800">
-                <a:latin typeface="맑은 고딕" charset="0"/>
-                <a:ea typeface="맑은 고딕" charset="0"/>
-              </a:rPr>
-              <a:t>한 다음</a:t>
+              <a:t> </a:t>
+            </a:r>
+            <a:r>
+              <a:rPr lang="ko-KR" sz="1800">
+                <a:latin typeface="맑은 고딕" charset="0"/>
+                <a:ea typeface="맑은 고딕" charset="0"/>
+              </a:rPr>
+              <a:t>AnimationManager</a:t>
             </a:r>
             <a:r>
               <a:rPr sz="1800">
                 <a:latin typeface="맑은 고딕" charset="0"/>
                 <a:ea typeface="맑은 고딕" charset="0"/>
               </a:rPr>
+              <a:t> 스크립트를 </a:t>
+            </a:r>
+            <a:r>
+              <a:rPr sz="1800">
+                <a:latin typeface="맑은 고딕" charset="0"/>
+                <a:ea typeface="맑은 고딕" charset="0"/>
+              </a:rPr>
+              <a:t>생성</a:t>
+            </a:r>
+            <a:r>
+              <a:rPr lang="ko-KR" sz="1800">
+                <a:latin typeface="맑은 고딕" charset="0"/>
+                <a:ea typeface="맑은 고딕" charset="0"/>
+              </a:rPr>
+              <a:t>하고</a:t>
+            </a:r>
+            <a:r>
+              <a:rPr sz="1800">
+                <a:latin typeface="맑은 고딕" charset="0"/>
+                <a:ea typeface="맑은 고딕" charset="0"/>
+              </a:rPr>
               <a:t> </a:t>
             </a:r>
             <a:r>
@@ -9837,14 +9616,35 @@
                 <a:latin typeface="맑은 고딕" charset="0"/>
                 <a:ea typeface="맑은 고딕" charset="0"/>
               </a:rPr>
-              <a:t>Animator Control</a:t>
+              <a:t>AnimatorManager</a:t>
+            </a:r>
+            <a:r>
+              <a:rPr lang="ko-KR" sz="1800">
+                <a:latin typeface="맑은 고딕" charset="0"/>
+                <a:ea typeface="맑은 고딕" charset="0"/>
+              </a:rPr>
+              <a:t> </a:t>
             </a:r>
             <a:r>
               <a:rPr sz="1800">
                 <a:latin typeface="맑은 고딕" charset="0"/>
                 <a:ea typeface="맑은 고딕" charset="0"/>
               </a:rPr>
-              <a:t> 오브젝트에 넣어줍니다.</a:t>
+              <a:t>오브젝트에</a:t>
+            </a:r>
+            <a:r>
+              <a:rPr sz="1800">
+                <a:latin typeface="맑은 고딕" charset="0"/>
+                <a:ea typeface="맑은 고딕" charset="0"/>
+              </a:rPr>
+              <a:t> </a:t>
+            </a:r>
+            <a:r>
+              <a:rPr sz="1800">
+                <a:latin typeface="맑은 고딕" charset="0"/>
+                <a:ea typeface="맑은 고딕" charset="0"/>
+              </a:rPr>
+              <a:t>넣어줍니다.</a:t>
             </a:r>
             <a:endParaRPr lang="ko-KR" altLang="en-US" sz="1800">
               <a:latin typeface="맑은 고딕" charset="0"/>
@@ -9863,8 +9663,8 @@
         </p:nvSpPr>
         <p:spPr>
           <a:xfrm rot="0">
-            <a:off x="6806565" y="4540885"/>
-            <a:ext cx="4139565" cy="1772285"/>
+            <a:off x="6822440" y="5338445"/>
+            <a:ext cx="4152265" cy="929640"/>
           </a:xfrm>
           <a:prstGeom prst="rect"/>
           <a:noFill/>
@@ -9904,80 +9704,95 @@
                 <a:latin typeface="맑은 고딕" charset="0"/>
                 <a:ea typeface="맑은 고딕" charset="0"/>
               </a:rPr>
-              <a:t>그다음 </a:t>
-            </a:r>
-            <a:r>
-              <a:rPr lang="ko-KR" sz="1800">
-                <a:latin typeface="맑은 고딕" charset="0"/>
-                <a:ea typeface="맑은 고딕" charset="0"/>
-              </a:rPr>
-              <a:t>DataSystem</a:t>
+              <a:t>그리고 UI에서 Button </a:t>
             </a:r>
             <a:r>
               <a:rPr sz="1800">
                 <a:latin typeface="맑은 고딕" charset="0"/>
                 <a:ea typeface="맑은 고딕" charset="0"/>
               </a:rPr>
-              <a:t> 스크립트</a:t>
-            </a:r>
-            <a:r>
-              <a:rPr lang="ko-KR" sz="1800">
-                <a:latin typeface="맑은 고딕" charset="0"/>
-                <a:ea typeface="맑은 고딕" charset="0"/>
-              </a:rPr>
-              <a:t>에서 speed 변수를 선언하고 Save( ) 함수와 Load( ) 함수를 선언합니다.</a:t>
+              <a:t>오브젝트</a:t>
+            </a:r>
+            <a:r>
+              <a:rPr lang="ko-KR" sz="1800">
+                <a:latin typeface="맑은 고딕" charset="0"/>
+                <a:ea typeface="맑은 고딕" charset="0"/>
+              </a:rPr>
+              <a:t>를</a:t>
+            </a:r>
+            <a:r>
+              <a:rPr sz="1800">
+                <a:latin typeface="맑은 고딕" charset="0"/>
+                <a:ea typeface="맑은 고딕" charset="0"/>
+              </a:rPr>
+              <a:t> </a:t>
+            </a:r>
+            <a:r>
+              <a:rPr sz="1800">
+                <a:latin typeface="맑은 고딕" charset="0"/>
+                <a:ea typeface="맑은 고딕" charset="0"/>
+              </a:rPr>
+              <a:t>생성</a:t>
+            </a:r>
+            <a:r>
+              <a:rPr lang="ko-KR" sz="1800">
+                <a:latin typeface="맑은 고딕" charset="0"/>
+                <a:ea typeface="맑은 고딕" charset="0"/>
+              </a:rPr>
+              <a:t>한</a:t>
+            </a:r>
+            <a:r>
+              <a:rPr lang="ko-KR" sz="1800">
+                <a:latin typeface="맑은 고딕" charset="0"/>
+                <a:ea typeface="맑은 고딕" charset="0"/>
+              </a:rPr>
+              <a:t> </a:t>
+            </a:r>
+            <a:r>
+              <a:rPr lang="ko-KR" sz="1800">
+                <a:latin typeface="맑은 고딕" charset="0"/>
+                <a:ea typeface="맑은 고딕" charset="0"/>
+              </a:rPr>
+              <a:t>다음</a:t>
+            </a:r>
+            <a:r>
+              <a:rPr sz="1800">
+                <a:latin typeface="맑은 고딕" charset="0"/>
+                <a:ea typeface="맑은 고딕" charset="0"/>
+              </a:rPr>
+              <a:t> Everything Culling </a:t>
+            </a:r>
+            <a:r>
+              <a:rPr sz="1800">
+                <a:latin typeface="맑은 고딕" charset="0"/>
+                <a:ea typeface="맑은 고딕" charset="0"/>
+              </a:rPr>
+              <a:t>Button이라는</a:t>
+            </a:r>
+            <a:r>
+              <a:rPr sz="1800">
+                <a:latin typeface="맑은 고딕" charset="0"/>
+                <a:ea typeface="맑은 고딕" charset="0"/>
+              </a:rPr>
+              <a:t> 이름으로 정의합니</a:t>
+            </a:r>
+            <a:r>
+              <a:rPr sz="1800">
+                <a:latin typeface="맑은 고딕" charset="0"/>
+                <a:ea typeface="맑은 고딕" charset="0"/>
+              </a:rPr>
+              <a:t>다.</a:t>
             </a:r>
             <a:endParaRPr lang="ko-KR" altLang="en-US" sz="1800">
               <a:latin typeface="맑은 고딕" charset="0"/>
               <a:ea typeface="맑은 고딕" charset="0"/>
             </a:endParaRPr>
           </a:p>
-          <a:p>
-            <a:pPr marL="0" indent="0" rtl="0" algn="l" defTabSz="914400" eaLnBrk="1" latinLnBrk="0" hangingPunct="1">
-              <a:buFontTx/>
-              <a:buNone/>
-            </a:pPr>
-            <a:endParaRPr lang="ko-KR" altLang="en-US" sz="1800">
-              <a:latin typeface="맑은 고딕" charset="0"/>
-              <a:ea typeface="맑은 고딕" charset="0"/>
-            </a:endParaRPr>
-          </a:p>
-          <a:p>
-            <a:pPr marL="0" indent="0" rtl="0" algn="l" defTabSz="914400" eaLnBrk="1" latinLnBrk="0" hangingPunct="1">
-              <a:buFontTx/>
-              <a:buNone/>
-            </a:pPr>
-            <a:r>
-              <a:rPr sz="1800">
-                <a:latin typeface="맑은 고딕" charset="0"/>
-                <a:ea typeface="맑은 고딕" charset="0"/>
-              </a:rPr>
-              <a:t>그</a:t>
-            </a:r>
-            <a:r>
-              <a:rPr lang="ko-KR" sz="1800">
-                <a:latin typeface="맑은 고딕" charset="0"/>
-                <a:ea typeface="맑은 고딕" charset="0"/>
-              </a:rPr>
-              <a:t>런 다음 PlayerPrefs로 speed 변수를 저장합니다. </a:t>
-            </a:r>
-            <a:r>
-              <a:rPr sz="1800">
-                <a:latin typeface="맑은 고딕" charset="0"/>
-                <a:ea typeface="맑은 고딕" charset="0"/>
-              </a:rPr>
-              <a:t> </a:t>
-            </a:r>
-            <a:endParaRPr lang="ko-KR" altLang="en-US" sz="1800">
-              <a:latin typeface="맑은 고딕" charset="0"/>
-              <a:ea typeface="맑은 고딕" charset="0"/>
-            </a:endParaRPr>
-          </a:p>
         </p:txBody>
       </p:sp>
       <p:pic>
         <p:nvPicPr>
-          <p:cNvPr id="91" name="Picture " descr="C:/Users/Admin1/AppData/Roaming/PolarisOffice/ETemp/20852_9486176/fImage85062693281.png"/>
+          <p:cNvPr id="91" name="Picture " descr="C:/Users/Admin1/AppData/Roaming/PolarisOffice/ETemp/25668_19456376/fImage85062693281.png"/>
           <p:cNvPicPr>
             <a:picLocks noChangeAspect="1"/>
           </p:cNvPicPr>
@@ -9997,8 +9812,8 @@
         </p:blipFill>
         <p:spPr>
           <a:xfrm rot="0">
-            <a:off x="1238250" y="1444625"/>
-            <a:ext cx="2364740" cy="2565400"/>
+            <a:off x="1238250" y="1438275"/>
+            <a:ext cx="2365375" cy="2572385"/>
           </a:xfrm>
           <a:prstGeom prst="roundRect"/>
           <a:solidFill>
@@ -10008,38 +9823,7 @@
       </p:pic>
       <p:pic>
         <p:nvPicPr>
-          <p:cNvPr id="97" name="그림 32" descr="C:/Users/Admin1/AppData/Roaming/PolarisOffice/ETemp/20852_9486176/fImage107932786827.png"/>
-          <p:cNvPicPr>
-            <a:picLocks noChangeAspect="1"/>
-          </p:cNvPicPr>
-          <p:nvPr/>
-        </p:nvPicPr>
-        <p:blipFill rotWithShape="1">
-          <a:blip r:embed="rId3" cstate="hqprint">
-            <a:extLst>
-              <a:ext uri="{28A0092B-C50C-407E-A947-70E740481C1C}">
-                <a14:useLocalDpi xmlns:a14="http://schemas.microsoft.com/office/drawing/2010/main"/>
-              </a:ext>
-            </a:extLst>
-          </a:blip>
-          <a:stretch>
-            <a:fillRect/>
-          </a:stretch>
-        </p:blipFill>
-        <p:spPr>
-          <a:xfrm rot="0">
-            <a:off x="3909060" y="1445895"/>
-            <a:ext cx="1471930" cy="1576705"/>
-          </a:xfrm>
-          <a:prstGeom prst="roundRect"/>
-          <a:solidFill>
-            <a:srgbClr val="EDEDED"/>
-          </a:solidFill>
-        </p:spPr>
-      </p:pic>
-      <p:pic>
-        <p:nvPicPr>
-          <p:cNvPr id="98" name="그림 35" descr="C:/Users/Admin1/AppData/Roaming/PolarisOffice/ETemp/20852_9486176/fImage21192799961.png"/>
+          <p:cNvPr id="98" name="그림 35" descr="C:/Users/Admin1/AppData/Roaming/PolarisOffice/ETemp/25668_19456376/fImage21192799961.png"/>
           <p:cNvPicPr>
             <a:picLocks noChangeAspect="1"/>
           </p:cNvPicPr>
@@ -10060,7 +9844,7 @@
         <p:spPr>
           <a:xfrm rot="0">
             <a:off x="4290060" y="3333750"/>
-            <a:ext cx="698500" cy="663575"/>
+            <a:ext cx="663575" cy="680720"/>
           </a:xfrm>
           <a:prstGeom prst="roundRect"/>
           <a:solidFill>
@@ -10073,14 +9857,14 @@
           <p:cNvPr id="99" name="도형 38"/>
           <p:cNvCxnSpPr>
             <a:stCxn id="98" idx="0"/>
-            <a:endCxn id="97" idx="2"/>
+            <a:endCxn id="101" idx="2"/>
           </p:cNvCxnSpPr>
           <p:nvPr/>
         </p:nvCxnSpPr>
         <p:spPr>
           <a:xfrm rot="0" flipV="1">
-            <a:off x="4638675" y="3021965"/>
-            <a:ext cx="6350" cy="312420"/>
+            <a:off x="4621530" y="2985770"/>
+            <a:ext cx="3175" cy="348615"/>
           </a:xfrm>
           <a:prstGeom prst="straightConnector1"/>
           <a:ln w="6350" cap="flat" cmpd="sng">
@@ -10105,14 +9889,45 @@
       </p:cxnSp>
       <p:pic>
         <p:nvPicPr>
-          <p:cNvPr id="100" name="그림 39" descr="C:/Users/Admin1/AppData/Roaming/PolarisOffice/ETemp/20852_9486176/fImage9327281491.png"/>
+          <p:cNvPr id="101" name="그림 12" descr="C:/Users/Admin1/AppData/Roaming/PolarisOffice/ETemp/25668_19456376/fImage112212526334.png"/>
           <p:cNvPicPr>
             <a:picLocks noChangeAspect="1"/>
           </p:cNvPicPr>
           <p:nvPr/>
         </p:nvPicPr>
         <p:blipFill rotWithShape="1">
-          <a:blip r:embed="rId5" cstate="hqprint">
+          <a:blip r:embed="rId7" cstate="print">
+            <a:extLst>
+              <a:ext uri="{28A0092B-C50C-407E-A947-70E740481C1C}">
+                <a14:useLocalDpi xmlns:a14="http://schemas.microsoft.com/office/drawing/2010/main" val="0"/>
+              </a:ext>
+            </a:extLst>
+          </a:blip>
+          <a:stretch>
+            <a:fillRect/>
+          </a:stretch>
+        </p:blipFill>
+        <p:spPr>
+          <a:xfrm rot="0">
+            <a:off x="3873500" y="1430020"/>
+            <a:ext cx="1502410" cy="1556385"/>
+          </a:xfrm>
+          <a:prstGeom prst="roundRect"/>
+          <a:solidFill>
+            <a:srgbClr val="EDEDED"/>
+          </a:solidFill>
+        </p:spPr>
+      </p:pic>
+      <p:pic>
+        <p:nvPicPr>
+          <p:cNvPr id="102" name="그림 15" descr="C:/Users/Admin1/AppData/Roaming/PolarisOffice/ETemp/25668_19456376/fImage191382645705.png"/>
+          <p:cNvPicPr>
+            <a:picLocks noChangeAspect="1"/>
+          </p:cNvPicPr>
+          <p:nvPr/>
+        </p:nvPicPr>
+        <p:blipFill rotWithShape="1">
+          <a:blip r:embed="rId8" cstate="hqprint">
             <a:extLst>
               <a:ext uri="{28A0092B-C50C-407E-A947-70E740481C1C}">
                 <a14:useLocalDpi xmlns:a14="http://schemas.microsoft.com/office/drawing/2010/main"/>
@@ -10125,8 +9940,39 @@
         </p:blipFill>
         <p:spPr>
           <a:xfrm rot="0">
-            <a:off x="6815455" y="1446530"/>
-            <a:ext cx="4138930" cy="2892425"/>
+            <a:off x="6822440" y="1441450"/>
+            <a:ext cx="2618740" cy="3636010"/>
+          </a:xfrm>
+          <a:prstGeom prst="roundRect"/>
+          <a:solidFill>
+            <a:srgbClr val="EDEDED"/>
+          </a:solidFill>
+        </p:spPr>
+      </p:pic>
+      <p:pic>
+        <p:nvPicPr>
+          <p:cNvPr id="103" name="그림 17" descr="C:/Users/Admin1/AppData/Roaming/PolarisOffice/ETemp/25668_19456376/fImage120502556500.png"/>
+          <p:cNvPicPr>
+            <a:picLocks noChangeAspect="1"/>
+          </p:cNvPicPr>
+          <p:nvPr/>
+        </p:nvPicPr>
+        <p:blipFill rotWithShape="1">
+          <a:blip r:embed="rId9" cstate="print">
+            <a:extLst>
+              <a:ext uri="{28A0092B-C50C-407E-A947-70E740481C1C}">
+                <a14:useLocalDpi xmlns:a14="http://schemas.microsoft.com/office/drawing/2010/main" val="0"/>
+              </a:ext>
+            </a:extLst>
+          </a:blip>
+          <a:stretch>
+            <a:fillRect/>
+          </a:stretch>
+        </p:blipFill>
+        <p:spPr>
+          <a:xfrm rot="0">
+            <a:off x="9604375" y="2255520"/>
+            <a:ext cx="1358265" cy="2155190"/>
           </a:xfrm>
           <a:prstGeom prst="roundRect"/>
           <a:solidFill>
@@ -10184,8 +10030,8 @@
         </p:nvSpPr>
         <p:spPr>
           <a:xfrm rot="0">
-            <a:off x="4332605" y="453390"/>
-            <a:ext cx="3538855" cy="554990"/>
+            <a:off x="4332605" y="386715"/>
+            <a:ext cx="3539490" cy="554990"/>
           </a:xfrm>
           <a:prstGeom prst="rect"/>
           <a:noFill/>
@@ -10200,30 +10046,30 @@
           </a:bodyPr>
           <a:lstStyle/>
           <a:p>
-            <a:pPr marL="0" indent="0" algn="l" latinLnBrk="0" hangingPunct="1">
-              <a:buFontTx/>
-              <a:buNone/>
-            </a:pPr>
+            <a:pPr marL="0" indent="0" algn="ctr" latinLnBrk="0" hangingPunct="1">
+              <a:buFontTx/>
+              <a:buNone/>
+            </a:pPr>
+            <a:r>
+              <a:rPr lang="ko-KR" sz="2500" b="1">
+                <a:latin typeface="나눔바른고딕" charset="0"/>
+                <a:ea typeface="나눔바른고딕" charset="0"/>
+              </a:rPr>
+              <a:t>열네</a:t>
+            </a:r>
+            <a:r>
+              <a:rPr lang="ko-KR" sz="2500" b="1">
+                <a:latin typeface="나눔바른고딕" charset="0"/>
+                <a:ea typeface="나눔바른고딕" charset="0"/>
+              </a:rPr>
+              <a:t> 번째 튜토리얼</a:t>
+            </a:r>
             <a:r>
               <a:rPr lang="ko-KR" sz="3000" b="1">
                 <a:latin typeface="맑은 고딕" charset="0"/>
                 <a:ea typeface="맑은 고딕" charset="0"/>
               </a:rPr>
-              <a:t>열</a:t>
-            </a:r>
-            <a:r>
-              <a:rPr lang="ko-KR" sz="3000" b="1">
-                <a:latin typeface="맑은 고딕" charset="0"/>
-                <a:ea typeface="맑은 고딕" charset="0"/>
-              </a:rPr>
-              <a:t>네</a:t>
-            </a:r>
-            <a:r>
-              <a:rPr lang="ko-KR" sz="3000" b="1">
-                <a:latin typeface="맑은 고딕" charset="0"/>
-                <a:ea typeface="맑은 고딕" charset="0"/>
-              </a:rPr>
-              <a:t> 번째 튜토리얼 </a:t>
+              <a:t> </a:t>
             </a:r>
             <a:endParaRPr lang="ko-KR" altLang="en-US" sz="3000" b="1">
               <a:latin typeface="맑은 고딕" charset="0"/>
@@ -10234,7 +10080,7 @@
       </p:sp>
       <p:sp>
         <p:nvSpPr>
-          <p:cNvPr id="54" name="Rect 0"/>
+          <p:cNvPr id="103" name="텍스트 상자 48"/>
           <p:cNvSpPr txBox="1">
             <a:spLocks/>
           </p:cNvSpPr>
@@ -10242,8 +10088,8 @@
         </p:nvSpPr>
         <p:spPr>
           <a:xfrm rot="0">
-            <a:off x="6817360" y="5257165"/>
-            <a:ext cx="4349115" cy="923925"/>
+            <a:off x="1228725" y="3058795"/>
+            <a:ext cx="4153535" cy="647065"/>
           </a:xfrm>
           <a:prstGeom prst="rect"/>
           <a:noFill/>
@@ -10270,17 +10116,7 @@
                 <a:latin typeface="맑은 고딕" charset="0"/>
                 <a:ea typeface="맑은 고딕" charset="0"/>
               </a:rPr>
-              <a:t>3</a:t>
-            </a:r>
-            <a:r>
-              <a:rPr lang="ko-KR" sz="1800" b="1">
-                <a:solidFill>
-                  <a:srgbClr val="0611F2"/>
-                </a:solidFill>
-                <a:latin typeface="맑은 고딕" charset="0"/>
-                <a:ea typeface="맑은 고딕" charset="0"/>
-              </a:rPr>
-              <a:t>6</a:t>
+              <a:t>33</a:t>
             </a:r>
             <a:r>
               <a:rPr sz="1800" b="1">
@@ -10297,6 +10133,27 @@
                 <a:latin typeface="맑은 고딕" charset="0"/>
                 <a:ea typeface="맑은 고딕" charset="0"/>
               </a:rPr>
+              <a:t> 그런 다음</a:t>
+            </a:r>
+            <a:r>
+              <a:rPr lang="ko-KR" sz="1800">
+                <a:latin typeface="맑은 고딕" charset="0"/>
+                <a:ea typeface="맑은 고딕" charset="0"/>
+              </a:rPr>
+              <a:t> Ch14_nonPBR </a:t>
+            </a:r>
+            <a:r>
+              <a:rPr lang="ko-KR" sz="1800">
+                <a:latin typeface="맑은 고딕" charset="0"/>
+                <a:ea typeface="맑은 고딕" charset="0"/>
+              </a:rPr>
+              <a:t>오브젝트의</a:t>
+            </a:r>
+            <a:r>
+              <a:rPr lang="ko-KR" sz="1800">
+                <a:latin typeface="맑은 고딕" charset="0"/>
+                <a:ea typeface="맑은 고딕" charset="0"/>
+              </a:rPr>
               <a:t> </a:t>
             </a:r>
             <a:r>
@@ -10304,21 +10161,28 @@
                 <a:latin typeface="맑은 고딕" charset="0"/>
                 <a:ea typeface="맑은 고딕" charset="0"/>
               </a:rPr>
-              <a:t>그</a:t>
-            </a:r>
-            <a:r>
-              <a:rPr lang="ko-KR" sz="1800">
-                <a:latin typeface="맑은 고딕" charset="0"/>
-                <a:ea typeface="맑은 고딕" charset="0"/>
-              </a:rPr>
-              <a:t>리고</a:t>
-            </a:r>
-            <a:r>
-              <a:rPr lang="ko-KR" sz="1800">
-                <a:latin typeface="맑은 고딕" charset="0"/>
-                <a:ea typeface="맑은 고딕" charset="0"/>
-              </a:rPr>
-              <a:t> AnimationSpeed 스크립트에 Text 변수와 DataSystem 변수 그리고 Animator 변수를 배열로 선언합니다.</a:t>
+              <a:t>위치</a:t>
+            </a:r>
+            <a:r>
+              <a:rPr lang="ko-KR" sz="1800">
+                <a:latin typeface="맑은 고딕" charset="0"/>
+                <a:ea typeface="맑은 고딕" charset="0"/>
+              </a:rPr>
+              <a:t> </a:t>
+            </a:r>
+            <a:r>
+              <a:rPr lang="ko-KR" sz="1800">
+                <a:latin typeface="맑은 고딕" charset="0"/>
+                <a:ea typeface="맑은 고딕" charset="0"/>
+              </a:rPr>
+              <a:t>값을</a:t>
+            </a:r>
+            <a:r>
+              <a:rPr lang="ko-KR" sz="1800">
+                <a:latin typeface="맑은 고딕" charset="0"/>
+                <a:ea typeface="맑은 고딕" charset="0"/>
+              </a:rPr>
+              <a:t> 설정합니다.</a:t>
             </a:r>
             <a:endParaRPr lang="ko-KR" altLang="en-US" sz="1800">
               <a:latin typeface="맑은 고딕" charset="0"/>
@@ -10327,40 +10191,9 @@
           </a:p>
         </p:txBody>
       </p:sp>
-      <p:pic>
-        <p:nvPicPr>
-          <p:cNvPr id="101" name="그림 42"/>
-          <p:cNvPicPr>
-            <a:picLocks noChangeAspect="1"/>
-          </p:cNvPicPr>
-          <p:nvPr/>
-        </p:nvPicPr>
-        <p:blipFill rotWithShape="1">
-          <a:blip r:embed="rId2" cstate="hqprint">
-            <a:extLst>
-              <a:ext uri="{28A0092B-C50C-407E-A947-70E740481C1C}">
-                <a14:useLocalDpi xmlns:a14="http://schemas.microsoft.com/office/drawing/2010/main"/>
-              </a:ext>
-            </a:extLst>
-          </a:blip>
-          <a:stretch>
-            <a:fillRect/>
-          </a:stretch>
-        </p:blipFill>
-        <p:spPr>
-          <a:xfrm rot="0">
-            <a:off x="6815455" y="3779520"/>
-            <a:ext cx="4351020" cy="1376045"/>
-          </a:xfrm>
-          <a:prstGeom prst="roundRect"/>
-          <a:solidFill>
-            <a:srgbClr val="EDEDED"/>
-          </a:solidFill>
-        </p:spPr>
-      </p:pic>
-      <p:sp>
-        <p:nvSpPr>
-          <p:cNvPr id="103" name="텍스트 상자 48"/>
+      <p:sp>
+        <p:nvSpPr>
+          <p:cNvPr id="109" name="텍스트 상자 20"/>
           <p:cNvSpPr txBox="1">
             <a:spLocks/>
           </p:cNvSpPr>
@@ -10368,8 +10201,8 @@
         </p:nvSpPr>
         <p:spPr>
           <a:xfrm rot="0">
-            <a:off x="1105535" y="3106420"/>
-            <a:ext cx="4283075" cy="647065"/>
+            <a:off x="1224280" y="5565140"/>
+            <a:ext cx="4148455" cy="647065"/>
           </a:xfrm>
           <a:prstGeom prst="rect"/>
           <a:noFill/>
@@ -10396,7 +10229,7 @@
                 <a:latin typeface="맑은 고딕" charset="0"/>
                 <a:ea typeface="맑은 고딕" charset="0"/>
               </a:rPr>
-              <a:t>33</a:t>
+              <a:t>34</a:t>
             </a:r>
             <a:r>
               <a:rPr sz="1800" b="1">
@@ -10413,14 +10246,56 @@
                 <a:latin typeface="맑은 고딕" charset="0"/>
                 <a:ea typeface="맑은 고딕" charset="0"/>
               </a:rPr>
-              <a:t> 이</a:t>
-            </a:r>
-            <a:r>
-              <a:rPr lang="ko-KR" sz="1800">
-                <a:latin typeface="맑은 고딕" charset="0"/>
-                <a:ea typeface="맑은 고딕" charset="0"/>
-              </a:rPr>
-              <a:t>제 Ch19_nonPBR 오브젝트의 위치 값을 설정합니다.</a:t>
+              <a:t> 그다음으로</a:t>
+            </a:r>
+            <a:r>
+              <a:rPr lang="ko-KR" sz="1800">
+                <a:latin typeface="맑은 고딕" charset="0"/>
+                <a:ea typeface="맑은 고딕" charset="0"/>
+              </a:rPr>
+              <a:t> Ch19_nonPBR </a:t>
+            </a:r>
+            <a:r>
+              <a:rPr lang="ko-KR" sz="1800">
+                <a:latin typeface="맑은 고딕" charset="0"/>
+                <a:ea typeface="맑은 고딕" charset="0"/>
+              </a:rPr>
+              <a:t>오브젝트의</a:t>
+            </a:r>
+            <a:r>
+              <a:rPr lang="ko-KR" sz="1800">
+                <a:latin typeface="맑은 고딕" charset="0"/>
+                <a:ea typeface="맑은 고딕" charset="0"/>
+              </a:rPr>
+              <a:t> </a:t>
+            </a:r>
+            <a:r>
+              <a:rPr lang="ko-KR" sz="1800">
+                <a:latin typeface="맑은 고딕" charset="0"/>
+                <a:ea typeface="맑은 고딕" charset="0"/>
+              </a:rPr>
+              <a:t>위치</a:t>
+            </a:r>
+            <a:r>
+              <a:rPr lang="ko-KR" sz="1800">
+                <a:latin typeface="맑은 고딕" charset="0"/>
+                <a:ea typeface="맑은 고딕" charset="0"/>
+              </a:rPr>
+              <a:t> </a:t>
+            </a:r>
+            <a:r>
+              <a:rPr lang="ko-KR" sz="1800">
+                <a:latin typeface="맑은 고딕" charset="0"/>
+                <a:ea typeface="맑은 고딕" charset="0"/>
+              </a:rPr>
+              <a:t>값을</a:t>
+            </a:r>
+            <a:r>
+              <a:rPr lang="ko-KR" sz="1800">
+                <a:latin typeface="맑은 고딕" charset="0"/>
+                <a:ea typeface="맑은 고딕" charset="0"/>
+              </a:rPr>
+              <a:t> 설정합니다.</a:t>
             </a:r>
             <a:endParaRPr lang="ko-KR" altLang="en-US" sz="1800">
               <a:latin typeface="맑은 고딕" charset="0"/>
@@ -10431,7 +10306,7 @@
       </p:sp>
       <p:pic>
         <p:nvPicPr>
-          <p:cNvPr id="104" name="그림 49"/>
+          <p:cNvPr id="110" name="그림 21" descr="C:/Users/Admin1/AppData/Roaming/PolarisOffice/ETemp/25668_19456376/fImage162492964827.png"/>
           <p:cNvPicPr>
             <a:picLocks noChangeAspect="1"/>
           </p:cNvPicPr>
@@ -10451,8 +10326,8 @@
         </p:blipFill>
         <p:spPr>
           <a:xfrm rot="0">
-            <a:off x="1106805" y="1400810"/>
-            <a:ext cx="4273550" cy="1617980"/>
+            <a:off x="1233805" y="3848100"/>
+            <a:ext cx="4134485" cy="1576705"/>
           </a:xfrm>
           <a:prstGeom prst="roundRect"/>
           <a:solidFill>
@@ -10462,116 +10337,14 @@
       </p:pic>
       <p:pic>
         <p:nvPicPr>
-          <p:cNvPr id="105" name="그림 52"/>
+          <p:cNvPr id="111" name="그림 22" descr="C:/Users/Admin1/AppData/Roaming/PolarisOffice/ETemp/25668_19456376/fImage156622589169.png"/>
           <p:cNvPicPr>
             <a:picLocks noChangeAspect="1"/>
           </p:cNvPicPr>
           <p:nvPr/>
         </p:nvPicPr>
         <p:blipFill rotWithShape="1">
-          <a:blip r:embed="rId5" cstate="hqprint">
-            <a:extLst>
-              <a:ext uri="{28A0092B-C50C-407E-A947-70E740481C1C}">
-                <a14:useLocalDpi xmlns:a14="http://schemas.microsoft.com/office/drawing/2010/main"/>
-              </a:ext>
-            </a:extLst>
-          </a:blip>
-          <a:stretch>
-            <a:fillRect/>
-          </a:stretch>
-        </p:blipFill>
-        <p:spPr>
-          <a:xfrm rot="0">
-            <a:off x="1111250" y="3917950"/>
-            <a:ext cx="4261485" cy="1489075"/>
-          </a:xfrm>
-          <a:prstGeom prst="roundRect"/>
-          <a:solidFill>
-            <a:srgbClr val="EDEDED"/>
-          </a:solidFill>
-        </p:spPr>
-      </p:pic>
-      <p:sp>
-        <p:nvSpPr>
-          <p:cNvPr id="106" name="텍스트 상자 55"/>
-          <p:cNvSpPr txBox="1">
-            <a:spLocks/>
-          </p:cNvSpPr>
-          <p:nvPr/>
-        </p:nvSpPr>
-        <p:spPr>
-          <a:xfrm rot="0">
-            <a:off x="1108075" y="5539105"/>
-            <a:ext cx="4277995" cy="647700"/>
-          </a:xfrm>
-          <a:prstGeom prst="rect"/>
-          <a:noFill/>
-          <a:ln w="0">
-            <a:noFill/>
-            <a:prstDash/>
-          </a:ln>
-        </p:spPr>
-        <p:txBody>
-          <a:bodyPr wrap="square" lIns="89535" tIns="46355" rIns="89535" bIns="46355" numCol="1" vert="horz" anchor="t">
-            <a:spAutoFit/>
-          </a:bodyPr>
-          <a:lstStyle/>
-          <a:p>
-            <a:pPr marL="0" indent="0" rtl="0" algn="l" defTabSz="914400" eaLnBrk="1" latinLnBrk="0" hangingPunct="1">
-              <a:buFontTx/>
-              <a:buNone/>
-            </a:pPr>
-            <a:r>
-              <a:rPr lang="ko-KR" sz="1800" b="1">
-                <a:solidFill>
-                  <a:srgbClr val="0611F2"/>
-                </a:solidFill>
-                <a:latin typeface="맑은 고딕" charset="0"/>
-                <a:ea typeface="맑은 고딕" charset="0"/>
-              </a:rPr>
-              <a:t>34</a:t>
-            </a:r>
-            <a:r>
-              <a:rPr sz="1800" b="1">
-                <a:solidFill>
-                  <a:srgbClr val="0611F2"/>
-                </a:solidFill>
-                <a:latin typeface="맑은 고딕" charset="0"/>
-                <a:ea typeface="맑은 고딕" charset="0"/>
-              </a:rPr>
-              <a:t>.</a:t>
-            </a:r>
-            <a:r>
-              <a:rPr sz="1800">
-                <a:latin typeface="맑은 고딕" charset="0"/>
-                <a:ea typeface="맑은 고딕" charset="0"/>
-              </a:rPr>
-              <a:t> </a:t>
-            </a:r>
-            <a:r>
-              <a:rPr lang="ko-KR" sz="1800">
-                <a:latin typeface="맑은 고딕" charset="0"/>
-                <a:ea typeface="맑은 고딕" charset="0"/>
-              </a:rPr>
-              <a:t>그다음 Animation Speed Button의 위치와 크기 그리고 앵커를 설정합니다.</a:t>
-            </a:r>
-            <a:endParaRPr lang="ko-KR" altLang="en-US" sz="1800">
-              <a:latin typeface="맑은 고딕" charset="0"/>
-              <a:ea typeface="맑은 고딕" charset="0"/>
-            </a:endParaRPr>
-          </a:p>
-        </p:txBody>
-      </p:sp>
-      <p:pic>
-        <p:nvPicPr>
-          <p:cNvPr id="107" name="그림 3"/>
-          <p:cNvPicPr>
-            <a:picLocks noChangeAspect="1"/>
-          </p:cNvPicPr>
-          <p:nvPr/>
-        </p:nvPicPr>
-        <p:blipFill rotWithShape="1">
-          <a:blip r:embed="rId7" cstate="print">
+          <a:blip r:embed="rId8" cstate="print">
             <a:extLst>
               <a:ext uri="{28A0092B-C50C-407E-A947-70E740481C1C}">
                 <a14:useLocalDpi xmlns:a14="http://schemas.microsoft.com/office/drawing/2010/main" val="0"/>
@@ -10584,8 +10357,8 @@
         </p:blipFill>
         <p:spPr>
           <a:xfrm rot="0">
-            <a:off x="6815455" y="1401445"/>
-            <a:ext cx="4351020" cy="1504950"/>
+            <a:off x="1242695" y="1447800"/>
+            <a:ext cx="4130040" cy="1486535"/>
           </a:xfrm>
           <a:prstGeom prst="roundRect"/>
           <a:solidFill>
@@ -10593,9 +10366,40 @@
           </a:solidFill>
         </p:spPr>
       </p:pic>
-      <p:sp>
-        <p:nvSpPr>
-          <p:cNvPr id="108" name="텍스트 상자 6"/>
+      <p:pic>
+        <p:nvPicPr>
+          <p:cNvPr id="112" name="그림 25" descr="C:/Users/Admin1/AppData/Roaming/PolarisOffice/ETemp/25668_19456376/fImage125342595724.png"/>
+          <p:cNvPicPr>
+            <a:picLocks noChangeAspect="1"/>
+          </p:cNvPicPr>
+          <p:nvPr/>
+        </p:nvPicPr>
+        <p:blipFill rotWithShape="1">
+          <a:blip r:embed="rId9" cstate="print">
+            <a:extLst>
+              <a:ext uri="{28A0092B-C50C-407E-A947-70E740481C1C}">
+                <a14:useLocalDpi xmlns:a14="http://schemas.microsoft.com/office/drawing/2010/main" val="0"/>
+              </a:ext>
+            </a:extLst>
+          </a:blip>
+          <a:stretch>
+            <a:fillRect/>
+          </a:stretch>
+        </p:blipFill>
+        <p:spPr>
+          <a:xfrm rot="0">
+            <a:off x="6810375" y="1454785"/>
+            <a:ext cx="4144010" cy="1241425"/>
+          </a:xfrm>
+          <a:prstGeom prst="roundRect"/>
+          <a:solidFill>
+            <a:srgbClr val="EDEDED"/>
+          </a:solidFill>
+        </p:spPr>
+      </p:pic>
+      <p:sp>
+        <p:nvSpPr>
+          <p:cNvPr id="113" name="텍스트 상자 28"/>
           <p:cNvSpPr txBox="1">
             <a:spLocks/>
           </p:cNvSpPr>
@@ -10603,8 +10407,8 @@
         </p:nvSpPr>
         <p:spPr>
           <a:xfrm rot="0">
-            <a:off x="6824980" y="3004185"/>
-            <a:ext cx="4341495" cy="647065"/>
+            <a:off x="6805930" y="2778125"/>
+            <a:ext cx="4157980" cy="923925"/>
           </a:xfrm>
           <a:prstGeom prst="rect"/>
           <a:noFill/>
@@ -10631,8 +10435,149 @@
                 <a:latin typeface="맑은 고딕" charset="0"/>
                 <a:ea typeface="맑은 고딕" charset="0"/>
               </a:rPr>
-              <a:t>3</a:t>
-            </a:r>
+              <a:t>35</a:t>
+            </a:r>
+            <a:r>
+              <a:rPr sz="1800" b="1">
+                <a:solidFill>
+                  <a:srgbClr val="0611F2"/>
+                </a:solidFill>
+                <a:latin typeface="맑은 고딕" charset="0"/>
+                <a:ea typeface="맑은 고딕" charset="0"/>
+              </a:rPr>
+              <a:t>.</a:t>
+            </a:r>
+            <a:r>
+              <a:rPr sz="1800">
+                <a:latin typeface="맑은 고딕" charset="0"/>
+                <a:ea typeface="맑은 고딕" charset="0"/>
+              </a:rPr>
+              <a:t> 그러고 나서</a:t>
+            </a:r>
+            <a:r>
+              <a:rPr lang="ko-KR" sz="1800">
+                <a:latin typeface="맑은 고딕" charset="0"/>
+                <a:ea typeface="맑은 고딕" charset="0"/>
+              </a:rPr>
+              <a:t> Animation Speed </a:t>
+            </a:r>
+            <a:r>
+              <a:rPr lang="ko-KR" sz="1800">
+                <a:latin typeface="맑은 고딕" charset="0"/>
+                <a:ea typeface="맑은 고딕" charset="0"/>
+              </a:rPr>
+              <a:t>Button의</a:t>
+            </a:r>
+            <a:r>
+              <a:rPr lang="ko-KR" sz="1800">
+                <a:latin typeface="맑은 고딕" charset="0"/>
+                <a:ea typeface="맑은 고딕" charset="0"/>
+              </a:rPr>
+              <a:t> </a:t>
+            </a:r>
+            <a:r>
+              <a:rPr lang="ko-KR" sz="1800">
+                <a:latin typeface="맑은 고딕" charset="0"/>
+                <a:ea typeface="맑은 고딕" charset="0"/>
+              </a:rPr>
+              <a:t>앵커를 지정하고 위치와 </a:t>
+            </a:r>
+            <a:r>
+              <a:rPr lang="ko-KR" sz="1800">
+                <a:latin typeface="맑은 고딕" charset="0"/>
+                <a:ea typeface="맑은 고딕" charset="0"/>
+              </a:rPr>
+              <a:t>크기</a:t>
+            </a:r>
+            <a:r>
+              <a:rPr lang="ko-KR" sz="1800">
+                <a:latin typeface="맑은 고딕" charset="0"/>
+                <a:ea typeface="맑은 고딕" charset="0"/>
+              </a:rPr>
+              <a:t>를</a:t>
+            </a:r>
+            <a:r>
+              <a:rPr lang="ko-KR" sz="1800">
+                <a:latin typeface="맑은 고딕" charset="0"/>
+                <a:ea typeface="맑은 고딕" charset="0"/>
+              </a:rPr>
+              <a:t> </a:t>
+            </a:r>
+            <a:r>
+              <a:rPr lang="ko-KR" sz="1800">
+                <a:latin typeface="맑은 고딕" charset="0"/>
+                <a:ea typeface="맑은 고딕" charset="0"/>
+              </a:rPr>
+              <a:t>설정합니다.</a:t>
+            </a:r>
+            <a:endParaRPr lang="ko-KR" altLang="en-US" sz="1800">
+              <a:latin typeface="맑은 고딕" charset="0"/>
+              <a:ea typeface="맑은 고딕" charset="0"/>
+            </a:endParaRPr>
+          </a:p>
+        </p:txBody>
+      </p:sp>
+      <p:pic>
+        <p:nvPicPr>
+          <p:cNvPr id="114" name="그림 29" descr="C:/Users/Admin1/AppData/Roaming/PolarisOffice/ETemp/25668_19456376/fImage187802611478.png"/>
+          <p:cNvPicPr>
+            <a:picLocks noChangeAspect="1"/>
+          </p:cNvPicPr>
+          <p:nvPr/>
+        </p:nvPicPr>
+        <p:blipFill rotWithShape="1">
+          <a:blip r:embed="rId10" cstate="print">
+            <a:extLst>
+              <a:ext uri="{28A0092B-C50C-407E-A947-70E740481C1C}">
+                <a14:useLocalDpi xmlns:a14="http://schemas.microsoft.com/office/drawing/2010/main" val="0"/>
+              </a:ext>
+            </a:extLst>
+          </a:blip>
+          <a:stretch>
+            <a:fillRect/>
+          </a:stretch>
+        </p:blipFill>
+        <p:spPr>
+          <a:xfrm rot="0">
+            <a:off x="6810375" y="3836035"/>
+            <a:ext cx="4152900" cy="1346200"/>
+          </a:xfrm>
+          <a:prstGeom prst="roundRect"/>
+          <a:solidFill>
+            <a:srgbClr val="EDEDED"/>
+          </a:solidFill>
+        </p:spPr>
+      </p:pic>
+      <p:sp>
+        <p:nvSpPr>
+          <p:cNvPr id="115" name="텍스트 상자 32"/>
+          <p:cNvSpPr txBox="1">
+            <a:spLocks/>
+          </p:cNvSpPr>
+          <p:nvPr/>
+        </p:nvSpPr>
+        <p:spPr>
+          <a:xfrm rot="0">
+            <a:off x="6794500" y="5285105"/>
+            <a:ext cx="4168775" cy="923925"/>
+          </a:xfrm>
+          <a:prstGeom prst="rect"/>
+          <a:noFill/>
+          <a:ln w="0">
+            <a:noFill/>
+            <a:prstDash/>
+          </a:ln>
+        </p:spPr>
+        <p:txBody>
+          <a:bodyPr wrap="square" lIns="89535" tIns="46355" rIns="89535" bIns="46355" numCol="1" vert="horz" anchor="t">
+            <a:spAutoFit/>
+          </a:bodyPr>
+          <a:lstStyle/>
+          <a:p>
+            <a:pPr marL="0" indent="0" rtl="0" algn="l" defTabSz="914400" eaLnBrk="1" latinLnBrk="0" hangingPunct="1">
+              <a:buFontTx/>
+              <a:buNone/>
+            </a:pPr>
             <a:r>
               <a:rPr lang="ko-KR" sz="1800" b="1">
                 <a:solidFill>
@@ -10641,7 +10586,7 @@
                 <a:latin typeface="맑은 고딕" charset="0"/>
                 <a:ea typeface="맑은 고딕" charset="0"/>
               </a:rPr>
-              <a:t>5</a:t>
+              <a:t>36</a:t>
             </a:r>
             <a:r>
               <a:rPr sz="1800" b="1">
@@ -10658,6 +10603,34 @@
                 <a:latin typeface="맑은 고딕" charset="0"/>
                 <a:ea typeface="맑은 고딕" charset="0"/>
               </a:rPr>
+              <a:t> 이제</a:t>
+            </a:r>
+            <a:r>
+              <a:rPr lang="ko-KR" sz="1800">
+                <a:latin typeface="맑은 고딕" charset="0"/>
+                <a:ea typeface="맑은 고딕" charset="0"/>
+              </a:rPr>
+              <a:t> Ch14_nonPBR </a:t>
+            </a:r>
+            <a:r>
+              <a:rPr lang="ko-KR" sz="1800">
+                <a:latin typeface="맑은 고딕" charset="0"/>
+                <a:ea typeface="맑은 고딕" charset="0"/>
+              </a:rPr>
+              <a:t>오브젝트에 </a:t>
+            </a:r>
+            <a:r>
+              <a:rPr lang="ko-KR" sz="1800">
+                <a:latin typeface="맑은 고딕" charset="0"/>
+                <a:ea typeface="맑은 고딕" charset="0"/>
+              </a:rPr>
+              <a:t>있는</a:t>
+            </a:r>
+            <a:r>
+              <a:rPr lang="ko-KR" sz="1800">
+                <a:latin typeface="맑은 고딕" charset="0"/>
+                <a:ea typeface="맑은 고딕" charset="0"/>
+              </a:rPr>
               <a:t> </a:t>
             </a:r>
             <a:r>
@@ -10665,28 +10638,28 @@
                 <a:latin typeface="맑은 고딕" charset="0"/>
                 <a:ea typeface="맑은 고딕" charset="0"/>
               </a:rPr>
-              <a:t>그런 다음</a:t>
-            </a:r>
-            <a:r>
-              <a:rPr lang="ko-KR" sz="1800">
-                <a:latin typeface="맑은 고딕" charset="0"/>
-                <a:ea typeface="맑은 고딕" charset="0"/>
-              </a:rPr>
-              <a:t> Data Manager </a:t>
-            </a:r>
-            <a:r>
-              <a:rPr lang="ko-KR" sz="1800">
-                <a:latin typeface="맑은 고딕" charset="0"/>
-                <a:ea typeface="맑은 고딕" charset="0"/>
-              </a:rPr>
-              <a:t>오브젝트의 </a:t>
-            </a:r>
-            <a:r>
-              <a:rPr lang="ko-KR" sz="1800">
-                <a:latin typeface="맑은 고딕" charset="0"/>
-                <a:ea typeface="맑은 고딕" charset="0"/>
-              </a:rPr>
-              <a:t>Transform을 초기화합니다.</a:t>
+              <a:t>Animator의 Culling Mode를 Cull </a:t>
+            </a:r>
+            <a:r>
+              <a:rPr lang="ko-KR" sz="1800">
+                <a:latin typeface="맑은 고딕" charset="0"/>
+                <a:ea typeface="맑은 고딕" charset="0"/>
+              </a:rPr>
+              <a:t>C</a:t>
+            </a:r>
+            <a:r>
+              <a:rPr lang="ko-KR" sz="1800">
+                <a:latin typeface="맑은 고딕" charset="0"/>
+                <a:ea typeface="맑은 고딕" charset="0"/>
+              </a:rPr>
+              <a:t>ompletely</a:t>
+            </a:r>
+            <a:r>
+              <a:rPr lang="ko-KR" sz="1800">
+                <a:latin typeface="맑은 고딕" charset="0"/>
+                <a:ea typeface="맑은 고딕" charset="0"/>
+              </a:rPr>
+              <a:t>로</a:t>
             </a:r>
             <a:r>
               <a:rPr lang="ko-KR" sz="1800">
@@ -10694,6 +10667,13 @@
                 <a:ea typeface="맑은 고딕" charset="0"/>
               </a:rPr>
               <a:t> </a:t>
+            </a:r>
+            <a:r>
+              <a:rPr lang="ko-KR" sz="1800">
+                <a:latin typeface="맑은 고딕" charset="0"/>
+                <a:ea typeface="맑은 고딕" charset="0"/>
+              </a:rPr>
+              <a:t>설정합니다.</a:t>
             </a:r>
             <a:endParaRPr lang="ko-KR" altLang="en-US" sz="1800">
               <a:latin typeface="맑은 고딕" charset="0"/>
@@ -10726,7 +10706,7 @@
 </file>
 
 <file path=ppt/slides/slide15.xml><?xml version="1.0" encoding="utf-8"?>
-<p:sld xmlns:a="http://schemas.openxmlformats.org/drawingml/2006/main" xmlns:r="http://schemas.openxmlformats.org/officeDocument/2006/relationships" xmlns:p="http://schemas.openxmlformats.org/presentationml/2006/main" xmlns:p14="http://schemas.microsoft.com/office/powerpoint/2010/main">
+<p:sld xmlns:a="http://schemas.openxmlformats.org/drawingml/2006/main" xmlns:r="http://schemas.openxmlformats.org/officeDocument/2006/relationships" xmlns:p="http://schemas.openxmlformats.org/presentationml/2006/main">
   <p:cSld>
     <p:spTree>
       <p:nvGrpSpPr>
@@ -10752,8 +10732,8 @@
         </p:nvSpPr>
         <p:spPr>
           <a:xfrm rot="0">
-            <a:off x="4107815" y="444500"/>
-            <a:ext cx="3988435" cy="554990"/>
+            <a:off x="4332605" y="386715"/>
+            <a:ext cx="3539490" cy="554990"/>
           </a:xfrm>
           <a:prstGeom prst="rect"/>
           <a:noFill/>
@@ -10768,30 +10748,30 @@
           </a:bodyPr>
           <a:lstStyle/>
           <a:p>
-            <a:pPr marL="0" indent="0" algn="l" latinLnBrk="0" hangingPunct="1">
-              <a:buFontTx/>
-              <a:buNone/>
-            </a:pPr>
+            <a:pPr marL="0" indent="0" algn="ctr" latinLnBrk="0" hangingPunct="1">
+              <a:buFontTx/>
+              <a:buNone/>
+            </a:pPr>
+            <a:r>
+              <a:rPr lang="ko-KR" sz="2500" b="1">
+                <a:latin typeface="나눔바른고딕" charset="0"/>
+                <a:ea typeface="나눔바른고딕" charset="0"/>
+              </a:rPr>
+              <a:t>열다섯</a:t>
+            </a:r>
+            <a:r>
+              <a:rPr lang="ko-KR" sz="2500" b="1">
+                <a:latin typeface="나눔바른고딕" charset="0"/>
+                <a:ea typeface="나눔바른고딕" charset="0"/>
+              </a:rPr>
+              <a:t> 번째 튜토리얼</a:t>
+            </a:r>
             <a:r>
               <a:rPr lang="ko-KR" sz="3000" b="1">
                 <a:latin typeface="맑은 고딕" charset="0"/>
                 <a:ea typeface="맑은 고딕" charset="0"/>
               </a:rPr>
-              <a:t>열</a:t>
-            </a:r>
-            <a:r>
-              <a:rPr lang="ko-KR" sz="3000" b="1">
-                <a:latin typeface="맑은 고딕" charset="0"/>
-                <a:ea typeface="맑은 고딕" charset="0"/>
-              </a:rPr>
-              <a:t>다섯</a:t>
-            </a:r>
-            <a:r>
-              <a:rPr lang="ko-KR" sz="3000" b="1">
-                <a:latin typeface="맑은 고딕" charset="0"/>
-                <a:ea typeface="맑은 고딕" charset="0"/>
-              </a:rPr>
-              <a:t> 번째 튜토리얼 </a:t>
+              <a:t> </a:t>
             </a:r>
             <a:endParaRPr lang="ko-KR" altLang="en-US" sz="3000" b="1">
               <a:latin typeface="맑은 고딕" charset="0"/>
@@ -10802,7 +10782,7 @@
       </p:sp>
       <p:sp>
         <p:nvSpPr>
-          <p:cNvPr id="54" name="Rect 0"/>
+          <p:cNvPr id="103" name="Rect 0"/>
           <p:cNvSpPr txBox="1">
             <a:spLocks/>
           </p:cNvSpPr>
@@ -10810,8 +10790,8 @@
         </p:nvSpPr>
         <p:spPr>
           <a:xfrm rot="0">
-            <a:off x="6817360" y="5335270"/>
-            <a:ext cx="4349115" cy="923925"/>
+            <a:off x="1221105" y="2799715"/>
+            <a:ext cx="4148455" cy="923925"/>
           </a:xfrm>
           <a:prstGeom prst="rect"/>
           <a:noFill/>
@@ -10838,17 +10818,7 @@
                 <a:latin typeface="맑은 고딕" charset="0"/>
                 <a:ea typeface="맑은 고딕" charset="0"/>
               </a:rPr>
-              <a:t>3</a:t>
-            </a:r>
-            <a:r>
-              <a:rPr lang="ko-KR" sz="1800" b="1">
-                <a:solidFill>
-                  <a:srgbClr val="0611F2"/>
-                </a:solidFill>
-                <a:latin typeface="맑은 고딕" charset="0"/>
-                <a:ea typeface="맑은 고딕" charset="0"/>
-              </a:rPr>
-              <a:t>8</a:t>
+              <a:t>37</a:t>
             </a:r>
             <a:r>
               <a:rPr sz="1800" b="1">
@@ -10865,6 +10835,27 @@
                 <a:latin typeface="맑은 고딕" charset="0"/>
                 <a:ea typeface="맑은 고딕" charset="0"/>
               </a:rPr>
+              <a:t> 그리고</a:t>
+            </a:r>
+            <a:r>
+              <a:rPr lang="ko-KR" sz="1800">
+                <a:latin typeface="맑은 고딕" charset="0"/>
+                <a:ea typeface="맑은 고딕" charset="0"/>
+              </a:rPr>
+              <a:t> Animator Manager </a:t>
+            </a:r>
+            <a:r>
+              <a:rPr lang="ko-KR" sz="1800">
+                <a:latin typeface="맑은 고딕" charset="0"/>
+                <a:ea typeface="맑은 고딕" charset="0"/>
+              </a:rPr>
+              <a:t>오브젝트의</a:t>
+            </a:r>
+            <a:r>
+              <a:rPr lang="ko-KR" sz="1800">
+                <a:latin typeface="맑은 고딕" charset="0"/>
+                <a:ea typeface="맑은 고딕" charset="0"/>
+              </a:rPr>
               <a:t> </a:t>
             </a:r>
             <a:r>
@@ -10872,42 +10863,21 @@
                 <a:latin typeface="맑은 고딕" charset="0"/>
                 <a:ea typeface="맑은 고딕" charset="0"/>
               </a:rPr>
-              <a:t>그</a:t>
-            </a:r>
-            <a:r>
-              <a:rPr lang="ko-KR" sz="1800">
-                <a:latin typeface="맑은 고딕" charset="0"/>
-                <a:ea typeface="맑은 고딕" charset="0"/>
-              </a:rPr>
-              <a:t>리고</a:t>
-            </a:r>
-            <a:r>
-              <a:rPr lang="ko-KR" sz="1800">
-                <a:latin typeface="맑은 고딕" charset="0"/>
-                <a:ea typeface="맑은 고딕" charset="0"/>
-              </a:rPr>
-              <a:t> Animation</a:t>
-            </a:r>
-            <a:r>
-              <a:rPr lang="ko-KR" sz="1800">
-                <a:latin typeface="맑은 고딕" charset="0"/>
-                <a:ea typeface="맑은 고딕" charset="0"/>
-              </a:rPr>
-              <a:t> </a:t>
-            </a:r>
-            <a:r>
-              <a:rPr lang="ko-KR" sz="1800">
-                <a:latin typeface="맑은 고딕" charset="0"/>
-                <a:ea typeface="맑은 고딕" charset="0"/>
-              </a:rPr>
-              <a:t>Speed</a:t>
-            </a:r>
-            <a:r>
-              <a:rPr lang="ko-KR" sz="1800">
-                <a:latin typeface="맑은 고딕" charset="0"/>
-                <a:ea typeface="맑은 고딕" charset="0"/>
-              </a:rPr>
-              <a:t> Button의 이미지에 Texture 폴더에 있는 Switch Button 텍스처를 넣어줍니다.</a:t>
+              <a:t>위치와 회전 값을 </a:t>
+            </a:r>
+            <a:r>
+              <a:rPr lang="ko-KR" sz="1800">
+                <a:latin typeface="맑은 고딕" charset="0"/>
+                <a:ea typeface="맑은 고딕" charset="0"/>
+              </a:rPr>
+              <a:t>초기화합니</a:t>
+            </a:r>
+            <a:r>
+              <a:rPr lang="ko-KR" sz="1800">
+                <a:latin typeface="맑은 고딕" charset="0"/>
+                <a:ea typeface="맑은 고딕" charset="0"/>
+              </a:rPr>
+              <a:t>다.</a:t>
             </a:r>
             <a:endParaRPr lang="ko-KR" altLang="en-US" sz="1800">
               <a:latin typeface="맑은 고딕" charset="0"/>
@@ -10918,7 +10888,7 @@
       </p:sp>
       <p:sp>
         <p:nvSpPr>
-          <p:cNvPr id="106" name="Rect 0"/>
+          <p:cNvPr id="109" name="Rect 0"/>
           <p:cNvSpPr txBox="1">
             <a:spLocks/>
           </p:cNvSpPr>
@@ -10926,8 +10896,8 @@
         </p:nvSpPr>
         <p:spPr>
           <a:xfrm rot="0">
-            <a:off x="1116965" y="3956685"/>
-            <a:ext cx="4277995" cy="2308225"/>
+            <a:off x="1229995" y="5288280"/>
+            <a:ext cx="4156710" cy="923925"/>
           </a:xfrm>
           <a:prstGeom prst="rect"/>
           <a:noFill/>
@@ -10954,8 +10924,132 @@
                 <a:latin typeface="맑은 고딕" charset="0"/>
                 <a:ea typeface="맑은 고딕" charset="0"/>
               </a:rPr>
-              <a:t>3</a:t>
-            </a:r>
+              <a:t>38</a:t>
+            </a:r>
+            <a:r>
+              <a:rPr sz="1800" b="1">
+                <a:solidFill>
+                  <a:srgbClr val="0611F2"/>
+                </a:solidFill>
+                <a:latin typeface="맑은 고딕" charset="0"/>
+                <a:ea typeface="맑은 고딕" charset="0"/>
+              </a:rPr>
+              <a:t>.</a:t>
+            </a:r>
+            <a:r>
+              <a:rPr sz="1800">
+                <a:latin typeface="맑은 고딕" charset="0"/>
+                <a:ea typeface="맑은 고딕" charset="0"/>
+              </a:rPr>
+              <a:t> 그다음</a:t>
+            </a:r>
+            <a:r>
+              <a:rPr lang="ko-KR" sz="1800">
+                <a:latin typeface="맑은 고딕" charset="0"/>
+                <a:ea typeface="맑은 고딕" charset="0"/>
+              </a:rPr>
+              <a:t> Ch19_nonPBR </a:t>
+            </a:r>
+            <a:r>
+              <a:rPr lang="ko-KR" sz="1800">
+                <a:latin typeface="맑은 고딕" charset="0"/>
+                <a:ea typeface="맑은 고딕" charset="0"/>
+              </a:rPr>
+              <a:t>오브젝트에 </a:t>
+            </a:r>
+            <a:r>
+              <a:rPr lang="ko-KR" sz="1800">
+                <a:latin typeface="맑은 고딕" charset="0"/>
+                <a:ea typeface="맑은 고딕" charset="0"/>
+              </a:rPr>
+              <a:t>있는</a:t>
+            </a:r>
+            <a:r>
+              <a:rPr lang="ko-KR" sz="1800">
+                <a:latin typeface="맑은 고딕" charset="0"/>
+                <a:ea typeface="맑은 고딕" charset="0"/>
+              </a:rPr>
+              <a:t> </a:t>
+            </a:r>
+            <a:r>
+              <a:rPr lang="ko-KR" sz="1800">
+                <a:latin typeface="맑은 고딕" charset="0"/>
+                <a:ea typeface="맑은 고딕" charset="0"/>
+              </a:rPr>
+              <a:t>Animator의 Culling Mode를 Cull </a:t>
+            </a:r>
+            <a:r>
+              <a:rPr lang="ko-KR" sz="1800">
+                <a:latin typeface="맑은 고딕" charset="0"/>
+                <a:ea typeface="맑은 고딕" charset="0"/>
+              </a:rPr>
+              <a:t>C</a:t>
+            </a:r>
+            <a:r>
+              <a:rPr lang="ko-KR" sz="1800">
+                <a:latin typeface="맑은 고딕" charset="0"/>
+                <a:ea typeface="맑은 고딕" charset="0"/>
+              </a:rPr>
+              <a:t>ompletely</a:t>
+            </a:r>
+            <a:r>
+              <a:rPr lang="ko-KR" sz="1800">
+                <a:latin typeface="맑은 고딕" charset="0"/>
+                <a:ea typeface="맑은 고딕" charset="0"/>
+              </a:rPr>
+              <a:t>로</a:t>
+            </a:r>
+            <a:r>
+              <a:rPr lang="ko-KR" sz="1800">
+                <a:latin typeface="맑은 고딕" charset="0"/>
+                <a:ea typeface="맑은 고딕" charset="0"/>
+              </a:rPr>
+              <a:t> </a:t>
+            </a:r>
+            <a:r>
+              <a:rPr lang="ko-KR" sz="1800">
+                <a:latin typeface="맑은 고딕" charset="0"/>
+                <a:ea typeface="맑은 고딕" charset="0"/>
+              </a:rPr>
+              <a:t>설정합니다.</a:t>
+            </a:r>
+            <a:endParaRPr lang="ko-KR" altLang="en-US" sz="1800">
+              <a:latin typeface="맑은 고딕" charset="0"/>
+              <a:ea typeface="맑은 고딕" charset="0"/>
+            </a:endParaRPr>
+          </a:p>
+        </p:txBody>
+      </p:sp>
+      <p:sp>
+        <p:nvSpPr>
+          <p:cNvPr id="115" name="Rect 0"/>
+          <p:cNvSpPr txBox="1">
+            <a:spLocks/>
+          </p:cNvSpPr>
+          <p:nvPr/>
+        </p:nvSpPr>
+        <p:spPr>
+          <a:xfrm rot="0">
+            <a:off x="6814820" y="5293995"/>
+            <a:ext cx="4148455" cy="923925"/>
+          </a:xfrm>
+          <a:prstGeom prst="rect"/>
+          <a:noFill/>
+          <a:ln w="0">
+            <a:noFill/>
+            <a:prstDash/>
+          </a:ln>
+        </p:spPr>
+        <p:txBody>
+          <a:bodyPr wrap="square" lIns="89535" tIns="46355" rIns="89535" bIns="46355" numCol="1" vert="horz" anchor="t">
+            <a:spAutoFit/>
+          </a:bodyPr>
+          <a:lstStyle/>
+          <a:p>
+            <a:pPr marL="0" indent="0" rtl="0" algn="l" defTabSz="914400" eaLnBrk="1" latinLnBrk="0" hangingPunct="1">
+              <a:buFontTx/>
+              <a:buNone/>
+            </a:pPr>
             <a:r>
               <a:rPr lang="ko-KR" sz="1800" b="1">
                 <a:solidFill>
@@ -10964,7 +11058,17 @@
                 <a:latin typeface="맑은 고딕" charset="0"/>
                 <a:ea typeface="맑은 고딕" charset="0"/>
               </a:rPr>
-              <a:t>7</a:t>
+              <a:t>4</a:t>
+            </a:r>
+            <a:r>
+              <a:rPr lang="ko-KR" sz="1800" b="1">
+                <a:solidFill>
+                  <a:srgbClr val="0611F2"/>
+                </a:solidFill>
+                <a:latin typeface="맑은 고딕" charset="0"/>
+                <a:ea typeface="맑은 고딕" charset="0"/>
+              </a:rPr>
+              <a:t>0</a:t>
             </a:r>
             <a:r>
               <a:rPr sz="1800" b="1">
@@ -10981,62 +11085,56 @@
                 <a:latin typeface="맑은 고딕" charset="0"/>
                 <a:ea typeface="맑은 고딕" charset="0"/>
               </a:rPr>
-              <a:t> </a:t>
-            </a:r>
-            <a:r>
-              <a:rPr lang="ko-KR" sz="1800">
-                <a:latin typeface="맑은 고딕" charset="0"/>
-                <a:ea typeface="맑은 고딕" charset="0"/>
-              </a:rPr>
-              <a:t>마지막으로 함수를 호출할 때마다 data 클래스에 있는 speed 변수의 값을 증가시키고 10보다 크거나 같아졌을 때 다시 1로 초기화합니다.</a:t>
+              <a:t> 그러고 나서</a:t>
+            </a:r>
+            <a:r>
+              <a:rPr lang="ko-KR" sz="1800">
+                <a:latin typeface="맑은 고딕" charset="0"/>
+                <a:ea typeface="맑은 고딕" charset="0"/>
+              </a:rPr>
+              <a:t> Character Culling </a:t>
+            </a:r>
+            <a:r>
+              <a:rPr lang="ko-KR" sz="1800">
+                <a:latin typeface="맑은 고딕" charset="0"/>
+                <a:ea typeface="맑은 고딕" charset="0"/>
+              </a:rPr>
+              <a:t>Button</a:t>
+            </a:r>
+            <a:r>
+              <a:rPr lang="ko-KR" sz="1800">
+                <a:latin typeface="맑은 고딕" charset="0"/>
+                <a:ea typeface="맑은 고딕" charset="0"/>
+              </a:rPr>
+              <a:t> 오브젝트의 On Click( ) 함수를 </a:t>
+            </a:r>
+            <a:r>
+              <a:rPr lang="ko-KR" sz="1800">
+                <a:latin typeface="맑은 고딕" charset="0"/>
+                <a:ea typeface="맑은 고딕" charset="0"/>
+              </a:rPr>
+              <a:t>추가합니다.</a:t>
             </a:r>
             <a:endParaRPr lang="ko-KR" altLang="en-US" sz="1800">
               <a:latin typeface="맑은 고딕" charset="0"/>
               <a:ea typeface="맑은 고딕" charset="0"/>
             </a:endParaRPr>
           </a:p>
-          <a:p>
-            <a:pPr marL="0" indent="0" rtl="0" algn="l" defTabSz="914400" eaLnBrk="1" latinLnBrk="0" hangingPunct="1">
-              <a:buFontTx/>
-              <a:buNone/>
-            </a:pPr>
-            <a:endParaRPr lang="ko-KR" altLang="en-US" sz="1800">
-              <a:latin typeface="맑은 고딕" charset="0"/>
-              <a:ea typeface="맑은 고딕" charset="0"/>
-            </a:endParaRPr>
-          </a:p>
-          <a:p>
-            <a:pPr marL="0" indent="0" rtl="0" algn="l" defTabSz="914400" eaLnBrk="1" latinLnBrk="0" hangingPunct="1">
-              <a:buFontTx/>
-              <a:buNone/>
-            </a:pPr>
-            <a:r>
-              <a:rPr lang="ko-KR" sz="1800">
-                <a:latin typeface="맑은 고딕" charset="0"/>
-                <a:ea typeface="맑은 고딕" charset="0"/>
-              </a:rPr>
-              <a:t>그런 다음 data 클래스의 speed를 10으로 나누어 애니메이션의 속도로 설정합니다.</a:t>
-            </a:r>
-            <a:endParaRPr lang="ko-KR" altLang="en-US" sz="1800">
-              <a:latin typeface="맑은 고딕" charset="0"/>
-              <a:ea typeface="맑은 고딕" charset="0"/>
-            </a:endParaRPr>
-          </a:p>
         </p:txBody>
       </p:sp>
       <p:pic>
         <p:nvPicPr>
-          <p:cNvPr id="109" name="그림 7" descr="C:/Users/Admin1/AppData/Roaming/PolarisOffice/ETemp/20852_9486176/fImage80712926334.png"/>
+          <p:cNvPr id="116" name="그림 33" descr="C:/Users/Admin1/AppData/Roaming/PolarisOffice/ETemp/25668_19456376/fImage122043479358.png"/>
           <p:cNvPicPr>
             <a:picLocks noChangeAspect="1"/>
           </p:cNvPicPr>
           <p:nvPr/>
         </p:nvPicPr>
         <p:blipFill rotWithShape="1">
-          <a:blip r:embed="rId2" cstate="hqprint">
+          <a:blip r:embed="rId2" cstate="print">
             <a:extLst>
               <a:ext uri="{28A0092B-C50C-407E-A947-70E740481C1C}">
-                <a14:useLocalDpi xmlns:a14="http://schemas.microsoft.com/office/drawing/2010/main"/>
+                <a14:useLocalDpi xmlns:a14="http://schemas.microsoft.com/office/drawing/2010/main" val="0"/>
               </a:ext>
             </a:extLst>
           </a:blip>
@@ -11046,16 +11144,18 @@
         </p:blipFill>
         <p:spPr>
           <a:xfrm rot="0">
-            <a:off x="1115060" y="1400810"/>
-            <a:ext cx="4274185" cy="2414905"/>
-          </a:xfrm>
-          <a:prstGeom prst="rect"/>
-          <a:noFill/>
+            <a:off x="1229995" y="1454785"/>
+            <a:ext cx="4148455" cy="1238885"/>
+          </a:xfrm>
+          <a:prstGeom prst="roundRect"/>
+          <a:solidFill>
+            <a:srgbClr val="EDEDED"/>
+          </a:solidFill>
         </p:spPr>
       </p:pic>
       <p:pic>
         <p:nvPicPr>
-          <p:cNvPr id="110" name="그림 9"/>
+          <p:cNvPr id="117" name="그림 36" descr="C:/Users/Admin1/AppData/Roaming/PolarisOffice/ETemp/25668_19456376/fImage189593486962.png"/>
           <p:cNvPicPr>
             <a:picLocks noChangeAspect="1"/>
           </p:cNvPicPr>
@@ -11075,8 +11175,8 @@
         </p:blipFill>
         <p:spPr>
           <a:xfrm rot="0">
-            <a:off x="6831965" y="4264025"/>
-            <a:ext cx="4338320" cy="1029970"/>
+            <a:off x="1229995" y="3844925"/>
+            <a:ext cx="4156710" cy="1334135"/>
           </a:xfrm>
           <a:prstGeom prst="roundRect"/>
           <a:solidFill>
@@ -11086,14 +11186,45 @@
       </p:pic>
       <p:pic>
         <p:nvPicPr>
-          <p:cNvPr id="111" name="그림 12"/>
+          <p:cNvPr id="118" name="그림 40" descr="C:/Users/Admin1/AppData/Roaming/PolarisOffice/ETemp/25668_19456376/fImage30173514464.png"/>
           <p:cNvPicPr>
             <a:picLocks noChangeAspect="1"/>
           </p:cNvPicPr>
           <p:nvPr/>
         </p:nvPicPr>
         <p:blipFill rotWithShape="1">
-          <a:blip r:embed="rId4" cstate="print">
+          <a:blip r:embed="rId4" cstate="hqprint">
+            <a:extLst>
+              <a:ext uri="{28A0092B-C50C-407E-A947-70E740481C1C}">
+                <a14:useLocalDpi xmlns:a14="http://schemas.microsoft.com/office/drawing/2010/main"/>
+              </a:ext>
+            </a:extLst>
+          </a:blip>
+          <a:stretch>
+            <a:fillRect/>
+          </a:stretch>
+        </p:blipFill>
+        <p:spPr>
+          <a:xfrm rot="0">
+            <a:off x="8200390" y="1454785"/>
+            <a:ext cx="2763520" cy="1282065"/>
+          </a:xfrm>
+          <a:prstGeom prst="roundRect"/>
+          <a:solidFill>
+            <a:srgbClr val="EDEDED"/>
+          </a:solidFill>
+        </p:spPr>
+      </p:pic>
+      <p:pic>
+        <p:nvPicPr>
+          <p:cNvPr id="119" name="그림 41" descr="C:/Users/Admin1/AppData/Roaming/PolarisOffice/ETemp/25668_19456376/fImage121193525705.png"/>
+          <p:cNvPicPr>
+            <a:picLocks noChangeAspect="1"/>
+          </p:cNvPicPr>
+          <p:nvPr/>
+        </p:nvPicPr>
+        <p:blipFill rotWithShape="1">
+          <a:blip r:embed="rId5" cstate="print">
             <a:extLst>
               <a:ext uri="{28A0092B-C50C-407E-A947-70E740481C1C}">
                 <a14:useLocalDpi xmlns:a14="http://schemas.microsoft.com/office/drawing/2010/main" val="0"/>
@@ -11106,8 +11237,8 @@
         </p:blipFill>
         <p:spPr>
           <a:xfrm rot="0">
-            <a:off x="6823710" y="1374775"/>
-            <a:ext cx="4342765" cy="2699385"/>
+            <a:off x="6814820" y="1454785"/>
+            <a:ext cx="1282065" cy="1287780"/>
           </a:xfrm>
           <a:prstGeom prst="roundRect"/>
           <a:solidFill>
@@ -11115,39 +11246,167 @@
           </a:solidFill>
         </p:spPr>
       </p:pic>
-      <p:cxnSp>
-        <p:nvCxnSpPr>
-          <p:cNvPr id="112" name="도형 15"/>
-          <p:cNvCxnSpPr/>
+      <p:sp>
+        <p:nvSpPr>
+          <p:cNvPr id="120" name="텍스트 상자 44"/>
+          <p:cNvSpPr txBox="1">
+            <a:spLocks/>
+          </p:cNvSpPr>
           <p:nvPr/>
-        </p:nvCxnSpPr>
-        <p:spPr>
-          <a:xfrm rot="0" flipV="1">
-            <a:off x="10854055" y="1807845"/>
-            <a:ext cx="208280" cy="2681605"/>
-          </a:xfrm>
-          <a:prstGeom prst="straightConnector1"/>
-          <a:ln w="6350" cap="flat" cmpd="sng">
+        </p:nvSpPr>
+        <p:spPr>
+          <a:xfrm rot="0">
+            <a:off x="6823075" y="2854325"/>
+            <a:ext cx="4140200" cy="923925"/>
+          </a:xfrm>
+          <a:prstGeom prst="rect"/>
+          <a:noFill/>
+          <a:ln w="0">
+            <a:noFill/>
             <a:prstDash/>
-            <a:headEnd type="none" w="med" len="med"/>
-            <a:tailEnd type="triangle" w="med" len="med"/>
           </a:ln>
         </p:spPr>
-        <p:style>
-          <a:lnRef idx="1">
-            <a:schemeClr val="accent1"/>
-          </a:lnRef>
-          <a:fillRef idx="0">
-            <a:schemeClr val="accent1"/>
-          </a:fillRef>
-          <a:effectRef idx="0">
-            <a:schemeClr val="accent1"/>
-          </a:effectRef>
-          <a:fontRef idx="minor">
-            <a:schemeClr val="tx1"/>
-          </a:fontRef>
-        </p:style>
-      </p:cxnSp>
+        <p:txBody>
+          <a:bodyPr wrap="square" lIns="89535" tIns="46355" rIns="89535" bIns="46355" numCol="1" vert="horz" anchor="t">
+            <a:spAutoFit/>
+          </a:bodyPr>
+          <a:lstStyle/>
+          <a:p>
+            <a:pPr marL="0" indent="0" rtl="0" algn="l" defTabSz="914400" eaLnBrk="1" latinLnBrk="0" hangingPunct="1">
+              <a:buFontTx/>
+              <a:buNone/>
+            </a:pPr>
+            <a:r>
+              <a:rPr lang="ko-KR" sz="1800" b="1">
+                <a:solidFill>
+                  <a:srgbClr val="0611F2"/>
+                </a:solidFill>
+                <a:latin typeface="맑은 고딕" charset="0"/>
+                <a:ea typeface="맑은 고딕" charset="0"/>
+              </a:rPr>
+              <a:t>39</a:t>
+            </a:r>
+            <a:r>
+              <a:rPr sz="1800" b="1">
+                <a:solidFill>
+                  <a:srgbClr val="0611F2"/>
+                </a:solidFill>
+                <a:latin typeface="맑은 고딕" charset="0"/>
+                <a:ea typeface="맑은 고딕" charset="0"/>
+              </a:rPr>
+              <a:t>.</a:t>
+            </a:r>
+            <a:r>
+              <a:rPr sz="1800">
+                <a:latin typeface="맑은 고딕" charset="0"/>
+                <a:ea typeface="맑은 고딕" charset="0"/>
+              </a:rPr>
+              <a:t> 그런 다음</a:t>
+            </a:r>
+            <a:r>
+              <a:rPr lang="ko-KR" sz="1800">
+                <a:latin typeface="맑은 고딕" charset="0"/>
+                <a:ea typeface="맑은 고딕" charset="0"/>
+              </a:rPr>
+              <a:t> Animation Speed </a:t>
+            </a:r>
+            <a:r>
+              <a:rPr lang="ko-KR" sz="1800">
+                <a:latin typeface="맑은 고딕" charset="0"/>
+                <a:ea typeface="맑은 고딕" charset="0"/>
+              </a:rPr>
+              <a:t>Button</a:t>
+            </a:r>
+            <a:r>
+              <a:rPr lang="ko-KR" sz="1800">
+                <a:latin typeface="맑은 고딕" charset="0"/>
+                <a:ea typeface="맑은 고딕" charset="0"/>
+              </a:rPr>
+              <a:t> </a:t>
+            </a:r>
+            <a:r>
+              <a:rPr lang="ko-KR" sz="1800">
+                <a:latin typeface="맑은 고딕" charset="0"/>
+                <a:ea typeface="맑은 고딕" charset="0"/>
+              </a:rPr>
+              <a:t>오브젝트의 On Click( ) 함수를 </a:t>
+            </a:r>
+            <a:r>
+              <a:rPr lang="ko-KR" sz="1800">
+                <a:latin typeface="맑은 고딕" charset="0"/>
+                <a:ea typeface="맑은 고딕" charset="0"/>
+              </a:rPr>
+              <a:t>추가합니다.</a:t>
+            </a:r>
+            <a:endParaRPr lang="ko-KR" altLang="en-US" sz="1800">
+              <a:latin typeface="맑은 고딕" charset="0"/>
+              <a:ea typeface="맑은 고딕" charset="0"/>
+            </a:endParaRPr>
+          </a:p>
+        </p:txBody>
+      </p:sp>
+      <p:pic>
+        <p:nvPicPr>
+          <p:cNvPr id="121" name="그림 45" descr="C:/Users/Admin1/AppData/Roaming/PolarisOffice/ETemp/25668_19456376/fImage120483548145.png"/>
+          <p:cNvPicPr>
+            <a:picLocks noChangeAspect="1"/>
+          </p:cNvPicPr>
+          <p:nvPr/>
+        </p:nvPicPr>
+        <p:blipFill rotWithShape="1">
+          <a:blip r:embed="rId6" cstate="print">
+            <a:extLst>
+              <a:ext uri="{28A0092B-C50C-407E-A947-70E740481C1C}">
+                <a14:useLocalDpi xmlns:a14="http://schemas.microsoft.com/office/drawing/2010/main" val="0"/>
+              </a:ext>
+            </a:extLst>
+          </a:blip>
+          <a:stretch>
+            <a:fillRect/>
+          </a:stretch>
+        </p:blipFill>
+        <p:spPr>
+          <a:xfrm rot="0">
+            <a:off x="6823710" y="3904615"/>
+            <a:ext cx="1264920" cy="1282700"/>
+          </a:xfrm>
+          <a:prstGeom prst="roundRect"/>
+          <a:solidFill>
+            <a:srgbClr val="EDEDED"/>
+          </a:solidFill>
+        </p:spPr>
+      </p:pic>
+      <p:pic>
+        <p:nvPicPr>
+          <p:cNvPr id="122" name="그림 48" descr="C:/Users/Admin1/AppData/Roaming/PolarisOffice/ETemp/25668_19456376/fImage30173553281.png"/>
+          <p:cNvPicPr>
+            <a:picLocks noChangeAspect="1"/>
+          </p:cNvPicPr>
+          <p:nvPr/>
+        </p:nvPicPr>
+        <p:blipFill rotWithShape="1">
+          <a:blip r:embed="rId7" cstate="hqprint">
+            <a:extLst>
+              <a:ext uri="{28A0092B-C50C-407E-A947-70E740481C1C}">
+                <a14:useLocalDpi xmlns:a14="http://schemas.microsoft.com/office/drawing/2010/main"/>
+              </a:ext>
+            </a:extLst>
+          </a:blip>
+          <a:stretch>
+            <a:fillRect/>
+          </a:stretch>
+        </p:blipFill>
+        <p:spPr>
+          <a:xfrm rot="0">
+            <a:off x="8200390" y="3905250"/>
+            <a:ext cx="2762885" cy="1292860"/>
+          </a:xfrm>
+          <a:prstGeom prst="roundRect"/>
+          <a:solidFill>
+            <a:srgbClr val="EDEDED"/>
+          </a:solidFill>
+        </p:spPr>
+      </p:pic>
     </p:spTree>
   </p:cSld>
   <p:clrMapOvr>
@@ -11198,8 +11457,8 @@
         </p:nvSpPr>
         <p:spPr>
           <a:xfrm rot="0">
-            <a:off x="4107815" y="444500"/>
-            <a:ext cx="3988435" cy="554990"/>
+            <a:off x="4107815" y="367030"/>
+            <a:ext cx="3990340" cy="554990"/>
           </a:xfrm>
           <a:prstGeom prst="rect"/>
           <a:noFill/>
@@ -11214,30 +11473,30 @@
           </a:bodyPr>
           <a:lstStyle/>
           <a:p>
-            <a:pPr marL="0" indent="0" algn="l" latinLnBrk="0" hangingPunct="1">
-              <a:buFontTx/>
-              <a:buNone/>
-            </a:pPr>
+            <a:pPr marL="0" indent="0" algn="ctr" latinLnBrk="0" hangingPunct="1">
+              <a:buFontTx/>
+              <a:buNone/>
+            </a:pPr>
+            <a:r>
+              <a:rPr lang="ko-KR" sz="2500" b="1">
+                <a:latin typeface="나눔바른고딕" charset="0"/>
+                <a:ea typeface="나눔바른고딕" charset="0"/>
+              </a:rPr>
+              <a:t>열여섯</a:t>
+            </a:r>
+            <a:r>
+              <a:rPr lang="ko-KR" sz="2500" b="1">
+                <a:latin typeface="나눔바른고딕" charset="0"/>
+                <a:ea typeface="나눔바른고딕" charset="0"/>
+              </a:rPr>
+              <a:t> 번째 튜토리얼</a:t>
+            </a:r>
             <a:r>
               <a:rPr lang="ko-KR" sz="3000" b="1">
                 <a:latin typeface="맑은 고딕" charset="0"/>
                 <a:ea typeface="맑은 고딕" charset="0"/>
               </a:rPr>
-              <a:t>열</a:t>
-            </a:r>
-            <a:r>
-              <a:rPr lang="ko-KR" sz="3000" b="1">
-                <a:latin typeface="맑은 고딕" charset="0"/>
-                <a:ea typeface="맑은 고딕" charset="0"/>
-              </a:rPr>
-              <a:t>여섯</a:t>
-            </a:r>
-            <a:r>
-              <a:rPr lang="ko-KR" sz="3000" b="1">
-                <a:latin typeface="맑은 고딕" charset="0"/>
-                <a:ea typeface="맑은 고딕" charset="0"/>
-              </a:rPr>
-              <a:t> 번째 튜토리얼 </a:t>
+              <a:t> </a:t>
             </a:r>
             <a:endParaRPr lang="ko-KR" altLang="en-US" sz="3000" b="1">
               <a:latin typeface="맑은 고딕" charset="0"/>
@@ -11248,7 +11507,7 @@
       </p:sp>
       <p:sp>
         <p:nvSpPr>
-          <p:cNvPr id="106" name="Rect 0"/>
+          <p:cNvPr id="128" name="텍스트 상자 7"/>
           <p:cNvSpPr txBox="1">
             <a:spLocks/>
           </p:cNvSpPr>
@@ -11256,8 +11515,8 @@
         </p:nvSpPr>
         <p:spPr>
           <a:xfrm rot="0">
-            <a:off x="1116965" y="2875280"/>
-            <a:ext cx="4280535" cy="923925"/>
+            <a:off x="1247140" y="4972050"/>
+            <a:ext cx="4131310" cy="1200785"/>
           </a:xfrm>
           <a:prstGeom prst="rect"/>
           <a:noFill/>
@@ -11284,17 +11543,7 @@
                 <a:latin typeface="맑은 고딕" charset="0"/>
                 <a:ea typeface="맑은 고딕" charset="0"/>
               </a:rPr>
-              <a:t>3</a:t>
-            </a:r>
-            <a:r>
-              <a:rPr lang="ko-KR" sz="1800" b="1">
-                <a:solidFill>
-                  <a:srgbClr val="0611F2"/>
-                </a:solidFill>
-                <a:latin typeface="맑은 고딕" charset="0"/>
-                <a:ea typeface="맑은 고딕" charset="0"/>
-              </a:rPr>
-              <a:t>9</a:t>
+              <a:t>42</a:t>
             </a:r>
             <a:r>
               <a:rPr sz="1800" b="1">
@@ -11318,7 +11567,77 @@
                 <a:latin typeface="맑은 고딕" charset="0"/>
                 <a:ea typeface="맑은 고딕" charset="0"/>
               </a:rPr>
-              <a:t>그다음으로 Animation Control 오브젝트에 있는 Animation Speed 스크립트에 각각의 속성을 넣어줍니다.</a:t>
+              <a:t>그리고 AnimationManager </a:t>
+            </a:r>
+            <a:r>
+              <a:rPr lang="ko-KR" sz="1800">
+                <a:latin typeface="맑은 고딕" charset="0"/>
+                <a:ea typeface="맑은 고딕" charset="0"/>
+              </a:rPr>
+              <a:t>스크립트에서</a:t>
+            </a:r>
+            <a:r>
+              <a:rPr lang="ko-KR" sz="1800">
+                <a:latin typeface="맑은 고딕" charset="0"/>
+                <a:ea typeface="맑은 고딕" charset="0"/>
+              </a:rPr>
+              <a:t> </a:t>
+            </a:r>
+            <a:r>
+              <a:rPr lang="ko-KR" sz="1800">
+                <a:latin typeface="맑은 고딕" charset="0"/>
+                <a:ea typeface="맑은 고딕" charset="0"/>
+              </a:rPr>
+              <a:t>bool 변수를 선언한 </a:t>
+            </a:r>
+            <a:r>
+              <a:rPr lang="ko-KR" sz="1800">
+                <a:latin typeface="맑은 고딕" charset="0"/>
+                <a:ea typeface="맑은 고딕" charset="0"/>
+              </a:rPr>
+              <a:t>다음</a:t>
+            </a:r>
+            <a:r>
+              <a:rPr lang="ko-KR" sz="1800">
+                <a:latin typeface="맑은 고딕" charset="0"/>
+                <a:ea typeface="맑은 고딕" charset="0"/>
+              </a:rPr>
+              <a:t> </a:t>
+            </a:r>
+            <a:r>
+              <a:rPr lang="ko-KR" sz="1800">
+                <a:latin typeface="맑은 고딕" charset="0"/>
+                <a:ea typeface="맑은 고딕" charset="0"/>
+              </a:rPr>
+              <a:t>float 변수와 Animator 변수를 </a:t>
+            </a:r>
+            <a:r>
+              <a:rPr lang="ko-KR" sz="1800">
+                <a:latin typeface="맑은 고딕" charset="0"/>
+                <a:ea typeface="맑은 고딕" charset="0"/>
+              </a:rPr>
+              <a:t>배열</a:t>
+            </a:r>
+            <a:r>
+              <a:rPr lang="ko-KR" sz="1800">
+                <a:latin typeface="맑은 고딕" charset="0"/>
+                <a:ea typeface="맑은 고딕" charset="0"/>
+              </a:rPr>
+              <a:t>로</a:t>
+            </a:r>
+            <a:r>
+              <a:rPr lang="ko-KR" sz="1800">
+                <a:latin typeface="맑은 고딕" charset="0"/>
+                <a:ea typeface="맑은 고딕" charset="0"/>
+              </a:rPr>
+              <a:t> </a:t>
+            </a:r>
+            <a:r>
+              <a:rPr lang="ko-KR" sz="1800">
+                <a:latin typeface="맑은 고딕" charset="0"/>
+                <a:ea typeface="맑은 고딕" charset="0"/>
+              </a:rPr>
+              <a:t>선언합니다.</a:t>
             </a:r>
             <a:endParaRPr lang="ko-KR" altLang="en-US" sz="1800">
               <a:latin typeface="맑은 고딕" charset="0"/>
@@ -11329,232 +11648,7 @@
       </p:sp>
       <p:pic>
         <p:nvPicPr>
-          <p:cNvPr id="113" name="그림 16"/>
-          <p:cNvPicPr>
-            <a:picLocks noChangeAspect="1"/>
-          </p:cNvPicPr>
-          <p:nvPr/>
-        </p:nvPicPr>
-        <p:blipFill rotWithShape="1">
-          <a:blip r:embed="rId2" cstate="print">
-            <a:extLst>
-              <a:ext uri="{28A0092B-C50C-407E-A947-70E740481C1C}">
-                <a14:useLocalDpi xmlns:a14="http://schemas.microsoft.com/office/drawing/2010/main" val="0"/>
-              </a:ext>
-            </a:extLst>
-          </a:blip>
-          <a:stretch>
-            <a:fillRect/>
-          </a:stretch>
-        </p:blipFill>
-        <p:spPr>
-          <a:xfrm rot="0">
-            <a:off x="2646680" y="1374775"/>
-            <a:ext cx="2753360" cy="1419225"/>
-          </a:xfrm>
-          <a:prstGeom prst="roundRect"/>
-          <a:solidFill>
-            <a:srgbClr val="EDEDED"/>
-          </a:solidFill>
-        </p:spPr>
-      </p:pic>
-      <p:pic>
-        <p:nvPicPr>
-          <p:cNvPr id="114" name="그림 22"/>
-          <p:cNvPicPr>
-            <a:picLocks noChangeAspect="1"/>
-          </p:cNvPicPr>
-          <p:nvPr/>
-        </p:nvPicPr>
-        <p:blipFill rotWithShape="1">
-          <a:blip r:embed="rId3" cstate="print">
-            <a:extLst>
-              <a:ext uri="{28A0092B-C50C-407E-A947-70E740481C1C}">
-                <a14:useLocalDpi xmlns:a14="http://schemas.microsoft.com/office/drawing/2010/main" val="0"/>
-              </a:ext>
-            </a:extLst>
-          </a:blip>
-          <a:stretch>
-            <a:fillRect/>
-          </a:stretch>
-        </p:blipFill>
-        <p:spPr>
-          <a:xfrm rot="0">
-            <a:off x="1115695" y="1386840"/>
-            <a:ext cx="1384300" cy="1394460"/>
-          </a:xfrm>
-          <a:prstGeom prst="roundRect"/>
-          <a:solidFill>
-            <a:srgbClr val="EDEDED"/>
-          </a:solidFill>
-        </p:spPr>
-      </p:pic>
-      <p:cxnSp>
-        <p:nvCxnSpPr>
-          <p:cNvPr id="115" name="도형 27"/>
-          <p:cNvCxnSpPr/>
-          <p:nvPr/>
-        </p:nvCxnSpPr>
-        <p:spPr>
-          <a:xfrm rot="0">
-            <a:off x="1971675" y="1816100"/>
-            <a:ext cx="3365500" cy="675005"/>
-          </a:xfrm>
-          <a:prstGeom prst="straightConnector1"/>
-          <a:ln w="6350" cap="flat" cmpd="sng">
-            <a:prstDash/>
-            <a:headEnd type="none" w="med" len="med"/>
-            <a:tailEnd type="triangle" w="med" len="med"/>
-          </a:ln>
-        </p:spPr>
-        <p:style>
-          <a:lnRef idx="1">
-            <a:schemeClr val="accent1"/>
-          </a:lnRef>
-          <a:fillRef idx="0">
-            <a:schemeClr val="accent1"/>
-          </a:fillRef>
-          <a:effectRef idx="0">
-            <a:schemeClr val="accent1"/>
-          </a:effectRef>
-          <a:fontRef idx="minor">
-            <a:schemeClr val="tx1"/>
-          </a:fontRef>
-        </p:style>
-      </p:cxnSp>
-      <p:cxnSp>
-        <p:nvCxnSpPr>
-          <p:cNvPr id="116" name="도형 28"/>
-          <p:cNvCxnSpPr/>
-          <p:nvPr/>
-        </p:nvCxnSpPr>
-        <p:spPr>
-          <a:xfrm rot="0">
-            <a:off x="1980565" y="1946275"/>
-            <a:ext cx="3356610" cy="718185"/>
-          </a:xfrm>
-          <a:prstGeom prst="straightConnector1"/>
-          <a:ln w="6350" cap="flat" cmpd="sng">
-            <a:prstDash/>
-            <a:headEnd type="none" w="med" len="med"/>
-            <a:tailEnd type="triangle" w="med" len="med"/>
-          </a:ln>
-        </p:spPr>
-        <p:style>
-          <a:lnRef idx="1">
-            <a:schemeClr val="accent1"/>
-          </a:lnRef>
-          <a:fillRef idx="0">
-            <a:schemeClr val="accent1"/>
-          </a:fillRef>
-          <a:effectRef idx="0">
-            <a:schemeClr val="accent1"/>
-          </a:effectRef>
-          <a:fontRef idx="minor">
-            <a:schemeClr val="tx1"/>
-          </a:fontRef>
-        </p:style>
-      </p:cxnSp>
-      <p:cxnSp>
-        <p:nvCxnSpPr>
-          <p:cNvPr id="117" name="도형 29"/>
-          <p:cNvCxnSpPr/>
-          <p:nvPr/>
-        </p:nvCxnSpPr>
-        <p:spPr>
-          <a:xfrm rot="0" flipV="1">
-            <a:off x="1937385" y="1997710"/>
-            <a:ext cx="3399790" cy="86995"/>
-          </a:xfrm>
-          <a:prstGeom prst="straightConnector1"/>
-          <a:ln w="6350" cap="flat" cmpd="sng">
-            <a:prstDash/>
-            <a:headEnd type="none" w="med" len="med"/>
-            <a:tailEnd type="triangle" w="med" len="med"/>
-          </a:ln>
-        </p:spPr>
-        <p:style>
-          <a:lnRef idx="1">
-            <a:schemeClr val="accent1"/>
-          </a:lnRef>
-          <a:fillRef idx="0">
-            <a:schemeClr val="accent1"/>
-          </a:fillRef>
-          <a:effectRef idx="0">
-            <a:schemeClr val="accent1"/>
-          </a:effectRef>
-          <a:fontRef idx="minor">
-            <a:schemeClr val="tx1"/>
-          </a:fontRef>
-        </p:style>
-      </p:cxnSp>
-      <p:cxnSp>
-        <p:nvCxnSpPr>
-          <p:cNvPr id="118" name="도형 30"/>
-          <p:cNvCxnSpPr/>
-          <p:nvPr/>
-        </p:nvCxnSpPr>
-        <p:spPr>
-          <a:xfrm rot="0" flipV="1">
-            <a:off x="2473325" y="1824990"/>
-            <a:ext cx="2863850" cy="623570"/>
-          </a:xfrm>
-          <a:prstGeom prst="straightConnector1"/>
-          <a:ln w="6350" cap="flat" cmpd="sng">
-            <a:prstDash/>
-            <a:headEnd type="none" w="med" len="med"/>
-            <a:tailEnd type="triangle" w="med" len="med"/>
-          </a:ln>
-        </p:spPr>
-        <p:style>
-          <a:lnRef idx="1">
-            <a:schemeClr val="accent1"/>
-          </a:lnRef>
-          <a:fillRef idx="0">
-            <a:schemeClr val="accent1"/>
-          </a:fillRef>
-          <a:effectRef idx="0">
-            <a:schemeClr val="accent1"/>
-          </a:effectRef>
-          <a:fontRef idx="minor">
-            <a:schemeClr val="tx1"/>
-          </a:fontRef>
-        </p:style>
-      </p:cxnSp>
-      <p:pic>
-        <p:nvPicPr>
-          <p:cNvPr id="119" name="그림 32"/>
-          <p:cNvPicPr>
-            <a:picLocks noChangeAspect="1"/>
-          </p:cNvPicPr>
-          <p:nvPr/>
-        </p:nvPicPr>
-        <p:blipFill rotWithShape="1">
-          <a:blip r:embed="rId4" cstate="hqprint">
-            <a:extLst>
-              <a:ext uri="{28A0092B-C50C-407E-A947-70E740481C1C}">
-                <a14:useLocalDpi xmlns:a14="http://schemas.microsoft.com/office/drawing/2010/main"/>
-              </a:ext>
-            </a:extLst>
-          </a:blip>
-          <a:stretch>
-            <a:fillRect/>
-          </a:stretch>
-        </p:blipFill>
-        <p:spPr>
-          <a:xfrm rot="0">
-            <a:off x="8260715" y="1375410"/>
-            <a:ext cx="2820670" cy="1297940"/>
-          </a:xfrm>
-          <a:prstGeom prst="roundRect"/>
-          <a:solidFill>
-            <a:srgbClr val="EDEDED"/>
-          </a:solidFill>
-        </p:spPr>
-      </p:pic>
-      <p:pic>
-        <p:nvPicPr>
-          <p:cNvPr id="120" name="그림 33"/>
+          <p:cNvPr id="129" name="그림 1" descr="C:/Users/Admin1/AppData/Roaming/PolarisOffice/ETemp/25668_19456376/fImage18096424741.png"/>
           <p:cNvPicPr>
             <a:picLocks noChangeAspect="1"/>
           </p:cNvPicPr>
@@ -11574,8 +11668,8 @@
         </p:blipFill>
         <p:spPr>
           <a:xfrm rot="0">
-            <a:off x="8269605" y="2871470"/>
-            <a:ext cx="2811145" cy="1306830"/>
+            <a:off x="6808470" y="1463040"/>
+            <a:ext cx="4146550" cy="3576320"/>
           </a:xfrm>
           <a:prstGeom prst="roundRect"/>
           <a:solidFill>
@@ -11583,9 +11677,98 @@
           </a:solidFill>
         </p:spPr>
       </p:pic>
+      <p:sp>
+        <p:nvSpPr>
+          <p:cNvPr id="130" name="텍스트 상자 4"/>
+          <p:cNvSpPr txBox="1">
+            <a:spLocks/>
+          </p:cNvSpPr>
+          <p:nvPr/>
+        </p:nvSpPr>
+        <p:spPr>
+          <a:xfrm rot="0">
+            <a:off x="6805930" y="5248910"/>
+            <a:ext cx="4131945" cy="924560"/>
+          </a:xfrm>
+          <a:prstGeom prst="rect"/>
+          <a:noFill/>
+          <a:ln w="0">
+            <a:noFill/>
+            <a:prstDash/>
+          </a:ln>
+        </p:spPr>
+        <p:txBody>
+          <a:bodyPr wrap="square" lIns="89535" tIns="46355" rIns="89535" bIns="46355" numCol="1" vert="horz" anchor="t">
+            <a:spAutoFit/>
+          </a:bodyPr>
+          <a:lstStyle/>
+          <a:p>
+            <a:pPr marL="0" indent="0" rtl="0" algn="l" defTabSz="914400" eaLnBrk="1" latinLnBrk="0" hangingPunct="1">
+              <a:buFontTx/>
+              <a:buNone/>
+            </a:pPr>
+            <a:r>
+              <a:rPr lang="ko-KR" sz="1800">
+                <a:latin typeface="맑은 고딕" charset="0"/>
+                <a:ea typeface="맑은 고딕" charset="0"/>
+              </a:rPr>
+              <a:t>애니메이션</a:t>
+            </a:r>
+            <a:r>
+              <a:rPr lang="ko-KR" sz="1800">
+                <a:latin typeface="맑은 고딕" charset="0"/>
+                <a:ea typeface="맑은 고딕" charset="0"/>
+              </a:rPr>
+              <a:t> 리타켓팅이란?</a:t>
+            </a:r>
+            <a:endParaRPr lang="ko-KR" altLang="en-US" sz="1800">
+              <a:latin typeface="맑은 고딕" charset="0"/>
+              <a:ea typeface="맑은 고딕" charset="0"/>
+            </a:endParaRPr>
+          </a:p>
+          <a:p>
+            <a:pPr marL="0" indent="0" rtl="0" algn="l" defTabSz="914400" eaLnBrk="1" latinLnBrk="0" hangingPunct="1">
+              <a:buFontTx/>
+              <a:buNone/>
+            </a:pPr>
+            <a:r>
+              <a:rPr lang="ko-KR" sz="1800">
+                <a:latin typeface="맑은 고딕" charset="0"/>
+                <a:ea typeface="맑은 고딕" charset="0"/>
+              </a:rPr>
+              <a:t>같은</a:t>
+            </a:r>
+            <a:r>
+              <a:rPr lang="ko-KR" sz="1800">
+                <a:latin typeface="맑은 고딕" charset="0"/>
+                <a:ea typeface="맑은 고딕" charset="0"/>
+              </a:rPr>
+              <a:t> 애니메이션을 다양한 캐릭터 </a:t>
+            </a:r>
+            <a:r>
+              <a:rPr lang="ko-KR" sz="1800">
+                <a:latin typeface="맑은 고딕" charset="0"/>
+                <a:ea typeface="맑은 고딕" charset="0"/>
+              </a:rPr>
+              <a:t>모델에</a:t>
+            </a:r>
+            <a:r>
+              <a:rPr lang="ko-KR" sz="1800">
+                <a:latin typeface="맑은 고딕" charset="0"/>
+                <a:ea typeface="맑은 고딕" charset="0"/>
+              </a:rPr>
+              <a:t> 동시에 적용하는 기법입니다.</a:t>
+            </a:r>
+            <a:endParaRPr lang="ko-KR" altLang="en-US" sz="1800">
+              <a:latin typeface="맑은 고딕" charset="0"/>
+              <a:ea typeface="맑은 고딕" charset="0"/>
+            </a:endParaRPr>
+          </a:p>
+        </p:txBody>
+      </p:sp>
       <p:pic>
         <p:nvPicPr>
-          <p:cNvPr id="121" name="그림 34"/>
+          <p:cNvPr id="131" name="그림 49" descr="C:/Users/Admin1/AppData/Roaming/PolarisOffice/ETemp/25668_19456376/fImage552443566827.png"/>
           <p:cNvPicPr>
             <a:picLocks noChangeAspect="1"/>
           </p:cNvPicPr>
@@ -11605,8 +11788,8 @@
         </p:blipFill>
         <p:spPr>
           <a:xfrm rot="0">
-            <a:off x="6806565" y="1366520"/>
-            <a:ext cx="1332865" cy="2820035"/>
+            <a:off x="1247140" y="3714750"/>
+            <a:ext cx="4139565" cy="1169035"/>
           </a:xfrm>
           <a:prstGeom prst="roundRect"/>
           <a:solidFill>
@@ -11614,210 +11797,47 @@
           </a:solidFill>
         </p:spPr>
       </p:pic>
-      <p:cxnSp>
-        <p:nvCxnSpPr>
-          <p:cNvPr id="122" name="도형 37"/>
-          <p:cNvCxnSpPr/>
-          <p:nvPr/>
-        </p:nvCxnSpPr>
-        <p:spPr>
-          <a:xfrm rot="0" flipV="1">
-            <a:off x="7740650" y="3658235"/>
-            <a:ext cx="1341120" cy="294640"/>
-          </a:xfrm>
-          <a:prstGeom prst="straightConnector1"/>
-          <a:ln w="6350" cap="flat" cmpd="sng">
-            <a:prstDash/>
-            <a:headEnd type="none" w="med" len="med"/>
-            <a:tailEnd type="triangle" w="med" len="med"/>
-          </a:ln>
-        </p:spPr>
-        <p:style>
-          <a:lnRef idx="1">
-            <a:schemeClr val="accent1"/>
-          </a:lnRef>
-          <a:fillRef idx="0">
-            <a:schemeClr val="accent1"/>
-          </a:fillRef>
-          <a:effectRef idx="0">
-            <a:schemeClr val="accent1"/>
-          </a:effectRef>
-          <a:fontRef idx="minor">
-            <a:schemeClr val="tx1"/>
-          </a:fontRef>
-        </p:style>
-      </p:cxnSp>
-      <p:sp>
-        <p:nvSpPr>
-          <p:cNvPr id="123" name="텍스트 상자 38"/>
-          <p:cNvSpPr txBox="1">
-            <a:spLocks/>
-          </p:cNvSpPr>
-          <p:nvPr/>
-        </p:nvSpPr>
-        <p:spPr>
-          <a:xfrm rot="0">
-            <a:off x="6806565" y="4330065"/>
-            <a:ext cx="4282440" cy="1754505"/>
-          </a:xfrm>
-          <a:prstGeom prst="rect"/>
-          <a:noFill/>
-          <a:ln w="0">
-            <a:noFill/>
-            <a:prstDash/>
-          </a:ln>
-        </p:spPr>
-        <p:txBody>
-          <a:bodyPr wrap="square" lIns="89535" tIns="46355" rIns="89535" bIns="46355" vert="horz" anchor="t">
-            <a:spAutoFit/>
-          </a:bodyPr>
-          <a:lstStyle/>
-          <a:p>
-            <a:pPr marL="0" indent="0" rtl="0" algn="l" defTabSz="914400" eaLnBrk="1" latinLnBrk="0" hangingPunct="1">
-              <a:buFontTx/>
-              <a:buNone/>
-            </a:pPr>
-            <a:r>
-              <a:rPr sz="1800" b="1">
-                <a:solidFill>
-                  <a:srgbClr val="0611F2"/>
-                </a:solidFill>
-                <a:latin typeface="맑은 고딕" charset="0"/>
-                <a:ea typeface="맑은 고딕" charset="0"/>
-              </a:rPr>
-              <a:t>41</a:t>
-            </a:r>
-            <a:r>
-              <a:rPr sz="1800" b="1">
-                <a:solidFill>
-                  <a:srgbClr val="0611F2"/>
-                </a:solidFill>
-                <a:latin typeface="맑은 고딕" charset="0"/>
-                <a:ea typeface="맑은 고딕" charset="0"/>
-              </a:rPr>
-              <a:t>.</a:t>
-            </a:r>
-            <a:r>
-              <a:rPr sz="1800">
-                <a:latin typeface="맑은 고딕" charset="0"/>
-                <a:ea typeface="맑은 고딕" charset="0"/>
-              </a:rPr>
-              <a:t> </a:t>
-            </a:r>
-            <a:r>
-              <a:rPr sz="1800">
-                <a:latin typeface="맑은 고딕" charset="0"/>
-                <a:ea typeface="맑은 고딕" charset="0"/>
-              </a:rPr>
-              <a:t>마지막으</a:t>
-            </a:r>
-            <a:r>
-              <a:rPr lang="ko-KR" sz="1800">
-                <a:latin typeface="맑은 고딕" charset="0"/>
-                <a:ea typeface="맑은 고딕" charset="0"/>
-              </a:rPr>
-              <a:t>로</a:t>
-            </a:r>
-            <a:r>
-              <a:rPr sz="1800">
-                <a:latin typeface="맑은 고딕" charset="0"/>
-                <a:ea typeface="맑은 고딕" charset="0"/>
-              </a:rPr>
-              <a:t> </a:t>
-            </a:r>
-            <a:r>
-              <a:rPr lang="ko-KR" sz="1800">
-                <a:latin typeface="맑은 고딕" charset="0"/>
-                <a:ea typeface="맑은 고딕" charset="0"/>
-              </a:rPr>
-              <a:t>Animation Speed Button</a:t>
-            </a:r>
-            <a:r>
-              <a:rPr sz="1800">
-                <a:latin typeface="맑은 고딕" charset="0"/>
-                <a:ea typeface="맑은 고딕" charset="0"/>
-              </a:rPr>
-              <a:t>의 On Click( ) 함수를 생성합니다.</a:t>
-            </a:r>
-            <a:endParaRPr lang="ko-KR" altLang="en-US" sz="1800">
-              <a:latin typeface="맑은 고딕" charset="0"/>
-              <a:ea typeface="맑은 고딕" charset="0"/>
-            </a:endParaRPr>
-          </a:p>
-          <a:p>
-            <a:pPr marL="0" indent="0" rtl="0" algn="l" defTabSz="914400" eaLnBrk="1" latinLnBrk="0" hangingPunct="1">
-              <a:buFontTx/>
-              <a:buNone/>
-            </a:pPr>
-            <a:endParaRPr lang="ko-KR" altLang="en-US" sz="1800">
-              <a:latin typeface="맑은 고딕" charset="0"/>
-              <a:ea typeface="맑은 고딕" charset="0"/>
-            </a:endParaRPr>
-          </a:p>
-          <a:p>
-            <a:pPr marL="0" indent="0" rtl="0" algn="l" defTabSz="914400" eaLnBrk="1" latinLnBrk="0" hangingPunct="1">
-              <a:buFontTx/>
-              <a:buNone/>
-            </a:pPr>
-            <a:r>
-              <a:rPr sz="1800">
-                <a:latin typeface="맑은 고딕" charset="0"/>
-                <a:ea typeface="맑은 고딕" charset="0"/>
-              </a:rPr>
-              <a:t>그런 다음 </a:t>
-            </a:r>
-            <a:r>
-              <a:rPr lang="ko-KR" sz="1800">
-                <a:latin typeface="맑은 고딕" charset="0"/>
-                <a:ea typeface="맑은 고딕" charset="0"/>
-              </a:rPr>
-              <a:t>Animation Speed Button</a:t>
-            </a:r>
-            <a:r>
-              <a:rPr sz="1800">
-                <a:latin typeface="맑은 고딕" charset="0"/>
-                <a:ea typeface="맑은 고딕" charset="0"/>
-              </a:rPr>
-              <a:t>에 있는 On Click( ) 함수에 </a:t>
-            </a:r>
-            <a:r>
-              <a:rPr sz="1800">
-                <a:latin typeface="맑은 고딕" charset="0"/>
-                <a:ea typeface="맑은 고딕" charset="0"/>
-              </a:rPr>
-              <a:t>A</a:t>
-            </a:r>
-            <a:r>
-              <a:rPr lang="ko-KR" sz="1800">
-                <a:latin typeface="맑은 고딕" charset="0"/>
-                <a:ea typeface="맑은 고딕" charset="0"/>
-              </a:rPr>
-              <a:t>nimator Control</a:t>
-            </a:r>
-            <a:r>
-              <a:rPr sz="1800">
-                <a:latin typeface="맑은 고딕" charset="0"/>
-                <a:ea typeface="맑은 고딕" charset="0"/>
-              </a:rPr>
-              <a:t> 오브젝트를 넣어줍니다.</a:t>
-            </a:r>
-            <a:endParaRPr lang="ko-KR" altLang="en-US" sz="1800">
-              <a:latin typeface="맑은 고딕" charset="0"/>
-              <a:ea typeface="맑은 고딕" charset="0"/>
-            </a:endParaRPr>
-          </a:p>
-        </p:txBody>
-      </p:sp>
       <p:pic>
         <p:nvPicPr>
-          <p:cNvPr id="124" name="그림 39"/>
+          <p:cNvPr id="132" name="그림 52" descr="C:/Users/Admin1/AppData/Roaming/PolarisOffice/ETemp/25668_19456376/fImage30173579961.png"/>
           <p:cNvPicPr>
             <a:picLocks noChangeAspect="1"/>
           </p:cNvPicPr>
           <p:nvPr/>
         </p:nvPicPr>
         <p:blipFill rotWithShape="1">
-          <a:blip r:embed="rId7" cstate="print">
+          <a:blip r:embed="rId7" cstate="hqprint">
+            <a:extLst>
+              <a:ext uri="{28A0092B-C50C-407E-A947-70E740481C1C}">
+                <a14:useLocalDpi xmlns:a14="http://schemas.microsoft.com/office/drawing/2010/main"/>
+              </a:ext>
+            </a:extLst>
+          </a:blip>
+          <a:stretch>
+            <a:fillRect/>
+          </a:stretch>
+        </p:blipFill>
+        <p:spPr>
+          <a:xfrm rot="0">
+            <a:off x="2658745" y="1445895"/>
+            <a:ext cx="2719705" cy="1135380"/>
+          </a:xfrm>
+          <a:prstGeom prst="roundRect"/>
+          <a:solidFill>
+            <a:srgbClr val="EDEDED"/>
+          </a:solidFill>
+        </p:spPr>
+      </p:pic>
+      <p:pic>
+        <p:nvPicPr>
+          <p:cNvPr id="133" name="그림 53" descr="C:/Users/Admin1/AppData/Roaming/PolarisOffice/ETemp/25668_19456376/fImage12139358491.png"/>
+          <p:cNvPicPr>
+            <a:picLocks noChangeAspect="1"/>
+          </p:cNvPicPr>
+          <p:nvPr/>
+        </p:nvPicPr>
+        <p:blipFill rotWithShape="1">
+          <a:blip r:embed="rId8" cstate="print">
             <a:extLst>
               <a:ext uri="{28A0092B-C50C-407E-A947-70E740481C1C}">
                 <a14:useLocalDpi xmlns:a14="http://schemas.microsoft.com/office/drawing/2010/main" val="0"/>
@@ -11830,8 +11850,8 @@
         </p:blipFill>
         <p:spPr>
           <a:xfrm rot="0">
-            <a:off x="1118870" y="3922395"/>
-            <a:ext cx="4269740" cy="1423670"/>
+            <a:off x="1250950" y="1445895"/>
+            <a:ext cx="1304290" cy="1135380"/>
           </a:xfrm>
           <a:prstGeom prst="roundRect"/>
           <a:solidFill>
@@ -11841,7 +11861,7 @@
       </p:pic>
       <p:sp>
         <p:nvSpPr>
-          <p:cNvPr id="125" name="텍스트 상자 42"/>
+          <p:cNvPr id="134" name="텍스트 상자 56"/>
           <p:cNvSpPr txBox="1">
             <a:spLocks/>
           </p:cNvSpPr>
@@ -11849,8 +11869,8 @@
         </p:nvSpPr>
         <p:spPr>
           <a:xfrm rot="0">
-            <a:off x="1116965" y="5443220"/>
-            <a:ext cx="4271645" cy="647065"/>
+            <a:off x="1249045" y="2662555"/>
+            <a:ext cx="4131310" cy="923925"/>
           </a:xfrm>
           <a:prstGeom prst="rect"/>
           <a:noFill/>
@@ -11877,7 +11897,17 @@
                 <a:latin typeface="맑은 고딕" charset="0"/>
                 <a:ea typeface="맑은 고딕" charset="0"/>
               </a:rPr>
-              <a:t>40</a:t>
+              <a:t>4</a:t>
+            </a:r>
+            <a:r>
+              <a:rPr lang="ko-KR" sz="1800" b="1">
+                <a:solidFill>
+                  <a:srgbClr val="0611F2"/>
+                </a:solidFill>
+                <a:latin typeface="맑은 고딕" charset="0"/>
+                <a:ea typeface="맑은 고딕" charset="0"/>
+              </a:rPr>
+              <a:t>1</a:t>
             </a:r>
             <a:r>
               <a:rPr sz="1800" b="1">
@@ -11901,21 +11931,14 @@
                 <a:latin typeface="맑은 고딕" charset="0"/>
                 <a:ea typeface="맑은 고딕" charset="0"/>
               </a:rPr>
-              <a:t>이제 Animator Control </a:t>
-            </a:r>
-            <a:r>
-              <a:rPr lang="ko-KR" sz="1800">
-                <a:latin typeface="맑은 고딕" charset="0"/>
-                <a:ea typeface="맑은 고딕" charset="0"/>
-              </a:rPr>
-              <a:t>오브젝트의 </a:t>
-            </a:r>
-            <a:r>
-              <a:rPr lang="ko-KR" sz="1800">
-                <a:latin typeface="맑은 고딕" charset="0"/>
-                <a:ea typeface="맑은 고딕" charset="0"/>
-              </a:rPr>
-              <a:t>Transform을 초기화합니다.</a:t>
+              <a:t>이제 Everything Culling </a:t>
+            </a:r>
+            <a:r>
+              <a:rPr lang="ko-KR" sz="1800">
+                <a:latin typeface="맑은 고딕" charset="0"/>
+                <a:ea typeface="맑은 고딕" charset="0"/>
+              </a:rPr>
+              <a:t>Button</a:t>
             </a:r>
             <a:r>
               <a:rPr lang="ko-KR" sz="1800">
@@ -11924,156 +11947,29 @@
               </a:rPr>
               <a:t> </a:t>
             </a:r>
-            <a:endParaRPr lang="ko-KR" altLang="en-US" sz="1800">
-              <a:latin typeface="맑은 고딕" charset="0"/>
-              <a:ea typeface="맑은 고딕" charset="0"/>
-            </a:endParaRPr>
-          </a:p>
-        </p:txBody>
-      </p:sp>
-    </p:spTree>
-  </p:cSld>
-  <p:clrMapOvr>
-    <a:masterClrMapping/>
-  </p:clrMapOvr>
-  <mc:AlternateContent xmlns:mc="http://schemas.openxmlformats.org/markup-compatibility/2006">
-    <mc:Choice xmlns:p14="http://schemas.microsoft.com/office/powerpoint/2010/main" Requires="p14">
-      <p:transition spd="slow" p14:dur="2000"/>
-    </mc:Choice>
-    <mc:Fallback>
-      <p:transition spd="slow"/>
-    </mc:Fallback>
-  </mc:AlternateContent>
-  <p:timing>
-    <p:tnLst>
-      <p:par>
-        <p:cTn id="1" dur="indefinite" restart="never" nodeType="tmRoot"/>
-      </p:par>
-    </p:tnLst>
-  </p:timing>
-</p:sld>
-</file>
-
-<file path=ppt/slides/slide17.xml><?xml version="1.0" encoding="utf-8"?>
-<p:sld xmlns:a="http://schemas.openxmlformats.org/drawingml/2006/main" xmlns:r="http://schemas.openxmlformats.org/officeDocument/2006/relationships" xmlns:p="http://schemas.openxmlformats.org/presentationml/2006/main" xmlns:p14="http://schemas.microsoft.com/office/powerpoint/2010/main">
-  <p:cSld>
-    <p:spTree>
-      <p:nvGrpSpPr>
-        <p:cNvPr id="1" name=""/>
-        <p:cNvGrpSpPr/>
-        <p:nvPr/>
-      </p:nvGrpSpPr>
-      <p:grpSpPr>
-        <a:xfrm>
-          <a:off x="0" y="0"/>
-          <a:ext cx="0" cy="0"/>
-          <a:chOff x="0" y="0"/>
-          <a:chExt cx="0" cy="0"/>
-        </a:xfrm>
-      </p:grpSpPr>
-      <p:sp>
-        <p:nvSpPr>
-          <p:cNvPr id="22" name="Rect 0"/>
-          <p:cNvSpPr txBox="1">
-            <a:spLocks/>
-          </p:cNvSpPr>
-          <p:nvPr/>
-        </p:nvSpPr>
-        <p:spPr>
-          <a:xfrm rot="0">
-            <a:off x="4107815" y="418465"/>
-            <a:ext cx="3989705" cy="554990"/>
-          </a:xfrm>
-          <a:prstGeom prst="rect"/>
-          <a:noFill/>
-          <a:ln w="0">
-            <a:noFill/>
-            <a:prstDash/>
-          </a:ln>
-        </p:spPr>
-        <p:txBody>
-          <a:bodyPr wrap="square" lIns="89535" tIns="46355" rIns="89535" bIns="46355" numCol="1" vert="horz" anchor="t">
-            <a:spAutoFit/>
-          </a:bodyPr>
-          <a:lstStyle/>
-          <a:p>
-            <a:pPr marL="0" indent="0" algn="ctr" latinLnBrk="0" hangingPunct="1">
-              <a:buFontTx/>
-              <a:buNone/>
-            </a:pPr>
-            <a:r>
-              <a:rPr lang="ko-KR" sz="2500" b="1">
-                <a:latin typeface="나눔바른고딕" charset="0"/>
-                <a:ea typeface="나눔바른고딕" charset="0"/>
-              </a:rPr>
-              <a:t>열일곱 번째 튜토리얼</a:t>
-            </a:r>
-            <a:r>
-              <a:rPr lang="ko-KR" sz="3000" b="1">
+            <a:r>
+              <a:rPr lang="ko-KR" sz="1800">
+                <a:latin typeface="맑은 고딕" charset="0"/>
+                <a:ea typeface="맑은 고딕" charset="0"/>
+              </a:rPr>
+              <a:t>오브젝트의</a:t>
+            </a:r>
+            <a:r>
+              <a:rPr lang="ko-KR" sz="1800">
                 <a:latin typeface="맑은 고딕" charset="0"/>
                 <a:ea typeface="맑은 고딕" charset="0"/>
               </a:rPr>
               <a:t> </a:t>
             </a:r>
-            <a:endParaRPr lang="ko-KR" altLang="en-US" sz="3000" b="1">
-              <a:latin typeface="맑은 고딕" charset="0"/>
-              <a:ea typeface="맑은 고딕" charset="0"/>
-            </a:endParaRPr>
-          </a:p>
-        </p:txBody>
-      </p:sp>
-      <p:sp>
-        <p:nvSpPr>
-          <p:cNvPr id="106" name="Rect 0"/>
-          <p:cNvSpPr txBox="1">
-            <a:spLocks/>
-          </p:cNvSpPr>
-          <p:nvPr/>
-        </p:nvSpPr>
-        <p:spPr>
-          <a:xfrm rot="0">
-            <a:off x="1238250" y="2751455"/>
-            <a:ext cx="4140200" cy="923925"/>
-          </a:xfrm>
-          <a:prstGeom prst="rect"/>
-          <a:noFill/>
-          <a:ln w="0">
-            <a:noFill/>
-            <a:prstDash/>
-          </a:ln>
-        </p:spPr>
-        <p:txBody>
-          <a:bodyPr wrap="square" lIns="89535" tIns="46355" rIns="89535" bIns="46355" numCol="1" vert="horz" anchor="t">
-            <a:spAutoFit/>
-          </a:bodyPr>
-          <a:lstStyle/>
-          <a:p>
-            <a:pPr marL="0" indent="0" rtl="0" algn="l" defTabSz="914400" eaLnBrk="1" latinLnBrk="0" hangingPunct="1">
-              <a:buFontTx/>
-              <a:buNone/>
-            </a:pPr>
-            <a:r>
-              <a:rPr lang="ko-KR" sz="1800" b="1">
-                <a:solidFill>
-                  <a:srgbClr val="0611F2"/>
-                </a:solidFill>
-                <a:latin typeface="맑은 고딕" charset="0"/>
-                <a:ea typeface="맑은 고딕" charset="0"/>
-              </a:rPr>
-              <a:t>42</a:t>
-            </a:r>
-            <a:r>
-              <a:rPr sz="1800" b="1">
-                <a:solidFill>
-                  <a:srgbClr val="0611F2"/>
-                </a:solidFill>
-                <a:latin typeface="맑은 고딕" charset="0"/>
-                <a:ea typeface="맑은 고딕" charset="0"/>
-              </a:rPr>
-              <a:t>.</a:t>
-            </a:r>
-            <a:r>
-              <a:rPr sz="1800">
+            <a:r>
+              <a:rPr lang="ko-KR" sz="1800">
+                <a:latin typeface="맑은 고딕" charset="0"/>
+                <a:ea typeface="맑은 고딕" charset="0"/>
+              </a:rPr>
+              <a:t>On</a:t>
+            </a:r>
+            <a:r>
+              <a:rPr lang="ko-KR" sz="1800">
                 <a:latin typeface="맑은 고딕" charset="0"/>
                 <a:ea typeface="맑은 고딕" charset="0"/>
               </a:rPr>
@@ -12084,239 +11980,28 @@
                 <a:latin typeface="맑은 고딕" charset="0"/>
                 <a:ea typeface="맑은 고딕" charset="0"/>
               </a:rPr>
-              <a:t>그다음 Animation Control</a:t>
-            </a:r>
-            <a:r>
-              <a:rPr sz="1800">
-                <a:latin typeface="맑은 고딕" charset="0"/>
-                <a:ea typeface="맑은 고딕" charset="0"/>
-              </a:rPr>
-              <a:t> 스크립트에 있는 SpeedSetting( ) 함수를 선택합니다.</a:t>
-            </a:r>
-            <a:endParaRPr lang="ko-KR" altLang="en-US" sz="1800">
-              <a:latin typeface="맑은 고딕" charset="0"/>
-              <a:ea typeface="맑은 고딕" charset="0"/>
-            </a:endParaRPr>
-          </a:p>
-        </p:txBody>
-      </p:sp>
-      <p:pic>
-        <p:nvPicPr>
-          <p:cNvPr id="126" name="그림 1" descr="C:/Users/Admin1/AppData/Roaming/PolarisOffice/ETemp/20852_9486176/fImage665532741.png"/>
-          <p:cNvPicPr>
-            <a:picLocks noChangeAspect="1"/>
-          </p:cNvPicPr>
-          <p:nvPr/>
-        </p:nvPicPr>
-        <p:blipFill rotWithShape="1">
-          <a:blip r:embed="rId2" cstate="hqprint">
-            <a:extLst>
-              <a:ext uri="{28A0092B-C50C-407E-A947-70E740481C1C}">
-                <a14:useLocalDpi xmlns:a14="http://schemas.microsoft.com/office/drawing/2010/main"/>
-              </a:ext>
-            </a:extLst>
-          </a:blip>
-          <a:stretch>
-            <a:fillRect/>
-          </a:stretch>
-        </p:blipFill>
-        <p:spPr>
-          <a:xfrm rot="0">
-            <a:off x="1238250" y="1445895"/>
-            <a:ext cx="4148455" cy="1187450"/>
-          </a:xfrm>
-          <a:prstGeom prst="roundRect"/>
-          <a:solidFill>
-            <a:srgbClr val="EDEDED"/>
-          </a:solidFill>
-        </p:spPr>
-      </p:pic>
-      <p:pic>
-        <p:nvPicPr>
-          <p:cNvPr id="127" name="그림 4" descr="C:/Users/Admin1/AppData/Roaming/PolarisOffice/ETemp/20852_9486176/fImage128363288467.png"/>
-          <p:cNvPicPr>
-            <a:picLocks noChangeAspect="1"/>
-          </p:cNvPicPr>
-          <p:nvPr/>
-        </p:nvPicPr>
-        <p:blipFill rotWithShape="1">
-          <a:blip r:embed="rId3" cstate="hqprint">
-            <a:extLst>
-              <a:ext uri="{28A0092B-C50C-407E-A947-70E740481C1C}">
-                <a14:useLocalDpi xmlns:a14="http://schemas.microsoft.com/office/drawing/2010/main"/>
-              </a:ext>
-            </a:extLst>
-          </a:blip>
-          <a:stretch>
-            <a:fillRect/>
-          </a:stretch>
-        </p:blipFill>
-        <p:spPr>
-          <a:xfrm rot="0">
-            <a:off x="1238250" y="3827145"/>
-            <a:ext cx="4148455" cy="1524635"/>
-          </a:xfrm>
-          <a:prstGeom prst="roundRect"/>
-          <a:solidFill>
-            <a:srgbClr val="EDEDED"/>
-          </a:solidFill>
-        </p:spPr>
-      </p:pic>
-      <p:sp>
-        <p:nvSpPr>
-          <p:cNvPr id="128" name="텍스트 상자 7"/>
-          <p:cNvSpPr txBox="1">
-            <a:spLocks/>
-          </p:cNvSpPr>
-          <p:nvPr/>
-        </p:nvSpPr>
-        <p:spPr>
-          <a:xfrm rot="0">
-            <a:off x="1238250" y="5482590"/>
-            <a:ext cx="4148455" cy="647065"/>
-          </a:xfrm>
-          <a:prstGeom prst="rect"/>
-          <a:noFill/>
-          <a:ln w="0">
-            <a:noFill/>
-            <a:prstDash/>
-          </a:ln>
-        </p:spPr>
-        <p:txBody>
-          <a:bodyPr wrap="square" lIns="89535" tIns="46355" rIns="89535" bIns="46355" numCol="1" vert="horz" anchor="t">
-            <a:spAutoFit/>
-          </a:bodyPr>
-          <a:lstStyle/>
-          <a:p>
-            <a:pPr marL="0" indent="0" rtl="0" algn="l" defTabSz="914400" eaLnBrk="1" latinLnBrk="0" hangingPunct="1">
-              <a:buFontTx/>
-              <a:buNone/>
-            </a:pPr>
-            <a:r>
-              <a:rPr lang="ko-KR" sz="1800" b="1">
-                <a:solidFill>
-                  <a:srgbClr val="0611F2"/>
-                </a:solidFill>
-                <a:latin typeface="맑은 고딕" charset="0"/>
-                <a:ea typeface="맑은 고딕" charset="0"/>
-              </a:rPr>
-              <a:t>43</a:t>
-            </a:r>
-            <a:r>
-              <a:rPr sz="1800" b="1">
-                <a:solidFill>
-                  <a:srgbClr val="0611F2"/>
-                </a:solidFill>
-                <a:latin typeface="맑은 고딕" charset="0"/>
-                <a:ea typeface="맑은 고딕" charset="0"/>
-              </a:rPr>
-              <a:t>.</a:t>
-            </a:r>
-            <a:r>
-              <a:rPr sz="1800">
+              <a:t>Click(</a:t>
+            </a:r>
+            <a:r>
+              <a:rPr lang="ko-KR" sz="1800">
+                <a:latin typeface="맑은 고딕" charset="0"/>
+                <a:ea typeface="맑은 고딕" charset="0"/>
+              </a:rPr>
+              <a:t> ) 함수를 </a:t>
+            </a:r>
+            <a:r>
+              <a:rPr lang="ko-KR" sz="1800">
+                <a:latin typeface="맑은 고딕" charset="0"/>
+                <a:ea typeface="맑은 고딕" charset="0"/>
+              </a:rPr>
+              <a:t>추가합니다.</a:t>
+            </a:r>
+            <a:r>
+              <a:rPr lang="ko-KR" sz="1800">
                 <a:latin typeface="맑은 고딕" charset="0"/>
                 <a:ea typeface="맑은 고딕" charset="0"/>
               </a:rPr>
               <a:t> </a:t>
-            </a:r>
-            <a:r>
-              <a:rPr lang="ko-KR" sz="1800">
-                <a:latin typeface="맑은 고딕" charset="0"/>
-                <a:ea typeface="맑은 고딕" charset="0"/>
-              </a:rPr>
-              <a:t>그리고 Animation Speed Text의 앵커와 크기를 설정합니다.</a:t>
-            </a:r>
-            <a:endParaRPr lang="ko-KR" altLang="en-US" sz="1800">
-              <a:latin typeface="맑은 고딕" charset="0"/>
-              <a:ea typeface="맑은 고딕" charset="0"/>
-            </a:endParaRPr>
-          </a:p>
-        </p:txBody>
-      </p:sp>
-      <p:pic>
-        <p:nvPicPr>
-          <p:cNvPr id="129" name="그림 1" descr="C:/Users/Admin1/AppData/Roaming/PolarisOffice/ETemp/20852_9486176/fImage18096424741.png"/>
-          <p:cNvPicPr>
-            <a:picLocks noChangeAspect="1"/>
-          </p:cNvPicPr>
-          <p:nvPr/>
-        </p:nvPicPr>
-        <p:blipFill rotWithShape="1">
-          <a:blip r:embed="rId5" cstate="hqprint">
-            <a:extLst>
-              <a:ext uri="{28A0092B-C50C-407E-A947-70E740481C1C}">
-                <a14:useLocalDpi xmlns:a14="http://schemas.microsoft.com/office/drawing/2010/main"/>
-              </a:ext>
-            </a:extLst>
-          </a:blip>
-          <a:stretch>
-            <a:fillRect/>
-          </a:stretch>
-        </p:blipFill>
-        <p:spPr>
-          <a:xfrm rot="0">
-            <a:off x="6808470" y="1445895"/>
-            <a:ext cx="4145915" cy="3575685"/>
-          </a:xfrm>
-          <a:prstGeom prst="roundRect"/>
-          <a:solidFill>
-            <a:srgbClr val="EDEDED"/>
-          </a:solidFill>
-        </p:spPr>
-      </p:pic>
-      <p:sp>
-        <p:nvSpPr>
-          <p:cNvPr id="130" name="텍스트 상자 4"/>
-          <p:cNvSpPr txBox="1">
-            <a:spLocks/>
-          </p:cNvSpPr>
-          <p:nvPr/>
-        </p:nvSpPr>
-        <p:spPr>
-          <a:xfrm rot="0">
-            <a:off x="6814820" y="5205730"/>
-            <a:ext cx="4131310" cy="923925"/>
-          </a:xfrm>
-          <a:prstGeom prst="rect"/>
-          <a:noFill/>
-          <a:ln w="0">
-            <a:noFill/>
-            <a:prstDash/>
-          </a:ln>
-        </p:spPr>
-        <p:txBody>
-          <a:bodyPr wrap="square" lIns="89535" tIns="46355" rIns="89535" bIns="46355" numCol="1" vert="horz" anchor="t">
-            <a:spAutoFit/>
-          </a:bodyPr>
-          <a:lstStyle/>
-          <a:p>
-            <a:pPr marL="0" indent="0" rtl="0" algn="l" defTabSz="914400" eaLnBrk="1" latinLnBrk="0" hangingPunct="1">
-              <a:buFontTx/>
-              <a:buNone/>
-            </a:pPr>
-            <a:r>
-              <a:rPr lang="ko-KR" sz="1800">
-                <a:latin typeface="맑은 고딕" charset="0"/>
-                <a:ea typeface="맑은 고딕" charset="0"/>
-              </a:rPr>
-              <a:t>애니메이션 리타켓팅이란?</a:t>
-            </a:r>
-            <a:endParaRPr lang="ko-KR" altLang="en-US" sz="1800">
-              <a:latin typeface="맑은 고딕" charset="0"/>
-              <a:ea typeface="맑은 고딕" charset="0"/>
-            </a:endParaRPr>
-          </a:p>
-          <a:p>
-            <a:pPr marL="0" indent="0" rtl="0" algn="l" defTabSz="914400" eaLnBrk="1" latinLnBrk="0" hangingPunct="1">
-              <a:buFontTx/>
-              <a:buNone/>
-            </a:pPr>
-            <a:r>
-              <a:rPr lang="ko-KR" sz="1800">
-                <a:latin typeface="맑은 고딕" charset="0"/>
-                <a:ea typeface="맑은 고딕" charset="0"/>
-              </a:rPr>
-              <a:t>같은 애니메이션을 다양한 캐릭터 모델에 동시에 적용하는 기법입니다.</a:t>
             </a:r>
             <a:endParaRPr lang="ko-KR" altLang="en-US" sz="1800">
               <a:latin typeface="맑은 고딕" charset="0"/>
@@ -13249,8 +12934,8 @@
         </p:nvSpPr>
         <p:spPr>
           <a:xfrm rot="0">
-            <a:off x="1238250" y="4102735"/>
-            <a:ext cx="4140200" cy="2061845"/>
+            <a:off x="1238250" y="4222750"/>
+            <a:ext cx="4140835" cy="2062480"/>
           </a:xfrm>
           <a:prstGeom prst="rect"/>
           <a:noFill/>
@@ -13277,7 +12962,17 @@
                 <a:latin typeface="맑은 고딕" charset="0"/>
                 <a:ea typeface="맑은 고딕" charset="0"/>
               </a:rPr>
-              <a:t>8. </a:t>
+              <a:t>8.</a:t>
+            </a:r>
+            <a:r>
+              <a:rPr sz="2000" b="1">
+                <a:solidFill>
+                  <a:srgbClr val="0611F2"/>
+                </a:solidFill>
+                <a:latin typeface="맑은 고딕" charset="0"/>
+                <a:ea typeface="맑은 고딕" charset="0"/>
+              </a:rPr>
+              <a:t> </a:t>
             </a:r>
             <a:r>
               <a:rPr sz="1800">
@@ -13312,14 +13007,35 @@
                 <a:latin typeface="맑은 고딕" charset="0"/>
                 <a:ea typeface="맑은 고딕" charset="0"/>
               </a:rPr>
-              <a:t>에 Animation </a:t>
-            </a:r>
-            <a:r>
-              <a:rPr lang="ko-KR" sz="1800">
-                <a:latin typeface="맑은 고딕" charset="0"/>
-                <a:ea typeface="맑은 고딕" charset="0"/>
-              </a:rPr>
-              <a:t>Type을 Humanoid로 설정합니다.</a:t>
+              <a:t>에 </a:t>
+            </a:r>
+            <a:r>
+              <a:rPr sz="1800">
+                <a:latin typeface="맑은 고딕" charset="0"/>
+                <a:ea typeface="맑은 고딕" charset="0"/>
+              </a:rPr>
+              <a:t>Animation</a:t>
+            </a:r>
+            <a:r>
+              <a:rPr sz="1800">
+                <a:latin typeface="맑은 고딕" charset="0"/>
+                <a:ea typeface="맑은 고딕" charset="0"/>
+              </a:rPr>
+              <a:t> </a:t>
+            </a:r>
+            <a:r>
+              <a:rPr lang="ko-KR" sz="1800">
+                <a:latin typeface="맑은 고딕" charset="0"/>
+                <a:ea typeface="맑은 고딕" charset="0"/>
+              </a:rPr>
+              <a:t>Type을 Humanoid로 </a:t>
+            </a:r>
+            <a:r>
+              <a:rPr lang="ko-KR" sz="1800">
+                <a:latin typeface="맑은 고딕" charset="0"/>
+                <a:ea typeface="맑은 고딕" charset="0"/>
+              </a:rPr>
+              <a:t>설정합니다.</a:t>
             </a:r>
             <a:endParaRPr lang="ko-KR" altLang="en-US" sz="1800">
               <a:latin typeface="맑은 고딕" charset="0"/>
@@ -13346,21 +13062,35 @@
                 <a:latin typeface="맑은 고딕" charset="0"/>
                 <a:ea typeface="맑은 고딕" charset="0"/>
               </a:rPr>
-              <a:t>그</a:t>
-            </a:r>
-            <a:r>
-              <a:rPr lang="ko-KR" sz="1800">
-                <a:latin typeface="맑은 고딕" charset="0"/>
-                <a:ea typeface="맑은 고딕" charset="0"/>
-              </a:rPr>
-              <a:t>다음으로</a:t>
-            </a:r>
-            <a:r>
-              <a:rPr lang="ko-KR" sz="1800">
-                <a:latin typeface="맑은 고딕" charset="0"/>
-                <a:ea typeface="맑은 고딕" charset="0"/>
-              </a:rPr>
-              <a:t> Avatar Definition을 Create From This Model로 설정하고 Apply를 선택합니다.</a:t>
+              <a:t>그다음으로</a:t>
+            </a:r>
+            <a:r>
+              <a:rPr lang="ko-KR" sz="1800">
+                <a:latin typeface="맑은 고딕" charset="0"/>
+                <a:ea typeface="맑은 고딕" charset="0"/>
+              </a:rPr>
+              <a:t> Avatar Definition을 Create </a:t>
+            </a:r>
+            <a:r>
+              <a:rPr lang="ko-KR" sz="1800">
+                <a:latin typeface="맑은 고딕" charset="0"/>
+                <a:ea typeface="맑은 고딕" charset="0"/>
+              </a:rPr>
+              <a:t>From</a:t>
+            </a:r>
+            <a:r>
+              <a:rPr lang="ko-KR" sz="1800">
+                <a:latin typeface="맑은 고딕" charset="0"/>
+                <a:ea typeface="맑은 고딕" charset="0"/>
+              </a:rPr>
+              <a:t> This Model로 설정하고 Apply를 </a:t>
+            </a:r>
+            <a:r>
+              <a:rPr lang="ko-KR" sz="1800">
+                <a:latin typeface="맑은 고딕" charset="0"/>
+                <a:ea typeface="맑은 고딕" charset="0"/>
+              </a:rPr>
+              <a:t>선택합니다.</a:t>
             </a:r>
             <a:endParaRPr lang="ko-KR" altLang="en-US" sz="1800">
               <a:latin typeface="맑은 고딕" charset="0"/>
@@ -13371,7 +13101,7 @@
       </p:sp>
       <p:pic>
         <p:nvPicPr>
-          <p:cNvPr id="44" name="그림 46" descr="C:/Users/Admin1/AppData/Roaming/PolarisOffice/ETemp/20852_9486176/fImage201613635705.png"/>
+          <p:cNvPr id="44" name="그림 46" descr="C:/Users/Admin1/AppData/Roaming/PolarisOffice/ETemp/25668_19456376/fImage201613635705.png"/>
           <p:cNvPicPr>
             <a:picLocks noChangeAspect="1"/>
           </p:cNvPicPr>
@@ -13391,11 +13121,13 @@
         </p:blipFill>
         <p:spPr>
           <a:xfrm rot="0">
-            <a:off x="1238250" y="1454785"/>
-            <a:ext cx="4151630" cy="2525395"/>
-          </a:xfrm>
-          <a:prstGeom prst="rect"/>
-          <a:noFill/>
+            <a:off x="1238250" y="1455420"/>
+            <a:ext cx="4152265" cy="2602230"/>
+          </a:xfrm>
+          <a:prstGeom prst="roundRect"/>
+          <a:solidFill>
+            <a:srgbClr val="EDEDED"/>
+          </a:solidFill>
         </p:spPr>
       </p:pic>
       <p:sp>
@@ -13408,8 +13140,8 @@
         </p:nvSpPr>
         <p:spPr>
           <a:xfrm rot="0">
-            <a:off x="6819900" y="5205095"/>
-            <a:ext cx="4143375" cy="954405"/>
+            <a:off x="6819900" y="5325110"/>
+            <a:ext cx="4144010" cy="955040"/>
           </a:xfrm>
           <a:prstGeom prst="rect"/>
           <a:noFill/>
@@ -13446,42 +13178,59 @@
                 <a:latin typeface="맑은 고딕" charset="0"/>
                 <a:ea typeface="맑은 고딕" charset="0"/>
               </a:rPr>
-              <a:t>. </a:t>
-            </a:r>
-            <a:r>
-              <a:rPr lang="ko-KR" sz="1800">
-                <a:latin typeface="맑은 고딕" charset="0"/>
-                <a:ea typeface="맑은 고딕" charset="0"/>
-              </a:rPr>
-              <a:t>그러고 나서</a:t>
-            </a:r>
-            <a:r>
-              <a:rPr lang="ko-KR" sz="1800">
-                <a:latin typeface="맑은 고딕" charset="0"/>
-                <a:ea typeface="맑은 고딕" charset="0"/>
-              </a:rPr>
-              <a:t> Project 폴더</a:t>
-            </a:r>
-            <a:r>
-              <a:rPr lang="ko-KR" sz="1800">
-                <a:latin typeface="맑은 고딕" charset="0"/>
-                <a:ea typeface="맑은 고딕" charset="0"/>
-              </a:rPr>
-              <a:t> 아래에 </a:t>
-            </a:r>
-            <a:r>
-              <a:rPr lang="ko-KR" sz="1800">
-                <a:latin typeface="맑은 고딕" charset="0"/>
-                <a:ea typeface="맑은 고딕" charset="0"/>
-              </a:rPr>
-              <a:t>있는 Animator 폴더에</a:t>
+              <a:t>.</a:t>
+            </a:r>
+            <a:r>
+              <a:rPr sz="2000" b="1">
+                <a:solidFill>
+                  <a:srgbClr val="0611F2"/>
+                </a:solidFill>
+                <a:latin typeface="맑은 고딕" charset="0"/>
+                <a:ea typeface="맑은 고딕" charset="0"/>
+              </a:rPr>
+              <a:t> </a:t>
+            </a:r>
+            <a:r>
+              <a:rPr lang="ko-KR" sz="1800">
+                <a:latin typeface="맑은 고딕" charset="0"/>
+                <a:ea typeface="맑은 고딕" charset="0"/>
+              </a:rPr>
+              <a:t>그러고 나서 Project 폴더 아래에 </a:t>
+            </a:r>
+            <a:r>
+              <a:rPr lang="ko-KR" sz="1800">
+                <a:latin typeface="맑은 고딕" charset="0"/>
+                <a:ea typeface="맑은 고딕" charset="0"/>
+              </a:rPr>
+              <a:t>있는</a:t>
+            </a:r>
+            <a:r>
+              <a:rPr lang="ko-KR" sz="1800">
+                <a:latin typeface="맑은 고딕" charset="0"/>
+                <a:ea typeface="맑은 고딕" charset="0"/>
+              </a:rPr>
+              <a:t> Animator 폴더에</a:t>
             </a:r>
             <a:r>
               <a:rPr sz="1800">
                 <a:latin typeface="맑은 고딕" charset="0"/>
                 <a:ea typeface="맑은 고딕" charset="0"/>
               </a:rPr>
-              <a:t> Animator Controller를 생성합니다.</a:t>
+              <a:t> Animator </a:t>
+            </a:r>
+            <a:r>
+              <a:rPr sz="1800">
+                <a:latin typeface="맑은 고딕" charset="0"/>
+                <a:ea typeface="맑은 고딕" charset="0"/>
+              </a:rPr>
+              <a:t>Controller를</a:t>
+            </a:r>
+            <a:r>
+              <a:rPr sz="1800">
+                <a:latin typeface="맑은 고딕" charset="0"/>
+                <a:ea typeface="맑은 고딕" charset="0"/>
+              </a:rPr>
+              <a:t> 생성합니다.</a:t>
             </a:r>
             <a:endParaRPr lang="ko-KR" altLang="en-US" sz="1800">
               <a:latin typeface="맑은 고딕" charset="0"/>
@@ -13492,7 +13241,7 @@
       </p:sp>
       <p:pic>
         <p:nvPicPr>
-          <p:cNvPr id="46" name="그림 90" descr="C:/Users/Admin1/AppData/Roaming/PolarisOffice/ETemp/20852_9486176/fImage415714068145.png"/>
+          <p:cNvPr id="46" name="그림 90" descr="C:/Users/Admin1/AppData/Roaming/PolarisOffice/ETemp/25668_19456376/fImage415714068145.png"/>
           <p:cNvPicPr>
             <a:picLocks noChangeAspect="1"/>
           </p:cNvPicPr>
@@ -13513,7 +13262,7 @@
         <p:spPr>
           <a:xfrm rot="0">
             <a:off x="6819900" y="1454785"/>
-            <a:ext cx="4134485" cy="3646170"/>
+            <a:ext cx="4135120" cy="3688080"/>
           </a:xfrm>
           <a:prstGeom prst="roundRect"/>
           <a:solidFill>
@@ -14045,8 +13794,8 @@
         </p:nvSpPr>
         <p:spPr>
           <a:xfrm rot="0">
-            <a:off x="1247140" y="4639945"/>
-            <a:ext cx="4089400" cy="1508125"/>
+            <a:off x="1229995" y="4717415"/>
+            <a:ext cx="4090035" cy="1508760"/>
           </a:xfrm>
           <a:prstGeom prst="rect"/>
           <a:noFill/>
@@ -14093,35 +13842,52 @@
                 <a:latin typeface="맑은 고딕" charset="0"/>
                 <a:ea typeface="맑은 고딕" charset="0"/>
               </a:rPr>
-              <a:t>. </a:t>
+              <a:t>.</a:t>
+            </a:r>
+            <a:r>
+              <a:rPr sz="2000" b="1">
+                <a:solidFill>
+                  <a:srgbClr val="0611F2"/>
+                </a:solidFill>
+                <a:latin typeface="맑은 고딕" charset="0"/>
+                <a:ea typeface="맑은 고딕" charset="0"/>
+              </a:rPr>
+              <a:t> </a:t>
             </a:r>
             <a:r>
               <a:rPr sz="1800">
                 <a:latin typeface="맑은 고딕" charset="0"/>
                 <a:ea typeface="맑은 고딕" charset="0"/>
               </a:rPr>
-              <a:t>그다음</a:t>
+              <a:t>그다음으</a:t>
+            </a:r>
+            <a:r>
+              <a:rPr lang="ko-KR" sz="1800">
+                <a:latin typeface="맑은 고딕" charset="0"/>
+                <a:ea typeface="맑은 고딕" charset="0"/>
+              </a:rPr>
+              <a:t>로</a:t>
             </a:r>
             <a:r>
               <a:rPr sz="1800">
                 <a:latin typeface="맑은 고딕" charset="0"/>
                 <a:ea typeface="맑은 고딕" charset="0"/>
               </a:rPr>
-              <a:t>으</a:t>
-            </a:r>
-            <a:r>
-              <a:rPr lang="ko-KR" sz="1800">
-                <a:latin typeface="맑은 고딕" charset="0"/>
-                <a:ea typeface="맑은 고딕" charset="0"/>
-              </a:rPr>
-              <a:t>로</a:t>
+              <a:t> Format은 FBX for </a:t>
             </a:r>
             <a:r>
               <a:rPr sz="1800">
                 <a:latin typeface="맑은 고딕" charset="0"/>
                 <a:ea typeface="맑은 고딕" charset="0"/>
               </a:rPr>
-              <a:t> Format은 FBX for Unity(.fbx)로 설정합니다.</a:t>
+              <a:t>Unity(.fbx)로</a:t>
+            </a:r>
+            <a:r>
+              <a:rPr sz="1800">
+                <a:latin typeface="맑은 고딕" charset="0"/>
+                <a:ea typeface="맑은 고딕" charset="0"/>
+              </a:rPr>
+              <a:t> 설정합니다.</a:t>
             </a:r>
             <a:endParaRPr lang="ko-KR" altLang="en-US" sz="1800">
               <a:latin typeface="맑은 고딕" charset="0"/>
@@ -14148,14 +13914,35 @@
                 <a:latin typeface="맑은 고딕" charset="0"/>
                 <a:ea typeface="맑은 고딕" charset="0"/>
               </a:rPr>
-              <a:t>그러고 나서</a:t>
+              <a:t>그러고</a:t>
+            </a:r>
+            <a:r>
+              <a:rPr lang="ko-KR" sz="1800">
+                <a:latin typeface="맑은 고딕" charset="0"/>
+                <a:ea typeface="맑은 고딕" charset="0"/>
+              </a:rPr>
+              <a:t> 나서</a:t>
             </a:r>
             <a:r>
               <a:rPr sz="1800">
                 <a:latin typeface="맑은 고딕" charset="0"/>
                 <a:ea typeface="맑은 고딕" charset="0"/>
               </a:rPr>
-              <a:t> Skin은 Whitout Skin으로 설정한 다음 Download합니다.</a:t>
+              <a:t> Skin은 Whitout Skin으로 </a:t>
+            </a:r>
+            <a:r>
+              <a:rPr sz="1800">
+                <a:latin typeface="맑은 고딕" charset="0"/>
+                <a:ea typeface="맑은 고딕" charset="0"/>
+              </a:rPr>
+              <a:t>설정한</a:t>
+            </a:r>
+            <a:r>
+              <a:rPr sz="1800">
+                <a:latin typeface="맑은 고딕" charset="0"/>
+                <a:ea typeface="맑은 고딕" charset="0"/>
+              </a:rPr>
+              <a:t> 다음 Download합니다.</a:t>
             </a:r>
             <a:endParaRPr lang="ko-KR" altLang="en-US" sz="1800">
               <a:latin typeface="맑은 고딕" charset="0"/>
@@ -14166,7 +13953,7 @@
       </p:sp>
       <p:pic>
         <p:nvPicPr>
-          <p:cNvPr id="55" name="그림 72" descr="C:/Users/Admin1/AppData/Roaming/PolarisOffice/ETemp/20852_9486176/fImage113473822995.png"/>
+          <p:cNvPr id="55" name="그림 72" descr="C:/Users/Admin1/AppData/Roaming/PolarisOffice/ETemp/25668_19456376/fImage113473822995.png"/>
           <p:cNvPicPr>
             <a:picLocks noChangeAspect="1"/>
           </p:cNvPicPr>
@@ -14187,15 +13974,17 @@
         <p:spPr>
           <a:xfrm rot="0">
             <a:off x="1237615" y="1457325"/>
-            <a:ext cx="4099560" cy="3020060"/>
-          </a:xfrm>
-          <a:prstGeom prst="rect"/>
-          <a:noFill/>
+            <a:ext cx="4100195" cy="3082925"/>
+          </a:xfrm>
+          <a:prstGeom prst="roundRect"/>
+          <a:solidFill>
+            <a:srgbClr val="EDEDED"/>
+          </a:solidFill>
         </p:spPr>
       </p:pic>
       <p:pic>
         <p:nvPicPr>
-          <p:cNvPr id="56" name="그림 77" descr="C:/Users/Admin1/AppData/Roaming/PolarisOffice/ETemp/20852_9486176/fImage63353871942.png"/>
+          <p:cNvPr id="56" name="그림 77"/>
           <p:cNvPicPr>
             <a:picLocks noChangeAspect="1"/>
           </p:cNvPicPr>
@@ -14226,7 +14015,7 @@
       </p:pic>
       <p:pic>
         <p:nvPicPr>
-          <p:cNvPr id="57" name="그림 81" descr="C:/Users/Admin1/AppData/Roaming/PolarisOffice/ETemp/20852_9486176/fImage42543894827.png"/>
+          <p:cNvPr id="57" name="그림 81"/>
           <p:cNvPicPr>
             <a:picLocks noChangeAspect="1"/>
           </p:cNvPicPr>
@@ -14257,7 +14046,7 @@
       </p:pic>
       <p:pic>
         <p:nvPicPr>
-          <p:cNvPr id="58" name="그림 85" descr="C:/Users/Admin1/AppData/Roaming/PolarisOffice/ETemp/20852_9486176/fImage2242173905436.png"/>
+          <p:cNvPr id="58" name="그림 85"/>
           <p:cNvPicPr>
             <a:picLocks noChangeAspect="1"/>
           </p:cNvPicPr>
@@ -14358,8 +14147,8 @@
         </p:nvSpPr>
         <p:spPr>
           <a:xfrm rot="0">
-            <a:off x="6838950" y="5466080"/>
-            <a:ext cx="4133850" cy="677545"/>
+            <a:off x="6821805" y="5552440"/>
+            <a:ext cx="4134485" cy="678180"/>
           </a:xfrm>
           <a:prstGeom prst="rect"/>
           <a:noFill/>
@@ -14396,7 +14185,17 @@
                 <a:latin typeface="맑은 고딕" charset="0"/>
                 <a:ea typeface="맑은 고딕" charset="0"/>
               </a:rPr>
-              <a:t>. </a:t>
+              <a:t>.</a:t>
+            </a:r>
+            <a:r>
+              <a:rPr sz="2000" b="1">
+                <a:solidFill>
+                  <a:srgbClr val="0611F2"/>
+                </a:solidFill>
+                <a:latin typeface="맑은 고딕" charset="0"/>
+                <a:ea typeface="맑은 고딕" charset="0"/>
+              </a:rPr>
+              <a:t> </a:t>
             </a:r>
             <a:r>
               <a:rPr lang="ko-KR" sz="1800">
@@ -14417,7 +14216,21 @@
                 <a:latin typeface="맑은 고딕" charset="0"/>
                 <a:ea typeface="맑은 고딕" charset="0"/>
               </a:rPr>
-              <a:t>h14_nonPBR 오브젝트의 위치 값을 설정합니다.</a:t>
+              <a:t>h14_nonPBR </a:t>
+            </a:r>
+            <a:r>
+              <a:rPr lang="ko-KR" sz="1800">
+                <a:latin typeface="맑은 고딕" charset="0"/>
+                <a:ea typeface="맑은 고딕" charset="0"/>
+              </a:rPr>
+              <a:t>오브젝트의</a:t>
+            </a:r>
+            <a:r>
+              <a:rPr lang="ko-KR" sz="1800">
+                <a:latin typeface="맑은 고딕" charset="0"/>
+                <a:ea typeface="맑은 고딕" charset="0"/>
+              </a:rPr>
+              <a:t> 위치 값을 설정합니다.</a:t>
             </a:r>
             <a:endParaRPr lang="ko-KR" altLang="en-US" sz="1800">
               <a:latin typeface="맑은 고딕" charset="0"/>
@@ -14428,7 +14241,7 @@
       </p:sp>
       <p:pic>
         <p:nvPicPr>
-          <p:cNvPr id="61" name="그림 1" descr="C:/Users/Admin1/AppData/Roaming/PolarisOffice/ETemp/20852_9486176/fImage159682941942.png"/>
+          <p:cNvPr id="61" name="그림 1" descr="C:/Users/Admin1/AppData/Roaming/PolarisOffice/ETemp/25668_19456376/fImage159682941942.png"/>
           <p:cNvPicPr>
             <a:picLocks noChangeAspect="1"/>
           </p:cNvPicPr>
@@ -14449,7 +14262,7 @@
         <p:spPr>
           <a:xfrm rot="0">
             <a:off x="6832600" y="3770630"/>
-            <a:ext cx="4130675" cy="1573530"/>
+            <a:ext cx="4131310" cy="1656715"/>
           </a:xfrm>
           <a:prstGeom prst="roundRect"/>
           <a:solidFill>

--- a/Assets/Class/Animation Retargeting/PPT Data/Animation Retargeting Example.pptx
+++ b/Assets/Class/Animation Retargeting/PPT Data/Animation Retargeting Example.pptx
@@ -2,7 +2,7 @@
 <file path=ppt/presentation.xml><?xml version="1.0" encoding="utf-8"?>
 <p:presentation xmlns:a="http://schemas.openxmlformats.org/drawingml/2006/main" xmlns:r="http://schemas.openxmlformats.org/officeDocument/2006/relationships" xmlns:p="http://schemas.openxmlformats.org/presentationml/2006/main" xmlns:p14="http://schemas.microsoft.com/office/powerpoint/2010/main" saveSubsetFonts="1" firstSlideNum="0">
   <p:sldMasterIdLst>
-    <p:sldMasterId id="2147486940" r:id="rId12"/>
+    <p:sldMasterId id="2147486958" r:id="rId12"/>
   </p:sldMasterIdLst>
   <p:notesMasterIdLst>
     <p:notesMasterId r:id="rId14"/>
@@ -12,18 +12,20 @@
     <p:sldId id="319" r:id="rId18"/>
     <p:sldId id="320" r:id="rId20"/>
     <p:sldId id="334" r:id="rId22"/>
-    <p:sldId id="321" r:id="rId23"/>
-    <p:sldId id="333" r:id="rId25"/>
-    <p:sldId id="335" r:id="rId26"/>
-    <p:sldId id="336" r:id="rId28"/>
-    <p:sldId id="337" r:id="rId30"/>
-    <p:sldId id="338" r:id="rId32"/>
-    <p:sldId id="339" r:id="rId34"/>
-    <p:sldId id="340" r:id="rId36"/>
-    <p:sldId id="341" r:id="rId37"/>
-    <p:sldId id="342" r:id="rId38"/>
-    <p:sldId id="346" r:id="rId39"/>
-    <p:sldId id="345" r:id="rId40"/>
+    <p:sldId id="321" r:id="rId24"/>
+    <p:sldId id="333" r:id="rId26"/>
+    <p:sldId id="335" r:id="rId28"/>
+    <p:sldId id="336" r:id="rId30"/>
+    <p:sldId id="337" r:id="rId32"/>
+    <p:sldId id="338" r:id="rId34"/>
+    <p:sldId id="339" r:id="rId36"/>
+    <p:sldId id="340" r:id="rId38"/>
+    <p:sldId id="341" r:id="rId40"/>
+    <p:sldId id="342" r:id="rId41"/>
+    <p:sldId id="346" r:id="rId43"/>
+    <p:sldId id="347" r:id="rId45"/>
+    <p:sldId id="348" r:id="rId47"/>
+    <p:sldId id="349" r:id="rId48"/>
   </p:sldIdLst>
   <p:sldSz cx="12192000" cy="6858000"/>
   <p:notesSz cx="6858000" cy="9144000"/>
@@ -1618,6 +1620,290 @@
 </p:notes>
 </file>
 
+<file path=ppt/notesSlides/notesSlide17.xml><?xml version="1.0" encoding="utf-8"?>
+<p:notes xmlns:a="http://schemas.openxmlformats.org/drawingml/2006/main" xmlns:r="http://schemas.openxmlformats.org/officeDocument/2006/relationships" xmlns:p="http://schemas.openxmlformats.org/presentationml/2006/main">
+  <p:cSld>
+    <p:spTree>
+      <p:nvGrpSpPr>
+        <p:cNvPr id="1" name=""/>
+        <p:cNvGrpSpPr/>
+        <p:nvPr/>
+      </p:nvGrpSpPr>
+      <p:grpSpPr>
+        <a:xfrm>
+          <a:off x="0" y="0"/>
+          <a:ext cx="0" cy="0"/>
+          <a:chOff x="0" y="0"/>
+          <a:chExt cx="0" cy="0"/>
+        </a:xfrm>
+      </p:grpSpPr>
+      <p:sp>
+        <p:nvSpPr>
+          <p:cNvPr id="2" name="슬라이드 이미지 개체 틀 3"/>
+          <p:cNvSpPr>
+            <a:spLocks noChangeAspect="1"/>
+          </p:cNvSpPr>
+          <p:nvPr>
+            <p:ph type="sldImg" idx="2"/>
+          </p:nvPr>
+        </p:nvSpPr>
+        <p:spPr>
+          <a:xfrm rot="0">
+            <a:off x="685800" y="1143000"/>
+            <a:ext cx="5497195" cy="3096895"/>
+          </a:xfrm>
+          <a:prstGeom prst="rect"/>
+          <a:noFill/>
+          <a:ln w="12700" cap="flat" cmpd="sng">
+            <a:solidFill>
+              <a:srgbClr val="000000">
+                <a:alpha val="100000"/>
+              </a:srgbClr>
+            </a:solidFill>
+            <a:prstDash val="solid"/>
+          </a:ln>
+        </p:spPr>
+        <p:txBody>
+          <a:bodyPr wrap="square" lIns="91440" tIns="45720" rIns="91440" bIns="45720" numCol="1" vert="horz" anchor="ctr">
+            <a:noAutofit/>
+          </a:bodyPr>
+          <a:lstStyle/>
+          <a:p>
+            <a:pPr marL="0" indent="0" latinLnBrk="0">
+              <a:buFontTx/>
+              <a:buNone/>
+            </a:pPr>
+          </a:p>
+        </p:txBody>
+      </p:sp>
+      <p:sp>
+        <p:nvSpPr>
+          <p:cNvPr id="3" name="슬라이드 노트 개체 틀 4"/>
+          <p:cNvSpPr txBox="1">
+            <a:spLocks/>
+          </p:cNvSpPr>
+          <p:nvPr>
+            <p:ph type="body" idx="3"/>
+          </p:nvPr>
+        </p:nvSpPr>
+        <p:spPr>
+          <a:xfrm rot="0">
+            <a:off x="685800" y="4400550"/>
+            <a:ext cx="5497195" cy="3611245"/>
+          </a:xfrm>
+          <a:prstGeom prst="rect"/>
+        </p:spPr>
+        <p:txBody>
+          <a:bodyPr wrap="square" lIns="91440" tIns="45720" rIns="91440" bIns="45720" numCol="1" vert="horz" anchor="t">
+            <a:noAutofit/>
+          </a:bodyPr>
+          <a:lstStyle/>
+          <a:p>
+            <a:pPr marL="0" indent="0" latinLnBrk="0">
+              <a:buFontTx/>
+              <a:buNone/>
+            </a:pPr>
+          </a:p>
+        </p:txBody>
+      </p:sp>
+      <p:sp>
+        <p:nvSpPr>
+          <p:cNvPr id="4" name="슬라이드 번호 개체 틀 6"/>
+          <p:cNvSpPr txBox="1">
+            <a:spLocks/>
+          </p:cNvSpPr>
+          <p:nvPr>
+            <p:ph type="sldNum" idx="5"/>
+          </p:nvPr>
+        </p:nvSpPr>
+        <p:spPr>
+          <a:xfrm rot="0">
+            <a:off x="3884930" y="8685530"/>
+            <a:ext cx="2982595" cy="469265"/>
+          </a:xfrm>
+          <a:prstGeom prst="rect"/>
+        </p:spPr>
+        <p:txBody>
+          <a:bodyPr wrap="square" lIns="91440" tIns="45720" rIns="91440" bIns="45720" numCol="1" vert="horz" anchor="b">
+            <a:noAutofit/>
+          </a:bodyPr>
+          <a:lstStyle>
+            <a:lvl1pPr marL="0" indent="0" algn="r" latinLnBrk="0">
+              <a:buFontTx/>
+              <a:buNone/>
+              <a:defRPr lang="en-GB" altLang="en-US" sz="1200"/>
+            </a:lvl1pPr>
+          </a:lstStyle>
+          <a:p>
+            <a:pPr marL="0" indent="0" latinLnBrk="0">
+              <a:buFontTx/>
+              <a:buNone/>
+            </a:pPr>
+            <a:fld id="{B9320F77-B9A0-41C5-862A-B4B631284C64}" type="slidenum">
+              <a:rPr lang="ko-KR" altLang="en-US"/>
+              <a:t>‹#›</a:t>
+            </a:fld>
+          </a:p>
+        </p:txBody>
+      </p:sp>
+    </p:spTree>
+  </p:cSld>
+  <p:clrMapOvr>
+    <a:masterClrMapping/>
+  </p:clrMapOvr>
+  <mc:AlternateContent xmlns:mc="http://schemas.openxmlformats.org/markup-compatibility/2006">
+    <mc:Choice xmlns:p14="http://schemas.microsoft.com/office/powerpoint/2010/main" Requires="p14">
+      <p:transition spd="slow" p14:dur="0"/>
+    </mc:Choice>
+    <mc:Fallback>
+      <p:transition spd="slow"/>
+    </mc:Fallback>
+  </mc:AlternateContent>
+</p:notes>
+</file>
+
+<file path=ppt/notesSlides/notesSlide18.xml><?xml version="1.0" encoding="utf-8"?>
+<p:notes xmlns:a="http://schemas.openxmlformats.org/drawingml/2006/main" xmlns:r="http://schemas.openxmlformats.org/officeDocument/2006/relationships" xmlns:p="http://schemas.openxmlformats.org/presentationml/2006/main">
+  <p:cSld>
+    <p:spTree>
+      <p:nvGrpSpPr>
+        <p:cNvPr id="1" name=""/>
+        <p:cNvGrpSpPr/>
+        <p:nvPr/>
+      </p:nvGrpSpPr>
+      <p:grpSpPr>
+        <a:xfrm>
+          <a:off x="0" y="0"/>
+          <a:ext cx="0" cy="0"/>
+          <a:chOff x="0" y="0"/>
+          <a:chExt cx="0" cy="0"/>
+        </a:xfrm>
+      </p:grpSpPr>
+      <p:sp>
+        <p:nvSpPr>
+          <p:cNvPr id="2" name="슬라이드 이미지 개체 틀 3"/>
+          <p:cNvSpPr>
+            <a:spLocks noChangeAspect="1"/>
+          </p:cNvSpPr>
+          <p:nvPr>
+            <p:ph type="sldImg" idx="2"/>
+          </p:nvPr>
+        </p:nvSpPr>
+        <p:spPr>
+          <a:xfrm rot="0">
+            <a:off x="685800" y="1143000"/>
+            <a:ext cx="5497830" cy="3097530"/>
+          </a:xfrm>
+          <a:prstGeom prst="rect"/>
+          <a:noFill/>
+          <a:ln w="12700" cap="flat" cmpd="sng">
+            <a:solidFill>
+              <a:srgbClr val="000000">
+                <a:alpha val="100000"/>
+              </a:srgbClr>
+            </a:solidFill>
+            <a:prstDash val="solid"/>
+          </a:ln>
+        </p:spPr>
+        <p:txBody>
+          <a:bodyPr wrap="square" lIns="91440" tIns="45720" rIns="91440" bIns="45720" numCol="1" vert="horz" anchor="ctr">
+            <a:noAutofit/>
+          </a:bodyPr>
+          <a:lstStyle/>
+          <a:p>
+            <a:pPr marL="0" indent="0" latinLnBrk="0">
+              <a:buFontTx/>
+              <a:buNone/>
+            </a:pPr>
+          </a:p>
+        </p:txBody>
+      </p:sp>
+      <p:sp>
+        <p:nvSpPr>
+          <p:cNvPr id="3" name="슬라이드 노트 개체 틀 4"/>
+          <p:cNvSpPr txBox="1">
+            <a:spLocks/>
+          </p:cNvSpPr>
+          <p:nvPr>
+            <p:ph type="body" idx="3"/>
+          </p:nvPr>
+        </p:nvSpPr>
+        <p:spPr>
+          <a:xfrm rot="0">
+            <a:off x="685800" y="4400550"/>
+            <a:ext cx="5497830" cy="3611880"/>
+          </a:xfrm>
+          <a:prstGeom prst="rect"/>
+        </p:spPr>
+        <p:txBody>
+          <a:bodyPr wrap="square" lIns="91440" tIns="45720" rIns="91440" bIns="45720" numCol="1" vert="horz" anchor="t">
+            <a:noAutofit/>
+          </a:bodyPr>
+          <a:lstStyle/>
+          <a:p>
+            <a:pPr marL="0" indent="0" latinLnBrk="0">
+              <a:buFontTx/>
+              <a:buNone/>
+            </a:pPr>
+          </a:p>
+        </p:txBody>
+      </p:sp>
+      <p:sp>
+        <p:nvSpPr>
+          <p:cNvPr id="4" name="슬라이드 번호 개체 틀 6"/>
+          <p:cNvSpPr txBox="1">
+            <a:spLocks/>
+          </p:cNvSpPr>
+          <p:nvPr>
+            <p:ph type="sldNum" idx="5"/>
+          </p:nvPr>
+        </p:nvSpPr>
+        <p:spPr>
+          <a:xfrm rot="0">
+            <a:off x="3884930" y="8685530"/>
+            <a:ext cx="2983230" cy="469900"/>
+          </a:xfrm>
+          <a:prstGeom prst="rect"/>
+        </p:spPr>
+        <p:txBody>
+          <a:bodyPr wrap="square" lIns="91440" tIns="45720" rIns="91440" bIns="45720" numCol="1" vert="horz" anchor="b">
+            <a:noAutofit/>
+          </a:bodyPr>
+          <a:lstStyle>
+            <a:lvl1pPr marL="0" indent="0" algn="r" latinLnBrk="0">
+              <a:buFontTx/>
+              <a:buNone/>
+              <a:defRPr lang="en-GB" altLang="en-US" sz="1200"/>
+            </a:lvl1pPr>
+          </a:lstStyle>
+          <a:p>
+            <a:pPr marL="0" indent="0" latinLnBrk="0">
+              <a:buFontTx/>
+              <a:buNone/>
+            </a:pPr>
+            <a:fld id="{B9320F77-B9A0-41C5-862A-B4B631284C64}" type="slidenum">
+              <a:rPr lang="ko-KR" altLang="en-US"/>
+              <a:t>‹#›</a:t>
+            </a:fld>
+          </a:p>
+        </p:txBody>
+      </p:sp>
+    </p:spTree>
+  </p:cSld>
+  <p:clrMapOvr>
+    <a:masterClrMapping/>
+  </p:clrMapOvr>
+  <mc:AlternateContent xmlns:mc="http://schemas.openxmlformats.org/markup-compatibility/2006">
+    <mc:Choice xmlns:p14="http://schemas.microsoft.com/office/powerpoint/2010/main" Requires="p14">
+      <p:transition spd="slow" p14:dur="0"/>
+    </mc:Choice>
+    <mc:Fallback>
+      <p:transition spd="slow"/>
+    </mc:Fallback>
+  </mc:AlternateContent>
+</p:notes>
+</file>
+
 <file path=ppt/notesSlides/notesSlide2.xml><?xml version="1.0" encoding="utf-8"?>
 <p:notes xmlns:a="http://schemas.openxmlformats.org/drawingml/2006/main" xmlns:r="http://schemas.openxmlformats.org/officeDocument/2006/relationships" xmlns:p="http://schemas.openxmlformats.org/presentationml/2006/main">
   <p:cSld>
@@ -9050,7 +9336,7 @@
         <p:spPr>
           <a:xfrm rot="0">
             <a:off x="6804660" y="5306060"/>
-            <a:ext cx="4152265" cy="922020"/>
+            <a:ext cx="4144010" cy="922655"/>
           </a:xfrm>
           <a:prstGeom prst="rect"/>
           <a:noFill/>
@@ -9111,42 +9397,21 @@
                 <a:latin typeface="맑은 고딕" charset="0"/>
                 <a:ea typeface="맑은 고딕" charset="0"/>
               </a:rPr>
-              <a:t> </a:t>
+              <a:t> 생성하고 Camera Culling </a:t>
             </a:r>
             <a:r>
               <a:rPr sz="1800">
                 <a:latin typeface="맑은 고딕" charset="0"/>
                 <a:ea typeface="맑은 고딕" charset="0"/>
               </a:rPr>
-              <a:t>생성하고</a:t>
+              <a:t>Button이라는</a:t>
             </a:r>
             <a:r>
               <a:rPr sz="1800">
                 <a:latin typeface="맑은 고딕" charset="0"/>
                 <a:ea typeface="맑은 고딕" charset="0"/>
               </a:rPr>
-              <a:t> Character Culling </a:t>
-            </a:r>
-            <a:r>
-              <a:rPr sz="1800">
-                <a:latin typeface="맑은 고딕" charset="0"/>
-                <a:ea typeface="맑은 고딕" charset="0"/>
-              </a:rPr>
-              <a:t>Button이라는</a:t>
-            </a:r>
-            <a:r>
-              <a:rPr sz="1800">
-                <a:latin typeface="맑은 고딕" charset="0"/>
-                <a:ea typeface="맑은 고딕" charset="0"/>
-              </a:rPr>
-              <a:t> 이름으로 정의합니</a:t>
-            </a:r>
-            <a:r>
-              <a:rPr sz="1800">
-                <a:latin typeface="맑은 고딕" charset="0"/>
-                <a:ea typeface="맑은 고딕" charset="0"/>
-              </a:rPr>
-              <a:t>다.</a:t>
+              <a:t> 이름으로 정의합니다.</a:t>
             </a:r>
             <a:endParaRPr lang="ko-KR" altLang="en-US" sz="1800">
               <a:latin typeface="맑은 고딕" charset="0"/>
@@ -9167,7 +9432,7 @@
       </p:sp>
       <p:pic>
         <p:nvPicPr>
-          <p:cNvPr id="95" name="그림 28" descr="C:/Users/Admin1/AppData/Roaming/PolarisOffice/ETemp/25668_19456376/fImage191382645705.png"/>
+          <p:cNvPr id="95" name="그림 28"/>
           <p:cNvPicPr>
             <a:picLocks noChangeAspect="1"/>
           </p:cNvPicPr>
@@ -9198,17 +9463,17 @@
       </p:pic>
       <p:pic>
         <p:nvPicPr>
-          <p:cNvPr id="97" name="그림 5" descr="C:/Users/Admin1/AppData/Roaming/PolarisOffice/ETemp/25668_19456376/fImage937124941.png"/>
+          <p:cNvPr id="97" name="그림 5" descr="C:/Users/Admin1/AppData/Roaming/PolarisOffice/ETemp/29888_17492856/fImage937124941.png"/>
           <p:cNvPicPr>
             <a:picLocks noChangeAspect="1"/>
           </p:cNvPicPr>
           <p:nvPr/>
         </p:nvPicPr>
         <p:blipFill rotWithShape="1">
-          <a:blip r:embed="rId9" cstate="print">
+          <a:blip r:embed="rId9" cstate="hqprint">
             <a:extLst>
               <a:ext uri="{28A0092B-C50C-407E-A947-70E740481C1C}">
-                <a14:useLocalDpi xmlns:a14="http://schemas.microsoft.com/office/drawing/2010/main" val="0"/>
+                <a14:useLocalDpi xmlns:a14="http://schemas.microsoft.com/office/drawing/2010/main"/>
               </a:ext>
             </a:extLst>
           </a:blip>
@@ -9218,8 +9483,8 @@
         </p:blipFill>
         <p:spPr>
           <a:xfrm rot="0">
-            <a:off x="4065905" y="2273935"/>
-            <a:ext cx="1318895" cy="1981835"/>
+            <a:off x="4065905" y="2334260"/>
+            <a:ext cx="1319530" cy="1844040"/>
           </a:xfrm>
           <a:prstGeom prst="roundRect"/>
           <a:solidFill>
@@ -9229,7 +9494,7 @@
       </p:pic>
       <p:pic>
         <p:nvPicPr>
-          <p:cNvPr id="98" name="그림 8" descr="C:/Users/Admin1/AppData/Roaming/PolarisOffice/ETemp/25668_19456376/fImage191382645705.png"/>
+          <p:cNvPr id="98" name="그림 8"/>
           <p:cNvPicPr>
             <a:picLocks noChangeAspect="1"/>
           </p:cNvPicPr>
@@ -9260,14 +9525,14 @@
       </p:pic>
       <p:pic>
         <p:nvPicPr>
-          <p:cNvPr id="99" name="그림 9" descr="C:/Users/Admin1/AppData/Roaming/PolarisOffice/ETemp/25668_19456376/fImage104452518467.png"/>
+          <p:cNvPr id="99" name="그림 5" descr="C:/Users/Admin1/AppData/Roaming/PolarisOffice/ETemp/29888_17492856/fImage1110823341.png"/>
           <p:cNvPicPr>
             <a:picLocks noChangeAspect="1"/>
           </p:cNvPicPr>
           <p:nvPr/>
         </p:nvPicPr>
         <p:blipFill rotWithShape="1">
-          <a:blip r:embed="rId10" cstate="print">
+          <a:blip r:embed="rId11" cstate="print">
             <a:extLst>
               <a:ext uri="{28A0092B-C50C-407E-A947-70E740481C1C}">
                 <a14:useLocalDpi xmlns:a14="http://schemas.microsoft.com/office/drawing/2010/main" val="0"/>
@@ -9280,8 +9545,8 @@
         </p:blipFill>
         <p:spPr>
           <a:xfrm rot="0">
-            <a:off x="9587230" y="2273935"/>
-            <a:ext cx="1378585" cy="1981835"/>
+            <a:off x="9578340" y="2251710"/>
+            <a:ext cx="1379220" cy="1995170"/>
           </a:xfrm>
           <a:prstGeom prst="roundRect"/>
           <a:solidFill>
@@ -9653,146 +9918,9 @@
           </a:p>
         </p:txBody>
       </p:sp>
-      <p:sp>
-        <p:nvSpPr>
-          <p:cNvPr id="89" name="Rect 0"/>
-          <p:cNvSpPr txBox="1">
-            <a:spLocks/>
-          </p:cNvSpPr>
-          <p:nvPr/>
-        </p:nvSpPr>
-        <p:spPr>
-          <a:xfrm rot="0">
-            <a:off x="6822440" y="5338445"/>
-            <a:ext cx="4152265" cy="929640"/>
-          </a:xfrm>
-          <a:prstGeom prst="rect"/>
-          <a:noFill/>
-        </p:spPr>
-        <p:txBody>
-          <a:bodyPr wrap="square" lIns="0" tIns="0" rIns="0" bIns="0" numCol="1" vert="horz" anchor="t">
-            <a:noAutofit/>
-          </a:bodyPr>
-          <a:lstStyle/>
-          <a:p>
-            <a:pPr marL="0" indent="0" algn="l" latinLnBrk="0" hangingPunct="1">
-              <a:buFontTx/>
-              <a:buNone/>
-            </a:pPr>
-            <a:r>
-              <a:rPr lang="ko-KR" sz="2000" b="1">
-                <a:solidFill>
-                  <a:srgbClr val="0611F2"/>
-                </a:solidFill>
-                <a:latin typeface="맑은 고딕" charset="0"/>
-                <a:ea typeface="맑은 고딕" charset="0"/>
-              </a:rPr>
-              <a:t>32.</a:t>
-            </a:r>
-            <a:r>
-              <a:rPr lang="ko-KR" sz="2000">
-                <a:solidFill>
-                  <a:srgbClr val="0611F2"/>
-                </a:solidFill>
-                <a:latin typeface="맑은 고딕" charset="0"/>
-                <a:ea typeface="맑은 고딕" charset="0"/>
-              </a:rPr>
-              <a:t> </a:t>
-            </a:r>
-            <a:r>
-              <a:rPr sz="1800">
-                <a:latin typeface="맑은 고딕" charset="0"/>
-                <a:ea typeface="맑은 고딕" charset="0"/>
-              </a:rPr>
-              <a:t>그리고 UI에서 Button </a:t>
-            </a:r>
-            <a:r>
-              <a:rPr sz="1800">
-                <a:latin typeface="맑은 고딕" charset="0"/>
-                <a:ea typeface="맑은 고딕" charset="0"/>
-              </a:rPr>
-              <a:t>오브젝트</a:t>
-            </a:r>
-            <a:r>
-              <a:rPr lang="ko-KR" sz="1800">
-                <a:latin typeface="맑은 고딕" charset="0"/>
-                <a:ea typeface="맑은 고딕" charset="0"/>
-              </a:rPr>
-              <a:t>를</a:t>
-            </a:r>
-            <a:r>
-              <a:rPr sz="1800">
-                <a:latin typeface="맑은 고딕" charset="0"/>
-                <a:ea typeface="맑은 고딕" charset="0"/>
-              </a:rPr>
-              <a:t> </a:t>
-            </a:r>
-            <a:r>
-              <a:rPr sz="1800">
-                <a:latin typeface="맑은 고딕" charset="0"/>
-                <a:ea typeface="맑은 고딕" charset="0"/>
-              </a:rPr>
-              <a:t>생성</a:t>
-            </a:r>
-            <a:r>
-              <a:rPr lang="ko-KR" sz="1800">
-                <a:latin typeface="맑은 고딕" charset="0"/>
-                <a:ea typeface="맑은 고딕" charset="0"/>
-              </a:rPr>
-              <a:t>한</a:t>
-            </a:r>
-            <a:r>
-              <a:rPr lang="ko-KR" sz="1800">
-                <a:latin typeface="맑은 고딕" charset="0"/>
-                <a:ea typeface="맑은 고딕" charset="0"/>
-              </a:rPr>
-              <a:t> </a:t>
-            </a:r>
-            <a:r>
-              <a:rPr lang="ko-KR" sz="1800">
-                <a:latin typeface="맑은 고딕" charset="0"/>
-                <a:ea typeface="맑은 고딕" charset="0"/>
-              </a:rPr>
-              <a:t>다음</a:t>
-            </a:r>
-            <a:r>
-              <a:rPr sz="1800">
-                <a:latin typeface="맑은 고딕" charset="0"/>
-                <a:ea typeface="맑은 고딕" charset="0"/>
-              </a:rPr>
-              <a:t> Everything Culling </a:t>
-            </a:r>
-            <a:r>
-              <a:rPr sz="1800">
-                <a:latin typeface="맑은 고딕" charset="0"/>
-                <a:ea typeface="맑은 고딕" charset="0"/>
-              </a:rPr>
-              <a:t>Button이라는</a:t>
-            </a:r>
-            <a:r>
-              <a:rPr sz="1800">
-                <a:latin typeface="맑은 고딕" charset="0"/>
-                <a:ea typeface="맑은 고딕" charset="0"/>
-              </a:rPr>
-              <a:t> 이름으로 정의합니</a:t>
-            </a:r>
-            <a:r>
-              <a:rPr sz="1800">
-                <a:latin typeface="맑은 고딕" charset="0"/>
-                <a:ea typeface="맑은 고딕" charset="0"/>
-              </a:rPr>
-              <a:t>다.</a:t>
-            </a:r>
-            <a:endParaRPr lang="ko-KR" altLang="en-US" sz="1800">
-              <a:latin typeface="맑은 고딕" charset="0"/>
-              <a:ea typeface="맑은 고딕" charset="0"/>
-            </a:endParaRPr>
-          </a:p>
-        </p:txBody>
-      </p:sp>
       <p:pic>
         <p:nvPicPr>
-          <p:cNvPr id="91" name="Picture " descr="C:/Users/Admin1/AppData/Roaming/PolarisOffice/ETemp/25668_19456376/fImage85062693281.png"/>
+          <p:cNvPr id="91" name="Picture "/>
           <p:cNvPicPr>
             <a:picLocks noChangeAspect="1"/>
           </p:cNvPicPr>
@@ -9812,8 +9940,8 @@
         </p:blipFill>
         <p:spPr>
           <a:xfrm rot="0">
-            <a:off x="1238250" y="1438275"/>
-            <a:ext cx="2365375" cy="2572385"/>
+            <a:off x="1231900" y="1430020"/>
+            <a:ext cx="2372360" cy="2581275"/>
           </a:xfrm>
           <a:prstGeom prst="roundRect"/>
           <a:solidFill>
@@ -9823,7 +9951,7 @@
       </p:pic>
       <p:pic>
         <p:nvPicPr>
-          <p:cNvPr id="98" name="그림 35" descr="C:/Users/Admin1/AppData/Roaming/PolarisOffice/ETemp/25668_19456376/fImage21192799961.png"/>
+          <p:cNvPr id="98" name="그림 35"/>
           <p:cNvPicPr>
             <a:picLocks noChangeAspect="1"/>
           </p:cNvPicPr>
@@ -9843,8 +9971,8 @@
         </p:blipFill>
         <p:spPr>
           <a:xfrm rot="0">
-            <a:off x="4290060" y="3333750"/>
-            <a:ext cx="663575" cy="680720"/>
+            <a:off x="4264025" y="3333750"/>
+            <a:ext cx="690245" cy="672465"/>
           </a:xfrm>
           <a:prstGeom prst="roundRect"/>
           <a:solidFill>
@@ -9857,14 +9985,14 @@
           <p:cNvPr id="99" name="도형 38"/>
           <p:cNvCxnSpPr>
             <a:stCxn id="98" idx="0"/>
-            <a:endCxn id="101" idx="2"/>
+            <a:endCxn id="104" idx="2"/>
           </p:cNvCxnSpPr>
           <p:nvPr/>
         </p:nvCxnSpPr>
         <p:spPr>
           <a:xfrm rot="0" flipV="1">
-            <a:off x="4621530" y="2985770"/>
-            <a:ext cx="3175" cy="348615"/>
+            <a:off x="4608830" y="3008630"/>
+            <a:ext cx="8890" cy="325755"/>
           </a:xfrm>
           <a:prstGeom prst="straightConnector1"/>
           <a:ln w="6350" cap="flat" cmpd="sng">
@@ -9889,14 +10017,14 @@
       </p:cxnSp>
       <p:pic>
         <p:nvPicPr>
-          <p:cNvPr id="101" name="그림 12" descr="C:/Users/Admin1/AppData/Roaming/PolarisOffice/ETemp/25668_19456376/fImage112212526334.png"/>
+          <p:cNvPr id="104" name="그림 8"/>
           <p:cNvPicPr>
             <a:picLocks noChangeAspect="1"/>
           </p:cNvPicPr>
           <p:nvPr/>
         </p:nvPicPr>
         <p:blipFill rotWithShape="1">
-          <a:blip r:embed="rId7" cstate="print">
+          <a:blip r:embed="rId10" cstate="print">
             <a:extLst>
               <a:ext uri="{28A0092B-C50C-407E-A947-70E740481C1C}">
                 <a14:useLocalDpi xmlns:a14="http://schemas.microsoft.com/office/drawing/2010/main" val="0"/>
@@ -9909,8 +10037,8 @@
         </p:blipFill>
         <p:spPr>
           <a:xfrm rot="0">
-            <a:off x="3873500" y="1430020"/>
-            <a:ext cx="1502410" cy="1556385"/>
+            <a:off x="3858895" y="1437005"/>
+            <a:ext cx="1517015" cy="1572260"/>
           </a:xfrm>
           <a:prstGeom prst="roundRect"/>
           <a:solidFill>
@@ -9920,14 +10048,14 @@
       </p:pic>
       <p:pic>
         <p:nvPicPr>
-          <p:cNvPr id="102" name="그림 15" descr="C:/Users/Admin1/AppData/Roaming/PolarisOffice/ETemp/25668_19456376/fImage191382645705.png"/>
+          <p:cNvPr id="105" name="그림 11" descr="C:/Users/Admin1/AppData/Roaming/PolarisOffice/ETemp/37196_16310752/fImage18096424741.png"/>
           <p:cNvPicPr>
             <a:picLocks noChangeAspect="1"/>
           </p:cNvPicPr>
           <p:nvPr/>
         </p:nvPicPr>
         <p:blipFill rotWithShape="1">
-          <a:blip r:embed="rId8" cstate="hqprint">
+          <a:blip r:embed="rId11" cstate="hqprint">
             <a:extLst>
               <a:ext uri="{28A0092B-C50C-407E-A947-70E740481C1C}">
                 <a14:useLocalDpi xmlns:a14="http://schemas.microsoft.com/office/drawing/2010/main"/>
@@ -9940,8 +10068,8 @@
         </p:blipFill>
         <p:spPr>
           <a:xfrm rot="0">
-            <a:off x="6822440" y="1441450"/>
-            <a:ext cx="2618740" cy="3636010"/>
+            <a:off x="6808470" y="1463040"/>
+            <a:ext cx="4147820" cy="3705225"/>
           </a:xfrm>
           <a:prstGeom prst="roundRect"/>
           <a:solidFill>
@@ -9949,37 +10077,95 @@
           </a:solidFill>
         </p:spPr>
       </p:pic>
-      <p:pic>
-        <p:nvPicPr>
-          <p:cNvPr id="103" name="그림 17" descr="C:/Users/Admin1/AppData/Roaming/PolarisOffice/ETemp/25668_19456376/fImage120502556500.png"/>
-          <p:cNvPicPr>
-            <a:picLocks noChangeAspect="1"/>
-          </p:cNvPicPr>
+      <p:sp>
+        <p:nvSpPr>
+          <p:cNvPr id="106" name="텍스트 상자 12"/>
+          <p:cNvSpPr txBox="1">
+            <a:spLocks/>
+          </p:cNvSpPr>
           <p:nvPr/>
-        </p:nvPicPr>
-        <p:blipFill rotWithShape="1">
-          <a:blip r:embed="rId9" cstate="print">
-            <a:extLst>
-              <a:ext uri="{28A0092B-C50C-407E-A947-70E740481C1C}">
-                <a14:useLocalDpi xmlns:a14="http://schemas.microsoft.com/office/drawing/2010/main" val="0"/>
-              </a:ext>
-            </a:extLst>
-          </a:blip>
-          <a:stretch>
-            <a:fillRect/>
-          </a:stretch>
-        </p:blipFill>
-        <p:spPr>
-          <a:xfrm rot="0">
-            <a:off x="9604375" y="2255520"/>
-            <a:ext cx="1358265" cy="2155190"/>
-          </a:xfrm>
-          <a:prstGeom prst="roundRect"/>
-          <a:solidFill>
-            <a:srgbClr val="EDEDED"/>
-          </a:solidFill>
-        </p:spPr>
-      </p:pic>
+        </p:nvSpPr>
+        <p:spPr>
+          <a:xfrm rot="0">
+            <a:off x="6814820" y="5335270"/>
+            <a:ext cx="4133215" cy="925830"/>
+          </a:xfrm>
+          <a:prstGeom prst="rect"/>
+          <a:noFill/>
+          <a:ln w="0">
+            <a:noFill/>
+            <a:prstDash/>
+          </a:ln>
+        </p:spPr>
+        <p:txBody>
+          <a:bodyPr wrap="square" lIns="89535" tIns="46355" rIns="89535" bIns="46355" numCol="1" vert="horz" anchor="t">
+            <a:spAutoFit/>
+          </a:bodyPr>
+          <a:lstStyle/>
+          <a:p>
+            <a:pPr marL="0" indent="0" rtl="0" algn="l" defTabSz="914400" eaLnBrk="1" latinLnBrk="0" hangingPunct="1">
+              <a:buFontTx/>
+              <a:buNone/>
+            </a:pPr>
+            <a:r>
+              <a:rPr lang="ko-KR" sz="1800">
+                <a:latin typeface="맑은 고딕" charset="0"/>
+                <a:ea typeface="맑은 고딕" charset="0"/>
+              </a:rPr>
+              <a:t>애니메이션</a:t>
+            </a:r>
+            <a:r>
+              <a:rPr lang="ko-KR" sz="1800">
+                <a:latin typeface="맑은 고딕" charset="0"/>
+                <a:ea typeface="맑은 고딕" charset="0"/>
+              </a:rPr>
+              <a:t> 리타켓팅이란?</a:t>
+            </a:r>
+            <a:endParaRPr lang="ko-KR" altLang="en-US" sz="1800">
+              <a:latin typeface="맑은 고딕" charset="0"/>
+              <a:ea typeface="맑은 고딕" charset="0"/>
+            </a:endParaRPr>
+          </a:p>
+          <a:p>
+            <a:pPr marL="0" indent="0" rtl="0" algn="l" defTabSz="914400" eaLnBrk="1" latinLnBrk="0" hangingPunct="1">
+              <a:buFontTx/>
+              <a:buNone/>
+            </a:pPr>
+            <a:r>
+              <a:rPr lang="ko-KR" sz="1800">
+                <a:latin typeface="맑은 고딕" charset="0"/>
+                <a:ea typeface="맑은 고딕" charset="0"/>
+              </a:rPr>
+              <a:t>같은</a:t>
+            </a:r>
+            <a:r>
+              <a:rPr lang="ko-KR" sz="1800">
+                <a:latin typeface="맑은 고딕" charset="0"/>
+                <a:ea typeface="맑은 고딕" charset="0"/>
+              </a:rPr>
+              <a:t> 애니메이션을 다양한 캐릭터 </a:t>
+            </a:r>
+            <a:r>
+              <a:rPr lang="ko-KR" sz="1800">
+                <a:latin typeface="맑은 고딕" charset="0"/>
+                <a:ea typeface="맑은 고딕" charset="0"/>
+              </a:rPr>
+              <a:t>모델에</a:t>
+            </a:r>
+            <a:r>
+              <a:rPr lang="ko-KR" sz="1800">
+                <a:latin typeface="맑은 고딕" charset="0"/>
+                <a:ea typeface="맑은 고딕" charset="0"/>
+              </a:rPr>
+              <a:t> 동시에 적용하는 기법입니다.</a:t>
+            </a:r>
+            <a:endParaRPr lang="ko-KR" altLang="en-US" sz="1800">
+              <a:latin typeface="맑은 고딕" charset="0"/>
+              <a:ea typeface="맑은 고딕" charset="0"/>
+            </a:endParaRPr>
+          </a:p>
+        </p:txBody>
+      </p:sp>
     </p:spTree>
   </p:cSld>
   <p:clrMapOvr>
@@ -10088,8 +10274,8 @@
         </p:nvSpPr>
         <p:spPr>
           <a:xfrm rot="0">
-            <a:off x="1228725" y="3058795"/>
-            <a:ext cx="4153535" cy="647065"/>
+            <a:off x="1228725" y="3075940"/>
+            <a:ext cx="4154170" cy="647700"/>
           </a:xfrm>
           <a:prstGeom prst="rect"/>
           <a:noFill/>
@@ -10154,35 +10340,7 @@
                 <a:latin typeface="맑은 고딕" charset="0"/>
                 <a:ea typeface="맑은 고딕" charset="0"/>
               </a:rPr>
-              <a:t> </a:t>
-            </a:r>
-            <a:r>
-              <a:rPr lang="ko-KR" sz="1800">
-                <a:latin typeface="맑은 고딕" charset="0"/>
-                <a:ea typeface="맑은 고딕" charset="0"/>
-              </a:rPr>
-              <a:t>위치</a:t>
-            </a:r>
-            <a:r>
-              <a:rPr lang="ko-KR" sz="1800">
-                <a:latin typeface="맑은 고딕" charset="0"/>
-                <a:ea typeface="맑은 고딕" charset="0"/>
-              </a:rPr>
-              <a:t> </a:t>
-            </a:r>
-            <a:r>
-              <a:rPr lang="ko-KR" sz="1800">
-                <a:latin typeface="맑은 고딕" charset="0"/>
-                <a:ea typeface="맑은 고딕" charset="0"/>
-              </a:rPr>
-              <a:t>값을</a:t>
-            </a:r>
-            <a:r>
-              <a:rPr lang="ko-KR" sz="1800">
-                <a:latin typeface="맑은 고딕" charset="0"/>
-                <a:ea typeface="맑은 고딕" charset="0"/>
-              </a:rPr>
-              <a:t> 설정합니다.</a:t>
+              <a:t> 위치 값을 설정합니다.</a:t>
             </a:r>
             <a:endParaRPr lang="ko-KR" altLang="en-US" sz="1800">
               <a:latin typeface="맑은 고딕" charset="0"/>
@@ -10306,7 +10464,7 @@
       </p:sp>
       <p:pic>
         <p:nvPicPr>
-          <p:cNvPr id="110" name="그림 21" descr="C:/Users/Admin1/AppData/Roaming/PolarisOffice/ETemp/25668_19456376/fImage162492964827.png"/>
+          <p:cNvPr id="110" name="그림 21"/>
           <p:cNvPicPr>
             <a:picLocks noChangeAspect="1"/>
           </p:cNvPicPr>
@@ -10337,7 +10495,7 @@
       </p:pic>
       <p:pic>
         <p:nvPicPr>
-          <p:cNvPr id="111" name="그림 22" descr="C:/Users/Admin1/AppData/Roaming/PolarisOffice/ETemp/25668_19456376/fImage156622589169.png"/>
+          <p:cNvPr id="111" name="그림 22"/>
           <p:cNvPicPr>
             <a:picLocks noChangeAspect="1"/>
           </p:cNvPicPr>
@@ -10368,7 +10526,7 @@
       </p:pic>
       <p:pic>
         <p:nvPicPr>
-          <p:cNvPr id="112" name="그림 25" descr="C:/Users/Admin1/AppData/Roaming/PolarisOffice/ETemp/25668_19456376/fImage125342595724.png"/>
+          <p:cNvPr id="112" name="그림 25"/>
           <p:cNvPicPr>
             <a:picLocks noChangeAspect="1"/>
           </p:cNvPicPr>
@@ -10519,7 +10677,7 @@
       </p:sp>
       <p:pic>
         <p:nvPicPr>
-          <p:cNvPr id="114" name="그림 29" descr="C:/Users/Admin1/AppData/Roaming/PolarisOffice/ETemp/25668_19456376/fImage187802611478.png"/>
+          <p:cNvPr id="114" name="그림 29"/>
           <p:cNvPicPr>
             <a:picLocks noChangeAspect="1"/>
           </p:cNvPicPr>
@@ -10706,7 +10864,7 @@
 </file>
 
 <file path=ppt/slides/slide15.xml><?xml version="1.0" encoding="utf-8"?>
-<p:sld xmlns:a="http://schemas.openxmlformats.org/drawingml/2006/main" xmlns:r="http://schemas.openxmlformats.org/officeDocument/2006/relationships" xmlns:p="http://schemas.openxmlformats.org/presentationml/2006/main">
+<p:sld xmlns:a="http://schemas.openxmlformats.org/drawingml/2006/main" xmlns:r="http://schemas.openxmlformats.org/officeDocument/2006/relationships" xmlns:p="http://schemas.openxmlformats.org/presentationml/2006/main" xmlns:p14="http://schemas.microsoft.com/office/powerpoint/2010/main">
   <p:cSld>
     <p:spTree>
       <p:nvGrpSpPr>
@@ -11020,111 +11178,9 @@
           </a:p>
         </p:txBody>
       </p:sp>
-      <p:sp>
-        <p:nvSpPr>
-          <p:cNvPr id="115" name="Rect 0"/>
-          <p:cNvSpPr txBox="1">
-            <a:spLocks/>
-          </p:cNvSpPr>
-          <p:nvPr/>
-        </p:nvSpPr>
-        <p:spPr>
-          <a:xfrm rot="0">
-            <a:off x="6814820" y="5293995"/>
-            <a:ext cx="4148455" cy="923925"/>
-          </a:xfrm>
-          <a:prstGeom prst="rect"/>
-          <a:noFill/>
-          <a:ln w="0">
-            <a:noFill/>
-            <a:prstDash/>
-          </a:ln>
-        </p:spPr>
-        <p:txBody>
-          <a:bodyPr wrap="square" lIns="89535" tIns="46355" rIns="89535" bIns="46355" numCol="1" vert="horz" anchor="t">
-            <a:spAutoFit/>
-          </a:bodyPr>
-          <a:lstStyle/>
-          <a:p>
-            <a:pPr marL="0" indent="0" rtl="0" algn="l" defTabSz="914400" eaLnBrk="1" latinLnBrk="0" hangingPunct="1">
-              <a:buFontTx/>
-              <a:buNone/>
-            </a:pPr>
-            <a:r>
-              <a:rPr lang="ko-KR" sz="1800" b="1">
-                <a:solidFill>
-                  <a:srgbClr val="0611F2"/>
-                </a:solidFill>
-                <a:latin typeface="맑은 고딕" charset="0"/>
-                <a:ea typeface="맑은 고딕" charset="0"/>
-              </a:rPr>
-              <a:t>4</a:t>
-            </a:r>
-            <a:r>
-              <a:rPr lang="ko-KR" sz="1800" b="1">
-                <a:solidFill>
-                  <a:srgbClr val="0611F2"/>
-                </a:solidFill>
-                <a:latin typeface="맑은 고딕" charset="0"/>
-                <a:ea typeface="맑은 고딕" charset="0"/>
-              </a:rPr>
-              <a:t>0</a:t>
-            </a:r>
-            <a:r>
-              <a:rPr sz="1800" b="1">
-                <a:solidFill>
-                  <a:srgbClr val="0611F2"/>
-                </a:solidFill>
-                <a:latin typeface="맑은 고딕" charset="0"/>
-                <a:ea typeface="맑은 고딕" charset="0"/>
-              </a:rPr>
-              <a:t>.</a:t>
-            </a:r>
-            <a:r>
-              <a:rPr sz="1800">
-                <a:latin typeface="맑은 고딕" charset="0"/>
-                <a:ea typeface="맑은 고딕" charset="0"/>
-              </a:rPr>
-              <a:t> 그러고 나서</a:t>
-            </a:r>
-            <a:r>
-              <a:rPr lang="ko-KR" sz="1800">
-                <a:latin typeface="맑은 고딕" charset="0"/>
-                <a:ea typeface="맑은 고딕" charset="0"/>
-              </a:rPr>
-              <a:t> Character Culling </a:t>
-            </a:r>
-            <a:r>
-              <a:rPr lang="ko-KR" sz="1800">
-                <a:latin typeface="맑은 고딕" charset="0"/>
-                <a:ea typeface="맑은 고딕" charset="0"/>
-              </a:rPr>
-              <a:t>Button</a:t>
-            </a:r>
-            <a:r>
-              <a:rPr lang="ko-KR" sz="1800">
-                <a:latin typeface="맑은 고딕" charset="0"/>
-                <a:ea typeface="맑은 고딕" charset="0"/>
-              </a:rPr>
-              <a:t> 오브젝트의 On Click( ) 함수를 </a:t>
-            </a:r>
-            <a:r>
-              <a:rPr lang="ko-KR" sz="1800">
-                <a:latin typeface="맑은 고딕" charset="0"/>
-                <a:ea typeface="맑은 고딕" charset="0"/>
-              </a:rPr>
-              <a:t>추가합니다.</a:t>
-            </a:r>
-            <a:endParaRPr lang="ko-KR" altLang="en-US" sz="1800">
-              <a:latin typeface="맑은 고딕" charset="0"/>
-              <a:ea typeface="맑은 고딕" charset="0"/>
-            </a:endParaRPr>
-          </a:p>
-        </p:txBody>
-      </p:sp>
       <p:pic>
         <p:nvPicPr>
-          <p:cNvPr id="116" name="그림 33" descr="C:/Users/Admin1/AppData/Roaming/PolarisOffice/ETemp/25668_19456376/fImage122043479358.png"/>
+          <p:cNvPr id="116" name="그림 33"/>
           <p:cNvPicPr>
             <a:picLocks noChangeAspect="1"/>
           </p:cNvPicPr>
@@ -11155,7 +11211,7 @@
       </p:pic>
       <p:pic>
         <p:nvPicPr>
-          <p:cNvPr id="117" name="그림 36" descr="C:/Users/Admin1/AppData/Roaming/PolarisOffice/ETemp/25668_19456376/fImage189593486962.png"/>
+          <p:cNvPr id="117" name="그림 36"/>
           <p:cNvPicPr>
             <a:picLocks noChangeAspect="1"/>
           </p:cNvPicPr>
@@ -11186,7 +11242,7 @@
       </p:pic>
       <p:pic>
         <p:nvPicPr>
-          <p:cNvPr id="118" name="그림 40" descr="C:/Users/Admin1/AppData/Roaming/PolarisOffice/ETemp/25668_19456376/fImage30173514464.png"/>
+          <p:cNvPr id="118" name="그림 40" descr="C:/Users/Admin1/AppData/Roaming/PolarisOffice/ETemp/29888_17492856/fImage30173514464.png"/>
           <p:cNvPicPr>
             <a:picLocks noChangeAspect="1"/>
           </p:cNvPicPr>
@@ -11207,7 +11263,7 @@
         <p:spPr>
           <a:xfrm rot="0">
             <a:off x="8200390" y="1454785"/>
-            <a:ext cx="2763520" cy="1282065"/>
+            <a:ext cx="2764155" cy="1181735"/>
           </a:xfrm>
           <a:prstGeom prst="roundRect"/>
           <a:solidFill>
@@ -11215,16 +11271,122 @@
           </a:solidFill>
         </p:spPr>
       </p:pic>
+      <p:sp>
+        <p:nvSpPr>
+          <p:cNvPr id="120" name="텍스트 상자 44"/>
+          <p:cNvSpPr txBox="1">
+            <a:spLocks/>
+          </p:cNvSpPr>
+          <p:nvPr/>
+        </p:nvSpPr>
+        <p:spPr>
+          <a:xfrm rot="0">
+            <a:off x="6805295" y="2811145"/>
+            <a:ext cx="4158615" cy="923925"/>
+          </a:xfrm>
+          <a:prstGeom prst="rect"/>
+          <a:noFill/>
+          <a:ln w="0">
+            <a:noFill/>
+            <a:prstDash/>
+          </a:ln>
+        </p:spPr>
+        <p:txBody>
+          <a:bodyPr wrap="square" lIns="89535" tIns="46355" rIns="89535" bIns="46355" numCol="1" vert="horz" anchor="t">
+            <a:spAutoFit/>
+          </a:bodyPr>
+          <a:lstStyle/>
+          <a:p>
+            <a:pPr marL="0" indent="0" rtl="0" algn="l" defTabSz="914400" eaLnBrk="1" latinLnBrk="0" hangingPunct="1">
+              <a:buFontTx/>
+              <a:buNone/>
+            </a:pPr>
+            <a:r>
+              <a:rPr lang="ko-KR" sz="1800" b="1">
+                <a:solidFill>
+                  <a:srgbClr val="0611F2"/>
+                </a:solidFill>
+                <a:latin typeface="맑은 고딕" charset="0"/>
+                <a:ea typeface="맑은 고딕" charset="0"/>
+              </a:rPr>
+              <a:t>39</a:t>
+            </a:r>
+            <a:r>
+              <a:rPr sz="1800" b="1">
+                <a:solidFill>
+                  <a:srgbClr val="0611F2"/>
+                </a:solidFill>
+                <a:latin typeface="맑은 고딕" charset="0"/>
+                <a:ea typeface="맑은 고딕" charset="0"/>
+              </a:rPr>
+              <a:t>.</a:t>
+            </a:r>
+            <a:r>
+              <a:rPr sz="1800">
+                <a:latin typeface="맑은 고딕" charset="0"/>
+                <a:ea typeface="맑은 고딕" charset="0"/>
+              </a:rPr>
+              <a:t> 그런 다음</a:t>
+            </a:r>
+            <a:r>
+              <a:rPr lang="ko-KR" sz="1800">
+                <a:latin typeface="맑은 고딕" charset="0"/>
+                <a:ea typeface="맑은 고딕" charset="0"/>
+              </a:rPr>
+              <a:t> Animation Speed </a:t>
+            </a:r>
+            <a:r>
+              <a:rPr lang="ko-KR" sz="1800">
+                <a:latin typeface="맑은 고딕" charset="0"/>
+                <a:ea typeface="맑은 고딕" charset="0"/>
+              </a:rPr>
+              <a:t>Button</a:t>
+            </a:r>
+            <a:r>
+              <a:rPr lang="ko-KR" sz="1800">
+                <a:latin typeface="맑은 고딕" charset="0"/>
+                <a:ea typeface="맑은 고딕" charset="0"/>
+              </a:rPr>
+              <a:t> </a:t>
+            </a:r>
+            <a:r>
+              <a:rPr lang="ko-KR" sz="1800">
+                <a:latin typeface="맑은 고딕" charset="0"/>
+                <a:ea typeface="맑은 고딕" charset="0"/>
+              </a:rPr>
+              <a:t>오브젝트의</a:t>
+            </a:r>
+            <a:r>
+              <a:rPr lang="ko-KR" sz="1800">
+                <a:latin typeface="맑은 고딕" charset="0"/>
+                <a:ea typeface="맑은 고딕" charset="0"/>
+              </a:rPr>
+              <a:t> On Click( ) 함수를 </a:t>
+            </a:r>
+            <a:r>
+              <a:rPr lang="ko-KR" sz="1800">
+                <a:latin typeface="맑은 고딕" charset="0"/>
+                <a:ea typeface="맑은 고딕" charset="0"/>
+              </a:rPr>
+              <a:t>추가합니다.</a:t>
+            </a:r>
+            <a:endParaRPr lang="ko-KR" altLang="en-US" sz="1800">
+              <a:latin typeface="맑은 고딕" charset="0"/>
+              <a:ea typeface="맑은 고딕" charset="0"/>
+            </a:endParaRPr>
+          </a:p>
+        </p:txBody>
+      </p:sp>
       <p:pic>
         <p:nvPicPr>
-          <p:cNvPr id="119" name="그림 41" descr="C:/Users/Admin1/AppData/Roaming/PolarisOffice/ETemp/25668_19456376/fImage121193525705.png"/>
+          <p:cNvPr id="124" name="그림 16" descr="C:/Users/Admin1/AppData/Roaming/PolarisOffice/ETemp/29888_17492856/fImage109862386334.png"/>
           <p:cNvPicPr>
             <a:picLocks noChangeAspect="1"/>
           </p:cNvPicPr>
           <p:nvPr/>
         </p:nvPicPr>
         <p:blipFill rotWithShape="1">
-          <a:blip r:embed="rId5" cstate="print">
+          <a:blip r:embed="rId9" cstate="print">
             <a:extLst>
               <a:ext uri="{28A0092B-C50C-407E-A947-70E740481C1C}">
                 <a14:useLocalDpi xmlns:a14="http://schemas.microsoft.com/office/drawing/2010/main" val="0"/>
@@ -11237,8 +11399,8 @@
         </p:blipFill>
         <p:spPr>
           <a:xfrm rot="0">
-            <a:off x="6814820" y="1454785"/>
-            <a:ext cx="1282065" cy="1287780"/>
+            <a:off x="6805295" y="1450340"/>
+            <a:ext cx="1301115" cy="1193165"/>
           </a:xfrm>
           <a:prstGeom prst="roundRect"/>
           <a:solidFill>
@@ -11246,115 +11408,16 @@
           </a:solidFill>
         </p:spPr>
       </p:pic>
-      <p:sp>
-        <p:nvSpPr>
-          <p:cNvPr id="120" name="텍스트 상자 44"/>
-          <p:cNvSpPr txBox="1">
-            <a:spLocks/>
-          </p:cNvSpPr>
-          <p:nvPr/>
-        </p:nvSpPr>
-        <p:spPr>
-          <a:xfrm rot="0">
-            <a:off x="6823075" y="2854325"/>
-            <a:ext cx="4140200" cy="923925"/>
-          </a:xfrm>
-          <a:prstGeom prst="rect"/>
-          <a:noFill/>
-          <a:ln w="0">
-            <a:noFill/>
-            <a:prstDash/>
-          </a:ln>
-        </p:spPr>
-        <p:txBody>
-          <a:bodyPr wrap="square" lIns="89535" tIns="46355" rIns="89535" bIns="46355" numCol="1" vert="horz" anchor="t">
-            <a:spAutoFit/>
-          </a:bodyPr>
-          <a:lstStyle/>
-          <a:p>
-            <a:pPr marL="0" indent="0" rtl="0" algn="l" defTabSz="914400" eaLnBrk="1" latinLnBrk="0" hangingPunct="1">
-              <a:buFontTx/>
-              <a:buNone/>
-            </a:pPr>
-            <a:r>
-              <a:rPr lang="ko-KR" sz="1800" b="1">
-                <a:solidFill>
-                  <a:srgbClr val="0611F2"/>
-                </a:solidFill>
-                <a:latin typeface="맑은 고딕" charset="0"/>
-                <a:ea typeface="맑은 고딕" charset="0"/>
-              </a:rPr>
-              <a:t>39</a:t>
-            </a:r>
-            <a:r>
-              <a:rPr sz="1800" b="1">
-                <a:solidFill>
-                  <a:srgbClr val="0611F2"/>
-                </a:solidFill>
-                <a:latin typeface="맑은 고딕" charset="0"/>
-                <a:ea typeface="맑은 고딕" charset="0"/>
-              </a:rPr>
-              <a:t>.</a:t>
-            </a:r>
-            <a:r>
-              <a:rPr sz="1800">
-                <a:latin typeface="맑은 고딕" charset="0"/>
-                <a:ea typeface="맑은 고딕" charset="0"/>
-              </a:rPr>
-              <a:t> 그런 다음</a:t>
-            </a:r>
-            <a:r>
-              <a:rPr lang="ko-KR" sz="1800">
-                <a:latin typeface="맑은 고딕" charset="0"/>
-                <a:ea typeface="맑은 고딕" charset="0"/>
-              </a:rPr>
-              <a:t> Animation Speed </a:t>
-            </a:r>
-            <a:r>
-              <a:rPr lang="ko-KR" sz="1800">
-                <a:latin typeface="맑은 고딕" charset="0"/>
-                <a:ea typeface="맑은 고딕" charset="0"/>
-              </a:rPr>
-              <a:t>Button</a:t>
-            </a:r>
-            <a:r>
-              <a:rPr lang="ko-KR" sz="1800">
-                <a:latin typeface="맑은 고딕" charset="0"/>
-                <a:ea typeface="맑은 고딕" charset="0"/>
-              </a:rPr>
-              <a:t> </a:t>
-            </a:r>
-            <a:r>
-              <a:rPr lang="ko-KR" sz="1800">
-                <a:latin typeface="맑은 고딕" charset="0"/>
-                <a:ea typeface="맑은 고딕" charset="0"/>
-              </a:rPr>
-              <a:t>오브젝트의 On Click( ) 함수를 </a:t>
-            </a:r>
-            <a:r>
-              <a:rPr lang="ko-KR" sz="1800">
-                <a:latin typeface="맑은 고딕" charset="0"/>
-                <a:ea typeface="맑은 고딕" charset="0"/>
-              </a:rPr>
-              <a:t>추가합니다.</a:t>
-            </a:r>
-            <a:endParaRPr lang="ko-KR" altLang="en-US" sz="1800">
-              <a:latin typeface="맑은 고딕" charset="0"/>
-              <a:ea typeface="맑은 고딕" charset="0"/>
-            </a:endParaRPr>
-          </a:p>
-        </p:txBody>
-      </p:sp>
       <p:pic>
         <p:nvPicPr>
-          <p:cNvPr id="121" name="그림 45" descr="C:/Users/Admin1/AppData/Roaming/PolarisOffice/ETemp/25668_19456376/fImage120483548145.png"/>
+          <p:cNvPr id="125" name="그림 25" descr="C:/Users/Admin1/AppData/Roaming/PolarisOffice/ETemp/29888_17492856/fImage123793306500.png"/>
           <p:cNvPicPr>
             <a:picLocks noChangeAspect="1"/>
           </p:cNvPicPr>
           <p:nvPr/>
         </p:nvPicPr>
         <p:blipFill rotWithShape="1">
-          <a:blip r:embed="rId6" cstate="print">
+          <a:blip r:embed="rId10" cstate="print">
             <a:extLst>
               <a:ext uri="{28A0092B-C50C-407E-A947-70E740481C1C}">
                 <a14:useLocalDpi xmlns:a14="http://schemas.microsoft.com/office/drawing/2010/main" val="0"/>
@@ -11367,8 +11430,8 @@
         </p:blipFill>
         <p:spPr>
           <a:xfrm rot="0">
-            <a:off x="6823710" y="3904615"/>
-            <a:ext cx="1264920" cy="1282700"/>
+            <a:off x="6805295" y="3850005"/>
+            <a:ext cx="4160520" cy="1327150"/>
           </a:xfrm>
           <a:prstGeom prst="roundRect"/>
           <a:solidFill>
@@ -11376,16 +11439,139 @@
           </a:solidFill>
         </p:spPr>
       </p:pic>
+      <p:sp>
+        <p:nvSpPr>
+          <p:cNvPr id="126" name="텍스트 상자 28"/>
+          <p:cNvSpPr txBox="1">
+            <a:spLocks/>
+          </p:cNvSpPr>
+          <p:nvPr/>
+        </p:nvSpPr>
+        <p:spPr>
+          <a:xfrm rot="0">
+            <a:off x="6799580" y="5286375"/>
+            <a:ext cx="4175125" cy="923925"/>
+          </a:xfrm>
+          <a:prstGeom prst="rect"/>
+          <a:noFill/>
+          <a:ln w="0">
+            <a:noFill/>
+            <a:prstDash/>
+          </a:ln>
+        </p:spPr>
+        <p:txBody>
+          <a:bodyPr wrap="square" lIns="89535" tIns="46355" rIns="89535" bIns="46355" numCol="1" vert="horz" anchor="t">
+            <a:spAutoFit/>
+          </a:bodyPr>
+          <a:lstStyle/>
+          <a:p>
+            <a:pPr marL="0" indent="0" rtl="0" algn="l" defTabSz="914400" eaLnBrk="1" latinLnBrk="0" hangingPunct="1">
+              <a:buFontTx/>
+              <a:buNone/>
+            </a:pPr>
+            <a:r>
+              <a:rPr lang="ko-KR" sz="1800" b="1">
+                <a:solidFill>
+                  <a:srgbClr val="0611F2"/>
+                </a:solidFill>
+                <a:latin typeface="맑은 고딕" charset="0"/>
+                <a:ea typeface="맑은 고딕" charset="0"/>
+              </a:rPr>
+              <a:t>4</a:t>
+            </a:r>
+            <a:r>
+              <a:rPr lang="ko-KR" sz="1800" b="1">
+                <a:solidFill>
+                  <a:srgbClr val="0611F2"/>
+                </a:solidFill>
+                <a:latin typeface="맑은 고딕" charset="0"/>
+                <a:ea typeface="맑은 고딕" charset="0"/>
+              </a:rPr>
+              <a:t>0</a:t>
+            </a:r>
+            <a:r>
+              <a:rPr sz="1800" b="1">
+                <a:solidFill>
+                  <a:srgbClr val="0611F2"/>
+                </a:solidFill>
+                <a:latin typeface="맑은 고딕" charset="0"/>
+                <a:ea typeface="맑은 고딕" charset="0"/>
+              </a:rPr>
+              <a:t>.</a:t>
+            </a:r>
+            <a:r>
+              <a:rPr sz="1800">
+                <a:latin typeface="맑은 고딕" charset="0"/>
+                <a:ea typeface="맑은 고딕" charset="0"/>
+              </a:rPr>
+              <a:t> 그러고 나서</a:t>
+            </a:r>
+            <a:r>
+              <a:rPr lang="ko-KR" sz="1800">
+                <a:latin typeface="맑은 고딕" charset="0"/>
+                <a:ea typeface="맑은 고딕" charset="0"/>
+              </a:rPr>
+              <a:t> Camea Culling </a:t>
+            </a:r>
+            <a:r>
+              <a:rPr lang="ko-KR" sz="1800">
+                <a:latin typeface="맑은 고딕" charset="0"/>
+                <a:ea typeface="맑은 고딕" charset="0"/>
+              </a:rPr>
+              <a:t>Button</a:t>
+            </a:r>
+            <a:r>
+              <a:rPr lang="ko-KR" sz="1800">
+                <a:latin typeface="맑은 고딕" charset="0"/>
+                <a:ea typeface="맑은 고딕" charset="0"/>
+              </a:rPr>
+              <a:t> </a:t>
+            </a:r>
+            <a:r>
+              <a:rPr lang="ko-KR" sz="1800">
+                <a:latin typeface="맑은 고딕" charset="0"/>
+                <a:ea typeface="맑은 고딕" charset="0"/>
+              </a:rPr>
+              <a:t>오브젝트의</a:t>
+            </a:r>
+            <a:r>
+              <a:rPr lang="ko-KR" sz="1800">
+                <a:latin typeface="맑은 고딕" charset="0"/>
+                <a:ea typeface="맑은 고딕" charset="0"/>
+              </a:rPr>
+              <a:t> 앵커를 지정한 다음 위치와 </a:t>
+            </a:r>
+            <a:r>
+              <a:rPr lang="ko-KR" sz="1800">
+                <a:latin typeface="맑은 고딕" charset="0"/>
+                <a:ea typeface="맑은 고딕" charset="0"/>
+              </a:rPr>
+              <a:t>크기</a:t>
+            </a:r>
+            <a:r>
+              <a:rPr lang="ko-KR" sz="1800">
+                <a:latin typeface="맑은 고딕" charset="0"/>
+                <a:ea typeface="맑은 고딕" charset="0"/>
+              </a:rPr>
+              <a:t> 값을 설정합니다.</a:t>
+            </a:r>
+            <a:endParaRPr lang="ko-KR" altLang="en-US" sz="1800">
+              <a:latin typeface="맑은 고딕" charset="0"/>
+              <a:ea typeface="맑은 고딕" charset="0"/>
+            </a:endParaRPr>
+          </a:p>
+        </p:txBody>
+      </p:sp>
       <p:pic>
         <p:nvPicPr>
-          <p:cNvPr id="122" name="그림 48" descr="C:/Users/Admin1/AppData/Roaming/PolarisOffice/ETemp/25668_19456376/fImage30173553281.png"/>
+          <p:cNvPr id="127" name="그림 29" descr="C:/Users/Admin1/AppData/Roaming/PolarisOffice/ETemp/29888_17492856/fImage30173514464.png"/>
           <p:cNvPicPr>
             <a:picLocks noChangeAspect="1"/>
           </p:cNvPicPr>
           <p:nvPr/>
         </p:nvPicPr>
         <p:blipFill rotWithShape="1">
-          <a:blip r:embed="rId7" cstate="hqprint">
+          <a:blip r:embed="rId4" cstate="hqprint">
             <a:extLst>
               <a:ext uri="{28A0092B-C50C-407E-A947-70E740481C1C}">
                 <a14:useLocalDpi xmlns:a14="http://schemas.microsoft.com/office/drawing/2010/main"/>
@@ -11398,8 +11584,39 @@
         </p:blipFill>
         <p:spPr>
           <a:xfrm rot="0">
-            <a:off x="8200390" y="3905250"/>
-            <a:ext cx="2762885" cy="1292860"/>
+            <a:off x="8200390" y="1463675"/>
+            <a:ext cx="2764155" cy="1233170"/>
+          </a:xfrm>
+          <a:prstGeom prst="roundRect"/>
+          <a:solidFill>
+            <a:srgbClr val="EDEDED"/>
+          </a:solidFill>
+        </p:spPr>
+      </p:pic>
+      <p:pic>
+        <p:nvPicPr>
+          <p:cNvPr id="128" name="그림 30" descr="C:/Users/Admin1/AppData/Roaming/PolarisOffice/ETemp/29888_17492856/fImage109863339169.png"/>
+          <p:cNvPicPr>
+            <a:picLocks noChangeAspect="1"/>
+          </p:cNvPicPr>
+          <p:nvPr/>
+        </p:nvPicPr>
+        <p:blipFill rotWithShape="1">
+          <a:blip r:embed="rId11" cstate="print">
+            <a:extLst>
+              <a:ext uri="{28A0092B-C50C-407E-A947-70E740481C1C}">
+                <a14:useLocalDpi xmlns:a14="http://schemas.microsoft.com/office/drawing/2010/main" val="0"/>
+              </a:ext>
+            </a:extLst>
+          </a:blip>
+          <a:stretch>
+            <a:fillRect/>
+          </a:stretch>
+        </p:blipFill>
+        <p:spPr>
+          <a:xfrm rot="0">
+            <a:off x="6805295" y="1459230"/>
+            <a:ext cx="1301115" cy="1244600"/>
           </a:xfrm>
           <a:prstGeom prst="roundRect"/>
           <a:solidFill>
@@ -11431,6 +11648,671 @@
 </file>
 
 <file path=ppt/slides/slide16.xml><?xml version="1.0" encoding="utf-8"?>
+<p:sld xmlns:a="http://schemas.openxmlformats.org/drawingml/2006/main" xmlns:r="http://schemas.openxmlformats.org/officeDocument/2006/relationships" xmlns:p="http://schemas.openxmlformats.org/presentationml/2006/main">
+  <p:cSld>
+    <p:spTree>
+      <p:nvGrpSpPr>
+        <p:cNvPr id="1" name=""/>
+        <p:cNvGrpSpPr/>
+        <p:nvPr/>
+      </p:nvGrpSpPr>
+      <p:grpSpPr>
+        <a:xfrm>
+          <a:off x="0" y="0"/>
+          <a:ext cx="0" cy="0"/>
+          <a:chOff x="0" y="0"/>
+          <a:chExt cx="0" cy="0"/>
+        </a:xfrm>
+      </p:grpSpPr>
+      <p:sp>
+        <p:nvSpPr>
+          <p:cNvPr id="22" name="Rect 0"/>
+          <p:cNvSpPr txBox="1">
+            <a:spLocks/>
+          </p:cNvSpPr>
+          <p:nvPr/>
+        </p:nvSpPr>
+        <p:spPr>
+          <a:xfrm rot="0">
+            <a:off x="4323715" y="386715"/>
+            <a:ext cx="3540125" cy="554990"/>
+          </a:xfrm>
+          <a:prstGeom prst="rect"/>
+          <a:noFill/>
+          <a:ln w="0">
+            <a:noFill/>
+            <a:prstDash/>
+          </a:ln>
+        </p:spPr>
+        <p:txBody>
+          <a:bodyPr wrap="square" lIns="89535" tIns="46355" rIns="89535" bIns="46355" numCol="1" vert="horz" anchor="t">
+            <a:spAutoFit/>
+          </a:bodyPr>
+          <a:lstStyle/>
+          <a:p>
+            <a:pPr marL="0" indent="0" algn="ctr" latinLnBrk="0" hangingPunct="1">
+              <a:buFontTx/>
+              <a:buNone/>
+            </a:pPr>
+            <a:r>
+              <a:rPr lang="ko-KR" sz="2500" b="1">
+                <a:latin typeface="나눔바른고딕" charset="0"/>
+                <a:ea typeface="나눔바른고딕" charset="0"/>
+              </a:rPr>
+              <a:t>열여섯</a:t>
+            </a:r>
+            <a:r>
+              <a:rPr lang="ko-KR" sz="2500" b="1">
+                <a:latin typeface="나눔바른고딕" charset="0"/>
+                <a:ea typeface="나눔바른고딕" charset="0"/>
+              </a:rPr>
+              <a:t> 번째 튜토리얼</a:t>
+            </a:r>
+            <a:r>
+              <a:rPr lang="ko-KR" sz="3000" b="1">
+                <a:latin typeface="맑은 고딕" charset="0"/>
+                <a:ea typeface="맑은 고딕" charset="0"/>
+              </a:rPr>
+              <a:t> </a:t>
+            </a:r>
+            <a:endParaRPr lang="ko-KR" altLang="en-US" sz="3000" b="1">
+              <a:latin typeface="맑은 고딕" charset="0"/>
+              <a:ea typeface="맑은 고딕" charset="0"/>
+            </a:endParaRPr>
+          </a:p>
+        </p:txBody>
+      </p:sp>
+      <p:sp>
+        <p:nvSpPr>
+          <p:cNvPr id="103" name="Rect 0"/>
+          <p:cNvSpPr txBox="1">
+            <a:spLocks/>
+          </p:cNvSpPr>
+          <p:nvPr/>
+        </p:nvSpPr>
+        <p:spPr>
+          <a:xfrm rot="0">
+            <a:off x="1240790" y="5022215"/>
+            <a:ext cx="4152265" cy="1200785"/>
+          </a:xfrm>
+          <a:prstGeom prst="rect"/>
+          <a:noFill/>
+          <a:ln w="0">
+            <a:noFill/>
+            <a:prstDash/>
+          </a:ln>
+        </p:spPr>
+        <p:txBody>
+          <a:bodyPr wrap="square" lIns="89535" tIns="46355" rIns="89535" bIns="46355" numCol="1" vert="horz" anchor="t">
+            <a:spAutoFit/>
+          </a:bodyPr>
+          <a:lstStyle/>
+          <a:p>
+            <a:pPr marL="0" indent="0" rtl="0" algn="l" defTabSz="914400" eaLnBrk="1" latinLnBrk="0" hangingPunct="1">
+              <a:buFontTx/>
+              <a:buNone/>
+            </a:pPr>
+            <a:r>
+              <a:rPr lang="ko-KR" sz="1800" b="1">
+                <a:solidFill>
+                  <a:srgbClr val="0611F2"/>
+                </a:solidFill>
+                <a:latin typeface="맑은 고딕" charset="0"/>
+                <a:ea typeface="맑은 고딕" charset="0"/>
+              </a:rPr>
+              <a:t>42</a:t>
+            </a:r>
+            <a:r>
+              <a:rPr sz="1800" b="1">
+                <a:solidFill>
+                  <a:srgbClr val="0611F2"/>
+                </a:solidFill>
+                <a:latin typeface="맑은 고딕" charset="0"/>
+                <a:ea typeface="맑은 고딕" charset="0"/>
+              </a:rPr>
+              <a:t>.</a:t>
+            </a:r>
+            <a:r>
+              <a:rPr sz="1800">
+                <a:latin typeface="맑은 고딕" charset="0"/>
+                <a:ea typeface="맑은 고딕" charset="0"/>
+              </a:rPr>
+              <a:t> 그리고</a:t>
+            </a:r>
+            <a:r>
+              <a:rPr lang="ko-KR" sz="1800">
+                <a:latin typeface="맑은 고딕" charset="0"/>
+                <a:ea typeface="맑은 고딕" charset="0"/>
+              </a:rPr>
+              <a:t> AnimationManager </a:t>
+            </a:r>
+            <a:r>
+              <a:rPr lang="ko-KR" sz="1800">
+                <a:latin typeface="맑은 고딕" charset="0"/>
+                <a:ea typeface="맑은 고딕" charset="0"/>
+              </a:rPr>
+              <a:t>스크립트에서</a:t>
+            </a:r>
+            <a:r>
+              <a:rPr lang="ko-KR" sz="1800">
+                <a:latin typeface="맑은 고딕" charset="0"/>
+                <a:ea typeface="맑은 고딕" charset="0"/>
+              </a:rPr>
+              <a:t> </a:t>
+            </a:r>
+            <a:r>
+              <a:rPr lang="ko-KR" sz="1800">
+                <a:latin typeface="맑은 고딕" charset="0"/>
+                <a:ea typeface="맑은 고딕" charset="0"/>
+              </a:rPr>
+              <a:t>int 변수와 float 변수를 </a:t>
+            </a:r>
+            <a:r>
+              <a:rPr lang="ko-KR" sz="1800">
+                <a:latin typeface="맑은 고딕" charset="0"/>
+                <a:ea typeface="맑은 고딕" charset="0"/>
+              </a:rPr>
+              <a:t>선</a:t>
+            </a:r>
+            <a:r>
+              <a:rPr lang="ko-KR" sz="1800">
+                <a:latin typeface="맑은 고딕" charset="0"/>
+                <a:ea typeface="맑은 고딕" charset="0"/>
+              </a:rPr>
+              <a:t>언한</a:t>
+            </a:r>
+            <a:r>
+              <a:rPr lang="ko-KR" sz="1800">
+                <a:latin typeface="맑은 고딕" charset="0"/>
+                <a:ea typeface="맑은 고딕" charset="0"/>
+              </a:rPr>
+              <a:t> </a:t>
+            </a:r>
+            <a:r>
+              <a:rPr lang="ko-KR" sz="1800">
+                <a:latin typeface="맑은 고딕" charset="0"/>
+                <a:ea typeface="맑은 고딕" charset="0"/>
+              </a:rPr>
+              <a:t>다음 Animator 변수를 배열로 </a:t>
+            </a:r>
+            <a:r>
+              <a:rPr lang="ko-KR" sz="1800">
+                <a:latin typeface="맑은 고딕" charset="0"/>
+                <a:ea typeface="맑은 고딕" charset="0"/>
+              </a:rPr>
+              <a:t>선언합니</a:t>
+            </a:r>
+            <a:r>
+              <a:rPr lang="ko-KR" sz="1800">
+                <a:latin typeface="맑은 고딕" charset="0"/>
+                <a:ea typeface="맑은 고딕" charset="0"/>
+              </a:rPr>
+              <a:t>다.</a:t>
+            </a:r>
+            <a:endParaRPr lang="ko-KR" altLang="en-US" sz="1800">
+              <a:latin typeface="맑은 고딕" charset="0"/>
+              <a:ea typeface="맑은 고딕" charset="0"/>
+            </a:endParaRPr>
+          </a:p>
+        </p:txBody>
+      </p:sp>
+      <p:sp>
+        <p:nvSpPr>
+          <p:cNvPr id="115" name="Rect 0"/>
+          <p:cNvSpPr txBox="1">
+            <a:spLocks/>
+          </p:cNvSpPr>
+          <p:nvPr/>
+        </p:nvSpPr>
+        <p:spPr>
+          <a:xfrm rot="0">
+            <a:off x="6830695" y="4191635"/>
+            <a:ext cx="4126865" cy="2031365"/>
+          </a:xfrm>
+          <a:prstGeom prst="rect"/>
+          <a:noFill/>
+          <a:ln w="0">
+            <a:noFill/>
+            <a:prstDash/>
+          </a:ln>
+        </p:spPr>
+        <p:txBody>
+          <a:bodyPr wrap="square" lIns="89535" tIns="46355" rIns="89535" bIns="46355" numCol="1" vert="horz" anchor="t">
+            <a:spAutoFit/>
+          </a:bodyPr>
+          <a:lstStyle/>
+          <a:p>
+            <a:pPr marL="0" indent="0" rtl="0" algn="l" defTabSz="914400" eaLnBrk="1" latinLnBrk="0" hangingPunct="1">
+              <a:buFontTx/>
+              <a:buNone/>
+            </a:pPr>
+            <a:r>
+              <a:rPr lang="ko-KR" sz="1800" b="1">
+                <a:solidFill>
+                  <a:srgbClr val="0611F2"/>
+                </a:solidFill>
+                <a:latin typeface="맑은 고딕" charset="0"/>
+                <a:ea typeface="맑은 고딕" charset="0"/>
+              </a:rPr>
+              <a:t>43</a:t>
+            </a:r>
+            <a:r>
+              <a:rPr sz="1800" b="1">
+                <a:solidFill>
+                  <a:srgbClr val="0611F2"/>
+                </a:solidFill>
+                <a:latin typeface="맑은 고딕" charset="0"/>
+                <a:ea typeface="맑은 고딕" charset="0"/>
+              </a:rPr>
+              <a:t>.</a:t>
+            </a:r>
+            <a:r>
+              <a:rPr sz="1800">
+                <a:latin typeface="맑은 고딕" charset="0"/>
+                <a:ea typeface="맑은 고딕" charset="0"/>
+              </a:rPr>
+              <a:t> 그런 다음</a:t>
+            </a:r>
+            <a:r>
+              <a:rPr lang="ko-KR" sz="1800">
+                <a:latin typeface="맑은 고딕" charset="0"/>
+                <a:ea typeface="맑은 고딕" charset="0"/>
+              </a:rPr>
+              <a:t> SpeedSetting( ) 함수를 </a:t>
+            </a:r>
+            <a:r>
+              <a:rPr lang="ko-KR" sz="1800">
+                <a:latin typeface="맑은 고딕" charset="0"/>
+                <a:ea typeface="맑은 고딕" charset="0"/>
+              </a:rPr>
+              <a:t>선언하고</a:t>
+            </a:r>
+            <a:r>
+              <a:rPr lang="ko-KR" sz="1800">
+                <a:latin typeface="맑은 고딕" charset="0"/>
+                <a:ea typeface="맑은 고딕" charset="0"/>
+              </a:rPr>
+              <a:t> </a:t>
+            </a:r>
+            <a:r>
+              <a:rPr lang="ko-KR" sz="1800">
+                <a:latin typeface="맑은 고딕" charset="0"/>
+                <a:ea typeface="맑은 고딕" charset="0"/>
+              </a:rPr>
+              <a:t>speed 변수의 값을 증가시킨 </a:t>
+            </a:r>
+            <a:r>
+              <a:rPr lang="ko-KR" sz="1800">
+                <a:latin typeface="맑은 고딕" charset="0"/>
+                <a:ea typeface="맑은 고딕" charset="0"/>
+              </a:rPr>
+              <a:t>다</a:t>
+            </a:r>
+            <a:r>
+              <a:rPr lang="ko-KR" sz="1800">
+                <a:latin typeface="맑은 고딕" charset="0"/>
+                <a:ea typeface="맑은 고딕" charset="0"/>
+              </a:rPr>
+              <a:t>음</a:t>
+            </a:r>
+            <a:r>
+              <a:rPr lang="ko-KR" sz="1800">
+                <a:latin typeface="맑은 고딕" charset="0"/>
+                <a:ea typeface="맑은 고딕" charset="0"/>
+              </a:rPr>
+              <a:t> speed 변수의 값이 10 이상의 </a:t>
+            </a:r>
+            <a:r>
+              <a:rPr lang="ko-KR" sz="1800">
+                <a:latin typeface="맑은 고딕" charset="0"/>
+                <a:ea typeface="맑은 고딕" charset="0"/>
+              </a:rPr>
+              <a:t>값을</a:t>
+            </a:r>
+            <a:r>
+              <a:rPr lang="ko-KR" sz="1800">
+                <a:latin typeface="맑은 고딕" charset="0"/>
+                <a:ea typeface="맑은 고딕" charset="0"/>
+              </a:rPr>
+              <a:t> </a:t>
+            </a:r>
+            <a:r>
+              <a:rPr lang="ko-KR" sz="1800">
+                <a:latin typeface="맑은 고딕" charset="0"/>
+                <a:ea typeface="맑은 고딕" charset="0"/>
+              </a:rPr>
+              <a:t>가질 수 없도록 설정합니다.</a:t>
+            </a:r>
+            <a:endParaRPr lang="ko-KR" altLang="en-US" sz="1800">
+              <a:latin typeface="맑은 고딕" charset="0"/>
+              <a:ea typeface="맑은 고딕" charset="0"/>
+            </a:endParaRPr>
+          </a:p>
+          <a:p>
+            <a:pPr marL="0" indent="0" rtl="0" algn="l" defTabSz="914400" eaLnBrk="1" latinLnBrk="0" hangingPunct="1">
+              <a:buFontTx/>
+              <a:buNone/>
+            </a:pPr>
+            <a:endParaRPr lang="ko-KR" altLang="en-US" sz="1800">
+              <a:latin typeface="맑은 고딕" charset="0"/>
+              <a:ea typeface="맑은 고딕" charset="0"/>
+            </a:endParaRPr>
+          </a:p>
+          <a:p>
+            <a:pPr marL="0" indent="0" rtl="0" algn="l" defTabSz="914400" eaLnBrk="1" latinLnBrk="0" hangingPunct="1">
+              <a:buFontTx/>
+              <a:buNone/>
+            </a:pPr>
+            <a:r>
+              <a:rPr lang="ko-KR" sz="1800">
+                <a:latin typeface="맑은 고딕" charset="0"/>
+                <a:ea typeface="맑은 고딕" charset="0"/>
+              </a:rPr>
+              <a:t>그다음</a:t>
+            </a:r>
+            <a:r>
+              <a:rPr lang="ko-KR" sz="1800">
+                <a:latin typeface="맑은 고딕" charset="0"/>
+                <a:ea typeface="맑은 고딕" charset="0"/>
+              </a:rPr>
+              <a:t> </a:t>
+            </a:r>
+            <a:r>
+              <a:rPr lang="ko-KR" sz="1800">
+                <a:latin typeface="맑은 고딕" charset="0"/>
+                <a:ea typeface="맑은 고딕" charset="0"/>
+              </a:rPr>
+              <a:t>각각의 애니메이터 속도에 </a:t>
+            </a:r>
+            <a:r>
+              <a:rPr lang="ko-KR" sz="1800">
+                <a:latin typeface="맑은 고딕" charset="0"/>
+                <a:ea typeface="맑은 고딕" charset="0"/>
+              </a:rPr>
+              <a:t>speed</a:t>
+            </a:r>
+            <a:r>
+              <a:rPr lang="ko-KR" sz="1800">
+                <a:latin typeface="맑은 고딕" charset="0"/>
+                <a:ea typeface="맑은 고딕" charset="0"/>
+              </a:rPr>
+              <a:t> 변수의 값을 저장합니다.</a:t>
+            </a:r>
+            <a:endParaRPr lang="ko-KR" altLang="en-US" sz="1800">
+              <a:latin typeface="맑은 고딕" charset="0"/>
+              <a:ea typeface="맑은 고딕" charset="0"/>
+            </a:endParaRPr>
+          </a:p>
+        </p:txBody>
+      </p:sp>
+      <p:pic>
+        <p:nvPicPr>
+          <p:cNvPr id="125" name="그림 19" descr="C:/Users/Admin1/AppData/Roaming/PolarisOffice/ETemp/29888_17492856/fImage488813255724.png"/>
+          <p:cNvPicPr>
+            <a:picLocks noChangeAspect="1"/>
+          </p:cNvPicPr>
+          <p:nvPr/>
+        </p:nvPicPr>
+        <p:blipFill rotWithShape="1">
+          <a:blip r:embed="rId2" cstate="print">
+            <a:extLst>
+              <a:ext uri="{28A0092B-C50C-407E-A947-70E740481C1C}">
+                <a14:useLocalDpi xmlns:a14="http://schemas.microsoft.com/office/drawing/2010/main" val="0"/>
+              </a:ext>
+            </a:extLst>
+          </a:blip>
+          <a:stretch>
+            <a:fillRect/>
+          </a:stretch>
+        </p:blipFill>
+        <p:spPr>
+          <a:xfrm rot="0">
+            <a:off x="1240790" y="3755390"/>
+            <a:ext cx="4143375" cy="1163320"/>
+          </a:xfrm>
+          <a:prstGeom prst="roundRect"/>
+          <a:solidFill>
+            <a:srgbClr val="EDEDED"/>
+          </a:solidFill>
+        </p:spPr>
+      </p:pic>
+      <p:sp>
+        <p:nvSpPr>
+          <p:cNvPr id="126" name="텍스트 상자 22"/>
+          <p:cNvSpPr txBox="1">
+            <a:spLocks/>
+          </p:cNvSpPr>
+          <p:nvPr/>
+        </p:nvSpPr>
+        <p:spPr>
+          <a:xfrm rot="0">
+            <a:off x="1244600" y="2720975"/>
+            <a:ext cx="4139565" cy="923925"/>
+          </a:xfrm>
+          <a:prstGeom prst="rect"/>
+          <a:noFill/>
+          <a:ln w="0">
+            <a:noFill/>
+            <a:prstDash/>
+          </a:ln>
+        </p:spPr>
+        <p:txBody>
+          <a:bodyPr wrap="square" lIns="89535" tIns="46355" rIns="89535" bIns="46355" numCol="1" vert="horz" anchor="t">
+            <a:spAutoFit/>
+          </a:bodyPr>
+          <a:lstStyle/>
+          <a:p>
+            <a:pPr marL="0" indent="0" rtl="0" algn="l" defTabSz="914400" eaLnBrk="1" latinLnBrk="0" hangingPunct="1">
+              <a:buFontTx/>
+              <a:buNone/>
+            </a:pPr>
+            <a:r>
+              <a:rPr lang="ko-KR" sz="1800" b="1">
+                <a:solidFill>
+                  <a:srgbClr val="0611F2"/>
+                </a:solidFill>
+                <a:latin typeface="맑은 고딕" charset="0"/>
+                <a:ea typeface="맑은 고딕" charset="0"/>
+              </a:rPr>
+              <a:t>41</a:t>
+            </a:r>
+            <a:r>
+              <a:rPr sz="1800" b="1">
+                <a:solidFill>
+                  <a:srgbClr val="0611F2"/>
+                </a:solidFill>
+                <a:latin typeface="맑은 고딕" charset="0"/>
+                <a:ea typeface="맑은 고딕" charset="0"/>
+              </a:rPr>
+              <a:t>.</a:t>
+            </a:r>
+            <a:r>
+              <a:rPr sz="1800">
+                <a:latin typeface="맑은 고딕" charset="0"/>
+                <a:ea typeface="맑은 고딕" charset="0"/>
+              </a:rPr>
+              <a:t> 이제</a:t>
+            </a:r>
+            <a:r>
+              <a:rPr lang="ko-KR" sz="1800">
+                <a:latin typeface="맑은 고딕" charset="0"/>
+                <a:ea typeface="맑은 고딕" charset="0"/>
+              </a:rPr>
+              <a:t> Camera Culling </a:t>
+            </a:r>
+            <a:r>
+              <a:rPr lang="ko-KR" sz="1800">
+                <a:latin typeface="맑은 고딕" charset="0"/>
+                <a:ea typeface="맑은 고딕" charset="0"/>
+              </a:rPr>
+              <a:t>Button</a:t>
+            </a:r>
+            <a:r>
+              <a:rPr lang="ko-KR" sz="1800">
+                <a:latin typeface="맑은 고딕" charset="0"/>
+                <a:ea typeface="맑은 고딕" charset="0"/>
+              </a:rPr>
+              <a:t> </a:t>
+            </a:r>
+            <a:r>
+              <a:rPr lang="ko-KR" sz="1800">
+                <a:latin typeface="맑은 고딕" charset="0"/>
+                <a:ea typeface="맑은 고딕" charset="0"/>
+              </a:rPr>
+              <a:t>오브젝트의</a:t>
+            </a:r>
+            <a:r>
+              <a:rPr lang="ko-KR" sz="1800">
+                <a:latin typeface="맑은 고딕" charset="0"/>
+                <a:ea typeface="맑은 고딕" charset="0"/>
+              </a:rPr>
+              <a:t> </a:t>
+            </a:r>
+            <a:r>
+              <a:rPr lang="ko-KR" sz="1800">
+                <a:latin typeface="맑은 고딕" charset="0"/>
+                <a:ea typeface="맑은 고딕" charset="0"/>
+              </a:rPr>
+              <a:t>On</a:t>
+            </a:r>
+            <a:r>
+              <a:rPr lang="ko-KR" sz="1800">
+                <a:latin typeface="맑은 고딕" charset="0"/>
+                <a:ea typeface="맑은 고딕" charset="0"/>
+              </a:rPr>
+              <a:t> Click( ) 함수를 </a:t>
+            </a:r>
+            <a:r>
+              <a:rPr lang="ko-KR" sz="1800">
+                <a:latin typeface="맑은 고딕" charset="0"/>
+                <a:ea typeface="맑은 고딕" charset="0"/>
+              </a:rPr>
+              <a:t>추가합니다.</a:t>
+            </a:r>
+            <a:endParaRPr lang="ko-KR" altLang="en-US" sz="1800">
+              <a:latin typeface="맑은 고딕" charset="0"/>
+              <a:ea typeface="맑은 고딕" charset="0"/>
+            </a:endParaRPr>
+          </a:p>
+        </p:txBody>
+      </p:sp>
+      <p:pic>
+        <p:nvPicPr>
+          <p:cNvPr id="127" name="그림 23" descr="C:/Users/Admin1/AppData/Roaming/PolarisOffice/ETemp/29888_17492856/fImage30173553281.png"/>
+          <p:cNvPicPr>
+            <a:picLocks noChangeAspect="1"/>
+          </p:cNvPicPr>
+          <p:nvPr/>
+        </p:nvPicPr>
+        <p:blipFill rotWithShape="1">
+          <a:blip r:embed="rId3" cstate="hqprint">
+            <a:extLst>
+              <a:ext uri="{28A0092B-C50C-407E-A947-70E740481C1C}">
+                <a14:useLocalDpi xmlns:a14="http://schemas.microsoft.com/office/drawing/2010/main"/>
+              </a:ext>
+            </a:extLst>
+          </a:blip>
+          <a:stretch>
+            <a:fillRect/>
+          </a:stretch>
+        </p:blipFill>
+        <p:spPr>
+          <a:xfrm rot="0">
+            <a:off x="2630170" y="1449705"/>
+            <a:ext cx="2763520" cy="1177925"/>
+          </a:xfrm>
+          <a:prstGeom prst="roundRect"/>
+          <a:solidFill>
+            <a:srgbClr val="EDEDED"/>
+          </a:solidFill>
+        </p:spPr>
+      </p:pic>
+      <p:pic>
+        <p:nvPicPr>
+          <p:cNvPr id="128" name="그림 24" descr="C:/Users/Admin1/AppData/Roaming/PolarisOffice/ETemp/29888_17492856/fImage111083291478.png"/>
+          <p:cNvPicPr>
+            <a:picLocks noChangeAspect="1"/>
+          </p:cNvPicPr>
+          <p:nvPr/>
+        </p:nvPicPr>
+        <p:blipFill rotWithShape="1">
+          <a:blip r:embed="rId4" cstate="print">
+            <a:extLst>
+              <a:ext uri="{28A0092B-C50C-407E-A947-70E740481C1C}">
+                <a14:useLocalDpi xmlns:a14="http://schemas.microsoft.com/office/drawing/2010/main" val="0"/>
+              </a:ext>
+            </a:extLst>
+          </a:blip>
+          <a:stretch>
+            <a:fillRect/>
+          </a:stretch>
+        </p:blipFill>
+        <p:spPr>
+          <a:xfrm rot="0">
+            <a:off x="1243330" y="1455420"/>
+            <a:ext cx="1301115" cy="1180465"/>
+          </a:xfrm>
+          <a:prstGeom prst="roundRect"/>
+          <a:solidFill>
+            <a:srgbClr val="EDEDED"/>
+          </a:solidFill>
+        </p:spPr>
+      </p:pic>
+      <p:pic>
+        <p:nvPicPr>
+          <p:cNvPr id="129" name="그림 44" descr="C:/Users/Admin1/AppData/Roaming/PolarisOffice/ETemp/29888_17492856/fImage380043509358.png"/>
+          <p:cNvPicPr>
+            <a:picLocks noChangeAspect="1"/>
+          </p:cNvPicPr>
+          <p:nvPr/>
+        </p:nvPicPr>
+        <p:blipFill rotWithShape="1">
+          <a:blip r:embed="rId5" cstate="print">
+            <a:extLst>
+              <a:ext uri="{28A0092B-C50C-407E-A947-70E740481C1C}">
+                <a14:useLocalDpi xmlns:a14="http://schemas.microsoft.com/office/drawing/2010/main" val="0"/>
+              </a:ext>
+            </a:extLst>
+          </a:blip>
+          <a:stretch>
+            <a:fillRect/>
+          </a:stretch>
+        </p:blipFill>
+        <p:spPr>
+          <a:xfrm rot="0">
+            <a:off x="6830695" y="1456055"/>
+            <a:ext cx="4135120" cy="2550160"/>
+          </a:xfrm>
+          <a:prstGeom prst="roundRect"/>
+          <a:solidFill>
+            <a:srgbClr val="EDEDED"/>
+          </a:solidFill>
+        </p:spPr>
+      </p:pic>
+    </p:spTree>
+  </p:cSld>
+  <p:clrMapOvr>
+    <a:masterClrMapping/>
+  </p:clrMapOvr>
+  <mc:AlternateContent xmlns:mc="http://schemas.openxmlformats.org/markup-compatibility/2006">
+    <mc:Choice xmlns:p14="http://schemas.microsoft.com/office/powerpoint/2010/main" Requires="p14">
+      <p:transition spd="slow" p14:dur="2000"/>
+    </mc:Choice>
+    <mc:Fallback>
+      <p:transition spd="slow"/>
+    </mc:Fallback>
+  </mc:AlternateContent>
+  <p:timing>
+    <p:tnLst>
+      <p:par>
+        <p:cTn id="1" dur="indefinite" restart="never" nodeType="tmRoot"/>
+      </p:par>
+    </p:tnLst>
+  </p:timing>
+</p:sld>
+</file>
+
+<file path=ppt/slides/slide17.xml><?xml version="1.0" encoding="utf-8"?>
 <p:sld xmlns:a="http://schemas.openxmlformats.org/drawingml/2006/main" xmlns:r="http://schemas.openxmlformats.org/officeDocument/2006/relationships" xmlns:p="http://schemas.openxmlformats.org/presentationml/2006/main" xmlns:p14="http://schemas.microsoft.com/office/powerpoint/2010/main">
   <p:cSld>
     <p:spTree>
@@ -11457,8 +12339,8 @@
         </p:nvSpPr>
         <p:spPr>
           <a:xfrm rot="0">
-            <a:off x="4107815" y="367030"/>
-            <a:ext cx="3990340" cy="554990"/>
+            <a:off x="4323715" y="386715"/>
+            <a:ext cx="3540125" cy="554990"/>
           </a:xfrm>
           <a:prstGeom prst="rect"/>
           <a:noFill/>
@@ -11482,7 +12364,7 @@
                 <a:latin typeface="나눔바른고딕" charset="0"/>
                 <a:ea typeface="나눔바른고딕" charset="0"/>
               </a:rPr>
-              <a:t>열여섯</a:t>
+              <a:t>열일곱</a:t>
             </a:r>
             <a:r>
               <a:rPr lang="ko-KR" sz="2500" b="1">
@@ -11507,7 +12389,7 @@
       </p:sp>
       <p:sp>
         <p:nvSpPr>
-          <p:cNvPr id="128" name="텍스트 상자 7"/>
+          <p:cNvPr id="103" name="Rect 0"/>
           <p:cNvSpPr txBox="1">
             <a:spLocks/>
           </p:cNvSpPr>
@@ -11515,8 +12397,8 @@
         </p:nvSpPr>
         <p:spPr>
           <a:xfrm rot="0">
-            <a:off x="1247140" y="4972050"/>
-            <a:ext cx="4131310" cy="1200785"/>
+            <a:off x="1231900" y="4186555"/>
+            <a:ext cx="4135120" cy="2031365"/>
           </a:xfrm>
           <a:prstGeom prst="rect"/>
           <a:noFill/>
@@ -11543,7 +12425,7 @@
                 <a:latin typeface="맑은 고딕" charset="0"/>
                 <a:ea typeface="맑은 고딕" charset="0"/>
               </a:rPr>
-              <a:t>42</a:t>
+              <a:t>44</a:t>
             </a:r>
             <a:r>
               <a:rPr sz="1800" b="1">
@@ -11560,6 +12442,13 @@
                 <a:latin typeface="맑은 고딕" charset="0"/>
                 <a:ea typeface="맑은 고딕" charset="0"/>
               </a:rPr>
+              <a:t> 그러고 나서</a:t>
+            </a:r>
+            <a:r>
+              <a:rPr lang="ko-KR" sz="1800">
+                <a:latin typeface="맑은 고딕" charset="0"/>
+                <a:ea typeface="맑은 고딕" charset="0"/>
+              </a:rPr>
               <a:t> </a:t>
             </a:r>
             <a:r>
@@ -11567,14 +12456,14 @@
                 <a:latin typeface="맑은 고딕" charset="0"/>
                 <a:ea typeface="맑은 고딕" charset="0"/>
               </a:rPr>
-              <a:t>그리고 AnimationManager </a:t>
-            </a:r>
-            <a:r>
-              <a:rPr lang="ko-KR" sz="1800">
-                <a:latin typeface="맑은 고딕" charset="0"/>
-                <a:ea typeface="맑은 고딕" charset="0"/>
-              </a:rPr>
-              <a:t>스크립트에서</a:t>
+              <a:t>LayerMaskSetting(int</a:t>
+            </a:r>
+            <a:r>
+              <a:rPr lang="ko-KR" sz="1800">
+                <a:latin typeface="맑은 고딕" charset="0"/>
+                <a:ea typeface="맑은 고딕" charset="0"/>
+              </a:rPr>
+              <a:t>)</a:t>
             </a:r>
             <a:r>
               <a:rPr lang="ko-KR" sz="1800">
@@ -11588,14 +12477,7 @@
                 <a:latin typeface="맑은 고딕" charset="0"/>
                 <a:ea typeface="맑은 고딕" charset="0"/>
               </a:rPr>
-              <a:t>bool 변수를 선언한 </a:t>
-            </a:r>
-            <a:r>
-              <a:rPr lang="ko-KR" sz="1800">
-                <a:latin typeface="맑은 고딕" charset="0"/>
-                <a:ea typeface="맑은 고딕" charset="0"/>
-              </a:rPr>
-              <a:t>다음</a:t>
+              <a:t>함수를</a:t>
             </a:r>
             <a:r>
               <a:rPr lang="ko-KR" sz="1800">
@@ -11609,56 +12491,231 @@
                 <a:latin typeface="맑은 고딕" charset="0"/>
                 <a:ea typeface="맑은 고딕" charset="0"/>
               </a:rPr>
-              <a:t>float 변수와 Animator 변수를 </a:t>
-            </a:r>
-            <a:r>
-              <a:rPr lang="ko-KR" sz="1800">
-                <a:latin typeface="맑은 고딕" charset="0"/>
-                <a:ea typeface="맑은 고딕" charset="0"/>
-              </a:rPr>
-              <a:t>배열</a:t>
-            </a:r>
-            <a:r>
-              <a:rPr lang="ko-KR" sz="1800">
-                <a:latin typeface="맑은 고딕" charset="0"/>
-                <a:ea typeface="맑은 고딕" charset="0"/>
-              </a:rPr>
-              <a:t>로</a:t>
-            </a:r>
-            <a:r>
-              <a:rPr lang="ko-KR" sz="1800">
-                <a:latin typeface="맑은 고딕" charset="0"/>
-                <a:ea typeface="맑은 고딕" charset="0"/>
-              </a:rPr>
-              <a:t> </a:t>
-            </a:r>
-            <a:r>
-              <a:rPr lang="ko-KR" sz="1800">
-                <a:latin typeface="맑은 고딕" charset="0"/>
-                <a:ea typeface="맑은 고딕" charset="0"/>
-              </a:rPr>
-              <a:t>선언합니다.</a:t>
+              <a:t>선언한 다음 count 변수의 </a:t>
+            </a:r>
+            <a:r>
+              <a:rPr lang="ko-KR" sz="1800">
+                <a:latin typeface="맑은 고딕" charset="0"/>
+                <a:ea typeface="맑은 고딕" charset="0"/>
+              </a:rPr>
+              <a:t>값</a:t>
+            </a:r>
+            <a:r>
+              <a:rPr lang="ko-KR" sz="1800">
+                <a:latin typeface="맑은 고딕" charset="0"/>
+                <a:ea typeface="맑은 고딕" charset="0"/>
+              </a:rPr>
+              <a:t>을</a:t>
+            </a:r>
+            <a:r>
+              <a:rPr lang="ko-KR" sz="1800">
+                <a:latin typeface="맑은 고딕" charset="0"/>
+                <a:ea typeface="맑은 고딕" charset="0"/>
+              </a:rPr>
+              <a:t> 증가시킵니다.</a:t>
             </a:r>
             <a:endParaRPr lang="ko-KR" altLang="en-US" sz="1800">
               <a:latin typeface="맑은 고딕" charset="0"/>
               <a:ea typeface="맑은 고딕" charset="0"/>
             </a:endParaRPr>
           </a:p>
+          <a:p>
+            <a:pPr marL="0" indent="0" rtl="0" algn="l" defTabSz="914400" eaLnBrk="1" latinLnBrk="0" hangingPunct="1">
+              <a:buFontTx/>
+              <a:buNone/>
+            </a:pPr>
+            <a:endParaRPr lang="ko-KR" altLang="en-US" sz="1800">
+              <a:latin typeface="맑은 고딕" charset="0"/>
+              <a:ea typeface="맑은 고딕" charset="0"/>
+            </a:endParaRPr>
+          </a:p>
+          <a:p>
+            <a:pPr marL="0" indent="0" rtl="0" algn="l" defTabSz="914400" eaLnBrk="1" latinLnBrk="0" hangingPunct="1">
+              <a:buFontTx/>
+              <a:buNone/>
+            </a:pPr>
+            <a:r>
+              <a:rPr lang="ko-KR" sz="1800">
+                <a:latin typeface="맑은 고딕" charset="0"/>
+                <a:ea typeface="맑은 고딕" charset="0"/>
+              </a:rPr>
+              <a:t>마지막으로</a:t>
+            </a:r>
+            <a:r>
+              <a:rPr lang="ko-KR" sz="1800">
+                <a:latin typeface="맑은 고딕" charset="0"/>
+                <a:ea typeface="맑은 고딕" charset="0"/>
+              </a:rPr>
+              <a:t> </a:t>
+            </a:r>
+            <a:r>
+              <a:rPr lang="ko-KR" sz="1800">
+                <a:latin typeface="맑은 고딕" charset="0"/>
+                <a:ea typeface="맑은 고딕" charset="0"/>
+              </a:rPr>
+              <a:t>count 변수의 값에 따라 </a:t>
+            </a:r>
+            <a:r>
+              <a:rPr lang="ko-KR" sz="1800">
+                <a:latin typeface="맑은 고딕" charset="0"/>
+                <a:ea typeface="맑은 고딕" charset="0"/>
+              </a:rPr>
+              <a:t>렌더링</a:t>
+            </a:r>
+            <a:r>
+              <a:rPr lang="ko-KR" sz="1800">
+                <a:latin typeface="맑은 고딕" charset="0"/>
+                <a:ea typeface="맑은 고딕" charset="0"/>
+              </a:rPr>
+              <a:t>에</a:t>
+            </a:r>
+            <a:r>
+              <a:rPr lang="ko-KR" sz="1800">
+                <a:latin typeface="맑은 고딕" charset="0"/>
+                <a:ea typeface="맑은 고딕" charset="0"/>
+              </a:rPr>
+              <a:t>서</a:t>
+            </a:r>
+            <a:r>
+              <a:rPr lang="ko-KR" sz="1800">
+                <a:latin typeface="맑은 고딕" charset="0"/>
+                <a:ea typeface="맑은 고딕" charset="0"/>
+              </a:rPr>
+              <a:t> </a:t>
+            </a:r>
+            <a:r>
+              <a:rPr lang="ko-KR" sz="1800">
+                <a:latin typeface="맑은 고딕" charset="0"/>
+                <a:ea typeface="맑은 고딕" charset="0"/>
+              </a:rPr>
+              <a:t>제외시킬 cullingMask를 </a:t>
+            </a:r>
+            <a:r>
+              <a:rPr lang="ko-KR" sz="1800">
+                <a:latin typeface="맑은 고딕" charset="0"/>
+                <a:ea typeface="맑은 고딕" charset="0"/>
+              </a:rPr>
+              <a:t>설정합니</a:t>
+            </a:r>
+            <a:r>
+              <a:rPr lang="ko-KR" sz="1800">
+                <a:latin typeface="맑은 고딕" charset="0"/>
+                <a:ea typeface="맑은 고딕" charset="0"/>
+              </a:rPr>
+              <a:t>다.</a:t>
+            </a:r>
+            <a:endParaRPr lang="ko-KR" altLang="en-US" sz="1800">
+              <a:latin typeface="맑은 고딕" charset="0"/>
+              <a:ea typeface="맑은 고딕" charset="0"/>
+            </a:endParaRPr>
+          </a:p>
+        </p:txBody>
+      </p:sp>
+      <p:sp>
+        <p:nvSpPr>
+          <p:cNvPr id="115" name="Rect 0"/>
+          <p:cNvSpPr txBox="1">
+            <a:spLocks/>
+          </p:cNvSpPr>
+          <p:nvPr/>
+        </p:nvSpPr>
+        <p:spPr>
+          <a:xfrm rot="0">
+            <a:off x="6831330" y="5569585"/>
+            <a:ext cx="4117340" cy="647065"/>
+          </a:xfrm>
+          <a:prstGeom prst="rect"/>
+          <a:noFill/>
+          <a:ln w="0">
+            <a:noFill/>
+            <a:prstDash/>
+          </a:ln>
+        </p:spPr>
+        <p:txBody>
+          <a:bodyPr wrap="square" lIns="89535" tIns="46355" rIns="89535" bIns="46355" numCol="1" vert="horz" anchor="t">
+            <a:spAutoFit/>
+          </a:bodyPr>
+          <a:lstStyle/>
+          <a:p>
+            <a:pPr marL="0" indent="0" rtl="0" algn="l" defTabSz="914400" eaLnBrk="1" latinLnBrk="0" hangingPunct="1">
+              <a:buFontTx/>
+              <a:buNone/>
+            </a:pPr>
+            <a:r>
+              <a:rPr lang="ko-KR" sz="1800" b="1">
+                <a:solidFill>
+                  <a:srgbClr val="0611F2"/>
+                </a:solidFill>
+                <a:latin typeface="맑은 고딕" charset="0"/>
+                <a:ea typeface="맑은 고딕" charset="0"/>
+              </a:rPr>
+              <a:t>46</a:t>
+            </a:r>
+            <a:r>
+              <a:rPr sz="1800" b="1">
+                <a:solidFill>
+                  <a:srgbClr val="0611F2"/>
+                </a:solidFill>
+                <a:latin typeface="맑은 고딕" charset="0"/>
+                <a:ea typeface="맑은 고딕" charset="0"/>
+              </a:rPr>
+              <a:t>.</a:t>
+            </a:r>
+            <a:r>
+              <a:rPr sz="1800">
+                <a:latin typeface="맑은 고딕" charset="0"/>
+                <a:ea typeface="맑은 고딕" charset="0"/>
+              </a:rPr>
+              <a:t> 그리고</a:t>
+            </a:r>
+            <a:r>
+              <a:rPr lang="ko-KR" sz="1800">
+                <a:latin typeface="맑은 고딕" charset="0"/>
+                <a:ea typeface="맑은 고딕" charset="0"/>
+              </a:rPr>
+              <a:t> SpeedSetting( ) 함수를 </a:t>
+            </a:r>
+            <a:r>
+              <a:rPr lang="ko-KR" sz="1800">
+                <a:latin typeface="맑은 고딕" charset="0"/>
+                <a:ea typeface="맑은 고딕" charset="0"/>
+              </a:rPr>
+              <a:t>On </a:t>
+            </a:r>
+            <a:r>
+              <a:rPr lang="ko-KR" sz="1800">
+                <a:latin typeface="맑은 고딕" charset="0"/>
+                <a:ea typeface="맑은 고딕" charset="0"/>
+              </a:rPr>
+              <a:t>Click(</a:t>
+            </a:r>
+            <a:r>
+              <a:rPr lang="ko-KR" sz="1800">
+                <a:latin typeface="맑은 고딕" charset="0"/>
+                <a:ea typeface="맑은 고딕" charset="0"/>
+              </a:rPr>
+              <a:t> ) 함수에 등록합니다.</a:t>
+            </a:r>
+            <a:endParaRPr lang="ko-KR" altLang="en-US" sz="1800">
+              <a:latin typeface="맑은 고딕" charset="0"/>
+              <a:ea typeface="맑은 고딕" charset="0"/>
+            </a:endParaRPr>
+          </a:p>
         </p:txBody>
       </p:sp>
       <p:pic>
         <p:nvPicPr>
-          <p:cNvPr id="129" name="그림 1" descr="C:/Users/Admin1/AppData/Roaming/PolarisOffice/ETemp/25668_19456376/fImage18096424741.png"/>
+          <p:cNvPr id="116" name="그림 48"/>
           <p:cNvPicPr>
             <a:picLocks noChangeAspect="1"/>
           </p:cNvPicPr>
           <p:nvPr/>
         </p:nvPicPr>
         <p:blipFill rotWithShape="1">
-          <a:blip r:embed="rId5" cstate="hqprint">
+          <a:blip r:embed="rId2" cstate="print">
             <a:extLst>
               <a:ext uri="{28A0092B-C50C-407E-A947-70E740481C1C}">
-                <a14:useLocalDpi xmlns:a14="http://schemas.microsoft.com/office/drawing/2010/main"/>
+                <a14:useLocalDpi xmlns:a14="http://schemas.microsoft.com/office/drawing/2010/main" val="0"/>
               </a:ext>
             </a:extLst>
           </a:blip>
@@ -11668,8 +12725,8 @@
         </p:blipFill>
         <p:spPr>
           <a:xfrm rot="0">
-            <a:off x="6808470" y="1463040"/>
-            <a:ext cx="4146550" cy="3576320"/>
+            <a:off x="1228090" y="1455420"/>
+            <a:ext cx="4138930" cy="2533015"/>
           </a:xfrm>
           <a:prstGeom prst="roundRect"/>
           <a:solidFill>
@@ -11677,9 +12734,71 @@
           </a:solidFill>
         </p:spPr>
       </p:pic>
-      <p:sp>
-        <p:nvSpPr>
-          <p:cNvPr id="130" name="텍스트 상자 4"/>
+      <p:pic>
+        <p:nvPicPr>
+          <p:cNvPr id="117" name="그림 1" descr="C:/Users/Admin1/AppData/Roaming/PolarisOffice/ETemp/37196_16310752/fImage538024241.png"/>
+          <p:cNvPicPr>
+            <a:picLocks noChangeAspect="1"/>
+          </p:cNvPicPr>
+          <p:nvPr/>
+        </p:nvPicPr>
+        <p:blipFill rotWithShape="1">
+          <a:blip r:embed="rId4" cstate="print">
+            <a:extLst>
+              <a:ext uri="{28A0092B-C50C-407E-A947-70E740481C1C}">
+                <a14:useLocalDpi xmlns:a14="http://schemas.microsoft.com/office/drawing/2010/main" val="0"/>
+              </a:ext>
+            </a:extLst>
+          </a:blip>
+          <a:stretch>
+            <a:fillRect/>
+          </a:stretch>
+        </p:blipFill>
+        <p:spPr>
+          <a:xfrm rot="0">
+            <a:off x="8140065" y="1455420"/>
+            <a:ext cx="2819400" cy="1198245"/>
+          </a:xfrm>
+          <a:prstGeom prst="roundRect"/>
+          <a:solidFill>
+            <a:srgbClr val="EDEDED"/>
+          </a:solidFill>
+        </p:spPr>
+      </p:pic>
+      <p:pic>
+        <p:nvPicPr>
+          <p:cNvPr id="118" name="그림 4" descr="C:/Users/Admin1/AppData/Roaming/PolarisOffice/ETemp/37196_16310752/fImage109102438467.png"/>
+          <p:cNvPicPr>
+            <a:picLocks noChangeAspect="1"/>
+          </p:cNvPicPr>
+          <p:nvPr/>
+        </p:nvPicPr>
+        <p:blipFill rotWithShape="1">
+          <a:blip r:embed="rId5" cstate="print">
+            <a:extLst>
+              <a:ext uri="{28A0092B-C50C-407E-A947-70E740481C1C}">
+                <a14:useLocalDpi xmlns:a14="http://schemas.microsoft.com/office/drawing/2010/main" val="0"/>
+              </a:ext>
+            </a:extLst>
+          </a:blip>
+          <a:stretch>
+            <a:fillRect/>
+          </a:stretch>
+        </p:blipFill>
+        <p:spPr>
+          <a:xfrm rot="0">
+            <a:off x="6822440" y="1463675"/>
+            <a:ext cx="1240790" cy="1198245"/>
+          </a:xfrm>
+          <a:prstGeom prst="roundRect"/>
+          <a:solidFill>
+            <a:srgbClr val="EDEDED"/>
+          </a:solidFill>
+        </p:spPr>
+      </p:pic>
+      <p:sp>
+        <p:nvSpPr>
+          <p:cNvPr id="119" name="텍스트 상자 7"/>
           <p:cNvSpPr txBox="1">
             <a:spLocks/>
           </p:cNvSpPr>
@@ -11687,8 +12806,8 @@
         </p:nvSpPr>
         <p:spPr>
           <a:xfrm rot="0">
-            <a:off x="6805930" y="5248910"/>
-            <a:ext cx="4131945" cy="924560"/>
+            <a:off x="6824980" y="2764155"/>
+            <a:ext cx="4132580" cy="1200785"/>
           </a:xfrm>
           <a:prstGeom prst="rect"/>
           <a:noFill/>
@@ -11708,67 +12827,131 @@
               <a:buNone/>
             </a:pPr>
             <a:r>
-              <a:rPr lang="ko-KR" sz="1800">
-                <a:latin typeface="맑은 고딕" charset="0"/>
-                <a:ea typeface="맑은 고딕" charset="0"/>
-              </a:rPr>
-              <a:t>애니메이션</a:t>
-            </a:r>
-            <a:r>
-              <a:rPr lang="ko-KR" sz="1800">
-                <a:latin typeface="맑은 고딕" charset="0"/>
-                <a:ea typeface="맑은 고딕" charset="0"/>
-              </a:rPr>
-              <a:t> 리타켓팅이란?</a:t>
+              <a:rPr lang="ko-KR" sz="1800" b="1">
+                <a:solidFill>
+                  <a:srgbClr val="0611F2"/>
+                </a:solidFill>
+                <a:latin typeface="맑은 고딕" charset="0"/>
+                <a:ea typeface="맑은 고딕" charset="0"/>
+              </a:rPr>
+              <a:t>45</a:t>
+            </a:r>
+            <a:r>
+              <a:rPr sz="1800" b="1">
+                <a:solidFill>
+                  <a:srgbClr val="0611F2"/>
+                </a:solidFill>
+                <a:latin typeface="맑은 고딕" charset="0"/>
+                <a:ea typeface="맑은 고딕" charset="0"/>
+              </a:rPr>
+              <a:t>.</a:t>
+            </a:r>
+            <a:r>
+              <a:rPr sz="1800">
+                <a:latin typeface="맑은 고딕" charset="0"/>
+                <a:ea typeface="맑은 고딕" charset="0"/>
+              </a:rPr>
+              <a:t> 이제</a:t>
+            </a:r>
+            <a:r>
+              <a:rPr lang="ko-KR" sz="1800">
+                <a:latin typeface="맑은 고딕" charset="0"/>
+                <a:ea typeface="맑은 고딕" charset="0"/>
+              </a:rPr>
+              <a:t> Animation Speed Button </a:t>
+            </a:r>
+            <a:r>
+              <a:rPr lang="ko-KR" sz="1800">
+                <a:latin typeface="맑은 고딕" charset="0"/>
+                <a:ea typeface="맑은 고딕" charset="0"/>
+              </a:rPr>
+              <a:t>오브젝트의</a:t>
+            </a:r>
+            <a:r>
+              <a:rPr lang="ko-KR" sz="1800">
+                <a:latin typeface="맑은 고딕" charset="0"/>
+                <a:ea typeface="맑은 고딕" charset="0"/>
+              </a:rPr>
+              <a:t> </a:t>
+            </a:r>
+            <a:r>
+              <a:rPr lang="ko-KR" sz="1800">
+                <a:latin typeface="맑은 고딕" charset="0"/>
+                <a:ea typeface="맑은 고딕" charset="0"/>
+              </a:rPr>
+              <a:t>On Click( ) 함수에 </a:t>
+            </a:r>
+            <a:r>
+              <a:rPr lang="ko-KR" sz="1800">
+                <a:latin typeface="맑은 고딕" charset="0"/>
+                <a:ea typeface="맑은 고딕" charset="0"/>
+              </a:rPr>
+              <a:t>Animator</a:t>
+            </a:r>
+            <a:r>
+              <a:rPr lang="ko-KR" sz="1800">
+                <a:latin typeface="맑은 고딕" charset="0"/>
+                <a:ea typeface="맑은 고딕" charset="0"/>
+              </a:rPr>
+              <a:t> Manager 오브젝트를 </a:t>
+            </a:r>
+            <a:r>
+              <a:rPr lang="ko-KR" sz="1800">
+                <a:latin typeface="맑은 고딕" charset="0"/>
+                <a:ea typeface="맑은 고딕" charset="0"/>
+              </a:rPr>
+              <a:t>넣어줍니</a:t>
+            </a:r>
+            <a:r>
+              <a:rPr lang="ko-KR" sz="1800">
+                <a:latin typeface="맑은 고딕" charset="0"/>
+                <a:ea typeface="맑은 고딕" charset="0"/>
+              </a:rPr>
+              <a:t>다.</a:t>
             </a:r>
             <a:endParaRPr lang="ko-KR" altLang="en-US" sz="1800">
               <a:latin typeface="맑은 고딕" charset="0"/>
               <a:ea typeface="맑은 고딕" charset="0"/>
             </a:endParaRPr>
           </a:p>
-          <a:p>
-            <a:pPr marL="0" indent="0" rtl="0" algn="l" defTabSz="914400" eaLnBrk="1" latinLnBrk="0" hangingPunct="1">
-              <a:buFontTx/>
-              <a:buNone/>
-            </a:pPr>
-            <a:r>
-              <a:rPr lang="ko-KR" sz="1800">
-                <a:latin typeface="맑은 고딕" charset="0"/>
-                <a:ea typeface="맑은 고딕" charset="0"/>
-              </a:rPr>
-              <a:t>같은</a:t>
-            </a:r>
-            <a:r>
-              <a:rPr lang="ko-KR" sz="1800">
-                <a:latin typeface="맑은 고딕" charset="0"/>
-                <a:ea typeface="맑은 고딕" charset="0"/>
-              </a:rPr>
-              <a:t> 애니메이션을 다양한 캐릭터 </a:t>
-            </a:r>
-            <a:r>
-              <a:rPr lang="ko-KR" sz="1800">
-                <a:latin typeface="맑은 고딕" charset="0"/>
-                <a:ea typeface="맑은 고딕" charset="0"/>
-              </a:rPr>
-              <a:t>모델에</a:t>
-            </a:r>
-            <a:r>
-              <a:rPr lang="ko-KR" sz="1800">
-                <a:latin typeface="맑은 고딕" charset="0"/>
-                <a:ea typeface="맑은 고딕" charset="0"/>
-              </a:rPr>
-              <a:t> 동시에 적용하는 기법입니다.</a:t>
-            </a:r>
-            <a:endParaRPr lang="ko-KR" altLang="en-US" sz="1800">
-              <a:latin typeface="맑은 고딕" charset="0"/>
-              <a:ea typeface="맑은 고딕" charset="0"/>
-            </a:endParaRPr>
-          </a:p>
-        </p:txBody>
-      </p:sp>
+        </p:txBody>
+      </p:sp>
+      <p:cxnSp>
+        <p:nvCxnSpPr>
+          <p:cNvPr id="120" name="도형 8"/>
+          <p:cNvCxnSpPr/>
+          <p:nvPr/>
+        </p:nvCxnSpPr>
+        <p:spPr>
+          <a:xfrm rot="0" flipV="1">
+            <a:off x="7769860" y="2179320"/>
+            <a:ext cx="1257935" cy="387985"/>
+          </a:xfrm>
+          <a:prstGeom prst="straightConnector1"/>
+          <a:ln w="6350" cap="flat" cmpd="sng">
+            <a:prstDash/>
+            <a:headEnd type="none" w="med" len="med"/>
+            <a:tailEnd type="triangle" w="med" len="med"/>
+          </a:ln>
+        </p:spPr>
+        <p:style>
+          <a:lnRef idx="1">
+            <a:schemeClr val="accent1"/>
+          </a:lnRef>
+          <a:fillRef idx="0">
+            <a:schemeClr val="accent1"/>
+          </a:fillRef>
+          <a:effectRef idx="0">
+            <a:schemeClr val="accent1"/>
+          </a:effectRef>
+          <a:fontRef idx="minor">
+            <a:schemeClr val="tx1"/>
+          </a:fontRef>
+        </p:style>
+      </p:cxnSp>
       <p:pic>
         <p:nvPicPr>
-          <p:cNvPr id="131" name="그림 49" descr="C:/Users/Admin1/AppData/Roaming/PolarisOffice/ETemp/25668_19456376/fImage552443566827.png"/>
+          <p:cNvPr id="121" name="그림 10" descr="C:/Users/Admin1/AppData/Roaming/PolarisOffice/ETemp/37196_16310752/fImage64552476334.png"/>
           <p:cNvPicPr>
             <a:picLocks noChangeAspect="1"/>
           </p:cNvPicPr>
@@ -11788,8 +12971,8 @@
         </p:blipFill>
         <p:spPr>
           <a:xfrm rot="0">
-            <a:off x="1247140" y="3714750"/>
-            <a:ext cx="4139565" cy="1169035"/>
+            <a:off x="6827520" y="4100195"/>
+            <a:ext cx="4138930" cy="1352550"/>
           </a:xfrm>
           <a:prstGeom prst="roundRect"/>
           <a:solidFill>
@@ -11797,19 +12980,247 @@
           </a:solidFill>
         </p:spPr>
       </p:pic>
+    </p:spTree>
+  </p:cSld>
+  <p:clrMapOvr>
+    <a:masterClrMapping/>
+  </p:clrMapOvr>
+  <mc:AlternateContent xmlns:mc="http://schemas.openxmlformats.org/markup-compatibility/2006">
+    <mc:Choice xmlns:p14="http://schemas.microsoft.com/office/powerpoint/2010/main" Requires="p14">
+      <p:transition spd="slow" p14:dur="2000"/>
+    </mc:Choice>
+    <mc:Fallback>
+      <p:transition spd="slow"/>
+    </mc:Fallback>
+  </mc:AlternateContent>
+  <p:timing>
+    <p:tnLst>
+      <p:par>
+        <p:cTn id="1" dur="indefinite" restart="never" nodeType="tmRoot"/>
+      </p:par>
+    </p:tnLst>
+  </p:timing>
+</p:sld>
+</file>
+
+<file path=ppt/slides/slide18.xml><?xml version="1.0" encoding="utf-8"?>
+<p:sld xmlns:a="http://schemas.openxmlformats.org/drawingml/2006/main" xmlns:r="http://schemas.openxmlformats.org/officeDocument/2006/relationships" xmlns:p="http://schemas.openxmlformats.org/presentationml/2006/main">
+  <p:cSld>
+    <p:spTree>
+      <p:nvGrpSpPr>
+        <p:cNvPr id="1" name=""/>
+        <p:cNvGrpSpPr/>
+        <p:nvPr/>
+      </p:nvGrpSpPr>
+      <p:grpSpPr>
+        <a:xfrm>
+          <a:off x="0" y="0"/>
+          <a:ext cx="0" cy="0"/>
+          <a:chOff x="0" y="0"/>
+          <a:chExt cx="0" cy="0"/>
+        </a:xfrm>
+      </p:grpSpPr>
+      <p:sp>
+        <p:nvSpPr>
+          <p:cNvPr id="22" name="Rect 0"/>
+          <p:cNvSpPr txBox="1">
+            <a:spLocks/>
+          </p:cNvSpPr>
+          <p:nvPr/>
+        </p:nvSpPr>
+        <p:spPr>
+          <a:xfrm rot="0">
+            <a:off x="4323715" y="386715"/>
+            <a:ext cx="3540760" cy="554990"/>
+          </a:xfrm>
+          <a:prstGeom prst="rect"/>
+          <a:noFill/>
+          <a:ln w="0">
+            <a:noFill/>
+            <a:prstDash/>
+          </a:ln>
+        </p:spPr>
+        <p:txBody>
+          <a:bodyPr wrap="square" lIns="89535" tIns="46355" rIns="89535" bIns="46355" numCol="1" vert="horz" anchor="t">
+            <a:spAutoFit/>
+          </a:bodyPr>
+          <a:lstStyle/>
+          <a:p>
+            <a:pPr marL="0" indent="0" algn="ctr" latinLnBrk="0" hangingPunct="1">
+              <a:buFontTx/>
+              <a:buNone/>
+            </a:pPr>
+            <a:r>
+              <a:rPr lang="ko-KR" sz="2500" b="1">
+                <a:latin typeface="나눔바른고딕" charset="0"/>
+                <a:ea typeface="나눔바른고딕" charset="0"/>
+              </a:rPr>
+              <a:t>열여덟</a:t>
+            </a:r>
+            <a:r>
+              <a:rPr lang="ko-KR" sz="2500" b="1">
+                <a:latin typeface="나눔바른고딕" charset="0"/>
+                <a:ea typeface="나눔바른고딕" charset="0"/>
+              </a:rPr>
+              <a:t> 번째 튜토리얼</a:t>
+            </a:r>
+            <a:r>
+              <a:rPr lang="ko-KR" sz="3000" b="1">
+                <a:latin typeface="맑은 고딕" charset="0"/>
+                <a:ea typeface="맑은 고딕" charset="0"/>
+              </a:rPr>
+              <a:t> </a:t>
+            </a:r>
+            <a:endParaRPr lang="ko-KR" altLang="en-US" sz="3000" b="1">
+              <a:latin typeface="맑은 고딕" charset="0"/>
+              <a:ea typeface="맑은 고딕" charset="0"/>
+            </a:endParaRPr>
+          </a:p>
+        </p:txBody>
+      </p:sp>
+      <p:sp>
+        <p:nvSpPr>
+          <p:cNvPr id="115" name="Rect 0"/>
+          <p:cNvSpPr txBox="1">
+            <a:spLocks/>
+          </p:cNvSpPr>
+          <p:nvPr/>
+        </p:nvSpPr>
+        <p:spPr>
+          <a:xfrm rot="0">
+            <a:off x="6839585" y="5285105"/>
+            <a:ext cx="4100830" cy="923925"/>
+          </a:xfrm>
+          <a:prstGeom prst="rect"/>
+          <a:noFill/>
+          <a:ln w="0">
+            <a:noFill/>
+            <a:prstDash/>
+          </a:ln>
+        </p:spPr>
+        <p:txBody>
+          <a:bodyPr wrap="square" lIns="89535" tIns="46355" rIns="89535" bIns="46355" numCol="1" vert="horz" anchor="t">
+            <a:spAutoFit/>
+          </a:bodyPr>
+          <a:lstStyle/>
+          <a:p>
+            <a:pPr marL="0" indent="0" rtl="0" algn="l" defTabSz="914400" eaLnBrk="1" latinLnBrk="0" hangingPunct="1">
+              <a:buFontTx/>
+              <a:buNone/>
+            </a:pPr>
+            <a:r>
+              <a:rPr lang="ko-KR" sz="1800" b="1">
+                <a:solidFill>
+                  <a:srgbClr val="0611F2"/>
+                </a:solidFill>
+                <a:latin typeface="맑은 고딕" charset="0"/>
+                <a:ea typeface="맑은 고딕" charset="0"/>
+              </a:rPr>
+              <a:t>5</a:t>
+            </a:r>
+            <a:r>
+              <a:rPr lang="ko-KR" sz="1800" b="1">
+                <a:solidFill>
+                  <a:srgbClr val="0611F2"/>
+                </a:solidFill>
+                <a:latin typeface="맑은 고딕" charset="0"/>
+                <a:ea typeface="맑은 고딕" charset="0"/>
+              </a:rPr>
+              <a:t>0</a:t>
+            </a:r>
+            <a:r>
+              <a:rPr sz="1800" b="1">
+                <a:solidFill>
+                  <a:srgbClr val="0611F2"/>
+                </a:solidFill>
+                <a:latin typeface="맑은 고딕" charset="0"/>
+                <a:ea typeface="맑은 고딕" charset="0"/>
+              </a:rPr>
+              <a:t>.</a:t>
+            </a:r>
+            <a:r>
+              <a:rPr sz="1800">
+                <a:latin typeface="맑은 고딕" charset="0"/>
+                <a:ea typeface="맑은 고딕" charset="0"/>
+              </a:rPr>
+              <a:t> </a:t>
+            </a:r>
+            <a:r>
+              <a:rPr lang="ko-KR" sz="1800">
+                <a:latin typeface="맑은 고딕" charset="0"/>
+                <a:ea typeface="맑은 고딕" charset="0"/>
+              </a:rPr>
+              <a:t>이제 AnimationManager </a:t>
+            </a:r>
+            <a:r>
+              <a:rPr lang="ko-KR" sz="1800">
+                <a:latin typeface="맑은 고딕" charset="0"/>
+                <a:ea typeface="맑은 고딕" charset="0"/>
+              </a:rPr>
+              <a:t>스크립트의</a:t>
+            </a:r>
+            <a:r>
+              <a:rPr lang="ko-KR" sz="1800">
+                <a:latin typeface="맑은 고딕" charset="0"/>
+                <a:ea typeface="맑은 고딕" charset="0"/>
+              </a:rPr>
+              <a:t> Element 1 에 </a:t>
+            </a:r>
+            <a:r>
+              <a:rPr lang="ko-KR" sz="1800">
+                <a:latin typeface="맑은 고딕" charset="0"/>
+                <a:ea typeface="맑은 고딕" charset="0"/>
+              </a:rPr>
+              <a:t>Ch14_non</a:t>
+            </a:r>
+            <a:r>
+              <a:rPr lang="ko-KR" sz="1800">
+                <a:latin typeface="맑은 고딕" charset="0"/>
+                <a:ea typeface="맑은 고딕" charset="0"/>
+              </a:rPr>
+              <a:t>P</a:t>
+            </a:r>
+            <a:r>
+              <a:rPr lang="ko-KR" sz="1800">
+                <a:latin typeface="맑은 고딕" charset="0"/>
+                <a:ea typeface="맑은 고딕" charset="0"/>
+              </a:rPr>
+              <a:t>B</a:t>
+            </a:r>
+            <a:r>
+              <a:rPr lang="ko-KR" sz="1800">
+                <a:latin typeface="맑은 고딕" charset="0"/>
+                <a:ea typeface="맑은 고딕" charset="0"/>
+              </a:rPr>
+              <a:t>R</a:t>
+            </a:r>
+            <a:r>
+              <a:rPr lang="ko-KR" sz="1800">
+                <a:latin typeface="맑은 고딕" charset="0"/>
+                <a:ea typeface="맑은 고딕" charset="0"/>
+              </a:rPr>
+              <a:t> 오브젝트를 넣어줍니다.</a:t>
+            </a:r>
+            <a:endParaRPr lang="ko-KR" altLang="en-US" sz="1800">
+              <a:latin typeface="맑은 고딕" charset="0"/>
+              <a:ea typeface="맑은 고딕" charset="0"/>
+            </a:endParaRPr>
+          </a:p>
+        </p:txBody>
+      </p:sp>
       <p:pic>
         <p:nvPicPr>
-          <p:cNvPr id="132" name="그림 52" descr="C:/Users/Admin1/AppData/Roaming/PolarisOffice/ETemp/25668_19456376/fImage30173579961.png"/>
+          <p:cNvPr id="117" name="Picture " descr="C:/Users/Admin1/AppData/Roaming/PolarisOffice/ETemp/37196_16310752/fImage53803246500.png"/>
           <p:cNvPicPr>
             <a:picLocks noChangeAspect="1"/>
           </p:cNvPicPr>
           <p:nvPr/>
         </p:nvPicPr>
         <p:blipFill rotWithShape="1">
-          <a:blip r:embed="rId7" cstate="hqprint">
+          <a:blip r:embed="rId2" cstate="print">
             <a:extLst>
               <a:ext uri="{28A0092B-C50C-407E-A947-70E740481C1C}">
-                <a14:useLocalDpi xmlns:a14="http://schemas.microsoft.com/office/drawing/2010/main"/>
+                <a14:useLocalDpi xmlns:a14="http://schemas.microsoft.com/office/drawing/2010/main" val="0"/>
               </a:ext>
             </a:extLst>
           </a:blip>
@@ -11819,8 +13230,8 @@
         </p:blipFill>
         <p:spPr>
           <a:xfrm rot="0">
-            <a:off x="2658745" y="1445895"/>
-            <a:ext cx="2719705" cy="1135380"/>
+            <a:off x="2558415" y="1438275"/>
+            <a:ext cx="2808605" cy="1198245"/>
           </a:xfrm>
           <a:prstGeom prst="roundRect"/>
           <a:solidFill>
@@ -11830,7 +13241,633 @@
       </p:pic>
       <p:pic>
         <p:nvPicPr>
-          <p:cNvPr id="133" name="그림 53" descr="C:/Users/Admin1/AppData/Roaming/PolarisOffice/ETemp/25668_19456376/fImage12139358491.png"/>
+          <p:cNvPr id="118" name="Picture " descr="C:/Users/Admin1/AppData/Roaming/PolarisOffice/ETemp/37196_16310752/fImage109103259169.png"/>
+          <p:cNvPicPr>
+            <a:picLocks noChangeAspect="1"/>
+          </p:cNvPicPr>
+          <p:nvPr/>
+        </p:nvPicPr>
+        <p:blipFill rotWithShape="1">
+          <a:blip r:embed="rId3" cstate="print">
+            <a:extLst>
+              <a:ext uri="{28A0092B-C50C-407E-A947-70E740481C1C}">
+                <a14:useLocalDpi xmlns:a14="http://schemas.microsoft.com/office/drawing/2010/main" val="0"/>
+              </a:ext>
+            </a:extLst>
+          </a:blip>
+          <a:stretch>
+            <a:fillRect/>
+          </a:stretch>
+        </p:blipFill>
+        <p:spPr>
+          <a:xfrm rot="0">
+            <a:off x="1240790" y="1447165"/>
+            <a:ext cx="1231900" cy="1197610"/>
+          </a:xfrm>
+          <a:prstGeom prst="roundRect"/>
+          <a:solidFill>
+            <a:srgbClr val="EDEDED"/>
+          </a:solidFill>
+        </p:spPr>
+      </p:pic>
+      <p:sp>
+        <p:nvSpPr>
+          <p:cNvPr id="119" name="Rect 0"/>
+          <p:cNvSpPr txBox="1">
+            <a:spLocks/>
+          </p:cNvSpPr>
+          <p:nvPr/>
+        </p:nvSpPr>
+        <p:spPr>
+          <a:xfrm rot="0">
+            <a:off x="1243330" y="2755900"/>
+            <a:ext cx="4132580" cy="1200785"/>
+          </a:xfrm>
+          <a:prstGeom prst="rect"/>
+          <a:noFill/>
+          <a:ln w="0">
+            <a:noFill/>
+            <a:prstDash/>
+          </a:ln>
+        </p:spPr>
+        <p:txBody>
+          <a:bodyPr wrap="square" lIns="89535" tIns="46355" rIns="89535" bIns="46355" numCol="1" vert="horz" anchor="t">
+            <a:spAutoFit/>
+          </a:bodyPr>
+          <a:lstStyle/>
+          <a:p>
+            <a:pPr marL="0" indent="0" rtl="0" algn="l" defTabSz="914400" eaLnBrk="1" latinLnBrk="0" hangingPunct="1">
+              <a:buFontTx/>
+              <a:buNone/>
+            </a:pPr>
+            <a:r>
+              <a:rPr lang="ko-KR" sz="1800" b="1">
+                <a:solidFill>
+                  <a:srgbClr val="0611F2"/>
+                </a:solidFill>
+                <a:latin typeface="맑은 고딕" charset="0"/>
+                <a:ea typeface="맑은 고딕" charset="0"/>
+              </a:rPr>
+              <a:t>47</a:t>
+            </a:r>
+            <a:r>
+              <a:rPr sz="1800" b="1">
+                <a:solidFill>
+                  <a:srgbClr val="0611F2"/>
+                </a:solidFill>
+                <a:latin typeface="맑은 고딕" charset="0"/>
+                <a:ea typeface="맑은 고딕" charset="0"/>
+              </a:rPr>
+              <a:t>.</a:t>
+            </a:r>
+            <a:r>
+              <a:rPr sz="1800">
+                <a:latin typeface="맑은 고딕" charset="0"/>
+                <a:ea typeface="맑은 고딕" charset="0"/>
+              </a:rPr>
+              <a:t> 그런 다음</a:t>
+            </a:r>
+            <a:r>
+              <a:rPr lang="ko-KR" sz="1800">
+                <a:latin typeface="맑은 고딕" charset="0"/>
+                <a:ea typeface="맑은 고딕" charset="0"/>
+              </a:rPr>
+              <a:t> Camera Culling </a:t>
+            </a:r>
+            <a:r>
+              <a:rPr lang="ko-KR" sz="1800">
+                <a:latin typeface="맑은 고딕" charset="0"/>
+                <a:ea typeface="맑은 고딕" charset="0"/>
+              </a:rPr>
+              <a:t>Button</a:t>
+            </a:r>
+            <a:r>
+              <a:rPr lang="ko-KR" sz="1800">
+                <a:latin typeface="맑은 고딕" charset="0"/>
+                <a:ea typeface="맑은 고딕" charset="0"/>
+              </a:rPr>
+              <a:t> </a:t>
+            </a:r>
+            <a:r>
+              <a:rPr lang="ko-KR" sz="1800">
+                <a:latin typeface="맑은 고딕" charset="0"/>
+                <a:ea typeface="맑은 고딕" charset="0"/>
+              </a:rPr>
+              <a:t>오브젝트의</a:t>
+            </a:r>
+            <a:r>
+              <a:rPr lang="ko-KR" sz="1800">
+                <a:latin typeface="맑은 고딕" charset="0"/>
+                <a:ea typeface="맑은 고딕" charset="0"/>
+              </a:rPr>
+              <a:t> </a:t>
+            </a:r>
+            <a:r>
+              <a:rPr lang="ko-KR" sz="1800">
+                <a:latin typeface="맑은 고딕" charset="0"/>
+                <a:ea typeface="맑은 고딕" charset="0"/>
+              </a:rPr>
+              <a:t>On Click( ) 함수에 </a:t>
+            </a:r>
+            <a:r>
+              <a:rPr lang="ko-KR" sz="1800">
+                <a:latin typeface="맑은 고딕" charset="0"/>
+                <a:ea typeface="맑은 고딕" charset="0"/>
+              </a:rPr>
+              <a:t>Animator</a:t>
+            </a:r>
+            <a:r>
+              <a:rPr lang="ko-KR" sz="1800">
+                <a:latin typeface="맑은 고딕" charset="0"/>
+                <a:ea typeface="맑은 고딕" charset="0"/>
+              </a:rPr>
+              <a:t> Manager 오브젝트를 </a:t>
+            </a:r>
+            <a:r>
+              <a:rPr lang="ko-KR" sz="1800">
+                <a:latin typeface="맑은 고딕" charset="0"/>
+                <a:ea typeface="맑은 고딕" charset="0"/>
+              </a:rPr>
+              <a:t>넣어줍니</a:t>
+            </a:r>
+            <a:r>
+              <a:rPr lang="ko-KR" sz="1800">
+                <a:latin typeface="맑은 고딕" charset="0"/>
+                <a:ea typeface="맑은 고딕" charset="0"/>
+              </a:rPr>
+              <a:t>다.</a:t>
+            </a:r>
+            <a:endParaRPr lang="ko-KR" altLang="en-US" sz="1800">
+              <a:latin typeface="맑은 고딕" charset="0"/>
+              <a:ea typeface="맑은 고딕" charset="0"/>
+            </a:endParaRPr>
+          </a:p>
+        </p:txBody>
+      </p:sp>
+      <p:cxnSp>
+        <p:nvCxnSpPr>
+          <p:cNvPr id="120" name="Rect 0"/>
+          <p:cNvCxnSpPr/>
+          <p:nvPr/>
+        </p:nvCxnSpPr>
+        <p:spPr>
+          <a:xfrm rot="0" flipV="1">
+            <a:off x="2188210" y="2153285"/>
+            <a:ext cx="1257935" cy="396875"/>
+          </a:xfrm>
+          <a:prstGeom prst="straightConnector1"/>
+          <a:ln w="6350" cap="flat" cmpd="sng">
+            <a:prstDash/>
+            <a:headEnd type="none" w="med" len="med"/>
+            <a:tailEnd type="triangle" w="med" len="med"/>
+          </a:ln>
+        </p:spPr>
+        <p:style>
+          <a:lnRef idx="1">
+            <a:schemeClr val="accent1"/>
+          </a:lnRef>
+          <a:fillRef idx="0">
+            <a:schemeClr val="accent1"/>
+          </a:fillRef>
+          <a:effectRef idx="0">
+            <a:schemeClr val="accent1"/>
+          </a:effectRef>
+          <a:fontRef idx="minor">
+            <a:schemeClr val="tx1"/>
+          </a:fontRef>
+        </p:style>
+      </p:cxnSp>
+      <p:sp>
+        <p:nvSpPr>
+          <p:cNvPr id="122" name="텍스트 상자 18"/>
+          <p:cNvSpPr txBox="1">
+            <a:spLocks/>
+          </p:cNvSpPr>
+          <p:nvPr/>
+        </p:nvSpPr>
+        <p:spPr>
+          <a:xfrm rot="0">
+            <a:off x="1249045" y="5296535"/>
+            <a:ext cx="4120515" cy="923925"/>
+          </a:xfrm>
+          <a:prstGeom prst="rect"/>
+          <a:noFill/>
+          <a:ln w="0">
+            <a:noFill/>
+            <a:prstDash/>
+          </a:ln>
+        </p:spPr>
+        <p:txBody>
+          <a:bodyPr wrap="square" lIns="89535" tIns="46355" rIns="89535" bIns="46355" numCol="1" vert="horz" anchor="t">
+            <a:spAutoFit/>
+          </a:bodyPr>
+          <a:lstStyle/>
+          <a:p>
+            <a:pPr marL="0" indent="0" rtl="0" algn="l" defTabSz="914400" eaLnBrk="1" latinLnBrk="0" hangingPunct="1">
+              <a:buFontTx/>
+              <a:buNone/>
+            </a:pPr>
+            <a:r>
+              <a:rPr lang="ko-KR" sz="1800" b="1">
+                <a:solidFill>
+                  <a:srgbClr val="0611F2"/>
+                </a:solidFill>
+                <a:latin typeface="맑은 고딕" charset="0"/>
+                <a:ea typeface="맑은 고딕" charset="0"/>
+              </a:rPr>
+              <a:t>48</a:t>
+            </a:r>
+            <a:r>
+              <a:rPr sz="1800" b="1">
+                <a:solidFill>
+                  <a:srgbClr val="0611F2"/>
+                </a:solidFill>
+                <a:latin typeface="맑은 고딕" charset="0"/>
+                <a:ea typeface="맑은 고딕" charset="0"/>
+              </a:rPr>
+              <a:t>.</a:t>
+            </a:r>
+            <a:r>
+              <a:rPr sz="1800">
+                <a:latin typeface="맑은 고딕" charset="0"/>
+                <a:ea typeface="맑은 고딕" charset="0"/>
+              </a:rPr>
+              <a:t> 그다음으로</a:t>
+            </a:r>
+            <a:r>
+              <a:rPr lang="ko-KR" sz="1800">
+                <a:latin typeface="맑은 고딕" charset="0"/>
+                <a:ea typeface="맑은 고딕" charset="0"/>
+              </a:rPr>
+              <a:t> LayerMaskSetting( ) </a:t>
+            </a:r>
+            <a:r>
+              <a:rPr lang="ko-KR" sz="1800">
+                <a:latin typeface="맑은 고딕" charset="0"/>
+                <a:ea typeface="맑은 고딕" charset="0"/>
+              </a:rPr>
+              <a:t>함수를</a:t>
+            </a:r>
+            <a:r>
+              <a:rPr lang="ko-KR" sz="1800">
+                <a:latin typeface="맑은 고딕" charset="0"/>
+                <a:ea typeface="맑은 고딕" charset="0"/>
+              </a:rPr>
+              <a:t> </a:t>
+            </a:r>
+            <a:r>
+              <a:rPr lang="ko-KR" sz="1800">
+                <a:latin typeface="맑은 고딕" charset="0"/>
+                <a:ea typeface="맑은 고딕" charset="0"/>
+              </a:rPr>
+              <a:t>On Click( ) 함수에 등록하고 </a:t>
+            </a:r>
+            <a:r>
+              <a:rPr lang="ko-KR" sz="1800">
+                <a:latin typeface="맑은 고딕" charset="0"/>
+                <a:ea typeface="맑은 고딕" charset="0"/>
+              </a:rPr>
+              <a:t>인수에</a:t>
+            </a:r>
+            <a:r>
+              <a:rPr lang="ko-KR" sz="1800">
+                <a:latin typeface="맑은 고딕" charset="0"/>
+                <a:ea typeface="맑은 고딕" charset="0"/>
+              </a:rPr>
+              <a:t> </a:t>
+            </a:r>
+            <a:r>
+              <a:rPr lang="ko-KR" sz="1800">
+                <a:latin typeface="맑은 고딕" charset="0"/>
+                <a:ea typeface="맑은 고딕" charset="0"/>
+              </a:rPr>
+              <a:t>8 이라는 값을 설정합니다.</a:t>
+            </a:r>
+            <a:endParaRPr lang="ko-KR" altLang="en-US" sz="1800">
+              <a:latin typeface="맑은 고딕" charset="0"/>
+              <a:ea typeface="맑은 고딕" charset="0"/>
+            </a:endParaRPr>
+          </a:p>
+        </p:txBody>
+      </p:sp>
+      <p:pic>
+        <p:nvPicPr>
+          <p:cNvPr id="123" name="그림 19" descr="C:/Users/Admin1/AppData/Roaming/PolarisOffice/ETemp/37196_16310752/fImage66913385724.png"/>
+          <p:cNvPicPr>
+            <a:picLocks noChangeAspect="1"/>
+          </p:cNvPicPr>
+          <p:nvPr/>
+        </p:nvPicPr>
+        <p:blipFill rotWithShape="1">
+          <a:blip r:embed="rId4" cstate="print">
+            <a:extLst>
+              <a:ext uri="{28A0092B-C50C-407E-A947-70E740481C1C}">
+                <a14:useLocalDpi xmlns:a14="http://schemas.microsoft.com/office/drawing/2010/main" val="0"/>
+              </a:ext>
+            </a:extLst>
+          </a:blip>
+          <a:stretch>
+            <a:fillRect/>
+          </a:stretch>
+        </p:blipFill>
+        <p:spPr>
+          <a:xfrm rot="0">
+            <a:off x="1244600" y="4072255"/>
+            <a:ext cx="4122420" cy="1130935"/>
+          </a:xfrm>
+          <a:prstGeom prst="roundRect"/>
+          <a:solidFill>
+            <a:srgbClr val="EDEDED"/>
+          </a:solidFill>
+        </p:spPr>
+      </p:pic>
+      <p:pic>
+        <p:nvPicPr>
+          <p:cNvPr id="124" name="그림 22" descr="C:/Users/Admin1/AppData/Roaming/PolarisOffice/ETemp/37196_16310752/fImage119303391478.png"/>
+          <p:cNvPicPr>
+            <a:picLocks noChangeAspect="1"/>
+          </p:cNvPicPr>
+          <p:nvPr/>
+        </p:nvPicPr>
+        <p:blipFill rotWithShape="1">
+          <a:blip r:embed="rId5" cstate="print">
+            <a:extLst>
+              <a:ext uri="{28A0092B-C50C-407E-A947-70E740481C1C}">
+                <a14:useLocalDpi xmlns:a14="http://schemas.microsoft.com/office/drawing/2010/main" val="0"/>
+              </a:ext>
+            </a:extLst>
+          </a:blip>
+          <a:stretch>
+            <a:fillRect/>
+          </a:stretch>
+        </p:blipFill>
+        <p:spPr>
+          <a:xfrm rot="0">
+            <a:off x="8148955" y="1435100"/>
+            <a:ext cx="2799715" cy="1149350"/>
+          </a:xfrm>
+          <a:prstGeom prst="roundRect"/>
+          <a:solidFill>
+            <a:srgbClr val="EDEDED"/>
+          </a:solidFill>
+        </p:spPr>
+      </p:pic>
+      <p:pic>
+        <p:nvPicPr>
+          <p:cNvPr id="125" name="그림 25" descr="C:/Users/Admin1/AppData/Roaming/PolarisOffice/ETemp/37196_16310752/fImage108453409358.png"/>
+          <p:cNvPicPr>
+            <a:picLocks noChangeAspect="1"/>
+          </p:cNvPicPr>
+          <p:nvPr/>
+        </p:nvPicPr>
+        <p:blipFill rotWithShape="1">
+          <a:blip r:embed="rId6" cstate="print">
+            <a:extLst>
+              <a:ext uri="{28A0092B-C50C-407E-A947-70E740481C1C}">
+                <a14:useLocalDpi xmlns:a14="http://schemas.microsoft.com/office/drawing/2010/main" val="0"/>
+              </a:ext>
+            </a:extLst>
+          </a:blip>
+          <a:stretch>
+            <a:fillRect/>
+          </a:stretch>
+        </p:blipFill>
+        <p:spPr>
+          <a:xfrm rot="0">
+            <a:off x="6830695" y="1446530"/>
+            <a:ext cx="1266825" cy="1137920"/>
+          </a:xfrm>
+          <a:prstGeom prst="roundRect"/>
+          <a:solidFill>
+            <a:srgbClr val="EDEDED"/>
+          </a:solidFill>
+        </p:spPr>
+      </p:pic>
+      <p:cxnSp>
+        <p:nvCxnSpPr>
+          <p:cNvPr id="126" name="도형 28"/>
+          <p:cNvCxnSpPr/>
+          <p:nvPr/>
+        </p:nvCxnSpPr>
+        <p:spPr>
+          <a:xfrm rot="0">
+            <a:off x="7640320" y="1817370"/>
+            <a:ext cx="3162300" cy="241935"/>
+          </a:xfrm>
+          <a:prstGeom prst="straightConnector1"/>
+          <a:ln w="6350" cap="flat" cmpd="sng">
+            <a:prstDash/>
+            <a:headEnd type="none" w="med" len="med"/>
+            <a:tailEnd type="triangle" w="med" len="med"/>
+          </a:ln>
+        </p:spPr>
+        <p:style>
+          <a:lnRef idx="1">
+            <a:schemeClr val="accent1"/>
+          </a:lnRef>
+          <a:fillRef idx="0">
+            <a:schemeClr val="accent1"/>
+          </a:fillRef>
+          <a:effectRef idx="0">
+            <a:schemeClr val="accent1"/>
+          </a:effectRef>
+          <a:fontRef idx="minor">
+            <a:schemeClr val="tx1"/>
+          </a:fontRef>
+        </p:style>
+      </p:cxnSp>
+      <p:sp>
+        <p:nvSpPr>
+          <p:cNvPr id="127" name="텍스트 상자 29"/>
+          <p:cNvSpPr txBox="1">
+            <a:spLocks/>
+          </p:cNvSpPr>
+          <p:nvPr/>
+        </p:nvSpPr>
+        <p:spPr>
+          <a:xfrm rot="0">
+            <a:off x="6839585" y="2686050"/>
+            <a:ext cx="4117975" cy="1200785"/>
+          </a:xfrm>
+          <a:prstGeom prst="rect"/>
+          <a:noFill/>
+          <a:ln w="0">
+            <a:noFill/>
+            <a:prstDash/>
+          </a:ln>
+        </p:spPr>
+        <p:txBody>
+          <a:bodyPr wrap="square" lIns="89535" tIns="46355" rIns="89535" bIns="46355" numCol="1" vert="horz" anchor="t">
+            <a:spAutoFit/>
+          </a:bodyPr>
+          <a:lstStyle/>
+          <a:p>
+            <a:pPr marL="0" indent="0" rtl="0" algn="l" defTabSz="914400" eaLnBrk="1" latinLnBrk="0" hangingPunct="1">
+              <a:buFontTx/>
+              <a:buNone/>
+            </a:pPr>
+            <a:r>
+              <a:rPr lang="ko-KR" sz="1800" b="1">
+                <a:solidFill>
+                  <a:srgbClr val="0611F2"/>
+                </a:solidFill>
+                <a:latin typeface="맑은 고딕" charset="0"/>
+                <a:ea typeface="맑은 고딕" charset="0"/>
+              </a:rPr>
+              <a:t>4</a:t>
+            </a:r>
+            <a:r>
+              <a:rPr lang="ko-KR" sz="1800" b="1">
+                <a:solidFill>
+                  <a:srgbClr val="0611F2"/>
+                </a:solidFill>
+                <a:latin typeface="맑은 고딕" charset="0"/>
+                <a:ea typeface="맑은 고딕" charset="0"/>
+              </a:rPr>
+              <a:t>9</a:t>
+            </a:r>
+            <a:r>
+              <a:rPr sz="1800" b="1">
+                <a:solidFill>
+                  <a:srgbClr val="0611F2"/>
+                </a:solidFill>
+                <a:latin typeface="맑은 고딕" charset="0"/>
+                <a:ea typeface="맑은 고딕" charset="0"/>
+              </a:rPr>
+              <a:t>.</a:t>
+            </a:r>
+            <a:r>
+              <a:rPr sz="1800">
+                <a:latin typeface="맑은 고딕" charset="0"/>
+                <a:ea typeface="맑은 고딕" charset="0"/>
+              </a:rPr>
+              <a:t> 그러고 나서</a:t>
+            </a:r>
+            <a:r>
+              <a:rPr lang="ko-KR" sz="1800">
+                <a:latin typeface="맑은 고딕" charset="0"/>
+                <a:ea typeface="맑은 고딕" charset="0"/>
+              </a:rPr>
+              <a:t> AnimationManager </a:t>
+            </a:r>
+            <a:r>
+              <a:rPr lang="ko-KR" sz="1800">
+                <a:latin typeface="맑은 고딕" charset="0"/>
+                <a:ea typeface="맑은 고딕" charset="0"/>
+              </a:rPr>
+              <a:t>스크립트의</a:t>
+            </a:r>
+            <a:r>
+              <a:rPr lang="ko-KR" sz="1800">
+                <a:latin typeface="맑은 고딕" charset="0"/>
+                <a:ea typeface="맑은 고딕" charset="0"/>
+              </a:rPr>
+              <a:t> </a:t>
+            </a:r>
+            <a:r>
+              <a:rPr lang="ko-KR" sz="1800">
+                <a:latin typeface="맑은 고딕" charset="0"/>
+                <a:ea typeface="맑은 고딕" charset="0"/>
+              </a:rPr>
+              <a:t>Animator 배열 크기를 2</a:t>
+            </a:r>
+            <a:r>
+              <a:rPr lang="ko-KR" sz="1800">
+                <a:latin typeface="맑은 고딕" charset="0"/>
+                <a:ea typeface="맑은 고딕" charset="0"/>
+              </a:rPr>
+              <a:t>로 </a:t>
+            </a:r>
+            <a:r>
+              <a:rPr lang="ko-KR" sz="1800">
+                <a:latin typeface="맑은 고딕" charset="0"/>
+                <a:ea typeface="맑은 고딕" charset="0"/>
+              </a:rPr>
+              <a:t>설정한</a:t>
+            </a:r>
+            <a:r>
+              <a:rPr lang="ko-KR" sz="1800">
+                <a:latin typeface="맑은 고딕" charset="0"/>
+                <a:ea typeface="맑은 고딕" charset="0"/>
+              </a:rPr>
+              <a:t> 다음 Element 0 에 </a:t>
+            </a:r>
+            <a:r>
+              <a:rPr lang="ko-KR" sz="1800">
+                <a:latin typeface="맑은 고딕" charset="0"/>
+                <a:ea typeface="맑은 고딕" charset="0"/>
+              </a:rPr>
+              <a:t>Ch14_non</a:t>
+            </a:r>
+            <a:r>
+              <a:rPr lang="ko-KR" sz="1800">
+                <a:latin typeface="맑은 고딕" charset="0"/>
+                <a:ea typeface="맑은 고딕" charset="0"/>
+              </a:rPr>
+              <a:t>P</a:t>
+            </a:r>
+            <a:r>
+              <a:rPr lang="ko-KR" sz="1800">
+                <a:latin typeface="맑은 고딕" charset="0"/>
+                <a:ea typeface="맑은 고딕" charset="0"/>
+              </a:rPr>
+              <a:t>B</a:t>
+            </a:r>
+            <a:r>
+              <a:rPr lang="ko-KR" sz="1800">
+                <a:latin typeface="맑은 고딕" charset="0"/>
+                <a:ea typeface="맑은 고딕" charset="0"/>
+              </a:rPr>
+              <a:t>R</a:t>
+            </a:r>
+            <a:r>
+              <a:rPr lang="ko-KR" sz="1800">
+                <a:latin typeface="맑은 고딕" charset="0"/>
+                <a:ea typeface="맑은 고딕" charset="0"/>
+              </a:rPr>
+              <a:t> 오브젝트를 넣어줍니다.</a:t>
+            </a:r>
+            <a:endParaRPr lang="ko-KR" altLang="en-US" sz="1800">
+              <a:latin typeface="맑은 고딕" charset="0"/>
+              <a:ea typeface="맑은 고딕" charset="0"/>
+            </a:endParaRPr>
+          </a:p>
+        </p:txBody>
+      </p:sp>
+      <p:pic>
+        <p:nvPicPr>
+          <p:cNvPr id="129" name="그림 32" descr="C:/Users/Admin1/AppData/Roaming/PolarisOffice/ETemp/37196_16310752/fImage125713456962.png"/>
+          <p:cNvPicPr>
+            <a:picLocks noChangeAspect="1"/>
+          </p:cNvPicPr>
+          <p:nvPr/>
+        </p:nvPicPr>
+        <p:blipFill rotWithShape="1">
+          <a:blip r:embed="rId7" cstate="print">
+            <a:extLst>
+              <a:ext uri="{28A0092B-C50C-407E-A947-70E740481C1C}">
+                <a14:useLocalDpi xmlns:a14="http://schemas.microsoft.com/office/drawing/2010/main" val="0"/>
+              </a:ext>
+            </a:extLst>
+          </a:blip>
+          <a:stretch>
+            <a:fillRect/>
+          </a:stretch>
+        </p:blipFill>
+        <p:spPr>
+          <a:xfrm rot="0">
+            <a:off x="8157210" y="4030980"/>
+            <a:ext cx="2783205" cy="1155065"/>
+          </a:xfrm>
+          <a:prstGeom prst="roundRect"/>
+          <a:solidFill>
+            <a:srgbClr val="EDEDED"/>
+          </a:solidFill>
+        </p:spPr>
+      </p:pic>
+      <p:pic>
+        <p:nvPicPr>
+          <p:cNvPr id="131" name="그림 36" descr="C:/Users/Admin1/AppData/Roaming/PolarisOffice/ETemp/37196_16310752/fImage107953474464.png"/>
           <p:cNvPicPr>
             <a:picLocks noChangeAspect="1"/>
           </p:cNvPicPr>
@@ -11850,8 +13887,8 @@
         </p:blipFill>
         <p:spPr>
           <a:xfrm rot="0">
-            <a:off x="1250950" y="1445895"/>
-            <a:ext cx="1304290" cy="1135380"/>
+            <a:off x="6849110" y="4022725"/>
+            <a:ext cx="1257300" cy="1163320"/>
           </a:xfrm>
           <a:prstGeom prst="roundRect"/>
           <a:solidFill>
@@ -11859,157 +13896,39 @@
           </a:solidFill>
         </p:spPr>
       </p:pic>
-      <p:sp>
-        <p:nvSpPr>
-          <p:cNvPr id="134" name="텍스트 상자 56"/>
-          <p:cNvSpPr txBox="1">
-            <a:spLocks/>
-          </p:cNvSpPr>
+      <p:cxnSp>
+        <p:nvCxnSpPr>
+          <p:cNvPr id="130" name="도형 35"/>
+          <p:cNvCxnSpPr/>
           <p:nvPr/>
-        </p:nvSpPr>
-        <p:spPr>
-          <a:xfrm rot="0">
-            <a:off x="1249045" y="2662555"/>
-            <a:ext cx="4131310" cy="923925"/>
-          </a:xfrm>
-          <a:prstGeom prst="rect"/>
-          <a:noFill/>
-          <a:ln w="0">
-            <a:noFill/>
+        </p:nvCxnSpPr>
+        <p:spPr>
+          <a:xfrm rot="0">
+            <a:off x="7649210" y="4539615"/>
+            <a:ext cx="3178810" cy="293370"/>
+          </a:xfrm>
+          <a:prstGeom prst="straightConnector1"/>
+          <a:ln w="6350" cap="flat" cmpd="sng">
             <a:prstDash/>
+            <a:headEnd type="none" w="med" len="med"/>
+            <a:tailEnd type="triangle" w="med" len="med"/>
           </a:ln>
         </p:spPr>
-        <p:txBody>
-          <a:bodyPr wrap="square" lIns="89535" tIns="46355" rIns="89535" bIns="46355" numCol="1" vert="horz" anchor="t">
-            <a:spAutoFit/>
-          </a:bodyPr>
-          <a:lstStyle/>
-          <a:p>
-            <a:pPr marL="0" indent="0" rtl="0" algn="l" defTabSz="914400" eaLnBrk="1" latinLnBrk="0" hangingPunct="1">
-              <a:buFontTx/>
-              <a:buNone/>
-            </a:pPr>
-            <a:r>
-              <a:rPr lang="ko-KR" sz="1800" b="1">
-                <a:solidFill>
-                  <a:srgbClr val="0611F2"/>
-                </a:solidFill>
-                <a:latin typeface="맑은 고딕" charset="0"/>
-                <a:ea typeface="맑은 고딕" charset="0"/>
-              </a:rPr>
-              <a:t>4</a:t>
-            </a:r>
-            <a:r>
-              <a:rPr lang="ko-KR" sz="1800" b="1">
-                <a:solidFill>
-                  <a:srgbClr val="0611F2"/>
-                </a:solidFill>
-                <a:latin typeface="맑은 고딕" charset="0"/>
-                <a:ea typeface="맑은 고딕" charset="0"/>
-              </a:rPr>
-              <a:t>1</a:t>
-            </a:r>
-            <a:r>
-              <a:rPr sz="1800" b="1">
-                <a:solidFill>
-                  <a:srgbClr val="0611F2"/>
-                </a:solidFill>
-                <a:latin typeface="맑은 고딕" charset="0"/>
-                <a:ea typeface="맑은 고딕" charset="0"/>
-              </a:rPr>
-              <a:t>.</a:t>
-            </a:r>
-            <a:r>
-              <a:rPr sz="1800">
-                <a:latin typeface="맑은 고딕" charset="0"/>
-                <a:ea typeface="맑은 고딕" charset="0"/>
-              </a:rPr>
-              <a:t> </a:t>
-            </a:r>
-            <a:r>
-              <a:rPr lang="ko-KR" sz="1800">
-                <a:latin typeface="맑은 고딕" charset="0"/>
-                <a:ea typeface="맑은 고딕" charset="0"/>
-              </a:rPr>
-              <a:t>이제 Everything Culling </a:t>
-            </a:r>
-            <a:r>
-              <a:rPr lang="ko-KR" sz="1800">
-                <a:latin typeface="맑은 고딕" charset="0"/>
-                <a:ea typeface="맑은 고딕" charset="0"/>
-              </a:rPr>
-              <a:t>Button</a:t>
-            </a:r>
-            <a:r>
-              <a:rPr lang="ko-KR" sz="1800">
-                <a:latin typeface="맑은 고딕" charset="0"/>
-                <a:ea typeface="맑은 고딕" charset="0"/>
-              </a:rPr>
-              <a:t> </a:t>
-            </a:r>
-            <a:r>
-              <a:rPr lang="ko-KR" sz="1800">
-                <a:latin typeface="맑은 고딕" charset="0"/>
-                <a:ea typeface="맑은 고딕" charset="0"/>
-              </a:rPr>
-              <a:t>오브젝트의</a:t>
-            </a:r>
-            <a:r>
-              <a:rPr lang="ko-KR" sz="1800">
-                <a:latin typeface="맑은 고딕" charset="0"/>
-                <a:ea typeface="맑은 고딕" charset="0"/>
-              </a:rPr>
-              <a:t> </a:t>
-            </a:r>
-            <a:r>
-              <a:rPr lang="ko-KR" sz="1800">
-                <a:latin typeface="맑은 고딕" charset="0"/>
-                <a:ea typeface="맑은 고딕" charset="0"/>
-              </a:rPr>
-              <a:t>On</a:t>
-            </a:r>
-            <a:r>
-              <a:rPr lang="ko-KR" sz="1800">
-                <a:latin typeface="맑은 고딕" charset="0"/>
-                <a:ea typeface="맑은 고딕" charset="0"/>
-              </a:rPr>
-              <a:t> </a:t>
-            </a:r>
-            <a:r>
-              <a:rPr lang="ko-KR" sz="1800">
-                <a:latin typeface="맑은 고딕" charset="0"/>
-                <a:ea typeface="맑은 고딕" charset="0"/>
-              </a:rPr>
-              <a:t>Click(</a:t>
-            </a:r>
-            <a:r>
-              <a:rPr lang="ko-KR" sz="1800">
-                <a:latin typeface="맑은 고딕" charset="0"/>
-                <a:ea typeface="맑은 고딕" charset="0"/>
-              </a:rPr>
-              <a:t> ) 함수를 </a:t>
-            </a:r>
-            <a:r>
-              <a:rPr lang="ko-KR" sz="1800">
-                <a:latin typeface="맑은 고딕" charset="0"/>
-                <a:ea typeface="맑은 고딕" charset="0"/>
-              </a:rPr>
-              <a:t>추가합니다.</a:t>
-            </a:r>
-            <a:r>
-              <a:rPr lang="ko-KR" sz="1800">
-                <a:latin typeface="맑은 고딕" charset="0"/>
-                <a:ea typeface="맑은 고딕" charset="0"/>
-              </a:rPr>
-              <a:t> </a:t>
-            </a:r>
-            <a:endParaRPr lang="ko-KR" altLang="en-US" sz="1800">
-              <a:latin typeface="맑은 고딕" charset="0"/>
-              <a:ea typeface="맑은 고딕" charset="0"/>
-            </a:endParaRPr>
-          </a:p>
-        </p:txBody>
-      </p:sp>
+        <p:style>
+          <a:lnRef idx="1">
+            <a:schemeClr val="accent1"/>
+          </a:lnRef>
+          <a:fillRef idx="0">
+            <a:schemeClr val="accent1"/>
+          </a:fillRef>
+          <a:effectRef idx="0">
+            <a:schemeClr val="accent1"/>
+          </a:effectRef>
+          <a:fontRef idx="minor">
+            <a:schemeClr val="tx1"/>
+          </a:fontRef>
+        </p:style>
+      </p:cxnSp>
     </p:spTree>
   </p:cSld>
   <p:clrMapOvr>
@@ -12111,8 +14030,8 @@
         </p:nvSpPr>
         <p:spPr>
           <a:xfrm rot="0">
-            <a:off x="1238885" y="5176520"/>
-            <a:ext cx="4133215" cy="954405"/>
+            <a:off x="1238885" y="5253990"/>
+            <a:ext cx="4133850" cy="955040"/>
           </a:xfrm>
           <a:prstGeom prst="rect"/>
           <a:noFill/>
@@ -12153,35 +14072,56 @@
                 <a:latin typeface="맑은 고딕" charset="0"/>
                 <a:ea typeface="맑은 고딕" charset="0"/>
               </a:rPr>
-              <a:t>그러고 나서</a:t>
+              <a:t>그러고</a:t>
+            </a:r>
+            <a:r>
+              <a:rPr lang="ko-KR" sz="1800">
+                <a:latin typeface="맑은 고딕" charset="0"/>
+                <a:ea typeface="맑은 고딕" charset="0"/>
+              </a:rPr>
+              <a:t> </a:t>
+            </a:r>
+            <a:r>
+              <a:rPr lang="ko-KR" sz="1800">
+                <a:latin typeface="맑은 고딕" charset="0"/>
+                <a:ea typeface="맑은 고딕" charset="0"/>
+              </a:rPr>
+              <a:t>나서</a:t>
             </a:r>
             <a:r>
               <a:rPr sz="1800">
                 <a:latin typeface="맑은 고딕" charset="0"/>
                 <a:ea typeface="맑은 고딕" charset="0"/>
               </a:rPr>
-              <a:t> Character 메뉴를 선택</a:t>
-            </a:r>
-            <a:r>
-              <a:rPr lang="ko-KR" sz="1800">
-                <a:latin typeface="맑은 고딕" charset="0"/>
-                <a:ea typeface="맑은 고딕" charset="0"/>
-              </a:rPr>
-              <a:t>한 다음</a:t>
+              <a:t> Character 메뉴를 </a:t>
             </a:r>
             <a:r>
               <a:rPr sz="1800">
                 <a:latin typeface="맑은 고딕" charset="0"/>
                 <a:ea typeface="맑은 고딕" charset="0"/>
               </a:rPr>
-              <a:t> </a:t>
+              <a:t>선택</a:t>
+            </a:r>
+            <a:r>
+              <a:rPr lang="ko-KR" sz="1800">
+                <a:latin typeface="맑은 고딕" charset="0"/>
+                <a:ea typeface="맑은 고딕" charset="0"/>
+              </a:rPr>
+              <a:t>한</a:t>
+            </a:r>
+            <a:r>
+              <a:rPr lang="ko-KR" sz="1800">
+                <a:latin typeface="맑은 고딕" charset="0"/>
+                <a:ea typeface="맑은 고딕" charset="0"/>
+              </a:rPr>
+              <a:t> 다음</a:t>
             </a:r>
             <a:r>
               <a:rPr sz="1800">
                 <a:latin typeface="맑은 고딕" charset="0"/>
                 <a:ea typeface="맑은 고딕" charset="0"/>
               </a:rPr>
-              <a:t>Mouse</a:t>
+              <a:t> Mouse</a:t>
             </a:r>
             <a:r>
               <a:rPr lang="ko-KR" sz="1800">
@@ -12195,14 +14135,7 @@
                 <a:latin typeface="맑은 고딕" charset="0"/>
                 <a:ea typeface="맑은 고딕" charset="0"/>
               </a:rPr>
-              <a:t> 캐릭터를</a:t>
-            </a:r>
-            <a:r>
-              <a:rPr sz="1800">
-                <a:latin typeface="맑은 고딕" charset="0"/>
-                <a:ea typeface="맑은 고딕" charset="0"/>
-              </a:rPr>
-              <a:t> </a:t>
+              <a:t> 캐릭터를 </a:t>
             </a:r>
             <a:r>
               <a:rPr lang="ko-KR" sz="1800">
@@ -12227,7 +14160,7 @@
       </p:sp>
       <p:pic>
         <p:nvPicPr>
-          <p:cNvPr id="37" name="그림 5" descr="C:/Users/Admin1/AppData/Roaming/PolarisOffice/ETemp/20852_9486176/fImage4039922476334.png"/>
+          <p:cNvPr id="37" name="그림 5" descr="C:/Users/Admin1/AppData/Roaming/PolarisOffice/ETemp/29888_17492856/fImage4039922476334.png"/>
           <p:cNvPicPr>
             <a:picLocks noChangeAspect="1"/>
           </p:cNvPicPr>
@@ -12248,7 +14181,7 @@
         <p:spPr>
           <a:xfrm rot="0">
             <a:off x="1238885" y="1454785"/>
-            <a:ext cx="4133215" cy="3559810"/>
+            <a:ext cx="4133850" cy="3644900"/>
           </a:xfrm>
           <a:prstGeom prst="roundRect"/>
           <a:solidFill>
@@ -12326,7 +14259,7 @@
       </p:sp>
       <p:pic>
         <p:nvPicPr>
-          <p:cNvPr id="39" name="그림 9" descr="C:/Users/Admin1/AppData/Roaming/PolarisOffice/ETemp/20852_9486176/fImage69912496500.png"/>
+          <p:cNvPr id="39" name="그림 9"/>
           <p:cNvPicPr>
             <a:picLocks noChangeAspect="1"/>
           </p:cNvPicPr>
@@ -12357,7 +14290,7 @@
       </p:pic>
       <p:pic>
         <p:nvPicPr>
-          <p:cNvPr id="40" name="그림 10" descr="C:/Users/Admin1/AppData/Roaming/PolarisOffice/ETemp/20852_9486176/fImage39102509169.png"/>
+          <p:cNvPr id="40" name="그림 10"/>
           <p:cNvPicPr>
             <a:picLocks noChangeAspect="1"/>
           </p:cNvPicPr>
@@ -12388,7 +14321,7 @@
       </p:pic>
       <p:pic>
         <p:nvPicPr>
-          <p:cNvPr id="41" name="그림 11" descr="C:/Users/Admin1/AppData/Roaming/PolarisOffice/ETemp/20852_9486176/fImage67822515724.png"/>
+          <p:cNvPr id="41" name="그림 11"/>
           <p:cNvPicPr>
             <a:picLocks noChangeAspect="1"/>
           </p:cNvPicPr>
@@ -12419,7 +14352,7 @@
       </p:pic>
       <p:pic>
         <p:nvPicPr>
-          <p:cNvPr id="42" name="그림 16" descr="C:/Users/Admin1/AppData/Roaming/PolarisOffice/ETemp/20852_9486176/fImage2242172521478.png"/>
+          <p:cNvPr id="42" name="그림 16"/>
           <p:cNvPicPr>
             <a:picLocks noChangeAspect="1"/>
           </p:cNvPicPr>
@@ -12456,8 +14389,8 @@
         </p:nvSpPr>
         <p:spPr>
           <a:xfrm rot="0">
-            <a:off x="6811010" y="5269230"/>
-            <a:ext cx="4152265" cy="862330"/>
+            <a:off x="6819900" y="5346700"/>
+            <a:ext cx="4152900" cy="862965"/>
           </a:xfrm>
           <a:prstGeom prst="rect"/>
           <a:noFill/>
@@ -12480,21 +14413,59 @@
                 <a:latin typeface="맑은 고딕" charset="0"/>
                 <a:ea typeface="맑은 고딕" charset="0"/>
               </a:rPr>
-              <a:t>5. </a:t>
+              <a:t>5.</a:t>
+            </a:r>
+            <a:r>
+              <a:rPr sz="2000" b="1">
+                <a:solidFill>
+                  <a:srgbClr val="0611F2"/>
+                </a:solidFill>
+                <a:latin typeface="맑은 고딕" charset="0"/>
+                <a:ea typeface="맑은 고딕" charset="0"/>
+              </a:rPr>
+              <a:t> </a:t>
             </a:r>
             <a:r>
               <a:rPr sz="1800">
                 <a:latin typeface="맑은 고딕" charset="0"/>
                 <a:ea typeface="맑은 고딕" charset="0"/>
               </a:rPr>
-              <a:t>그다음 다운로드 받은 캐릭터를 유니티 Pr</a:t>
-            </a:r>
-            <a:r>
-              <a:rPr lang="ko-KR" sz="1800">
-                <a:latin typeface="맑은 고딕" charset="0"/>
-                <a:ea typeface="맑은 고딕" charset="0"/>
-              </a:rPr>
-              <a:t>oject 폴더에 있는 Model 폴더에 넣어줍니다.</a:t>
+              <a:t>그다음 다운로드 받은 캐릭터를 </a:t>
+            </a:r>
+            <a:r>
+              <a:rPr sz="1800">
+                <a:latin typeface="맑은 고딕" charset="0"/>
+                <a:ea typeface="맑은 고딕" charset="0"/>
+              </a:rPr>
+              <a:t>유니티</a:t>
+            </a:r>
+            <a:r>
+              <a:rPr sz="1800">
+                <a:latin typeface="맑은 고딕" charset="0"/>
+                <a:ea typeface="맑은 고딕" charset="0"/>
+              </a:rPr>
+              <a:t> Pr</a:t>
+            </a:r>
+            <a:r>
+              <a:rPr lang="ko-KR" sz="1800">
+                <a:latin typeface="맑은 고딕" charset="0"/>
+                <a:ea typeface="맑은 고딕" charset="0"/>
+              </a:rPr>
+              <a:t>oject 폴더에 있는 Model </a:t>
+            </a:r>
+            <a:r>
+              <a:rPr lang="ko-KR" sz="1800">
+                <a:latin typeface="맑은 고딕" charset="0"/>
+                <a:ea typeface="맑은 고딕" charset="0"/>
+              </a:rPr>
+              <a:t>폴더에</a:t>
+            </a:r>
+            <a:r>
+              <a:rPr lang="ko-KR" sz="1800">
+                <a:latin typeface="맑은 고딕" charset="0"/>
+                <a:ea typeface="맑은 고딕" charset="0"/>
+              </a:rPr>
+              <a:t> 넣어줍니다.</a:t>
             </a:r>
             <a:endParaRPr lang="ko-KR" altLang="en-US" sz="1800">
               <a:latin typeface="맑은 고딕" charset="0"/>
@@ -12746,7 +14717,7 @@
       </p:sp>
       <p:pic>
         <p:nvPicPr>
-          <p:cNvPr id="41" name="그림 18" descr="C:/Users/Admin1/AppData/Roaming/PolarisOffice/ETemp/20852_9486176/fImage286112549358.png"/>
+          <p:cNvPr id="41" name="그림 18" descr="C:/Users/Admin1/AppData/Roaming/PolarisOffice/ETemp/29888_17492856/fImage286112549358.png"/>
           <p:cNvPicPr>
             <a:picLocks noChangeAspect="1"/>
           </p:cNvPicPr>
@@ -12766,16 +14737,18 @@
         </p:blipFill>
         <p:spPr>
           <a:xfrm rot="0">
-            <a:off x="1238250" y="1445895"/>
-            <a:ext cx="4140200" cy="3629025"/>
-          </a:xfrm>
-          <a:prstGeom prst="rect"/>
-          <a:noFill/>
+            <a:off x="1240790" y="1445895"/>
+            <a:ext cx="4147185" cy="3629660"/>
+          </a:xfrm>
+          <a:prstGeom prst="roundRect"/>
+          <a:solidFill>
+            <a:srgbClr val="EDEDED"/>
+          </a:solidFill>
         </p:spPr>
       </p:pic>
       <p:pic>
         <p:nvPicPr>
-          <p:cNvPr id="42" name="그림 22" descr="C:/Users/Admin1/AppData/Roaming/PolarisOffice/ETemp/20852_9486176/fImage267442556962.png"/>
+          <p:cNvPr id="42" name="그림 22" descr="C:/Users/Admin1/AppData/Roaming/PolarisOffice/ETemp/29888_17492856/fImage267442556962.png"/>
           <p:cNvPicPr>
             <a:picLocks noChangeAspect="1"/>
           </p:cNvPicPr>
@@ -12796,15 +14769,17 @@
         <p:spPr>
           <a:xfrm rot="0">
             <a:off x="6823710" y="1454785"/>
-            <a:ext cx="4139565" cy="2512060"/>
-          </a:xfrm>
-          <a:prstGeom prst="rect"/>
-          <a:noFill/>
+            <a:ext cx="4142105" cy="2512695"/>
+          </a:xfrm>
+          <a:prstGeom prst="roundRect"/>
+          <a:solidFill>
+            <a:srgbClr val="EDEDED"/>
+          </a:solidFill>
         </p:spPr>
       </p:pic>
       <p:pic>
         <p:nvPicPr>
-          <p:cNvPr id="43" name="그림 24" descr="C:/Users/Admin1/AppData/Roaming/PolarisOffice/ETemp/20852_9486176/fImage237152564464.png"/>
+          <p:cNvPr id="43" name="그림 24"/>
           <p:cNvPicPr>
             <a:picLocks noChangeAspect="1"/>
           </p:cNvPicPr>
